--- a/meeting/数据分析应用的数据特征.pptx
+++ b/meeting/数据分析应用的数据特征.pptx
@@ -12,14 +12,16 @@
     <p:sldId id="513" r:id="rId5"/>
     <p:sldId id="480" r:id="rId6"/>
     <p:sldId id="527" r:id="rId7"/>
-    <p:sldId id="528" r:id="rId8"/>
-    <p:sldId id="529" r:id="rId9"/>
-    <p:sldId id="516" r:id="rId10"/>
-    <p:sldId id="518" r:id="rId11"/>
-    <p:sldId id="521" r:id="rId12"/>
-    <p:sldId id="522" r:id="rId13"/>
-    <p:sldId id="530" r:id="rId14"/>
-    <p:sldId id="464" r:id="rId15"/>
+    <p:sldId id="536" r:id="rId8"/>
+    <p:sldId id="537" r:id="rId9"/>
+    <p:sldId id="528" r:id="rId10"/>
+    <p:sldId id="529" r:id="rId11"/>
+    <p:sldId id="516" r:id="rId12"/>
+    <p:sldId id="518" r:id="rId13"/>
+    <p:sldId id="521" r:id="rId14"/>
+    <p:sldId id="522" r:id="rId15"/>
+    <p:sldId id="530" r:id="rId16"/>
+    <p:sldId id="464" r:id="rId17"/>
   </p:sldIdLst>
   <p:sldSz cx="12192000" cy="6858000"/>
   <p:notesSz cx="6858000" cy="9144000"/>
@@ -652,7 +654,19 @@
               <a:rPr>
                 <a:sym typeface="+mn-ea"/>
               </a:rPr>
-              <a:t>* 接下来是请求吞吐率</a:t>
+              <a:t> </a:t>
+            </a:r>
+            <a:r>
+              <a:rPr lang="en-US">
+                <a:sym typeface="+mn-ea"/>
+              </a:rPr>
+              <a:t>* </a:t>
+            </a:r>
+            <a:r>
+              <a:rPr>
+                <a:sym typeface="+mn-ea"/>
+              </a:rPr>
+              <a:t>S3 is not designed to sustain high request rate for small objects</a:t>
             </a:r>
             <a:endParaRPr>
               <a:sym typeface="+mn-ea"/>
@@ -663,18 +677,42 @@
               <a:rPr>
                 <a:sym typeface="+mn-ea"/>
               </a:rPr>
-              <a:t>  * 下面这张表格展示了随数据对象大小变化时，S3和redis的请求吞吐量限制</a:t>
-            </a:r>
-            <a:endParaRPr>
-              <a:sym typeface="+mn-ea"/>
-            </a:endParaRPr>
-          </a:p>
-          <a:p>
+              <a:t> </a:t>
+            </a:r>
+            <a:r>
+              <a:rPr lang="en-US">
+                <a:sym typeface="+mn-ea"/>
+              </a:rPr>
+              <a:t>* </a:t>
+            </a:r>
             <a:r>
               <a:rPr>
                 <a:sym typeface="+mn-ea"/>
               </a:rPr>
-              <a:t>  * 可以看出S3的请求速率是受限的，尤其是对于小文件的读写无法提供较高的吞吐率，可以看到对于10KB大小的文件S3的吞吐量比Redis低了两个数量级</a:t>
+              <a:t>S3 is a multi-tenant service, there is an imposed limit on request throughput per S3 bucket for the benefit of overall availabilityB大小的文件S3的吞吐量比</a:t>
+            </a:r>
+            <a:r>
+              <a:rPr lang="en-US">
+                <a:sym typeface="+mn-ea"/>
+              </a:rPr>
+              <a:t>        </a:t>
+            </a:r>
+            <a:endParaRPr lang="en-US">
+              <a:sym typeface="+mn-ea"/>
+            </a:endParaRPr>
+          </a:p>
+          <a:p>
+            <a:r>
+              <a:rPr lang="en-US">
+                <a:sym typeface="+mn-ea"/>
+              </a:rPr>
+              <a:t>   </a:t>
+            </a:r>
+            <a:r>
+              <a:rPr>
+                <a:sym typeface="+mn-ea"/>
+              </a:rPr>
+              <a:t>Redis低了两个数量级</a:t>
             </a:r>
             <a:endParaRPr>
               <a:sym typeface="+mn-ea"/>
@@ -722,6 +760,154 @@
         <p:txBody>
           <a:bodyPr/>
           <a:p>
+            <a:r>
+              <a:rPr>
+                <a:sym typeface="+mn-ea"/>
+              </a:rPr>
+              <a:t>* 接下来是请求吞吐率</a:t>
+            </a:r>
+            <a:endParaRPr>
+              <a:sym typeface="+mn-ea"/>
+            </a:endParaRPr>
+          </a:p>
+          <a:p>
+            <a:r>
+              <a:rPr>
+                <a:sym typeface="+mn-ea"/>
+              </a:rPr>
+              <a:t>  * 下面这张表格展示了随数据对象大小变化时，S3和redis的请求吞吐量限制</a:t>
+            </a:r>
+            <a:endParaRPr>
+              <a:sym typeface="+mn-ea"/>
+            </a:endParaRPr>
+          </a:p>
+          <a:p>
+            <a:r>
+              <a:rPr>
+                <a:sym typeface="+mn-ea"/>
+              </a:rPr>
+              <a:t>  * 可以看出S3的请求速率是受限的，尤其是对于小文件的读写无法提供较高的吞吐率，可以看到对于10KB大小的文件S3的吞吐量比Redis低了两个数量级</a:t>
+            </a:r>
+            <a:endParaRPr>
+              <a:sym typeface="+mn-ea"/>
+            </a:endParaRPr>
+          </a:p>
+        </p:txBody>
+      </p:sp>
+    </p:spTree>
+  </p:cSld>
+  <p:clrMapOvr>
+    <a:masterClrMapping/>
+  </p:clrMapOvr>
+</p:notes>
+</file>
+
+<file path=ppt/notesSlides/notesSlide13.xml><?xml version="1.0" encoding="utf-8"?>
+<p:notes xmlns:a="http://schemas.openxmlformats.org/drawingml/2006/main" xmlns:r="http://schemas.openxmlformats.org/officeDocument/2006/relationships" xmlns:p="http://schemas.openxmlformats.org/presentationml/2006/main">
+  <p:cSld>
+    <p:spTree>
+      <p:nvGrpSpPr>
+        <p:cNvPr id="1" name=""/>
+        <p:cNvGrpSpPr/>
+        <p:nvPr/>
+      </p:nvGrpSpPr>
+      <p:grpSpPr/>
+      <p:sp>
+        <p:nvSpPr>
+          <p:cNvPr id="2" name="幻灯片图像占位符 1"/>
+          <p:cNvSpPr/>
+          <p:nvPr>
+            <p:ph type="sldImg" idx="2"/>
+          </p:nvPr>
+        </p:nvSpPr>
+        <p:spPr/>
+      </p:sp>
+      <p:sp>
+        <p:nvSpPr>
+          <p:cNvPr id="3" name="文本占位符 2"/>
+          <p:cNvSpPr/>
+          <p:nvPr>
+            <p:ph type="body" idx="3"/>
+          </p:nvPr>
+        </p:nvSpPr>
+        <p:spPr/>
+        <p:txBody>
+          <a:bodyPr/>
+          <a:p>
+            <a:r>
+              <a:rPr>
+                <a:sym typeface="+mn-ea"/>
+              </a:rPr>
+              <a:t>* 接下来是请求吞吐率</a:t>
+            </a:r>
+            <a:endParaRPr>
+              <a:sym typeface="+mn-ea"/>
+            </a:endParaRPr>
+          </a:p>
+          <a:p>
+            <a:r>
+              <a:rPr>
+                <a:sym typeface="+mn-ea"/>
+              </a:rPr>
+              <a:t>  * 下面这张表格展示了随数据对象大小变化时，S3和redis的请求吞吐量限制</a:t>
+            </a:r>
+            <a:endParaRPr>
+              <a:sym typeface="+mn-ea"/>
+            </a:endParaRPr>
+          </a:p>
+          <a:p>
+            <a:r>
+              <a:rPr>
+                <a:sym typeface="+mn-ea"/>
+              </a:rPr>
+              <a:t>  * 可以看出S3的请求速率是受限的，尤其是对于小文件的读写无法提供较高的吞吐率，可以看到对于10KB大小的文件S3的吞吐量比Redis低了两个数量级</a:t>
+            </a:r>
+            <a:endParaRPr>
+              <a:sym typeface="+mn-ea"/>
+            </a:endParaRPr>
+          </a:p>
+        </p:txBody>
+      </p:sp>
+    </p:spTree>
+  </p:cSld>
+  <p:clrMapOvr>
+    <a:masterClrMapping/>
+  </p:clrMapOvr>
+</p:notes>
+</file>
+
+<file path=ppt/notesSlides/notesSlide14.xml><?xml version="1.0" encoding="utf-8"?>
+<p:notes xmlns:a="http://schemas.openxmlformats.org/drawingml/2006/main" xmlns:r="http://schemas.openxmlformats.org/officeDocument/2006/relationships" xmlns:p="http://schemas.openxmlformats.org/presentationml/2006/main">
+  <p:cSld>
+    <p:spTree>
+      <p:nvGrpSpPr>
+        <p:cNvPr id="1" name=""/>
+        <p:cNvGrpSpPr/>
+        <p:nvPr/>
+      </p:nvGrpSpPr>
+      <p:grpSpPr/>
+      <p:sp>
+        <p:nvSpPr>
+          <p:cNvPr id="2" name="幻灯片图像占位符 1"/>
+          <p:cNvSpPr/>
+          <p:nvPr>
+            <p:ph type="sldImg" idx="2"/>
+          </p:nvPr>
+        </p:nvSpPr>
+        <p:spPr/>
+      </p:sp>
+      <p:sp>
+        <p:nvSpPr>
+          <p:cNvPr id="3" name="文本占位符 2"/>
+          <p:cNvSpPr/>
+          <p:nvPr>
+            <p:ph type="body" idx="3"/>
+          </p:nvPr>
+        </p:nvSpPr>
+        <p:spPr/>
+        <p:txBody>
+          <a:bodyPr/>
+          <a:p>
             <a:endParaRPr lang="zh-CN" altLang="en-US"/>
           </a:p>
         </p:txBody>
@@ -934,10 +1120,57 @@
           <a:bodyPr/>
           <a:p>
             <a:r>
+              <a:rPr lang="en-US">
+                <a:sym typeface="+mn-ea"/>
+              </a:rPr>
+              <a:t>* MapReduce sort </a:t>
+            </a:r>
+            <a:r>
+              <a:rPr lang="zh-CN" altLang="en-US">
+                <a:sym typeface="+mn-ea"/>
+              </a:rPr>
+              <a:t>（</a:t>
+            </a:r>
+            <a:r>
+              <a:rPr lang="en-US" altLang="zh-CN">
+                <a:sym typeface="+mn-ea"/>
+              </a:rPr>
+              <a:t>Terasort</a:t>
+            </a:r>
+            <a:r>
+              <a:rPr lang="zh-CN" altLang="en-US">
+                <a:sym typeface="+mn-ea"/>
+              </a:rPr>
+              <a:t>）</a:t>
+            </a:r>
+            <a:endParaRPr>
+              <a:sym typeface="+mn-ea"/>
+            </a:endParaRPr>
+          </a:p>
+          <a:p>
+            <a:r>
+              <a:rPr lang="en-US">
+                <a:sym typeface="+mn-ea"/>
+              </a:rPr>
+              <a:t>** </a:t>
+            </a:r>
+            <a:r>
               <a:rPr>
                 <a:sym typeface="+mn-ea"/>
               </a:rPr>
-              <a:t>* 接下来是请求吞吐率</a:t>
+              <a:t>We implemented</a:t>
+            </a:r>
+            <a:r>
+              <a:rPr lang="en-US">
+                <a:sym typeface="+mn-ea"/>
+              </a:rPr>
+              <a:t> </a:t>
+            </a:r>
+            <a:r>
+              <a:rPr>
+                <a:sym typeface="+mn-ea"/>
+              </a:rPr>
+              <a:t>the Terasort [30] algorithm to perform sort in two stages: </a:t>
             </a:r>
             <a:endParaRPr>
               <a:sym typeface="+mn-ea"/>
@@ -945,10 +1178,75 @@
           </a:p>
           <a:p>
             <a:r>
+              <a:rPr lang="en-US">
+                <a:sym typeface="+mn-ea"/>
+              </a:rPr>
+              <a:t>** </a:t>
+            </a:r>
+            <a:r>
               <a:rPr>
                 <a:sym typeface="+mn-ea"/>
               </a:rPr>
-              <a:t>  * 下面这张表格展示了随数据对象大小变化时，S3和redis的请求吞吐量限制</a:t>
+              <a:t>a partition</a:t>
+            </a:r>
+            <a:r>
+              <a:rPr lang="en-US">
+                <a:sym typeface="+mn-ea"/>
+              </a:rPr>
+              <a:t> </a:t>
+            </a:r>
+            <a:r>
+              <a:rPr>
+                <a:sym typeface="+mn-ea"/>
+              </a:rPr>
+              <a:t>stage that range-partitions the input and writes out to intermediate</a:t>
+            </a:r>
+            <a:r>
+              <a:rPr lang="en-US">
+                <a:sym typeface="+mn-ea"/>
+              </a:rPr>
+              <a:t> </a:t>
+            </a:r>
+            <a:r>
+              <a:rPr>
+                <a:sym typeface="+mn-ea"/>
+              </a:rPr>
+              <a:t>storage</a:t>
+            </a:r>
+            <a:r>
+              <a:rPr lang="zh-CN">
+                <a:sym typeface="+mn-ea"/>
+              </a:rPr>
+              <a:t>；</a:t>
+            </a:r>
+            <a:endParaRPr lang="zh-CN">
+              <a:sym typeface="+mn-ea"/>
+            </a:endParaRPr>
+          </a:p>
+          <a:p>
+            <a:r>
+              <a:rPr lang="en-US">
+                <a:sym typeface="+mn-ea"/>
+              </a:rPr>
+              <a:t>** </a:t>
+            </a:r>
+            <a:r>
+              <a:rPr>
+                <a:sym typeface="+mn-ea"/>
+              </a:rPr>
+              <a:t>a merge stage that, for each partition, merges and sorts</a:t>
+            </a:r>
+            <a:r>
+              <a:rPr lang="en-US">
+                <a:sym typeface="+mn-ea"/>
+              </a:rPr>
+              <a:t> </a:t>
+            </a:r>
+            <a:r>
+              <a:rPr>
+                <a:sym typeface="+mn-ea"/>
+              </a:rPr>
+              <a:t>all intermediate data for that partition and writes out the sorted output</a:t>
             </a:r>
             <a:endParaRPr>
               <a:sym typeface="+mn-ea"/>
@@ -956,12 +1254,51 @@
           </a:p>
           <a:p>
             <a:r>
-              <a:rPr>
+              <a:rPr lang="en-US">
                 <a:sym typeface="+mn-ea"/>
               </a:rPr>
-              <a:t>  * 可以看出S3的请求速率是受限的，尤其是对于小文件的读写无法提供较高的吞吐率，可以看到对于10KB大小的文件S3的吞吐量比Redis低了两个数量级</a:t>
-            </a:r>
-            <a:endParaRPr>
+              <a:t>** Each intermediate file is written and read only once and its size is directly proportional to the dataset size and inversely related to the number of   </a:t>
+            </a:r>
+            <a:endParaRPr lang="en-US">
+              <a:sym typeface="+mn-ea"/>
+            </a:endParaRPr>
+          </a:p>
+          <a:p>
+            <a:r>
+              <a:rPr lang="en-US">
+                <a:sym typeface="+mn-ea"/>
+              </a:rPr>
+              <a:t>    workers</a:t>
+            </a:r>
+            <a:endParaRPr lang="en-US">
+              <a:sym typeface="+mn-ea"/>
+            </a:endParaRPr>
+          </a:p>
+          <a:p>
+            <a:r>
+              <a:rPr lang="en-US">
+                <a:sym typeface="+mn-ea"/>
+              </a:rPr>
+              <a:t>** I/O </a:t>
+            </a:r>
+            <a:r>
+              <a:rPr lang="en-US">
+                <a:sym typeface="+mn-ea"/>
+              </a:rPr>
+              <a:t>intensive</a:t>
+            </a:r>
+            <a:endParaRPr lang="en-US">
+              <a:sym typeface="+mn-ea"/>
+            </a:endParaRPr>
+          </a:p>
+          <a:p>
+            <a:r>
+              <a:rPr lang="en-US">
+                <a:sym typeface="+mn-ea"/>
+              </a:rPr>
+              <a:t>** gensort Data Generator. http://www.ordinal.com/gensort.html.</a:t>
+            </a:r>
+            <a:endParaRPr lang="en-US">
               <a:sym typeface="+mn-ea"/>
             </a:endParaRPr>
           </a:p>
@@ -1008,10 +1345,45 @@
           <a:bodyPr/>
           <a:p>
             <a:r>
+              <a:rPr lang="en-US">
+                <a:sym typeface="+mn-ea"/>
+              </a:rPr>
+              <a:t>* Video analytics </a:t>
+            </a:r>
+            <a:r>
+              <a:rPr lang="zh-CN" altLang="en-US">
+                <a:sym typeface="+mn-ea"/>
+              </a:rPr>
+              <a:t>（Thousand Island Scanner(THIS)）</a:t>
+            </a:r>
+            <a:endParaRPr>
+              <a:sym typeface="+mn-ea"/>
+            </a:endParaRPr>
+          </a:p>
+          <a:p>
+            <a:r>
+              <a:rPr lang="en-US">
+                <a:sym typeface="+mn-ea"/>
+              </a:rPr>
+              <a:t>** </a:t>
+            </a:r>
+            <a:r>
               <a:rPr>
                 <a:sym typeface="+mn-ea"/>
               </a:rPr>
-              <a:t>* 接下来是请求吞吐率</a:t>
+              <a:t>The input is an encoded video that is divided</a:t>
+            </a:r>
+            <a:r>
+              <a:rPr lang="en-US">
+                <a:sym typeface="+mn-ea"/>
+              </a:rPr>
+              <a:t> </a:t>
+            </a:r>
+            <a:r>
+              <a:rPr>
+                <a:sym typeface="+mn-ea"/>
+              </a:rPr>
+              <a:t>into batches and uploaded to ephemeral storage. </a:t>
             </a:r>
             <a:endParaRPr>
               <a:sym typeface="+mn-ea"/>
@@ -1019,10 +1391,40 @@
           </a:p>
           <a:p>
             <a:r>
+              <a:rPr lang="en-US">
+                <a:sym typeface="+mn-ea"/>
+              </a:rPr>
+              <a:t>** </a:t>
+            </a:r>
+            <a:r>
               <a:rPr>
                 <a:sym typeface="+mn-ea"/>
               </a:rPr>
-              <a:t>  * 下面这张表格展示了随数据对象大小变化时，S3和redis的请求吞吐量限制</a:t>
+              <a:t>First</a:t>
+            </a:r>
+            <a:r>
+              <a:rPr lang="en-US">
+                <a:sym typeface="+mn-ea"/>
+              </a:rPr>
+              <a:t> </a:t>
+            </a:r>
+            <a:r>
+              <a:rPr>
+                <a:sym typeface="+mn-ea"/>
+              </a:rPr>
+              <a:t>stage lambdas read a batch of encoded video frames from</a:t>
+            </a:r>
+            <a:r>
+              <a:rPr lang="en-US">
+                <a:sym typeface="+mn-ea"/>
+              </a:rPr>
+              <a:t> </a:t>
+            </a:r>
+            <a:r>
+              <a:rPr>
+                <a:sym typeface="+mn-ea"/>
+              </a:rPr>
+              <a:t>ephemeral storage and write back decoded video frames.</a:t>
             </a:r>
             <a:endParaRPr>
               <a:sym typeface="+mn-ea"/>
@@ -1030,10 +1432,57 @@
           </a:p>
           <a:p>
             <a:r>
+              <a:rPr lang="en-US">
+                <a:sym typeface="+mn-ea"/>
+              </a:rPr>
+              <a:t>** </a:t>
+            </a:r>
+            <a:r>
               <a:rPr>
                 <a:sym typeface="+mn-ea"/>
               </a:rPr>
-              <a:t>  * 可以看出S3的请求速率是受限的，尤其是对于小文件的读写无法提供较高的吞吐率，可以看到对于10KB大小的文件S3的吞吐量比Redis低了两个数量级</a:t>
+              <a:t>Each lambda then launches a second stage lambda which</a:t>
+            </a:r>
+            <a:r>
+              <a:rPr lang="en-US">
+                <a:sym typeface="+mn-ea"/>
+              </a:rPr>
+              <a:t> </a:t>
+            </a:r>
+            <a:r>
+              <a:rPr>
+                <a:sym typeface="+mn-ea"/>
+              </a:rPr>
+              <a:t>reads a set of decoded frames from ephemeral storage,</a:t>
+            </a:r>
+            <a:r>
+              <a:rPr lang="en-US">
+                <a:sym typeface="+mn-ea"/>
+              </a:rPr>
+              <a:t> </a:t>
+            </a:r>
+            <a:r>
+              <a:rPr>
+                <a:sym typeface="+mn-ea"/>
+              </a:rPr>
+              <a:t>computes a MXNET deep learning classification algorithm and outputs a </a:t>
+            </a:r>
+            <a:endParaRPr>
+              <a:sym typeface="+mn-ea"/>
+            </a:endParaRPr>
+          </a:p>
+          <a:p>
+            <a:r>
+              <a:rPr lang="en-US">
+                <a:sym typeface="+mn-ea"/>
+              </a:rPr>
+              <a:t>    </a:t>
+            </a:r>
+            <a:r>
+              <a:rPr>
+                <a:sym typeface="+mn-ea"/>
+              </a:rPr>
+              <a:t>classification result</a:t>
             </a:r>
             <a:endParaRPr>
               <a:sym typeface="+mn-ea"/>
@@ -1082,34 +1531,26 @@
           <a:bodyPr/>
           <a:p>
             <a:r>
-              <a:rPr>
+              <a:rPr lang="en-US">
                 <a:sym typeface="+mn-ea"/>
               </a:rPr>
-              <a:t>* 接下来是请求吞吐率</a:t>
+              <a:t>* </a:t>
+            </a:r>
+            <a:r>
+              <a:rPr lang="en-US" altLang="zh-CN" b="1">
+                <a:uFillTx/>
+                <a:latin typeface="微软雅黑" panose="020B0503020204020204" charset="-122"/>
+                <a:ea typeface="微软雅黑" panose="020B0503020204020204" charset="-122"/>
+                <a:sym typeface="+mn-ea"/>
+              </a:rPr>
+              <a:t>Distributed compilation</a:t>
             </a:r>
             <a:endParaRPr>
               <a:sym typeface="+mn-ea"/>
             </a:endParaRPr>
           </a:p>
           <a:p>
-            <a:r>
-              <a:rPr>
-                <a:sym typeface="+mn-ea"/>
-              </a:rPr>
-              <a:t>  * 下面这张表格展示了随数据对象大小变化时，S3和redis的请求吞吐量限制</a:t>
-            </a:r>
-            <a:endParaRPr>
-              <a:sym typeface="+mn-ea"/>
-            </a:endParaRPr>
-          </a:p>
-          <a:p>
-            <a:r>
-              <a:rPr>
-                <a:sym typeface="+mn-ea"/>
-              </a:rPr>
-              <a:t>  * 可以看出S3的请求速率是受限的，尤其是对于小文件的读写无法提供较高的吞吐率，可以看到对于10KB大小的文件S3的吞吐量比Redis低了两个数量级</a:t>
-            </a:r>
-            <a:endParaRPr>
+            <a:endParaRPr lang="en-US">
               <a:sym typeface="+mn-ea"/>
             </a:endParaRPr>
           </a:p>
@@ -4665,15 +5106,14 @@
                 <a:latin typeface="微软雅黑" panose="020B0503020204020204" charset="-122"/>
                 <a:ea typeface="微软雅黑" panose="020B0503020204020204" charset="-122"/>
               </a:rPr>
-              <a:t>S3/Redis latency</a:t>
-            </a:r>
-            <a:endParaRPr lang="en-US" altLang="zh-CN" b="1">
+              <a:t>Data access frequency</a:t>
+            </a:r>
+            <a:endParaRPr lang="en-US" altLang="zh-CN">
               <a:solidFill>
                 <a:schemeClr val="tx1"/>
               </a:solidFill>
               <a:uFillTx/>
-              <a:latin typeface="微软雅黑" panose="020B0503020204020204" charset="-122"/>
-              <a:ea typeface="微软雅黑" panose="020B0503020204020204" charset="-122"/>
+              <a:latin typeface="等线" panose="02010600030101010101" charset="-122"/>
             </a:endParaRPr>
           </a:p>
           <a:p>
@@ -4696,23 +5136,11 @@
               <a:latin typeface="等线" panose="02010600030101010101" charset="-122"/>
             </a:endParaRPr>
           </a:p>
-          <a:p>
-            <a:pPr marL="914400" lvl="2" indent="0">
-              <a:buNone/>
-            </a:pPr>
-            <a:endParaRPr lang="en-US" altLang="zh-CN">
-              <a:solidFill>
-                <a:schemeClr val="tx1"/>
-              </a:solidFill>
-              <a:uFillTx/>
-              <a:latin typeface="等线" panose="02010600030101010101" charset="-122"/>
-            </a:endParaRPr>
-          </a:p>
         </p:txBody>
       </p:sp>
       <p:pic>
         <p:nvPicPr>
-          <p:cNvPr id="7" name="图片 6"/>
+          <p:cNvPr id="5" name="图片 4"/>
           <p:cNvPicPr>
             <a:picLocks noChangeAspect="1"/>
           </p:cNvPicPr>
@@ -4726,100 +5154,24 @@
         </p:blipFill>
         <p:spPr>
           <a:xfrm>
-            <a:off x="1511300" y="2559050"/>
-            <a:ext cx="9169400" cy="3227070"/>
+            <a:off x="3710940" y="3195320"/>
+            <a:ext cx="5079365" cy="3266440"/>
           </a:xfrm>
           <a:prstGeom prst="rect">
             <a:avLst/>
           </a:prstGeom>
         </p:spPr>
       </p:pic>
-      <p:cxnSp>
-        <p:nvCxnSpPr>
-          <p:cNvPr id="5" name="直接连接符 4"/>
-          <p:cNvCxnSpPr/>
-          <p:nvPr/>
-        </p:nvCxnSpPr>
-        <p:spPr>
-          <a:xfrm flipV="1">
-            <a:off x="5069205" y="2676525"/>
-            <a:ext cx="0" cy="2712720"/>
-          </a:xfrm>
-          <a:prstGeom prst="line">
-            <a:avLst/>
-          </a:prstGeom>
-          <a:ln w="38100" cmpd="sng">
-            <a:solidFill>
-              <a:srgbClr val="00B050"/>
-            </a:solidFill>
-            <a:prstDash val="sysDash"/>
-            <a:headEnd type="none" w="med" len="med"/>
-            <a:tailEnd type="none" w="med" len="med"/>
-          </a:ln>
-        </p:spPr>
-        <p:style>
-          <a:lnRef idx="1">
-            <a:schemeClr val="accent1"/>
-          </a:lnRef>
-          <a:fillRef idx="0">
-            <a:schemeClr val="accent1"/>
-          </a:fillRef>
-          <a:effectRef idx="0">
-            <a:schemeClr val="accent1"/>
-          </a:effectRef>
-          <a:fontRef idx="minor">
-            <a:schemeClr val="tx1"/>
-          </a:fontRef>
-        </p:style>
-      </p:cxnSp>
-      <p:cxnSp>
-        <p:nvCxnSpPr>
-          <p:cNvPr id="6" name="直接连接符 5"/>
-          <p:cNvCxnSpPr/>
-          <p:nvPr/>
-        </p:nvCxnSpPr>
-        <p:spPr>
-          <a:xfrm flipV="1">
-            <a:off x="9743440" y="2677160"/>
-            <a:ext cx="0" cy="2712720"/>
-          </a:xfrm>
-          <a:prstGeom prst="line">
-            <a:avLst/>
-          </a:prstGeom>
-          <a:ln w="38100" cmpd="sng">
-            <a:solidFill>
-              <a:srgbClr val="00B050"/>
-            </a:solidFill>
-            <a:prstDash val="sysDash"/>
-            <a:headEnd type="none" w="med" len="med"/>
-            <a:tailEnd type="none" w="med" len="med"/>
-          </a:ln>
-        </p:spPr>
-        <p:style>
-          <a:lnRef idx="1">
-            <a:schemeClr val="accent1"/>
-          </a:lnRef>
-          <a:fillRef idx="0">
-            <a:schemeClr val="accent1"/>
-          </a:fillRef>
-          <a:effectRef idx="0">
-            <a:schemeClr val="accent1"/>
-          </a:effectRef>
-          <a:fontRef idx="minor">
-            <a:schemeClr val="tx1"/>
-          </a:fontRef>
-        </p:style>
-      </p:cxnSp>
-      <p:sp>
-        <p:nvSpPr>
-          <p:cNvPr id="8" name="文本框 7"/>
+      <p:sp>
+        <p:nvSpPr>
+          <p:cNvPr id="6" name="文本框 5"/>
           <p:cNvSpPr txBox="1"/>
           <p:nvPr/>
         </p:nvSpPr>
         <p:spPr>
           <a:xfrm>
-            <a:off x="3230245" y="5786120"/>
-            <a:ext cx="5971540" cy="645160"/>
+            <a:off x="838200" y="2564765"/>
+            <a:ext cx="2185670" cy="368300"/>
           </a:xfrm>
           <a:prstGeom prst="rect">
             <a:avLst/>
@@ -4836,27 +5188,171 @@
                 <a:latin typeface="微软雅黑" panose="020B0503020204020204" charset="-122"/>
                 <a:ea typeface="微软雅黑" panose="020B0503020204020204" charset="-122"/>
               </a:rPr>
-              <a:t> Latency of write (left) and read (right) operations </a:t>
+              <a:t>Application Type</a:t>
             </a:r>
             <a:endParaRPr lang="zh-CN" altLang="en-US" b="1">
               <a:latin typeface="微软雅黑" panose="020B0503020204020204" charset="-122"/>
               <a:ea typeface="微软雅黑" panose="020B0503020204020204" charset="-122"/>
             </a:endParaRPr>
           </a:p>
-          <a:p>
-            <a:r>
-              <a:rPr lang="en-US" altLang="zh-CN" b="1">
-                <a:latin typeface="微软雅黑" panose="020B0503020204020204" charset="-122"/>
-                <a:ea typeface="微软雅黑" panose="020B0503020204020204" charset="-122"/>
-              </a:rPr>
-              <a:t>     </a:t>
-            </a:r>
+        </p:txBody>
+      </p:sp>
+      <p:sp>
+        <p:nvSpPr>
+          <p:cNvPr id="7" name="文本框 6"/>
+          <p:cNvSpPr txBox="1"/>
+          <p:nvPr/>
+        </p:nvSpPr>
+        <p:spPr>
+          <a:xfrm>
+            <a:off x="1240155" y="3348355"/>
+            <a:ext cx="1381760" cy="645160"/>
+          </a:xfrm>
+          <a:prstGeom prst="rect">
+            <a:avLst/>
+          </a:prstGeom>
+          <a:noFill/>
+        </p:spPr>
+        <p:txBody>
+          <a:bodyPr wrap="square" rtlCol="0">
+            <a:spAutoFit/>
+          </a:bodyPr>
+          <a:p>
+            <a:r>
+              <a:rPr lang="en-US" altLang="zh-CN">
+                <a:ea typeface="+mn-lt"/>
+              </a:rPr>
+              <a:t> </a:t>
+            </a:r>
+            <a:r>
+              <a:rPr lang="zh-CN" altLang="en-US">
+                <a:ea typeface="+mn-lt"/>
+              </a:rPr>
+              <a:t>Distributed</a:t>
+            </a:r>
+            <a:endParaRPr lang="zh-CN" altLang="en-US">
+              <a:ea typeface="+mn-lt"/>
+            </a:endParaRPr>
+          </a:p>
+          <a:p>
+            <a:r>
+              <a:rPr lang="zh-CN" altLang="en-US">
+                <a:ea typeface="+mn-lt"/>
+              </a:rPr>
+              <a:t>Compilation</a:t>
+            </a:r>
+            <a:endParaRPr lang="zh-CN" altLang="en-US">
+              <a:ea typeface="+mn-lt"/>
+            </a:endParaRPr>
+          </a:p>
+        </p:txBody>
+      </p:sp>
+      <p:sp>
+        <p:nvSpPr>
+          <p:cNvPr id="8" name="文本框 7"/>
+          <p:cNvSpPr txBox="1"/>
+          <p:nvPr/>
+        </p:nvSpPr>
+        <p:spPr>
+          <a:xfrm>
+            <a:off x="1250315" y="4408805"/>
+            <a:ext cx="1371600" cy="368300"/>
+          </a:xfrm>
+          <a:prstGeom prst="rect">
+            <a:avLst/>
+          </a:prstGeom>
+          <a:noFill/>
+        </p:spPr>
+        <p:txBody>
+          <a:bodyPr wrap="square" rtlCol="0">
+            <a:spAutoFit/>
+          </a:bodyPr>
+          <a:p>
+            <a:r>
+              <a:rPr lang="zh-CN" altLang="en-US">
+                <a:ea typeface="+mn-lt"/>
+              </a:rPr>
+              <a:t>MapReduce</a:t>
+            </a:r>
+            <a:endParaRPr lang="zh-CN" altLang="en-US">
+              <a:ea typeface="+mn-lt"/>
+            </a:endParaRPr>
+          </a:p>
+        </p:txBody>
+      </p:sp>
+      <p:sp>
+        <p:nvSpPr>
+          <p:cNvPr id="9" name="文本框 8"/>
+          <p:cNvSpPr txBox="1"/>
+          <p:nvPr/>
+        </p:nvSpPr>
+        <p:spPr>
+          <a:xfrm>
+            <a:off x="1088390" y="5405755"/>
+            <a:ext cx="1695450" cy="368300"/>
+          </a:xfrm>
+          <a:prstGeom prst="rect">
+            <a:avLst/>
+          </a:prstGeom>
+          <a:noFill/>
+        </p:spPr>
+        <p:txBody>
+          <a:bodyPr wrap="square" rtlCol="0">
+            <a:spAutoFit/>
+          </a:bodyPr>
+          <a:p>
+            <a:r>
+              <a:rPr lang="zh-CN" altLang="en-US">
+                <a:ea typeface="+mn-lt"/>
+              </a:rPr>
+              <a:t>Video Analytics</a:t>
+            </a:r>
+            <a:endParaRPr lang="zh-CN" altLang="en-US">
+              <a:ea typeface="+mn-lt"/>
+            </a:endParaRPr>
+          </a:p>
+        </p:txBody>
+      </p:sp>
+      <p:sp>
+        <p:nvSpPr>
+          <p:cNvPr id="10" name="文本框 9"/>
+          <p:cNvSpPr txBox="1"/>
+          <p:nvPr/>
+        </p:nvSpPr>
+        <p:spPr>
+          <a:xfrm>
+            <a:off x="4702175" y="2426335"/>
+            <a:ext cx="3509645" cy="645160"/>
+          </a:xfrm>
+          <a:prstGeom prst="rect">
+            <a:avLst/>
+          </a:prstGeom>
+          <a:noFill/>
+        </p:spPr>
+        <p:txBody>
+          <a:bodyPr wrap="square" rtlCol="0">
+            <a:spAutoFit/>
+          </a:bodyPr>
+          <a:p>
             <a:r>
               <a:rPr lang="zh-CN" altLang="en-US" b="1">
                 <a:latin typeface="微软雅黑" panose="020B0503020204020204" charset="-122"/>
                 <a:ea typeface="微软雅黑" panose="020B0503020204020204" charset="-122"/>
               </a:rPr>
-              <a:t>using different AWS data storage services</a:t>
+              <a:t>Ephemeral I/O Throughput:</a:t>
+            </a:r>
+            <a:endParaRPr lang="zh-CN" altLang="en-US" b="1">
+              <a:latin typeface="微软雅黑" panose="020B0503020204020204" charset="-122"/>
+              <a:ea typeface="微软雅黑" panose="020B0503020204020204" charset="-122"/>
+            </a:endParaRPr>
+          </a:p>
+          <a:p>
+            <a:r>
+              <a:rPr lang="zh-CN" altLang="en-US" b="1">
+                <a:latin typeface="微软雅黑" panose="020B0503020204020204" charset="-122"/>
+                <a:ea typeface="微软雅黑" panose="020B0503020204020204" charset="-122"/>
+              </a:rPr>
+              <a:t>Write (dotted), Read (solid)</a:t>
             </a:r>
             <a:r>
               <a:rPr lang="en-US" altLang="zh-CN" b="1" baseline="30000">
@@ -4868,6 +5364,140 @@
             <a:endParaRPr lang="en-US" altLang="zh-CN" b="1" baseline="30000">
               <a:latin typeface="微软雅黑" panose="020B0503020204020204" charset="-122"/>
               <a:ea typeface="微软雅黑" panose="020B0503020204020204" charset="-122"/>
+            </a:endParaRPr>
+          </a:p>
+        </p:txBody>
+      </p:sp>
+      <p:sp>
+        <p:nvSpPr>
+          <p:cNvPr id="11" name="文本框 10"/>
+          <p:cNvSpPr txBox="1"/>
+          <p:nvPr/>
+        </p:nvSpPr>
+        <p:spPr>
+          <a:xfrm>
+            <a:off x="9646285" y="2564765"/>
+            <a:ext cx="2185670" cy="368300"/>
+          </a:xfrm>
+          <a:prstGeom prst="rect">
+            <a:avLst/>
+          </a:prstGeom>
+          <a:noFill/>
+        </p:spPr>
+        <p:txBody>
+          <a:bodyPr wrap="square" rtlCol="0">
+            <a:spAutoFit/>
+          </a:bodyPr>
+          <a:p>
+            <a:r>
+              <a:rPr lang="zh-CN" altLang="en-US" b="1">
+                <a:latin typeface="微软雅黑" panose="020B0503020204020204" charset="-122"/>
+                <a:ea typeface="微软雅黑" panose="020B0503020204020204" charset="-122"/>
+              </a:rPr>
+              <a:t>Application Type</a:t>
+            </a:r>
+            <a:endParaRPr lang="zh-CN" altLang="en-US" b="1">
+              <a:latin typeface="微软雅黑" panose="020B0503020204020204" charset="-122"/>
+              <a:ea typeface="微软雅黑" panose="020B0503020204020204" charset="-122"/>
+            </a:endParaRPr>
+          </a:p>
+        </p:txBody>
+      </p:sp>
+      <p:sp>
+        <p:nvSpPr>
+          <p:cNvPr id="14" name="文本框 13"/>
+          <p:cNvSpPr txBox="1"/>
+          <p:nvPr/>
+        </p:nvSpPr>
+        <p:spPr>
+          <a:xfrm>
+            <a:off x="10293350" y="3348355"/>
+            <a:ext cx="901700" cy="368300"/>
+          </a:xfrm>
+          <a:prstGeom prst="rect">
+            <a:avLst/>
+          </a:prstGeom>
+          <a:noFill/>
+        </p:spPr>
+        <p:txBody>
+          <a:bodyPr wrap="square" rtlCol="0">
+            <a:spAutoFit/>
+          </a:bodyPr>
+          <a:p>
+            <a:r>
+              <a:rPr lang="en-US" altLang="zh-CN">
+                <a:ea typeface="+mn-lt"/>
+              </a:rPr>
+              <a:t>0.95GB</a:t>
+            </a:r>
+            <a:endParaRPr lang="en-US" altLang="zh-CN">
+              <a:ea typeface="+mn-lt"/>
+            </a:endParaRPr>
+          </a:p>
+        </p:txBody>
+      </p:sp>
+      <p:sp>
+        <p:nvSpPr>
+          <p:cNvPr id="15" name="文本框 14"/>
+          <p:cNvSpPr txBox="1"/>
+          <p:nvPr/>
+        </p:nvSpPr>
+        <p:spPr>
+          <a:xfrm>
+            <a:off x="10323195" y="4408805"/>
+            <a:ext cx="831850" cy="368300"/>
+          </a:xfrm>
+          <a:prstGeom prst="rect">
+            <a:avLst/>
+          </a:prstGeom>
+          <a:noFill/>
+        </p:spPr>
+        <p:txBody>
+          <a:bodyPr wrap="square" rtlCol="0">
+            <a:spAutoFit/>
+          </a:bodyPr>
+          <a:p>
+            <a:r>
+              <a:rPr lang="en-US" altLang="zh-CN">
+                <a:ea typeface="+mn-lt"/>
+              </a:rPr>
+              <a:t>100GB</a:t>
+            </a:r>
+            <a:endParaRPr lang="zh-CN" altLang="en-US">
+              <a:ea typeface="+mn-lt"/>
+            </a:endParaRPr>
+          </a:p>
+        </p:txBody>
+      </p:sp>
+      <p:sp>
+        <p:nvSpPr>
+          <p:cNvPr id="16" name="文本框 15"/>
+          <p:cNvSpPr txBox="1"/>
+          <p:nvPr/>
+        </p:nvSpPr>
+        <p:spPr>
+          <a:xfrm>
+            <a:off x="10438765" y="5405755"/>
+            <a:ext cx="600075" cy="368300"/>
+          </a:xfrm>
+          <a:prstGeom prst="rect">
+            <a:avLst/>
+          </a:prstGeom>
+          <a:noFill/>
+        </p:spPr>
+        <p:txBody>
+          <a:bodyPr wrap="square" rtlCol="0">
+            <a:spAutoFit/>
+          </a:bodyPr>
+          <a:p>
+            <a:r>
+              <a:rPr lang="en-US" altLang="zh-CN">
+                <a:ea typeface="+mn-lt"/>
+              </a:rPr>
+              <a:t>6GB</a:t>
+            </a:r>
+            <a:endParaRPr lang="en-US" altLang="zh-CN">
+              <a:ea typeface="+mn-lt"/>
             </a:endParaRPr>
           </a:p>
         </p:txBody>
@@ -4902,7 +5532,7 @@
                 </a:solidFill>
                 <a:sym typeface="+mn-ea"/>
               </a:rPr>
-              <a:t>[1] Towards Latency Sensitive Cloud Native Applications: A Performance Study on AWS  CLOUD’19</a:t>
+              <a:t>[1] Understanding Ephemeral Storage for Serverless Analytics  ATC’18</a:t>
             </a:r>
             <a:endParaRPr lang="en-US" altLang="zh-CN" sz="1600">
               <a:solidFill>
@@ -4949,11 +5579,11 @@
           <a:p>
             <a:r>
               <a:rPr lang="zh-CN" altLang="en-US"/>
-              <a:t>定量</a:t>
+              <a:t>数据分析应用的</a:t>
             </a:r>
             <a:r>
               <a:rPr lang="zh-CN" altLang="en-US"/>
-              <a:t>实验</a:t>
+              <a:t>数据特征</a:t>
             </a:r>
             <a:endParaRPr lang="zh-CN" altLang="en-US"/>
           </a:p>
@@ -4990,6 +5620,58 @@
                 <a:latin typeface="等线" panose="02010600030101010101" charset="-122"/>
               </a:rPr>
               <a:t> </a:t>
+            </a:r>
+            <a:r>
+              <a:rPr lang="en-US" altLang="zh-CN" b="1">
+                <a:solidFill>
+                  <a:schemeClr val="tx1"/>
+                </a:solidFill>
+                <a:uFillTx/>
+                <a:latin typeface="微软雅黑" panose="020B0503020204020204" charset="-122"/>
+                <a:ea typeface="微软雅黑" panose="020B0503020204020204" charset="-122"/>
+              </a:rPr>
+              <a:t>S3/Redis throughput</a:t>
+            </a:r>
+            <a:endParaRPr lang="en-US" altLang="zh-CN" b="1">
+              <a:solidFill>
+                <a:schemeClr val="tx1"/>
+              </a:solidFill>
+              <a:uFillTx/>
+              <a:latin typeface="微软雅黑" panose="020B0503020204020204" charset="-122"/>
+              <a:ea typeface="微软雅黑" panose="020B0503020204020204" charset="-122"/>
+            </a:endParaRPr>
+          </a:p>
+          <a:p>
+            <a:pPr lvl="1"/>
+            <a:r>
+              <a:rPr lang="en-US" altLang="zh-CN">
+                <a:solidFill>
+                  <a:schemeClr val="tx1"/>
+                </a:solidFill>
+                <a:uFillTx/>
+                <a:latin typeface="等线" panose="02010600030101010101" charset="-122"/>
+              </a:rPr>
+              <a:t> S3 is not designed to sustain high request rate for small objects</a:t>
+            </a:r>
+            <a:endParaRPr lang="en-US" altLang="zh-CN">
+              <a:solidFill>
+                <a:schemeClr val="tx1"/>
+              </a:solidFill>
+              <a:uFillTx/>
+              <a:latin typeface="等线" panose="02010600030101010101" charset="-122"/>
+            </a:endParaRPr>
+          </a:p>
+          <a:p>
+            <a:pPr lvl="1"/>
+            <a:r>
+              <a:rPr lang="en-US" altLang="zh-CN">
+                <a:solidFill>
+                  <a:schemeClr val="tx1"/>
+                </a:solidFill>
+                <a:uFillTx/>
+                <a:latin typeface="等线" panose="02010600030101010101" charset="-122"/>
+              </a:rPr>
+              <a:t> S3 is a multi-tenant service, there is an imposed limit on request throughput per S3 bucket for the benefit of overall availability</a:t>
             </a:r>
             <a:endParaRPr lang="en-US" altLang="zh-CN">
               <a:solidFill>
@@ -5013,6 +5695,153 @@
           </a:p>
         </p:txBody>
       </p:sp>
+      <p:pic>
+        <p:nvPicPr>
+          <p:cNvPr id="7" name="图片 6"/>
+          <p:cNvPicPr>
+            <a:picLocks noChangeAspect="1"/>
+          </p:cNvPicPr>
+          <p:nvPr/>
+        </p:nvPicPr>
+        <p:blipFill>
+          <a:blip r:embed="rId1"/>
+          <a:stretch>
+            <a:fillRect/>
+          </a:stretch>
+        </p:blipFill>
+        <p:spPr>
+          <a:xfrm>
+            <a:off x="3296285" y="3125470"/>
+            <a:ext cx="5908040" cy="3027045"/>
+          </a:xfrm>
+          <a:prstGeom prst="rect">
+            <a:avLst/>
+          </a:prstGeom>
+        </p:spPr>
+      </p:pic>
+      <p:sp>
+        <p:nvSpPr>
+          <p:cNvPr id="8" name="文本框 7"/>
+          <p:cNvSpPr txBox="1"/>
+          <p:nvPr/>
+        </p:nvSpPr>
+        <p:spPr>
+          <a:xfrm>
+            <a:off x="4302125" y="6152515"/>
+            <a:ext cx="4688840" cy="368300"/>
+          </a:xfrm>
+          <a:prstGeom prst="rect">
+            <a:avLst/>
+          </a:prstGeom>
+          <a:noFill/>
+        </p:spPr>
+        <p:txBody>
+          <a:bodyPr wrap="square" rtlCol="0">
+            <a:spAutoFit/>
+          </a:bodyPr>
+          <a:p>
+            <a:r>
+              <a:rPr lang="zh-CN" altLang="en-US" b="1">
+                <a:latin typeface="微软雅黑" panose="020B0503020204020204" charset="-122"/>
+                <a:ea typeface="微软雅黑" panose="020B0503020204020204" charset="-122"/>
+              </a:rPr>
+              <a:t>Peak storage throughput per lambda</a:t>
+            </a:r>
+            <a:r>
+              <a:rPr lang="en-US" altLang="zh-CN" b="1" baseline="30000">
+                <a:latin typeface="微软雅黑" panose="020B0503020204020204" charset="-122"/>
+                <a:ea typeface="微软雅黑" panose="020B0503020204020204" charset="-122"/>
+              </a:rPr>
+              <a:t>[1]</a:t>
+            </a:r>
+            <a:endParaRPr lang="en-US" altLang="zh-CN" b="1" baseline="30000">
+              <a:latin typeface="微软雅黑" panose="020B0503020204020204" charset="-122"/>
+              <a:ea typeface="微软雅黑" panose="020B0503020204020204" charset="-122"/>
+            </a:endParaRPr>
+          </a:p>
+        </p:txBody>
+      </p:sp>
+      <p:cxnSp>
+        <p:nvCxnSpPr>
+          <p:cNvPr id="5" name="直接连接符 4"/>
+          <p:cNvCxnSpPr/>
+          <p:nvPr/>
+        </p:nvCxnSpPr>
+        <p:spPr>
+          <a:xfrm flipV="1">
+            <a:off x="6965315" y="3164840"/>
+            <a:ext cx="2540" cy="2609850"/>
+          </a:xfrm>
+          <a:prstGeom prst="line">
+            <a:avLst/>
+          </a:prstGeom>
+          <a:ln w="38100" cmpd="sng">
+            <a:solidFill>
+              <a:srgbClr val="00B050"/>
+            </a:solidFill>
+            <a:prstDash val="sysDash"/>
+            <a:headEnd type="none" w="med" len="med"/>
+            <a:tailEnd type="none" w="med" len="med"/>
+          </a:ln>
+        </p:spPr>
+        <p:style>
+          <a:lnRef idx="1">
+            <a:schemeClr val="accent1"/>
+          </a:lnRef>
+          <a:fillRef idx="0">
+            <a:schemeClr val="accent1"/>
+          </a:fillRef>
+          <a:effectRef idx="0">
+            <a:schemeClr val="accent1"/>
+          </a:effectRef>
+          <a:fontRef idx="minor">
+            <a:schemeClr val="tx1"/>
+          </a:fontRef>
+        </p:style>
+      </p:cxnSp>
+      <p:sp>
+        <p:nvSpPr>
+          <p:cNvPr id="19" name="文本框 18"/>
+          <p:cNvSpPr txBox="1"/>
+          <p:nvPr/>
+        </p:nvSpPr>
+        <p:spPr>
+          <a:xfrm>
+            <a:off x="0" y="6520815"/>
+            <a:ext cx="11722735" cy="337185"/>
+          </a:xfrm>
+          <a:prstGeom prst="rect">
+            <a:avLst/>
+          </a:prstGeom>
+          <a:noFill/>
+        </p:spPr>
+        <p:txBody>
+          <a:bodyPr wrap="square" rtlCol="0">
+            <a:spAutoFit/>
+          </a:bodyPr>
+          <a:p>
+            <a:r>
+              <a:rPr lang="en-US" altLang="zh-CN" sz="1600">
+                <a:solidFill>
+                  <a:schemeClr val="bg2">
+                    <a:lumMod val="50000"/>
+                  </a:schemeClr>
+                </a:solidFill>
+                <a:sym typeface="+mn-ea"/>
+              </a:rPr>
+              <a:t>[1] Understanding Ephemeral Storage for Serverless Analytics  ATC’18</a:t>
+            </a:r>
+            <a:endParaRPr lang="en-US" altLang="zh-CN" sz="1600">
+              <a:solidFill>
+                <a:schemeClr val="bg2">
+                  <a:lumMod val="50000"/>
+                </a:schemeClr>
+              </a:solidFill>
+              <a:sym typeface="+mn-ea"/>
+            </a:endParaRPr>
+          </a:p>
+        </p:txBody>
+      </p:sp>
     </p:spTree>
   </p:cSld>
   <p:clrMapOvr>
@@ -5022,6 +5851,439 @@
 </file>
 
 <file path=ppt/slides/slide12.xml><?xml version="1.0" encoding="utf-8"?>
+<p:sld xmlns:a="http://schemas.openxmlformats.org/drawingml/2006/main" xmlns:r="http://schemas.openxmlformats.org/officeDocument/2006/relationships" xmlns:p="http://schemas.openxmlformats.org/presentationml/2006/main">
+  <p:cSld>
+    <p:spTree>
+      <p:nvGrpSpPr>
+        <p:cNvPr id="1" name=""/>
+        <p:cNvGrpSpPr/>
+        <p:nvPr/>
+      </p:nvGrpSpPr>
+      <p:grpSpPr/>
+      <p:sp>
+        <p:nvSpPr>
+          <p:cNvPr id="2" name="标题 1"/>
+          <p:cNvSpPr>
+            <a:spLocks noGrp="1"/>
+          </p:cNvSpPr>
+          <p:nvPr>
+            <p:ph type="title"/>
+          </p:nvPr>
+        </p:nvSpPr>
+        <p:spPr/>
+        <p:txBody>
+          <a:bodyPr/>
+          <a:p>
+            <a:r>
+              <a:rPr lang="zh-CN" altLang="en-US"/>
+              <a:t>数据分析应用的</a:t>
+            </a:r>
+            <a:r>
+              <a:rPr lang="zh-CN" altLang="en-US"/>
+              <a:t>数据特征</a:t>
+            </a:r>
+            <a:endParaRPr lang="zh-CN" altLang="en-US"/>
+          </a:p>
+        </p:txBody>
+      </p:sp>
+      <p:sp>
+        <p:nvSpPr>
+          <p:cNvPr id="3" name="内容占位符 2"/>
+          <p:cNvSpPr>
+            <a:spLocks noGrp="1"/>
+          </p:cNvSpPr>
+          <p:nvPr>
+            <p:ph idx="1"/>
+          </p:nvPr>
+        </p:nvSpPr>
+        <p:spPr>
+          <a:xfrm>
+            <a:off x="838200" y="1383030"/>
+            <a:ext cx="10824845" cy="5300345"/>
+          </a:xfrm>
+        </p:spPr>
+        <p:txBody>
+          <a:bodyPr>
+            <a:normAutofit/>
+          </a:bodyPr>
+          <a:p>
+            <a:pPr lvl="0"/>
+            <a:r>
+              <a:rPr lang="en-US" altLang="zh-CN">
+                <a:solidFill>
+                  <a:schemeClr val="tx1"/>
+                </a:solidFill>
+                <a:uFillTx/>
+                <a:latin typeface="等线" panose="02010600030101010101" charset="-122"/>
+              </a:rPr>
+              <a:t> </a:t>
+            </a:r>
+            <a:r>
+              <a:rPr lang="en-US" altLang="zh-CN" b="1">
+                <a:solidFill>
+                  <a:schemeClr val="tx1"/>
+                </a:solidFill>
+                <a:uFillTx/>
+                <a:latin typeface="微软雅黑" panose="020B0503020204020204" charset="-122"/>
+                <a:ea typeface="微软雅黑" panose="020B0503020204020204" charset="-122"/>
+              </a:rPr>
+              <a:t>S3/Redis latency</a:t>
+            </a:r>
+            <a:endParaRPr lang="en-US" altLang="zh-CN" b="1">
+              <a:solidFill>
+                <a:schemeClr val="tx1"/>
+              </a:solidFill>
+              <a:uFillTx/>
+              <a:latin typeface="微软雅黑" panose="020B0503020204020204" charset="-122"/>
+              <a:ea typeface="微软雅黑" panose="020B0503020204020204" charset="-122"/>
+            </a:endParaRPr>
+          </a:p>
+          <a:p>
+            <a:pPr lvl="1"/>
+            <a:r>
+              <a:rPr lang="en-US" altLang="zh-CN">
+                <a:solidFill>
+                  <a:schemeClr val="tx1"/>
+                </a:solidFill>
+                <a:uFillTx/>
+                <a:latin typeface="等线" panose="02010600030101010101" charset="-122"/>
+              </a:rPr>
+              <a:t> </a:t>
+            </a:r>
+            <a:endParaRPr lang="en-US" altLang="zh-CN">
+              <a:solidFill>
+                <a:schemeClr val="tx1"/>
+              </a:solidFill>
+              <a:uFillTx/>
+              <a:latin typeface="等线" panose="02010600030101010101" charset="-122"/>
+            </a:endParaRPr>
+          </a:p>
+          <a:p>
+            <a:pPr marL="914400" lvl="2" indent="0">
+              <a:buNone/>
+            </a:pPr>
+            <a:endParaRPr lang="en-US" altLang="zh-CN">
+              <a:solidFill>
+                <a:schemeClr val="tx1"/>
+              </a:solidFill>
+              <a:uFillTx/>
+              <a:latin typeface="等线" panose="02010600030101010101" charset="-122"/>
+            </a:endParaRPr>
+          </a:p>
+        </p:txBody>
+      </p:sp>
+      <p:pic>
+        <p:nvPicPr>
+          <p:cNvPr id="7" name="图片 6"/>
+          <p:cNvPicPr>
+            <a:picLocks noChangeAspect="1"/>
+          </p:cNvPicPr>
+          <p:nvPr/>
+        </p:nvPicPr>
+        <p:blipFill>
+          <a:blip r:embed="rId1"/>
+          <a:stretch>
+            <a:fillRect/>
+          </a:stretch>
+        </p:blipFill>
+        <p:spPr>
+          <a:xfrm>
+            <a:off x="1511300" y="2559050"/>
+            <a:ext cx="9169400" cy="3227070"/>
+          </a:xfrm>
+          <a:prstGeom prst="rect">
+            <a:avLst/>
+          </a:prstGeom>
+        </p:spPr>
+      </p:pic>
+      <p:cxnSp>
+        <p:nvCxnSpPr>
+          <p:cNvPr id="5" name="直接连接符 4"/>
+          <p:cNvCxnSpPr/>
+          <p:nvPr/>
+        </p:nvCxnSpPr>
+        <p:spPr>
+          <a:xfrm flipV="1">
+            <a:off x="5069205" y="2676525"/>
+            <a:ext cx="0" cy="2712720"/>
+          </a:xfrm>
+          <a:prstGeom prst="line">
+            <a:avLst/>
+          </a:prstGeom>
+          <a:ln w="38100" cmpd="sng">
+            <a:solidFill>
+              <a:srgbClr val="00B050"/>
+            </a:solidFill>
+            <a:prstDash val="sysDash"/>
+            <a:headEnd type="none" w="med" len="med"/>
+            <a:tailEnd type="none" w="med" len="med"/>
+          </a:ln>
+        </p:spPr>
+        <p:style>
+          <a:lnRef idx="1">
+            <a:schemeClr val="accent1"/>
+          </a:lnRef>
+          <a:fillRef idx="0">
+            <a:schemeClr val="accent1"/>
+          </a:fillRef>
+          <a:effectRef idx="0">
+            <a:schemeClr val="accent1"/>
+          </a:effectRef>
+          <a:fontRef idx="minor">
+            <a:schemeClr val="tx1"/>
+          </a:fontRef>
+        </p:style>
+      </p:cxnSp>
+      <p:cxnSp>
+        <p:nvCxnSpPr>
+          <p:cNvPr id="6" name="直接连接符 5"/>
+          <p:cNvCxnSpPr/>
+          <p:nvPr/>
+        </p:nvCxnSpPr>
+        <p:spPr>
+          <a:xfrm flipV="1">
+            <a:off x="9743440" y="2677160"/>
+            <a:ext cx="0" cy="2712720"/>
+          </a:xfrm>
+          <a:prstGeom prst="line">
+            <a:avLst/>
+          </a:prstGeom>
+          <a:ln w="38100" cmpd="sng">
+            <a:solidFill>
+              <a:srgbClr val="00B050"/>
+            </a:solidFill>
+            <a:prstDash val="sysDash"/>
+            <a:headEnd type="none" w="med" len="med"/>
+            <a:tailEnd type="none" w="med" len="med"/>
+          </a:ln>
+        </p:spPr>
+        <p:style>
+          <a:lnRef idx="1">
+            <a:schemeClr val="accent1"/>
+          </a:lnRef>
+          <a:fillRef idx="0">
+            <a:schemeClr val="accent1"/>
+          </a:fillRef>
+          <a:effectRef idx="0">
+            <a:schemeClr val="accent1"/>
+          </a:effectRef>
+          <a:fontRef idx="minor">
+            <a:schemeClr val="tx1"/>
+          </a:fontRef>
+        </p:style>
+      </p:cxnSp>
+      <p:sp>
+        <p:nvSpPr>
+          <p:cNvPr id="8" name="文本框 7"/>
+          <p:cNvSpPr txBox="1"/>
+          <p:nvPr/>
+        </p:nvSpPr>
+        <p:spPr>
+          <a:xfrm>
+            <a:off x="3230245" y="5786120"/>
+            <a:ext cx="5971540" cy="645160"/>
+          </a:xfrm>
+          <a:prstGeom prst="rect">
+            <a:avLst/>
+          </a:prstGeom>
+          <a:noFill/>
+        </p:spPr>
+        <p:txBody>
+          <a:bodyPr wrap="square" rtlCol="0">
+            <a:spAutoFit/>
+          </a:bodyPr>
+          <a:p>
+            <a:r>
+              <a:rPr lang="zh-CN" altLang="en-US" b="1">
+                <a:latin typeface="微软雅黑" panose="020B0503020204020204" charset="-122"/>
+                <a:ea typeface="微软雅黑" panose="020B0503020204020204" charset="-122"/>
+              </a:rPr>
+              <a:t> Latency of write (left) and read (right) operations </a:t>
+            </a:r>
+            <a:endParaRPr lang="zh-CN" altLang="en-US" b="1">
+              <a:latin typeface="微软雅黑" panose="020B0503020204020204" charset="-122"/>
+              <a:ea typeface="微软雅黑" panose="020B0503020204020204" charset="-122"/>
+            </a:endParaRPr>
+          </a:p>
+          <a:p>
+            <a:r>
+              <a:rPr lang="en-US" altLang="zh-CN" b="1">
+                <a:latin typeface="微软雅黑" panose="020B0503020204020204" charset="-122"/>
+                <a:ea typeface="微软雅黑" panose="020B0503020204020204" charset="-122"/>
+              </a:rPr>
+              <a:t>     </a:t>
+            </a:r>
+            <a:r>
+              <a:rPr lang="zh-CN" altLang="en-US" b="1">
+                <a:latin typeface="微软雅黑" panose="020B0503020204020204" charset="-122"/>
+                <a:ea typeface="微软雅黑" panose="020B0503020204020204" charset="-122"/>
+              </a:rPr>
+              <a:t>using different AWS data storage services</a:t>
+            </a:r>
+            <a:r>
+              <a:rPr lang="en-US" altLang="zh-CN" b="1" baseline="30000">
+                <a:latin typeface="微软雅黑" panose="020B0503020204020204" charset="-122"/>
+                <a:ea typeface="微软雅黑" panose="020B0503020204020204" charset="-122"/>
+              </a:rPr>
+              <a:t>[1]</a:t>
+            </a:r>
+            <a:endParaRPr lang="en-US" altLang="zh-CN" b="1" baseline="30000">
+              <a:latin typeface="微软雅黑" panose="020B0503020204020204" charset="-122"/>
+              <a:ea typeface="微软雅黑" panose="020B0503020204020204" charset="-122"/>
+            </a:endParaRPr>
+          </a:p>
+        </p:txBody>
+      </p:sp>
+      <p:sp>
+        <p:nvSpPr>
+          <p:cNvPr id="19" name="文本框 18"/>
+          <p:cNvSpPr txBox="1"/>
+          <p:nvPr/>
+        </p:nvSpPr>
+        <p:spPr>
+          <a:xfrm>
+            <a:off x="0" y="6520815"/>
+            <a:ext cx="11722735" cy="337185"/>
+          </a:xfrm>
+          <a:prstGeom prst="rect">
+            <a:avLst/>
+          </a:prstGeom>
+          <a:noFill/>
+        </p:spPr>
+        <p:txBody>
+          <a:bodyPr wrap="square" rtlCol="0">
+            <a:spAutoFit/>
+          </a:bodyPr>
+          <a:p>
+            <a:r>
+              <a:rPr lang="en-US" altLang="zh-CN" sz="1600">
+                <a:solidFill>
+                  <a:schemeClr val="bg2">
+                    <a:lumMod val="50000"/>
+                  </a:schemeClr>
+                </a:solidFill>
+                <a:sym typeface="+mn-ea"/>
+              </a:rPr>
+              <a:t>[1] Towards Latency Sensitive Cloud Native Applications: A Performance Study on AWS  CLOUD’19</a:t>
+            </a:r>
+            <a:endParaRPr lang="en-US" altLang="zh-CN" sz="1600">
+              <a:solidFill>
+                <a:schemeClr val="bg2">
+                  <a:lumMod val="50000"/>
+                </a:schemeClr>
+              </a:solidFill>
+              <a:sym typeface="+mn-ea"/>
+            </a:endParaRPr>
+          </a:p>
+        </p:txBody>
+      </p:sp>
+    </p:spTree>
+  </p:cSld>
+  <p:clrMapOvr>
+    <a:masterClrMapping/>
+  </p:clrMapOvr>
+</p:sld>
+</file>
+
+<file path=ppt/slides/slide13.xml><?xml version="1.0" encoding="utf-8"?>
+<p:sld xmlns:a="http://schemas.openxmlformats.org/drawingml/2006/main" xmlns:r="http://schemas.openxmlformats.org/officeDocument/2006/relationships" xmlns:p="http://schemas.openxmlformats.org/presentationml/2006/main">
+  <p:cSld>
+    <p:spTree>
+      <p:nvGrpSpPr>
+        <p:cNvPr id="1" name=""/>
+        <p:cNvGrpSpPr/>
+        <p:nvPr/>
+      </p:nvGrpSpPr>
+      <p:grpSpPr/>
+      <p:sp>
+        <p:nvSpPr>
+          <p:cNvPr id="2" name="标题 1"/>
+          <p:cNvSpPr>
+            <a:spLocks noGrp="1"/>
+          </p:cNvSpPr>
+          <p:nvPr>
+            <p:ph type="title"/>
+          </p:nvPr>
+        </p:nvSpPr>
+        <p:spPr/>
+        <p:txBody>
+          <a:bodyPr/>
+          <a:p>
+            <a:r>
+              <a:rPr lang="zh-CN" altLang="en-US"/>
+              <a:t>定量</a:t>
+            </a:r>
+            <a:r>
+              <a:rPr lang="zh-CN" altLang="en-US"/>
+              <a:t>实验</a:t>
+            </a:r>
+            <a:endParaRPr lang="zh-CN" altLang="en-US"/>
+          </a:p>
+        </p:txBody>
+      </p:sp>
+      <p:sp>
+        <p:nvSpPr>
+          <p:cNvPr id="3" name="内容占位符 2"/>
+          <p:cNvSpPr>
+            <a:spLocks noGrp="1"/>
+          </p:cNvSpPr>
+          <p:nvPr>
+            <p:ph idx="1"/>
+          </p:nvPr>
+        </p:nvSpPr>
+        <p:spPr>
+          <a:xfrm>
+            <a:off x="838200" y="1383030"/>
+            <a:ext cx="10824845" cy="5300345"/>
+          </a:xfrm>
+        </p:spPr>
+        <p:txBody>
+          <a:bodyPr>
+            <a:normAutofit/>
+          </a:bodyPr>
+          <a:p>
+            <a:pPr lvl="0"/>
+            <a:r>
+              <a:rPr lang="en-US" altLang="zh-CN">
+                <a:solidFill>
+                  <a:schemeClr val="tx1"/>
+                </a:solidFill>
+                <a:uFillTx/>
+                <a:latin typeface="等线" panose="02010600030101010101" charset="-122"/>
+              </a:rPr>
+              <a:t> </a:t>
+            </a:r>
+            <a:endParaRPr lang="en-US" altLang="zh-CN">
+              <a:solidFill>
+                <a:schemeClr val="tx1"/>
+              </a:solidFill>
+              <a:uFillTx/>
+              <a:latin typeface="等线" panose="02010600030101010101" charset="-122"/>
+            </a:endParaRPr>
+          </a:p>
+          <a:p>
+            <a:pPr marL="914400" lvl="2" indent="0">
+              <a:buNone/>
+            </a:pPr>
+            <a:endParaRPr lang="en-US" altLang="zh-CN">
+              <a:solidFill>
+                <a:schemeClr val="tx1"/>
+              </a:solidFill>
+              <a:uFillTx/>
+              <a:latin typeface="等线" panose="02010600030101010101" charset="-122"/>
+            </a:endParaRPr>
+          </a:p>
+        </p:txBody>
+      </p:sp>
+    </p:spTree>
+  </p:cSld>
+  <p:clrMapOvr>
+    <a:masterClrMapping/>
+  </p:clrMapOvr>
+</p:sld>
+</file>
+
+<file path=ppt/slides/slide14.xml><?xml version="1.0" encoding="utf-8"?>
 <p:sld xmlns:a="http://schemas.openxmlformats.org/drawingml/2006/main" xmlns:r="http://schemas.openxmlformats.org/officeDocument/2006/relationships" xmlns:p="http://schemas.openxmlformats.org/presentationml/2006/main">
   <p:cSld>
     <p:spTree>
@@ -7275,17 +8537,7 @@
             </a:endParaRPr>
           </a:p>
           <a:p>
-            <a:pPr marL="0" indent="0"/>
-            <a:r>
-              <a:rPr lang="en-US" altLang="zh-CN">
-                <a:solidFill>
-                  <a:schemeClr val="tx1"/>
-                </a:solidFill>
-                <a:uFillTx/>
-                <a:latin typeface="等线" panose="02010600030101010101" charset="-122"/>
-              </a:rPr>
-              <a:t> </a:t>
-            </a:r>
+            <a:pPr marL="457200" lvl="1" indent="0"/>
             <a:r>
               <a:rPr lang="en-US" altLang="zh-CN" b="1">
                 <a:solidFill>
@@ -7295,8 +8547,89 @@
                 <a:latin typeface="微软雅黑" panose="020B0503020204020204" charset="-122"/>
                 <a:ea typeface="微软雅黑" panose="020B0503020204020204" charset="-122"/>
               </a:rPr>
-              <a:t>Video analytics</a:t>
-            </a:r>
+              <a:t> </a:t>
+            </a:r>
+            <a:r>
+              <a:rPr lang="en-US" altLang="zh-CN">
+                <a:solidFill>
+                  <a:schemeClr val="tx1"/>
+                </a:solidFill>
+                <a:uFillTx/>
+                <a:latin typeface="等线" panose="02010600030101010101" charset="-122"/>
+                <a:ea typeface="等线" panose="02010600030101010101" charset="-122"/>
+                <a:cs typeface="等线" panose="02010600030101010101" charset="-122"/>
+              </a:rPr>
+              <a:t>Two stage</a:t>
+            </a:r>
+            <a:r>
+              <a:rPr lang="zh-CN" altLang="en-US">
+                <a:solidFill>
+                  <a:schemeClr val="tx1"/>
+                </a:solidFill>
+                <a:uFillTx/>
+                <a:latin typeface="等线" panose="02010600030101010101" charset="-122"/>
+                <a:ea typeface="等线" panose="02010600030101010101" charset="-122"/>
+                <a:cs typeface="等线" panose="02010600030101010101" charset="-122"/>
+              </a:rPr>
+              <a:t>：</a:t>
+            </a:r>
+            <a:r>
+              <a:rPr lang="en-US" altLang="zh-CN">
+                <a:solidFill>
+                  <a:schemeClr val="tx1"/>
+                </a:solidFill>
+                <a:uFillTx/>
+                <a:latin typeface="+mn-lt"/>
+                <a:ea typeface="+mn-lt"/>
+              </a:rPr>
+              <a:t>partition stage </a:t>
+            </a:r>
+            <a:r>
+              <a:rPr lang="en-US" altLang="zh-CN">
+                <a:solidFill>
+                  <a:schemeClr val="tx1"/>
+                </a:solidFill>
+                <a:uFillTx/>
+                <a:latin typeface="+mn-lt"/>
+                <a:ea typeface="+mn-lt"/>
+              </a:rPr>
+              <a:t>and merge stage</a:t>
+            </a:r>
+            <a:endParaRPr lang="en-US" altLang="zh-CN">
+              <a:solidFill>
+                <a:schemeClr val="tx1"/>
+              </a:solidFill>
+              <a:uFillTx/>
+              <a:latin typeface="+mn-lt"/>
+              <a:ea typeface="+mn-lt"/>
+            </a:endParaRPr>
+          </a:p>
+          <a:p>
+            <a:pPr marL="457200" lvl="1" indent="0"/>
+            <a:r>
+              <a:rPr lang="en-US" altLang="zh-CN">
+                <a:solidFill>
+                  <a:schemeClr val="tx1"/>
+                </a:solidFill>
+                <a:uFillTx/>
+                <a:latin typeface="+mn-lt"/>
+                <a:ea typeface="+mn-lt"/>
+              </a:rPr>
+              <a:t> I/O-intensive</a:t>
+            </a:r>
+            <a:endParaRPr lang="en-US" altLang="zh-CN">
+              <a:solidFill>
+                <a:schemeClr val="tx1"/>
+              </a:solidFill>
+              <a:uFillTx/>
+              <a:latin typeface="+mn-lt"/>
+              <a:ea typeface="+mn-lt"/>
+            </a:endParaRPr>
+          </a:p>
+          <a:p>
+            <a:pPr marL="0" indent="0">
+              <a:buNone/>
+            </a:pPr>
             <a:endParaRPr lang="en-US" altLang="zh-CN" b="1">
               <a:solidFill>
                 <a:schemeClr val="tx1"/>
@@ -7306,37 +8639,4872 @@
               <a:ea typeface="微软雅黑" panose="020B0503020204020204" charset="-122"/>
             </a:endParaRPr>
           </a:p>
-          <a:p>
-            <a:pPr marL="0" indent="0"/>
-            <a:r>
-              <a:rPr lang="en-US" altLang="zh-CN" b="1">
-                <a:solidFill>
-                  <a:schemeClr val="tx1"/>
-                </a:solidFill>
-                <a:uFillTx/>
-                <a:latin typeface="微软雅黑" panose="020B0503020204020204" charset="-122"/>
-                <a:ea typeface="微软雅黑" panose="020B0503020204020204" charset="-122"/>
-              </a:rPr>
-              <a:t> Distributed </a:t>
-            </a:r>
-            <a:r>
-              <a:rPr lang="en-US" altLang="zh-CN" b="1">
-                <a:solidFill>
-                  <a:schemeClr val="tx1"/>
-                </a:solidFill>
-                <a:uFillTx/>
-                <a:latin typeface="微软雅黑" panose="020B0503020204020204" charset="-122"/>
-                <a:ea typeface="微软雅黑" panose="020B0503020204020204" charset="-122"/>
-              </a:rPr>
-              <a:t>compilation</a:t>
-            </a:r>
-            <a:endParaRPr lang="en-US" altLang="zh-CN" b="1">
+        </p:txBody>
+      </p:sp>
+      <p:sp>
+        <p:nvSpPr>
+          <p:cNvPr id="4" name="矩形 3"/>
+          <p:cNvSpPr/>
+          <p:nvPr/>
+        </p:nvSpPr>
+        <p:spPr>
+          <a:xfrm>
+            <a:off x="1945005" y="2971165"/>
+            <a:ext cx="1003935" cy="3166110"/>
+          </a:xfrm>
+          <a:prstGeom prst="rect">
+            <a:avLst/>
+          </a:prstGeom>
+          <a:solidFill>
+            <a:schemeClr val="bg2"/>
+          </a:solidFill>
+          <a:ln w="31750" cmpd="sng">
+            <a:solidFill>
+              <a:schemeClr val="bg2">
+                <a:lumMod val="75000"/>
+              </a:schemeClr>
+            </a:solidFill>
+            <a:prstDash val="sysDash"/>
+          </a:ln>
+        </p:spPr>
+        <p:style>
+          <a:lnRef idx="2">
+            <a:schemeClr val="accent1">
+              <a:shade val="50000"/>
+            </a:schemeClr>
+          </a:lnRef>
+          <a:fillRef idx="1">
+            <a:schemeClr val="accent1"/>
+          </a:fillRef>
+          <a:effectRef idx="0">
+            <a:schemeClr val="accent1"/>
+          </a:effectRef>
+          <a:fontRef idx="minor">
+            <a:schemeClr val="lt1"/>
+          </a:fontRef>
+        </p:style>
+        <p:txBody>
+          <a:bodyPr rtlCol="0" anchor="ctr"/>
+          <a:p>
+            <a:pPr algn="ctr"/>
+            <a:endParaRPr lang="zh-CN" altLang="en-US" dirty="0">
               <a:solidFill>
                 <a:schemeClr val="tx1"/>
               </a:solidFill>
-              <a:uFillTx/>
-              <a:latin typeface="微软雅黑" panose="020B0503020204020204" charset="-122"/>
-              <a:ea typeface="微软雅黑" panose="020B0503020204020204" charset="-122"/>
+            </a:endParaRPr>
+          </a:p>
+        </p:txBody>
+      </p:sp>
+      <p:sp>
+        <p:nvSpPr>
+          <p:cNvPr id="5" name="矩形 4"/>
+          <p:cNvSpPr/>
+          <p:nvPr/>
+        </p:nvSpPr>
+        <p:spPr>
+          <a:xfrm>
+            <a:off x="2056130" y="3074035"/>
+            <a:ext cx="781050" cy="294005"/>
+          </a:xfrm>
+          <a:prstGeom prst="rect">
+            <a:avLst/>
+          </a:prstGeom>
+          <a:noFill/>
+          <a:ln w="19050">
+            <a:solidFill>
+              <a:schemeClr val="tx1"/>
+            </a:solidFill>
+          </a:ln>
+        </p:spPr>
+        <p:style>
+          <a:lnRef idx="2">
+            <a:schemeClr val="accent1">
+              <a:shade val="50000"/>
+            </a:schemeClr>
+          </a:lnRef>
+          <a:fillRef idx="1">
+            <a:schemeClr val="accent1"/>
+          </a:fillRef>
+          <a:effectRef idx="0">
+            <a:schemeClr val="accent1"/>
+          </a:effectRef>
+          <a:fontRef idx="minor">
+            <a:schemeClr val="lt1"/>
+          </a:fontRef>
+        </p:style>
+        <p:txBody>
+          <a:bodyPr rtlCol="0" anchor="ctr"/>
+          <a:p>
+            <a:pPr algn="ctr"/>
+            <a:endParaRPr lang="zh-CN" altLang="en-US" dirty="0">
+              <a:solidFill>
+                <a:schemeClr val="tx1"/>
+              </a:solidFill>
+            </a:endParaRPr>
+          </a:p>
+        </p:txBody>
+      </p:sp>
+      <p:sp>
+        <p:nvSpPr>
+          <p:cNvPr id="7" name="文本框 6"/>
+          <p:cNvSpPr txBox="1"/>
+          <p:nvPr/>
+        </p:nvSpPr>
+        <p:spPr>
+          <a:xfrm>
+            <a:off x="2045970" y="3036570"/>
+            <a:ext cx="791210" cy="368300"/>
+          </a:xfrm>
+          <a:prstGeom prst="rect">
+            <a:avLst/>
+          </a:prstGeom>
+          <a:noFill/>
+        </p:spPr>
+        <p:txBody>
+          <a:bodyPr wrap="square" rtlCol="0">
+            <a:spAutoFit/>
+          </a:bodyPr>
+          <a:p>
+            <a:r>
+              <a:rPr lang="en-US" altLang="zh-CN"/>
+              <a:t>S</a:t>
+            </a:r>
+            <a:r>
+              <a:rPr lang="en-US" altLang="zh-CN"/>
+              <a:t>plit 0</a:t>
+            </a:r>
+            <a:endParaRPr lang="en-US" altLang="zh-CN"/>
+          </a:p>
+        </p:txBody>
+      </p:sp>
+      <p:sp>
+        <p:nvSpPr>
+          <p:cNvPr id="8" name="矩形 7"/>
+          <p:cNvSpPr/>
+          <p:nvPr/>
+        </p:nvSpPr>
+        <p:spPr>
+          <a:xfrm>
+            <a:off x="2056765" y="3368040"/>
+            <a:ext cx="781050" cy="294005"/>
+          </a:xfrm>
+          <a:prstGeom prst="rect">
+            <a:avLst/>
+          </a:prstGeom>
+          <a:noFill/>
+          <a:ln w="19050">
+            <a:solidFill>
+              <a:schemeClr val="tx1"/>
+            </a:solidFill>
+          </a:ln>
+        </p:spPr>
+        <p:style>
+          <a:lnRef idx="2">
+            <a:schemeClr val="accent1">
+              <a:shade val="50000"/>
+            </a:schemeClr>
+          </a:lnRef>
+          <a:fillRef idx="1">
+            <a:schemeClr val="accent1"/>
+          </a:fillRef>
+          <a:effectRef idx="0">
+            <a:schemeClr val="accent1"/>
+          </a:effectRef>
+          <a:fontRef idx="minor">
+            <a:schemeClr val="lt1"/>
+          </a:fontRef>
+        </p:style>
+        <p:txBody>
+          <a:bodyPr rtlCol="0" anchor="ctr"/>
+          <a:p>
+            <a:pPr algn="ctr"/>
+            <a:endParaRPr lang="zh-CN" altLang="en-US" dirty="0">
+              <a:solidFill>
+                <a:schemeClr val="tx1"/>
+              </a:solidFill>
+            </a:endParaRPr>
+          </a:p>
+        </p:txBody>
+      </p:sp>
+      <p:sp>
+        <p:nvSpPr>
+          <p:cNvPr id="9" name="文本框 8"/>
+          <p:cNvSpPr txBox="1"/>
+          <p:nvPr/>
+        </p:nvSpPr>
+        <p:spPr>
+          <a:xfrm>
+            <a:off x="2046605" y="3330575"/>
+            <a:ext cx="791210" cy="368300"/>
+          </a:xfrm>
+          <a:prstGeom prst="rect">
+            <a:avLst/>
+          </a:prstGeom>
+          <a:noFill/>
+        </p:spPr>
+        <p:txBody>
+          <a:bodyPr wrap="square" rtlCol="0">
+            <a:spAutoFit/>
+          </a:bodyPr>
+          <a:p>
+            <a:r>
+              <a:rPr lang="en-US" altLang="zh-CN"/>
+              <a:t>S</a:t>
+            </a:r>
+            <a:r>
+              <a:rPr lang="en-US" altLang="zh-CN"/>
+              <a:t>plit 1</a:t>
+            </a:r>
+            <a:endParaRPr lang="en-US" altLang="zh-CN"/>
+          </a:p>
+        </p:txBody>
+      </p:sp>
+      <p:sp>
+        <p:nvSpPr>
+          <p:cNvPr id="10" name="矩形 9"/>
+          <p:cNvSpPr/>
+          <p:nvPr/>
+        </p:nvSpPr>
+        <p:spPr>
+          <a:xfrm>
+            <a:off x="2056765" y="3662045"/>
+            <a:ext cx="781050" cy="294005"/>
+          </a:xfrm>
+          <a:prstGeom prst="rect">
+            <a:avLst/>
+          </a:prstGeom>
+          <a:noFill/>
+          <a:ln w="19050">
+            <a:solidFill>
+              <a:schemeClr val="tx1"/>
+            </a:solidFill>
+          </a:ln>
+        </p:spPr>
+        <p:style>
+          <a:lnRef idx="2">
+            <a:schemeClr val="accent1">
+              <a:shade val="50000"/>
+            </a:schemeClr>
+          </a:lnRef>
+          <a:fillRef idx="1">
+            <a:schemeClr val="accent1"/>
+          </a:fillRef>
+          <a:effectRef idx="0">
+            <a:schemeClr val="accent1"/>
+          </a:effectRef>
+          <a:fontRef idx="minor">
+            <a:schemeClr val="lt1"/>
+          </a:fontRef>
+        </p:style>
+        <p:txBody>
+          <a:bodyPr rtlCol="0" anchor="ctr"/>
+          <a:p>
+            <a:pPr algn="ctr"/>
+            <a:endParaRPr lang="zh-CN" altLang="en-US" dirty="0">
+              <a:solidFill>
+                <a:schemeClr val="tx1"/>
+              </a:solidFill>
+            </a:endParaRPr>
+          </a:p>
+        </p:txBody>
+      </p:sp>
+      <p:sp>
+        <p:nvSpPr>
+          <p:cNvPr id="11" name="文本框 10"/>
+          <p:cNvSpPr txBox="1"/>
+          <p:nvPr/>
+        </p:nvSpPr>
+        <p:spPr>
+          <a:xfrm>
+            <a:off x="2046605" y="3624580"/>
+            <a:ext cx="791210" cy="368300"/>
+          </a:xfrm>
+          <a:prstGeom prst="rect">
+            <a:avLst/>
+          </a:prstGeom>
+          <a:noFill/>
+        </p:spPr>
+        <p:txBody>
+          <a:bodyPr wrap="square" rtlCol="0">
+            <a:spAutoFit/>
+          </a:bodyPr>
+          <a:p>
+            <a:r>
+              <a:rPr lang="en-US" altLang="zh-CN"/>
+              <a:t>S</a:t>
+            </a:r>
+            <a:r>
+              <a:rPr lang="en-US" altLang="zh-CN"/>
+              <a:t>plit 2</a:t>
+            </a:r>
+            <a:endParaRPr lang="en-US" altLang="zh-CN"/>
+          </a:p>
+        </p:txBody>
+      </p:sp>
+      <p:sp>
+        <p:nvSpPr>
+          <p:cNvPr id="12" name="矩形 11"/>
+          <p:cNvSpPr/>
+          <p:nvPr/>
+        </p:nvSpPr>
+        <p:spPr>
+          <a:xfrm>
+            <a:off x="2056765" y="3956050"/>
+            <a:ext cx="781050" cy="294005"/>
+          </a:xfrm>
+          <a:prstGeom prst="rect">
+            <a:avLst/>
+          </a:prstGeom>
+          <a:noFill/>
+          <a:ln w="19050">
+            <a:solidFill>
+              <a:schemeClr val="tx1"/>
+            </a:solidFill>
+          </a:ln>
+        </p:spPr>
+        <p:style>
+          <a:lnRef idx="2">
+            <a:schemeClr val="accent1">
+              <a:shade val="50000"/>
+            </a:schemeClr>
+          </a:lnRef>
+          <a:fillRef idx="1">
+            <a:schemeClr val="accent1"/>
+          </a:fillRef>
+          <a:effectRef idx="0">
+            <a:schemeClr val="accent1"/>
+          </a:effectRef>
+          <a:fontRef idx="minor">
+            <a:schemeClr val="lt1"/>
+          </a:fontRef>
+        </p:style>
+        <p:txBody>
+          <a:bodyPr rtlCol="0" anchor="ctr"/>
+          <a:p>
+            <a:pPr algn="ctr"/>
+            <a:endParaRPr lang="zh-CN" altLang="en-US" dirty="0">
+              <a:solidFill>
+                <a:schemeClr val="tx1"/>
+              </a:solidFill>
+            </a:endParaRPr>
+          </a:p>
+        </p:txBody>
+      </p:sp>
+      <p:sp>
+        <p:nvSpPr>
+          <p:cNvPr id="13" name="文本框 12"/>
+          <p:cNvSpPr txBox="1"/>
+          <p:nvPr/>
+        </p:nvSpPr>
+        <p:spPr>
+          <a:xfrm>
+            <a:off x="2046605" y="3918585"/>
+            <a:ext cx="791210" cy="368300"/>
+          </a:xfrm>
+          <a:prstGeom prst="rect">
+            <a:avLst/>
+          </a:prstGeom>
+          <a:noFill/>
+        </p:spPr>
+        <p:txBody>
+          <a:bodyPr wrap="square" rtlCol="0">
+            <a:spAutoFit/>
+          </a:bodyPr>
+          <a:p>
+            <a:r>
+              <a:rPr lang="en-US" altLang="zh-CN"/>
+              <a:t>S</a:t>
+            </a:r>
+            <a:r>
+              <a:rPr lang="en-US" altLang="zh-CN"/>
+              <a:t>plit 3</a:t>
+            </a:r>
+            <a:endParaRPr lang="en-US" altLang="zh-CN"/>
+          </a:p>
+        </p:txBody>
+      </p:sp>
+      <p:sp>
+        <p:nvSpPr>
+          <p:cNvPr id="14" name="矩形 13"/>
+          <p:cNvSpPr/>
+          <p:nvPr/>
+        </p:nvSpPr>
+        <p:spPr>
+          <a:xfrm>
+            <a:off x="2056765" y="4250055"/>
+            <a:ext cx="781050" cy="294005"/>
+          </a:xfrm>
+          <a:prstGeom prst="rect">
+            <a:avLst/>
+          </a:prstGeom>
+          <a:noFill/>
+          <a:ln w="19050">
+            <a:solidFill>
+              <a:schemeClr val="tx1"/>
+            </a:solidFill>
+          </a:ln>
+        </p:spPr>
+        <p:style>
+          <a:lnRef idx="2">
+            <a:schemeClr val="accent1">
+              <a:shade val="50000"/>
+            </a:schemeClr>
+          </a:lnRef>
+          <a:fillRef idx="1">
+            <a:schemeClr val="accent1"/>
+          </a:fillRef>
+          <a:effectRef idx="0">
+            <a:schemeClr val="accent1"/>
+          </a:effectRef>
+          <a:fontRef idx="minor">
+            <a:schemeClr val="lt1"/>
+          </a:fontRef>
+        </p:style>
+        <p:txBody>
+          <a:bodyPr rtlCol="0" anchor="ctr"/>
+          <a:p>
+            <a:pPr algn="ctr"/>
+            <a:endParaRPr lang="zh-CN" altLang="en-US" dirty="0">
+              <a:solidFill>
+                <a:schemeClr val="tx1"/>
+              </a:solidFill>
+            </a:endParaRPr>
+          </a:p>
+        </p:txBody>
+      </p:sp>
+      <p:sp>
+        <p:nvSpPr>
+          <p:cNvPr id="15" name="文本框 14"/>
+          <p:cNvSpPr txBox="1"/>
+          <p:nvPr/>
+        </p:nvSpPr>
+        <p:spPr>
+          <a:xfrm>
+            <a:off x="2046605" y="4212590"/>
+            <a:ext cx="791210" cy="368300"/>
+          </a:xfrm>
+          <a:prstGeom prst="rect">
+            <a:avLst/>
+          </a:prstGeom>
+          <a:noFill/>
+        </p:spPr>
+        <p:txBody>
+          <a:bodyPr wrap="square" rtlCol="0">
+            <a:spAutoFit/>
+          </a:bodyPr>
+          <a:p>
+            <a:r>
+              <a:rPr lang="en-US" altLang="zh-CN"/>
+              <a:t>S</a:t>
+            </a:r>
+            <a:r>
+              <a:rPr lang="en-US" altLang="zh-CN"/>
+              <a:t>plit 4</a:t>
+            </a:r>
+            <a:endParaRPr lang="en-US" altLang="zh-CN"/>
+          </a:p>
+        </p:txBody>
+      </p:sp>
+      <p:sp>
+        <p:nvSpPr>
+          <p:cNvPr id="16" name="矩形 15"/>
+          <p:cNvSpPr/>
+          <p:nvPr/>
+        </p:nvSpPr>
+        <p:spPr>
+          <a:xfrm>
+            <a:off x="2045970" y="5677535"/>
+            <a:ext cx="781050" cy="294005"/>
+          </a:xfrm>
+          <a:prstGeom prst="rect">
+            <a:avLst/>
+          </a:prstGeom>
+          <a:noFill/>
+          <a:ln w="19050">
+            <a:solidFill>
+              <a:schemeClr val="tx1"/>
+            </a:solidFill>
+          </a:ln>
+        </p:spPr>
+        <p:style>
+          <a:lnRef idx="2">
+            <a:schemeClr val="accent1">
+              <a:shade val="50000"/>
+            </a:schemeClr>
+          </a:lnRef>
+          <a:fillRef idx="1">
+            <a:schemeClr val="accent1"/>
+          </a:fillRef>
+          <a:effectRef idx="0">
+            <a:schemeClr val="accent1"/>
+          </a:effectRef>
+          <a:fontRef idx="minor">
+            <a:schemeClr val="lt1"/>
+          </a:fontRef>
+        </p:style>
+        <p:txBody>
+          <a:bodyPr rtlCol="0" anchor="ctr"/>
+          <a:p>
+            <a:pPr algn="ctr"/>
+            <a:endParaRPr lang="zh-CN" altLang="en-US" dirty="0">
+              <a:solidFill>
+                <a:schemeClr val="tx1"/>
+              </a:solidFill>
+            </a:endParaRPr>
+          </a:p>
+        </p:txBody>
+      </p:sp>
+      <p:sp>
+        <p:nvSpPr>
+          <p:cNvPr id="17" name="文本框 16"/>
+          <p:cNvSpPr txBox="1"/>
+          <p:nvPr/>
+        </p:nvSpPr>
+        <p:spPr>
+          <a:xfrm>
+            <a:off x="2035810" y="5640070"/>
+            <a:ext cx="913130" cy="368300"/>
+          </a:xfrm>
+          <a:prstGeom prst="rect">
+            <a:avLst/>
+          </a:prstGeom>
+          <a:noFill/>
+        </p:spPr>
+        <p:txBody>
+          <a:bodyPr wrap="square" rtlCol="0">
+            <a:spAutoFit/>
+          </a:bodyPr>
+          <a:p>
+            <a:r>
+              <a:rPr lang="en-US" altLang="zh-CN"/>
+              <a:t>S</a:t>
+            </a:r>
+            <a:r>
+              <a:rPr lang="en-US" altLang="zh-CN"/>
+              <a:t>plit K</a:t>
+            </a:r>
+            <a:endParaRPr lang="en-US" altLang="zh-CN"/>
+          </a:p>
+        </p:txBody>
+      </p:sp>
+      <p:sp>
+        <p:nvSpPr>
+          <p:cNvPr id="18" name="文本框 17"/>
+          <p:cNvSpPr txBox="1"/>
+          <p:nvPr/>
+        </p:nvSpPr>
+        <p:spPr>
+          <a:xfrm>
+            <a:off x="2056765" y="5011420"/>
+            <a:ext cx="781050" cy="368300"/>
+          </a:xfrm>
+          <a:prstGeom prst="rect">
+            <a:avLst/>
+          </a:prstGeom>
+          <a:noFill/>
+        </p:spPr>
+        <p:txBody>
+          <a:bodyPr wrap="square" rtlCol="0">
+            <a:spAutoFit/>
+          </a:bodyPr>
+          <a:p>
+            <a:r>
+              <a:rPr lang="en-US" altLang="zh-CN"/>
+              <a:t>...    ...</a:t>
+            </a:r>
+            <a:endParaRPr lang="en-US" altLang="zh-CN"/>
+          </a:p>
+        </p:txBody>
+      </p:sp>
+      <p:sp>
+        <p:nvSpPr>
+          <p:cNvPr id="20" name="文本框 19"/>
+          <p:cNvSpPr txBox="1"/>
+          <p:nvPr/>
+        </p:nvSpPr>
+        <p:spPr>
+          <a:xfrm>
+            <a:off x="1853565" y="6269355"/>
+            <a:ext cx="1186815" cy="368300"/>
+          </a:xfrm>
+          <a:prstGeom prst="rect">
+            <a:avLst/>
+          </a:prstGeom>
+          <a:noFill/>
+        </p:spPr>
+        <p:txBody>
+          <a:bodyPr wrap="square" rtlCol="0">
+            <a:spAutoFit/>
+          </a:bodyPr>
+          <a:p>
+            <a:r>
+              <a:rPr lang="en-US" altLang="zh-CN"/>
+              <a:t>Input </a:t>
+            </a:r>
+            <a:r>
+              <a:rPr lang="en-US" altLang="zh-CN"/>
+              <a:t>files</a:t>
+            </a:r>
+            <a:endParaRPr lang="en-US" altLang="zh-CN"/>
+          </a:p>
+        </p:txBody>
+      </p:sp>
+      <p:sp>
+        <p:nvSpPr>
+          <p:cNvPr id="22" name="流程图: 终止 21"/>
+          <p:cNvSpPr/>
+          <p:nvPr/>
+        </p:nvSpPr>
+        <p:spPr>
+          <a:xfrm>
+            <a:off x="3657600" y="3096260"/>
+            <a:ext cx="850900" cy="273685"/>
+          </a:xfrm>
+          <a:prstGeom prst="flowChartTerminator">
+            <a:avLst/>
+          </a:prstGeom>
+          <a:noFill/>
+          <a:ln w="19050">
+            <a:solidFill>
+              <a:schemeClr val="tx1"/>
+            </a:solidFill>
+          </a:ln>
+        </p:spPr>
+        <p:style>
+          <a:lnRef idx="2">
+            <a:schemeClr val="accent1">
+              <a:shade val="50000"/>
+            </a:schemeClr>
+          </a:lnRef>
+          <a:fillRef idx="1">
+            <a:schemeClr val="accent1"/>
+          </a:fillRef>
+          <a:effectRef idx="0">
+            <a:schemeClr val="accent1"/>
+          </a:effectRef>
+          <a:fontRef idx="minor">
+            <a:schemeClr val="lt1"/>
+          </a:fontRef>
+        </p:style>
+        <p:txBody>
+          <a:bodyPr rtlCol="0" anchor="ctr"/>
+          <a:p>
+            <a:pPr algn="ctr"/>
+            <a:endParaRPr lang="zh-CN" altLang="en-US" dirty="0">
+              <a:solidFill>
+                <a:schemeClr val="tx1"/>
+              </a:solidFill>
+            </a:endParaRPr>
+          </a:p>
+        </p:txBody>
+      </p:sp>
+      <p:sp>
+        <p:nvSpPr>
+          <p:cNvPr id="24" name="文本框 23"/>
+          <p:cNvSpPr txBox="1"/>
+          <p:nvPr/>
+        </p:nvSpPr>
+        <p:spPr>
+          <a:xfrm>
+            <a:off x="3538855" y="2727960"/>
+            <a:ext cx="1089025" cy="368300"/>
+          </a:xfrm>
+          <a:prstGeom prst="rect">
+            <a:avLst/>
+          </a:prstGeom>
+          <a:noFill/>
+        </p:spPr>
+        <p:txBody>
+          <a:bodyPr wrap="square" rtlCol="0">
+            <a:spAutoFit/>
+          </a:bodyPr>
+          <a:p>
+            <a:r>
+              <a:rPr lang="en-US" altLang="zh-CN"/>
+              <a:t>Map </a:t>
+            </a:r>
+            <a:r>
+              <a:rPr lang="en-US" altLang="zh-CN"/>
+              <a:t>task</a:t>
+            </a:r>
+            <a:endParaRPr lang="en-US" altLang="zh-CN"/>
+          </a:p>
+        </p:txBody>
+      </p:sp>
+      <p:sp>
+        <p:nvSpPr>
+          <p:cNvPr id="25" name="文本框 24"/>
+          <p:cNvSpPr txBox="1"/>
+          <p:nvPr/>
+        </p:nvSpPr>
+        <p:spPr>
+          <a:xfrm>
+            <a:off x="3832225" y="3049270"/>
+            <a:ext cx="501015" cy="368300"/>
+          </a:xfrm>
+          <a:prstGeom prst="rect">
+            <a:avLst/>
+          </a:prstGeom>
+          <a:noFill/>
+        </p:spPr>
+        <p:txBody>
+          <a:bodyPr wrap="square" rtlCol="0">
+            <a:spAutoFit/>
+          </a:bodyPr>
+          <a:p>
+            <a:r>
+              <a:rPr lang="en-US" altLang="zh-CN"/>
+              <a:t>tag</a:t>
+            </a:r>
+            <a:endParaRPr lang="en-US" altLang="zh-CN"/>
+          </a:p>
+        </p:txBody>
+      </p:sp>
+      <p:sp>
+        <p:nvSpPr>
+          <p:cNvPr id="35" name="流程图: 终止 34"/>
+          <p:cNvSpPr/>
+          <p:nvPr/>
+        </p:nvSpPr>
+        <p:spPr>
+          <a:xfrm>
+            <a:off x="3656965" y="3662680"/>
+            <a:ext cx="850900" cy="273685"/>
+          </a:xfrm>
+          <a:prstGeom prst="flowChartTerminator">
+            <a:avLst/>
+          </a:prstGeom>
+          <a:noFill/>
+          <a:ln w="19050">
+            <a:solidFill>
+              <a:schemeClr val="tx1"/>
+            </a:solidFill>
+          </a:ln>
+        </p:spPr>
+        <p:style>
+          <a:lnRef idx="2">
+            <a:schemeClr val="accent1">
+              <a:shade val="50000"/>
+            </a:schemeClr>
+          </a:lnRef>
+          <a:fillRef idx="1">
+            <a:schemeClr val="accent1"/>
+          </a:fillRef>
+          <a:effectRef idx="0">
+            <a:schemeClr val="accent1"/>
+          </a:effectRef>
+          <a:fontRef idx="minor">
+            <a:schemeClr val="lt1"/>
+          </a:fontRef>
+        </p:style>
+        <p:txBody>
+          <a:bodyPr rtlCol="0" anchor="ctr"/>
+          <a:p>
+            <a:pPr algn="ctr"/>
+            <a:endParaRPr lang="zh-CN" altLang="en-US" dirty="0">
+              <a:solidFill>
+                <a:schemeClr val="tx1"/>
+              </a:solidFill>
+            </a:endParaRPr>
+          </a:p>
+        </p:txBody>
+      </p:sp>
+      <p:sp>
+        <p:nvSpPr>
+          <p:cNvPr id="36" name="文本框 35"/>
+          <p:cNvSpPr txBox="1"/>
+          <p:nvPr/>
+        </p:nvSpPr>
+        <p:spPr>
+          <a:xfrm>
+            <a:off x="3831590" y="3615690"/>
+            <a:ext cx="501015" cy="368300"/>
+          </a:xfrm>
+          <a:prstGeom prst="rect">
+            <a:avLst/>
+          </a:prstGeom>
+          <a:noFill/>
+        </p:spPr>
+        <p:txBody>
+          <a:bodyPr wrap="square" rtlCol="0">
+            <a:spAutoFit/>
+          </a:bodyPr>
+          <a:p>
+            <a:r>
+              <a:rPr lang="en-US" altLang="zh-CN"/>
+              <a:t>tag</a:t>
+            </a:r>
+            <a:endParaRPr lang="en-US" altLang="zh-CN"/>
+          </a:p>
+        </p:txBody>
+      </p:sp>
+      <p:sp>
+        <p:nvSpPr>
+          <p:cNvPr id="37" name="流程图: 终止 36"/>
+          <p:cNvSpPr/>
+          <p:nvPr/>
+        </p:nvSpPr>
+        <p:spPr>
+          <a:xfrm>
+            <a:off x="3658235" y="4412615"/>
+            <a:ext cx="850900" cy="273685"/>
+          </a:xfrm>
+          <a:prstGeom prst="flowChartTerminator">
+            <a:avLst/>
+          </a:prstGeom>
+          <a:noFill/>
+          <a:ln w="19050">
+            <a:solidFill>
+              <a:schemeClr val="tx1"/>
+            </a:solidFill>
+          </a:ln>
+        </p:spPr>
+        <p:style>
+          <a:lnRef idx="2">
+            <a:schemeClr val="accent1">
+              <a:shade val="50000"/>
+            </a:schemeClr>
+          </a:lnRef>
+          <a:fillRef idx="1">
+            <a:schemeClr val="accent1"/>
+          </a:fillRef>
+          <a:effectRef idx="0">
+            <a:schemeClr val="accent1"/>
+          </a:effectRef>
+          <a:fontRef idx="minor">
+            <a:schemeClr val="lt1"/>
+          </a:fontRef>
+        </p:style>
+        <p:txBody>
+          <a:bodyPr rtlCol="0" anchor="ctr"/>
+          <a:p>
+            <a:pPr algn="ctr"/>
+            <a:endParaRPr lang="zh-CN" altLang="en-US" dirty="0">
+              <a:solidFill>
+                <a:schemeClr val="tx1"/>
+              </a:solidFill>
+            </a:endParaRPr>
+          </a:p>
+        </p:txBody>
+      </p:sp>
+      <p:sp>
+        <p:nvSpPr>
+          <p:cNvPr id="38" name="文本框 37"/>
+          <p:cNvSpPr txBox="1"/>
+          <p:nvPr/>
+        </p:nvSpPr>
+        <p:spPr>
+          <a:xfrm>
+            <a:off x="3832860" y="4365625"/>
+            <a:ext cx="501015" cy="368300"/>
+          </a:xfrm>
+          <a:prstGeom prst="rect">
+            <a:avLst/>
+          </a:prstGeom>
+          <a:noFill/>
+        </p:spPr>
+        <p:txBody>
+          <a:bodyPr wrap="square" rtlCol="0">
+            <a:spAutoFit/>
+          </a:bodyPr>
+          <a:p>
+            <a:r>
+              <a:rPr lang="en-US" altLang="zh-CN"/>
+              <a:t>tag</a:t>
+            </a:r>
+            <a:endParaRPr lang="en-US" altLang="zh-CN"/>
+          </a:p>
+        </p:txBody>
+      </p:sp>
+      <p:sp>
+        <p:nvSpPr>
+          <p:cNvPr id="39" name="流程图: 终止 38"/>
+          <p:cNvSpPr/>
+          <p:nvPr/>
+        </p:nvSpPr>
+        <p:spPr>
+          <a:xfrm>
+            <a:off x="3660140" y="5693410"/>
+            <a:ext cx="850900" cy="273685"/>
+          </a:xfrm>
+          <a:prstGeom prst="flowChartTerminator">
+            <a:avLst/>
+          </a:prstGeom>
+          <a:noFill/>
+          <a:ln w="19050">
+            <a:solidFill>
+              <a:schemeClr val="tx1"/>
+            </a:solidFill>
+          </a:ln>
+        </p:spPr>
+        <p:style>
+          <a:lnRef idx="2">
+            <a:schemeClr val="accent1">
+              <a:shade val="50000"/>
+            </a:schemeClr>
+          </a:lnRef>
+          <a:fillRef idx="1">
+            <a:schemeClr val="accent1"/>
+          </a:fillRef>
+          <a:effectRef idx="0">
+            <a:schemeClr val="accent1"/>
+          </a:effectRef>
+          <a:fontRef idx="minor">
+            <a:schemeClr val="lt1"/>
+          </a:fontRef>
+        </p:style>
+        <p:txBody>
+          <a:bodyPr rtlCol="0" anchor="ctr"/>
+          <a:p>
+            <a:pPr algn="ctr"/>
+            <a:endParaRPr lang="zh-CN" altLang="en-US" dirty="0">
+              <a:solidFill>
+                <a:schemeClr val="tx1"/>
+              </a:solidFill>
+            </a:endParaRPr>
+          </a:p>
+        </p:txBody>
+      </p:sp>
+      <p:sp>
+        <p:nvSpPr>
+          <p:cNvPr id="40" name="文本框 39"/>
+          <p:cNvSpPr txBox="1"/>
+          <p:nvPr/>
+        </p:nvSpPr>
+        <p:spPr>
+          <a:xfrm>
+            <a:off x="3834765" y="5646420"/>
+            <a:ext cx="501015" cy="368300"/>
+          </a:xfrm>
+          <a:prstGeom prst="rect">
+            <a:avLst/>
+          </a:prstGeom>
+          <a:noFill/>
+        </p:spPr>
+        <p:txBody>
+          <a:bodyPr wrap="square" rtlCol="0">
+            <a:spAutoFit/>
+          </a:bodyPr>
+          <a:p>
+            <a:r>
+              <a:rPr lang="en-US" altLang="zh-CN"/>
+              <a:t>tag</a:t>
+            </a:r>
+            <a:endParaRPr lang="en-US" altLang="zh-CN"/>
+          </a:p>
+        </p:txBody>
+      </p:sp>
+      <p:cxnSp>
+        <p:nvCxnSpPr>
+          <p:cNvPr id="41" name="直接箭头连接符 40"/>
+          <p:cNvCxnSpPr>
+            <a:stCxn id="7" idx="3"/>
+            <a:endCxn id="22" idx="1"/>
+          </p:cNvCxnSpPr>
+          <p:nvPr/>
+        </p:nvCxnSpPr>
+        <p:spPr>
+          <a:xfrm>
+            <a:off x="2837180" y="3220720"/>
+            <a:ext cx="820420" cy="12700"/>
+          </a:xfrm>
+          <a:prstGeom prst="straightConnector1">
+            <a:avLst/>
+          </a:prstGeom>
+          <a:ln w="19050">
+            <a:solidFill>
+              <a:schemeClr val="tx1"/>
+            </a:solidFill>
+            <a:headEnd type="none" w="med" len="med"/>
+            <a:tailEnd type="triangle" w="lg" len="lg"/>
+          </a:ln>
+        </p:spPr>
+        <p:style>
+          <a:lnRef idx="1">
+            <a:schemeClr val="accent1"/>
+          </a:lnRef>
+          <a:fillRef idx="0">
+            <a:schemeClr val="accent1"/>
+          </a:fillRef>
+          <a:effectRef idx="0">
+            <a:schemeClr val="accent1"/>
+          </a:effectRef>
+          <a:fontRef idx="minor">
+            <a:schemeClr val="tx1"/>
+          </a:fontRef>
+        </p:style>
+      </p:cxnSp>
+      <p:cxnSp>
+        <p:nvCxnSpPr>
+          <p:cNvPr id="42" name="曲线连接符 41"/>
+          <p:cNvCxnSpPr>
+            <a:stCxn id="9" idx="3"/>
+            <a:endCxn id="25" idx="2"/>
+          </p:cNvCxnSpPr>
+          <p:nvPr/>
+        </p:nvCxnSpPr>
+        <p:spPr>
+          <a:xfrm flipV="1">
+            <a:off x="2837815" y="3417570"/>
+            <a:ext cx="1245235" cy="97155"/>
+          </a:xfrm>
+          <a:prstGeom prst="curvedConnector2">
+            <a:avLst/>
+          </a:prstGeom>
+          <a:ln w="19050">
+            <a:solidFill>
+              <a:schemeClr val="tx1"/>
+            </a:solidFill>
+            <a:headEnd type="none" w="med" len="med"/>
+            <a:tailEnd type="triangle" w="lg" len="lg"/>
+          </a:ln>
+        </p:spPr>
+        <p:style>
+          <a:lnRef idx="1">
+            <a:schemeClr val="accent1"/>
+          </a:lnRef>
+          <a:fillRef idx="0">
+            <a:schemeClr val="accent1"/>
+          </a:fillRef>
+          <a:effectRef idx="0">
+            <a:schemeClr val="accent1"/>
+          </a:effectRef>
+          <a:fontRef idx="minor">
+            <a:schemeClr val="tx1"/>
+          </a:fontRef>
+        </p:style>
+      </p:cxnSp>
+      <p:cxnSp>
+        <p:nvCxnSpPr>
+          <p:cNvPr id="43" name="直接箭头连接符 42"/>
+          <p:cNvCxnSpPr>
+            <a:stCxn id="11" idx="3"/>
+            <a:endCxn id="35" idx="1"/>
+          </p:cNvCxnSpPr>
+          <p:nvPr/>
+        </p:nvCxnSpPr>
+        <p:spPr>
+          <a:xfrm flipV="1">
+            <a:off x="2837815" y="3799840"/>
+            <a:ext cx="819150" cy="8890"/>
+          </a:xfrm>
+          <a:prstGeom prst="straightConnector1">
+            <a:avLst/>
+          </a:prstGeom>
+          <a:ln w="19050">
+            <a:solidFill>
+              <a:schemeClr val="tx1"/>
+            </a:solidFill>
+            <a:headEnd type="none" w="med" len="med"/>
+            <a:tailEnd type="triangle" w="lg" len="lg"/>
+          </a:ln>
+        </p:spPr>
+        <p:style>
+          <a:lnRef idx="1">
+            <a:schemeClr val="accent1"/>
+          </a:lnRef>
+          <a:fillRef idx="0">
+            <a:schemeClr val="accent1"/>
+          </a:fillRef>
+          <a:effectRef idx="0">
+            <a:schemeClr val="accent1"/>
+          </a:effectRef>
+          <a:fontRef idx="minor">
+            <a:schemeClr val="tx1"/>
+          </a:fontRef>
+        </p:style>
+      </p:cxnSp>
+      <p:cxnSp>
+        <p:nvCxnSpPr>
+          <p:cNvPr id="44" name="直接箭头连接符 43"/>
+          <p:cNvCxnSpPr>
+            <a:stCxn id="13" idx="3"/>
+            <a:endCxn id="37" idx="1"/>
+          </p:cNvCxnSpPr>
+          <p:nvPr/>
+        </p:nvCxnSpPr>
+        <p:spPr>
+          <a:xfrm>
+            <a:off x="2837815" y="4102735"/>
+            <a:ext cx="820420" cy="447040"/>
+          </a:xfrm>
+          <a:prstGeom prst="straightConnector1">
+            <a:avLst/>
+          </a:prstGeom>
+          <a:ln w="19050">
+            <a:solidFill>
+              <a:schemeClr val="tx1"/>
+            </a:solidFill>
+            <a:headEnd type="none" w="med" len="med"/>
+            <a:tailEnd type="triangle" w="lg" len="lg"/>
+          </a:ln>
+        </p:spPr>
+        <p:style>
+          <a:lnRef idx="1">
+            <a:schemeClr val="accent1"/>
+          </a:lnRef>
+          <a:fillRef idx="0">
+            <a:schemeClr val="accent1"/>
+          </a:fillRef>
+          <a:effectRef idx="0">
+            <a:schemeClr val="accent1"/>
+          </a:effectRef>
+          <a:fontRef idx="minor">
+            <a:schemeClr val="tx1"/>
+          </a:fontRef>
+        </p:style>
+      </p:cxnSp>
+      <p:cxnSp>
+        <p:nvCxnSpPr>
+          <p:cNvPr id="46" name="曲线连接符 45"/>
+          <p:cNvCxnSpPr>
+            <a:stCxn id="15" idx="3"/>
+            <a:endCxn id="36" idx="2"/>
+          </p:cNvCxnSpPr>
+          <p:nvPr/>
+        </p:nvCxnSpPr>
+        <p:spPr>
+          <a:xfrm flipV="1">
+            <a:off x="2837815" y="3983990"/>
+            <a:ext cx="1244600" cy="412750"/>
+          </a:xfrm>
+          <a:prstGeom prst="curvedConnector2">
+            <a:avLst/>
+          </a:prstGeom>
+          <a:ln w="19050">
+            <a:solidFill>
+              <a:schemeClr val="tx1"/>
+            </a:solidFill>
+            <a:headEnd type="none" w="med" len="med"/>
+            <a:tailEnd type="triangle" w="lg" len="lg"/>
+          </a:ln>
+        </p:spPr>
+        <p:style>
+          <a:lnRef idx="1">
+            <a:schemeClr val="accent1"/>
+          </a:lnRef>
+          <a:fillRef idx="0">
+            <a:schemeClr val="accent1"/>
+          </a:fillRef>
+          <a:effectRef idx="0">
+            <a:schemeClr val="accent1"/>
+          </a:effectRef>
+          <a:fontRef idx="minor">
+            <a:schemeClr val="tx1"/>
+          </a:fontRef>
+        </p:style>
+      </p:cxnSp>
+      <p:cxnSp>
+        <p:nvCxnSpPr>
+          <p:cNvPr id="47" name="直接箭头连接符 46"/>
+          <p:cNvCxnSpPr/>
+          <p:nvPr/>
+        </p:nvCxnSpPr>
+        <p:spPr>
+          <a:xfrm flipV="1">
+            <a:off x="2840990" y="5843905"/>
+            <a:ext cx="819150" cy="8890"/>
+          </a:xfrm>
+          <a:prstGeom prst="straightConnector1">
+            <a:avLst/>
+          </a:prstGeom>
+          <a:ln w="19050">
+            <a:solidFill>
+              <a:schemeClr val="tx1"/>
+            </a:solidFill>
+            <a:headEnd type="none" w="med" len="med"/>
+            <a:tailEnd type="triangle" w="lg" len="lg"/>
+          </a:ln>
+        </p:spPr>
+        <p:style>
+          <a:lnRef idx="1">
+            <a:schemeClr val="accent1"/>
+          </a:lnRef>
+          <a:fillRef idx="0">
+            <a:schemeClr val="accent1"/>
+          </a:fillRef>
+          <a:effectRef idx="0">
+            <a:schemeClr val="accent1"/>
+          </a:effectRef>
+          <a:fontRef idx="minor">
+            <a:schemeClr val="tx1"/>
+          </a:fontRef>
+        </p:style>
+      </p:cxnSp>
+      <p:sp>
+        <p:nvSpPr>
+          <p:cNvPr id="48" name="文本框 47"/>
+          <p:cNvSpPr txBox="1"/>
+          <p:nvPr/>
+        </p:nvSpPr>
+        <p:spPr>
+          <a:xfrm>
+            <a:off x="3406140" y="6269355"/>
+            <a:ext cx="1358900" cy="368300"/>
+          </a:xfrm>
+          <a:prstGeom prst="rect">
+            <a:avLst/>
+          </a:prstGeom>
+          <a:noFill/>
+        </p:spPr>
+        <p:txBody>
+          <a:bodyPr wrap="square" rtlCol="0">
+            <a:spAutoFit/>
+          </a:bodyPr>
+          <a:p>
+            <a:r>
+              <a:rPr lang="en-US" altLang="zh-CN"/>
+              <a:t>Map </a:t>
+            </a:r>
+            <a:r>
+              <a:rPr lang="en-US" altLang="zh-CN"/>
+              <a:t>phrase</a:t>
+            </a:r>
+            <a:endParaRPr lang="en-US" altLang="zh-CN"/>
+          </a:p>
+        </p:txBody>
+      </p:sp>
+      <p:sp>
+        <p:nvSpPr>
+          <p:cNvPr id="49" name="文本框 48"/>
+          <p:cNvSpPr txBox="1"/>
+          <p:nvPr/>
+        </p:nvSpPr>
+        <p:spPr>
+          <a:xfrm>
+            <a:off x="3695065" y="5005705"/>
+            <a:ext cx="781050" cy="368300"/>
+          </a:xfrm>
+          <a:prstGeom prst="rect">
+            <a:avLst/>
+          </a:prstGeom>
+          <a:noFill/>
+        </p:spPr>
+        <p:txBody>
+          <a:bodyPr wrap="square" rtlCol="0">
+            <a:spAutoFit/>
+          </a:bodyPr>
+          <a:p>
+            <a:r>
+              <a:rPr lang="en-US" altLang="zh-CN"/>
+              <a:t>...    ...</a:t>
+            </a:r>
+            <a:endParaRPr lang="en-US" altLang="zh-CN"/>
+          </a:p>
+        </p:txBody>
+      </p:sp>
+      <p:sp>
+        <p:nvSpPr>
+          <p:cNvPr id="50" name="矩形 49"/>
+          <p:cNvSpPr/>
+          <p:nvPr/>
+        </p:nvSpPr>
+        <p:spPr>
+          <a:xfrm>
+            <a:off x="5561330" y="2404110"/>
+            <a:ext cx="1378585" cy="3864610"/>
+          </a:xfrm>
+          <a:prstGeom prst="rect">
+            <a:avLst/>
+          </a:prstGeom>
+          <a:solidFill>
+            <a:schemeClr val="bg2"/>
+          </a:solidFill>
+          <a:ln w="31750" cmpd="sng">
+            <a:solidFill>
+              <a:schemeClr val="bg2">
+                <a:lumMod val="75000"/>
+              </a:schemeClr>
+            </a:solidFill>
+            <a:prstDash val="sysDash"/>
+          </a:ln>
+        </p:spPr>
+        <p:style>
+          <a:lnRef idx="2">
+            <a:schemeClr val="accent1">
+              <a:shade val="50000"/>
+            </a:schemeClr>
+          </a:lnRef>
+          <a:fillRef idx="1">
+            <a:schemeClr val="accent1"/>
+          </a:fillRef>
+          <a:effectRef idx="0">
+            <a:schemeClr val="accent1"/>
+          </a:effectRef>
+          <a:fontRef idx="minor">
+            <a:schemeClr val="lt1"/>
+          </a:fontRef>
+        </p:style>
+        <p:txBody>
+          <a:bodyPr rtlCol="0" anchor="ctr"/>
+          <a:p>
+            <a:pPr algn="ctr"/>
+            <a:endParaRPr lang="zh-CN" altLang="en-US" dirty="0">
+              <a:solidFill>
+                <a:schemeClr val="tx1"/>
+              </a:solidFill>
+            </a:endParaRPr>
+          </a:p>
+        </p:txBody>
+      </p:sp>
+      <p:sp>
+        <p:nvSpPr>
+          <p:cNvPr id="61" name="矩形 60"/>
+          <p:cNvSpPr/>
+          <p:nvPr/>
+        </p:nvSpPr>
+        <p:spPr>
+          <a:xfrm>
+            <a:off x="5831205" y="2545080"/>
+            <a:ext cx="910590" cy="182880"/>
+          </a:xfrm>
+          <a:prstGeom prst="rect">
+            <a:avLst/>
+          </a:prstGeom>
+          <a:noFill/>
+          <a:ln w="19050">
+            <a:solidFill>
+              <a:schemeClr val="tx1"/>
+            </a:solidFill>
+          </a:ln>
+        </p:spPr>
+        <p:style>
+          <a:lnRef idx="2">
+            <a:schemeClr val="accent1">
+              <a:shade val="50000"/>
+            </a:schemeClr>
+          </a:lnRef>
+          <a:fillRef idx="1">
+            <a:schemeClr val="accent1"/>
+          </a:fillRef>
+          <a:effectRef idx="0">
+            <a:schemeClr val="accent1"/>
+          </a:effectRef>
+          <a:fontRef idx="minor">
+            <a:schemeClr val="lt1"/>
+          </a:fontRef>
+        </p:style>
+        <p:txBody>
+          <a:bodyPr rtlCol="0" anchor="ctr"/>
+          <a:p>
+            <a:pPr algn="ctr"/>
+            <a:endParaRPr lang="zh-CN" altLang="en-US" dirty="0">
+              <a:solidFill>
+                <a:schemeClr val="tx1"/>
+              </a:solidFill>
+            </a:endParaRPr>
+          </a:p>
+        </p:txBody>
+      </p:sp>
+      <p:sp>
+        <p:nvSpPr>
+          <p:cNvPr id="62" name="文本框 61"/>
+          <p:cNvSpPr txBox="1"/>
+          <p:nvPr/>
+        </p:nvSpPr>
+        <p:spPr>
+          <a:xfrm>
+            <a:off x="5805805" y="2498725"/>
+            <a:ext cx="1002030" cy="275590"/>
+          </a:xfrm>
+          <a:prstGeom prst="rect">
+            <a:avLst/>
+          </a:prstGeom>
+          <a:noFill/>
+        </p:spPr>
+        <p:txBody>
+          <a:bodyPr wrap="square" rtlCol="0">
+            <a:spAutoFit/>
+          </a:bodyPr>
+          <a:p>
+            <a:r>
+              <a:rPr lang="en-US" altLang="zh-CN" sz="1200"/>
+              <a:t>  Partition0</a:t>
+            </a:r>
+            <a:endParaRPr lang="en-US" altLang="zh-CN" sz="1200"/>
+          </a:p>
+        </p:txBody>
+      </p:sp>
+      <p:sp>
+        <p:nvSpPr>
+          <p:cNvPr id="85" name="矩形 84"/>
+          <p:cNvSpPr/>
+          <p:nvPr/>
+        </p:nvSpPr>
+        <p:spPr>
+          <a:xfrm>
+            <a:off x="5831205" y="2727325"/>
+            <a:ext cx="910590" cy="182880"/>
+          </a:xfrm>
+          <a:prstGeom prst="rect">
+            <a:avLst/>
+          </a:prstGeom>
+          <a:noFill/>
+          <a:ln w="19050">
+            <a:solidFill>
+              <a:schemeClr val="tx1"/>
+            </a:solidFill>
+          </a:ln>
+        </p:spPr>
+        <p:style>
+          <a:lnRef idx="2">
+            <a:schemeClr val="accent1">
+              <a:shade val="50000"/>
+            </a:schemeClr>
+          </a:lnRef>
+          <a:fillRef idx="1">
+            <a:schemeClr val="accent1"/>
+          </a:fillRef>
+          <a:effectRef idx="0">
+            <a:schemeClr val="accent1"/>
+          </a:effectRef>
+          <a:fontRef idx="minor">
+            <a:schemeClr val="lt1"/>
+          </a:fontRef>
+        </p:style>
+        <p:txBody>
+          <a:bodyPr rtlCol="0" anchor="ctr"/>
+          <a:p>
+            <a:pPr algn="ctr"/>
+            <a:endParaRPr lang="zh-CN" altLang="en-US" dirty="0">
+              <a:solidFill>
+                <a:schemeClr val="tx1"/>
+              </a:solidFill>
+            </a:endParaRPr>
+          </a:p>
+        </p:txBody>
+      </p:sp>
+      <p:sp>
+        <p:nvSpPr>
+          <p:cNvPr id="86" name="文本框 85"/>
+          <p:cNvSpPr txBox="1"/>
+          <p:nvPr/>
+        </p:nvSpPr>
+        <p:spPr>
+          <a:xfrm>
+            <a:off x="5805805" y="2680970"/>
+            <a:ext cx="1002030" cy="275590"/>
+          </a:xfrm>
+          <a:prstGeom prst="rect">
+            <a:avLst/>
+          </a:prstGeom>
+          <a:noFill/>
+        </p:spPr>
+        <p:txBody>
+          <a:bodyPr wrap="square" rtlCol="0">
+            <a:spAutoFit/>
+          </a:bodyPr>
+          <a:p>
+            <a:r>
+              <a:rPr lang="en-US" altLang="zh-CN" sz="1200"/>
+              <a:t>  Partition1</a:t>
+            </a:r>
+            <a:endParaRPr lang="en-US" altLang="zh-CN" sz="1200"/>
+          </a:p>
+        </p:txBody>
+      </p:sp>
+      <p:sp>
+        <p:nvSpPr>
+          <p:cNvPr id="87" name="矩形 86"/>
+          <p:cNvSpPr/>
+          <p:nvPr/>
+        </p:nvSpPr>
+        <p:spPr>
+          <a:xfrm>
+            <a:off x="5831205" y="2910205"/>
+            <a:ext cx="910590" cy="182880"/>
+          </a:xfrm>
+          <a:prstGeom prst="rect">
+            <a:avLst/>
+          </a:prstGeom>
+          <a:noFill/>
+          <a:ln w="19050">
+            <a:solidFill>
+              <a:schemeClr val="tx1"/>
+            </a:solidFill>
+          </a:ln>
+        </p:spPr>
+        <p:style>
+          <a:lnRef idx="2">
+            <a:schemeClr val="accent1">
+              <a:shade val="50000"/>
+            </a:schemeClr>
+          </a:lnRef>
+          <a:fillRef idx="1">
+            <a:schemeClr val="accent1"/>
+          </a:fillRef>
+          <a:effectRef idx="0">
+            <a:schemeClr val="accent1"/>
+          </a:effectRef>
+          <a:fontRef idx="minor">
+            <a:schemeClr val="lt1"/>
+          </a:fontRef>
+        </p:style>
+        <p:txBody>
+          <a:bodyPr rtlCol="0" anchor="ctr"/>
+          <a:p>
+            <a:pPr algn="ctr"/>
+            <a:endParaRPr lang="zh-CN" altLang="en-US" dirty="0">
+              <a:solidFill>
+                <a:schemeClr val="tx1"/>
+              </a:solidFill>
+            </a:endParaRPr>
+          </a:p>
+        </p:txBody>
+      </p:sp>
+      <p:sp>
+        <p:nvSpPr>
+          <p:cNvPr id="88" name="文本框 87"/>
+          <p:cNvSpPr txBox="1"/>
+          <p:nvPr/>
+        </p:nvSpPr>
+        <p:spPr>
+          <a:xfrm>
+            <a:off x="5932170" y="2825115"/>
+            <a:ext cx="748665" cy="306705"/>
+          </a:xfrm>
+          <a:prstGeom prst="rect">
+            <a:avLst/>
+          </a:prstGeom>
+          <a:noFill/>
+        </p:spPr>
+        <p:txBody>
+          <a:bodyPr wrap="square" rtlCol="0">
+            <a:spAutoFit/>
+          </a:bodyPr>
+          <a:p>
+            <a:r>
+              <a:rPr lang="en-US" altLang="zh-CN" sz="1400" b="1"/>
+              <a:t>...     ...</a:t>
+            </a:r>
+            <a:endParaRPr lang="en-US" altLang="zh-CN" sz="1400" b="1"/>
+          </a:p>
+        </p:txBody>
+      </p:sp>
+      <p:sp>
+        <p:nvSpPr>
+          <p:cNvPr id="89" name="矩形 88"/>
+          <p:cNvSpPr/>
+          <p:nvPr/>
+        </p:nvSpPr>
+        <p:spPr>
+          <a:xfrm>
+            <a:off x="5831205" y="3092450"/>
+            <a:ext cx="910590" cy="182880"/>
+          </a:xfrm>
+          <a:prstGeom prst="rect">
+            <a:avLst/>
+          </a:prstGeom>
+          <a:noFill/>
+          <a:ln w="19050">
+            <a:solidFill>
+              <a:schemeClr val="tx1"/>
+            </a:solidFill>
+          </a:ln>
+        </p:spPr>
+        <p:style>
+          <a:lnRef idx="2">
+            <a:schemeClr val="accent1">
+              <a:shade val="50000"/>
+            </a:schemeClr>
+          </a:lnRef>
+          <a:fillRef idx="1">
+            <a:schemeClr val="accent1"/>
+          </a:fillRef>
+          <a:effectRef idx="0">
+            <a:schemeClr val="accent1"/>
+          </a:effectRef>
+          <a:fontRef idx="minor">
+            <a:schemeClr val="lt1"/>
+          </a:fontRef>
+        </p:style>
+        <p:txBody>
+          <a:bodyPr rtlCol="0" anchor="ctr"/>
+          <a:p>
+            <a:pPr algn="ctr"/>
+            <a:endParaRPr lang="zh-CN" altLang="en-US" dirty="0">
+              <a:solidFill>
+                <a:schemeClr val="tx1"/>
+              </a:solidFill>
+            </a:endParaRPr>
+          </a:p>
+        </p:txBody>
+      </p:sp>
+      <p:sp>
+        <p:nvSpPr>
+          <p:cNvPr id="90" name="文本框 89"/>
+          <p:cNvSpPr txBox="1"/>
+          <p:nvPr/>
+        </p:nvSpPr>
+        <p:spPr>
+          <a:xfrm>
+            <a:off x="5784850" y="3045460"/>
+            <a:ext cx="1002030" cy="275590"/>
+          </a:xfrm>
+          <a:prstGeom prst="rect">
+            <a:avLst/>
+          </a:prstGeom>
+          <a:noFill/>
+        </p:spPr>
+        <p:txBody>
+          <a:bodyPr wrap="square" rtlCol="0">
+            <a:spAutoFit/>
+          </a:bodyPr>
+          <a:p>
+            <a:r>
+              <a:rPr lang="en-US" altLang="zh-CN" sz="1200"/>
+              <a:t>PartitionR-1</a:t>
+            </a:r>
+            <a:endParaRPr lang="en-US" altLang="zh-CN" sz="1200"/>
+          </a:p>
+        </p:txBody>
+      </p:sp>
+      <p:sp>
+        <p:nvSpPr>
+          <p:cNvPr id="91" name="矩形 90"/>
+          <p:cNvSpPr/>
+          <p:nvPr/>
+        </p:nvSpPr>
+        <p:spPr>
+          <a:xfrm>
+            <a:off x="5830570" y="3375025"/>
+            <a:ext cx="910590" cy="182880"/>
+          </a:xfrm>
+          <a:prstGeom prst="rect">
+            <a:avLst/>
+          </a:prstGeom>
+          <a:noFill/>
+          <a:ln w="19050">
+            <a:solidFill>
+              <a:schemeClr val="tx1"/>
+            </a:solidFill>
+          </a:ln>
+        </p:spPr>
+        <p:style>
+          <a:lnRef idx="2">
+            <a:schemeClr val="accent1">
+              <a:shade val="50000"/>
+            </a:schemeClr>
+          </a:lnRef>
+          <a:fillRef idx="1">
+            <a:schemeClr val="accent1"/>
+          </a:fillRef>
+          <a:effectRef idx="0">
+            <a:schemeClr val="accent1"/>
+          </a:effectRef>
+          <a:fontRef idx="minor">
+            <a:schemeClr val="lt1"/>
+          </a:fontRef>
+        </p:style>
+        <p:txBody>
+          <a:bodyPr rtlCol="0" anchor="ctr"/>
+          <a:p>
+            <a:pPr algn="ctr"/>
+            <a:endParaRPr lang="zh-CN" altLang="en-US" dirty="0">
+              <a:solidFill>
+                <a:schemeClr val="tx1"/>
+              </a:solidFill>
+            </a:endParaRPr>
+          </a:p>
+        </p:txBody>
+      </p:sp>
+      <p:sp>
+        <p:nvSpPr>
+          <p:cNvPr id="92" name="文本框 91"/>
+          <p:cNvSpPr txBox="1"/>
+          <p:nvPr/>
+        </p:nvSpPr>
+        <p:spPr>
+          <a:xfrm>
+            <a:off x="5804535" y="3321685"/>
+            <a:ext cx="1002030" cy="275590"/>
+          </a:xfrm>
+          <a:prstGeom prst="rect">
+            <a:avLst/>
+          </a:prstGeom>
+          <a:noFill/>
+        </p:spPr>
+        <p:txBody>
+          <a:bodyPr wrap="square" rtlCol="0">
+            <a:spAutoFit/>
+          </a:bodyPr>
+          <a:p>
+            <a:r>
+              <a:rPr lang="en-US" altLang="zh-CN" sz="1200"/>
+              <a:t>  Partition0</a:t>
+            </a:r>
+            <a:endParaRPr lang="en-US" altLang="zh-CN" sz="1200"/>
+          </a:p>
+        </p:txBody>
+      </p:sp>
+      <p:sp>
+        <p:nvSpPr>
+          <p:cNvPr id="93" name="矩形 92"/>
+          <p:cNvSpPr/>
+          <p:nvPr/>
+        </p:nvSpPr>
+        <p:spPr>
+          <a:xfrm>
+            <a:off x="5830570" y="3557270"/>
+            <a:ext cx="910590" cy="182880"/>
+          </a:xfrm>
+          <a:prstGeom prst="rect">
+            <a:avLst/>
+          </a:prstGeom>
+          <a:noFill/>
+          <a:ln w="19050">
+            <a:solidFill>
+              <a:schemeClr val="tx1"/>
+            </a:solidFill>
+          </a:ln>
+        </p:spPr>
+        <p:style>
+          <a:lnRef idx="2">
+            <a:schemeClr val="accent1">
+              <a:shade val="50000"/>
+            </a:schemeClr>
+          </a:lnRef>
+          <a:fillRef idx="1">
+            <a:schemeClr val="accent1"/>
+          </a:fillRef>
+          <a:effectRef idx="0">
+            <a:schemeClr val="accent1"/>
+          </a:effectRef>
+          <a:fontRef idx="minor">
+            <a:schemeClr val="lt1"/>
+          </a:fontRef>
+        </p:style>
+        <p:txBody>
+          <a:bodyPr rtlCol="0" anchor="ctr"/>
+          <a:p>
+            <a:pPr algn="ctr"/>
+            <a:endParaRPr lang="zh-CN" altLang="en-US" dirty="0">
+              <a:solidFill>
+                <a:schemeClr val="tx1"/>
+              </a:solidFill>
+            </a:endParaRPr>
+          </a:p>
+        </p:txBody>
+      </p:sp>
+      <p:sp>
+        <p:nvSpPr>
+          <p:cNvPr id="94" name="文本框 93"/>
+          <p:cNvSpPr txBox="1"/>
+          <p:nvPr/>
+        </p:nvSpPr>
+        <p:spPr>
+          <a:xfrm>
+            <a:off x="5804535" y="3524250"/>
+            <a:ext cx="1002030" cy="275590"/>
+          </a:xfrm>
+          <a:prstGeom prst="rect">
+            <a:avLst/>
+          </a:prstGeom>
+          <a:noFill/>
+        </p:spPr>
+        <p:txBody>
+          <a:bodyPr wrap="square" rtlCol="0">
+            <a:spAutoFit/>
+          </a:bodyPr>
+          <a:p>
+            <a:r>
+              <a:rPr lang="en-US" altLang="zh-CN" sz="1200"/>
+              <a:t>  Partition1</a:t>
+            </a:r>
+            <a:endParaRPr lang="en-US" altLang="zh-CN" sz="1200"/>
+          </a:p>
+        </p:txBody>
+      </p:sp>
+      <p:sp>
+        <p:nvSpPr>
+          <p:cNvPr id="95" name="矩形 94"/>
+          <p:cNvSpPr/>
+          <p:nvPr/>
+        </p:nvSpPr>
+        <p:spPr>
+          <a:xfrm>
+            <a:off x="5830570" y="3740150"/>
+            <a:ext cx="910590" cy="182880"/>
+          </a:xfrm>
+          <a:prstGeom prst="rect">
+            <a:avLst/>
+          </a:prstGeom>
+          <a:noFill/>
+          <a:ln w="19050">
+            <a:solidFill>
+              <a:schemeClr val="tx1"/>
+            </a:solidFill>
+          </a:ln>
+        </p:spPr>
+        <p:style>
+          <a:lnRef idx="2">
+            <a:schemeClr val="accent1">
+              <a:shade val="50000"/>
+            </a:schemeClr>
+          </a:lnRef>
+          <a:fillRef idx="1">
+            <a:schemeClr val="accent1"/>
+          </a:fillRef>
+          <a:effectRef idx="0">
+            <a:schemeClr val="accent1"/>
+          </a:effectRef>
+          <a:fontRef idx="minor">
+            <a:schemeClr val="lt1"/>
+          </a:fontRef>
+        </p:style>
+        <p:txBody>
+          <a:bodyPr rtlCol="0" anchor="ctr"/>
+          <a:p>
+            <a:pPr algn="ctr"/>
+            <a:endParaRPr lang="zh-CN" altLang="en-US" dirty="0">
+              <a:solidFill>
+                <a:schemeClr val="tx1"/>
+              </a:solidFill>
+            </a:endParaRPr>
+          </a:p>
+        </p:txBody>
+      </p:sp>
+      <p:sp>
+        <p:nvSpPr>
+          <p:cNvPr id="96" name="文本框 95"/>
+          <p:cNvSpPr txBox="1"/>
+          <p:nvPr/>
+        </p:nvSpPr>
+        <p:spPr>
+          <a:xfrm>
+            <a:off x="5931535" y="3655060"/>
+            <a:ext cx="748665" cy="306705"/>
+          </a:xfrm>
+          <a:prstGeom prst="rect">
+            <a:avLst/>
+          </a:prstGeom>
+          <a:noFill/>
+        </p:spPr>
+        <p:txBody>
+          <a:bodyPr wrap="square" rtlCol="0">
+            <a:spAutoFit/>
+          </a:bodyPr>
+          <a:p>
+            <a:r>
+              <a:rPr lang="en-US" altLang="zh-CN" sz="1400" b="1"/>
+              <a:t>...     ...</a:t>
+            </a:r>
+            <a:endParaRPr lang="en-US" altLang="zh-CN" sz="1400" b="1"/>
+          </a:p>
+        </p:txBody>
+      </p:sp>
+      <p:sp>
+        <p:nvSpPr>
+          <p:cNvPr id="97" name="矩形 96"/>
+          <p:cNvSpPr/>
+          <p:nvPr/>
+        </p:nvSpPr>
+        <p:spPr>
+          <a:xfrm>
+            <a:off x="5830570" y="3922395"/>
+            <a:ext cx="910590" cy="182880"/>
+          </a:xfrm>
+          <a:prstGeom prst="rect">
+            <a:avLst/>
+          </a:prstGeom>
+          <a:noFill/>
+          <a:ln w="19050">
+            <a:solidFill>
+              <a:schemeClr val="tx1"/>
+            </a:solidFill>
+          </a:ln>
+        </p:spPr>
+        <p:style>
+          <a:lnRef idx="2">
+            <a:schemeClr val="accent1">
+              <a:shade val="50000"/>
+            </a:schemeClr>
+          </a:lnRef>
+          <a:fillRef idx="1">
+            <a:schemeClr val="accent1"/>
+          </a:fillRef>
+          <a:effectRef idx="0">
+            <a:schemeClr val="accent1"/>
+          </a:effectRef>
+          <a:fontRef idx="minor">
+            <a:schemeClr val="lt1"/>
+          </a:fontRef>
+        </p:style>
+        <p:txBody>
+          <a:bodyPr rtlCol="0" anchor="ctr"/>
+          <a:p>
+            <a:pPr algn="ctr"/>
+            <a:endParaRPr lang="zh-CN" altLang="en-US" dirty="0">
+              <a:solidFill>
+                <a:schemeClr val="tx1"/>
+              </a:solidFill>
+            </a:endParaRPr>
+          </a:p>
+        </p:txBody>
+      </p:sp>
+      <p:sp>
+        <p:nvSpPr>
+          <p:cNvPr id="98" name="文本框 97"/>
+          <p:cNvSpPr txBox="1"/>
+          <p:nvPr/>
+        </p:nvSpPr>
+        <p:spPr>
+          <a:xfrm>
+            <a:off x="5784850" y="3877310"/>
+            <a:ext cx="1002030" cy="275590"/>
+          </a:xfrm>
+          <a:prstGeom prst="rect">
+            <a:avLst/>
+          </a:prstGeom>
+          <a:noFill/>
+        </p:spPr>
+        <p:txBody>
+          <a:bodyPr wrap="square" rtlCol="0">
+            <a:spAutoFit/>
+          </a:bodyPr>
+          <a:p>
+            <a:r>
+              <a:rPr lang="en-US" altLang="zh-CN" sz="1200"/>
+              <a:t>PartitionR-1</a:t>
+            </a:r>
+            <a:endParaRPr lang="en-US" altLang="zh-CN" sz="1200"/>
+          </a:p>
+        </p:txBody>
+      </p:sp>
+      <p:sp>
+        <p:nvSpPr>
+          <p:cNvPr id="99" name="矩形 98"/>
+          <p:cNvSpPr/>
+          <p:nvPr/>
+        </p:nvSpPr>
+        <p:spPr>
+          <a:xfrm>
+            <a:off x="5831205" y="4212590"/>
+            <a:ext cx="910590" cy="182880"/>
+          </a:xfrm>
+          <a:prstGeom prst="rect">
+            <a:avLst/>
+          </a:prstGeom>
+          <a:noFill/>
+          <a:ln w="19050">
+            <a:solidFill>
+              <a:schemeClr val="tx1"/>
+            </a:solidFill>
+          </a:ln>
+        </p:spPr>
+        <p:style>
+          <a:lnRef idx="2">
+            <a:schemeClr val="accent1">
+              <a:shade val="50000"/>
+            </a:schemeClr>
+          </a:lnRef>
+          <a:fillRef idx="1">
+            <a:schemeClr val="accent1"/>
+          </a:fillRef>
+          <a:effectRef idx="0">
+            <a:schemeClr val="accent1"/>
+          </a:effectRef>
+          <a:fontRef idx="minor">
+            <a:schemeClr val="lt1"/>
+          </a:fontRef>
+        </p:style>
+        <p:txBody>
+          <a:bodyPr rtlCol="0" anchor="ctr"/>
+          <a:p>
+            <a:pPr algn="ctr"/>
+            <a:endParaRPr lang="zh-CN" altLang="en-US" dirty="0">
+              <a:solidFill>
+                <a:schemeClr val="tx1"/>
+              </a:solidFill>
+            </a:endParaRPr>
+          </a:p>
+        </p:txBody>
+      </p:sp>
+      <p:sp>
+        <p:nvSpPr>
+          <p:cNvPr id="100" name="文本框 99"/>
+          <p:cNvSpPr txBox="1"/>
+          <p:nvPr/>
+        </p:nvSpPr>
+        <p:spPr>
+          <a:xfrm>
+            <a:off x="5785485" y="4152900"/>
+            <a:ext cx="1002030" cy="275590"/>
+          </a:xfrm>
+          <a:prstGeom prst="rect">
+            <a:avLst/>
+          </a:prstGeom>
+          <a:noFill/>
+        </p:spPr>
+        <p:txBody>
+          <a:bodyPr wrap="square" rtlCol="0">
+            <a:spAutoFit/>
+          </a:bodyPr>
+          <a:p>
+            <a:r>
+              <a:rPr lang="en-US" altLang="zh-CN" sz="1200"/>
+              <a:t>  Partition0</a:t>
+            </a:r>
+            <a:endParaRPr lang="en-US" altLang="zh-CN" sz="1200"/>
+          </a:p>
+        </p:txBody>
+      </p:sp>
+      <p:sp>
+        <p:nvSpPr>
+          <p:cNvPr id="101" name="矩形 100"/>
+          <p:cNvSpPr/>
+          <p:nvPr/>
+        </p:nvSpPr>
+        <p:spPr>
+          <a:xfrm>
+            <a:off x="5831205" y="4394835"/>
+            <a:ext cx="910590" cy="182880"/>
+          </a:xfrm>
+          <a:prstGeom prst="rect">
+            <a:avLst/>
+          </a:prstGeom>
+          <a:noFill/>
+          <a:ln w="19050">
+            <a:solidFill>
+              <a:schemeClr val="tx1"/>
+            </a:solidFill>
+          </a:ln>
+        </p:spPr>
+        <p:style>
+          <a:lnRef idx="2">
+            <a:schemeClr val="accent1">
+              <a:shade val="50000"/>
+            </a:schemeClr>
+          </a:lnRef>
+          <a:fillRef idx="1">
+            <a:schemeClr val="accent1"/>
+          </a:fillRef>
+          <a:effectRef idx="0">
+            <a:schemeClr val="accent1"/>
+          </a:effectRef>
+          <a:fontRef idx="minor">
+            <a:schemeClr val="lt1"/>
+          </a:fontRef>
+        </p:style>
+        <p:txBody>
+          <a:bodyPr rtlCol="0" anchor="ctr"/>
+          <a:p>
+            <a:pPr algn="ctr"/>
+            <a:endParaRPr lang="zh-CN" altLang="en-US" dirty="0">
+              <a:solidFill>
+                <a:schemeClr val="tx1"/>
+              </a:solidFill>
+            </a:endParaRPr>
+          </a:p>
+        </p:txBody>
+      </p:sp>
+      <p:sp>
+        <p:nvSpPr>
+          <p:cNvPr id="102" name="文本框 101"/>
+          <p:cNvSpPr txBox="1"/>
+          <p:nvPr/>
+        </p:nvSpPr>
+        <p:spPr>
+          <a:xfrm>
+            <a:off x="5784850" y="4348480"/>
+            <a:ext cx="1002030" cy="275590"/>
+          </a:xfrm>
+          <a:prstGeom prst="rect">
+            <a:avLst/>
+          </a:prstGeom>
+          <a:noFill/>
+        </p:spPr>
+        <p:txBody>
+          <a:bodyPr wrap="square" rtlCol="0">
+            <a:spAutoFit/>
+          </a:bodyPr>
+          <a:p>
+            <a:r>
+              <a:rPr lang="en-US" altLang="zh-CN" sz="1200"/>
+              <a:t>  Partition1</a:t>
+            </a:r>
+            <a:endParaRPr lang="en-US" altLang="zh-CN" sz="1200"/>
+          </a:p>
+        </p:txBody>
+      </p:sp>
+      <p:sp>
+        <p:nvSpPr>
+          <p:cNvPr id="103" name="矩形 102"/>
+          <p:cNvSpPr/>
+          <p:nvPr/>
+        </p:nvSpPr>
+        <p:spPr>
+          <a:xfrm>
+            <a:off x="5831205" y="4577715"/>
+            <a:ext cx="910590" cy="182880"/>
+          </a:xfrm>
+          <a:prstGeom prst="rect">
+            <a:avLst/>
+          </a:prstGeom>
+          <a:noFill/>
+          <a:ln w="19050">
+            <a:solidFill>
+              <a:schemeClr val="tx1"/>
+            </a:solidFill>
+          </a:ln>
+        </p:spPr>
+        <p:style>
+          <a:lnRef idx="2">
+            <a:schemeClr val="accent1">
+              <a:shade val="50000"/>
+            </a:schemeClr>
+          </a:lnRef>
+          <a:fillRef idx="1">
+            <a:schemeClr val="accent1"/>
+          </a:fillRef>
+          <a:effectRef idx="0">
+            <a:schemeClr val="accent1"/>
+          </a:effectRef>
+          <a:fontRef idx="minor">
+            <a:schemeClr val="lt1"/>
+          </a:fontRef>
+        </p:style>
+        <p:txBody>
+          <a:bodyPr rtlCol="0" anchor="ctr"/>
+          <a:p>
+            <a:pPr algn="ctr"/>
+            <a:endParaRPr lang="zh-CN" altLang="en-US" dirty="0">
+              <a:solidFill>
+                <a:schemeClr val="tx1"/>
+              </a:solidFill>
+            </a:endParaRPr>
+          </a:p>
+        </p:txBody>
+      </p:sp>
+      <p:sp>
+        <p:nvSpPr>
+          <p:cNvPr id="104" name="文本框 103"/>
+          <p:cNvSpPr txBox="1"/>
+          <p:nvPr/>
+        </p:nvSpPr>
+        <p:spPr>
+          <a:xfrm>
+            <a:off x="5932170" y="4492625"/>
+            <a:ext cx="748665" cy="306705"/>
+          </a:xfrm>
+          <a:prstGeom prst="rect">
+            <a:avLst/>
+          </a:prstGeom>
+          <a:noFill/>
+        </p:spPr>
+        <p:txBody>
+          <a:bodyPr wrap="square" rtlCol="0">
+            <a:spAutoFit/>
+          </a:bodyPr>
+          <a:p>
+            <a:r>
+              <a:rPr lang="en-US" altLang="zh-CN" sz="1400" b="1"/>
+              <a:t>...     ...</a:t>
+            </a:r>
+            <a:endParaRPr lang="en-US" altLang="zh-CN" sz="1400" b="1"/>
+          </a:p>
+        </p:txBody>
+      </p:sp>
+      <p:sp>
+        <p:nvSpPr>
+          <p:cNvPr id="105" name="矩形 104"/>
+          <p:cNvSpPr/>
+          <p:nvPr/>
+        </p:nvSpPr>
+        <p:spPr>
+          <a:xfrm>
+            <a:off x="5831205" y="4759960"/>
+            <a:ext cx="910590" cy="182880"/>
+          </a:xfrm>
+          <a:prstGeom prst="rect">
+            <a:avLst/>
+          </a:prstGeom>
+          <a:noFill/>
+          <a:ln w="19050">
+            <a:solidFill>
+              <a:schemeClr val="tx1"/>
+            </a:solidFill>
+          </a:ln>
+        </p:spPr>
+        <p:style>
+          <a:lnRef idx="2">
+            <a:schemeClr val="accent1">
+              <a:shade val="50000"/>
+            </a:schemeClr>
+          </a:lnRef>
+          <a:fillRef idx="1">
+            <a:schemeClr val="accent1"/>
+          </a:fillRef>
+          <a:effectRef idx="0">
+            <a:schemeClr val="accent1"/>
+          </a:effectRef>
+          <a:fontRef idx="minor">
+            <a:schemeClr val="lt1"/>
+          </a:fontRef>
+        </p:style>
+        <p:txBody>
+          <a:bodyPr rtlCol="0" anchor="ctr"/>
+          <a:p>
+            <a:pPr algn="ctr"/>
+            <a:endParaRPr lang="zh-CN" altLang="en-US" dirty="0">
+              <a:solidFill>
+                <a:schemeClr val="tx1"/>
+              </a:solidFill>
+            </a:endParaRPr>
+          </a:p>
+        </p:txBody>
+      </p:sp>
+      <p:sp>
+        <p:nvSpPr>
+          <p:cNvPr id="106" name="文本框 105"/>
+          <p:cNvSpPr txBox="1"/>
+          <p:nvPr/>
+        </p:nvSpPr>
+        <p:spPr>
+          <a:xfrm>
+            <a:off x="5784850" y="5958205"/>
+            <a:ext cx="1002030" cy="275590"/>
+          </a:xfrm>
+          <a:prstGeom prst="rect">
+            <a:avLst/>
+          </a:prstGeom>
+          <a:noFill/>
+        </p:spPr>
+        <p:txBody>
+          <a:bodyPr wrap="square" rtlCol="0">
+            <a:spAutoFit/>
+          </a:bodyPr>
+          <a:p>
+            <a:r>
+              <a:rPr lang="en-US" altLang="zh-CN" sz="1200"/>
+              <a:t>PartitionR-1</a:t>
+            </a:r>
+            <a:endParaRPr lang="en-US" altLang="zh-CN" sz="1200"/>
+          </a:p>
+        </p:txBody>
+      </p:sp>
+      <p:sp>
+        <p:nvSpPr>
+          <p:cNvPr id="107" name="矩形 106"/>
+          <p:cNvSpPr/>
+          <p:nvPr/>
+        </p:nvSpPr>
+        <p:spPr>
+          <a:xfrm>
+            <a:off x="5830570" y="5457190"/>
+            <a:ext cx="910590" cy="182880"/>
+          </a:xfrm>
+          <a:prstGeom prst="rect">
+            <a:avLst/>
+          </a:prstGeom>
+          <a:noFill/>
+          <a:ln w="19050">
+            <a:solidFill>
+              <a:schemeClr val="tx1"/>
+            </a:solidFill>
+          </a:ln>
+        </p:spPr>
+        <p:style>
+          <a:lnRef idx="2">
+            <a:schemeClr val="accent1">
+              <a:shade val="50000"/>
+            </a:schemeClr>
+          </a:lnRef>
+          <a:fillRef idx="1">
+            <a:schemeClr val="accent1"/>
+          </a:fillRef>
+          <a:effectRef idx="0">
+            <a:schemeClr val="accent1"/>
+          </a:effectRef>
+          <a:fontRef idx="minor">
+            <a:schemeClr val="lt1"/>
+          </a:fontRef>
+        </p:style>
+        <p:txBody>
+          <a:bodyPr rtlCol="0" anchor="ctr"/>
+          <a:p>
+            <a:pPr algn="ctr"/>
+            <a:endParaRPr lang="zh-CN" altLang="en-US" dirty="0">
+              <a:solidFill>
+                <a:schemeClr val="tx1"/>
+              </a:solidFill>
+            </a:endParaRPr>
+          </a:p>
+        </p:txBody>
+      </p:sp>
+      <p:sp>
+        <p:nvSpPr>
+          <p:cNvPr id="108" name="文本框 107"/>
+          <p:cNvSpPr txBox="1"/>
+          <p:nvPr/>
+        </p:nvSpPr>
+        <p:spPr>
+          <a:xfrm>
+            <a:off x="5785485" y="5410835"/>
+            <a:ext cx="1002030" cy="275590"/>
+          </a:xfrm>
+          <a:prstGeom prst="rect">
+            <a:avLst/>
+          </a:prstGeom>
+          <a:noFill/>
+        </p:spPr>
+        <p:txBody>
+          <a:bodyPr wrap="square" rtlCol="0">
+            <a:spAutoFit/>
+          </a:bodyPr>
+          <a:p>
+            <a:r>
+              <a:rPr lang="en-US" altLang="zh-CN" sz="1200"/>
+              <a:t>  Partition0</a:t>
+            </a:r>
+            <a:endParaRPr lang="en-US" altLang="zh-CN" sz="1200"/>
+          </a:p>
+        </p:txBody>
+      </p:sp>
+      <p:sp>
+        <p:nvSpPr>
+          <p:cNvPr id="109" name="矩形 108"/>
+          <p:cNvSpPr/>
+          <p:nvPr/>
+        </p:nvSpPr>
+        <p:spPr>
+          <a:xfrm>
+            <a:off x="5830570" y="5639435"/>
+            <a:ext cx="910590" cy="182880"/>
+          </a:xfrm>
+          <a:prstGeom prst="rect">
+            <a:avLst/>
+          </a:prstGeom>
+          <a:noFill/>
+          <a:ln w="19050">
+            <a:solidFill>
+              <a:schemeClr val="tx1"/>
+            </a:solidFill>
+          </a:ln>
+        </p:spPr>
+        <p:style>
+          <a:lnRef idx="2">
+            <a:schemeClr val="accent1">
+              <a:shade val="50000"/>
+            </a:schemeClr>
+          </a:lnRef>
+          <a:fillRef idx="1">
+            <a:schemeClr val="accent1"/>
+          </a:fillRef>
+          <a:effectRef idx="0">
+            <a:schemeClr val="accent1"/>
+          </a:effectRef>
+          <a:fontRef idx="minor">
+            <a:schemeClr val="lt1"/>
+          </a:fontRef>
+        </p:style>
+        <p:txBody>
+          <a:bodyPr rtlCol="0" anchor="ctr"/>
+          <a:p>
+            <a:pPr algn="ctr"/>
+            <a:endParaRPr lang="zh-CN" altLang="en-US" dirty="0">
+              <a:solidFill>
+                <a:schemeClr val="tx1"/>
+              </a:solidFill>
+            </a:endParaRPr>
+          </a:p>
+        </p:txBody>
+      </p:sp>
+      <p:sp>
+        <p:nvSpPr>
+          <p:cNvPr id="110" name="文本框 109"/>
+          <p:cNvSpPr txBox="1"/>
+          <p:nvPr/>
+        </p:nvSpPr>
+        <p:spPr>
+          <a:xfrm>
+            <a:off x="5784850" y="5593080"/>
+            <a:ext cx="1002030" cy="275590"/>
+          </a:xfrm>
+          <a:prstGeom prst="rect">
+            <a:avLst/>
+          </a:prstGeom>
+          <a:noFill/>
+        </p:spPr>
+        <p:txBody>
+          <a:bodyPr wrap="square" rtlCol="0">
+            <a:spAutoFit/>
+          </a:bodyPr>
+          <a:p>
+            <a:r>
+              <a:rPr lang="en-US" altLang="zh-CN" sz="1200"/>
+              <a:t>  Partition1</a:t>
+            </a:r>
+            <a:endParaRPr lang="en-US" altLang="zh-CN" sz="1200"/>
+          </a:p>
+        </p:txBody>
+      </p:sp>
+      <p:sp>
+        <p:nvSpPr>
+          <p:cNvPr id="111" name="矩形 110"/>
+          <p:cNvSpPr/>
+          <p:nvPr/>
+        </p:nvSpPr>
+        <p:spPr>
+          <a:xfrm>
+            <a:off x="5830570" y="5822315"/>
+            <a:ext cx="910590" cy="182880"/>
+          </a:xfrm>
+          <a:prstGeom prst="rect">
+            <a:avLst/>
+          </a:prstGeom>
+          <a:noFill/>
+          <a:ln w="19050">
+            <a:solidFill>
+              <a:schemeClr val="tx1"/>
+            </a:solidFill>
+          </a:ln>
+        </p:spPr>
+        <p:style>
+          <a:lnRef idx="2">
+            <a:schemeClr val="accent1">
+              <a:shade val="50000"/>
+            </a:schemeClr>
+          </a:lnRef>
+          <a:fillRef idx="1">
+            <a:schemeClr val="accent1"/>
+          </a:fillRef>
+          <a:effectRef idx="0">
+            <a:schemeClr val="accent1"/>
+          </a:effectRef>
+          <a:fontRef idx="minor">
+            <a:schemeClr val="lt1"/>
+          </a:fontRef>
+        </p:style>
+        <p:txBody>
+          <a:bodyPr rtlCol="0" anchor="ctr"/>
+          <a:p>
+            <a:pPr algn="ctr"/>
+            <a:endParaRPr lang="zh-CN" altLang="en-US" dirty="0">
+              <a:solidFill>
+                <a:schemeClr val="tx1"/>
+              </a:solidFill>
+            </a:endParaRPr>
+          </a:p>
+        </p:txBody>
+      </p:sp>
+      <p:sp>
+        <p:nvSpPr>
+          <p:cNvPr id="112" name="文本框 111"/>
+          <p:cNvSpPr txBox="1"/>
+          <p:nvPr/>
+        </p:nvSpPr>
+        <p:spPr>
+          <a:xfrm>
+            <a:off x="5931535" y="5737225"/>
+            <a:ext cx="748665" cy="306705"/>
+          </a:xfrm>
+          <a:prstGeom prst="rect">
+            <a:avLst/>
+          </a:prstGeom>
+          <a:noFill/>
+        </p:spPr>
+        <p:txBody>
+          <a:bodyPr wrap="square" rtlCol="0">
+            <a:spAutoFit/>
+          </a:bodyPr>
+          <a:p>
+            <a:r>
+              <a:rPr lang="en-US" altLang="zh-CN" sz="1400" b="1"/>
+              <a:t>...     ...</a:t>
+            </a:r>
+            <a:endParaRPr lang="en-US" altLang="zh-CN" sz="1400" b="1"/>
+          </a:p>
+        </p:txBody>
+      </p:sp>
+      <p:sp>
+        <p:nvSpPr>
+          <p:cNvPr id="113" name="矩形 112"/>
+          <p:cNvSpPr/>
+          <p:nvPr/>
+        </p:nvSpPr>
+        <p:spPr>
+          <a:xfrm>
+            <a:off x="5830570" y="6004560"/>
+            <a:ext cx="910590" cy="182880"/>
+          </a:xfrm>
+          <a:prstGeom prst="rect">
+            <a:avLst/>
+          </a:prstGeom>
+          <a:noFill/>
+          <a:ln w="19050">
+            <a:solidFill>
+              <a:schemeClr val="tx1"/>
+            </a:solidFill>
+          </a:ln>
+        </p:spPr>
+        <p:style>
+          <a:lnRef idx="2">
+            <a:schemeClr val="accent1">
+              <a:shade val="50000"/>
+            </a:schemeClr>
+          </a:lnRef>
+          <a:fillRef idx="1">
+            <a:schemeClr val="accent1"/>
+          </a:fillRef>
+          <a:effectRef idx="0">
+            <a:schemeClr val="accent1"/>
+          </a:effectRef>
+          <a:fontRef idx="minor">
+            <a:schemeClr val="lt1"/>
+          </a:fontRef>
+        </p:style>
+        <p:txBody>
+          <a:bodyPr rtlCol="0" anchor="ctr"/>
+          <a:p>
+            <a:pPr algn="ctr"/>
+            <a:endParaRPr lang="zh-CN" altLang="en-US" dirty="0">
+              <a:solidFill>
+                <a:schemeClr val="tx1"/>
+              </a:solidFill>
+            </a:endParaRPr>
+          </a:p>
+        </p:txBody>
+      </p:sp>
+      <p:sp>
+        <p:nvSpPr>
+          <p:cNvPr id="114" name="文本框 113"/>
+          <p:cNvSpPr txBox="1"/>
+          <p:nvPr/>
+        </p:nvSpPr>
+        <p:spPr>
+          <a:xfrm>
+            <a:off x="5784850" y="4711700"/>
+            <a:ext cx="1002030" cy="275590"/>
+          </a:xfrm>
+          <a:prstGeom prst="rect">
+            <a:avLst/>
+          </a:prstGeom>
+          <a:noFill/>
+        </p:spPr>
+        <p:txBody>
+          <a:bodyPr wrap="square" rtlCol="0">
+            <a:spAutoFit/>
+          </a:bodyPr>
+          <a:p>
+            <a:r>
+              <a:rPr lang="en-US" altLang="zh-CN" sz="1200"/>
+              <a:t>PartitionR-1</a:t>
+            </a:r>
+            <a:endParaRPr lang="en-US" altLang="zh-CN" sz="1200"/>
+          </a:p>
+        </p:txBody>
+      </p:sp>
+      <p:sp>
+        <p:nvSpPr>
+          <p:cNvPr id="115" name="文本框 114"/>
+          <p:cNvSpPr txBox="1"/>
+          <p:nvPr/>
+        </p:nvSpPr>
+        <p:spPr>
+          <a:xfrm>
+            <a:off x="5895340" y="5011420"/>
+            <a:ext cx="781050" cy="368300"/>
+          </a:xfrm>
+          <a:prstGeom prst="rect">
+            <a:avLst/>
+          </a:prstGeom>
+          <a:noFill/>
+        </p:spPr>
+        <p:txBody>
+          <a:bodyPr wrap="square" rtlCol="0">
+            <a:spAutoFit/>
+          </a:bodyPr>
+          <a:p>
+            <a:r>
+              <a:rPr lang="en-US" altLang="zh-CN"/>
+              <a:t>...    ...</a:t>
+            </a:r>
+            <a:endParaRPr lang="en-US" altLang="zh-CN"/>
+          </a:p>
+        </p:txBody>
+      </p:sp>
+      <p:sp>
+        <p:nvSpPr>
+          <p:cNvPr id="116" name="文本框 115"/>
+          <p:cNvSpPr txBox="1"/>
+          <p:nvPr/>
+        </p:nvSpPr>
+        <p:spPr>
+          <a:xfrm>
+            <a:off x="5347335" y="6269355"/>
+            <a:ext cx="1917065" cy="368300"/>
+          </a:xfrm>
+          <a:prstGeom prst="rect">
+            <a:avLst/>
+          </a:prstGeom>
+          <a:noFill/>
+        </p:spPr>
+        <p:txBody>
+          <a:bodyPr wrap="square" rtlCol="0">
+            <a:spAutoFit/>
+          </a:bodyPr>
+          <a:p>
+            <a:r>
+              <a:rPr lang="en-US" altLang="zh-CN"/>
+              <a:t>Intermediate </a:t>
+            </a:r>
+            <a:r>
+              <a:rPr lang="en-US" altLang="zh-CN"/>
+              <a:t>files</a:t>
+            </a:r>
+            <a:endParaRPr lang="en-US" altLang="zh-CN"/>
+          </a:p>
+        </p:txBody>
+      </p:sp>
+      <p:cxnSp>
+        <p:nvCxnSpPr>
+          <p:cNvPr id="119" name="曲线连接符 118"/>
+          <p:cNvCxnSpPr>
+            <a:stCxn id="22" idx="3"/>
+            <a:endCxn id="87" idx="1"/>
+          </p:cNvCxnSpPr>
+          <p:nvPr/>
+        </p:nvCxnSpPr>
+        <p:spPr>
+          <a:xfrm flipV="1">
+            <a:off x="4508500" y="3001645"/>
+            <a:ext cx="1322705" cy="231775"/>
+          </a:xfrm>
+          <a:prstGeom prst="curvedConnector3">
+            <a:avLst>
+              <a:gd name="adj1" fmla="val 50024"/>
+            </a:avLst>
+          </a:prstGeom>
+          <a:ln w="19050" cmpd="sng">
+            <a:solidFill>
+              <a:schemeClr val="tx1"/>
+            </a:solidFill>
+            <a:prstDash val="sysDash"/>
+            <a:headEnd type="none" w="med" len="med"/>
+            <a:tailEnd type="triangle" w="lg" len="lg"/>
+          </a:ln>
+        </p:spPr>
+        <p:style>
+          <a:lnRef idx="1">
+            <a:schemeClr val="accent1"/>
+          </a:lnRef>
+          <a:fillRef idx="0">
+            <a:schemeClr val="accent1"/>
+          </a:fillRef>
+          <a:effectRef idx="0">
+            <a:schemeClr val="accent1"/>
+          </a:effectRef>
+          <a:fontRef idx="minor">
+            <a:schemeClr val="tx1"/>
+          </a:fontRef>
+        </p:style>
+      </p:cxnSp>
+      <p:cxnSp>
+        <p:nvCxnSpPr>
+          <p:cNvPr id="120" name="曲线连接符 119"/>
+          <p:cNvCxnSpPr>
+            <a:stCxn id="22" idx="3"/>
+            <a:endCxn id="61" idx="1"/>
+          </p:cNvCxnSpPr>
+          <p:nvPr/>
+        </p:nvCxnSpPr>
+        <p:spPr>
+          <a:xfrm flipV="1">
+            <a:off x="4508500" y="2636520"/>
+            <a:ext cx="1322705" cy="596900"/>
+          </a:xfrm>
+          <a:prstGeom prst="curvedConnector3">
+            <a:avLst>
+              <a:gd name="adj1" fmla="val 50024"/>
+            </a:avLst>
+          </a:prstGeom>
+          <a:ln w="19050">
+            <a:solidFill>
+              <a:schemeClr val="tx1"/>
+            </a:solidFill>
+            <a:headEnd type="none" w="med" len="med"/>
+            <a:tailEnd type="triangle" w="lg" len="lg"/>
+          </a:ln>
+        </p:spPr>
+        <p:style>
+          <a:lnRef idx="1">
+            <a:schemeClr val="accent1"/>
+          </a:lnRef>
+          <a:fillRef idx="0">
+            <a:schemeClr val="accent1"/>
+          </a:fillRef>
+          <a:effectRef idx="0">
+            <a:schemeClr val="accent1"/>
+          </a:effectRef>
+          <a:fontRef idx="minor">
+            <a:schemeClr val="tx1"/>
+          </a:fontRef>
+        </p:style>
+      </p:cxnSp>
+      <p:cxnSp>
+        <p:nvCxnSpPr>
+          <p:cNvPr id="121" name="曲线连接符 120"/>
+          <p:cNvCxnSpPr>
+            <a:stCxn id="22" idx="3"/>
+            <a:endCxn id="85" idx="1"/>
+          </p:cNvCxnSpPr>
+          <p:nvPr/>
+        </p:nvCxnSpPr>
+        <p:spPr>
+          <a:xfrm flipV="1">
+            <a:off x="4508500" y="2818765"/>
+            <a:ext cx="1322705" cy="414655"/>
+          </a:xfrm>
+          <a:prstGeom prst="curvedConnector3">
+            <a:avLst>
+              <a:gd name="adj1" fmla="val 50024"/>
+            </a:avLst>
+          </a:prstGeom>
+          <a:ln w="19050">
+            <a:solidFill>
+              <a:schemeClr val="tx1"/>
+            </a:solidFill>
+            <a:headEnd type="none" w="med" len="med"/>
+            <a:tailEnd type="triangle" w="lg" len="lg"/>
+          </a:ln>
+        </p:spPr>
+        <p:style>
+          <a:lnRef idx="1">
+            <a:schemeClr val="accent1"/>
+          </a:lnRef>
+          <a:fillRef idx="0">
+            <a:schemeClr val="accent1"/>
+          </a:fillRef>
+          <a:effectRef idx="0">
+            <a:schemeClr val="accent1"/>
+          </a:effectRef>
+          <a:fontRef idx="minor">
+            <a:schemeClr val="tx1"/>
+          </a:fontRef>
+        </p:style>
+      </p:cxnSp>
+      <p:cxnSp>
+        <p:nvCxnSpPr>
+          <p:cNvPr id="122" name="曲线连接符 121"/>
+          <p:cNvCxnSpPr>
+            <a:stCxn id="22" idx="3"/>
+            <a:endCxn id="89" idx="1"/>
+          </p:cNvCxnSpPr>
+          <p:nvPr/>
+        </p:nvCxnSpPr>
+        <p:spPr>
+          <a:xfrm flipV="1">
+            <a:off x="4508500" y="3183890"/>
+            <a:ext cx="1322705" cy="49530"/>
+          </a:xfrm>
+          <a:prstGeom prst="curvedConnector3">
+            <a:avLst>
+              <a:gd name="adj1" fmla="val 50024"/>
+            </a:avLst>
+          </a:prstGeom>
+          <a:ln w="19050">
+            <a:solidFill>
+              <a:schemeClr val="tx1"/>
+            </a:solidFill>
+            <a:headEnd type="none" w="med" len="med"/>
+            <a:tailEnd type="triangle" w="lg" len="lg"/>
+          </a:ln>
+        </p:spPr>
+        <p:style>
+          <a:lnRef idx="1">
+            <a:schemeClr val="accent1"/>
+          </a:lnRef>
+          <a:fillRef idx="0">
+            <a:schemeClr val="accent1"/>
+          </a:fillRef>
+          <a:effectRef idx="0">
+            <a:schemeClr val="accent1"/>
+          </a:effectRef>
+          <a:fontRef idx="minor">
+            <a:schemeClr val="tx1"/>
+          </a:fontRef>
+        </p:style>
+      </p:cxnSp>
+      <p:cxnSp>
+        <p:nvCxnSpPr>
+          <p:cNvPr id="123" name="曲线连接符 122"/>
+          <p:cNvCxnSpPr>
+            <a:stCxn id="35" idx="3"/>
+            <a:endCxn id="91" idx="1"/>
+          </p:cNvCxnSpPr>
+          <p:nvPr/>
+        </p:nvCxnSpPr>
+        <p:spPr>
+          <a:xfrm flipV="1">
+            <a:off x="4507865" y="3466465"/>
+            <a:ext cx="1322705" cy="333375"/>
+          </a:xfrm>
+          <a:prstGeom prst="curvedConnector3">
+            <a:avLst>
+              <a:gd name="adj1" fmla="val 50024"/>
+            </a:avLst>
+          </a:prstGeom>
+          <a:ln w="19050">
+            <a:solidFill>
+              <a:schemeClr val="tx1"/>
+            </a:solidFill>
+            <a:headEnd type="none" w="med" len="med"/>
+            <a:tailEnd type="triangle" w="lg" len="lg"/>
+          </a:ln>
+        </p:spPr>
+        <p:style>
+          <a:lnRef idx="1">
+            <a:schemeClr val="accent1"/>
+          </a:lnRef>
+          <a:fillRef idx="0">
+            <a:schemeClr val="accent1"/>
+          </a:fillRef>
+          <a:effectRef idx="0">
+            <a:schemeClr val="accent1"/>
+          </a:effectRef>
+          <a:fontRef idx="minor">
+            <a:schemeClr val="tx1"/>
+          </a:fontRef>
+        </p:style>
+      </p:cxnSp>
+      <p:cxnSp>
+        <p:nvCxnSpPr>
+          <p:cNvPr id="124" name="曲线连接符 123"/>
+          <p:cNvCxnSpPr>
+            <a:stCxn id="35" idx="3"/>
+            <a:endCxn id="93" idx="1"/>
+          </p:cNvCxnSpPr>
+          <p:nvPr/>
+        </p:nvCxnSpPr>
+        <p:spPr>
+          <a:xfrm flipV="1">
+            <a:off x="4507865" y="3648710"/>
+            <a:ext cx="1322705" cy="151130"/>
+          </a:xfrm>
+          <a:prstGeom prst="curvedConnector3">
+            <a:avLst>
+              <a:gd name="adj1" fmla="val 50024"/>
+            </a:avLst>
+          </a:prstGeom>
+          <a:ln w="19050">
+            <a:solidFill>
+              <a:schemeClr val="tx1"/>
+            </a:solidFill>
+            <a:headEnd type="none" w="med" len="med"/>
+            <a:tailEnd type="triangle" w="lg" len="lg"/>
+          </a:ln>
+        </p:spPr>
+        <p:style>
+          <a:lnRef idx="1">
+            <a:schemeClr val="accent1"/>
+          </a:lnRef>
+          <a:fillRef idx="0">
+            <a:schemeClr val="accent1"/>
+          </a:fillRef>
+          <a:effectRef idx="0">
+            <a:schemeClr val="accent1"/>
+          </a:effectRef>
+          <a:fontRef idx="minor">
+            <a:schemeClr val="tx1"/>
+          </a:fontRef>
+        </p:style>
+      </p:cxnSp>
+      <p:cxnSp>
+        <p:nvCxnSpPr>
+          <p:cNvPr id="125" name="曲线连接符 124"/>
+          <p:cNvCxnSpPr>
+            <a:stCxn id="35" idx="3"/>
+            <a:endCxn id="95" idx="1"/>
+          </p:cNvCxnSpPr>
+          <p:nvPr/>
+        </p:nvCxnSpPr>
+        <p:spPr>
+          <a:xfrm>
+            <a:off x="4507865" y="3799840"/>
+            <a:ext cx="1322705" cy="31750"/>
+          </a:xfrm>
+          <a:prstGeom prst="curvedConnector3">
+            <a:avLst>
+              <a:gd name="adj1" fmla="val 50024"/>
+            </a:avLst>
+          </a:prstGeom>
+          <a:ln w="19050" cmpd="sng">
+            <a:solidFill>
+              <a:schemeClr val="tx1"/>
+            </a:solidFill>
+            <a:prstDash val="sysDash"/>
+            <a:headEnd type="none" w="med" len="med"/>
+            <a:tailEnd type="triangle" w="lg" len="lg"/>
+          </a:ln>
+        </p:spPr>
+        <p:style>
+          <a:lnRef idx="1">
+            <a:schemeClr val="accent1"/>
+          </a:lnRef>
+          <a:fillRef idx="0">
+            <a:schemeClr val="accent1"/>
+          </a:fillRef>
+          <a:effectRef idx="0">
+            <a:schemeClr val="accent1"/>
+          </a:effectRef>
+          <a:fontRef idx="minor">
+            <a:schemeClr val="tx1"/>
+          </a:fontRef>
+        </p:style>
+      </p:cxnSp>
+      <p:cxnSp>
+        <p:nvCxnSpPr>
+          <p:cNvPr id="126" name="曲线连接符 125"/>
+          <p:cNvCxnSpPr>
+            <a:stCxn id="35" idx="3"/>
+            <a:endCxn id="97" idx="1"/>
+          </p:cNvCxnSpPr>
+          <p:nvPr/>
+        </p:nvCxnSpPr>
+        <p:spPr>
+          <a:xfrm>
+            <a:off x="4507865" y="3799840"/>
+            <a:ext cx="1322705" cy="213995"/>
+          </a:xfrm>
+          <a:prstGeom prst="curvedConnector3">
+            <a:avLst>
+              <a:gd name="adj1" fmla="val 50024"/>
+            </a:avLst>
+          </a:prstGeom>
+          <a:ln w="19050">
+            <a:solidFill>
+              <a:schemeClr val="tx1"/>
+            </a:solidFill>
+            <a:headEnd type="none" w="med" len="med"/>
+            <a:tailEnd type="triangle" w="lg" len="lg"/>
+          </a:ln>
+        </p:spPr>
+        <p:style>
+          <a:lnRef idx="1">
+            <a:schemeClr val="accent1"/>
+          </a:lnRef>
+          <a:fillRef idx="0">
+            <a:schemeClr val="accent1"/>
+          </a:fillRef>
+          <a:effectRef idx="0">
+            <a:schemeClr val="accent1"/>
+          </a:effectRef>
+          <a:fontRef idx="minor">
+            <a:schemeClr val="tx1"/>
+          </a:fontRef>
+        </p:style>
+      </p:cxnSp>
+      <p:cxnSp>
+        <p:nvCxnSpPr>
+          <p:cNvPr id="127" name="曲线连接符 126"/>
+          <p:cNvCxnSpPr>
+            <a:stCxn id="37" idx="3"/>
+            <a:endCxn id="99" idx="1"/>
+          </p:cNvCxnSpPr>
+          <p:nvPr/>
+        </p:nvCxnSpPr>
+        <p:spPr>
+          <a:xfrm flipV="1">
+            <a:off x="4509135" y="4304030"/>
+            <a:ext cx="1322070" cy="245745"/>
+          </a:xfrm>
+          <a:prstGeom prst="curvedConnector3">
+            <a:avLst>
+              <a:gd name="adj1" fmla="val 50000"/>
+            </a:avLst>
+          </a:prstGeom>
+          <a:ln w="19050">
+            <a:solidFill>
+              <a:schemeClr val="tx1"/>
+            </a:solidFill>
+            <a:headEnd type="none" w="med" len="med"/>
+            <a:tailEnd type="triangle" w="lg" len="lg"/>
+          </a:ln>
+        </p:spPr>
+        <p:style>
+          <a:lnRef idx="1">
+            <a:schemeClr val="accent1"/>
+          </a:lnRef>
+          <a:fillRef idx="0">
+            <a:schemeClr val="accent1"/>
+          </a:fillRef>
+          <a:effectRef idx="0">
+            <a:schemeClr val="accent1"/>
+          </a:effectRef>
+          <a:fontRef idx="minor">
+            <a:schemeClr val="tx1"/>
+          </a:fontRef>
+        </p:style>
+      </p:cxnSp>
+      <p:cxnSp>
+        <p:nvCxnSpPr>
+          <p:cNvPr id="128" name="曲线连接符 127"/>
+          <p:cNvCxnSpPr>
+            <a:stCxn id="37" idx="3"/>
+            <a:endCxn id="101" idx="1"/>
+          </p:cNvCxnSpPr>
+          <p:nvPr/>
+        </p:nvCxnSpPr>
+        <p:spPr>
+          <a:xfrm flipV="1">
+            <a:off x="4509135" y="4486275"/>
+            <a:ext cx="1322070" cy="63500"/>
+          </a:xfrm>
+          <a:prstGeom prst="curvedConnector3">
+            <a:avLst>
+              <a:gd name="adj1" fmla="val 50000"/>
+            </a:avLst>
+          </a:prstGeom>
+          <a:ln w="19050">
+            <a:solidFill>
+              <a:schemeClr val="tx1"/>
+            </a:solidFill>
+            <a:headEnd type="none" w="med" len="med"/>
+            <a:tailEnd type="triangle" w="lg" len="lg"/>
+          </a:ln>
+        </p:spPr>
+        <p:style>
+          <a:lnRef idx="1">
+            <a:schemeClr val="accent1"/>
+          </a:lnRef>
+          <a:fillRef idx="0">
+            <a:schemeClr val="accent1"/>
+          </a:fillRef>
+          <a:effectRef idx="0">
+            <a:schemeClr val="accent1"/>
+          </a:effectRef>
+          <a:fontRef idx="minor">
+            <a:schemeClr val="tx1"/>
+          </a:fontRef>
+        </p:style>
+      </p:cxnSp>
+      <p:cxnSp>
+        <p:nvCxnSpPr>
+          <p:cNvPr id="129" name="曲线连接符 128"/>
+          <p:cNvCxnSpPr>
+            <a:stCxn id="37" idx="3"/>
+            <a:endCxn id="103" idx="1"/>
+          </p:cNvCxnSpPr>
+          <p:nvPr/>
+        </p:nvCxnSpPr>
+        <p:spPr>
+          <a:xfrm>
+            <a:off x="4509135" y="4549775"/>
+            <a:ext cx="1322070" cy="119380"/>
+          </a:xfrm>
+          <a:prstGeom prst="curvedConnector3">
+            <a:avLst>
+              <a:gd name="adj1" fmla="val 50000"/>
+            </a:avLst>
+          </a:prstGeom>
+          <a:ln w="19050" cmpd="sng">
+            <a:solidFill>
+              <a:schemeClr val="tx1"/>
+            </a:solidFill>
+            <a:prstDash val="sysDash"/>
+            <a:headEnd type="none" w="med" len="med"/>
+            <a:tailEnd type="triangle" w="lg" len="lg"/>
+          </a:ln>
+        </p:spPr>
+        <p:style>
+          <a:lnRef idx="1">
+            <a:schemeClr val="accent1"/>
+          </a:lnRef>
+          <a:fillRef idx="0">
+            <a:schemeClr val="accent1"/>
+          </a:fillRef>
+          <a:effectRef idx="0">
+            <a:schemeClr val="accent1"/>
+          </a:effectRef>
+          <a:fontRef idx="minor">
+            <a:schemeClr val="tx1"/>
+          </a:fontRef>
+        </p:style>
+      </p:cxnSp>
+      <p:cxnSp>
+        <p:nvCxnSpPr>
+          <p:cNvPr id="130" name="曲线连接符 129"/>
+          <p:cNvCxnSpPr>
+            <a:stCxn id="37" idx="3"/>
+            <a:endCxn id="105" idx="1"/>
+          </p:cNvCxnSpPr>
+          <p:nvPr/>
+        </p:nvCxnSpPr>
+        <p:spPr>
+          <a:xfrm>
+            <a:off x="4509135" y="4549775"/>
+            <a:ext cx="1322070" cy="301625"/>
+          </a:xfrm>
+          <a:prstGeom prst="curvedConnector3">
+            <a:avLst>
+              <a:gd name="adj1" fmla="val 50000"/>
+            </a:avLst>
+          </a:prstGeom>
+          <a:ln w="19050">
+            <a:solidFill>
+              <a:schemeClr val="tx1"/>
+            </a:solidFill>
+            <a:headEnd type="none" w="med" len="med"/>
+            <a:tailEnd type="triangle" w="lg" len="lg"/>
+          </a:ln>
+        </p:spPr>
+        <p:style>
+          <a:lnRef idx="1">
+            <a:schemeClr val="accent1"/>
+          </a:lnRef>
+          <a:fillRef idx="0">
+            <a:schemeClr val="accent1"/>
+          </a:fillRef>
+          <a:effectRef idx="0">
+            <a:schemeClr val="accent1"/>
+          </a:effectRef>
+          <a:fontRef idx="minor">
+            <a:schemeClr val="tx1"/>
+          </a:fontRef>
+        </p:style>
+      </p:cxnSp>
+      <p:cxnSp>
+        <p:nvCxnSpPr>
+          <p:cNvPr id="131" name="曲线连接符 130"/>
+          <p:cNvCxnSpPr>
+            <a:stCxn id="39" idx="3"/>
+            <a:endCxn id="107" idx="1"/>
+          </p:cNvCxnSpPr>
+          <p:nvPr/>
+        </p:nvCxnSpPr>
+        <p:spPr>
+          <a:xfrm flipV="1">
+            <a:off x="4511040" y="5548630"/>
+            <a:ext cx="1319530" cy="281940"/>
+          </a:xfrm>
+          <a:prstGeom prst="curvedConnector3">
+            <a:avLst>
+              <a:gd name="adj1" fmla="val 50000"/>
+            </a:avLst>
+          </a:prstGeom>
+          <a:ln w="19050">
+            <a:solidFill>
+              <a:schemeClr val="tx1"/>
+            </a:solidFill>
+            <a:headEnd type="none" w="med" len="med"/>
+            <a:tailEnd type="triangle" w="lg" len="lg"/>
+          </a:ln>
+        </p:spPr>
+        <p:style>
+          <a:lnRef idx="1">
+            <a:schemeClr val="accent1"/>
+          </a:lnRef>
+          <a:fillRef idx="0">
+            <a:schemeClr val="accent1"/>
+          </a:fillRef>
+          <a:effectRef idx="0">
+            <a:schemeClr val="accent1"/>
+          </a:effectRef>
+          <a:fontRef idx="minor">
+            <a:schemeClr val="tx1"/>
+          </a:fontRef>
+        </p:style>
+      </p:cxnSp>
+      <p:cxnSp>
+        <p:nvCxnSpPr>
+          <p:cNvPr id="132" name="曲线连接符 131"/>
+          <p:cNvCxnSpPr>
+            <a:stCxn id="39" idx="3"/>
+            <a:endCxn id="109" idx="1"/>
+          </p:cNvCxnSpPr>
+          <p:nvPr/>
+        </p:nvCxnSpPr>
+        <p:spPr>
+          <a:xfrm flipV="1">
+            <a:off x="4511040" y="5730875"/>
+            <a:ext cx="1319530" cy="99695"/>
+          </a:xfrm>
+          <a:prstGeom prst="curvedConnector3">
+            <a:avLst>
+              <a:gd name="adj1" fmla="val 50000"/>
+            </a:avLst>
+          </a:prstGeom>
+          <a:ln w="19050">
+            <a:solidFill>
+              <a:schemeClr val="tx1"/>
+            </a:solidFill>
+            <a:headEnd type="none" w="med" len="med"/>
+            <a:tailEnd type="triangle" w="lg" len="lg"/>
+          </a:ln>
+        </p:spPr>
+        <p:style>
+          <a:lnRef idx="1">
+            <a:schemeClr val="accent1"/>
+          </a:lnRef>
+          <a:fillRef idx="0">
+            <a:schemeClr val="accent1"/>
+          </a:fillRef>
+          <a:effectRef idx="0">
+            <a:schemeClr val="accent1"/>
+          </a:effectRef>
+          <a:fontRef idx="minor">
+            <a:schemeClr val="tx1"/>
+          </a:fontRef>
+        </p:style>
+      </p:cxnSp>
+      <p:cxnSp>
+        <p:nvCxnSpPr>
+          <p:cNvPr id="133" name="曲线连接符 132"/>
+          <p:cNvCxnSpPr>
+            <a:stCxn id="39" idx="3"/>
+            <a:endCxn id="111" idx="1"/>
+          </p:cNvCxnSpPr>
+          <p:nvPr/>
+        </p:nvCxnSpPr>
+        <p:spPr>
+          <a:xfrm>
+            <a:off x="4511040" y="5830570"/>
+            <a:ext cx="1319530" cy="83185"/>
+          </a:xfrm>
+          <a:prstGeom prst="curvedConnector3">
+            <a:avLst>
+              <a:gd name="adj1" fmla="val 50000"/>
+            </a:avLst>
+          </a:prstGeom>
+          <a:ln w="19050" cmpd="sng">
+            <a:solidFill>
+              <a:schemeClr val="tx1"/>
+            </a:solidFill>
+            <a:prstDash val="sysDash"/>
+            <a:headEnd type="none" w="med" len="med"/>
+            <a:tailEnd type="triangle" w="lg" len="lg"/>
+          </a:ln>
+        </p:spPr>
+        <p:style>
+          <a:lnRef idx="1">
+            <a:schemeClr val="accent1"/>
+          </a:lnRef>
+          <a:fillRef idx="0">
+            <a:schemeClr val="accent1"/>
+          </a:fillRef>
+          <a:effectRef idx="0">
+            <a:schemeClr val="accent1"/>
+          </a:effectRef>
+          <a:fontRef idx="minor">
+            <a:schemeClr val="tx1"/>
+          </a:fontRef>
+        </p:style>
+      </p:cxnSp>
+      <p:cxnSp>
+        <p:nvCxnSpPr>
+          <p:cNvPr id="134" name="曲线连接符 133"/>
+          <p:cNvCxnSpPr>
+            <a:stCxn id="39" idx="3"/>
+            <a:endCxn id="113" idx="1"/>
+          </p:cNvCxnSpPr>
+          <p:nvPr/>
+        </p:nvCxnSpPr>
+        <p:spPr>
+          <a:xfrm>
+            <a:off x="4511040" y="5830570"/>
+            <a:ext cx="1319530" cy="265430"/>
+          </a:xfrm>
+          <a:prstGeom prst="curvedConnector3">
+            <a:avLst>
+              <a:gd name="adj1" fmla="val 50000"/>
+            </a:avLst>
+          </a:prstGeom>
+          <a:ln w="19050">
+            <a:solidFill>
+              <a:schemeClr val="tx1"/>
+            </a:solidFill>
+            <a:headEnd type="none" w="med" len="med"/>
+            <a:tailEnd type="triangle" w="lg" len="lg"/>
+          </a:ln>
+        </p:spPr>
+        <p:style>
+          <a:lnRef idx="1">
+            <a:schemeClr val="accent1"/>
+          </a:lnRef>
+          <a:fillRef idx="0">
+            <a:schemeClr val="accent1"/>
+          </a:fillRef>
+          <a:effectRef idx="0">
+            <a:schemeClr val="accent1"/>
+          </a:effectRef>
+          <a:fontRef idx="minor">
+            <a:schemeClr val="tx1"/>
+          </a:fontRef>
+        </p:style>
+      </p:cxnSp>
+      <p:sp>
+        <p:nvSpPr>
+          <p:cNvPr id="136" name="流程图: 终止 135"/>
+          <p:cNvSpPr/>
+          <p:nvPr/>
+        </p:nvSpPr>
+        <p:spPr>
+          <a:xfrm>
+            <a:off x="7984490" y="3092450"/>
+            <a:ext cx="850900" cy="273685"/>
+          </a:xfrm>
+          <a:prstGeom prst="flowChartTerminator">
+            <a:avLst/>
+          </a:prstGeom>
+          <a:noFill/>
+          <a:ln w="19050">
+            <a:solidFill>
+              <a:schemeClr val="tx1"/>
+            </a:solidFill>
+          </a:ln>
+        </p:spPr>
+        <p:style>
+          <a:lnRef idx="2">
+            <a:schemeClr val="accent1">
+              <a:shade val="50000"/>
+            </a:schemeClr>
+          </a:lnRef>
+          <a:fillRef idx="1">
+            <a:schemeClr val="accent1"/>
+          </a:fillRef>
+          <a:effectRef idx="0">
+            <a:schemeClr val="accent1"/>
+          </a:effectRef>
+          <a:fontRef idx="minor">
+            <a:schemeClr val="lt1"/>
+          </a:fontRef>
+        </p:style>
+        <p:txBody>
+          <a:bodyPr rtlCol="0" anchor="ctr"/>
+          <a:p>
+            <a:pPr algn="ctr"/>
+            <a:endParaRPr lang="zh-CN" altLang="en-US" dirty="0">
+              <a:solidFill>
+                <a:schemeClr val="tx1"/>
+              </a:solidFill>
+            </a:endParaRPr>
+          </a:p>
+        </p:txBody>
+      </p:sp>
+      <p:sp>
+        <p:nvSpPr>
+          <p:cNvPr id="137" name="文本框 136"/>
+          <p:cNvSpPr txBox="1"/>
+          <p:nvPr/>
+        </p:nvSpPr>
+        <p:spPr>
+          <a:xfrm>
+            <a:off x="8108950" y="3045460"/>
+            <a:ext cx="601980" cy="368300"/>
+          </a:xfrm>
+          <a:prstGeom prst="rect">
+            <a:avLst/>
+          </a:prstGeom>
+          <a:noFill/>
+        </p:spPr>
+        <p:txBody>
+          <a:bodyPr wrap="square" rtlCol="0">
+            <a:spAutoFit/>
+          </a:bodyPr>
+          <a:p>
+            <a:r>
+              <a:rPr lang="en-US" altLang="zh-CN"/>
+              <a:t>sort</a:t>
+            </a:r>
+            <a:endParaRPr lang="en-US" altLang="zh-CN"/>
+          </a:p>
+        </p:txBody>
+      </p:sp>
+      <p:sp>
+        <p:nvSpPr>
+          <p:cNvPr id="138" name="文本框 137"/>
+          <p:cNvSpPr txBox="1"/>
+          <p:nvPr/>
+        </p:nvSpPr>
+        <p:spPr>
+          <a:xfrm>
+            <a:off x="7657465" y="2727960"/>
+            <a:ext cx="1505585" cy="368300"/>
+          </a:xfrm>
+          <a:prstGeom prst="rect">
+            <a:avLst/>
+          </a:prstGeom>
+          <a:noFill/>
+        </p:spPr>
+        <p:txBody>
+          <a:bodyPr wrap="square" rtlCol="0">
+            <a:spAutoFit/>
+          </a:bodyPr>
+          <a:p>
+            <a:r>
+              <a:rPr lang="en-US" altLang="zh-CN"/>
+              <a:t>R</a:t>
+            </a:r>
+            <a:r>
+              <a:rPr lang="en-US" altLang="zh-CN"/>
+              <a:t>eeduce </a:t>
+            </a:r>
+            <a:r>
+              <a:rPr lang="en-US" altLang="zh-CN"/>
+              <a:t>task</a:t>
+            </a:r>
+            <a:endParaRPr lang="en-US" altLang="zh-CN"/>
+          </a:p>
+        </p:txBody>
+      </p:sp>
+      <p:sp>
+        <p:nvSpPr>
+          <p:cNvPr id="139" name="流程图: 终止 138"/>
+          <p:cNvSpPr/>
+          <p:nvPr/>
+        </p:nvSpPr>
+        <p:spPr>
+          <a:xfrm>
+            <a:off x="7985125" y="3831590"/>
+            <a:ext cx="850900" cy="273685"/>
+          </a:xfrm>
+          <a:prstGeom prst="flowChartTerminator">
+            <a:avLst/>
+          </a:prstGeom>
+          <a:noFill/>
+          <a:ln w="19050">
+            <a:solidFill>
+              <a:schemeClr val="tx1"/>
+            </a:solidFill>
+          </a:ln>
+        </p:spPr>
+        <p:style>
+          <a:lnRef idx="2">
+            <a:schemeClr val="accent1">
+              <a:shade val="50000"/>
+            </a:schemeClr>
+          </a:lnRef>
+          <a:fillRef idx="1">
+            <a:schemeClr val="accent1"/>
+          </a:fillRef>
+          <a:effectRef idx="0">
+            <a:schemeClr val="accent1"/>
+          </a:effectRef>
+          <a:fontRef idx="minor">
+            <a:schemeClr val="lt1"/>
+          </a:fontRef>
+        </p:style>
+        <p:txBody>
+          <a:bodyPr rtlCol="0" anchor="ctr"/>
+          <a:p>
+            <a:pPr algn="ctr"/>
+            <a:endParaRPr lang="zh-CN" altLang="en-US" dirty="0">
+              <a:solidFill>
+                <a:schemeClr val="tx1"/>
+              </a:solidFill>
+            </a:endParaRPr>
+          </a:p>
+        </p:txBody>
+      </p:sp>
+      <p:sp>
+        <p:nvSpPr>
+          <p:cNvPr id="140" name="文本框 139"/>
+          <p:cNvSpPr txBox="1"/>
+          <p:nvPr/>
+        </p:nvSpPr>
+        <p:spPr>
+          <a:xfrm>
+            <a:off x="8109585" y="3784600"/>
+            <a:ext cx="601980" cy="368300"/>
+          </a:xfrm>
+          <a:prstGeom prst="rect">
+            <a:avLst/>
+          </a:prstGeom>
+          <a:noFill/>
+        </p:spPr>
+        <p:txBody>
+          <a:bodyPr wrap="square" rtlCol="0">
+            <a:spAutoFit/>
+          </a:bodyPr>
+          <a:p>
+            <a:r>
+              <a:rPr lang="en-US" altLang="zh-CN"/>
+              <a:t>sort</a:t>
+            </a:r>
+            <a:endParaRPr lang="en-US" altLang="zh-CN"/>
+          </a:p>
+        </p:txBody>
+      </p:sp>
+      <p:sp>
+        <p:nvSpPr>
+          <p:cNvPr id="141" name="流程图: 终止 140"/>
+          <p:cNvSpPr/>
+          <p:nvPr/>
+        </p:nvSpPr>
+        <p:spPr>
+          <a:xfrm>
+            <a:off x="7984490" y="4713605"/>
+            <a:ext cx="850900" cy="273685"/>
+          </a:xfrm>
+          <a:prstGeom prst="flowChartTerminator">
+            <a:avLst/>
+          </a:prstGeom>
+          <a:noFill/>
+          <a:ln w="19050">
+            <a:solidFill>
+              <a:schemeClr val="tx1"/>
+            </a:solidFill>
+          </a:ln>
+        </p:spPr>
+        <p:style>
+          <a:lnRef idx="2">
+            <a:schemeClr val="accent1">
+              <a:shade val="50000"/>
+            </a:schemeClr>
+          </a:lnRef>
+          <a:fillRef idx="1">
+            <a:schemeClr val="accent1"/>
+          </a:fillRef>
+          <a:effectRef idx="0">
+            <a:schemeClr val="accent1"/>
+          </a:effectRef>
+          <a:fontRef idx="minor">
+            <a:schemeClr val="lt1"/>
+          </a:fontRef>
+        </p:style>
+        <p:txBody>
+          <a:bodyPr rtlCol="0" anchor="ctr"/>
+          <a:p>
+            <a:pPr algn="ctr"/>
+            <a:endParaRPr lang="zh-CN" altLang="en-US" dirty="0">
+              <a:solidFill>
+                <a:schemeClr val="tx1"/>
+              </a:solidFill>
+            </a:endParaRPr>
+          </a:p>
+        </p:txBody>
+      </p:sp>
+      <p:sp>
+        <p:nvSpPr>
+          <p:cNvPr id="142" name="文本框 141"/>
+          <p:cNvSpPr txBox="1"/>
+          <p:nvPr/>
+        </p:nvSpPr>
+        <p:spPr>
+          <a:xfrm>
+            <a:off x="8108950" y="4666615"/>
+            <a:ext cx="601980" cy="368300"/>
+          </a:xfrm>
+          <a:prstGeom prst="rect">
+            <a:avLst/>
+          </a:prstGeom>
+          <a:noFill/>
+        </p:spPr>
+        <p:txBody>
+          <a:bodyPr wrap="square" rtlCol="0">
+            <a:spAutoFit/>
+          </a:bodyPr>
+          <a:p>
+            <a:r>
+              <a:rPr lang="en-US" altLang="zh-CN"/>
+              <a:t>sort</a:t>
+            </a:r>
+            <a:endParaRPr lang="en-US" altLang="zh-CN"/>
+          </a:p>
+        </p:txBody>
+      </p:sp>
+      <p:sp>
+        <p:nvSpPr>
+          <p:cNvPr id="143" name="流程图: 终止 142"/>
+          <p:cNvSpPr/>
+          <p:nvPr/>
+        </p:nvSpPr>
+        <p:spPr>
+          <a:xfrm>
+            <a:off x="7985125" y="5452745"/>
+            <a:ext cx="850900" cy="273685"/>
+          </a:xfrm>
+          <a:prstGeom prst="flowChartTerminator">
+            <a:avLst/>
+          </a:prstGeom>
+          <a:noFill/>
+          <a:ln w="19050">
+            <a:solidFill>
+              <a:schemeClr val="tx1"/>
+            </a:solidFill>
+          </a:ln>
+        </p:spPr>
+        <p:style>
+          <a:lnRef idx="2">
+            <a:schemeClr val="accent1">
+              <a:shade val="50000"/>
+            </a:schemeClr>
+          </a:lnRef>
+          <a:fillRef idx="1">
+            <a:schemeClr val="accent1"/>
+          </a:fillRef>
+          <a:effectRef idx="0">
+            <a:schemeClr val="accent1"/>
+          </a:effectRef>
+          <a:fontRef idx="minor">
+            <a:schemeClr val="lt1"/>
+          </a:fontRef>
+        </p:style>
+        <p:txBody>
+          <a:bodyPr rtlCol="0" anchor="ctr"/>
+          <a:p>
+            <a:pPr algn="ctr"/>
+            <a:endParaRPr lang="zh-CN" altLang="en-US" dirty="0">
+              <a:solidFill>
+                <a:schemeClr val="tx1"/>
+              </a:solidFill>
+            </a:endParaRPr>
+          </a:p>
+        </p:txBody>
+      </p:sp>
+      <p:sp>
+        <p:nvSpPr>
+          <p:cNvPr id="144" name="文本框 143"/>
+          <p:cNvSpPr txBox="1"/>
+          <p:nvPr/>
+        </p:nvSpPr>
+        <p:spPr>
+          <a:xfrm>
+            <a:off x="8109585" y="5405755"/>
+            <a:ext cx="601980" cy="368300"/>
+          </a:xfrm>
+          <a:prstGeom prst="rect">
+            <a:avLst/>
+          </a:prstGeom>
+          <a:noFill/>
+        </p:spPr>
+        <p:txBody>
+          <a:bodyPr wrap="square" rtlCol="0">
+            <a:spAutoFit/>
+          </a:bodyPr>
+          <a:p>
+            <a:r>
+              <a:rPr lang="en-US" altLang="zh-CN"/>
+              <a:t>sort</a:t>
+            </a:r>
+            <a:endParaRPr lang="en-US" altLang="zh-CN"/>
+          </a:p>
+        </p:txBody>
+      </p:sp>
+      <p:sp>
+        <p:nvSpPr>
+          <p:cNvPr id="145" name="文本框 144"/>
+          <p:cNvSpPr txBox="1"/>
+          <p:nvPr/>
+        </p:nvSpPr>
+        <p:spPr>
+          <a:xfrm>
+            <a:off x="8020050" y="5005705"/>
+            <a:ext cx="781050" cy="368300"/>
+          </a:xfrm>
+          <a:prstGeom prst="rect">
+            <a:avLst/>
+          </a:prstGeom>
+          <a:noFill/>
+        </p:spPr>
+        <p:txBody>
+          <a:bodyPr wrap="square" rtlCol="0">
+            <a:spAutoFit/>
+          </a:bodyPr>
+          <a:p>
+            <a:r>
+              <a:rPr lang="en-US" altLang="zh-CN"/>
+              <a:t>...    ...</a:t>
+            </a:r>
+            <a:endParaRPr lang="en-US" altLang="zh-CN"/>
+          </a:p>
+        </p:txBody>
+      </p:sp>
+      <p:cxnSp>
+        <p:nvCxnSpPr>
+          <p:cNvPr id="147" name="曲线连接符 146"/>
+          <p:cNvCxnSpPr>
+            <a:endCxn id="136" idx="1"/>
+          </p:cNvCxnSpPr>
+          <p:nvPr/>
+        </p:nvCxnSpPr>
+        <p:spPr>
+          <a:xfrm>
+            <a:off x="6732270" y="2637790"/>
+            <a:ext cx="1252220" cy="591820"/>
+          </a:xfrm>
+          <a:prstGeom prst="curvedConnector3">
+            <a:avLst>
+              <a:gd name="adj1" fmla="val 50051"/>
+            </a:avLst>
+          </a:prstGeom>
+          <a:ln w="19050">
+            <a:solidFill>
+              <a:schemeClr val="tx1"/>
+            </a:solidFill>
+            <a:headEnd type="none" w="med" len="med"/>
+            <a:tailEnd type="triangle" w="lg" len="lg"/>
+          </a:ln>
+        </p:spPr>
+        <p:style>
+          <a:lnRef idx="1">
+            <a:schemeClr val="accent1"/>
+          </a:lnRef>
+          <a:fillRef idx="0">
+            <a:schemeClr val="accent1"/>
+          </a:fillRef>
+          <a:effectRef idx="0">
+            <a:schemeClr val="accent1"/>
+          </a:effectRef>
+          <a:fontRef idx="minor">
+            <a:schemeClr val="tx1"/>
+          </a:fontRef>
+        </p:style>
+      </p:cxnSp>
+      <p:cxnSp>
+        <p:nvCxnSpPr>
+          <p:cNvPr id="149" name="曲线连接符 148"/>
+          <p:cNvCxnSpPr>
+            <a:stCxn id="91" idx="3"/>
+            <a:endCxn id="136" idx="1"/>
+          </p:cNvCxnSpPr>
+          <p:nvPr/>
+        </p:nvCxnSpPr>
+        <p:spPr>
+          <a:xfrm flipV="1">
+            <a:off x="6741160" y="3229610"/>
+            <a:ext cx="1243330" cy="236855"/>
+          </a:xfrm>
+          <a:prstGeom prst="curvedConnector3">
+            <a:avLst>
+              <a:gd name="adj1" fmla="val 50000"/>
+            </a:avLst>
+          </a:prstGeom>
+          <a:ln w="19050">
+            <a:solidFill>
+              <a:schemeClr val="tx1"/>
+            </a:solidFill>
+            <a:headEnd type="none" w="med" len="med"/>
+            <a:tailEnd type="triangle" w="lg" len="lg"/>
+          </a:ln>
+        </p:spPr>
+        <p:style>
+          <a:lnRef idx="1">
+            <a:schemeClr val="accent1"/>
+          </a:lnRef>
+          <a:fillRef idx="0">
+            <a:schemeClr val="accent1"/>
+          </a:fillRef>
+          <a:effectRef idx="0">
+            <a:schemeClr val="accent1"/>
+          </a:effectRef>
+          <a:fontRef idx="minor">
+            <a:schemeClr val="tx1"/>
+          </a:fontRef>
+        </p:style>
+      </p:cxnSp>
+      <p:cxnSp>
+        <p:nvCxnSpPr>
+          <p:cNvPr id="150" name="曲线连接符 149"/>
+          <p:cNvCxnSpPr>
+            <a:stCxn id="99" idx="3"/>
+            <a:endCxn id="136" idx="1"/>
+          </p:cNvCxnSpPr>
+          <p:nvPr/>
+        </p:nvCxnSpPr>
+        <p:spPr>
+          <a:xfrm flipV="1">
+            <a:off x="6741795" y="3229610"/>
+            <a:ext cx="1242695" cy="1074420"/>
+          </a:xfrm>
+          <a:prstGeom prst="curvedConnector3">
+            <a:avLst>
+              <a:gd name="adj1" fmla="val 50026"/>
+            </a:avLst>
+          </a:prstGeom>
+          <a:ln w="19050">
+            <a:solidFill>
+              <a:schemeClr val="tx1"/>
+            </a:solidFill>
+            <a:headEnd type="none" w="med" len="med"/>
+            <a:tailEnd type="triangle" w="lg" len="lg"/>
+          </a:ln>
+        </p:spPr>
+        <p:style>
+          <a:lnRef idx="1">
+            <a:schemeClr val="accent1"/>
+          </a:lnRef>
+          <a:fillRef idx="0">
+            <a:schemeClr val="accent1"/>
+          </a:fillRef>
+          <a:effectRef idx="0">
+            <a:schemeClr val="accent1"/>
+          </a:effectRef>
+          <a:fontRef idx="minor">
+            <a:schemeClr val="tx1"/>
+          </a:fontRef>
+        </p:style>
+      </p:cxnSp>
+      <p:cxnSp>
+        <p:nvCxnSpPr>
+          <p:cNvPr id="151" name="曲线连接符 150"/>
+          <p:cNvCxnSpPr>
+            <a:stCxn id="107" idx="3"/>
+            <a:endCxn id="136" idx="1"/>
+          </p:cNvCxnSpPr>
+          <p:nvPr/>
+        </p:nvCxnSpPr>
+        <p:spPr>
+          <a:xfrm flipV="1">
+            <a:off x="6741160" y="3229610"/>
+            <a:ext cx="1243330" cy="2319020"/>
+          </a:xfrm>
+          <a:prstGeom prst="curvedConnector3">
+            <a:avLst>
+              <a:gd name="adj1" fmla="val 50000"/>
+            </a:avLst>
+          </a:prstGeom>
+          <a:ln w="19050">
+            <a:solidFill>
+              <a:schemeClr val="tx1"/>
+            </a:solidFill>
+            <a:headEnd type="none" w="med" len="med"/>
+            <a:tailEnd type="triangle" w="lg" len="lg"/>
+          </a:ln>
+        </p:spPr>
+        <p:style>
+          <a:lnRef idx="1">
+            <a:schemeClr val="accent1"/>
+          </a:lnRef>
+          <a:fillRef idx="0">
+            <a:schemeClr val="accent1"/>
+          </a:fillRef>
+          <a:effectRef idx="0">
+            <a:schemeClr val="accent1"/>
+          </a:effectRef>
+          <a:fontRef idx="minor">
+            <a:schemeClr val="tx1"/>
+          </a:fontRef>
+        </p:style>
+      </p:cxnSp>
+      <p:cxnSp>
+        <p:nvCxnSpPr>
+          <p:cNvPr id="152" name="曲线连接符 151"/>
+          <p:cNvCxnSpPr>
+            <a:stCxn id="89" idx="3"/>
+            <a:endCxn id="143" idx="1"/>
+          </p:cNvCxnSpPr>
+          <p:nvPr/>
+        </p:nvCxnSpPr>
+        <p:spPr>
+          <a:xfrm>
+            <a:off x="6741795" y="3183890"/>
+            <a:ext cx="1243330" cy="2406015"/>
+          </a:xfrm>
+          <a:prstGeom prst="curvedConnector3">
+            <a:avLst>
+              <a:gd name="adj1" fmla="val 50000"/>
+            </a:avLst>
+          </a:prstGeom>
+          <a:ln w="19050">
+            <a:solidFill>
+              <a:schemeClr val="tx1"/>
+            </a:solidFill>
+            <a:headEnd type="none" w="med" len="med"/>
+            <a:tailEnd type="triangle" w="lg" len="lg"/>
+          </a:ln>
+        </p:spPr>
+        <p:style>
+          <a:lnRef idx="1">
+            <a:schemeClr val="accent1"/>
+          </a:lnRef>
+          <a:fillRef idx="0">
+            <a:schemeClr val="accent1"/>
+          </a:fillRef>
+          <a:effectRef idx="0">
+            <a:schemeClr val="accent1"/>
+          </a:effectRef>
+          <a:fontRef idx="minor">
+            <a:schemeClr val="tx1"/>
+          </a:fontRef>
+        </p:style>
+      </p:cxnSp>
+      <p:cxnSp>
+        <p:nvCxnSpPr>
+          <p:cNvPr id="153" name="曲线连接符 152"/>
+          <p:cNvCxnSpPr>
+            <a:stCxn id="97" idx="3"/>
+            <a:endCxn id="143" idx="1"/>
+          </p:cNvCxnSpPr>
+          <p:nvPr/>
+        </p:nvCxnSpPr>
+        <p:spPr>
+          <a:xfrm>
+            <a:off x="6741160" y="4013835"/>
+            <a:ext cx="1243965" cy="1576070"/>
+          </a:xfrm>
+          <a:prstGeom prst="curvedConnector3">
+            <a:avLst>
+              <a:gd name="adj1" fmla="val 50026"/>
+            </a:avLst>
+          </a:prstGeom>
+          <a:ln w="19050">
+            <a:solidFill>
+              <a:schemeClr val="tx1"/>
+            </a:solidFill>
+            <a:headEnd type="none" w="med" len="med"/>
+            <a:tailEnd type="triangle" w="lg" len="lg"/>
+          </a:ln>
+        </p:spPr>
+        <p:style>
+          <a:lnRef idx="1">
+            <a:schemeClr val="accent1"/>
+          </a:lnRef>
+          <a:fillRef idx="0">
+            <a:schemeClr val="accent1"/>
+          </a:fillRef>
+          <a:effectRef idx="0">
+            <a:schemeClr val="accent1"/>
+          </a:effectRef>
+          <a:fontRef idx="minor">
+            <a:schemeClr val="tx1"/>
+          </a:fontRef>
+        </p:style>
+      </p:cxnSp>
+      <p:cxnSp>
+        <p:nvCxnSpPr>
+          <p:cNvPr id="154" name="曲线连接符 153"/>
+          <p:cNvCxnSpPr>
+            <a:stCxn id="105" idx="3"/>
+            <a:endCxn id="143" idx="1"/>
+          </p:cNvCxnSpPr>
+          <p:nvPr/>
+        </p:nvCxnSpPr>
+        <p:spPr>
+          <a:xfrm>
+            <a:off x="6741795" y="4851400"/>
+            <a:ext cx="1243330" cy="738505"/>
+          </a:xfrm>
+          <a:prstGeom prst="curvedConnector3">
+            <a:avLst>
+              <a:gd name="adj1" fmla="val 50000"/>
+            </a:avLst>
+          </a:prstGeom>
+          <a:ln w="19050">
+            <a:solidFill>
+              <a:schemeClr val="tx1"/>
+            </a:solidFill>
+            <a:headEnd type="none" w="med" len="med"/>
+            <a:tailEnd type="triangle" w="lg" len="lg"/>
+          </a:ln>
+        </p:spPr>
+        <p:style>
+          <a:lnRef idx="1">
+            <a:schemeClr val="accent1"/>
+          </a:lnRef>
+          <a:fillRef idx="0">
+            <a:schemeClr val="accent1"/>
+          </a:fillRef>
+          <a:effectRef idx="0">
+            <a:schemeClr val="accent1"/>
+          </a:effectRef>
+          <a:fontRef idx="minor">
+            <a:schemeClr val="tx1"/>
+          </a:fontRef>
+        </p:style>
+      </p:cxnSp>
+      <p:cxnSp>
+        <p:nvCxnSpPr>
+          <p:cNvPr id="155" name="曲线连接符 154"/>
+          <p:cNvCxnSpPr>
+            <a:stCxn id="113" idx="3"/>
+            <a:endCxn id="143" idx="1"/>
+          </p:cNvCxnSpPr>
+          <p:nvPr/>
+        </p:nvCxnSpPr>
+        <p:spPr>
+          <a:xfrm flipV="1">
+            <a:off x="6741160" y="5589905"/>
+            <a:ext cx="1243965" cy="506095"/>
+          </a:xfrm>
+          <a:prstGeom prst="curvedConnector3">
+            <a:avLst>
+              <a:gd name="adj1" fmla="val 50026"/>
+            </a:avLst>
+          </a:prstGeom>
+          <a:ln w="19050">
+            <a:solidFill>
+              <a:schemeClr val="tx1"/>
+            </a:solidFill>
+            <a:headEnd type="none" w="med" len="med"/>
+            <a:tailEnd type="triangle" w="lg" len="lg"/>
+          </a:ln>
+        </p:spPr>
+        <p:style>
+          <a:lnRef idx="1">
+            <a:schemeClr val="accent1"/>
+          </a:lnRef>
+          <a:fillRef idx="0">
+            <a:schemeClr val="accent1"/>
+          </a:fillRef>
+          <a:effectRef idx="0">
+            <a:schemeClr val="accent1"/>
+          </a:effectRef>
+          <a:fontRef idx="minor">
+            <a:schemeClr val="tx1"/>
+          </a:fontRef>
+        </p:style>
+      </p:cxnSp>
+      <p:sp>
+        <p:nvSpPr>
+          <p:cNvPr id="157" name="文本框 156"/>
+          <p:cNvSpPr txBox="1"/>
+          <p:nvPr/>
+        </p:nvSpPr>
+        <p:spPr>
+          <a:xfrm>
+            <a:off x="7560310" y="3983990"/>
+            <a:ext cx="459740" cy="882015"/>
+          </a:xfrm>
+          <a:prstGeom prst="rect">
+            <a:avLst/>
+          </a:prstGeom>
+          <a:noFill/>
+        </p:spPr>
+        <p:txBody>
+          <a:bodyPr vert="eaVert" wrap="square" rtlCol="0">
+            <a:spAutoFit/>
+          </a:bodyPr>
+          <a:p>
+            <a:r>
+              <a:rPr lang="en-US" altLang="zh-CN"/>
+              <a:t>...       ...</a:t>
+            </a:r>
+            <a:endParaRPr lang="en-US" altLang="zh-CN"/>
+          </a:p>
+        </p:txBody>
+      </p:sp>
+      <p:sp>
+        <p:nvSpPr>
+          <p:cNvPr id="158" name="矩形 157"/>
+          <p:cNvSpPr/>
+          <p:nvPr/>
+        </p:nvSpPr>
+        <p:spPr>
+          <a:xfrm>
+            <a:off x="9679305" y="2910205"/>
+            <a:ext cx="1184275" cy="3166110"/>
+          </a:xfrm>
+          <a:prstGeom prst="rect">
+            <a:avLst/>
+          </a:prstGeom>
+          <a:solidFill>
+            <a:schemeClr val="bg2"/>
+          </a:solidFill>
+          <a:ln w="31750" cmpd="sng">
+            <a:solidFill>
+              <a:schemeClr val="bg2">
+                <a:lumMod val="75000"/>
+              </a:schemeClr>
+            </a:solidFill>
+            <a:prstDash val="sysDash"/>
+          </a:ln>
+        </p:spPr>
+        <p:style>
+          <a:lnRef idx="2">
+            <a:schemeClr val="accent1">
+              <a:shade val="50000"/>
+            </a:schemeClr>
+          </a:lnRef>
+          <a:fillRef idx="1">
+            <a:schemeClr val="accent1"/>
+          </a:fillRef>
+          <a:effectRef idx="0">
+            <a:schemeClr val="accent1"/>
+          </a:effectRef>
+          <a:fontRef idx="minor">
+            <a:schemeClr val="lt1"/>
+          </a:fontRef>
+        </p:style>
+        <p:txBody>
+          <a:bodyPr rtlCol="0" anchor="ctr"/>
+          <a:p>
+            <a:pPr algn="ctr"/>
+            <a:endParaRPr lang="zh-CN" altLang="en-US" dirty="0">
+              <a:solidFill>
+                <a:schemeClr val="tx1"/>
+              </a:solidFill>
+            </a:endParaRPr>
+          </a:p>
+        </p:txBody>
+      </p:sp>
+      <p:sp>
+        <p:nvSpPr>
+          <p:cNvPr id="159" name="文本框 158"/>
+          <p:cNvSpPr txBox="1"/>
+          <p:nvPr/>
+        </p:nvSpPr>
+        <p:spPr>
+          <a:xfrm>
+            <a:off x="9498965" y="6214110"/>
+            <a:ext cx="1364615" cy="368300"/>
+          </a:xfrm>
+          <a:prstGeom prst="rect">
+            <a:avLst/>
+          </a:prstGeom>
+          <a:noFill/>
+        </p:spPr>
+        <p:txBody>
+          <a:bodyPr wrap="square" rtlCol="0">
+            <a:spAutoFit/>
+          </a:bodyPr>
+          <a:p>
+            <a:r>
+              <a:rPr lang="en-US" altLang="zh-CN"/>
+              <a:t>O</a:t>
+            </a:r>
+            <a:r>
+              <a:rPr lang="en-US" altLang="zh-CN"/>
+              <a:t>utput </a:t>
+            </a:r>
+            <a:r>
+              <a:rPr lang="en-US" altLang="zh-CN"/>
+              <a:t>files</a:t>
+            </a:r>
+            <a:endParaRPr lang="en-US" altLang="zh-CN"/>
+          </a:p>
+        </p:txBody>
+      </p:sp>
+      <p:sp>
+        <p:nvSpPr>
+          <p:cNvPr id="160" name="文本框 159"/>
+          <p:cNvSpPr txBox="1"/>
+          <p:nvPr/>
+        </p:nvSpPr>
+        <p:spPr>
+          <a:xfrm>
+            <a:off x="7555865" y="6233795"/>
+            <a:ext cx="1708150" cy="368300"/>
+          </a:xfrm>
+          <a:prstGeom prst="rect">
+            <a:avLst/>
+          </a:prstGeom>
+          <a:noFill/>
+        </p:spPr>
+        <p:txBody>
+          <a:bodyPr wrap="square" rtlCol="0">
+            <a:spAutoFit/>
+          </a:bodyPr>
+          <a:p>
+            <a:r>
+              <a:rPr lang="en-US" altLang="zh-CN"/>
+              <a:t>Reduce </a:t>
+            </a:r>
+            <a:r>
+              <a:rPr lang="en-US" altLang="zh-CN"/>
+              <a:t>phrase</a:t>
+            </a:r>
+            <a:endParaRPr lang="en-US" altLang="zh-CN"/>
+          </a:p>
+        </p:txBody>
+      </p:sp>
+      <p:sp>
+        <p:nvSpPr>
+          <p:cNvPr id="161" name="矩形 160"/>
+          <p:cNvSpPr/>
+          <p:nvPr/>
+        </p:nvSpPr>
+        <p:spPr>
+          <a:xfrm>
+            <a:off x="9800590" y="3029585"/>
+            <a:ext cx="932815" cy="527685"/>
+          </a:xfrm>
+          <a:prstGeom prst="rect">
+            <a:avLst/>
+          </a:prstGeom>
+          <a:noFill/>
+          <a:ln w="28575">
+            <a:solidFill>
+              <a:schemeClr val="tx1"/>
+            </a:solidFill>
+          </a:ln>
+        </p:spPr>
+        <p:style>
+          <a:lnRef idx="2">
+            <a:schemeClr val="accent1">
+              <a:shade val="50000"/>
+            </a:schemeClr>
+          </a:lnRef>
+          <a:fillRef idx="1">
+            <a:schemeClr val="accent1"/>
+          </a:fillRef>
+          <a:effectRef idx="0">
+            <a:schemeClr val="accent1"/>
+          </a:effectRef>
+          <a:fontRef idx="minor">
+            <a:schemeClr val="lt1"/>
+          </a:fontRef>
+        </p:style>
+        <p:txBody>
+          <a:bodyPr rtlCol="0" anchor="ctr"/>
+          <a:p>
+            <a:pPr algn="ctr"/>
+            <a:endParaRPr lang="zh-CN" altLang="en-US" dirty="0">
+              <a:solidFill>
+                <a:schemeClr val="tx1"/>
+              </a:solidFill>
+            </a:endParaRPr>
+          </a:p>
+        </p:txBody>
+      </p:sp>
+      <p:sp>
+        <p:nvSpPr>
+          <p:cNvPr id="162" name="文本框 161"/>
+          <p:cNvSpPr txBox="1"/>
+          <p:nvPr/>
+        </p:nvSpPr>
+        <p:spPr>
+          <a:xfrm>
+            <a:off x="9724390" y="3001645"/>
+            <a:ext cx="1009015" cy="645160"/>
+          </a:xfrm>
+          <a:prstGeom prst="rect">
+            <a:avLst/>
+          </a:prstGeom>
+          <a:noFill/>
+        </p:spPr>
+        <p:txBody>
+          <a:bodyPr wrap="square" rtlCol="0">
+            <a:spAutoFit/>
+          </a:bodyPr>
+          <a:p>
+            <a:pPr algn="ctr"/>
+            <a:r>
+              <a:rPr lang="en-US" altLang="zh-CN"/>
+              <a:t> O</a:t>
+            </a:r>
+            <a:r>
+              <a:rPr lang="en-US" altLang="zh-CN"/>
+              <a:t>utput</a:t>
+            </a:r>
+            <a:endParaRPr lang="en-US" altLang="zh-CN"/>
+          </a:p>
+          <a:p>
+            <a:pPr algn="ctr"/>
+            <a:r>
+              <a:rPr lang="en-US" altLang="zh-CN"/>
+              <a:t>file0</a:t>
+            </a:r>
+            <a:endParaRPr lang="en-US" altLang="zh-CN"/>
+          </a:p>
+        </p:txBody>
+      </p:sp>
+      <p:sp>
+        <p:nvSpPr>
+          <p:cNvPr id="163" name="矩形 162"/>
+          <p:cNvSpPr/>
+          <p:nvPr/>
+        </p:nvSpPr>
+        <p:spPr>
+          <a:xfrm>
+            <a:off x="9805035" y="3684905"/>
+            <a:ext cx="932815" cy="527685"/>
+          </a:xfrm>
+          <a:prstGeom prst="rect">
+            <a:avLst/>
+          </a:prstGeom>
+          <a:noFill/>
+          <a:ln w="28575">
+            <a:solidFill>
+              <a:schemeClr val="tx1"/>
+            </a:solidFill>
+          </a:ln>
+        </p:spPr>
+        <p:style>
+          <a:lnRef idx="2">
+            <a:schemeClr val="accent1">
+              <a:shade val="50000"/>
+            </a:schemeClr>
+          </a:lnRef>
+          <a:fillRef idx="1">
+            <a:schemeClr val="accent1"/>
+          </a:fillRef>
+          <a:effectRef idx="0">
+            <a:schemeClr val="accent1"/>
+          </a:effectRef>
+          <a:fontRef idx="minor">
+            <a:schemeClr val="lt1"/>
+          </a:fontRef>
+        </p:style>
+        <p:txBody>
+          <a:bodyPr rtlCol="0" anchor="ctr"/>
+          <a:p>
+            <a:pPr algn="ctr"/>
+            <a:endParaRPr lang="zh-CN" altLang="en-US" dirty="0">
+              <a:solidFill>
+                <a:schemeClr val="tx1"/>
+              </a:solidFill>
+            </a:endParaRPr>
+          </a:p>
+        </p:txBody>
+      </p:sp>
+      <p:sp>
+        <p:nvSpPr>
+          <p:cNvPr id="164" name="文本框 163"/>
+          <p:cNvSpPr txBox="1"/>
+          <p:nvPr/>
+        </p:nvSpPr>
+        <p:spPr>
+          <a:xfrm>
+            <a:off x="9728835" y="3656965"/>
+            <a:ext cx="1009015" cy="645160"/>
+          </a:xfrm>
+          <a:prstGeom prst="rect">
+            <a:avLst/>
+          </a:prstGeom>
+          <a:noFill/>
+        </p:spPr>
+        <p:txBody>
+          <a:bodyPr wrap="square" rtlCol="0">
+            <a:spAutoFit/>
+          </a:bodyPr>
+          <a:p>
+            <a:pPr algn="ctr"/>
+            <a:r>
+              <a:rPr lang="en-US" altLang="zh-CN"/>
+              <a:t> O</a:t>
+            </a:r>
+            <a:r>
+              <a:rPr lang="en-US" altLang="zh-CN"/>
+              <a:t>utput</a:t>
+            </a:r>
+            <a:endParaRPr lang="en-US" altLang="zh-CN"/>
+          </a:p>
+          <a:p>
+            <a:pPr algn="ctr"/>
+            <a:r>
+              <a:rPr lang="en-US" altLang="zh-CN"/>
+              <a:t>file1</a:t>
+            </a:r>
+            <a:endParaRPr lang="en-US" altLang="zh-CN"/>
+          </a:p>
+        </p:txBody>
+      </p:sp>
+      <p:sp>
+        <p:nvSpPr>
+          <p:cNvPr id="165" name="矩形 164"/>
+          <p:cNvSpPr/>
+          <p:nvPr/>
+        </p:nvSpPr>
+        <p:spPr>
+          <a:xfrm>
+            <a:off x="9809480" y="4577715"/>
+            <a:ext cx="932815" cy="527685"/>
+          </a:xfrm>
+          <a:prstGeom prst="rect">
+            <a:avLst/>
+          </a:prstGeom>
+          <a:noFill/>
+          <a:ln w="28575">
+            <a:solidFill>
+              <a:schemeClr val="tx1"/>
+            </a:solidFill>
+          </a:ln>
+        </p:spPr>
+        <p:style>
+          <a:lnRef idx="2">
+            <a:schemeClr val="accent1">
+              <a:shade val="50000"/>
+            </a:schemeClr>
+          </a:lnRef>
+          <a:fillRef idx="1">
+            <a:schemeClr val="accent1"/>
+          </a:fillRef>
+          <a:effectRef idx="0">
+            <a:schemeClr val="accent1"/>
+          </a:effectRef>
+          <a:fontRef idx="minor">
+            <a:schemeClr val="lt1"/>
+          </a:fontRef>
+        </p:style>
+        <p:txBody>
+          <a:bodyPr rtlCol="0" anchor="ctr"/>
+          <a:p>
+            <a:pPr algn="ctr"/>
+            <a:endParaRPr lang="zh-CN" altLang="en-US" dirty="0">
+              <a:solidFill>
+                <a:schemeClr val="tx1"/>
+              </a:solidFill>
+            </a:endParaRPr>
+          </a:p>
+        </p:txBody>
+      </p:sp>
+      <p:sp>
+        <p:nvSpPr>
+          <p:cNvPr id="166" name="文本框 165"/>
+          <p:cNvSpPr txBox="1"/>
+          <p:nvPr/>
+        </p:nvSpPr>
+        <p:spPr>
+          <a:xfrm>
+            <a:off x="9733280" y="4549775"/>
+            <a:ext cx="1009015" cy="645160"/>
+          </a:xfrm>
+          <a:prstGeom prst="rect">
+            <a:avLst/>
+          </a:prstGeom>
+          <a:noFill/>
+        </p:spPr>
+        <p:txBody>
+          <a:bodyPr wrap="square" rtlCol="0">
+            <a:spAutoFit/>
+          </a:bodyPr>
+          <a:p>
+            <a:pPr algn="ctr"/>
+            <a:r>
+              <a:rPr lang="en-US" altLang="zh-CN"/>
+              <a:t> O</a:t>
+            </a:r>
+            <a:r>
+              <a:rPr lang="en-US" altLang="zh-CN"/>
+              <a:t>utput</a:t>
+            </a:r>
+            <a:endParaRPr lang="en-US" altLang="zh-CN"/>
+          </a:p>
+          <a:p>
+            <a:pPr algn="ctr"/>
+            <a:r>
+              <a:rPr lang="en-US" altLang="zh-CN"/>
+              <a:t>file2</a:t>
+            </a:r>
+            <a:endParaRPr lang="en-US" altLang="zh-CN"/>
+          </a:p>
+        </p:txBody>
+      </p:sp>
+      <p:sp>
+        <p:nvSpPr>
+          <p:cNvPr id="167" name="矩形 166"/>
+          <p:cNvSpPr/>
+          <p:nvPr/>
+        </p:nvSpPr>
+        <p:spPr>
+          <a:xfrm>
+            <a:off x="9809480" y="5386070"/>
+            <a:ext cx="932815" cy="527685"/>
+          </a:xfrm>
+          <a:prstGeom prst="rect">
+            <a:avLst/>
+          </a:prstGeom>
+          <a:noFill/>
+          <a:ln w="28575">
+            <a:solidFill>
+              <a:schemeClr val="tx1"/>
+            </a:solidFill>
+          </a:ln>
+        </p:spPr>
+        <p:style>
+          <a:lnRef idx="2">
+            <a:schemeClr val="accent1">
+              <a:shade val="50000"/>
+            </a:schemeClr>
+          </a:lnRef>
+          <a:fillRef idx="1">
+            <a:schemeClr val="accent1"/>
+          </a:fillRef>
+          <a:effectRef idx="0">
+            <a:schemeClr val="accent1"/>
+          </a:effectRef>
+          <a:fontRef idx="minor">
+            <a:schemeClr val="lt1"/>
+          </a:fontRef>
+        </p:style>
+        <p:txBody>
+          <a:bodyPr rtlCol="0" anchor="ctr"/>
+          <a:p>
+            <a:pPr algn="ctr"/>
+            <a:endParaRPr lang="zh-CN" altLang="en-US" dirty="0">
+              <a:solidFill>
+                <a:schemeClr val="tx1"/>
+              </a:solidFill>
+            </a:endParaRPr>
+          </a:p>
+        </p:txBody>
+      </p:sp>
+      <p:sp>
+        <p:nvSpPr>
+          <p:cNvPr id="168" name="文本框 167"/>
+          <p:cNvSpPr txBox="1"/>
+          <p:nvPr/>
+        </p:nvSpPr>
+        <p:spPr>
+          <a:xfrm>
+            <a:off x="9733280" y="5358130"/>
+            <a:ext cx="1009015" cy="645160"/>
+          </a:xfrm>
+          <a:prstGeom prst="rect">
+            <a:avLst/>
+          </a:prstGeom>
+          <a:noFill/>
+        </p:spPr>
+        <p:txBody>
+          <a:bodyPr wrap="square" rtlCol="0">
+            <a:spAutoFit/>
+          </a:bodyPr>
+          <a:p>
+            <a:pPr algn="ctr"/>
+            <a:r>
+              <a:rPr lang="en-US" altLang="zh-CN"/>
+              <a:t> O</a:t>
+            </a:r>
+            <a:r>
+              <a:rPr lang="en-US" altLang="zh-CN"/>
+              <a:t>utput</a:t>
+            </a:r>
+            <a:endParaRPr lang="en-US" altLang="zh-CN"/>
+          </a:p>
+          <a:p>
+            <a:pPr algn="ctr"/>
+            <a:r>
+              <a:rPr lang="en-US" altLang="zh-CN"/>
+              <a:t>file0</a:t>
+            </a:r>
+            <a:endParaRPr lang="en-US" altLang="zh-CN"/>
+          </a:p>
+        </p:txBody>
+      </p:sp>
+      <p:sp>
+        <p:nvSpPr>
+          <p:cNvPr id="169" name="文本框 168"/>
+          <p:cNvSpPr txBox="1"/>
+          <p:nvPr/>
+        </p:nvSpPr>
+        <p:spPr>
+          <a:xfrm>
+            <a:off x="9885680" y="5042535"/>
+            <a:ext cx="781050" cy="368300"/>
+          </a:xfrm>
+          <a:prstGeom prst="rect">
+            <a:avLst/>
+          </a:prstGeom>
+          <a:noFill/>
+        </p:spPr>
+        <p:txBody>
+          <a:bodyPr wrap="square" rtlCol="0">
+            <a:spAutoFit/>
+          </a:bodyPr>
+          <a:p>
+            <a:r>
+              <a:rPr lang="en-US" altLang="zh-CN"/>
+              <a:t>...    ...</a:t>
+            </a:r>
+            <a:endParaRPr lang="en-US" altLang="zh-CN"/>
+          </a:p>
+        </p:txBody>
+      </p:sp>
+      <p:cxnSp>
+        <p:nvCxnSpPr>
+          <p:cNvPr id="170" name="直接箭头连接符 169"/>
+          <p:cNvCxnSpPr>
+            <a:stCxn id="136" idx="3"/>
+          </p:cNvCxnSpPr>
+          <p:nvPr/>
+        </p:nvCxnSpPr>
+        <p:spPr>
+          <a:xfrm>
+            <a:off x="8835390" y="3229610"/>
+            <a:ext cx="980440" cy="0"/>
+          </a:xfrm>
+          <a:prstGeom prst="straightConnector1">
+            <a:avLst/>
+          </a:prstGeom>
+          <a:ln w="19050">
+            <a:solidFill>
+              <a:schemeClr val="tx1"/>
+            </a:solidFill>
+            <a:headEnd type="none" w="med" len="med"/>
+            <a:tailEnd type="triangle" w="lg" len="lg"/>
+          </a:ln>
+        </p:spPr>
+        <p:style>
+          <a:lnRef idx="1">
+            <a:schemeClr val="accent1"/>
+          </a:lnRef>
+          <a:fillRef idx="0">
+            <a:schemeClr val="accent1"/>
+          </a:fillRef>
+          <a:effectRef idx="0">
+            <a:schemeClr val="accent1"/>
+          </a:effectRef>
+          <a:fontRef idx="minor">
+            <a:schemeClr val="tx1"/>
+          </a:fontRef>
+        </p:style>
+      </p:cxnSp>
+      <p:cxnSp>
+        <p:nvCxnSpPr>
+          <p:cNvPr id="171" name="直接箭头连接符 170"/>
+          <p:cNvCxnSpPr>
+            <a:stCxn id="139" idx="3"/>
+          </p:cNvCxnSpPr>
+          <p:nvPr/>
+        </p:nvCxnSpPr>
+        <p:spPr>
+          <a:xfrm>
+            <a:off x="8836025" y="3968750"/>
+            <a:ext cx="979805" cy="0"/>
+          </a:xfrm>
+          <a:prstGeom prst="straightConnector1">
+            <a:avLst/>
+          </a:prstGeom>
+          <a:ln w="19050">
+            <a:solidFill>
+              <a:schemeClr val="tx1"/>
+            </a:solidFill>
+            <a:headEnd type="none" w="med" len="med"/>
+            <a:tailEnd type="triangle" w="lg" len="lg"/>
+          </a:ln>
+        </p:spPr>
+        <p:style>
+          <a:lnRef idx="1">
+            <a:schemeClr val="accent1"/>
+          </a:lnRef>
+          <a:fillRef idx="0">
+            <a:schemeClr val="accent1"/>
+          </a:fillRef>
+          <a:effectRef idx="0">
+            <a:schemeClr val="accent1"/>
+          </a:effectRef>
+          <a:fontRef idx="minor">
+            <a:schemeClr val="tx1"/>
+          </a:fontRef>
+        </p:style>
+      </p:cxnSp>
+      <p:cxnSp>
+        <p:nvCxnSpPr>
+          <p:cNvPr id="172" name="直接箭头连接符 171"/>
+          <p:cNvCxnSpPr/>
+          <p:nvPr/>
+        </p:nvCxnSpPr>
+        <p:spPr>
+          <a:xfrm>
+            <a:off x="8824595" y="4850765"/>
+            <a:ext cx="980440" cy="0"/>
+          </a:xfrm>
+          <a:prstGeom prst="straightConnector1">
+            <a:avLst/>
+          </a:prstGeom>
+          <a:ln w="19050">
+            <a:solidFill>
+              <a:schemeClr val="tx1"/>
+            </a:solidFill>
+            <a:headEnd type="none" w="med" len="med"/>
+            <a:tailEnd type="triangle" w="lg" len="lg"/>
+          </a:ln>
+        </p:spPr>
+        <p:style>
+          <a:lnRef idx="1">
+            <a:schemeClr val="accent1"/>
+          </a:lnRef>
+          <a:fillRef idx="0">
+            <a:schemeClr val="accent1"/>
+          </a:fillRef>
+          <a:effectRef idx="0">
+            <a:schemeClr val="accent1"/>
+          </a:effectRef>
+          <a:fontRef idx="minor">
+            <a:schemeClr val="tx1"/>
+          </a:fontRef>
+        </p:style>
+      </p:cxnSp>
+      <p:cxnSp>
+        <p:nvCxnSpPr>
+          <p:cNvPr id="173" name="直接箭头连接符 172"/>
+          <p:cNvCxnSpPr/>
+          <p:nvPr/>
+        </p:nvCxnSpPr>
+        <p:spPr>
+          <a:xfrm>
+            <a:off x="8836025" y="5593080"/>
+            <a:ext cx="980440" cy="0"/>
+          </a:xfrm>
+          <a:prstGeom prst="straightConnector1">
+            <a:avLst/>
+          </a:prstGeom>
+          <a:ln w="19050">
+            <a:solidFill>
+              <a:schemeClr val="tx1"/>
+            </a:solidFill>
+            <a:headEnd type="none" w="med" len="med"/>
+            <a:tailEnd type="triangle" w="lg" len="lg"/>
+          </a:ln>
+        </p:spPr>
+        <p:style>
+          <a:lnRef idx="1">
+            <a:schemeClr val="accent1"/>
+          </a:lnRef>
+          <a:fillRef idx="0">
+            <a:schemeClr val="accent1"/>
+          </a:fillRef>
+          <a:effectRef idx="0">
+            <a:schemeClr val="accent1"/>
+          </a:effectRef>
+          <a:fontRef idx="minor">
+            <a:schemeClr val="tx1"/>
+          </a:fontRef>
+        </p:style>
+      </p:cxnSp>
+      <p:sp>
+        <p:nvSpPr>
+          <p:cNvPr id="174" name="文本框 173"/>
+          <p:cNvSpPr txBox="1"/>
+          <p:nvPr/>
+        </p:nvSpPr>
+        <p:spPr>
+          <a:xfrm>
+            <a:off x="3000375" y="2865120"/>
+            <a:ext cx="659765" cy="368300"/>
+          </a:xfrm>
+          <a:prstGeom prst="rect">
+            <a:avLst/>
+          </a:prstGeom>
+          <a:noFill/>
+        </p:spPr>
+        <p:txBody>
+          <a:bodyPr wrap="square" rtlCol="0">
+            <a:spAutoFit/>
+          </a:bodyPr>
+          <a:p>
+            <a:r>
+              <a:rPr lang="en-US" altLang="zh-CN">
+                <a:solidFill>
+                  <a:schemeClr val="bg1">
+                    <a:lumMod val="50000"/>
+                  </a:schemeClr>
+                </a:solidFill>
+              </a:rPr>
+              <a:t>read</a:t>
+            </a:r>
+            <a:endParaRPr lang="en-US" altLang="zh-CN">
+              <a:solidFill>
+                <a:schemeClr val="bg1">
+                  <a:lumMod val="50000"/>
+                </a:schemeClr>
+              </a:solidFill>
+            </a:endParaRPr>
+          </a:p>
+        </p:txBody>
+      </p:sp>
+      <p:sp>
+        <p:nvSpPr>
+          <p:cNvPr id="175" name="文本框 174"/>
+          <p:cNvSpPr txBox="1"/>
+          <p:nvPr/>
+        </p:nvSpPr>
+        <p:spPr>
+          <a:xfrm>
+            <a:off x="4627245" y="2661285"/>
+            <a:ext cx="720090" cy="368300"/>
+          </a:xfrm>
+          <a:prstGeom prst="rect">
+            <a:avLst/>
+          </a:prstGeom>
+          <a:noFill/>
+        </p:spPr>
+        <p:txBody>
+          <a:bodyPr wrap="square" rtlCol="0">
+            <a:spAutoFit/>
+          </a:bodyPr>
+          <a:p>
+            <a:r>
+              <a:rPr lang="en-US" altLang="zh-CN">
+                <a:solidFill>
+                  <a:schemeClr val="bg1">
+                    <a:lumMod val="50000"/>
+                  </a:schemeClr>
+                </a:solidFill>
+              </a:rPr>
+              <a:t>wirte</a:t>
+            </a:r>
+            <a:endParaRPr lang="en-US" altLang="zh-CN">
+              <a:solidFill>
+                <a:schemeClr val="bg1">
+                  <a:lumMod val="50000"/>
+                </a:schemeClr>
+              </a:solidFill>
+            </a:endParaRPr>
+          </a:p>
+        </p:txBody>
+      </p:sp>
+      <p:sp>
+        <p:nvSpPr>
+          <p:cNvPr id="176" name="文本框 175"/>
+          <p:cNvSpPr txBox="1"/>
+          <p:nvPr/>
+        </p:nvSpPr>
+        <p:spPr>
+          <a:xfrm>
+            <a:off x="6939915" y="2219960"/>
+            <a:ext cx="916305" cy="645160"/>
+          </a:xfrm>
+          <a:prstGeom prst="rect">
+            <a:avLst/>
+          </a:prstGeom>
+          <a:noFill/>
+        </p:spPr>
+        <p:txBody>
+          <a:bodyPr wrap="square" rtlCol="0">
+            <a:spAutoFit/>
+          </a:bodyPr>
+          <a:p>
+            <a:pPr algn="ctr"/>
+            <a:r>
+              <a:rPr lang="en-US" altLang="zh-CN">
+                <a:solidFill>
+                  <a:schemeClr val="bg1">
+                    <a:lumMod val="50000"/>
+                  </a:schemeClr>
+                </a:solidFill>
+              </a:rPr>
+              <a:t>remoteread</a:t>
+            </a:r>
+            <a:endParaRPr lang="en-US" altLang="zh-CN">
+              <a:solidFill>
+                <a:schemeClr val="bg1">
+                  <a:lumMod val="50000"/>
+                </a:schemeClr>
+              </a:solidFill>
+            </a:endParaRPr>
+          </a:p>
+        </p:txBody>
+      </p:sp>
+      <p:sp>
+        <p:nvSpPr>
+          <p:cNvPr id="177" name="文本框 176"/>
+          <p:cNvSpPr txBox="1"/>
+          <p:nvPr/>
+        </p:nvSpPr>
+        <p:spPr>
+          <a:xfrm>
+            <a:off x="8966200" y="2910205"/>
+            <a:ext cx="720090" cy="368300"/>
+          </a:xfrm>
+          <a:prstGeom prst="rect">
+            <a:avLst/>
+          </a:prstGeom>
+          <a:noFill/>
+        </p:spPr>
+        <p:txBody>
+          <a:bodyPr wrap="square" rtlCol="0">
+            <a:spAutoFit/>
+          </a:bodyPr>
+          <a:p>
+            <a:r>
+              <a:rPr lang="en-US" altLang="zh-CN">
+                <a:solidFill>
+                  <a:schemeClr val="bg1">
+                    <a:lumMod val="50000"/>
+                  </a:schemeClr>
+                </a:solidFill>
+              </a:rPr>
+              <a:t>wirte</a:t>
+            </a:r>
+            <a:endParaRPr lang="en-US" altLang="zh-CN">
+              <a:solidFill>
+                <a:schemeClr val="bg1">
+                  <a:lumMod val="50000"/>
+                </a:schemeClr>
+              </a:solidFill>
             </a:endParaRPr>
           </a:p>
         </p:txBody>
@@ -7374,20 +13542,12 @@
           <a:bodyPr/>
           <a:p>
             <a:r>
-              <a:rPr lang="en-US" altLang="zh-CN">
+              <a:rPr lang="zh-CN" altLang="en-US">
                 <a:sym typeface="+mn-ea"/>
               </a:rPr>
-              <a:t>Pocket</a:t>
-            </a:r>
-            <a:r>
-              <a:rPr lang="en-US" altLang="zh-CN" baseline="30000">
-                <a:sym typeface="+mn-ea"/>
-              </a:rPr>
-              <a:t>[1]</a:t>
-            </a:r>
-            <a:endParaRPr lang="zh-CN" altLang="en-US" baseline="30000">
-              <a:sym typeface="+mn-ea"/>
-            </a:endParaRPr>
+              <a:t>典型的数据分析应用</a:t>
+            </a:r>
+            <a:endParaRPr lang="zh-CN" altLang="en-US"/>
           </a:p>
         </p:txBody>
       </p:sp>
@@ -7432,7 +13592,7 @@
                 <a:latin typeface="微软雅黑" panose="020B0503020204020204" charset="-122"/>
                 <a:ea typeface="微软雅黑" panose="020B0503020204020204" charset="-122"/>
               </a:rPr>
-              <a:t>MapReduce sort</a:t>
+              <a:t>Video analytics</a:t>
             </a:r>
             <a:endParaRPr lang="en-US" altLang="zh-CN" b="1">
               <a:solidFill>
@@ -7443,18 +13603,219 @@
               <a:ea typeface="微软雅黑" panose="020B0503020204020204" charset="-122"/>
             </a:endParaRPr>
           </a:p>
-        </p:txBody>
-      </p:sp>
-      <p:sp>
-        <p:nvSpPr>
-          <p:cNvPr id="19" name="文本框 18"/>
+          <a:p>
+            <a:pPr marL="457200" lvl="1" indent="0"/>
+            <a:r>
+              <a:rPr lang="en-US" altLang="zh-CN" b="1">
+                <a:solidFill>
+                  <a:schemeClr val="tx1"/>
+                </a:solidFill>
+                <a:uFillTx/>
+                <a:latin typeface="微软雅黑" panose="020B0503020204020204" charset="-122"/>
+                <a:ea typeface="微软雅黑" panose="020B0503020204020204" charset="-122"/>
+              </a:rPr>
+              <a:t> </a:t>
+            </a:r>
+            <a:r>
+              <a:rPr lang="en-US" altLang="zh-CN">
+                <a:solidFill>
+                  <a:schemeClr val="tx1"/>
+                </a:solidFill>
+                <a:uFillTx/>
+                <a:latin typeface="等线" panose="02010600030101010101" charset="-122"/>
+                <a:ea typeface="等线" panose="02010600030101010101" charset="-122"/>
+                <a:cs typeface="等线" panose="02010600030101010101" charset="-122"/>
+              </a:rPr>
+              <a:t>Three stage</a:t>
+            </a:r>
+            <a:r>
+              <a:rPr lang="zh-CN" altLang="en-US">
+                <a:solidFill>
+                  <a:schemeClr val="tx1"/>
+                </a:solidFill>
+                <a:uFillTx/>
+                <a:latin typeface="等线" panose="02010600030101010101" charset="-122"/>
+                <a:ea typeface="等线" panose="02010600030101010101" charset="-122"/>
+                <a:cs typeface="等线" panose="02010600030101010101" charset="-122"/>
+              </a:rPr>
+              <a:t>：</a:t>
+            </a:r>
+            <a:r>
+              <a:rPr lang="en-US" altLang="zh-CN">
+                <a:solidFill>
+                  <a:schemeClr val="tx1"/>
+                </a:solidFill>
+                <a:uFillTx/>
+                <a:latin typeface="等线" panose="02010600030101010101" charset="-122"/>
+                <a:ea typeface="等线" panose="02010600030101010101" charset="-122"/>
+                <a:cs typeface="等线" panose="02010600030101010101" charset="-122"/>
+              </a:rPr>
+              <a:t>Split video</a:t>
+            </a:r>
+            <a:r>
+              <a:rPr lang="zh-CN" altLang="en-US">
+                <a:solidFill>
+                  <a:schemeClr val="tx1"/>
+                </a:solidFill>
+                <a:uFillTx/>
+                <a:latin typeface="等线" panose="02010600030101010101" charset="-122"/>
+                <a:ea typeface="等线" panose="02010600030101010101" charset="-122"/>
+                <a:cs typeface="等线" panose="02010600030101010101" charset="-122"/>
+              </a:rPr>
+              <a:t>、</a:t>
+            </a:r>
+            <a:r>
+              <a:rPr lang="en-US" altLang="zh-CN">
+                <a:solidFill>
+                  <a:schemeClr val="tx1"/>
+                </a:solidFill>
+                <a:uFillTx/>
+                <a:latin typeface="等线" panose="02010600030101010101" charset="-122"/>
+                <a:ea typeface="等线" panose="02010600030101010101" charset="-122"/>
+                <a:cs typeface="等线" panose="02010600030101010101" charset="-122"/>
+              </a:rPr>
+              <a:t>Decode frames and MXNET classification</a:t>
+            </a:r>
+            <a:endParaRPr lang="en-US" altLang="zh-CN" b="1">
+              <a:solidFill>
+                <a:schemeClr val="tx1"/>
+              </a:solidFill>
+              <a:uFillTx/>
+              <a:latin typeface="微软雅黑" panose="020B0503020204020204" charset="-122"/>
+              <a:ea typeface="微软雅黑" panose="020B0503020204020204" charset="-122"/>
+            </a:endParaRPr>
+          </a:p>
+          <a:p>
+            <a:pPr marL="0" indent="0">
+              <a:buNone/>
+            </a:pPr>
+            <a:endParaRPr lang="en-US" altLang="zh-CN" b="1">
+              <a:solidFill>
+                <a:schemeClr val="tx1"/>
+              </a:solidFill>
+              <a:uFillTx/>
+              <a:latin typeface="微软雅黑" panose="020B0503020204020204" charset="-122"/>
+              <a:ea typeface="微软雅黑" panose="020B0503020204020204" charset="-122"/>
+            </a:endParaRPr>
+          </a:p>
+        </p:txBody>
+      </p:sp>
+      <p:sp>
+        <p:nvSpPr>
+          <p:cNvPr id="8" name="圆角矩形 7"/>
+          <p:cNvSpPr/>
+          <p:nvPr/>
+        </p:nvSpPr>
+        <p:spPr>
+          <a:xfrm>
+            <a:off x="3914775" y="3114040"/>
+            <a:ext cx="4316730" cy="407035"/>
+          </a:xfrm>
+          <a:prstGeom prst="roundRect">
+            <a:avLst/>
+          </a:prstGeom>
+          <a:noFill/>
+          <a:ln w="28575" cmpd="sng">
+            <a:solidFill>
+              <a:schemeClr val="accent1">
+                <a:shade val="50000"/>
+              </a:schemeClr>
+            </a:solidFill>
+            <a:prstDash val="sysDash"/>
+          </a:ln>
+        </p:spPr>
+        <p:style>
+          <a:lnRef idx="2">
+            <a:schemeClr val="accent1">
+              <a:shade val="50000"/>
+            </a:schemeClr>
+          </a:lnRef>
+          <a:fillRef idx="1">
+            <a:schemeClr val="accent1"/>
+          </a:fillRef>
+          <a:effectRef idx="0">
+            <a:schemeClr val="accent1"/>
+          </a:effectRef>
+          <a:fontRef idx="minor">
+            <a:schemeClr val="lt1"/>
+          </a:fontRef>
+        </p:style>
+        <p:txBody>
+          <a:bodyPr rtlCol="0" anchor="ctr"/>
+          <a:p>
+            <a:pPr algn="ctr"/>
+            <a:endParaRPr lang="zh-CN" altLang="en-US" dirty="0">
+              <a:solidFill>
+                <a:schemeClr val="tx1"/>
+              </a:solidFill>
+            </a:endParaRPr>
+          </a:p>
+        </p:txBody>
+      </p:sp>
+      <p:sp>
+        <p:nvSpPr>
+          <p:cNvPr id="9" name="流程图: 磁盘 8"/>
+          <p:cNvSpPr/>
+          <p:nvPr/>
+        </p:nvSpPr>
+        <p:spPr>
+          <a:xfrm>
+            <a:off x="4347845" y="2450465"/>
+            <a:ext cx="3450590" cy="423545"/>
+          </a:xfrm>
+          <a:prstGeom prst="flowChartMagneticDisk">
+            <a:avLst/>
+          </a:prstGeom>
+          <a:solidFill>
+            <a:schemeClr val="accent4">
+              <a:lumMod val="60000"/>
+              <a:lumOff val="40000"/>
+            </a:schemeClr>
+          </a:solidFill>
+          <a:ln w="28575">
+            <a:solidFill>
+              <a:schemeClr val="tx1"/>
+            </a:solidFill>
+          </a:ln>
+        </p:spPr>
+        <p:style>
+          <a:lnRef idx="2">
+            <a:schemeClr val="accent1">
+              <a:shade val="50000"/>
+            </a:schemeClr>
+          </a:lnRef>
+          <a:fillRef idx="1">
+            <a:schemeClr val="accent1"/>
+          </a:fillRef>
+          <a:effectRef idx="0">
+            <a:schemeClr val="accent1"/>
+          </a:effectRef>
+          <a:fontRef idx="minor">
+            <a:schemeClr val="lt1"/>
+          </a:fontRef>
+        </p:style>
+        <p:txBody>
+          <a:bodyPr rtlCol="0" anchor="ctr"/>
+          <a:p>
+            <a:pPr algn="ctr"/>
+            <a:endParaRPr lang="zh-CN" altLang="en-US" dirty="0">
+              <a:solidFill>
+                <a:schemeClr val="tx1"/>
+              </a:solidFill>
+            </a:endParaRPr>
+          </a:p>
+        </p:txBody>
+      </p:sp>
+      <p:sp>
+        <p:nvSpPr>
+          <p:cNvPr id="10" name="文本框 9"/>
           <p:cNvSpPr txBox="1"/>
           <p:nvPr/>
         </p:nvSpPr>
         <p:spPr>
           <a:xfrm>
-            <a:off x="0" y="6520815"/>
-            <a:ext cx="11722735" cy="337185"/>
+            <a:off x="5006340" y="2555875"/>
+            <a:ext cx="2179955" cy="368300"/>
           </a:xfrm>
           <a:prstGeom prst="rect">
             <a:avLst/>
@@ -7467,23 +13828,1241 @@
           </a:bodyPr>
           <a:p>
             <a:r>
-              <a:rPr lang="en-US" altLang="zh-CN" sz="1600">
-                <a:solidFill>
-                  <a:schemeClr val="bg2">
-                    <a:lumMod val="50000"/>
-                  </a:schemeClr>
-                </a:solidFill>
+              <a:rPr lang="en-US" altLang="zh-CN" b="1"/>
+              <a:t>Long term </a:t>
+            </a:r>
+            <a:r>
+              <a:rPr lang="en-US" altLang="zh-CN" b="1"/>
+              <a:t>storage</a:t>
+            </a:r>
+            <a:endParaRPr lang="en-US" altLang="zh-CN" b="1"/>
+          </a:p>
+        </p:txBody>
+      </p:sp>
+      <p:sp>
+        <p:nvSpPr>
+          <p:cNvPr id="11" name="流程图: 磁盘 10"/>
+          <p:cNvSpPr/>
+          <p:nvPr/>
+        </p:nvSpPr>
+        <p:spPr>
+          <a:xfrm>
+            <a:off x="4347845" y="5894705"/>
+            <a:ext cx="3451225" cy="423545"/>
+          </a:xfrm>
+          <a:prstGeom prst="flowChartMagneticDisk">
+            <a:avLst/>
+          </a:prstGeom>
+          <a:solidFill>
+            <a:schemeClr val="accent4">
+              <a:lumMod val="60000"/>
+              <a:lumOff val="40000"/>
+            </a:schemeClr>
+          </a:solidFill>
+          <a:ln w="28575">
+            <a:solidFill>
+              <a:schemeClr val="tx1"/>
+            </a:solidFill>
+          </a:ln>
+        </p:spPr>
+        <p:style>
+          <a:lnRef idx="2">
+            <a:schemeClr val="accent1">
+              <a:shade val="50000"/>
+            </a:schemeClr>
+          </a:lnRef>
+          <a:fillRef idx="1">
+            <a:schemeClr val="accent1"/>
+          </a:fillRef>
+          <a:effectRef idx="0">
+            <a:schemeClr val="accent1"/>
+          </a:effectRef>
+          <a:fontRef idx="minor">
+            <a:schemeClr val="lt1"/>
+          </a:fontRef>
+        </p:style>
+        <p:txBody>
+          <a:bodyPr rtlCol="0" anchor="ctr"/>
+          <a:p>
+            <a:pPr algn="ctr"/>
+            <a:endParaRPr lang="zh-CN" altLang="en-US" dirty="0">
+              <a:solidFill>
+                <a:schemeClr val="tx1"/>
+              </a:solidFill>
+            </a:endParaRPr>
+          </a:p>
+        </p:txBody>
+      </p:sp>
+      <p:sp>
+        <p:nvSpPr>
+          <p:cNvPr id="12" name="文本框 11"/>
+          <p:cNvSpPr txBox="1"/>
+          <p:nvPr/>
+        </p:nvSpPr>
+        <p:spPr>
+          <a:xfrm>
+            <a:off x="5006340" y="6017895"/>
+            <a:ext cx="2179955" cy="368300"/>
+          </a:xfrm>
+          <a:prstGeom prst="rect">
+            <a:avLst/>
+          </a:prstGeom>
+          <a:noFill/>
+        </p:spPr>
+        <p:txBody>
+          <a:bodyPr wrap="square" rtlCol="0">
+            <a:spAutoFit/>
+          </a:bodyPr>
+          <a:p>
+            <a:r>
+              <a:rPr lang="en-US" altLang="zh-CN" b="1"/>
+              <a:t>Long term </a:t>
+            </a:r>
+            <a:r>
+              <a:rPr lang="en-US" altLang="zh-CN" b="1"/>
+              <a:t>storage</a:t>
+            </a:r>
+            <a:endParaRPr lang="en-US" altLang="zh-CN" b="1"/>
+          </a:p>
+        </p:txBody>
+      </p:sp>
+      <p:sp>
+        <p:nvSpPr>
+          <p:cNvPr id="14" name="圆角矩形 13"/>
+          <p:cNvSpPr/>
+          <p:nvPr/>
+        </p:nvSpPr>
+        <p:spPr>
+          <a:xfrm>
+            <a:off x="4029075" y="3176270"/>
+            <a:ext cx="4087495" cy="282575"/>
+          </a:xfrm>
+          <a:prstGeom prst="roundRect">
+            <a:avLst/>
+          </a:prstGeom>
+          <a:solidFill>
+            <a:schemeClr val="accent1">
+              <a:lumMod val="60000"/>
+              <a:lumOff val="40000"/>
+            </a:schemeClr>
+          </a:solidFill>
+          <a:ln w="28575" cmpd="sng">
+            <a:solidFill>
+              <a:schemeClr val="accent1">
+                <a:shade val="50000"/>
+              </a:schemeClr>
+            </a:solidFill>
+            <a:prstDash val="solid"/>
+          </a:ln>
+        </p:spPr>
+        <p:style>
+          <a:lnRef idx="2">
+            <a:schemeClr val="accent1">
+              <a:shade val="50000"/>
+            </a:schemeClr>
+          </a:lnRef>
+          <a:fillRef idx="1">
+            <a:schemeClr val="accent1"/>
+          </a:fillRef>
+          <a:effectRef idx="0">
+            <a:schemeClr val="accent1"/>
+          </a:effectRef>
+          <a:fontRef idx="minor">
+            <a:schemeClr val="lt1"/>
+          </a:fontRef>
+        </p:style>
+        <p:txBody>
+          <a:bodyPr rtlCol="0" anchor="ctr"/>
+          <a:p>
+            <a:pPr algn="ctr"/>
+            <a:endParaRPr lang="zh-CN" altLang="en-US" dirty="0">
+              <a:solidFill>
+                <a:schemeClr val="tx1"/>
+              </a:solidFill>
+            </a:endParaRPr>
+          </a:p>
+        </p:txBody>
+      </p:sp>
+      <p:sp>
+        <p:nvSpPr>
+          <p:cNvPr id="13" name="文本框 12"/>
+          <p:cNvSpPr txBox="1"/>
+          <p:nvPr/>
+        </p:nvSpPr>
+        <p:spPr>
+          <a:xfrm>
+            <a:off x="5396865" y="3133725"/>
+            <a:ext cx="1399540" cy="368300"/>
+          </a:xfrm>
+          <a:prstGeom prst="rect">
+            <a:avLst/>
+          </a:prstGeom>
+          <a:noFill/>
+        </p:spPr>
+        <p:txBody>
+          <a:bodyPr wrap="square" rtlCol="0">
+            <a:spAutoFit/>
+          </a:bodyPr>
+          <a:p>
+            <a:r>
+              <a:rPr lang="en-US" altLang="zh-CN" b="1">
                 <a:sym typeface="+mn-ea"/>
               </a:rPr>
-              <a:t>[1] Pocket: Elastic Ephemeral Storage for Serverless Analytics OSDI ’18</a:t>
-            </a:r>
-            <a:endParaRPr lang="en-US" altLang="zh-CN" sz="1600">
+              <a:t>Split_</a:t>
+            </a:r>
+            <a:r>
+              <a:rPr lang="en-US" altLang="zh-CN" b="1"/>
+              <a:t>Video </a:t>
+            </a:r>
+            <a:endParaRPr lang="en-US" altLang="zh-CN" b="1"/>
+          </a:p>
+        </p:txBody>
+      </p:sp>
+      <p:cxnSp>
+        <p:nvCxnSpPr>
+          <p:cNvPr id="16" name="直接箭头连接符 15"/>
+          <p:cNvCxnSpPr>
+            <a:stCxn id="9" idx="3"/>
+          </p:cNvCxnSpPr>
+          <p:nvPr/>
+        </p:nvCxnSpPr>
+        <p:spPr>
+          <a:xfrm flipH="1">
+            <a:off x="6068695" y="2874010"/>
+            <a:ext cx="4445" cy="259715"/>
+          </a:xfrm>
+          <a:prstGeom prst="straightConnector1">
+            <a:avLst/>
+          </a:prstGeom>
+          <a:ln w="28575" cmpd="sng">
+            <a:solidFill>
+              <a:schemeClr val="accent1">
+                <a:shade val="50000"/>
+              </a:schemeClr>
+            </a:solidFill>
+            <a:prstDash val="solid"/>
+            <a:headEnd type="none" w="med" len="med"/>
+            <a:tailEnd type="arrow" w="med" len="med"/>
+          </a:ln>
+        </p:spPr>
+        <p:style>
+          <a:lnRef idx="1">
+            <a:schemeClr val="accent1"/>
+          </a:lnRef>
+          <a:fillRef idx="0">
+            <a:schemeClr val="accent1"/>
+          </a:fillRef>
+          <a:effectRef idx="0">
+            <a:schemeClr val="accent1"/>
+          </a:effectRef>
+          <a:fontRef idx="minor">
+            <a:schemeClr val="tx1"/>
+          </a:fontRef>
+        </p:style>
+      </p:cxnSp>
+      <p:sp>
+        <p:nvSpPr>
+          <p:cNvPr id="17" name="圆角矩形 16"/>
+          <p:cNvSpPr/>
+          <p:nvPr/>
+        </p:nvSpPr>
+        <p:spPr>
+          <a:xfrm>
+            <a:off x="3608705" y="4103370"/>
+            <a:ext cx="4924425" cy="407035"/>
+          </a:xfrm>
+          <a:prstGeom prst="roundRect">
+            <a:avLst/>
+          </a:prstGeom>
+          <a:noFill/>
+          <a:ln w="28575" cmpd="sng">
+            <a:solidFill>
+              <a:schemeClr val="accent1">
+                <a:shade val="50000"/>
+              </a:schemeClr>
+            </a:solidFill>
+            <a:prstDash val="sysDash"/>
+          </a:ln>
+        </p:spPr>
+        <p:style>
+          <a:lnRef idx="2">
+            <a:schemeClr val="accent1">
+              <a:shade val="50000"/>
+            </a:schemeClr>
+          </a:lnRef>
+          <a:fillRef idx="1">
+            <a:schemeClr val="accent1"/>
+          </a:fillRef>
+          <a:effectRef idx="0">
+            <a:schemeClr val="accent1"/>
+          </a:effectRef>
+          <a:fontRef idx="minor">
+            <a:schemeClr val="lt1"/>
+          </a:fontRef>
+        </p:style>
+        <p:txBody>
+          <a:bodyPr rtlCol="0" anchor="ctr"/>
+          <a:p>
+            <a:pPr algn="ctr"/>
+            <a:endParaRPr lang="zh-CN" altLang="en-US" dirty="0">
               <a:solidFill>
-                <a:schemeClr val="bg2">
-                  <a:lumMod val="50000"/>
-                </a:schemeClr>
+                <a:schemeClr val="tx1"/>
               </a:solidFill>
-              <a:sym typeface="+mn-ea"/>
+            </a:endParaRPr>
+          </a:p>
+        </p:txBody>
+      </p:sp>
+      <p:sp>
+        <p:nvSpPr>
+          <p:cNvPr id="18" name="圆角矩形 17"/>
+          <p:cNvSpPr/>
+          <p:nvPr/>
+        </p:nvSpPr>
+        <p:spPr>
+          <a:xfrm>
+            <a:off x="3752850" y="4165600"/>
+            <a:ext cx="1473200" cy="282575"/>
+          </a:xfrm>
+          <a:prstGeom prst="roundRect">
+            <a:avLst/>
+          </a:prstGeom>
+          <a:solidFill>
+            <a:schemeClr val="accent1">
+              <a:lumMod val="60000"/>
+              <a:lumOff val="40000"/>
+            </a:schemeClr>
+          </a:solidFill>
+          <a:ln w="28575" cmpd="sng">
+            <a:solidFill>
+              <a:schemeClr val="accent1">
+                <a:shade val="50000"/>
+              </a:schemeClr>
+            </a:solidFill>
+            <a:prstDash val="solid"/>
+          </a:ln>
+        </p:spPr>
+        <p:style>
+          <a:lnRef idx="2">
+            <a:schemeClr val="accent1">
+              <a:shade val="50000"/>
+            </a:schemeClr>
+          </a:lnRef>
+          <a:fillRef idx="1">
+            <a:schemeClr val="accent1"/>
+          </a:fillRef>
+          <a:effectRef idx="0">
+            <a:schemeClr val="accent1"/>
+          </a:effectRef>
+          <a:fontRef idx="minor">
+            <a:schemeClr val="lt1"/>
+          </a:fontRef>
+        </p:style>
+        <p:txBody>
+          <a:bodyPr rtlCol="0" anchor="ctr"/>
+          <a:p>
+            <a:pPr algn="ctr"/>
+            <a:endParaRPr lang="zh-CN" altLang="en-US" dirty="0">
+              <a:solidFill>
+                <a:schemeClr val="tx1"/>
+              </a:solidFill>
+            </a:endParaRPr>
+          </a:p>
+        </p:txBody>
+      </p:sp>
+      <p:sp>
+        <p:nvSpPr>
+          <p:cNvPr id="20" name="圆角矩形 19"/>
+          <p:cNvSpPr/>
+          <p:nvPr/>
+        </p:nvSpPr>
+        <p:spPr>
+          <a:xfrm>
+            <a:off x="3608705" y="5069840"/>
+            <a:ext cx="4924425" cy="407035"/>
+          </a:xfrm>
+          <a:prstGeom prst="roundRect">
+            <a:avLst/>
+          </a:prstGeom>
+          <a:noFill/>
+          <a:ln w="28575" cmpd="sng">
+            <a:solidFill>
+              <a:schemeClr val="accent1">
+                <a:shade val="50000"/>
+              </a:schemeClr>
+            </a:solidFill>
+            <a:prstDash val="sysDash"/>
+          </a:ln>
+        </p:spPr>
+        <p:style>
+          <a:lnRef idx="2">
+            <a:schemeClr val="accent1">
+              <a:shade val="50000"/>
+            </a:schemeClr>
+          </a:lnRef>
+          <a:fillRef idx="1">
+            <a:schemeClr val="accent1"/>
+          </a:fillRef>
+          <a:effectRef idx="0">
+            <a:schemeClr val="accent1"/>
+          </a:effectRef>
+          <a:fontRef idx="minor">
+            <a:schemeClr val="lt1"/>
+          </a:fontRef>
+        </p:style>
+        <p:txBody>
+          <a:bodyPr rtlCol="0" anchor="ctr"/>
+          <a:p>
+            <a:pPr algn="ctr"/>
+            <a:endParaRPr lang="zh-CN" altLang="en-US" dirty="0">
+              <a:solidFill>
+                <a:schemeClr val="tx1"/>
+              </a:solidFill>
+            </a:endParaRPr>
+          </a:p>
+        </p:txBody>
+      </p:sp>
+      <p:sp>
+        <p:nvSpPr>
+          <p:cNvPr id="21" name="圆角矩形 20"/>
+          <p:cNvSpPr/>
+          <p:nvPr/>
+        </p:nvSpPr>
+        <p:spPr>
+          <a:xfrm>
+            <a:off x="3752850" y="5132070"/>
+            <a:ext cx="1644015" cy="282575"/>
+          </a:xfrm>
+          <a:prstGeom prst="roundRect">
+            <a:avLst/>
+          </a:prstGeom>
+          <a:solidFill>
+            <a:schemeClr val="accent1">
+              <a:lumMod val="60000"/>
+              <a:lumOff val="40000"/>
+            </a:schemeClr>
+          </a:solidFill>
+          <a:ln w="28575" cmpd="sng">
+            <a:solidFill>
+              <a:schemeClr val="accent1">
+                <a:shade val="50000"/>
+              </a:schemeClr>
+            </a:solidFill>
+            <a:prstDash val="solid"/>
+          </a:ln>
+        </p:spPr>
+        <p:style>
+          <a:lnRef idx="2">
+            <a:schemeClr val="accent1">
+              <a:shade val="50000"/>
+            </a:schemeClr>
+          </a:lnRef>
+          <a:fillRef idx="1">
+            <a:schemeClr val="accent1"/>
+          </a:fillRef>
+          <a:effectRef idx="0">
+            <a:schemeClr val="accent1"/>
+          </a:effectRef>
+          <a:fontRef idx="minor">
+            <a:schemeClr val="lt1"/>
+          </a:fontRef>
+        </p:style>
+        <p:txBody>
+          <a:bodyPr rtlCol="0" anchor="ctr"/>
+          <a:p>
+            <a:pPr algn="ctr"/>
+            <a:endParaRPr lang="zh-CN" altLang="en-US" dirty="0">
+              <a:solidFill>
+                <a:schemeClr val="tx1"/>
+              </a:solidFill>
+            </a:endParaRPr>
+          </a:p>
+        </p:txBody>
+      </p:sp>
+      <p:sp>
+        <p:nvSpPr>
+          <p:cNvPr id="22" name="圆角矩形 21"/>
+          <p:cNvSpPr/>
+          <p:nvPr/>
+        </p:nvSpPr>
+        <p:spPr>
+          <a:xfrm>
+            <a:off x="6616700" y="5132070"/>
+            <a:ext cx="1779905" cy="282575"/>
+          </a:xfrm>
+          <a:prstGeom prst="roundRect">
+            <a:avLst/>
+          </a:prstGeom>
+          <a:solidFill>
+            <a:schemeClr val="accent1">
+              <a:lumMod val="60000"/>
+              <a:lumOff val="40000"/>
+            </a:schemeClr>
+          </a:solidFill>
+          <a:ln w="28575" cmpd="sng">
+            <a:solidFill>
+              <a:schemeClr val="accent1">
+                <a:shade val="50000"/>
+              </a:schemeClr>
+            </a:solidFill>
+            <a:prstDash val="solid"/>
+          </a:ln>
+        </p:spPr>
+        <p:style>
+          <a:lnRef idx="2">
+            <a:schemeClr val="accent1">
+              <a:shade val="50000"/>
+            </a:schemeClr>
+          </a:lnRef>
+          <a:fillRef idx="1">
+            <a:schemeClr val="accent1"/>
+          </a:fillRef>
+          <a:effectRef idx="0">
+            <a:schemeClr val="accent1"/>
+          </a:effectRef>
+          <a:fontRef idx="minor">
+            <a:schemeClr val="lt1"/>
+          </a:fontRef>
+        </p:style>
+        <p:txBody>
+          <a:bodyPr rtlCol="0" anchor="ctr"/>
+          <a:p>
+            <a:pPr algn="ctr"/>
+            <a:endParaRPr lang="zh-CN" altLang="en-US" dirty="0">
+              <a:solidFill>
+                <a:schemeClr val="tx1"/>
+              </a:solidFill>
+            </a:endParaRPr>
+          </a:p>
+        </p:txBody>
+      </p:sp>
+      <p:cxnSp>
+        <p:nvCxnSpPr>
+          <p:cNvPr id="24" name="直接箭头连接符 23"/>
+          <p:cNvCxnSpPr>
+            <a:endCxn id="37" idx="0"/>
+          </p:cNvCxnSpPr>
+          <p:nvPr/>
+        </p:nvCxnSpPr>
+        <p:spPr>
+          <a:xfrm flipH="1">
+            <a:off x="7659370" y="3529330"/>
+            <a:ext cx="1905" cy="636270"/>
+          </a:xfrm>
+          <a:prstGeom prst="straightConnector1">
+            <a:avLst/>
+          </a:prstGeom>
+          <a:ln w="28575" cmpd="sng">
+            <a:solidFill>
+              <a:schemeClr val="accent1">
+                <a:shade val="50000"/>
+              </a:schemeClr>
+            </a:solidFill>
+            <a:prstDash val="solid"/>
+            <a:headEnd type="none" w="med" len="med"/>
+            <a:tailEnd type="arrow" w="med" len="med"/>
+          </a:ln>
+        </p:spPr>
+        <p:style>
+          <a:lnRef idx="1">
+            <a:schemeClr val="accent1"/>
+          </a:lnRef>
+          <a:fillRef idx="0">
+            <a:schemeClr val="accent1"/>
+          </a:fillRef>
+          <a:effectRef idx="0">
+            <a:schemeClr val="accent1"/>
+          </a:effectRef>
+          <a:fontRef idx="minor">
+            <a:schemeClr val="tx1"/>
+          </a:fontRef>
+        </p:style>
+      </p:cxnSp>
+      <p:cxnSp>
+        <p:nvCxnSpPr>
+          <p:cNvPr id="25" name="直接箭头连接符 24"/>
+          <p:cNvCxnSpPr>
+            <a:endCxn id="18" idx="0"/>
+          </p:cNvCxnSpPr>
+          <p:nvPr/>
+        </p:nvCxnSpPr>
+        <p:spPr>
+          <a:xfrm flipH="1">
+            <a:off x="4489450" y="3539490"/>
+            <a:ext cx="11430" cy="626110"/>
+          </a:xfrm>
+          <a:prstGeom prst="straightConnector1">
+            <a:avLst/>
+          </a:prstGeom>
+          <a:ln w="28575" cmpd="sng">
+            <a:solidFill>
+              <a:schemeClr val="accent1">
+                <a:shade val="50000"/>
+              </a:schemeClr>
+            </a:solidFill>
+            <a:prstDash val="solid"/>
+            <a:headEnd type="none" w="med" len="med"/>
+            <a:tailEnd type="arrow" w="med" len="med"/>
+          </a:ln>
+        </p:spPr>
+        <p:style>
+          <a:lnRef idx="1">
+            <a:schemeClr val="accent1"/>
+          </a:lnRef>
+          <a:fillRef idx="0">
+            <a:schemeClr val="accent1"/>
+          </a:fillRef>
+          <a:effectRef idx="0">
+            <a:schemeClr val="accent1"/>
+          </a:effectRef>
+          <a:fontRef idx="minor">
+            <a:schemeClr val="tx1"/>
+          </a:fontRef>
+        </p:style>
+      </p:cxnSp>
+      <p:sp>
+        <p:nvSpPr>
+          <p:cNvPr id="26" name="流程图: 文档 25"/>
+          <p:cNvSpPr/>
+          <p:nvPr/>
+        </p:nvSpPr>
+        <p:spPr>
+          <a:xfrm>
+            <a:off x="4358005" y="3742055"/>
+            <a:ext cx="283845" cy="202565"/>
+          </a:xfrm>
+          <a:prstGeom prst="flowChartDocument">
+            <a:avLst/>
+          </a:prstGeom>
+          <a:solidFill>
+            <a:srgbClr val="FF0000"/>
+          </a:solidFill>
+          <a:ln w="28575" cmpd="sng">
+            <a:solidFill>
+              <a:schemeClr val="accent1">
+                <a:shade val="50000"/>
+              </a:schemeClr>
+            </a:solidFill>
+            <a:prstDash val="solid"/>
+          </a:ln>
+        </p:spPr>
+        <p:style>
+          <a:lnRef idx="2">
+            <a:schemeClr val="accent1">
+              <a:shade val="50000"/>
+            </a:schemeClr>
+          </a:lnRef>
+          <a:fillRef idx="1">
+            <a:schemeClr val="accent1"/>
+          </a:fillRef>
+          <a:effectRef idx="0">
+            <a:schemeClr val="accent1"/>
+          </a:effectRef>
+          <a:fontRef idx="minor">
+            <a:schemeClr val="lt1"/>
+          </a:fontRef>
+        </p:style>
+        <p:txBody>
+          <a:bodyPr rtlCol="0" anchor="ctr"/>
+          <a:p>
+            <a:pPr algn="ctr"/>
+            <a:endParaRPr lang="zh-CN" altLang="en-US" dirty="0">
+              <a:solidFill>
+                <a:schemeClr val="tx1"/>
+              </a:solidFill>
+            </a:endParaRPr>
+          </a:p>
+        </p:txBody>
+      </p:sp>
+      <p:sp>
+        <p:nvSpPr>
+          <p:cNvPr id="27" name="流程图: 文档 26"/>
+          <p:cNvSpPr/>
+          <p:nvPr/>
+        </p:nvSpPr>
+        <p:spPr>
+          <a:xfrm>
+            <a:off x="7507605" y="3710940"/>
+            <a:ext cx="283845" cy="202565"/>
+          </a:xfrm>
+          <a:prstGeom prst="flowChartDocument">
+            <a:avLst/>
+          </a:prstGeom>
+          <a:solidFill>
+            <a:srgbClr val="FF0000"/>
+          </a:solidFill>
+          <a:ln w="28575" cmpd="sng">
+            <a:solidFill>
+              <a:schemeClr val="accent1">
+                <a:shade val="50000"/>
+              </a:schemeClr>
+            </a:solidFill>
+            <a:prstDash val="solid"/>
+          </a:ln>
+        </p:spPr>
+        <p:style>
+          <a:lnRef idx="2">
+            <a:schemeClr val="accent1">
+              <a:shade val="50000"/>
+            </a:schemeClr>
+          </a:lnRef>
+          <a:fillRef idx="1">
+            <a:schemeClr val="accent1"/>
+          </a:fillRef>
+          <a:effectRef idx="0">
+            <a:schemeClr val="accent1"/>
+          </a:effectRef>
+          <a:fontRef idx="minor">
+            <a:schemeClr val="lt1"/>
+          </a:fontRef>
+        </p:style>
+        <p:txBody>
+          <a:bodyPr rtlCol="0" anchor="ctr"/>
+          <a:p>
+            <a:pPr algn="ctr"/>
+            <a:endParaRPr lang="zh-CN" altLang="en-US" dirty="0">
+              <a:solidFill>
+                <a:schemeClr val="tx1"/>
+              </a:solidFill>
+            </a:endParaRPr>
+          </a:p>
+        </p:txBody>
+      </p:sp>
+      <p:cxnSp>
+        <p:nvCxnSpPr>
+          <p:cNvPr id="28" name="直接箭头连接符 27"/>
+          <p:cNvCxnSpPr/>
+          <p:nvPr/>
+        </p:nvCxnSpPr>
+        <p:spPr>
+          <a:xfrm flipH="1">
+            <a:off x="4499610" y="4517390"/>
+            <a:ext cx="11430" cy="626110"/>
+          </a:xfrm>
+          <a:prstGeom prst="straightConnector1">
+            <a:avLst/>
+          </a:prstGeom>
+          <a:ln w="28575" cmpd="sng">
+            <a:solidFill>
+              <a:schemeClr val="accent1">
+                <a:shade val="50000"/>
+              </a:schemeClr>
+            </a:solidFill>
+            <a:prstDash val="solid"/>
+            <a:headEnd type="none" w="med" len="med"/>
+            <a:tailEnd type="arrow" w="med" len="med"/>
+          </a:ln>
+        </p:spPr>
+        <p:style>
+          <a:lnRef idx="1">
+            <a:schemeClr val="accent1"/>
+          </a:lnRef>
+          <a:fillRef idx="0">
+            <a:schemeClr val="accent1"/>
+          </a:fillRef>
+          <a:effectRef idx="0">
+            <a:schemeClr val="accent1"/>
+          </a:effectRef>
+          <a:fontRef idx="minor">
+            <a:schemeClr val="tx1"/>
+          </a:fontRef>
+        </p:style>
+      </p:cxnSp>
+      <p:sp>
+        <p:nvSpPr>
+          <p:cNvPr id="29" name="流程图: 文档 28"/>
+          <p:cNvSpPr/>
+          <p:nvPr/>
+        </p:nvSpPr>
+        <p:spPr>
+          <a:xfrm>
+            <a:off x="4363720" y="4709160"/>
+            <a:ext cx="283845" cy="202565"/>
+          </a:xfrm>
+          <a:prstGeom prst="flowChartDocument">
+            <a:avLst/>
+          </a:prstGeom>
+          <a:solidFill>
+            <a:srgbClr val="FF0000"/>
+          </a:solidFill>
+          <a:ln w="28575" cmpd="sng">
+            <a:solidFill>
+              <a:schemeClr val="accent1">
+                <a:shade val="50000"/>
+              </a:schemeClr>
+            </a:solidFill>
+            <a:prstDash val="solid"/>
+          </a:ln>
+        </p:spPr>
+        <p:style>
+          <a:lnRef idx="2">
+            <a:schemeClr val="accent1">
+              <a:shade val="50000"/>
+            </a:schemeClr>
+          </a:lnRef>
+          <a:fillRef idx="1">
+            <a:schemeClr val="accent1"/>
+          </a:fillRef>
+          <a:effectRef idx="0">
+            <a:schemeClr val="accent1"/>
+          </a:effectRef>
+          <a:fontRef idx="minor">
+            <a:schemeClr val="lt1"/>
+          </a:fontRef>
+        </p:style>
+        <p:txBody>
+          <a:bodyPr rtlCol="0" anchor="ctr"/>
+          <a:p>
+            <a:pPr algn="ctr"/>
+            <a:endParaRPr lang="zh-CN" altLang="en-US" dirty="0">
+              <a:solidFill>
+                <a:schemeClr val="tx1"/>
+              </a:solidFill>
+            </a:endParaRPr>
+          </a:p>
+        </p:txBody>
+      </p:sp>
+      <p:cxnSp>
+        <p:nvCxnSpPr>
+          <p:cNvPr id="30" name="直接箭头连接符 29"/>
+          <p:cNvCxnSpPr/>
+          <p:nvPr/>
+        </p:nvCxnSpPr>
+        <p:spPr>
+          <a:xfrm flipH="1">
+            <a:off x="7654290" y="4517390"/>
+            <a:ext cx="11430" cy="626110"/>
+          </a:xfrm>
+          <a:prstGeom prst="straightConnector1">
+            <a:avLst/>
+          </a:prstGeom>
+          <a:ln w="28575" cmpd="sng">
+            <a:solidFill>
+              <a:schemeClr val="accent1">
+                <a:shade val="50000"/>
+              </a:schemeClr>
+            </a:solidFill>
+            <a:prstDash val="solid"/>
+            <a:headEnd type="none" w="med" len="med"/>
+            <a:tailEnd type="arrow" w="med" len="med"/>
+          </a:ln>
+        </p:spPr>
+        <p:style>
+          <a:lnRef idx="1">
+            <a:schemeClr val="accent1"/>
+          </a:lnRef>
+          <a:fillRef idx="0">
+            <a:schemeClr val="accent1"/>
+          </a:fillRef>
+          <a:effectRef idx="0">
+            <a:schemeClr val="accent1"/>
+          </a:effectRef>
+          <a:fontRef idx="minor">
+            <a:schemeClr val="tx1"/>
+          </a:fontRef>
+        </p:style>
+      </p:cxnSp>
+      <p:sp>
+        <p:nvSpPr>
+          <p:cNvPr id="31" name="流程图: 文档 30"/>
+          <p:cNvSpPr/>
+          <p:nvPr/>
+        </p:nvSpPr>
+        <p:spPr>
+          <a:xfrm>
+            <a:off x="7518400" y="4719955"/>
+            <a:ext cx="283845" cy="202565"/>
+          </a:xfrm>
+          <a:prstGeom prst="flowChartDocument">
+            <a:avLst/>
+          </a:prstGeom>
+          <a:solidFill>
+            <a:srgbClr val="FF0000"/>
+          </a:solidFill>
+          <a:ln w="28575" cmpd="sng">
+            <a:solidFill>
+              <a:schemeClr val="accent1">
+                <a:shade val="50000"/>
+              </a:schemeClr>
+            </a:solidFill>
+            <a:prstDash val="solid"/>
+          </a:ln>
+        </p:spPr>
+        <p:style>
+          <a:lnRef idx="2">
+            <a:schemeClr val="accent1">
+              <a:shade val="50000"/>
+            </a:schemeClr>
+          </a:lnRef>
+          <a:fillRef idx="1">
+            <a:schemeClr val="accent1"/>
+          </a:fillRef>
+          <a:effectRef idx="0">
+            <a:schemeClr val="accent1"/>
+          </a:effectRef>
+          <a:fontRef idx="minor">
+            <a:schemeClr val="lt1"/>
+          </a:fontRef>
+        </p:style>
+        <p:txBody>
+          <a:bodyPr rtlCol="0" anchor="ctr"/>
+          <a:p>
+            <a:pPr algn="ctr"/>
+            <a:endParaRPr lang="zh-CN" altLang="en-US" dirty="0">
+              <a:solidFill>
+                <a:schemeClr val="tx1"/>
+              </a:solidFill>
+            </a:endParaRPr>
+          </a:p>
+        </p:txBody>
+      </p:sp>
+      <p:sp>
+        <p:nvSpPr>
+          <p:cNvPr id="32" name="文本框 31"/>
+          <p:cNvSpPr txBox="1"/>
+          <p:nvPr/>
+        </p:nvSpPr>
+        <p:spPr>
+          <a:xfrm>
+            <a:off x="5531485" y="4050030"/>
+            <a:ext cx="1085850" cy="460375"/>
+          </a:xfrm>
+          <a:prstGeom prst="rect">
+            <a:avLst/>
+          </a:prstGeom>
+          <a:noFill/>
+        </p:spPr>
+        <p:txBody>
+          <a:bodyPr wrap="square" rtlCol="0">
+            <a:spAutoFit/>
+          </a:bodyPr>
+          <a:p>
+            <a:r>
+              <a:rPr lang="en-US" altLang="zh-CN" sz="2400" b="1"/>
+              <a:t>...    ...</a:t>
+            </a:r>
+            <a:endParaRPr lang="en-US" altLang="zh-CN" sz="2400" b="1"/>
+          </a:p>
+        </p:txBody>
+      </p:sp>
+      <p:sp>
+        <p:nvSpPr>
+          <p:cNvPr id="33" name="文本框 32"/>
+          <p:cNvSpPr txBox="1"/>
+          <p:nvPr/>
+        </p:nvSpPr>
+        <p:spPr>
+          <a:xfrm>
+            <a:off x="5531485" y="5002530"/>
+            <a:ext cx="1085850" cy="460375"/>
+          </a:xfrm>
+          <a:prstGeom prst="rect">
+            <a:avLst/>
+          </a:prstGeom>
+          <a:noFill/>
+        </p:spPr>
+        <p:txBody>
+          <a:bodyPr wrap="square" rtlCol="0">
+            <a:spAutoFit/>
+          </a:bodyPr>
+          <a:p>
+            <a:r>
+              <a:rPr lang="en-US" altLang="zh-CN" sz="2400" b="1"/>
+              <a:t>...    ...</a:t>
+            </a:r>
+            <a:endParaRPr lang="en-US" altLang="zh-CN" sz="2400" b="1"/>
+          </a:p>
+        </p:txBody>
+      </p:sp>
+      <p:cxnSp>
+        <p:nvCxnSpPr>
+          <p:cNvPr id="34" name="直接箭头连接符 33"/>
+          <p:cNvCxnSpPr>
+            <a:stCxn id="21" idx="2"/>
+            <a:endCxn id="11" idx="1"/>
+          </p:cNvCxnSpPr>
+          <p:nvPr/>
+        </p:nvCxnSpPr>
+        <p:spPr>
+          <a:xfrm>
+            <a:off x="4575175" y="5414645"/>
+            <a:ext cx="1498600" cy="480060"/>
+          </a:xfrm>
+          <a:prstGeom prst="straightConnector1">
+            <a:avLst/>
+          </a:prstGeom>
+          <a:ln w="28575" cmpd="sng">
+            <a:solidFill>
+              <a:schemeClr val="accent1">
+                <a:shade val="50000"/>
+              </a:schemeClr>
+            </a:solidFill>
+            <a:prstDash val="solid"/>
+            <a:headEnd type="none" w="med" len="med"/>
+            <a:tailEnd type="arrow" w="med" len="med"/>
+          </a:ln>
+        </p:spPr>
+        <p:style>
+          <a:lnRef idx="1">
+            <a:schemeClr val="accent1"/>
+          </a:lnRef>
+          <a:fillRef idx="0">
+            <a:schemeClr val="accent1"/>
+          </a:fillRef>
+          <a:effectRef idx="0">
+            <a:schemeClr val="accent1"/>
+          </a:effectRef>
+          <a:fontRef idx="minor">
+            <a:schemeClr val="tx1"/>
+          </a:fontRef>
+        </p:style>
+      </p:cxnSp>
+      <p:cxnSp>
+        <p:nvCxnSpPr>
+          <p:cNvPr id="35" name="直接箭头连接符 34"/>
+          <p:cNvCxnSpPr>
+            <a:stCxn id="22" idx="2"/>
+            <a:endCxn id="11" idx="1"/>
+          </p:cNvCxnSpPr>
+          <p:nvPr/>
+        </p:nvCxnSpPr>
+        <p:spPr>
+          <a:xfrm flipH="1">
+            <a:off x="6073775" y="5414645"/>
+            <a:ext cx="1433195" cy="480060"/>
+          </a:xfrm>
+          <a:prstGeom prst="straightConnector1">
+            <a:avLst/>
+          </a:prstGeom>
+          <a:ln w="28575" cmpd="sng">
+            <a:solidFill>
+              <a:schemeClr val="accent1">
+                <a:shade val="50000"/>
+              </a:schemeClr>
+            </a:solidFill>
+            <a:prstDash val="solid"/>
+            <a:headEnd type="none" w="med" len="med"/>
+            <a:tailEnd type="arrow" w="med" len="med"/>
+          </a:ln>
+        </p:spPr>
+        <p:style>
+          <a:lnRef idx="1">
+            <a:schemeClr val="accent1"/>
+          </a:lnRef>
+          <a:fillRef idx="0">
+            <a:schemeClr val="accent1"/>
+          </a:fillRef>
+          <a:effectRef idx="0">
+            <a:schemeClr val="accent1"/>
+          </a:effectRef>
+          <a:fontRef idx="minor">
+            <a:schemeClr val="tx1"/>
+          </a:fontRef>
+        </p:style>
+      </p:cxnSp>
+      <p:sp>
+        <p:nvSpPr>
+          <p:cNvPr id="36" name="文本框 35"/>
+          <p:cNvSpPr txBox="1"/>
+          <p:nvPr/>
+        </p:nvSpPr>
+        <p:spPr>
+          <a:xfrm>
+            <a:off x="3678555" y="4111625"/>
+            <a:ext cx="1633220" cy="368300"/>
+          </a:xfrm>
+          <a:prstGeom prst="rect">
+            <a:avLst/>
+          </a:prstGeom>
+          <a:noFill/>
+        </p:spPr>
+        <p:txBody>
+          <a:bodyPr wrap="square" rtlCol="0">
+            <a:spAutoFit/>
+          </a:bodyPr>
+          <a:p>
+            <a:r>
+              <a:rPr lang="zh-CN" altLang="en-US" b="1"/>
+              <a:t>Extract Frame</a:t>
+            </a:r>
+            <a:endParaRPr lang="zh-CN" altLang="en-US" b="1"/>
+          </a:p>
+        </p:txBody>
+      </p:sp>
+      <p:sp>
+        <p:nvSpPr>
+          <p:cNvPr id="37" name="圆角矩形 36"/>
+          <p:cNvSpPr/>
+          <p:nvPr/>
+        </p:nvSpPr>
+        <p:spPr>
+          <a:xfrm>
+            <a:off x="6922770" y="4165600"/>
+            <a:ext cx="1473200" cy="282575"/>
+          </a:xfrm>
+          <a:prstGeom prst="roundRect">
+            <a:avLst/>
+          </a:prstGeom>
+          <a:solidFill>
+            <a:schemeClr val="accent1">
+              <a:lumMod val="60000"/>
+              <a:lumOff val="40000"/>
+            </a:schemeClr>
+          </a:solidFill>
+          <a:ln w="28575" cmpd="sng">
+            <a:solidFill>
+              <a:schemeClr val="accent1">
+                <a:shade val="50000"/>
+              </a:schemeClr>
+            </a:solidFill>
+            <a:prstDash val="solid"/>
+          </a:ln>
+        </p:spPr>
+        <p:style>
+          <a:lnRef idx="2">
+            <a:schemeClr val="accent1">
+              <a:shade val="50000"/>
+            </a:schemeClr>
+          </a:lnRef>
+          <a:fillRef idx="1">
+            <a:schemeClr val="accent1"/>
+          </a:fillRef>
+          <a:effectRef idx="0">
+            <a:schemeClr val="accent1"/>
+          </a:effectRef>
+          <a:fontRef idx="minor">
+            <a:schemeClr val="lt1"/>
+          </a:fontRef>
+        </p:style>
+        <p:txBody>
+          <a:bodyPr rtlCol="0" anchor="ctr"/>
+          <a:p>
+            <a:pPr algn="ctr"/>
+            <a:endParaRPr lang="zh-CN" altLang="en-US" dirty="0">
+              <a:solidFill>
+                <a:schemeClr val="tx1"/>
+              </a:solidFill>
+            </a:endParaRPr>
+          </a:p>
+        </p:txBody>
+      </p:sp>
+      <p:sp>
+        <p:nvSpPr>
+          <p:cNvPr id="38" name="文本框 37"/>
+          <p:cNvSpPr txBox="1"/>
+          <p:nvPr/>
+        </p:nvSpPr>
+        <p:spPr>
+          <a:xfrm>
+            <a:off x="6837045" y="4142105"/>
+            <a:ext cx="1633220" cy="368300"/>
+          </a:xfrm>
+          <a:prstGeom prst="rect">
+            <a:avLst/>
+          </a:prstGeom>
+          <a:noFill/>
+        </p:spPr>
+        <p:txBody>
+          <a:bodyPr wrap="square" rtlCol="0">
+            <a:spAutoFit/>
+          </a:bodyPr>
+          <a:p>
+            <a:r>
+              <a:rPr lang="zh-CN" altLang="en-US" b="1"/>
+              <a:t>Extract Frame</a:t>
+            </a:r>
+            <a:endParaRPr lang="zh-CN" altLang="en-US" b="1"/>
+          </a:p>
+        </p:txBody>
+      </p:sp>
+      <p:sp>
+        <p:nvSpPr>
+          <p:cNvPr id="39" name="文本框 38"/>
+          <p:cNvSpPr txBox="1"/>
+          <p:nvPr/>
+        </p:nvSpPr>
+        <p:spPr>
+          <a:xfrm>
+            <a:off x="3700145" y="5100320"/>
+            <a:ext cx="1748790" cy="368300"/>
+          </a:xfrm>
+          <a:prstGeom prst="rect">
+            <a:avLst/>
+          </a:prstGeom>
+          <a:noFill/>
+        </p:spPr>
+        <p:txBody>
+          <a:bodyPr wrap="square" rtlCol="0">
+            <a:spAutoFit/>
+          </a:bodyPr>
+          <a:p>
+            <a:r>
+              <a:rPr lang="zh-CN" altLang="en-US" b="1"/>
+              <a:t>Classify Frame</a:t>
+            </a:r>
+            <a:endParaRPr lang="zh-CN" altLang="en-US" b="1"/>
+          </a:p>
+        </p:txBody>
+      </p:sp>
+      <p:sp>
+        <p:nvSpPr>
+          <p:cNvPr id="40" name="文本框 39"/>
+          <p:cNvSpPr txBox="1"/>
+          <p:nvPr/>
+        </p:nvSpPr>
+        <p:spPr>
+          <a:xfrm>
+            <a:off x="6616700" y="5092700"/>
+            <a:ext cx="1748790" cy="368300"/>
+          </a:xfrm>
+          <a:prstGeom prst="rect">
+            <a:avLst/>
+          </a:prstGeom>
+          <a:noFill/>
+        </p:spPr>
+        <p:txBody>
+          <a:bodyPr wrap="square" rtlCol="0">
+            <a:spAutoFit/>
+          </a:bodyPr>
+          <a:p>
+            <a:r>
+              <a:rPr lang="zh-CN" altLang="en-US" b="1"/>
+              <a:t>Classify Frame</a:t>
+            </a:r>
+            <a:endParaRPr lang="zh-CN" altLang="en-US" b="1"/>
+          </a:p>
+        </p:txBody>
+      </p:sp>
+      <p:sp>
+        <p:nvSpPr>
+          <p:cNvPr id="41" name="文本框 40"/>
+          <p:cNvSpPr txBox="1"/>
+          <p:nvPr/>
+        </p:nvSpPr>
+        <p:spPr>
+          <a:xfrm>
+            <a:off x="3287395" y="6485890"/>
+            <a:ext cx="5618480" cy="368300"/>
+          </a:xfrm>
+          <a:prstGeom prst="rect">
+            <a:avLst/>
+          </a:prstGeom>
+          <a:noFill/>
+        </p:spPr>
+        <p:txBody>
+          <a:bodyPr wrap="square" rtlCol="0">
+            <a:spAutoFit/>
+          </a:bodyPr>
+          <a:p>
+            <a:r>
+              <a:rPr lang="zh-CN" altLang="en-US" b="1">
+                <a:latin typeface="微软雅黑" panose="020B0503020204020204" charset="-122"/>
+                <a:ea typeface="微软雅黑" panose="020B0503020204020204" charset="-122"/>
+              </a:rPr>
+              <a:t>DAG overview  for Video Analytics application</a:t>
+            </a:r>
+            <a:endParaRPr lang="zh-CN" altLang="en-US" b="1">
+              <a:latin typeface="微软雅黑" panose="020B0503020204020204" charset="-122"/>
+              <a:ea typeface="微软雅黑" panose="020B0503020204020204" charset="-122"/>
             </a:endParaRPr>
           </a:p>
         </p:txBody>
@@ -7521,16 +15100,10 @@
           <a:bodyPr/>
           <a:p>
             <a:r>
-              <a:rPr lang="en-US" altLang="zh-CN" dirty="0">
+              <a:rPr lang="zh-CN" altLang="en-US">
                 <a:sym typeface="+mn-ea"/>
               </a:rPr>
-              <a:t>Caerus</a:t>
-            </a:r>
-            <a:r>
-              <a:rPr lang="en-US" altLang="zh-CN" baseline="30000" dirty="0">
-                <a:sym typeface="+mn-ea"/>
-              </a:rPr>
-              <a:t>[1]</a:t>
+              <a:t>典型的数据分析应用</a:t>
             </a:r>
             <a:endParaRPr lang="zh-CN" altLang="en-US"/>
           </a:p>
@@ -7559,16 +15132,6 @@
           <a:p>
             <a:pPr marL="0" indent="0"/>
             <a:r>
-              <a:rPr lang="en-US" altLang="zh-CN">
-                <a:solidFill>
-                  <a:schemeClr val="tx1"/>
-                </a:solidFill>
-                <a:uFillTx/>
-                <a:latin typeface="等线" panose="02010600030101010101" charset="-122"/>
-              </a:rPr>
-              <a:t> </a:t>
-            </a:r>
-            <a:r>
               <a:rPr lang="en-US" altLang="zh-CN" b="1">
                 <a:solidFill>
                   <a:schemeClr val="tx1"/>
@@ -7577,7 +15140,18 @@
                 <a:latin typeface="微软雅黑" panose="020B0503020204020204" charset="-122"/>
                 <a:ea typeface="微软雅黑" panose="020B0503020204020204" charset="-122"/>
               </a:rPr>
-              <a:t>MapReduce sort</a:t>
+              <a:t> Distributed </a:t>
+            </a:r>
+            <a:r>
+              <a:rPr lang="en-US" altLang="zh-CN" b="1">
+                <a:solidFill>
+                  <a:schemeClr val="tx1"/>
+                </a:solidFill>
+                <a:uFillTx/>
+                <a:latin typeface="微软雅黑" panose="020B0503020204020204" charset="-122"/>
+                <a:ea typeface="微软雅黑" panose="020B0503020204020204" charset="-122"/>
+              </a:rPr>
+              <a:t>compilation</a:t>
             </a:r>
             <a:endParaRPr lang="en-US" altLang="zh-CN" b="1">
               <a:solidFill>
@@ -7589,30 +15163,80 @@
             </a:endParaRPr>
           </a:p>
           <a:p>
-            <a:pPr marL="0" indent="0">
-              <a:buNone/>
-            </a:pPr>
-            <a:endParaRPr lang="en-US" altLang="zh-CN" b="1">
+            <a:pPr marL="457200" lvl="1" indent="0"/>
+            <a:r>
+              <a:rPr lang="en-US" altLang="zh-CN" b="1">
+                <a:solidFill>
+                  <a:schemeClr val="tx1"/>
+                </a:solidFill>
+                <a:uFillTx/>
+                <a:latin typeface="微软雅黑" panose="020B0503020204020204" charset="-122"/>
+                <a:ea typeface="微软雅黑" panose="020B0503020204020204" charset="-122"/>
+              </a:rPr>
+              <a:t> </a:t>
+            </a:r>
+            <a:r>
+              <a:rPr lang="en-US" altLang="zh-CN">
+                <a:solidFill>
+                  <a:schemeClr val="tx1"/>
+                </a:solidFill>
+                <a:uFillTx/>
+                <a:latin typeface="等线" panose="02010600030101010101" charset="-122"/>
+                <a:ea typeface="等线" panose="02010600030101010101" charset="-122"/>
+                <a:cs typeface="等线" panose="02010600030101010101" charset="-122"/>
+              </a:rPr>
+              <a:t>Two stage：compile stage and link stage</a:t>
+            </a:r>
+            <a:endParaRPr lang="en-US" altLang="zh-CN">
               <a:solidFill>
                 <a:schemeClr val="tx1"/>
               </a:solidFill>
               <a:uFillTx/>
-              <a:latin typeface="微软雅黑" panose="020B0503020204020204" charset="-122"/>
-              <a:ea typeface="微软雅黑" panose="020B0503020204020204" charset="-122"/>
-            </a:endParaRPr>
-          </a:p>
-        </p:txBody>
-      </p:sp>
-      <p:sp>
-        <p:nvSpPr>
-          <p:cNvPr id="19" name="文本框 18"/>
+              <a:latin typeface="等线" panose="02010600030101010101" charset="-122"/>
+              <a:ea typeface="等线" panose="02010600030101010101" charset="-122"/>
+              <a:cs typeface="等线" panose="02010600030101010101" charset="-122"/>
+            </a:endParaRPr>
+          </a:p>
+        </p:txBody>
+      </p:sp>
+      <p:pic>
+        <p:nvPicPr>
+          <p:cNvPr id="4" name="图片 3"/>
+          <p:cNvPicPr>
+            <a:picLocks noChangeAspect="1"/>
+          </p:cNvPicPr>
+          <p:nvPr>
+            <p:custDataLst>
+              <p:tags r:id="rId1"/>
+            </p:custDataLst>
+          </p:nvPr>
+        </p:nvPicPr>
+        <p:blipFill>
+          <a:blip r:embed="rId2"/>
+          <a:stretch>
+            <a:fillRect/>
+          </a:stretch>
+        </p:blipFill>
+        <p:spPr>
+          <a:xfrm>
+            <a:off x="2173605" y="2404745"/>
+            <a:ext cx="7845425" cy="3428365"/>
+          </a:xfrm>
+          <a:prstGeom prst="rect">
+            <a:avLst/>
+          </a:prstGeom>
+        </p:spPr>
+      </p:pic>
+      <p:sp>
+        <p:nvSpPr>
+          <p:cNvPr id="41" name="文本框 40"/>
           <p:cNvSpPr txBox="1"/>
           <p:nvPr/>
         </p:nvSpPr>
         <p:spPr>
           <a:xfrm>
-            <a:off x="0" y="6520815"/>
-            <a:ext cx="11722735" cy="337185"/>
+            <a:off x="3592195" y="6071235"/>
+            <a:ext cx="5006975" cy="398780"/>
           </a:xfrm>
           <a:prstGeom prst="rect">
             <a:avLst/>
@@ -7625,23 +15249,15 @@
           </a:bodyPr>
           <a:p>
             <a:r>
-              <a:rPr lang="en-US" altLang="zh-CN" sz="1600">
-                <a:solidFill>
-                  <a:schemeClr val="bg2">
-                    <a:lumMod val="50000"/>
-                  </a:schemeClr>
-                </a:solidFill>
-                <a:sym typeface="+mn-ea"/>
-              </a:rPr>
-              <a:t>[1] Caerus: NIMBLE Task Scheduling for Serverless Analytics  NSDI’21</a:t>
-            </a:r>
-            <a:endParaRPr lang="en-US" altLang="zh-CN" sz="1600">
-              <a:solidFill>
-                <a:schemeClr val="bg2">
-                  <a:lumMod val="50000"/>
-                </a:schemeClr>
-              </a:solidFill>
-              <a:sym typeface="+mn-ea"/>
+              <a:rPr lang="en-US" altLang="zh-CN" sz="2000" b="1">
+                <a:latin typeface="微软雅黑" panose="020B0503020204020204" charset="-122"/>
+                <a:ea typeface="微软雅黑" panose="020B0503020204020204" charset="-122"/>
+              </a:rPr>
+              <a:t>The traditional compilation sequence</a:t>
+            </a:r>
+            <a:endParaRPr lang="en-US" altLang="zh-CN" sz="2000" b="1">
+              <a:latin typeface="微软雅黑" panose="020B0503020204020204" charset="-122"/>
+              <a:ea typeface="微软雅黑" panose="020B0503020204020204" charset="-122"/>
             </a:endParaRPr>
           </a:p>
         </p:txBody>
@@ -7679,6 +15295,418 @@
           <a:bodyPr/>
           <a:p>
             <a:r>
+              <a:rPr lang="en-US" altLang="zh-CN">
+                <a:sym typeface="+mn-ea"/>
+              </a:rPr>
+              <a:t>Pocket</a:t>
+            </a:r>
+            <a:r>
+              <a:rPr lang="en-US" altLang="zh-CN" baseline="30000">
+                <a:sym typeface="+mn-ea"/>
+              </a:rPr>
+              <a:t>[1]</a:t>
+            </a:r>
+            <a:endParaRPr lang="zh-CN" altLang="en-US" baseline="30000">
+              <a:sym typeface="+mn-ea"/>
+            </a:endParaRPr>
+          </a:p>
+        </p:txBody>
+      </p:sp>
+      <p:sp>
+        <p:nvSpPr>
+          <p:cNvPr id="3" name="内容占位符 2"/>
+          <p:cNvSpPr>
+            <a:spLocks noGrp="1"/>
+          </p:cNvSpPr>
+          <p:nvPr>
+            <p:ph idx="1"/>
+          </p:nvPr>
+        </p:nvSpPr>
+        <p:spPr>
+          <a:xfrm>
+            <a:off x="838200" y="1383030"/>
+            <a:ext cx="10824845" cy="5300345"/>
+          </a:xfrm>
+        </p:spPr>
+        <p:txBody>
+          <a:bodyPr>
+            <a:normAutofit/>
+          </a:bodyPr>
+          <a:p>
+            <a:pPr marL="0" indent="0"/>
+            <a:r>
+              <a:rPr lang="en-US" altLang="zh-CN">
+                <a:solidFill>
+                  <a:schemeClr val="tx1"/>
+                </a:solidFill>
+                <a:uFillTx/>
+                <a:latin typeface="等线" panose="02010600030101010101" charset="-122"/>
+              </a:rPr>
+              <a:t> </a:t>
+            </a:r>
+            <a:r>
+              <a:rPr lang="en-US" altLang="zh-CN" b="1">
+                <a:solidFill>
+                  <a:schemeClr val="tx1"/>
+                </a:solidFill>
+                <a:uFillTx/>
+                <a:latin typeface="微软雅黑" panose="020B0503020204020204" charset="-122"/>
+                <a:ea typeface="微软雅黑" panose="020B0503020204020204" charset="-122"/>
+              </a:rPr>
+              <a:t>Multi-tier storage</a:t>
+            </a:r>
+            <a:endParaRPr lang="en-US" altLang="zh-CN" b="1">
+              <a:solidFill>
+                <a:schemeClr val="tx1"/>
+              </a:solidFill>
+              <a:uFillTx/>
+              <a:latin typeface="微软雅黑" panose="020B0503020204020204" charset="-122"/>
+              <a:ea typeface="微软雅黑" panose="020B0503020204020204" charset="-122"/>
+            </a:endParaRPr>
+          </a:p>
+          <a:p>
+            <a:pPr marL="457200" lvl="1" indent="0">
+              <a:lnSpc>
+                <a:spcPct val="120000"/>
+              </a:lnSpc>
+            </a:pPr>
+            <a:r>
+              <a:rPr lang="en-US" altLang="zh-CN" b="1">
+                <a:solidFill>
+                  <a:schemeClr val="tx1"/>
+                </a:solidFill>
+                <a:uFillTx/>
+                <a:latin typeface="微软雅黑" panose="020B0503020204020204" charset="-122"/>
+                <a:ea typeface="微软雅黑" panose="020B0503020204020204" charset="-122"/>
+              </a:rPr>
+              <a:t> </a:t>
+            </a:r>
+            <a:r>
+              <a:rPr lang="en-US" altLang="zh-CN">
+                <a:solidFill>
+                  <a:schemeClr val="tx1"/>
+                </a:solidFill>
+                <a:uFillTx/>
+                <a:latin typeface="等线" panose="02010600030101010101" charset="-122"/>
+                <a:ea typeface="等线" panose="02010600030101010101" charset="-122"/>
+              </a:rPr>
+              <a:t>L</a:t>
+            </a:r>
+            <a:r>
+              <a:rPr lang="en-US" altLang="zh-CN">
+                <a:solidFill>
+                  <a:schemeClr val="tx1"/>
+                </a:solidFill>
+                <a:uFillTx/>
+                <a:latin typeface="等线" panose="02010600030101010101" charset="-122"/>
+                <a:ea typeface="等线" panose="02010600030101010101" charset="-122"/>
+              </a:rPr>
+              <a:t>everages different storage media (DRAM, Flash, disk) to store a job’s data in the tier(s) that satisfy the I/O demands of the application while minimizing cost</a:t>
+            </a:r>
+            <a:endParaRPr lang="en-US" altLang="zh-CN">
+              <a:solidFill>
+                <a:schemeClr val="tx1"/>
+              </a:solidFill>
+              <a:uFillTx/>
+              <a:latin typeface="等线" panose="02010600030101010101" charset="-122"/>
+              <a:ea typeface="等线" panose="02010600030101010101" charset="-122"/>
+            </a:endParaRPr>
+          </a:p>
+        </p:txBody>
+      </p:sp>
+      <p:sp>
+        <p:nvSpPr>
+          <p:cNvPr id="19" name="文本框 18"/>
+          <p:cNvSpPr txBox="1"/>
+          <p:nvPr/>
+        </p:nvSpPr>
+        <p:spPr>
+          <a:xfrm>
+            <a:off x="0" y="6520815"/>
+            <a:ext cx="11722735" cy="337185"/>
+          </a:xfrm>
+          <a:prstGeom prst="rect">
+            <a:avLst/>
+          </a:prstGeom>
+          <a:noFill/>
+        </p:spPr>
+        <p:txBody>
+          <a:bodyPr wrap="square" rtlCol="0">
+            <a:spAutoFit/>
+          </a:bodyPr>
+          <a:p>
+            <a:r>
+              <a:rPr lang="en-US" altLang="zh-CN" sz="1600">
+                <a:solidFill>
+                  <a:schemeClr val="bg2">
+                    <a:lumMod val="50000"/>
+                  </a:schemeClr>
+                </a:solidFill>
+                <a:sym typeface="+mn-ea"/>
+              </a:rPr>
+              <a:t>[1] Pocket: Elastic Ephemeral Storage for Serverless Analytics OSDI ’18</a:t>
+            </a:r>
+            <a:endParaRPr lang="en-US" altLang="zh-CN" sz="1600">
+              <a:solidFill>
+                <a:schemeClr val="bg2">
+                  <a:lumMod val="50000"/>
+                </a:schemeClr>
+              </a:solidFill>
+              <a:sym typeface="+mn-ea"/>
+            </a:endParaRPr>
+          </a:p>
+        </p:txBody>
+      </p:sp>
+      <p:pic>
+        <p:nvPicPr>
+          <p:cNvPr id="4" name="图片 3"/>
+          <p:cNvPicPr>
+            <a:picLocks noChangeAspect="1"/>
+          </p:cNvPicPr>
+          <p:nvPr/>
+        </p:nvPicPr>
+        <p:blipFill>
+          <a:blip r:embed="rId1"/>
+          <a:stretch>
+            <a:fillRect/>
+          </a:stretch>
+        </p:blipFill>
+        <p:spPr>
+          <a:xfrm>
+            <a:off x="3434715" y="2988310"/>
+            <a:ext cx="5323205" cy="2904490"/>
+          </a:xfrm>
+          <a:prstGeom prst="rect">
+            <a:avLst/>
+          </a:prstGeom>
+        </p:spPr>
+      </p:pic>
+      <p:sp>
+        <p:nvSpPr>
+          <p:cNvPr id="41" name="文本框 40"/>
+          <p:cNvSpPr txBox="1"/>
+          <p:nvPr/>
+        </p:nvSpPr>
+        <p:spPr>
+          <a:xfrm>
+            <a:off x="4335780" y="6043930"/>
+            <a:ext cx="3829685" cy="398780"/>
+          </a:xfrm>
+          <a:prstGeom prst="rect">
+            <a:avLst/>
+          </a:prstGeom>
+          <a:noFill/>
+        </p:spPr>
+        <p:txBody>
+          <a:bodyPr wrap="square" rtlCol="0">
+            <a:spAutoFit/>
+          </a:bodyPr>
+          <a:p>
+            <a:r>
+              <a:rPr lang="en-US" altLang="zh-CN" sz="2000" b="1">
+                <a:latin typeface="微软雅黑" panose="020B0503020204020204" charset="-122"/>
+                <a:ea typeface="微软雅黑" panose="020B0503020204020204" charset="-122"/>
+              </a:rPr>
+              <a:t> Pocket system architecture </a:t>
+            </a:r>
+            <a:endParaRPr lang="en-US" altLang="zh-CN" sz="2000" b="1">
+              <a:latin typeface="微软雅黑" panose="020B0503020204020204" charset="-122"/>
+              <a:ea typeface="微软雅黑" panose="020B0503020204020204" charset="-122"/>
+            </a:endParaRPr>
+          </a:p>
+        </p:txBody>
+      </p:sp>
+    </p:spTree>
+  </p:cSld>
+  <p:clrMapOvr>
+    <a:masterClrMapping/>
+  </p:clrMapOvr>
+</p:sld>
+</file>
+
+<file path=ppt/slides/slide8.xml><?xml version="1.0" encoding="utf-8"?>
+<p:sld xmlns:a="http://schemas.openxmlformats.org/drawingml/2006/main" xmlns:r="http://schemas.openxmlformats.org/officeDocument/2006/relationships" xmlns:p="http://schemas.openxmlformats.org/presentationml/2006/main">
+  <p:cSld>
+    <p:spTree>
+      <p:nvGrpSpPr>
+        <p:cNvPr id="1" name=""/>
+        <p:cNvGrpSpPr/>
+        <p:nvPr/>
+      </p:nvGrpSpPr>
+      <p:grpSpPr/>
+      <p:sp>
+        <p:nvSpPr>
+          <p:cNvPr id="2" name="标题 1"/>
+          <p:cNvSpPr>
+            <a:spLocks noGrp="1"/>
+          </p:cNvSpPr>
+          <p:nvPr>
+            <p:ph type="title"/>
+          </p:nvPr>
+        </p:nvSpPr>
+        <p:spPr/>
+        <p:txBody>
+          <a:bodyPr/>
+          <a:p>
+            <a:r>
+              <a:rPr lang="en-US" altLang="zh-CN" dirty="0">
+                <a:sym typeface="+mn-ea"/>
+              </a:rPr>
+              <a:t>Caerus</a:t>
+            </a:r>
+            <a:r>
+              <a:rPr lang="en-US" altLang="zh-CN" baseline="30000" dirty="0">
+                <a:sym typeface="+mn-ea"/>
+              </a:rPr>
+              <a:t>[1]</a:t>
+            </a:r>
+            <a:endParaRPr lang="zh-CN" altLang="en-US"/>
+          </a:p>
+        </p:txBody>
+      </p:sp>
+      <p:sp>
+        <p:nvSpPr>
+          <p:cNvPr id="3" name="内容占位符 2"/>
+          <p:cNvSpPr>
+            <a:spLocks noGrp="1"/>
+          </p:cNvSpPr>
+          <p:nvPr>
+            <p:ph idx="1"/>
+          </p:nvPr>
+        </p:nvSpPr>
+        <p:spPr>
+          <a:xfrm>
+            <a:off x="838200" y="1383030"/>
+            <a:ext cx="10824845" cy="5300345"/>
+          </a:xfrm>
+        </p:spPr>
+        <p:txBody>
+          <a:bodyPr>
+            <a:normAutofit/>
+          </a:bodyPr>
+          <a:p>
+            <a:pPr marL="0" indent="0"/>
+            <a:r>
+              <a:rPr lang="en-US" altLang="zh-CN">
+                <a:solidFill>
+                  <a:schemeClr val="tx1"/>
+                </a:solidFill>
+                <a:uFillTx/>
+                <a:latin typeface="等线" panose="02010600030101010101" charset="-122"/>
+              </a:rPr>
+              <a:t> </a:t>
+            </a:r>
+            <a:r>
+              <a:rPr lang="en-US" altLang="zh-CN" b="1">
+                <a:solidFill>
+                  <a:schemeClr val="tx1"/>
+                </a:solidFill>
+                <a:uFillTx/>
+                <a:latin typeface="微软雅黑" panose="020B0503020204020204" charset="-122"/>
+                <a:ea typeface="微软雅黑" panose="020B0503020204020204" charset="-122"/>
+              </a:rPr>
+              <a:t>MapReduce sort</a:t>
+            </a:r>
+            <a:endParaRPr lang="en-US" altLang="zh-CN" b="1">
+              <a:solidFill>
+                <a:schemeClr val="tx1"/>
+              </a:solidFill>
+              <a:uFillTx/>
+              <a:latin typeface="微软雅黑" panose="020B0503020204020204" charset="-122"/>
+              <a:ea typeface="微软雅黑" panose="020B0503020204020204" charset="-122"/>
+            </a:endParaRPr>
+          </a:p>
+          <a:p>
+            <a:pPr marL="0" indent="0">
+              <a:buNone/>
+            </a:pPr>
+            <a:endParaRPr lang="en-US" altLang="zh-CN" b="1">
+              <a:solidFill>
+                <a:schemeClr val="tx1"/>
+              </a:solidFill>
+              <a:uFillTx/>
+              <a:latin typeface="微软雅黑" panose="020B0503020204020204" charset="-122"/>
+              <a:ea typeface="微软雅黑" panose="020B0503020204020204" charset="-122"/>
+            </a:endParaRPr>
+          </a:p>
+        </p:txBody>
+      </p:sp>
+      <p:sp>
+        <p:nvSpPr>
+          <p:cNvPr id="19" name="文本框 18"/>
+          <p:cNvSpPr txBox="1"/>
+          <p:nvPr/>
+        </p:nvSpPr>
+        <p:spPr>
+          <a:xfrm>
+            <a:off x="0" y="6520815"/>
+            <a:ext cx="11722735" cy="337185"/>
+          </a:xfrm>
+          <a:prstGeom prst="rect">
+            <a:avLst/>
+          </a:prstGeom>
+          <a:noFill/>
+        </p:spPr>
+        <p:txBody>
+          <a:bodyPr wrap="square" rtlCol="0">
+            <a:spAutoFit/>
+          </a:bodyPr>
+          <a:p>
+            <a:r>
+              <a:rPr lang="en-US" altLang="zh-CN" sz="1600">
+                <a:solidFill>
+                  <a:schemeClr val="bg2">
+                    <a:lumMod val="50000"/>
+                  </a:schemeClr>
+                </a:solidFill>
+                <a:sym typeface="+mn-ea"/>
+              </a:rPr>
+              <a:t>[1] Caerus: NIMBLE Task Scheduling for Serverless Analytics  NSDI’21</a:t>
+            </a:r>
+            <a:endParaRPr lang="en-US" altLang="zh-CN" sz="1600">
+              <a:solidFill>
+                <a:schemeClr val="bg2">
+                  <a:lumMod val="50000"/>
+                </a:schemeClr>
+              </a:solidFill>
+              <a:sym typeface="+mn-ea"/>
+            </a:endParaRPr>
+          </a:p>
+        </p:txBody>
+      </p:sp>
+    </p:spTree>
+  </p:cSld>
+  <p:clrMapOvr>
+    <a:masterClrMapping/>
+  </p:clrMapOvr>
+</p:sld>
+</file>
+
+<file path=ppt/slides/slide9.xml><?xml version="1.0" encoding="utf-8"?>
+<p:sld xmlns:a="http://schemas.openxmlformats.org/drawingml/2006/main" xmlns:r="http://schemas.openxmlformats.org/officeDocument/2006/relationships" xmlns:p="http://schemas.openxmlformats.org/presentationml/2006/main">
+  <p:cSld>
+    <p:spTree>
+      <p:nvGrpSpPr>
+        <p:cNvPr id="1" name=""/>
+        <p:cNvGrpSpPr/>
+        <p:nvPr/>
+      </p:nvGrpSpPr>
+      <p:grpSpPr/>
+      <p:sp>
+        <p:nvSpPr>
+          <p:cNvPr id="2" name="标题 1"/>
+          <p:cNvSpPr>
+            <a:spLocks noGrp="1"/>
+          </p:cNvSpPr>
+          <p:nvPr>
+            <p:ph type="title"/>
+          </p:nvPr>
+        </p:nvSpPr>
+        <p:spPr/>
+        <p:txBody>
+          <a:bodyPr/>
+          <a:p>
+            <a:r>
               <a:rPr lang="zh-CN" altLang="en-US"/>
               <a:t>数据分析应用的</a:t>
             </a:r>
@@ -7921,807 +15949,6 @@
 </p:sld>
 </file>
 
-<file path=ppt/slides/slide8.xml><?xml version="1.0" encoding="utf-8"?>
-<p:sld xmlns:a="http://schemas.openxmlformats.org/drawingml/2006/main" xmlns:r="http://schemas.openxmlformats.org/officeDocument/2006/relationships" xmlns:p="http://schemas.openxmlformats.org/presentationml/2006/main">
-  <p:cSld>
-    <p:spTree>
-      <p:nvGrpSpPr>
-        <p:cNvPr id="1" name=""/>
-        <p:cNvGrpSpPr/>
-        <p:nvPr/>
-      </p:nvGrpSpPr>
-      <p:grpSpPr/>
-      <p:sp>
-        <p:nvSpPr>
-          <p:cNvPr id="2" name="标题 1"/>
-          <p:cNvSpPr>
-            <a:spLocks noGrp="1"/>
-          </p:cNvSpPr>
-          <p:nvPr>
-            <p:ph type="title"/>
-          </p:nvPr>
-        </p:nvSpPr>
-        <p:spPr/>
-        <p:txBody>
-          <a:bodyPr/>
-          <a:p>
-            <a:r>
-              <a:rPr lang="zh-CN" altLang="en-US"/>
-              <a:t>数据分析应用的</a:t>
-            </a:r>
-            <a:r>
-              <a:rPr lang="zh-CN" altLang="en-US"/>
-              <a:t>数据特征</a:t>
-            </a:r>
-            <a:endParaRPr lang="zh-CN" altLang="en-US"/>
-          </a:p>
-        </p:txBody>
-      </p:sp>
-      <p:sp>
-        <p:nvSpPr>
-          <p:cNvPr id="3" name="内容占位符 2"/>
-          <p:cNvSpPr>
-            <a:spLocks noGrp="1"/>
-          </p:cNvSpPr>
-          <p:nvPr>
-            <p:ph idx="1"/>
-          </p:nvPr>
-        </p:nvSpPr>
-        <p:spPr>
-          <a:xfrm>
-            <a:off x="838200" y="1383030"/>
-            <a:ext cx="10824845" cy="5300345"/>
-          </a:xfrm>
-        </p:spPr>
-        <p:txBody>
-          <a:bodyPr>
-            <a:normAutofit/>
-          </a:bodyPr>
-          <a:p>
-            <a:pPr lvl="0"/>
-            <a:r>
-              <a:rPr lang="en-US" altLang="zh-CN">
-                <a:solidFill>
-                  <a:schemeClr val="tx1"/>
-                </a:solidFill>
-                <a:uFillTx/>
-                <a:latin typeface="等线" panose="02010600030101010101" charset="-122"/>
-              </a:rPr>
-              <a:t> </a:t>
-            </a:r>
-            <a:r>
-              <a:rPr lang="en-US" altLang="zh-CN" b="1">
-                <a:solidFill>
-                  <a:schemeClr val="tx1"/>
-                </a:solidFill>
-                <a:uFillTx/>
-                <a:latin typeface="微软雅黑" panose="020B0503020204020204" charset="-122"/>
-                <a:ea typeface="微软雅黑" panose="020B0503020204020204" charset="-122"/>
-              </a:rPr>
-              <a:t>Data access frequency</a:t>
-            </a:r>
-            <a:endParaRPr lang="en-US" altLang="zh-CN">
-              <a:solidFill>
-                <a:schemeClr val="tx1"/>
-              </a:solidFill>
-              <a:uFillTx/>
-              <a:latin typeface="等线" panose="02010600030101010101" charset="-122"/>
-            </a:endParaRPr>
-          </a:p>
-          <a:p>
-            <a:pPr lvl="1"/>
-            <a:r>
-              <a:rPr lang="en-US" altLang="zh-CN">
-                <a:solidFill>
-                  <a:schemeClr val="tx1"/>
-                </a:solidFill>
-                <a:uFillTx/>
-                <a:latin typeface="等线" panose="02010600030101010101" charset="-122"/>
-              </a:rPr>
-              <a:t> </a:t>
-            </a:r>
-            <a:endParaRPr lang="en-US" altLang="zh-CN">
-              <a:solidFill>
-                <a:schemeClr val="tx1"/>
-              </a:solidFill>
-              <a:uFillTx/>
-              <a:latin typeface="等线" panose="02010600030101010101" charset="-122"/>
-            </a:endParaRPr>
-          </a:p>
-        </p:txBody>
-      </p:sp>
-      <p:pic>
-        <p:nvPicPr>
-          <p:cNvPr id="5" name="图片 4"/>
-          <p:cNvPicPr>
-            <a:picLocks noChangeAspect="1"/>
-          </p:cNvPicPr>
-          <p:nvPr/>
-        </p:nvPicPr>
-        <p:blipFill>
-          <a:blip r:embed="rId1"/>
-          <a:stretch>
-            <a:fillRect/>
-          </a:stretch>
-        </p:blipFill>
-        <p:spPr>
-          <a:xfrm>
-            <a:off x="3710940" y="3195320"/>
-            <a:ext cx="5079365" cy="3266440"/>
-          </a:xfrm>
-          <a:prstGeom prst="rect">
-            <a:avLst/>
-          </a:prstGeom>
-        </p:spPr>
-      </p:pic>
-      <p:sp>
-        <p:nvSpPr>
-          <p:cNvPr id="6" name="文本框 5"/>
-          <p:cNvSpPr txBox="1"/>
-          <p:nvPr/>
-        </p:nvSpPr>
-        <p:spPr>
-          <a:xfrm>
-            <a:off x="838200" y="2564765"/>
-            <a:ext cx="2185670" cy="368300"/>
-          </a:xfrm>
-          <a:prstGeom prst="rect">
-            <a:avLst/>
-          </a:prstGeom>
-          <a:noFill/>
-        </p:spPr>
-        <p:txBody>
-          <a:bodyPr wrap="square" rtlCol="0">
-            <a:spAutoFit/>
-          </a:bodyPr>
-          <a:p>
-            <a:r>
-              <a:rPr lang="zh-CN" altLang="en-US" b="1">
-                <a:latin typeface="微软雅黑" panose="020B0503020204020204" charset="-122"/>
-                <a:ea typeface="微软雅黑" panose="020B0503020204020204" charset="-122"/>
-              </a:rPr>
-              <a:t>Application Type</a:t>
-            </a:r>
-            <a:endParaRPr lang="zh-CN" altLang="en-US" b="1">
-              <a:latin typeface="微软雅黑" panose="020B0503020204020204" charset="-122"/>
-              <a:ea typeface="微软雅黑" panose="020B0503020204020204" charset="-122"/>
-            </a:endParaRPr>
-          </a:p>
-        </p:txBody>
-      </p:sp>
-      <p:sp>
-        <p:nvSpPr>
-          <p:cNvPr id="7" name="文本框 6"/>
-          <p:cNvSpPr txBox="1"/>
-          <p:nvPr/>
-        </p:nvSpPr>
-        <p:spPr>
-          <a:xfrm>
-            <a:off x="1240155" y="3348355"/>
-            <a:ext cx="1381760" cy="645160"/>
-          </a:xfrm>
-          <a:prstGeom prst="rect">
-            <a:avLst/>
-          </a:prstGeom>
-          <a:noFill/>
-        </p:spPr>
-        <p:txBody>
-          <a:bodyPr wrap="square" rtlCol="0">
-            <a:spAutoFit/>
-          </a:bodyPr>
-          <a:p>
-            <a:r>
-              <a:rPr lang="en-US" altLang="zh-CN">
-                <a:ea typeface="+mn-lt"/>
-              </a:rPr>
-              <a:t> </a:t>
-            </a:r>
-            <a:r>
-              <a:rPr lang="zh-CN" altLang="en-US">
-                <a:ea typeface="+mn-lt"/>
-              </a:rPr>
-              <a:t>Distributed</a:t>
-            </a:r>
-            <a:endParaRPr lang="zh-CN" altLang="en-US">
-              <a:ea typeface="+mn-lt"/>
-            </a:endParaRPr>
-          </a:p>
-          <a:p>
-            <a:r>
-              <a:rPr lang="zh-CN" altLang="en-US">
-                <a:ea typeface="+mn-lt"/>
-              </a:rPr>
-              <a:t>Compilation</a:t>
-            </a:r>
-            <a:endParaRPr lang="zh-CN" altLang="en-US">
-              <a:ea typeface="+mn-lt"/>
-            </a:endParaRPr>
-          </a:p>
-        </p:txBody>
-      </p:sp>
-      <p:sp>
-        <p:nvSpPr>
-          <p:cNvPr id="8" name="文本框 7"/>
-          <p:cNvSpPr txBox="1"/>
-          <p:nvPr/>
-        </p:nvSpPr>
-        <p:spPr>
-          <a:xfrm>
-            <a:off x="1250315" y="4408805"/>
-            <a:ext cx="1371600" cy="368300"/>
-          </a:xfrm>
-          <a:prstGeom prst="rect">
-            <a:avLst/>
-          </a:prstGeom>
-          <a:noFill/>
-        </p:spPr>
-        <p:txBody>
-          <a:bodyPr wrap="square" rtlCol="0">
-            <a:spAutoFit/>
-          </a:bodyPr>
-          <a:p>
-            <a:r>
-              <a:rPr lang="zh-CN" altLang="en-US">
-                <a:ea typeface="+mn-lt"/>
-              </a:rPr>
-              <a:t>MapReduce</a:t>
-            </a:r>
-            <a:endParaRPr lang="zh-CN" altLang="en-US">
-              <a:ea typeface="+mn-lt"/>
-            </a:endParaRPr>
-          </a:p>
-        </p:txBody>
-      </p:sp>
-      <p:sp>
-        <p:nvSpPr>
-          <p:cNvPr id="9" name="文本框 8"/>
-          <p:cNvSpPr txBox="1"/>
-          <p:nvPr/>
-        </p:nvSpPr>
-        <p:spPr>
-          <a:xfrm>
-            <a:off x="1088390" y="5405755"/>
-            <a:ext cx="1695450" cy="368300"/>
-          </a:xfrm>
-          <a:prstGeom prst="rect">
-            <a:avLst/>
-          </a:prstGeom>
-          <a:noFill/>
-        </p:spPr>
-        <p:txBody>
-          <a:bodyPr wrap="square" rtlCol="0">
-            <a:spAutoFit/>
-          </a:bodyPr>
-          <a:p>
-            <a:r>
-              <a:rPr lang="zh-CN" altLang="en-US">
-                <a:ea typeface="+mn-lt"/>
-              </a:rPr>
-              <a:t>Video Analytics</a:t>
-            </a:r>
-            <a:endParaRPr lang="zh-CN" altLang="en-US">
-              <a:ea typeface="+mn-lt"/>
-            </a:endParaRPr>
-          </a:p>
-        </p:txBody>
-      </p:sp>
-      <p:sp>
-        <p:nvSpPr>
-          <p:cNvPr id="10" name="文本框 9"/>
-          <p:cNvSpPr txBox="1"/>
-          <p:nvPr/>
-        </p:nvSpPr>
-        <p:spPr>
-          <a:xfrm>
-            <a:off x="4702175" y="2426335"/>
-            <a:ext cx="3509645" cy="645160"/>
-          </a:xfrm>
-          <a:prstGeom prst="rect">
-            <a:avLst/>
-          </a:prstGeom>
-          <a:noFill/>
-        </p:spPr>
-        <p:txBody>
-          <a:bodyPr wrap="square" rtlCol="0">
-            <a:spAutoFit/>
-          </a:bodyPr>
-          <a:p>
-            <a:r>
-              <a:rPr lang="zh-CN" altLang="en-US" b="1">
-                <a:latin typeface="微软雅黑" panose="020B0503020204020204" charset="-122"/>
-                <a:ea typeface="微软雅黑" panose="020B0503020204020204" charset="-122"/>
-              </a:rPr>
-              <a:t>Ephemeral I/O Throughput:</a:t>
-            </a:r>
-            <a:endParaRPr lang="zh-CN" altLang="en-US" b="1">
-              <a:latin typeface="微软雅黑" panose="020B0503020204020204" charset="-122"/>
-              <a:ea typeface="微软雅黑" panose="020B0503020204020204" charset="-122"/>
-            </a:endParaRPr>
-          </a:p>
-          <a:p>
-            <a:r>
-              <a:rPr lang="zh-CN" altLang="en-US" b="1">
-                <a:latin typeface="微软雅黑" panose="020B0503020204020204" charset="-122"/>
-                <a:ea typeface="微软雅黑" panose="020B0503020204020204" charset="-122"/>
-              </a:rPr>
-              <a:t>Write (dotted), Read (solid)</a:t>
-            </a:r>
-            <a:r>
-              <a:rPr lang="en-US" altLang="zh-CN" b="1" baseline="30000">
-                <a:latin typeface="微软雅黑" panose="020B0503020204020204" charset="-122"/>
-                <a:ea typeface="微软雅黑" panose="020B0503020204020204" charset="-122"/>
-              </a:rPr>
-              <a:t>[1]</a:t>
-            </a:r>
-            <a:endParaRPr lang="en-US" altLang="zh-CN" b="1" baseline="30000">
-              <a:latin typeface="微软雅黑" panose="020B0503020204020204" charset="-122"/>
-              <a:ea typeface="微软雅黑" panose="020B0503020204020204" charset="-122"/>
-            </a:endParaRPr>
-          </a:p>
-        </p:txBody>
-      </p:sp>
-      <p:sp>
-        <p:nvSpPr>
-          <p:cNvPr id="11" name="文本框 10"/>
-          <p:cNvSpPr txBox="1"/>
-          <p:nvPr/>
-        </p:nvSpPr>
-        <p:spPr>
-          <a:xfrm>
-            <a:off x="9646285" y="2564765"/>
-            <a:ext cx="2185670" cy="368300"/>
-          </a:xfrm>
-          <a:prstGeom prst="rect">
-            <a:avLst/>
-          </a:prstGeom>
-          <a:noFill/>
-        </p:spPr>
-        <p:txBody>
-          <a:bodyPr wrap="square" rtlCol="0">
-            <a:spAutoFit/>
-          </a:bodyPr>
-          <a:p>
-            <a:r>
-              <a:rPr lang="zh-CN" altLang="en-US" b="1">
-                <a:latin typeface="微软雅黑" panose="020B0503020204020204" charset="-122"/>
-                <a:ea typeface="微软雅黑" panose="020B0503020204020204" charset="-122"/>
-              </a:rPr>
-              <a:t>Application Type</a:t>
-            </a:r>
-            <a:endParaRPr lang="zh-CN" altLang="en-US" b="1">
-              <a:latin typeface="微软雅黑" panose="020B0503020204020204" charset="-122"/>
-              <a:ea typeface="微软雅黑" panose="020B0503020204020204" charset="-122"/>
-            </a:endParaRPr>
-          </a:p>
-        </p:txBody>
-      </p:sp>
-      <p:sp>
-        <p:nvSpPr>
-          <p:cNvPr id="14" name="文本框 13"/>
-          <p:cNvSpPr txBox="1"/>
-          <p:nvPr/>
-        </p:nvSpPr>
-        <p:spPr>
-          <a:xfrm>
-            <a:off x="10293350" y="3348355"/>
-            <a:ext cx="901700" cy="368300"/>
-          </a:xfrm>
-          <a:prstGeom prst="rect">
-            <a:avLst/>
-          </a:prstGeom>
-          <a:noFill/>
-        </p:spPr>
-        <p:txBody>
-          <a:bodyPr wrap="square" rtlCol="0">
-            <a:spAutoFit/>
-          </a:bodyPr>
-          <a:p>
-            <a:r>
-              <a:rPr lang="en-US" altLang="zh-CN">
-                <a:ea typeface="+mn-lt"/>
-              </a:rPr>
-              <a:t>0.95GB</a:t>
-            </a:r>
-            <a:endParaRPr lang="en-US" altLang="zh-CN">
-              <a:ea typeface="+mn-lt"/>
-            </a:endParaRPr>
-          </a:p>
-        </p:txBody>
-      </p:sp>
-      <p:sp>
-        <p:nvSpPr>
-          <p:cNvPr id="15" name="文本框 14"/>
-          <p:cNvSpPr txBox="1"/>
-          <p:nvPr/>
-        </p:nvSpPr>
-        <p:spPr>
-          <a:xfrm>
-            <a:off x="10323195" y="4408805"/>
-            <a:ext cx="831850" cy="368300"/>
-          </a:xfrm>
-          <a:prstGeom prst="rect">
-            <a:avLst/>
-          </a:prstGeom>
-          <a:noFill/>
-        </p:spPr>
-        <p:txBody>
-          <a:bodyPr wrap="square" rtlCol="0">
-            <a:spAutoFit/>
-          </a:bodyPr>
-          <a:p>
-            <a:r>
-              <a:rPr lang="en-US" altLang="zh-CN">
-                <a:ea typeface="+mn-lt"/>
-              </a:rPr>
-              <a:t>100GB</a:t>
-            </a:r>
-            <a:endParaRPr lang="zh-CN" altLang="en-US">
-              <a:ea typeface="+mn-lt"/>
-            </a:endParaRPr>
-          </a:p>
-        </p:txBody>
-      </p:sp>
-      <p:sp>
-        <p:nvSpPr>
-          <p:cNvPr id="16" name="文本框 15"/>
-          <p:cNvSpPr txBox="1"/>
-          <p:nvPr/>
-        </p:nvSpPr>
-        <p:spPr>
-          <a:xfrm>
-            <a:off x="10438765" y="5405755"/>
-            <a:ext cx="600075" cy="368300"/>
-          </a:xfrm>
-          <a:prstGeom prst="rect">
-            <a:avLst/>
-          </a:prstGeom>
-          <a:noFill/>
-        </p:spPr>
-        <p:txBody>
-          <a:bodyPr wrap="square" rtlCol="0">
-            <a:spAutoFit/>
-          </a:bodyPr>
-          <a:p>
-            <a:r>
-              <a:rPr lang="en-US" altLang="zh-CN">
-                <a:ea typeface="+mn-lt"/>
-              </a:rPr>
-              <a:t>6GB</a:t>
-            </a:r>
-            <a:endParaRPr lang="en-US" altLang="zh-CN">
-              <a:ea typeface="+mn-lt"/>
-            </a:endParaRPr>
-          </a:p>
-        </p:txBody>
-      </p:sp>
-      <p:sp>
-        <p:nvSpPr>
-          <p:cNvPr id="19" name="文本框 18"/>
-          <p:cNvSpPr txBox="1"/>
-          <p:nvPr/>
-        </p:nvSpPr>
-        <p:spPr>
-          <a:xfrm>
-            <a:off x="0" y="6520815"/>
-            <a:ext cx="11722735" cy="337185"/>
-          </a:xfrm>
-          <a:prstGeom prst="rect">
-            <a:avLst/>
-          </a:prstGeom>
-          <a:noFill/>
-        </p:spPr>
-        <p:txBody>
-          <a:bodyPr wrap="square" rtlCol="0">
-            <a:spAutoFit/>
-          </a:bodyPr>
-          <a:p>
-            <a:r>
-              <a:rPr lang="en-US" altLang="zh-CN" sz="1600">
-                <a:solidFill>
-                  <a:schemeClr val="bg2">
-                    <a:lumMod val="50000"/>
-                  </a:schemeClr>
-                </a:solidFill>
-                <a:sym typeface="+mn-ea"/>
-              </a:rPr>
-              <a:t>[1] Understanding Ephemeral Storage for Serverless Analytics  ATC’18</a:t>
-            </a:r>
-            <a:endParaRPr lang="en-US" altLang="zh-CN" sz="1600">
-              <a:solidFill>
-                <a:schemeClr val="bg2">
-                  <a:lumMod val="50000"/>
-                </a:schemeClr>
-              </a:solidFill>
-              <a:sym typeface="+mn-ea"/>
-            </a:endParaRPr>
-          </a:p>
-        </p:txBody>
-      </p:sp>
-    </p:spTree>
-  </p:cSld>
-  <p:clrMapOvr>
-    <a:masterClrMapping/>
-  </p:clrMapOvr>
-</p:sld>
-</file>
-
-<file path=ppt/slides/slide9.xml><?xml version="1.0" encoding="utf-8"?>
-<p:sld xmlns:a="http://schemas.openxmlformats.org/drawingml/2006/main" xmlns:r="http://schemas.openxmlformats.org/officeDocument/2006/relationships" xmlns:p="http://schemas.openxmlformats.org/presentationml/2006/main">
-  <p:cSld>
-    <p:spTree>
-      <p:nvGrpSpPr>
-        <p:cNvPr id="1" name=""/>
-        <p:cNvGrpSpPr/>
-        <p:nvPr/>
-      </p:nvGrpSpPr>
-      <p:grpSpPr/>
-      <p:sp>
-        <p:nvSpPr>
-          <p:cNvPr id="2" name="标题 1"/>
-          <p:cNvSpPr>
-            <a:spLocks noGrp="1"/>
-          </p:cNvSpPr>
-          <p:nvPr>
-            <p:ph type="title"/>
-          </p:nvPr>
-        </p:nvSpPr>
-        <p:spPr/>
-        <p:txBody>
-          <a:bodyPr/>
-          <a:p>
-            <a:r>
-              <a:rPr lang="zh-CN" altLang="en-US"/>
-              <a:t>数据分析应用的</a:t>
-            </a:r>
-            <a:r>
-              <a:rPr lang="zh-CN" altLang="en-US"/>
-              <a:t>数据特征</a:t>
-            </a:r>
-            <a:endParaRPr lang="zh-CN" altLang="en-US"/>
-          </a:p>
-        </p:txBody>
-      </p:sp>
-      <p:sp>
-        <p:nvSpPr>
-          <p:cNvPr id="3" name="内容占位符 2"/>
-          <p:cNvSpPr>
-            <a:spLocks noGrp="1"/>
-          </p:cNvSpPr>
-          <p:nvPr>
-            <p:ph idx="1"/>
-          </p:nvPr>
-        </p:nvSpPr>
-        <p:spPr>
-          <a:xfrm>
-            <a:off x="838200" y="1383030"/>
-            <a:ext cx="10824845" cy="5300345"/>
-          </a:xfrm>
-        </p:spPr>
-        <p:txBody>
-          <a:bodyPr>
-            <a:normAutofit/>
-          </a:bodyPr>
-          <a:p>
-            <a:pPr lvl="0"/>
-            <a:r>
-              <a:rPr lang="en-US" altLang="zh-CN">
-                <a:solidFill>
-                  <a:schemeClr val="tx1"/>
-                </a:solidFill>
-                <a:uFillTx/>
-                <a:latin typeface="等线" panose="02010600030101010101" charset="-122"/>
-              </a:rPr>
-              <a:t> </a:t>
-            </a:r>
-            <a:r>
-              <a:rPr lang="en-US" altLang="zh-CN" b="1">
-                <a:solidFill>
-                  <a:schemeClr val="tx1"/>
-                </a:solidFill>
-                <a:uFillTx/>
-                <a:latin typeface="微软雅黑" panose="020B0503020204020204" charset="-122"/>
-                <a:ea typeface="微软雅黑" panose="020B0503020204020204" charset="-122"/>
-              </a:rPr>
-              <a:t>S3/Redis throughput</a:t>
-            </a:r>
-            <a:endParaRPr lang="en-US" altLang="zh-CN" b="1">
-              <a:solidFill>
-                <a:schemeClr val="tx1"/>
-              </a:solidFill>
-              <a:uFillTx/>
-              <a:latin typeface="微软雅黑" panose="020B0503020204020204" charset="-122"/>
-              <a:ea typeface="微软雅黑" panose="020B0503020204020204" charset="-122"/>
-            </a:endParaRPr>
-          </a:p>
-          <a:p>
-            <a:pPr lvl="1"/>
-            <a:r>
-              <a:rPr lang="en-US" altLang="zh-CN">
-                <a:solidFill>
-                  <a:schemeClr val="tx1"/>
-                </a:solidFill>
-                <a:uFillTx/>
-                <a:latin typeface="等线" panose="02010600030101010101" charset="-122"/>
-              </a:rPr>
-              <a:t> </a:t>
-            </a:r>
-            <a:endParaRPr lang="en-US" altLang="zh-CN">
-              <a:solidFill>
-                <a:schemeClr val="tx1"/>
-              </a:solidFill>
-              <a:uFillTx/>
-              <a:latin typeface="等线" panose="02010600030101010101" charset="-122"/>
-            </a:endParaRPr>
-          </a:p>
-          <a:p>
-            <a:pPr marL="914400" lvl="2" indent="0">
-              <a:buNone/>
-            </a:pPr>
-            <a:endParaRPr lang="en-US" altLang="zh-CN">
-              <a:solidFill>
-                <a:schemeClr val="tx1"/>
-              </a:solidFill>
-              <a:uFillTx/>
-              <a:latin typeface="等线" panose="02010600030101010101" charset="-122"/>
-            </a:endParaRPr>
-          </a:p>
-        </p:txBody>
-      </p:sp>
-      <p:pic>
-        <p:nvPicPr>
-          <p:cNvPr id="7" name="图片 6"/>
-          <p:cNvPicPr>
-            <a:picLocks noChangeAspect="1"/>
-          </p:cNvPicPr>
-          <p:nvPr/>
-        </p:nvPicPr>
-        <p:blipFill>
-          <a:blip r:embed="rId1"/>
-          <a:stretch>
-            <a:fillRect/>
-          </a:stretch>
-        </p:blipFill>
-        <p:spPr>
-          <a:xfrm>
-            <a:off x="3296285" y="2922270"/>
-            <a:ext cx="5908040" cy="3230245"/>
-          </a:xfrm>
-          <a:prstGeom prst="rect">
-            <a:avLst/>
-          </a:prstGeom>
-        </p:spPr>
-      </p:pic>
-      <p:sp>
-        <p:nvSpPr>
-          <p:cNvPr id="8" name="文本框 7"/>
-          <p:cNvSpPr txBox="1"/>
-          <p:nvPr/>
-        </p:nvSpPr>
-        <p:spPr>
-          <a:xfrm>
-            <a:off x="4302125" y="6152515"/>
-            <a:ext cx="4688840" cy="368300"/>
-          </a:xfrm>
-          <a:prstGeom prst="rect">
-            <a:avLst/>
-          </a:prstGeom>
-          <a:noFill/>
-        </p:spPr>
-        <p:txBody>
-          <a:bodyPr wrap="square" rtlCol="0">
-            <a:spAutoFit/>
-          </a:bodyPr>
-          <a:p>
-            <a:r>
-              <a:rPr lang="zh-CN" altLang="en-US" b="1">
-                <a:latin typeface="微软雅黑" panose="020B0503020204020204" charset="-122"/>
-                <a:ea typeface="微软雅黑" panose="020B0503020204020204" charset="-122"/>
-              </a:rPr>
-              <a:t>Peak storage throughput per lambda</a:t>
-            </a:r>
-            <a:r>
-              <a:rPr lang="en-US" altLang="zh-CN" b="1" baseline="30000">
-                <a:latin typeface="微软雅黑" panose="020B0503020204020204" charset="-122"/>
-                <a:ea typeface="微软雅黑" panose="020B0503020204020204" charset="-122"/>
-              </a:rPr>
-              <a:t>[1]</a:t>
-            </a:r>
-            <a:endParaRPr lang="en-US" altLang="zh-CN" b="1" baseline="30000">
-              <a:latin typeface="微软雅黑" panose="020B0503020204020204" charset="-122"/>
-              <a:ea typeface="微软雅黑" panose="020B0503020204020204" charset="-122"/>
-            </a:endParaRPr>
-          </a:p>
-        </p:txBody>
-      </p:sp>
-      <p:cxnSp>
-        <p:nvCxnSpPr>
-          <p:cNvPr id="5" name="直接连接符 4"/>
-          <p:cNvCxnSpPr/>
-          <p:nvPr/>
-        </p:nvCxnSpPr>
-        <p:spPr>
-          <a:xfrm flipH="1" flipV="1">
-            <a:off x="7404735" y="2922270"/>
-            <a:ext cx="6350" cy="2791460"/>
-          </a:xfrm>
-          <a:prstGeom prst="line">
-            <a:avLst/>
-          </a:prstGeom>
-          <a:ln w="38100" cmpd="sng">
-            <a:solidFill>
-              <a:srgbClr val="00B050"/>
-            </a:solidFill>
-            <a:prstDash val="sysDash"/>
-            <a:headEnd type="none" w="med" len="med"/>
-            <a:tailEnd type="none" w="med" len="med"/>
-          </a:ln>
-        </p:spPr>
-        <p:style>
-          <a:lnRef idx="1">
-            <a:schemeClr val="accent1"/>
-          </a:lnRef>
-          <a:fillRef idx="0">
-            <a:schemeClr val="accent1"/>
-          </a:fillRef>
-          <a:effectRef idx="0">
-            <a:schemeClr val="accent1"/>
-          </a:effectRef>
-          <a:fontRef idx="minor">
-            <a:schemeClr val="tx1"/>
-          </a:fontRef>
-        </p:style>
-      </p:cxnSp>
-      <p:sp>
-        <p:nvSpPr>
-          <p:cNvPr id="19" name="文本框 18"/>
-          <p:cNvSpPr txBox="1"/>
-          <p:nvPr/>
-        </p:nvSpPr>
-        <p:spPr>
-          <a:xfrm>
-            <a:off x="0" y="6520815"/>
-            <a:ext cx="11722735" cy="337185"/>
-          </a:xfrm>
-          <a:prstGeom prst="rect">
-            <a:avLst/>
-          </a:prstGeom>
-          <a:noFill/>
-        </p:spPr>
-        <p:txBody>
-          <a:bodyPr wrap="square" rtlCol="0">
-            <a:spAutoFit/>
-          </a:bodyPr>
-          <a:p>
-            <a:r>
-              <a:rPr lang="en-US" altLang="zh-CN" sz="1600">
-                <a:solidFill>
-                  <a:schemeClr val="bg2">
-                    <a:lumMod val="50000"/>
-                  </a:schemeClr>
-                </a:solidFill>
-                <a:sym typeface="+mn-ea"/>
-              </a:rPr>
-              <a:t>[1] Understanding Ephemeral Storage for Serverless Analytics  ATC’18</a:t>
-            </a:r>
-            <a:endParaRPr lang="en-US" altLang="zh-CN" sz="1600">
-              <a:solidFill>
-                <a:schemeClr val="bg2">
-                  <a:lumMod val="50000"/>
-                </a:schemeClr>
-              </a:solidFill>
-              <a:sym typeface="+mn-ea"/>
-            </a:endParaRPr>
-          </a:p>
-        </p:txBody>
-      </p:sp>
-    </p:spTree>
-  </p:cSld>
-  <p:clrMapOvr>
-    <a:masterClrMapping/>
-  </p:clrMapOvr>
-</p:sld>
-</file>
-
 <file path=ppt/tags/tag1.xml><?xml version="1.0" encoding="utf-8"?>
 <p:tagLst xmlns:p="http://schemas.openxmlformats.org/presentationml/2006/main">
   <p:tag name="KSO_WM_UNIT_TABLE_BEAUTIFY" val="smartTable{684462c9-b9e8-466e-b42e-9dfab25d1906}"/>
@@ -8731,6 +15958,12 @@
 </file>
 
 <file path=ppt/tags/tag2.xml><?xml version="1.0" encoding="utf-8"?>
+<p:tagLst xmlns:p="http://schemas.openxmlformats.org/presentationml/2006/main">
+  <p:tag name="KSO_WM_UNIT_PLACING_PICTURE_USER_VIEWPORT" val="{&quot;height&quot;:7572,&quot;width&quot;:17328}"/>
+</p:tagLst>
+</file>
+
+<file path=ppt/tags/tag3.xml><?xml version="1.0" encoding="utf-8"?>
 <p:tagLst xmlns:p="http://schemas.openxmlformats.org/presentationml/2006/main">
   <p:tag name="KSO_WM_UNIT_PLACING_PICTURE_USER_VIEWPORT" val="{&quot;height&quot;:9015,&quot;width&quot;:17760}"/>
 </p:tagLst>

--- a/meeting/数据分析应用的数据特征.pptx
+++ b/meeting/数据分析应用的数据特征.pptx
@@ -14,16 +14,17 @@
     <p:sldId id="536" r:id="rId7"/>
     <p:sldId id="537" r:id="rId8"/>
     <p:sldId id="516" r:id="rId9"/>
-    <p:sldId id="518" r:id="rId10"/>
-    <p:sldId id="521" r:id="rId11"/>
-    <p:sldId id="522" r:id="rId12"/>
-    <p:sldId id="530" r:id="rId13"/>
+    <p:sldId id="555" r:id="rId10"/>
+    <p:sldId id="518" r:id="rId11"/>
+    <p:sldId id="521" r:id="rId12"/>
+    <p:sldId id="522" r:id="rId13"/>
     <p:sldId id="546" r:id="rId14"/>
     <p:sldId id="549" r:id="rId15"/>
     <p:sldId id="547" r:id="rId16"/>
     <p:sldId id="548" r:id="rId17"/>
-    <p:sldId id="553" r:id="rId18"/>
-    <p:sldId id="464" r:id="rId19"/>
+    <p:sldId id="530" r:id="rId18"/>
+    <p:sldId id="553" r:id="rId19"/>
+    <p:sldId id="464" r:id="rId20"/>
   </p:sldIdLst>
   <p:sldSz cx="12192000" cy="6858000"/>
   <p:notesSz cx="6858000" cy="9144000"/>
@@ -578,34 +579,6 @@
         <p:txBody>
           <a:bodyPr/>
           <a:p>
-            <a:r>
-              <a:rPr>
-                <a:sym typeface="+mn-ea"/>
-              </a:rPr>
-              <a:t>* 接下来是请求吞吐率</a:t>
-            </a:r>
-            <a:endParaRPr>
-              <a:sym typeface="+mn-ea"/>
-            </a:endParaRPr>
-          </a:p>
-          <a:p>
-            <a:r>
-              <a:rPr>
-                <a:sym typeface="+mn-ea"/>
-              </a:rPr>
-              <a:t>  * 下面这张表格展示了随数据对象大小变化时，S3和redis的请求吞吐量限制</a:t>
-            </a:r>
-            <a:endParaRPr>
-              <a:sym typeface="+mn-ea"/>
-            </a:endParaRPr>
-          </a:p>
-          <a:p>
-            <a:r>
-              <a:rPr>
-                <a:sym typeface="+mn-ea"/>
-              </a:rPr>
-              <a:t>  * 可以看出S3的请求速率是受限的，尤其是对于小文件的读写无法提供较高的吞吐率，可以看到对于10KB大小的文件S3的吞吐量比Redis低了两个数量级</a:t>
-            </a:r>
             <a:endParaRPr>
               <a:sym typeface="+mn-ea"/>
             </a:endParaRPr>
@@ -1022,6 +995,80 @@
         <p:txBody>
           <a:bodyPr/>
           <a:p>
+            <a:r>
+              <a:rPr>
+                <a:sym typeface="+mn-ea"/>
+              </a:rPr>
+              <a:t>* 接下来是请求吞吐率</a:t>
+            </a:r>
+            <a:endParaRPr>
+              <a:sym typeface="+mn-ea"/>
+            </a:endParaRPr>
+          </a:p>
+          <a:p>
+            <a:r>
+              <a:rPr>
+                <a:sym typeface="+mn-ea"/>
+              </a:rPr>
+              <a:t>  * 下面这张表格展示了随数据对象大小变化时，S3和redis的请求吞吐量限制</a:t>
+            </a:r>
+            <a:endParaRPr>
+              <a:sym typeface="+mn-ea"/>
+            </a:endParaRPr>
+          </a:p>
+          <a:p>
+            <a:r>
+              <a:rPr>
+                <a:sym typeface="+mn-ea"/>
+              </a:rPr>
+              <a:t>  * 可以看出S3的请求速率是受限的，尤其是对于小文件的读写无法提供较高的吞吐率，可以看到对于10KB大小的文件S3的吞吐量比Redis低了两个数量级</a:t>
+            </a:r>
+            <a:endParaRPr>
+              <a:sym typeface="+mn-ea"/>
+            </a:endParaRPr>
+          </a:p>
+        </p:txBody>
+      </p:sp>
+    </p:spTree>
+  </p:cSld>
+  <p:clrMapOvr>
+    <a:masterClrMapping/>
+  </p:clrMapOvr>
+</p:notes>
+</file>
+
+<file path=ppt/notesSlides/notesSlide17.xml><?xml version="1.0" encoding="utf-8"?>
+<p:notes xmlns:a="http://schemas.openxmlformats.org/drawingml/2006/main" xmlns:r="http://schemas.openxmlformats.org/officeDocument/2006/relationships" xmlns:p="http://schemas.openxmlformats.org/presentationml/2006/main">
+  <p:cSld>
+    <p:spTree>
+      <p:nvGrpSpPr>
+        <p:cNvPr id="1" name=""/>
+        <p:cNvGrpSpPr/>
+        <p:nvPr/>
+      </p:nvGrpSpPr>
+      <p:grpSpPr/>
+      <p:sp>
+        <p:nvSpPr>
+          <p:cNvPr id="2" name="幻灯片图像占位符 1"/>
+          <p:cNvSpPr/>
+          <p:nvPr>
+            <p:ph type="sldImg" idx="2"/>
+          </p:nvPr>
+        </p:nvSpPr>
+        <p:spPr/>
+      </p:sp>
+      <p:sp>
+        <p:nvSpPr>
+          <p:cNvPr id="3" name="文本占位符 2"/>
+          <p:cNvSpPr/>
+          <p:nvPr>
+            <p:ph type="body" idx="3"/>
+          </p:nvPr>
+        </p:nvSpPr>
+        <p:spPr/>
+        <p:txBody>
+          <a:bodyPr/>
+          <a:p>
             <a:endParaRPr lang="zh-CN" altLang="en-US"/>
           </a:p>
         </p:txBody>
@@ -1728,70 +1775,6 @@
         <p:txBody>
           <a:bodyPr/>
           <a:p>
-            <a:r>
-              <a:rPr>
-                <a:sym typeface="+mn-ea"/>
-              </a:rPr>
-              <a:t> </a:t>
-            </a:r>
-            <a:r>
-              <a:rPr lang="en-US">
-                <a:sym typeface="+mn-ea"/>
-              </a:rPr>
-              <a:t>* </a:t>
-            </a:r>
-            <a:r>
-              <a:rPr>
-                <a:sym typeface="+mn-ea"/>
-              </a:rPr>
-              <a:t>S3 is not designed to sustain high request rate for small objects</a:t>
-            </a:r>
-            <a:endParaRPr>
-              <a:sym typeface="+mn-ea"/>
-            </a:endParaRPr>
-          </a:p>
-          <a:p>
-            <a:r>
-              <a:rPr>
-                <a:sym typeface="+mn-ea"/>
-              </a:rPr>
-              <a:t> </a:t>
-            </a:r>
-            <a:r>
-              <a:rPr lang="en-US">
-                <a:sym typeface="+mn-ea"/>
-              </a:rPr>
-              <a:t>* </a:t>
-            </a:r>
-            <a:r>
-              <a:rPr>
-                <a:sym typeface="+mn-ea"/>
-              </a:rPr>
-              <a:t>S3 is a multi-tenant service, there is an imposed limit on request throughput per S3 bucket for the benefit of overall availabilityB大小的文件S3的吞吐量比</a:t>
-            </a:r>
-            <a:r>
-              <a:rPr lang="en-US">
-                <a:sym typeface="+mn-ea"/>
-              </a:rPr>
-              <a:t>        </a:t>
-            </a:r>
-            <a:endParaRPr lang="en-US">
-              <a:sym typeface="+mn-ea"/>
-            </a:endParaRPr>
-          </a:p>
-          <a:p>
-            <a:r>
-              <a:rPr lang="en-US">
-                <a:sym typeface="+mn-ea"/>
-              </a:rPr>
-              <a:t>   </a:t>
-            </a:r>
-            <a:r>
-              <a:rPr>
-                <a:sym typeface="+mn-ea"/>
-              </a:rPr>
-              <a:t>Redis低了两个数量级</a:t>
-            </a:r>
             <a:endParaRPr>
               <a:sym typeface="+mn-ea"/>
             </a:endParaRPr>
@@ -1838,6 +1821,70 @@
         <p:txBody>
           <a:bodyPr/>
           <a:p>
+            <a:r>
+              <a:rPr>
+                <a:sym typeface="+mn-ea"/>
+              </a:rPr>
+              <a:t> </a:t>
+            </a:r>
+            <a:r>
+              <a:rPr lang="en-US">
+                <a:sym typeface="+mn-ea"/>
+              </a:rPr>
+              <a:t>* </a:t>
+            </a:r>
+            <a:r>
+              <a:rPr>
+                <a:sym typeface="+mn-ea"/>
+              </a:rPr>
+              <a:t>S3 is not designed to sustain high request rate for small objects</a:t>
+            </a:r>
+            <a:endParaRPr>
+              <a:sym typeface="+mn-ea"/>
+            </a:endParaRPr>
+          </a:p>
+          <a:p>
+            <a:r>
+              <a:rPr>
+                <a:sym typeface="+mn-ea"/>
+              </a:rPr>
+              <a:t> </a:t>
+            </a:r>
+            <a:r>
+              <a:rPr lang="en-US">
+                <a:sym typeface="+mn-ea"/>
+              </a:rPr>
+              <a:t>* </a:t>
+            </a:r>
+            <a:r>
+              <a:rPr>
+                <a:sym typeface="+mn-ea"/>
+              </a:rPr>
+              <a:t>S3 is a multi-tenant service, there is an imposed limit on request throughput per S3 bucket for the benefit of overall availabilityB大小的文件S3的吞吐量比</a:t>
+            </a:r>
+            <a:r>
+              <a:rPr lang="en-US">
+                <a:sym typeface="+mn-ea"/>
+              </a:rPr>
+              <a:t>        </a:t>
+            </a:r>
+            <a:endParaRPr lang="en-US">
+              <a:sym typeface="+mn-ea"/>
+            </a:endParaRPr>
+          </a:p>
+          <a:p>
+            <a:r>
+              <a:rPr lang="en-US">
+                <a:sym typeface="+mn-ea"/>
+              </a:rPr>
+              <a:t>   </a:t>
+            </a:r>
+            <a:r>
+              <a:rPr>
+                <a:sym typeface="+mn-ea"/>
+              </a:rPr>
+              <a:t>Redis低了两个数量级</a:t>
+            </a:r>
             <a:endParaRPr>
               <a:sym typeface="+mn-ea"/>
             </a:endParaRPr>
@@ -5121,11 +5168,11 @@
           <a:p>
             <a:r>
               <a:rPr lang="zh-CN" altLang="en-US"/>
-              <a:t>定量</a:t>
+              <a:t>数据分析应用的</a:t>
             </a:r>
             <a:r>
               <a:rPr lang="zh-CN" altLang="en-US"/>
-              <a:t>实验</a:t>
+              <a:t>数据特征</a:t>
             </a:r>
             <a:endParaRPr lang="zh-CN" altLang="en-US"/>
           </a:p>
@@ -5161,8 +5208,30 @@
                 <a:uFillTx/>
                 <a:latin typeface="等线" panose="02010600030101010101" charset="-122"/>
               </a:rPr>
-              <a:t> Py</a:t>
-            </a:r>
+              <a:t> </a:t>
+            </a:r>
+            <a:r>
+              <a:rPr lang="en-US" altLang="zh-CN" b="1">
+                <a:solidFill>
+                  <a:schemeClr val="tx1"/>
+                </a:solidFill>
+                <a:uFillTx/>
+                <a:latin typeface="微软雅黑" panose="020B0503020204020204" charset="-122"/>
+                <a:ea typeface="微软雅黑" panose="020B0503020204020204" charset="-122"/>
+              </a:rPr>
+              <a:t>S3/Redis latency</a:t>
+            </a:r>
+            <a:endParaRPr lang="en-US" altLang="zh-CN" b="1">
+              <a:solidFill>
+                <a:schemeClr val="tx1"/>
+              </a:solidFill>
+              <a:uFillTx/>
+              <a:latin typeface="微软雅黑" panose="020B0503020204020204" charset="-122"/>
+              <a:ea typeface="微软雅黑" panose="020B0503020204020204" charset="-122"/>
+            </a:endParaRPr>
+          </a:p>
+          <a:p>
+            <a:pPr lvl="1"/>
             <a:r>
               <a:rPr lang="en-US" altLang="zh-CN">
                 <a:solidFill>
@@ -5171,37 +5240,7 @@
                 <a:uFillTx/>
                 <a:latin typeface="等线" panose="02010600030101010101" charset="-122"/>
               </a:rPr>
-              <a:t>wren</a:t>
-            </a:r>
-            <a:endParaRPr lang="en-US" altLang="zh-CN">
-              <a:solidFill>
-                <a:schemeClr val="tx1"/>
-              </a:solidFill>
-              <a:uFillTx/>
-              <a:latin typeface="等线" panose="02010600030101010101" charset="-122"/>
-            </a:endParaRPr>
-          </a:p>
-          <a:p>
-            <a:pPr lvl="0"/>
-            <a:r>
-              <a:rPr lang="en-US" altLang="zh-CN">
-                <a:solidFill>
-                  <a:schemeClr val="tx1"/>
-                </a:solidFill>
-                <a:uFillTx/>
-                <a:latin typeface="等线" panose="02010600030101010101" charset="-122"/>
-              </a:rPr>
-              <a:t> Mapreduce </a:t>
-            </a:r>
-            <a:r>
-              <a:rPr lang="en-US" altLang="zh-CN">
-                <a:solidFill>
-                  <a:schemeClr val="tx1"/>
-                </a:solidFill>
-                <a:uFillTx/>
-                <a:latin typeface="等线" panose="02010600030101010101" charset="-122"/>
-              </a:rPr>
-              <a:t>sort</a:t>
+              <a:t> </a:t>
             </a:r>
             <a:endParaRPr lang="en-US" altLang="zh-CN">
               <a:solidFill>
@@ -5221,6 +5260,211 @@
               </a:solidFill>
               <a:uFillTx/>
               <a:latin typeface="等线" panose="02010600030101010101" charset="-122"/>
+            </a:endParaRPr>
+          </a:p>
+        </p:txBody>
+      </p:sp>
+      <p:pic>
+        <p:nvPicPr>
+          <p:cNvPr id="7" name="图片 6"/>
+          <p:cNvPicPr>
+            <a:picLocks noChangeAspect="1"/>
+          </p:cNvPicPr>
+          <p:nvPr/>
+        </p:nvPicPr>
+        <p:blipFill>
+          <a:blip r:embed="rId1"/>
+          <a:stretch>
+            <a:fillRect/>
+          </a:stretch>
+        </p:blipFill>
+        <p:spPr>
+          <a:xfrm>
+            <a:off x="1511300" y="2559050"/>
+            <a:ext cx="9169400" cy="3227070"/>
+          </a:xfrm>
+          <a:prstGeom prst="rect">
+            <a:avLst/>
+          </a:prstGeom>
+        </p:spPr>
+      </p:pic>
+      <p:cxnSp>
+        <p:nvCxnSpPr>
+          <p:cNvPr id="5" name="直接连接符 4"/>
+          <p:cNvCxnSpPr/>
+          <p:nvPr/>
+        </p:nvCxnSpPr>
+        <p:spPr>
+          <a:xfrm flipV="1">
+            <a:off x="5069205" y="2676525"/>
+            <a:ext cx="0" cy="2712720"/>
+          </a:xfrm>
+          <a:prstGeom prst="line">
+            <a:avLst/>
+          </a:prstGeom>
+          <a:ln w="38100" cmpd="sng">
+            <a:solidFill>
+              <a:srgbClr val="00B050"/>
+            </a:solidFill>
+            <a:prstDash val="sysDash"/>
+            <a:headEnd type="none" w="med" len="med"/>
+            <a:tailEnd type="none" w="med" len="med"/>
+          </a:ln>
+        </p:spPr>
+        <p:style>
+          <a:lnRef idx="1">
+            <a:schemeClr val="accent1"/>
+          </a:lnRef>
+          <a:fillRef idx="0">
+            <a:schemeClr val="accent1"/>
+          </a:fillRef>
+          <a:effectRef idx="0">
+            <a:schemeClr val="accent1"/>
+          </a:effectRef>
+          <a:fontRef idx="minor">
+            <a:schemeClr val="tx1"/>
+          </a:fontRef>
+        </p:style>
+      </p:cxnSp>
+      <p:cxnSp>
+        <p:nvCxnSpPr>
+          <p:cNvPr id="6" name="直接连接符 5"/>
+          <p:cNvCxnSpPr/>
+          <p:nvPr/>
+        </p:nvCxnSpPr>
+        <p:spPr>
+          <a:xfrm flipV="1">
+            <a:off x="9743440" y="2677160"/>
+            <a:ext cx="0" cy="2712720"/>
+          </a:xfrm>
+          <a:prstGeom prst="line">
+            <a:avLst/>
+          </a:prstGeom>
+          <a:ln w="38100" cmpd="sng">
+            <a:solidFill>
+              <a:srgbClr val="00B050"/>
+            </a:solidFill>
+            <a:prstDash val="sysDash"/>
+            <a:headEnd type="none" w="med" len="med"/>
+            <a:tailEnd type="none" w="med" len="med"/>
+          </a:ln>
+        </p:spPr>
+        <p:style>
+          <a:lnRef idx="1">
+            <a:schemeClr val="accent1"/>
+          </a:lnRef>
+          <a:fillRef idx="0">
+            <a:schemeClr val="accent1"/>
+          </a:fillRef>
+          <a:effectRef idx="0">
+            <a:schemeClr val="accent1"/>
+          </a:effectRef>
+          <a:fontRef idx="minor">
+            <a:schemeClr val="tx1"/>
+          </a:fontRef>
+        </p:style>
+      </p:cxnSp>
+      <p:sp>
+        <p:nvSpPr>
+          <p:cNvPr id="8" name="文本框 7"/>
+          <p:cNvSpPr txBox="1"/>
+          <p:nvPr/>
+        </p:nvSpPr>
+        <p:spPr>
+          <a:xfrm>
+            <a:off x="3230245" y="5786120"/>
+            <a:ext cx="5971540" cy="645160"/>
+          </a:xfrm>
+          <a:prstGeom prst="rect">
+            <a:avLst/>
+          </a:prstGeom>
+          <a:noFill/>
+        </p:spPr>
+        <p:txBody>
+          <a:bodyPr wrap="square" rtlCol="0">
+            <a:spAutoFit/>
+          </a:bodyPr>
+          <a:p>
+            <a:r>
+              <a:rPr lang="zh-CN" altLang="en-US" b="1">
+                <a:latin typeface="微软雅黑" panose="020B0503020204020204" charset="-122"/>
+                <a:ea typeface="微软雅黑" panose="020B0503020204020204" charset="-122"/>
+              </a:rPr>
+              <a:t> Latency of write (left) and read (right) operations </a:t>
+            </a:r>
+            <a:endParaRPr lang="zh-CN" altLang="en-US" b="1">
+              <a:latin typeface="微软雅黑" panose="020B0503020204020204" charset="-122"/>
+              <a:ea typeface="微软雅黑" panose="020B0503020204020204" charset="-122"/>
+            </a:endParaRPr>
+          </a:p>
+          <a:p>
+            <a:r>
+              <a:rPr lang="en-US" altLang="zh-CN" b="1">
+                <a:latin typeface="微软雅黑" panose="020B0503020204020204" charset="-122"/>
+                <a:ea typeface="微软雅黑" panose="020B0503020204020204" charset="-122"/>
+              </a:rPr>
+              <a:t>     </a:t>
+            </a:r>
+            <a:r>
+              <a:rPr lang="zh-CN" altLang="en-US" b="1">
+                <a:latin typeface="微软雅黑" panose="020B0503020204020204" charset="-122"/>
+                <a:ea typeface="微软雅黑" panose="020B0503020204020204" charset="-122"/>
+              </a:rPr>
+              <a:t>using different AWS data storage services</a:t>
+            </a:r>
+            <a:r>
+              <a:rPr lang="en-US" altLang="zh-CN" b="1" baseline="30000">
+                <a:latin typeface="微软雅黑" panose="020B0503020204020204" charset="-122"/>
+                <a:ea typeface="微软雅黑" panose="020B0503020204020204" charset="-122"/>
+              </a:rPr>
+              <a:t>[1]</a:t>
+            </a:r>
+            <a:endParaRPr lang="en-US" altLang="zh-CN" b="1" baseline="30000">
+              <a:latin typeface="微软雅黑" panose="020B0503020204020204" charset="-122"/>
+              <a:ea typeface="微软雅黑" panose="020B0503020204020204" charset="-122"/>
+            </a:endParaRPr>
+          </a:p>
+        </p:txBody>
+      </p:sp>
+      <p:sp>
+        <p:nvSpPr>
+          <p:cNvPr id="19" name="文本框 18"/>
+          <p:cNvSpPr txBox="1"/>
+          <p:nvPr/>
+        </p:nvSpPr>
+        <p:spPr>
+          <a:xfrm>
+            <a:off x="0" y="6520815"/>
+            <a:ext cx="11722735" cy="337185"/>
+          </a:xfrm>
+          <a:prstGeom prst="rect">
+            <a:avLst/>
+          </a:prstGeom>
+          <a:noFill/>
+        </p:spPr>
+        <p:txBody>
+          <a:bodyPr wrap="square" rtlCol="0">
+            <a:spAutoFit/>
+          </a:bodyPr>
+          <a:p>
+            <a:r>
+              <a:rPr lang="en-US" altLang="zh-CN" sz="1600">
+                <a:solidFill>
+                  <a:schemeClr val="bg2">
+                    <a:lumMod val="50000"/>
+                  </a:schemeClr>
+                </a:solidFill>
+                <a:sym typeface="+mn-ea"/>
+              </a:rPr>
+              <a:t>[1] Towards Latency Sensitive Cloud Native Applications: A Performance Study on AWS  CLOUD’19</a:t>
+            </a:r>
+            <a:endParaRPr lang="en-US" altLang="zh-CN" sz="1600">
+              <a:solidFill>
+                <a:schemeClr val="bg2">
+                  <a:lumMod val="50000"/>
+                </a:schemeClr>
+              </a:solidFill>
+              <a:sym typeface="+mn-ea"/>
             </a:endParaRPr>
           </a:p>
         </p:txBody>
@@ -7559,7 +7803,11 @@
           <a:p>
             <a:r>
               <a:rPr lang="zh-CN" altLang="en-US"/>
-              <a:t>本周工作</a:t>
+              <a:t>定量</a:t>
+            </a:r>
+            <a:r>
+              <a:rPr lang="zh-CN" altLang="en-US"/>
+              <a:t>实验</a:t>
             </a:r>
             <a:endParaRPr lang="zh-CN" altLang="en-US"/>
           </a:p>
@@ -7586,7 +7834,7 @@
             <a:normAutofit/>
           </a:bodyPr>
           <a:p>
-            <a:pPr marL="0" indent="0"/>
+            <a:pPr lvl="0"/>
             <a:r>
               <a:rPr lang="en-US" altLang="zh-CN">
                 <a:solidFill>
@@ -7595,51 +7843,7 @@
                 <a:uFillTx/>
                 <a:latin typeface="等线" panose="02010600030101010101" charset="-122"/>
               </a:rPr>
-              <a:t> </a:t>
-            </a:r>
-            <a:r>
-              <a:rPr lang="zh-CN" altLang="en-US">
-                <a:solidFill>
-                  <a:schemeClr val="tx1"/>
-                </a:solidFill>
-                <a:uFillTx/>
-                <a:latin typeface="微软雅黑" panose="020B0503020204020204" charset="-122"/>
-                <a:ea typeface="微软雅黑" panose="020B0503020204020204" charset="-122"/>
-              </a:rPr>
-              <a:t>定性分析数据分析应用的数据特征</a:t>
-            </a:r>
-            <a:endParaRPr lang="zh-CN" altLang="en-US" b="1">
-              <a:solidFill>
-                <a:schemeClr val="tx1"/>
-              </a:solidFill>
-              <a:uFillTx/>
-              <a:latin typeface="微软雅黑" panose="020B0503020204020204" charset="-122"/>
-              <a:ea typeface="微软雅黑" panose="020B0503020204020204" charset="-122"/>
-            </a:endParaRPr>
-          </a:p>
-          <a:p>
-            <a:pPr marL="457200" lvl="1" indent="0"/>
-            <a:r>
-              <a:rPr lang="en-US" altLang="zh-CN" b="1">
-                <a:solidFill>
-                  <a:schemeClr val="tx1"/>
-                </a:solidFill>
-                <a:uFillTx/>
-                <a:latin typeface="微软雅黑" panose="020B0503020204020204" charset="-122"/>
-                <a:ea typeface="微软雅黑" panose="020B0503020204020204" charset="-122"/>
-              </a:rPr>
-              <a:t> </a:t>
-            </a:r>
-            <a:r>
-              <a:rPr lang="zh-CN" altLang="en-US">
-                <a:solidFill>
-                  <a:schemeClr val="tx1"/>
-                </a:solidFill>
-                <a:uFillTx/>
-                <a:latin typeface="微软雅黑" panose="020B0503020204020204" charset="-122"/>
-                <a:ea typeface="微软雅黑" panose="020B0503020204020204" charset="-122"/>
-              </a:rPr>
-              <a:t>从相关</a:t>
+              <a:t> Py</a:t>
             </a:r>
             <a:r>
               <a:rPr lang="en-US" altLang="zh-CN">
@@ -7647,65 +7851,29 @@
                   <a:schemeClr val="tx1"/>
                 </a:solidFill>
                 <a:uFillTx/>
-                <a:latin typeface="微软雅黑" panose="020B0503020204020204" charset="-122"/>
-                <a:ea typeface="微软雅黑" panose="020B0503020204020204" charset="-122"/>
-              </a:rPr>
-              <a:t>paper</a:t>
-            </a:r>
-            <a:r>
-              <a:rPr lang="zh-CN" altLang="en-US">
-                <a:solidFill>
-                  <a:schemeClr val="tx1"/>
-                </a:solidFill>
-                <a:uFillTx/>
-                <a:latin typeface="微软雅黑" panose="020B0503020204020204" charset="-122"/>
-                <a:ea typeface="微软雅黑" panose="020B0503020204020204" charset="-122"/>
-              </a:rPr>
-              <a:t>中找出典型的</a:t>
-            </a:r>
-            <a:r>
-              <a:rPr lang="zh-CN" altLang="en-US">
-                <a:solidFill>
-                  <a:schemeClr val="tx1"/>
-                </a:solidFill>
-                <a:uFillTx/>
-                <a:latin typeface="微软雅黑" panose="020B0503020204020204" charset="-122"/>
-                <a:ea typeface="微软雅黑" panose="020B0503020204020204" charset="-122"/>
-              </a:rPr>
-              <a:t>数据分析应用</a:t>
-            </a:r>
-            <a:endParaRPr lang="zh-CN" altLang="en-US">
+                <a:latin typeface="等线" panose="02010600030101010101" charset="-122"/>
+              </a:rPr>
+              <a:t>wren</a:t>
+            </a:r>
+            <a:endParaRPr lang="en-US" altLang="zh-CN">
               <a:solidFill>
                 <a:schemeClr val="tx1"/>
               </a:solidFill>
               <a:uFillTx/>
-              <a:latin typeface="微软雅黑" panose="020B0503020204020204" charset="-122"/>
-              <a:ea typeface="微软雅黑" panose="020B0503020204020204" charset="-122"/>
-            </a:endParaRPr>
-          </a:p>
-          <a:p>
-            <a:pPr marL="457200" lvl="1" indent="0"/>
+              <a:latin typeface="等线" panose="02010600030101010101" charset="-122"/>
+            </a:endParaRPr>
+          </a:p>
+          <a:p>
+            <a:pPr lvl="0"/>
             <a:r>
               <a:rPr lang="en-US" altLang="zh-CN">
                 <a:solidFill>
                   <a:schemeClr val="tx1"/>
                 </a:solidFill>
                 <a:uFillTx/>
-                <a:latin typeface="微软雅黑" panose="020B0503020204020204" charset="-122"/>
-                <a:ea typeface="微软雅黑" panose="020B0503020204020204" charset="-122"/>
-              </a:rPr>
-              <a:t> </a:t>
-            </a:r>
-            <a:r>
-              <a:rPr lang="zh-CN" altLang="en-US">
-                <a:solidFill>
-                  <a:schemeClr val="tx1"/>
-                </a:solidFill>
-                <a:uFillTx/>
-                <a:latin typeface="微软雅黑" panose="020B0503020204020204" charset="-122"/>
-                <a:ea typeface="微软雅黑" panose="020B0503020204020204" charset="-122"/>
-              </a:rPr>
-              <a:t>从</a:t>
+                <a:latin typeface="等线" panose="02010600030101010101" charset="-122"/>
+              </a:rPr>
+              <a:t> Mapreduce </a:t>
             </a:r>
             <a:r>
               <a:rPr lang="en-US" altLang="zh-CN">
@@ -7713,462 +7881,28 @@
                   <a:schemeClr val="tx1"/>
                 </a:solidFill>
                 <a:uFillTx/>
-                <a:latin typeface="微软雅黑" panose="020B0503020204020204" charset="-122"/>
-                <a:ea typeface="微软雅黑" panose="020B0503020204020204" charset="-122"/>
-              </a:rPr>
-              <a:t>I/O size</a:t>
-            </a:r>
-            <a:r>
-              <a:rPr lang="zh-CN" altLang="en-US">
-                <a:solidFill>
-                  <a:schemeClr val="tx1"/>
-                </a:solidFill>
-                <a:uFillTx/>
-                <a:latin typeface="微软雅黑" panose="020B0503020204020204" charset="-122"/>
-                <a:ea typeface="微软雅黑" panose="020B0503020204020204" charset="-122"/>
-              </a:rPr>
-              <a:t>、</a:t>
-            </a:r>
-            <a:r>
-              <a:rPr lang="en-US" altLang="zh-CN">
-                <a:solidFill>
-                  <a:schemeClr val="tx1"/>
-                </a:solidFill>
-                <a:uFillTx/>
-                <a:latin typeface="微软雅黑" panose="020B0503020204020204" charset="-122"/>
-                <a:ea typeface="微软雅黑" panose="020B0503020204020204" charset="-122"/>
-              </a:rPr>
-              <a:t>Throughput</a:t>
-            </a:r>
-            <a:r>
-              <a:rPr lang="zh-CN" altLang="en-US">
-                <a:solidFill>
-                  <a:schemeClr val="tx1"/>
-                </a:solidFill>
-                <a:uFillTx/>
-                <a:latin typeface="微软雅黑" panose="020B0503020204020204" charset="-122"/>
-                <a:ea typeface="微软雅黑" panose="020B0503020204020204" charset="-122"/>
-              </a:rPr>
-              <a:t>、</a:t>
-            </a:r>
-            <a:r>
-              <a:rPr lang="en-US" altLang="zh-CN">
-                <a:solidFill>
-                  <a:schemeClr val="tx1"/>
-                </a:solidFill>
-                <a:uFillTx/>
-                <a:latin typeface="微软雅黑" panose="020B0503020204020204" charset="-122"/>
-                <a:ea typeface="微软雅黑" panose="020B0503020204020204" charset="-122"/>
-              </a:rPr>
-              <a:t>Capacity  reqirements</a:t>
-            </a:r>
-            <a:r>
-              <a:rPr lang="zh-CN" altLang="en-US">
-                <a:solidFill>
-                  <a:schemeClr val="tx1"/>
-                </a:solidFill>
-                <a:uFillTx/>
-                <a:latin typeface="微软雅黑" panose="020B0503020204020204" charset="-122"/>
-                <a:ea typeface="微软雅黑" panose="020B0503020204020204" charset="-122"/>
-              </a:rPr>
-              <a:t>四个个方面分析数据分析应用的数据特征</a:t>
-            </a:r>
-            <a:endParaRPr lang="zh-CN" altLang="en-US">
-              <a:solidFill>
-                <a:schemeClr val="tx1"/>
-              </a:solidFill>
-              <a:uFillTx/>
-              <a:latin typeface="微软雅黑" panose="020B0503020204020204" charset="-122"/>
-              <a:ea typeface="微软雅黑" panose="020B0503020204020204" charset="-122"/>
-            </a:endParaRPr>
-          </a:p>
-          <a:p>
-            <a:pPr marL="457200" lvl="1" indent="0"/>
-            <a:r>
-              <a:rPr lang="zh-CN" altLang="en-US">
-                <a:solidFill>
-                  <a:schemeClr val="tx1"/>
-                </a:solidFill>
-                <a:uFillTx/>
-                <a:latin typeface="微软雅黑" panose="020B0503020204020204" charset="-122"/>
-                <a:ea typeface="微软雅黑" panose="020B0503020204020204" charset="-122"/>
-              </a:rPr>
-              <a:t> 进一步验证</a:t>
-            </a:r>
-            <a:r>
-              <a:rPr lang="en-US" altLang="zh-CN">
-                <a:solidFill>
-                  <a:schemeClr val="tx1"/>
-                </a:solidFill>
-                <a:uFillTx/>
-                <a:latin typeface="微软雅黑" panose="020B0503020204020204" charset="-122"/>
-                <a:ea typeface="微软雅黑" panose="020B0503020204020204" charset="-122"/>
-              </a:rPr>
-              <a:t>serverless analytics</a:t>
-            </a:r>
-            <a:r>
-              <a:rPr lang="zh-CN" altLang="en-US">
-                <a:solidFill>
-                  <a:schemeClr val="tx1"/>
-                </a:solidFill>
-                <a:uFillTx/>
-                <a:latin typeface="微软雅黑" panose="020B0503020204020204" charset="-122"/>
-                <a:ea typeface="微软雅黑" panose="020B0503020204020204" charset="-122"/>
-              </a:rPr>
-              <a:t>的</a:t>
-            </a:r>
-            <a:r>
-              <a:rPr lang="en-US" altLang="zh-CN">
-                <a:solidFill>
-                  <a:schemeClr val="tx1"/>
-                </a:solidFill>
-                <a:uFillTx/>
-                <a:latin typeface="微软雅黑" panose="020B0503020204020204" charset="-122"/>
-                <a:ea typeface="微软雅黑" panose="020B0503020204020204" charset="-122"/>
-              </a:rPr>
-              <a:t>I/O</a:t>
-            </a:r>
-            <a:r>
-              <a:rPr lang="zh-CN" altLang="en-US">
-                <a:solidFill>
-                  <a:schemeClr val="tx1"/>
-                </a:solidFill>
-                <a:uFillTx/>
-                <a:latin typeface="微软雅黑" panose="020B0503020204020204" charset="-122"/>
-                <a:ea typeface="微软雅黑" panose="020B0503020204020204" charset="-122"/>
-              </a:rPr>
-              <a:t>时延</a:t>
-            </a:r>
-            <a:r>
-              <a:rPr lang="zh-CN" altLang="en-US">
-                <a:solidFill>
-                  <a:schemeClr val="tx1"/>
-                </a:solidFill>
-                <a:uFillTx/>
-                <a:latin typeface="微软雅黑" panose="020B0503020204020204" charset="-122"/>
-                <a:ea typeface="微软雅黑" panose="020B0503020204020204" charset="-122"/>
-              </a:rPr>
-              <a:t>问题</a:t>
-            </a:r>
-            <a:endParaRPr lang="zh-CN" altLang="en-US">
-              <a:solidFill>
-                <a:schemeClr val="tx1"/>
-              </a:solidFill>
-              <a:uFillTx/>
-              <a:latin typeface="微软雅黑" panose="020B0503020204020204" charset="-122"/>
-              <a:ea typeface="微软雅黑" panose="020B0503020204020204" charset="-122"/>
-            </a:endParaRPr>
-          </a:p>
-          <a:p>
-            <a:pPr marL="0" lvl="0" indent="0">
-              <a:buFont typeface="Wingdings" panose="05000000000000000000" charset="0"/>
-              <a:buChar char="Ø"/>
-            </a:pPr>
-            <a:r>
-              <a:rPr lang="en-US" altLang="zh-CN">
-                <a:solidFill>
-                  <a:schemeClr val="tx1"/>
-                </a:solidFill>
-                <a:uFillTx/>
-                <a:latin typeface="微软雅黑" panose="020B0503020204020204" charset="-122"/>
-                <a:ea typeface="微软雅黑" panose="020B0503020204020204" charset="-122"/>
-              </a:rPr>
-              <a:t> </a:t>
-            </a:r>
-            <a:r>
-              <a:rPr lang="zh-CN" altLang="en-US">
-                <a:solidFill>
-                  <a:schemeClr val="tx1"/>
-                </a:solidFill>
-                <a:uFillTx/>
-                <a:latin typeface="微软雅黑" panose="020B0503020204020204" charset="-122"/>
-                <a:ea typeface="微软雅黑" panose="020B0503020204020204" charset="-122"/>
-              </a:rPr>
-              <a:t>定量分析数据分析应用的</a:t>
-            </a:r>
-            <a:r>
-              <a:rPr lang="zh-CN" altLang="en-US">
-                <a:solidFill>
-                  <a:schemeClr val="tx1"/>
-                </a:solidFill>
-                <a:uFillTx/>
-                <a:latin typeface="微软雅黑" panose="020B0503020204020204" charset="-122"/>
-                <a:ea typeface="微软雅黑" panose="020B0503020204020204" charset="-122"/>
-              </a:rPr>
-              <a:t>数据特征</a:t>
-            </a:r>
-            <a:endParaRPr lang="zh-CN" altLang="en-US">
-              <a:solidFill>
-                <a:schemeClr val="tx1"/>
-              </a:solidFill>
-              <a:uFillTx/>
-              <a:latin typeface="微软雅黑" panose="020B0503020204020204" charset="-122"/>
-              <a:ea typeface="微软雅黑" panose="020B0503020204020204" charset="-122"/>
-            </a:endParaRPr>
-          </a:p>
-          <a:p>
-            <a:pPr lvl="1">
-              <a:buFont typeface="Wingdings" panose="05000000000000000000" charset="0"/>
-              <a:buChar char="n"/>
-            </a:pPr>
-            <a:r>
-              <a:rPr lang="en-US" altLang="zh-CN">
-                <a:solidFill>
-                  <a:schemeClr val="tx1"/>
-                </a:solidFill>
-                <a:uFillTx/>
-                <a:latin typeface="微软雅黑" panose="020B0503020204020204" charset="-122"/>
-                <a:ea typeface="微软雅黑" panose="020B0503020204020204" charset="-122"/>
-              </a:rPr>
-              <a:t> 数据分析应用的I/O size</a:t>
-            </a:r>
-            <a:r>
-              <a:rPr lang="zh-CN" altLang="en-US">
-                <a:solidFill>
-                  <a:schemeClr val="tx1"/>
-                </a:solidFill>
-                <a:uFillTx/>
-                <a:latin typeface="微软雅黑" panose="020B0503020204020204" charset="-122"/>
-                <a:ea typeface="微软雅黑" panose="020B0503020204020204" charset="-122"/>
-              </a:rPr>
-              <a:t>、</a:t>
-            </a:r>
-            <a:r>
-              <a:rPr lang="en-US" altLang="zh-CN">
-                <a:solidFill>
-                  <a:schemeClr val="tx1"/>
-                </a:solidFill>
-                <a:uFillTx/>
-                <a:latin typeface="微软雅黑" panose="020B0503020204020204" charset="-122"/>
-                <a:ea typeface="微软雅黑" panose="020B0503020204020204" charset="-122"/>
-              </a:rPr>
-              <a:t>I/O </a:t>
-            </a:r>
-            <a:r>
-              <a:rPr lang="en-US" altLang="zh-CN">
-                <a:solidFill>
-                  <a:schemeClr val="tx1"/>
-                </a:solidFill>
-                <a:uFillTx/>
-                <a:latin typeface="微软雅黑" panose="020B0503020204020204" charset="-122"/>
-                <a:ea typeface="微软雅黑" panose="020B0503020204020204" charset="-122"/>
-              </a:rPr>
-              <a:t>rate的分布函数图(CDF)</a:t>
+                <a:latin typeface="等线" panose="02010600030101010101" charset="-122"/>
+              </a:rPr>
+              <a:t>sort</a:t>
             </a:r>
             <a:endParaRPr lang="en-US" altLang="zh-CN">
               <a:solidFill>
                 <a:schemeClr val="tx1"/>
               </a:solidFill>
               <a:uFillTx/>
-              <a:latin typeface="微软雅黑" panose="020B0503020204020204" charset="-122"/>
-              <a:ea typeface="微软雅黑" panose="020B0503020204020204" charset="-122"/>
-            </a:endParaRPr>
-          </a:p>
-          <a:p>
-            <a:pPr lvl="1">
-              <a:buFont typeface="Wingdings" panose="05000000000000000000" charset="0"/>
-              <a:buChar char="n"/>
+              <a:latin typeface="等线" panose="02010600030101010101" charset="-122"/>
+            </a:endParaRPr>
+          </a:p>
+          <a:p>
+            <a:pPr marL="914400" lvl="2" indent="0">
+              <a:buNone/>
             </a:pPr>
-            <a:r>
-              <a:rPr lang="en-US" altLang="zh-CN">
-                <a:solidFill>
-                  <a:schemeClr val="tx1"/>
-                </a:solidFill>
-                <a:uFillTx/>
-                <a:latin typeface="微软雅黑" panose="020B0503020204020204" charset="-122"/>
-                <a:ea typeface="微软雅黑" panose="020B0503020204020204" charset="-122"/>
-              </a:rPr>
-              <a:t> </a:t>
-            </a:r>
-            <a:r>
-              <a:rPr lang="zh-CN" altLang="en-US">
-                <a:solidFill>
-                  <a:schemeClr val="tx1"/>
-                </a:solidFill>
-                <a:uFillTx/>
-                <a:latin typeface="微软雅黑" panose="020B0503020204020204" charset="-122"/>
-                <a:ea typeface="微软雅黑" panose="020B0503020204020204" charset="-122"/>
-              </a:rPr>
-              <a:t>数据分析应用的数据访问频率图，即吞吐量随时间的</a:t>
-            </a:r>
-            <a:r>
-              <a:rPr lang="zh-CN" altLang="en-US">
-                <a:solidFill>
-                  <a:schemeClr val="tx1"/>
-                </a:solidFill>
-                <a:uFillTx/>
-                <a:latin typeface="微软雅黑" panose="020B0503020204020204" charset="-122"/>
-                <a:ea typeface="微软雅黑" panose="020B0503020204020204" charset="-122"/>
-              </a:rPr>
-              <a:t>变化</a:t>
-            </a:r>
-            <a:endParaRPr lang="zh-CN" altLang="en-US">
+            <a:endParaRPr lang="en-US" altLang="zh-CN">
               <a:solidFill>
                 <a:schemeClr val="tx1"/>
               </a:solidFill>
               <a:uFillTx/>
-              <a:latin typeface="微软雅黑" panose="020B0503020204020204" charset="-122"/>
-              <a:ea typeface="微软雅黑" panose="020B0503020204020204" charset="-122"/>
-            </a:endParaRPr>
-          </a:p>
-          <a:p>
-            <a:pPr lvl="1">
-              <a:buFont typeface="Wingdings" panose="05000000000000000000" charset="0"/>
-              <a:buChar char="n"/>
-            </a:pPr>
-            <a:r>
-              <a:rPr lang="en-US" altLang="zh-CN">
-                <a:solidFill>
-                  <a:schemeClr val="tx1"/>
-                </a:solidFill>
-                <a:uFillTx/>
-                <a:latin typeface="微软雅黑" panose="020B0503020204020204" charset="-122"/>
-                <a:ea typeface="微软雅黑" panose="020B0503020204020204" charset="-122"/>
-              </a:rPr>
-              <a:t> </a:t>
-            </a:r>
-            <a:r>
-              <a:rPr lang="zh-CN" altLang="en-US">
-                <a:solidFill>
-                  <a:schemeClr val="tx1"/>
-                </a:solidFill>
-                <a:uFillTx/>
-                <a:latin typeface="微软雅黑" panose="020B0503020204020204" charset="-122"/>
-                <a:ea typeface="微软雅黑" panose="020B0503020204020204" charset="-122"/>
-              </a:rPr>
-              <a:t>数据分析应用产生中间数据的</a:t>
-            </a:r>
-            <a:r>
-              <a:rPr lang="zh-CN" altLang="en-US">
-                <a:solidFill>
-                  <a:schemeClr val="tx1"/>
-                </a:solidFill>
-                <a:uFillTx/>
-                <a:latin typeface="微软雅黑" panose="020B0503020204020204" charset="-122"/>
-                <a:ea typeface="微软雅黑" panose="020B0503020204020204" charset="-122"/>
-              </a:rPr>
-              <a:t>规模</a:t>
-            </a:r>
-            <a:endParaRPr lang="zh-CN" altLang="en-US">
-              <a:solidFill>
-                <a:schemeClr val="tx1"/>
-              </a:solidFill>
-              <a:uFillTx/>
-              <a:latin typeface="微软雅黑" panose="020B0503020204020204" charset="-122"/>
-              <a:ea typeface="微软雅黑" panose="020B0503020204020204" charset="-122"/>
-            </a:endParaRPr>
-          </a:p>
-          <a:p>
-            <a:pPr lvl="1">
-              <a:buFont typeface="Wingdings" panose="05000000000000000000" charset="0"/>
-              <a:buChar char="n"/>
-            </a:pPr>
-            <a:r>
-              <a:rPr lang="en-US" altLang="zh-CN">
-                <a:solidFill>
-                  <a:schemeClr val="tx1"/>
-                </a:solidFill>
-                <a:uFillTx/>
-                <a:latin typeface="微软雅黑" panose="020B0503020204020204" charset="-122"/>
-                <a:ea typeface="微软雅黑" panose="020B0503020204020204" charset="-122"/>
-              </a:rPr>
-              <a:t> S3/Redis </a:t>
-            </a:r>
-            <a:r>
-              <a:rPr lang="zh-CN" altLang="en-US">
-                <a:solidFill>
-                  <a:schemeClr val="tx1"/>
-                </a:solidFill>
-                <a:uFillTx/>
-                <a:latin typeface="微软雅黑" panose="020B0503020204020204" charset="-122"/>
-                <a:ea typeface="微软雅黑" panose="020B0503020204020204" charset="-122"/>
-              </a:rPr>
-              <a:t>聚合带宽和时延与</a:t>
-            </a:r>
-            <a:r>
-              <a:rPr lang="en-US" altLang="zh-CN">
-                <a:solidFill>
-                  <a:schemeClr val="tx1"/>
-                </a:solidFill>
-                <a:uFillTx/>
-                <a:latin typeface="微软雅黑" panose="020B0503020204020204" charset="-122"/>
-                <a:ea typeface="微软雅黑" panose="020B0503020204020204" charset="-122"/>
-              </a:rPr>
-              <a:t>I/O size</a:t>
-            </a:r>
-            <a:r>
-              <a:rPr lang="zh-CN" altLang="en-US">
-                <a:solidFill>
-                  <a:schemeClr val="tx1"/>
-                </a:solidFill>
-                <a:uFillTx/>
-                <a:latin typeface="微软雅黑" panose="020B0503020204020204" charset="-122"/>
-                <a:ea typeface="微软雅黑" panose="020B0503020204020204" charset="-122"/>
-              </a:rPr>
-              <a:t>的关系图，以此分析数据分析应用的</a:t>
-            </a:r>
-            <a:r>
-              <a:rPr lang="en-US" altLang="zh-CN">
-                <a:solidFill>
-                  <a:schemeClr val="tx1"/>
-                </a:solidFill>
-                <a:uFillTx/>
-                <a:latin typeface="微软雅黑" panose="020B0503020204020204" charset="-122"/>
-                <a:ea typeface="微软雅黑" panose="020B0503020204020204" charset="-122"/>
-              </a:rPr>
-              <a:t>I/O size</a:t>
-            </a:r>
-            <a:r>
-              <a:rPr lang="zh-CN" altLang="en-US">
-                <a:solidFill>
-                  <a:schemeClr val="tx1"/>
-                </a:solidFill>
-                <a:uFillTx/>
-                <a:latin typeface="微软雅黑" panose="020B0503020204020204" charset="-122"/>
-                <a:ea typeface="微软雅黑" panose="020B0503020204020204" charset="-122"/>
-              </a:rPr>
-              <a:t>和吞吐率是不是会导致</a:t>
-            </a:r>
-            <a:r>
-              <a:rPr lang="en-US" altLang="zh-CN">
-                <a:solidFill>
-                  <a:schemeClr val="tx1"/>
-                </a:solidFill>
-                <a:uFillTx/>
-                <a:latin typeface="微软雅黑" panose="020B0503020204020204" charset="-122"/>
-                <a:ea typeface="微软雅黑" panose="020B0503020204020204" charset="-122"/>
-              </a:rPr>
-              <a:t>S3 I/O rate</a:t>
-            </a:r>
-            <a:r>
-              <a:rPr lang="zh-CN" altLang="en-US">
-                <a:solidFill>
-                  <a:schemeClr val="tx1"/>
-                </a:solidFill>
-                <a:uFillTx/>
-                <a:latin typeface="微软雅黑" panose="020B0503020204020204" charset="-122"/>
-                <a:ea typeface="微软雅黑" panose="020B0503020204020204" charset="-122"/>
-              </a:rPr>
-              <a:t>的</a:t>
-            </a:r>
-            <a:r>
-              <a:rPr lang="zh-CN" altLang="en-US">
-                <a:solidFill>
-                  <a:schemeClr val="tx1"/>
-                </a:solidFill>
-                <a:uFillTx/>
-                <a:latin typeface="微软雅黑" panose="020B0503020204020204" charset="-122"/>
-                <a:ea typeface="微软雅黑" panose="020B0503020204020204" charset="-122"/>
-              </a:rPr>
-              <a:t>瓶颈问题</a:t>
-            </a:r>
-            <a:endParaRPr lang="zh-CN" altLang="en-US">
-              <a:solidFill>
-                <a:schemeClr val="tx1"/>
-              </a:solidFill>
-              <a:uFillTx/>
-              <a:latin typeface="微软雅黑" panose="020B0503020204020204" charset="-122"/>
-              <a:ea typeface="微软雅黑" panose="020B0503020204020204" charset="-122"/>
+              <a:latin typeface="等线" panose="02010600030101010101" charset="-122"/>
             </a:endParaRPr>
           </a:p>
         </p:txBody>
@@ -8182,6 +7916,654 @@
 </file>
 
 <file path=ppt/slides/slide16.xml><?xml version="1.0" encoding="utf-8"?>
+<p:sld xmlns:a="http://schemas.openxmlformats.org/drawingml/2006/main" xmlns:r="http://schemas.openxmlformats.org/officeDocument/2006/relationships" xmlns:p="http://schemas.openxmlformats.org/presentationml/2006/main">
+  <p:cSld>
+    <p:spTree>
+      <p:nvGrpSpPr>
+        <p:cNvPr id="1" name=""/>
+        <p:cNvGrpSpPr/>
+        <p:nvPr/>
+      </p:nvGrpSpPr>
+      <p:grpSpPr/>
+      <p:sp>
+        <p:nvSpPr>
+          <p:cNvPr id="2" name="标题 1"/>
+          <p:cNvSpPr>
+            <a:spLocks noGrp="1"/>
+          </p:cNvSpPr>
+          <p:nvPr>
+            <p:ph type="title"/>
+          </p:nvPr>
+        </p:nvSpPr>
+        <p:spPr/>
+        <p:txBody>
+          <a:bodyPr/>
+          <a:p>
+            <a:r>
+              <a:rPr lang="zh-CN" altLang="en-US"/>
+              <a:t>本周工作</a:t>
+            </a:r>
+            <a:endParaRPr lang="zh-CN" altLang="en-US"/>
+          </a:p>
+        </p:txBody>
+      </p:sp>
+      <p:sp>
+        <p:nvSpPr>
+          <p:cNvPr id="3" name="内容占位符 2"/>
+          <p:cNvSpPr>
+            <a:spLocks noGrp="1"/>
+          </p:cNvSpPr>
+          <p:nvPr>
+            <p:ph idx="1"/>
+          </p:nvPr>
+        </p:nvSpPr>
+        <p:spPr>
+          <a:xfrm>
+            <a:off x="838200" y="1383030"/>
+            <a:ext cx="10824845" cy="5300345"/>
+          </a:xfrm>
+        </p:spPr>
+        <p:txBody>
+          <a:bodyPr>
+            <a:normAutofit/>
+          </a:bodyPr>
+          <a:p>
+            <a:pPr marL="0" indent="0"/>
+            <a:r>
+              <a:rPr lang="en-US" altLang="zh-CN">
+                <a:solidFill>
+                  <a:schemeClr val="tx1"/>
+                </a:solidFill>
+                <a:uFillTx/>
+                <a:latin typeface="等线" panose="02010600030101010101" charset="-122"/>
+              </a:rPr>
+              <a:t> </a:t>
+            </a:r>
+            <a:r>
+              <a:rPr lang="zh-CN" altLang="en-US">
+                <a:solidFill>
+                  <a:schemeClr val="tx1"/>
+                </a:solidFill>
+                <a:uFillTx/>
+                <a:latin typeface="微软雅黑" panose="020B0503020204020204" charset="-122"/>
+                <a:ea typeface="微软雅黑" panose="020B0503020204020204" charset="-122"/>
+              </a:rPr>
+              <a:t>定性分析数据分析应用的数据特征</a:t>
+            </a:r>
+            <a:endParaRPr lang="zh-CN" altLang="en-US" b="1">
+              <a:solidFill>
+                <a:schemeClr val="tx1"/>
+              </a:solidFill>
+              <a:uFillTx/>
+              <a:latin typeface="微软雅黑" panose="020B0503020204020204" charset="-122"/>
+              <a:ea typeface="微软雅黑" panose="020B0503020204020204" charset="-122"/>
+            </a:endParaRPr>
+          </a:p>
+          <a:p>
+            <a:pPr marL="457200" lvl="1" indent="0"/>
+            <a:r>
+              <a:rPr lang="en-US" altLang="zh-CN" b="1">
+                <a:solidFill>
+                  <a:schemeClr val="tx1"/>
+                </a:solidFill>
+                <a:uFillTx/>
+                <a:latin typeface="微软雅黑" panose="020B0503020204020204" charset="-122"/>
+                <a:ea typeface="微软雅黑" panose="020B0503020204020204" charset="-122"/>
+              </a:rPr>
+              <a:t> </a:t>
+            </a:r>
+            <a:r>
+              <a:rPr lang="zh-CN" altLang="en-US">
+                <a:solidFill>
+                  <a:schemeClr val="tx1"/>
+                </a:solidFill>
+                <a:uFillTx/>
+                <a:latin typeface="微软雅黑" panose="020B0503020204020204" charset="-122"/>
+                <a:ea typeface="微软雅黑" panose="020B0503020204020204" charset="-122"/>
+              </a:rPr>
+              <a:t>从相关</a:t>
+            </a:r>
+            <a:r>
+              <a:rPr lang="en-US" altLang="zh-CN">
+                <a:solidFill>
+                  <a:schemeClr val="tx1"/>
+                </a:solidFill>
+                <a:uFillTx/>
+                <a:latin typeface="微软雅黑" panose="020B0503020204020204" charset="-122"/>
+                <a:ea typeface="微软雅黑" panose="020B0503020204020204" charset="-122"/>
+              </a:rPr>
+              <a:t>paper</a:t>
+            </a:r>
+            <a:r>
+              <a:rPr lang="zh-CN" altLang="en-US">
+                <a:solidFill>
+                  <a:schemeClr val="tx1"/>
+                </a:solidFill>
+                <a:uFillTx/>
+                <a:latin typeface="微软雅黑" panose="020B0503020204020204" charset="-122"/>
+                <a:ea typeface="微软雅黑" panose="020B0503020204020204" charset="-122"/>
+              </a:rPr>
+              <a:t>中找出典型的</a:t>
+            </a:r>
+            <a:r>
+              <a:rPr lang="zh-CN" altLang="en-US">
+                <a:solidFill>
+                  <a:schemeClr val="tx1"/>
+                </a:solidFill>
+                <a:uFillTx/>
+                <a:latin typeface="微软雅黑" panose="020B0503020204020204" charset="-122"/>
+                <a:ea typeface="微软雅黑" panose="020B0503020204020204" charset="-122"/>
+              </a:rPr>
+              <a:t>数据分析应用</a:t>
+            </a:r>
+            <a:endParaRPr lang="zh-CN" altLang="en-US">
+              <a:solidFill>
+                <a:schemeClr val="tx1"/>
+              </a:solidFill>
+              <a:uFillTx/>
+              <a:latin typeface="微软雅黑" panose="020B0503020204020204" charset="-122"/>
+              <a:ea typeface="微软雅黑" panose="020B0503020204020204" charset="-122"/>
+            </a:endParaRPr>
+          </a:p>
+          <a:p>
+            <a:pPr marL="457200" lvl="1" indent="0"/>
+            <a:r>
+              <a:rPr lang="en-US" altLang="zh-CN">
+                <a:solidFill>
+                  <a:schemeClr val="tx1"/>
+                </a:solidFill>
+                <a:uFillTx/>
+                <a:latin typeface="微软雅黑" panose="020B0503020204020204" charset="-122"/>
+                <a:ea typeface="微软雅黑" panose="020B0503020204020204" charset="-122"/>
+              </a:rPr>
+              <a:t> </a:t>
+            </a:r>
+            <a:r>
+              <a:rPr lang="zh-CN" altLang="en-US">
+                <a:solidFill>
+                  <a:schemeClr val="tx1"/>
+                </a:solidFill>
+                <a:uFillTx/>
+                <a:latin typeface="微软雅黑" panose="020B0503020204020204" charset="-122"/>
+                <a:ea typeface="微软雅黑" panose="020B0503020204020204" charset="-122"/>
+              </a:rPr>
+              <a:t>从</a:t>
+            </a:r>
+            <a:r>
+              <a:rPr lang="en-US" altLang="zh-CN">
+                <a:solidFill>
+                  <a:schemeClr val="tx1"/>
+                </a:solidFill>
+                <a:uFillTx/>
+                <a:latin typeface="微软雅黑" panose="020B0503020204020204" charset="-122"/>
+                <a:ea typeface="微软雅黑" panose="020B0503020204020204" charset="-122"/>
+              </a:rPr>
+              <a:t>I/O size</a:t>
+            </a:r>
+            <a:r>
+              <a:rPr lang="zh-CN" altLang="en-US">
+                <a:solidFill>
+                  <a:schemeClr val="tx1"/>
+                </a:solidFill>
+                <a:uFillTx/>
+                <a:latin typeface="微软雅黑" panose="020B0503020204020204" charset="-122"/>
+                <a:ea typeface="微软雅黑" panose="020B0503020204020204" charset="-122"/>
+              </a:rPr>
+              <a:t>、</a:t>
+            </a:r>
+            <a:r>
+              <a:rPr lang="en-US" altLang="zh-CN">
+                <a:solidFill>
+                  <a:schemeClr val="tx1"/>
+                </a:solidFill>
+                <a:uFillTx/>
+                <a:latin typeface="微软雅黑" panose="020B0503020204020204" charset="-122"/>
+                <a:ea typeface="微软雅黑" panose="020B0503020204020204" charset="-122"/>
+              </a:rPr>
+              <a:t>Throughput</a:t>
+            </a:r>
+            <a:r>
+              <a:rPr lang="zh-CN" altLang="en-US">
+                <a:solidFill>
+                  <a:schemeClr val="tx1"/>
+                </a:solidFill>
+                <a:uFillTx/>
+                <a:latin typeface="微软雅黑" panose="020B0503020204020204" charset="-122"/>
+                <a:ea typeface="微软雅黑" panose="020B0503020204020204" charset="-122"/>
+              </a:rPr>
+              <a:t>、</a:t>
+            </a:r>
+            <a:r>
+              <a:rPr lang="en-US" altLang="zh-CN">
+                <a:solidFill>
+                  <a:schemeClr val="tx1"/>
+                </a:solidFill>
+                <a:uFillTx/>
+                <a:latin typeface="微软雅黑" panose="020B0503020204020204" charset="-122"/>
+                <a:ea typeface="微软雅黑" panose="020B0503020204020204" charset="-122"/>
+              </a:rPr>
+              <a:t>Capacity  reqirements</a:t>
+            </a:r>
+            <a:r>
+              <a:rPr lang="zh-CN" altLang="en-US">
+                <a:solidFill>
+                  <a:schemeClr val="tx1"/>
+                </a:solidFill>
+                <a:uFillTx/>
+                <a:latin typeface="微软雅黑" panose="020B0503020204020204" charset="-122"/>
+                <a:ea typeface="微软雅黑" panose="020B0503020204020204" charset="-122"/>
+              </a:rPr>
+              <a:t>四个个方面分析数据分析应用的数据特征</a:t>
+            </a:r>
+            <a:endParaRPr lang="zh-CN" altLang="en-US">
+              <a:solidFill>
+                <a:schemeClr val="tx1"/>
+              </a:solidFill>
+              <a:uFillTx/>
+              <a:latin typeface="微软雅黑" panose="020B0503020204020204" charset="-122"/>
+              <a:ea typeface="微软雅黑" panose="020B0503020204020204" charset="-122"/>
+            </a:endParaRPr>
+          </a:p>
+          <a:p>
+            <a:pPr marL="457200" lvl="1" indent="0"/>
+            <a:r>
+              <a:rPr lang="zh-CN" altLang="en-US">
+                <a:solidFill>
+                  <a:schemeClr val="tx1"/>
+                </a:solidFill>
+                <a:uFillTx/>
+                <a:latin typeface="微软雅黑" panose="020B0503020204020204" charset="-122"/>
+                <a:ea typeface="微软雅黑" panose="020B0503020204020204" charset="-122"/>
+              </a:rPr>
+              <a:t> 进一步验证</a:t>
+            </a:r>
+            <a:r>
+              <a:rPr lang="en-US" altLang="zh-CN">
+                <a:solidFill>
+                  <a:schemeClr val="tx1"/>
+                </a:solidFill>
+                <a:uFillTx/>
+                <a:latin typeface="微软雅黑" panose="020B0503020204020204" charset="-122"/>
+                <a:ea typeface="微软雅黑" panose="020B0503020204020204" charset="-122"/>
+              </a:rPr>
+              <a:t>serverless analytics</a:t>
+            </a:r>
+            <a:r>
+              <a:rPr lang="zh-CN" altLang="en-US">
+                <a:solidFill>
+                  <a:schemeClr val="tx1"/>
+                </a:solidFill>
+                <a:uFillTx/>
+                <a:latin typeface="微软雅黑" panose="020B0503020204020204" charset="-122"/>
+                <a:ea typeface="微软雅黑" panose="020B0503020204020204" charset="-122"/>
+              </a:rPr>
+              <a:t>的</a:t>
+            </a:r>
+            <a:r>
+              <a:rPr lang="en-US" altLang="zh-CN">
+                <a:solidFill>
+                  <a:schemeClr val="tx1"/>
+                </a:solidFill>
+                <a:uFillTx/>
+                <a:latin typeface="微软雅黑" panose="020B0503020204020204" charset="-122"/>
+                <a:ea typeface="微软雅黑" panose="020B0503020204020204" charset="-122"/>
+              </a:rPr>
+              <a:t>I/O</a:t>
+            </a:r>
+            <a:r>
+              <a:rPr lang="zh-CN" altLang="en-US">
+                <a:solidFill>
+                  <a:schemeClr val="tx1"/>
+                </a:solidFill>
+                <a:uFillTx/>
+                <a:latin typeface="微软雅黑" panose="020B0503020204020204" charset="-122"/>
+                <a:ea typeface="微软雅黑" panose="020B0503020204020204" charset="-122"/>
+              </a:rPr>
+              <a:t>时延</a:t>
+            </a:r>
+            <a:r>
+              <a:rPr lang="zh-CN" altLang="en-US">
+                <a:solidFill>
+                  <a:schemeClr val="tx1"/>
+                </a:solidFill>
+                <a:uFillTx/>
+                <a:latin typeface="微软雅黑" panose="020B0503020204020204" charset="-122"/>
+                <a:ea typeface="微软雅黑" panose="020B0503020204020204" charset="-122"/>
+              </a:rPr>
+              <a:t>问题</a:t>
+            </a:r>
+            <a:endParaRPr lang="zh-CN" altLang="en-US">
+              <a:solidFill>
+                <a:schemeClr val="tx1"/>
+              </a:solidFill>
+              <a:uFillTx/>
+              <a:latin typeface="微软雅黑" panose="020B0503020204020204" charset="-122"/>
+              <a:ea typeface="微软雅黑" panose="020B0503020204020204" charset="-122"/>
+            </a:endParaRPr>
+          </a:p>
+          <a:p>
+            <a:pPr marL="0" lvl="0" indent="0">
+              <a:buFont typeface="Wingdings" panose="05000000000000000000" charset="0"/>
+              <a:buChar char="Ø"/>
+            </a:pPr>
+            <a:r>
+              <a:rPr lang="en-US" altLang="zh-CN">
+                <a:solidFill>
+                  <a:schemeClr val="tx1"/>
+                </a:solidFill>
+                <a:uFillTx/>
+                <a:latin typeface="微软雅黑" panose="020B0503020204020204" charset="-122"/>
+                <a:ea typeface="微软雅黑" panose="020B0503020204020204" charset="-122"/>
+              </a:rPr>
+              <a:t> </a:t>
+            </a:r>
+            <a:r>
+              <a:rPr lang="zh-CN" altLang="en-US">
+                <a:solidFill>
+                  <a:schemeClr val="tx1"/>
+                </a:solidFill>
+                <a:uFillTx/>
+                <a:latin typeface="微软雅黑" panose="020B0503020204020204" charset="-122"/>
+                <a:ea typeface="微软雅黑" panose="020B0503020204020204" charset="-122"/>
+              </a:rPr>
+              <a:t>定量分析数据分析应用的</a:t>
+            </a:r>
+            <a:r>
+              <a:rPr lang="zh-CN" altLang="en-US">
+                <a:solidFill>
+                  <a:schemeClr val="tx1"/>
+                </a:solidFill>
+                <a:uFillTx/>
+                <a:latin typeface="微软雅黑" panose="020B0503020204020204" charset="-122"/>
+                <a:ea typeface="微软雅黑" panose="020B0503020204020204" charset="-122"/>
+              </a:rPr>
+              <a:t>数据特征</a:t>
+            </a:r>
+            <a:endParaRPr lang="zh-CN" altLang="en-US">
+              <a:solidFill>
+                <a:schemeClr val="tx1"/>
+              </a:solidFill>
+              <a:uFillTx/>
+              <a:latin typeface="微软雅黑" panose="020B0503020204020204" charset="-122"/>
+              <a:ea typeface="微软雅黑" panose="020B0503020204020204" charset="-122"/>
+            </a:endParaRPr>
+          </a:p>
+          <a:p>
+            <a:pPr lvl="1">
+              <a:buFont typeface="Wingdings" panose="05000000000000000000" charset="0"/>
+              <a:buChar char="n"/>
+            </a:pPr>
+            <a:r>
+              <a:rPr lang="en-US" altLang="zh-CN">
+                <a:solidFill>
+                  <a:schemeClr val="tx1"/>
+                </a:solidFill>
+                <a:uFillTx/>
+                <a:latin typeface="微软雅黑" panose="020B0503020204020204" charset="-122"/>
+                <a:ea typeface="微软雅黑" panose="020B0503020204020204" charset="-122"/>
+              </a:rPr>
+              <a:t> 数据分析应用的I/O size</a:t>
+            </a:r>
+            <a:r>
+              <a:rPr lang="zh-CN" altLang="en-US">
+                <a:solidFill>
+                  <a:schemeClr val="tx1"/>
+                </a:solidFill>
+                <a:uFillTx/>
+                <a:latin typeface="微软雅黑" panose="020B0503020204020204" charset="-122"/>
+                <a:ea typeface="微软雅黑" panose="020B0503020204020204" charset="-122"/>
+              </a:rPr>
+              <a:t>、</a:t>
+            </a:r>
+            <a:r>
+              <a:rPr lang="en-US" altLang="zh-CN">
+                <a:solidFill>
+                  <a:schemeClr val="tx1"/>
+                </a:solidFill>
+                <a:uFillTx/>
+                <a:latin typeface="微软雅黑" panose="020B0503020204020204" charset="-122"/>
+                <a:ea typeface="微软雅黑" panose="020B0503020204020204" charset="-122"/>
+              </a:rPr>
+              <a:t>I/O </a:t>
+            </a:r>
+            <a:r>
+              <a:rPr lang="en-US" altLang="zh-CN">
+                <a:solidFill>
+                  <a:schemeClr val="tx1"/>
+                </a:solidFill>
+                <a:uFillTx/>
+                <a:latin typeface="微软雅黑" panose="020B0503020204020204" charset="-122"/>
+                <a:ea typeface="微软雅黑" panose="020B0503020204020204" charset="-122"/>
+              </a:rPr>
+              <a:t>rate的分布函数图(CDF)</a:t>
+            </a:r>
+            <a:endParaRPr lang="en-US" altLang="zh-CN">
+              <a:solidFill>
+                <a:schemeClr val="tx1"/>
+              </a:solidFill>
+              <a:uFillTx/>
+              <a:latin typeface="微软雅黑" panose="020B0503020204020204" charset="-122"/>
+              <a:ea typeface="微软雅黑" panose="020B0503020204020204" charset="-122"/>
+            </a:endParaRPr>
+          </a:p>
+          <a:p>
+            <a:pPr lvl="1">
+              <a:buFont typeface="Wingdings" panose="05000000000000000000" charset="0"/>
+              <a:buChar char="n"/>
+            </a:pPr>
+            <a:r>
+              <a:rPr lang="en-US" altLang="zh-CN">
+                <a:solidFill>
+                  <a:schemeClr val="tx1"/>
+                </a:solidFill>
+                <a:uFillTx/>
+                <a:latin typeface="微软雅黑" panose="020B0503020204020204" charset="-122"/>
+                <a:ea typeface="微软雅黑" panose="020B0503020204020204" charset="-122"/>
+              </a:rPr>
+              <a:t> </a:t>
+            </a:r>
+            <a:r>
+              <a:rPr lang="zh-CN" altLang="en-US">
+                <a:solidFill>
+                  <a:schemeClr val="tx1"/>
+                </a:solidFill>
+                <a:uFillTx/>
+                <a:latin typeface="微软雅黑" panose="020B0503020204020204" charset="-122"/>
+                <a:ea typeface="微软雅黑" panose="020B0503020204020204" charset="-122"/>
+              </a:rPr>
+              <a:t>数据分析应用的数据访问频率图，即吞吐量随时间的</a:t>
+            </a:r>
+            <a:r>
+              <a:rPr lang="zh-CN" altLang="en-US">
+                <a:solidFill>
+                  <a:schemeClr val="tx1"/>
+                </a:solidFill>
+                <a:uFillTx/>
+                <a:latin typeface="微软雅黑" panose="020B0503020204020204" charset="-122"/>
+                <a:ea typeface="微软雅黑" panose="020B0503020204020204" charset="-122"/>
+              </a:rPr>
+              <a:t>变化</a:t>
+            </a:r>
+            <a:endParaRPr lang="zh-CN" altLang="en-US">
+              <a:solidFill>
+                <a:schemeClr val="tx1"/>
+              </a:solidFill>
+              <a:uFillTx/>
+              <a:latin typeface="微软雅黑" panose="020B0503020204020204" charset="-122"/>
+              <a:ea typeface="微软雅黑" panose="020B0503020204020204" charset="-122"/>
+            </a:endParaRPr>
+          </a:p>
+          <a:p>
+            <a:pPr lvl="1">
+              <a:buFont typeface="Wingdings" panose="05000000000000000000" charset="0"/>
+              <a:buChar char="n"/>
+            </a:pPr>
+            <a:r>
+              <a:rPr lang="en-US" altLang="zh-CN">
+                <a:solidFill>
+                  <a:schemeClr val="tx1"/>
+                </a:solidFill>
+                <a:uFillTx/>
+                <a:latin typeface="微软雅黑" panose="020B0503020204020204" charset="-122"/>
+                <a:ea typeface="微软雅黑" panose="020B0503020204020204" charset="-122"/>
+              </a:rPr>
+              <a:t> </a:t>
+            </a:r>
+            <a:r>
+              <a:rPr lang="zh-CN" altLang="en-US">
+                <a:solidFill>
+                  <a:schemeClr val="tx1"/>
+                </a:solidFill>
+                <a:uFillTx/>
+                <a:latin typeface="微软雅黑" panose="020B0503020204020204" charset="-122"/>
+                <a:ea typeface="微软雅黑" panose="020B0503020204020204" charset="-122"/>
+              </a:rPr>
+              <a:t>数据分析应用产生中间数据的</a:t>
+            </a:r>
+            <a:r>
+              <a:rPr lang="zh-CN" altLang="en-US">
+                <a:solidFill>
+                  <a:schemeClr val="tx1"/>
+                </a:solidFill>
+                <a:uFillTx/>
+                <a:latin typeface="微软雅黑" panose="020B0503020204020204" charset="-122"/>
+                <a:ea typeface="微软雅黑" panose="020B0503020204020204" charset="-122"/>
+              </a:rPr>
+              <a:t>规模</a:t>
+            </a:r>
+            <a:endParaRPr lang="zh-CN" altLang="en-US">
+              <a:solidFill>
+                <a:schemeClr val="tx1"/>
+              </a:solidFill>
+              <a:uFillTx/>
+              <a:latin typeface="微软雅黑" panose="020B0503020204020204" charset="-122"/>
+              <a:ea typeface="微软雅黑" panose="020B0503020204020204" charset="-122"/>
+            </a:endParaRPr>
+          </a:p>
+          <a:p>
+            <a:pPr lvl="1">
+              <a:buFont typeface="Wingdings" panose="05000000000000000000" charset="0"/>
+              <a:buChar char="n"/>
+            </a:pPr>
+            <a:r>
+              <a:rPr lang="en-US" altLang="zh-CN">
+                <a:solidFill>
+                  <a:schemeClr val="tx1"/>
+                </a:solidFill>
+                <a:uFillTx/>
+                <a:latin typeface="微软雅黑" panose="020B0503020204020204" charset="-122"/>
+                <a:ea typeface="微软雅黑" panose="020B0503020204020204" charset="-122"/>
+              </a:rPr>
+              <a:t> S3/Redis </a:t>
+            </a:r>
+            <a:r>
+              <a:rPr lang="zh-CN" altLang="en-US">
+                <a:solidFill>
+                  <a:schemeClr val="tx1"/>
+                </a:solidFill>
+                <a:uFillTx/>
+                <a:latin typeface="微软雅黑" panose="020B0503020204020204" charset="-122"/>
+                <a:ea typeface="微软雅黑" panose="020B0503020204020204" charset="-122"/>
+              </a:rPr>
+              <a:t>聚合带宽和时延与</a:t>
+            </a:r>
+            <a:r>
+              <a:rPr lang="en-US" altLang="zh-CN">
+                <a:solidFill>
+                  <a:schemeClr val="tx1"/>
+                </a:solidFill>
+                <a:uFillTx/>
+                <a:latin typeface="微软雅黑" panose="020B0503020204020204" charset="-122"/>
+                <a:ea typeface="微软雅黑" panose="020B0503020204020204" charset="-122"/>
+              </a:rPr>
+              <a:t>I/O size</a:t>
+            </a:r>
+            <a:r>
+              <a:rPr lang="zh-CN" altLang="en-US">
+                <a:solidFill>
+                  <a:schemeClr val="tx1"/>
+                </a:solidFill>
+                <a:uFillTx/>
+                <a:latin typeface="微软雅黑" panose="020B0503020204020204" charset="-122"/>
+                <a:ea typeface="微软雅黑" panose="020B0503020204020204" charset="-122"/>
+              </a:rPr>
+              <a:t>的关系图，以此分析数据分析应用的</a:t>
+            </a:r>
+            <a:r>
+              <a:rPr lang="en-US" altLang="zh-CN">
+                <a:solidFill>
+                  <a:schemeClr val="tx1"/>
+                </a:solidFill>
+                <a:uFillTx/>
+                <a:latin typeface="微软雅黑" panose="020B0503020204020204" charset="-122"/>
+                <a:ea typeface="微软雅黑" panose="020B0503020204020204" charset="-122"/>
+              </a:rPr>
+              <a:t>I/O size</a:t>
+            </a:r>
+            <a:r>
+              <a:rPr lang="zh-CN" altLang="en-US">
+                <a:solidFill>
+                  <a:schemeClr val="tx1"/>
+                </a:solidFill>
+                <a:uFillTx/>
+                <a:latin typeface="微软雅黑" panose="020B0503020204020204" charset="-122"/>
+                <a:ea typeface="微软雅黑" panose="020B0503020204020204" charset="-122"/>
+              </a:rPr>
+              <a:t>和吞吐率是不是会导致</a:t>
+            </a:r>
+            <a:r>
+              <a:rPr lang="en-US" altLang="zh-CN">
+                <a:solidFill>
+                  <a:schemeClr val="tx1"/>
+                </a:solidFill>
+                <a:uFillTx/>
+                <a:latin typeface="微软雅黑" panose="020B0503020204020204" charset="-122"/>
+                <a:ea typeface="微软雅黑" panose="020B0503020204020204" charset="-122"/>
+              </a:rPr>
+              <a:t>S3 I/O rate</a:t>
+            </a:r>
+            <a:r>
+              <a:rPr lang="zh-CN" altLang="en-US">
+                <a:solidFill>
+                  <a:schemeClr val="tx1"/>
+                </a:solidFill>
+                <a:uFillTx/>
+                <a:latin typeface="微软雅黑" panose="020B0503020204020204" charset="-122"/>
+                <a:ea typeface="微软雅黑" panose="020B0503020204020204" charset="-122"/>
+              </a:rPr>
+              <a:t>的</a:t>
+            </a:r>
+            <a:r>
+              <a:rPr lang="zh-CN" altLang="en-US">
+                <a:solidFill>
+                  <a:schemeClr val="tx1"/>
+                </a:solidFill>
+                <a:uFillTx/>
+                <a:latin typeface="微软雅黑" panose="020B0503020204020204" charset="-122"/>
+                <a:ea typeface="微软雅黑" panose="020B0503020204020204" charset="-122"/>
+              </a:rPr>
+              <a:t>瓶颈问题</a:t>
+            </a:r>
+            <a:endParaRPr lang="zh-CN" altLang="en-US">
+              <a:solidFill>
+                <a:schemeClr val="tx1"/>
+              </a:solidFill>
+              <a:uFillTx/>
+              <a:latin typeface="微软雅黑" panose="020B0503020204020204" charset="-122"/>
+              <a:ea typeface="微软雅黑" panose="020B0503020204020204" charset="-122"/>
+            </a:endParaRPr>
+          </a:p>
+        </p:txBody>
+      </p:sp>
+    </p:spTree>
+  </p:cSld>
+  <p:clrMapOvr>
+    <a:masterClrMapping/>
+  </p:clrMapOvr>
+</p:sld>
+</file>
+
+<file path=ppt/slides/slide17.xml><?xml version="1.0" encoding="utf-8"?>
 <p:sld xmlns:a="http://schemas.openxmlformats.org/drawingml/2006/main" xmlns:r="http://schemas.openxmlformats.org/officeDocument/2006/relationships" xmlns:p="http://schemas.openxmlformats.org/presentationml/2006/main">
   <p:cSld>
     <p:spTree>
@@ -10514,8 +10896,8 @@
         </p:nvSpPr>
         <p:spPr>
           <a:xfrm>
-            <a:off x="3538855" y="2727960"/>
-            <a:ext cx="1089025" cy="368300"/>
+            <a:off x="3601085" y="2724150"/>
+            <a:ext cx="969645" cy="368300"/>
           </a:xfrm>
           <a:prstGeom prst="rect">
             <a:avLst/>
@@ -10527,15 +10909,20 @@
             <a:spAutoFit/>
           </a:bodyPr>
           <a:p>
-            <a:r>
-              <a:rPr lang="en-US" altLang="zh-CN"/>
-              <a:t>Map </a:t>
-            </a:r>
-            <a:r>
-              <a:rPr lang="en-US" altLang="zh-CN"/>
-              <a:t>task</a:t>
-            </a:r>
-            <a:endParaRPr lang="en-US" altLang="zh-CN"/>
+            <a:pPr algn="l"/>
+            <a:r>
+              <a:rPr lang="en-US" altLang="zh-CN" b="1">
+                <a:solidFill>
+                  <a:srgbClr val="0070C0"/>
+                </a:solidFill>
+              </a:rPr>
+              <a:t>Stage 1</a:t>
+            </a:r>
+            <a:endParaRPr lang="en-US" altLang="zh-CN" b="1">
+              <a:solidFill>
+                <a:srgbClr val="0070C0"/>
+              </a:solidFill>
+            </a:endParaRPr>
           </a:p>
         </p:txBody>
       </p:sp>
@@ -13221,43 +13608,6 @@
       </p:sp>
       <p:sp>
         <p:nvSpPr>
-          <p:cNvPr id="138" name="文本框 137"/>
-          <p:cNvSpPr txBox="1"/>
-          <p:nvPr/>
-        </p:nvSpPr>
-        <p:spPr>
-          <a:xfrm>
-            <a:off x="7657465" y="2727960"/>
-            <a:ext cx="1505585" cy="368300"/>
-          </a:xfrm>
-          <a:prstGeom prst="rect">
-            <a:avLst/>
-          </a:prstGeom>
-          <a:noFill/>
-        </p:spPr>
-        <p:txBody>
-          <a:bodyPr wrap="square" rtlCol="0">
-            <a:spAutoFit/>
-          </a:bodyPr>
-          <a:p>
-            <a:r>
-              <a:rPr lang="en-US" altLang="zh-CN"/>
-              <a:t>R</a:t>
-            </a:r>
-            <a:r>
-              <a:rPr lang="en-US" altLang="zh-CN"/>
-              <a:t>eeduce </a:t>
-            </a:r>
-            <a:r>
-              <a:rPr lang="en-US" altLang="zh-CN"/>
-              <a:t>task</a:t>
-            </a:r>
-            <a:endParaRPr lang="en-US" altLang="zh-CN"/>
-          </a:p>
-        </p:txBody>
-      </p:sp>
-      <p:sp>
-        <p:nvSpPr>
           <p:cNvPr id="139" name="流程图: 终止 138"/>
           <p:cNvSpPr/>
           <p:nvPr/>
@@ -14712,6 +15062,44 @@
                 <a:schemeClr val="bg1">
                   <a:lumMod val="50000"/>
                 </a:schemeClr>
+              </a:solidFill>
+            </a:endParaRPr>
+          </a:p>
+        </p:txBody>
+      </p:sp>
+      <p:sp>
+        <p:nvSpPr>
+          <p:cNvPr id="6" name="文本框 5"/>
+          <p:cNvSpPr txBox="1"/>
+          <p:nvPr/>
+        </p:nvSpPr>
+        <p:spPr>
+          <a:xfrm>
+            <a:off x="7924800" y="2705735"/>
+            <a:ext cx="969645" cy="368300"/>
+          </a:xfrm>
+          <a:prstGeom prst="rect">
+            <a:avLst/>
+          </a:prstGeom>
+          <a:noFill/>
+        </p:spPr>
+        <p:txBody>
+          <a:bodyPr wrap="square" rtlCol="0">
+            <a:spAutoFit/>
+          </a:bodyPr>
+          <a:p>
+            <a:pPr algn="l"/>
+            <a:r>
+              <a:rPr lang="en-US" altLang="zh-CN" b="1">
+                <a:solidFill>
+                  <a:srgbClr val="0070C0"/>
+                </a:solidFill>
+              </a:rPr>
+              <a:t>Stage 2</a:t>
+            </a:r>
+            <a:endParaRPr lang="en-US" altLang="zh-CN" b="1">
+              <a:solidFill>
+                <a:srgbClr val="0070C0"/>
               </a:solidFill>
             </a:endParaRPr>
           </a:p>
@@ -16275,6 +16663,120 @@
           </a:p>
         </p:txBody>
       </p:sp>
+      <p:sp>
+        <p:nvSpPr>
+          <p:cNvPr id="4" name="文本框 3"/>
+          <p:cNvSpPr txBox="1"/>
+          <p:nvPr/>
+        </p:nvSpPr>
+        <p:spPr>
+          <a:xfrm>
+            <a:off x="1979295" y="3114040"/>
+            <a:ext cx="969645" cy="368300"/>
+          </a:xfrm>
+          <a:prstGeom prst="rect">
+            <a:avLst/>
+          </a:prstGeom>
+          <a:noFill/>
+        </p:spPr>
+        <p:txBody>
+          <a:bodyPr wrap="square" rtlCol="0">
+            <a:spAutoFit/>
+          </a:bodyPr>
+          <a:p>
+            <a:pPr algn="l"/>
+            <a:r>
+              <a:rPr lang="en-US" altLang="zh-CN" b="1">
+                <a:solidFill>
+                  <a:srgbClr val="0070C0"/>
+                </a:solidFill>
+              </a:rPr>
+              <a:t>Stage 1</a:t>
+            </a:r>
+            <a:endParaRPr lang="en-US" altLang="zh-CN" b="1">
+              <a:solidFill>
+                <a:srgbClr val="0070C0"/>
+              </a:solidFill>
+            </a:endParaRPr>
+          </a:p>
+        </p:txBody>
+      </p:sp>
+      <p:sp>
+        <p:nvSpPr>
+          <p:cNvPr id="5" name="文本框 4"/>
+          <p:cNvSpPr txBox="1"/>
+          <p:nvPr/>
+        </p:nvSpPr>
+        <p:spPr>
+          <a:xfrm>
+            <a:off x="1979295" y="4103370"/>
+            <a:ext cx="969645" cy="368300"/>
+          </a:xfrm>
+          <a:prstGeom prst="rect">
+            <a:avLst/>
+          </a:prstGeom>
+          <a:noFill/>
+        </p:spPr>
+        <p:txBody>
+          <a:bodyPr wrap="square" rtlCol="0">
+            <a:spAutoFit/>
+          </a:bodyPr>
+          <a:p>
+            <a:pPr algn="l"/>
+            <a:r>
+              <a:rPr lang="en-US" altLang="zh-CN" b="1">
+                <a:solidFill>
+                  <a:srgbClr val="0070C0"/>
+                </a:solidFill>
+              </a:rPr>
+              <a:t>Stage 2</a:t>
+            </a:r>
+            <a:endParaRPr lang="en-US" altLang="zh-CN" b="1">
+              <a:solidFill>
+                <a:srgbClr val="0070C0"/>
+              </a:solidFill>
+            </a:endParaRPr>
+          </a:p>
+        </p:txBody>
+      </p:sp>
+      <p:sp>
+        <p:nvSpPr>
+          <p:cNvPr id="6" name="文本框 5"/>
+          <p:cNvSpPr txBox="1"/>
+          <p:nvPr/>
+        </p:nvSpPr>
+        <p:spPr>
+          <a:xfrm>
+            <a:off x="1979295" y="5132070"/>
+            <a:ext cx="969645" cy="368300"/>
+          </a:xfrm>
+          <a:prstGeom prst="rect">
+            <a:avLst/>
+          </a:prstGeom>
+          <a:noFill/>
+        </p:spPr>
+        <p:txBody>
+          <a:bodyPr wrap="square" rtlCol="0">
+            <a:spAutoFit/>
+          </a:bodyPr>
+          <a:p>
+            <a:pPr algn="l"/>
+            <a:r>
+              <a:rPr lang="en-US" altLang="zh-CN" b="1">
+                <a:solidFill>
+                  <a:srgbClr val="0070C0"/>
+                </a:solidFill>
+              </a:rPr>
+              <a:t>Stage 3</a:t>
+            </a:r>
+            <a:endParaRPr lang="en-US" altLang="zh-CN" b="1">
+              <a:solidFill>
+                <a:srgbClr val="0070C0"/>
+              </a:solidFill>
+            </a:endParaRPr>
+          </a:p>
+        </p:txBody>
+      </p:sp>
     </p:spTree>
   </p:cSld>
   <p:clrMapOvr>
@@ -18263,8 +18765,8 @@
         </p:nvSpPr>
         <p:spPr>
           <a:xfrm>
-            <a:off x="5019675" y="5280025"/>
-            <a:ext cx="2152650" cy="398780"/>
+            <a:off x="5347970" y="5280025"/>
+            <a:ext cx="1288415" cy="398780"/>
           </a:xfrm>
           <a:prstGeom prst="rect">
             <a:avLst/>
@@ -18286,7 +18788,7 @@
                 <a:latin typeface="微软雅黑" panose="020B0503020204020204" charset="-122"/>
                 <a:ea typeface="微软雅黑" panose="020B0503020204020204" charset="-122"/>
               </a:rPr>
-              <a:t>Compile stage</a:t>
+              <a:t>Compile </a:t>
             </a:r>
             <a:endParaRPr lang="en-US" altLang="zh-CN" sz="2000" b="1">
               <a:solidFill>
@@ -18308,8 +18810,8 @@
         </p:nvSpPr>
         <p:spPr>
           <a:xfrm>
-            <a:off x="9867900" y="5280025"/>
-            <a:ext cx="1485900" cy="398780"/>
+            <a:off x="10156825" y="5280025"/>
+            <a:ext cx="729615" cy="398780"/>
           </a:xfrm>
           <a:prstGeom prst="rect">
             <a:avLst/>
@@ -18343,7 +18845,7 @@
                 <a:latin typeface="微软雅黑" panose="020B0503020204020204" charset="-122"/>
                 <a:ea typeface="微软雅黑" panose="020B0503020204020204" charset="-122"/>
               </a:rPr>
-              <a:t>ink stage</a:t>
+              <a:t>ink </a:t>
             </a:r>
             <a:endParaRPr lang="en-US" altLang="zh-CN" sz="2000" b="1">
               <a:solidFill>
@@ -18718,6 +19220,82 @@
             <a:endParaRPr lang="zh-CN" altLang="en-US" dirty="0">
               <a:solidFill>
                 <a:schemeClr val="tx1"/>
+              </a:solidFill>
+            </a:endParaRPr>
+          </a:p>
+        </p:txBody>
+      </p:sp>
+      <p:sp>
+        <p:nvSpPr>
+          <p:cNvPr id="4" name="文本框 3"/>
+          <p:cNvSpPr txBox="1"/>
+          <p:nvPr/>
+        </p:nvSpPr>
+        <p:spPr>
+          <a:xfrm>
+            <a:off x="5507355" y="5678805"/>
+            <a:ext cx="969645" cy="368300"/>
+          </a:xfrm>
+          <a:prstGeom prst="rect">
+            <a:avLst/>
+          </a:prstGeom>
+          <a:noFill/>
+        </p:spPr>
+        <p:txBody>
+          <a:bodyPr wrap="square" rtlCol="0">
+            <a:spAutoFit/>
+          </a:bodyPr>
+          <a:p>
+            <a:pPr algn="l"/>
+            <a:r>
+              <a:rPr lang="en-US" altLang="zh-CN" b="1">
+                <a:solidFill>
+                  <a:srgbClr val="0070C0"/>
+                </a:solidFill>
+              </a:rPr>
+              <a:t>Stage 1</a:t>
+            </a:r>
+            <a:endParaRPr lang="en-US" altLang="zh-CN" b="1">
+              <a:solidFill>
+                <a:srgbClr val="0070C0"/>
+              </a:solidFill>
+            </a:endParaRPr>
+          </a:p>
+        </p:txBody>
+      </p:sp>
+      <p:sp>
+        <p:nvSpPr>
+          <p:cNvPr id="37" name="文本框 36"/>
+          <p:cNvSpPr txBox="1"/>
+          <p:nvPr/>
+        </p:nvSpPr>
+        <p:spPr>
+          <a:xfrm>
+            <a:off x="10036810" y="5646420"/>
+            <a:ext cx="969645" cy="368300"/>
+          </a:xfrm>
+          <a:prstGeom prst="rect">
+            <a:avLst/>
+          </a:prstGeom>
+          <a:noFill/>
+        </p:spPr>
+        <p:txBody>
+          <a:bodyPr wrap="square" rtlCol="0">
+            <a:spAutoFit/>
+          </a:bodyPr>
+          <a:p>
+            <a:pPr algn="l"/>
+            <a:r>
+              <a:rPr lang="en-US" altLang="zh-CN" b="1">
+                <a:solidFill>
+                  <a:srgbClr val="0070C0"/>
+                </a:solidFill>
+              </a:rPr>
+              <a:t>Stage 2</a:t>
+            </a:r>
+            <a:endParaRPr lang="en-US" altLang="zh-CN" b="1">
+              <a:solidFill>
+                <a:srgbClr val="0070C0"/>
               </a:solidFill>
             </a:endParaRPr>
           </a:p>
@@ -18760,6 +19338,183 @@
               <a:t>数据分析应用的</a:t>
             </a:r>
             <a:r>
+              <a:rPr lang="en-US" altLang="zh-CN"/>
+              <a:t>DAG</a:t>
+            </a:r>
+            <a:r>
+              <a:rPr lang="zh-CN" altLang="en-US"/>
+              <a:t>特征</a:t>
+            </a:r>
+            <a:endParaRPr lang="zh-CN" altLang="en-US"/>
+          </a:p>
+        </p:txBody>
+      </p:sp>
+      <p:sp>
+        <p:nvSpPr>
+          <p:cNvPr id="3" name="内容占位符 2"/>
+          <p:cNvSpPr>
+            <a:spLocks noGrp="1"/>
+          </p:cNvSpPr>
+          <p:nvPr>
+            <p:ph idx="1"/>
+          </p:nvPr>
+        </p:nvSpPr>
+        <p:spPr>
+          <a:xfrm>
+            <a:off x="838200" y="1383030"/>
+            <a:ext cx="10824845" cy="5300345"/>
+          </a:xfrm>
+        </p:spPr>
+        <p:txBody>
+          <a:bodyPr>
+            <a:normAutofit/>
+          </a:bodyPr>
+          <a:p>
+            <a:pPr marL="0" indent="0"/>
+            <a:r>
+              <a:rPr lang="en-US" altLang="zh-CN">
+                <a:solidFill>
+                  <a:schemeClr val="tx1"/>
+                </a:solidFill>
+                <a:uFillTx/>
+                <a:latin typeface="等线" panose="02010600030101010101" charset="-122"/>
+              </a:rPr>
+              <a:t> </a:t>
+            </a:r>
+            <a:r>
+              <a:rPr lang="en-US" altLang="zh-CN" b="1">
+                <a:solidFill>
+                  <a:schemeClr val="tx1"/>
+                </a:solidFill>
+                <a:uFillTx/>
+                <a:latin typeface="微软雅黑" panose="020B0503020204020204" charset="-122"/>
+                <a:ea typeface="微软雅黑" panose="020B0503020204020204" charset="-122"/>
+              </a:rPr>
+              <a:t>I/O size</a:t>
+            </a:r>
+            <a:endParaRPr lang="en-US" altLang="zh-CN" b="1">
+              <a:solidFill>
+                <a:schemeClr val="tx1"/>
+              </a:solidFill>
+              <a:uFillTx/>
+              <a:latin typeface="微软雅黑" panose="020B0503020204020204" charset="-122"/>
+              <a:ea typeface="微软雅黑" panose="020B0503020204020204" charset="-122"/>
+            </a:endParaRPr>
+          </a:p>
+          <a:p>
+            <a:pPr marL="457200" lvl="1" indent="0"/>
+            <a:r>
+              <a:rPr lang="en-US" altLang="zh-CN">
+                <a:solidFill>
+                  <a:schemeClr val="tx1"/>
+                </a:solidFill>
+                <a:uFillTx/>
+                <a:latin typeface="等线" panose="02010600030101010101" charset="-122"/>
+              </a:rPr>
+              <a:t> The granularity of data access varies widely</a:t>
+            </a:r>
+            <a:endParaRPr lang="en-US" altLang="zh-CN">
+              <a:solidFill>
+                <a:schemeClr val="tx1"/>
+              </a:solidFill>
+              <a:uFillTx/>
+              <a:latin typeface="等线" panose="02010600030101010101" charset="-122"/>
+            </a:endParaRPr>
+          </a:p>
+          <a:p>
+            <a:pPr marL="914400" lvl="2" indent="0">
+              <a:buNone/>
+            </a:pPr>
+            <a:endParaRPr lang="en-US" altLang="zh-CN">
+              <a:solidFill>
+                <a:schemeClr val="tx1"/>
+              </a:solidFill>
+              <a:uFillTx/>
+              <a:latin typeface="等线" panose="02010600030101010101" charset="-122"/>
+            </a:endParaRPr>
+          </a:p>
+        </p:txBody>
+      </p:sp>
+      <p:sp>
+        <p:nvSpPr>
+          <p:cNvPr id="19" name="文本框 18"/>
+          <p:cNvSpPr txBox="1"/>
+          <p:nvPr/>
+        </p:nvSpPr>
+        <p:spPr>
+          <a:xfrm>
+            <a:off x="0" y="6520815"/>
+            <a:ext cx="11722735" cy="337185"/>
+          </a:xfrm>
+          <a:prstGeom prst="rect">
+            <a:avLst/>
+          </a:prstGeom>
+          <a:noFill/>
+        </p:spPr>
+        <p:txBody>
+          <a:bodyPr wrap="square" rtlCol="0">
+            <a:spAutoFit/>
+          </a:bodyPr>
+          <a:p>
+            <a:r>
+              <a:rPr lang="en-US" altLang="zh-CN" sz="1600">
+                <a:solidFill>
+                  <a:schemeClr val="bg2">
+                    <a:lumMod val="50000"/>
+                  </a:schemeClr>
+                </a:solidFill>
+                <a:sym typeface="+mn-ea"/>
+              </a:rPr>
+              <a:t>[1] Understanding Ephemeral Storage for Serverless Analytics  ATC’18</a:t>
+            </a:r>
+            <a:endParaRPr lang="en-US" altLang="zh-CN" sz="1600">
+              <a:solidFill>
+                <a:schemeClr val="bg2">
+                  <a:lumMod val="50000"/>
+                </a:schemeClr>
+              </a:solidFill>
+              <a:sym typeface="+mn-ea"/>
+            </a:endParaRPr>
+          </a:p>
+        </p:txBody>
+      </p:sp>
+    </p:spTree>
+  </p:cSld>
+  <p:clrMapOvr>
+    <a:masterClrMapping/>
+  </p:clrMapOvr>
+</p:sld>
+</file>
+
+<file path=ppt/slides/slide7.xml><?xml version="1.0" encoding="utf-8"?>
+<p:sld xmlns:a="http://schemas.openxmlformats.org/drawingml/2006/main" xmlns:r="http://schemas.openxmlformats.org/officeDocument/2006/relationships" xmlns:p="http://schemas.openxmlformats.org/presentationml/2006/main">
+  <p:cSld>
+    <p:spTree>
+      <p:nvGrpSpPr>
+        <p:cNvPr id="1" name=""/>
+        <p:cNvGrpSpPr/>
+        <p:nvPr/>
+      </p:nvGrpSpPr>
+      <p:grpSpPr/>
+      <p:sp>
+        <p:nvSpPr>
+          <p:cNvPr id="2" name="标题 1"/>
+          <p:cNvSpPr>
+            <a:spLocks noGrp="1"/>
+          </p:cNvSpPr>
+          <p:nvPr>
+            <p:ph type="title"/>
+          </p:nvPr>
+        </p:nvSpPr>
+        <p:spPr/>
+        <p:txBody>
+          <a:bodyPr/>
+          <a:p>
+            <a:r>
+              <a:rPr lang="zh-CN" altLang="en-US"/>
+              <a:t>数据分析应用的</a:t>
+            </a:r>
+            <a:r>
               <a:rPr lang="zh-CN" altLang="en-US"/>
               <a:t>数据特征</a:t>
             </a:r>
@@ -18998,530 +19753,6 @@
 </p:sld>
 </file>
 
-<file path=ppt/slides/slide7.xml><?xml version="1.0" encoding="utf-8"?>
-<p:sld xmlns:a="http://schemas.openxmlformats.org/drawingml/2006/main" xmlns:r="http://schemas.openxmlformats.org/officeDocument/2006/relationships" xmlns:p="http://schemas.openxmlformats.org/presentationml/2006/main">
-  <p:cSld>
-    <p:spTree>
-      <p:nvGrpSpPr>
-        <p:cNvPr id="1" name=""/>
-        <p:cNvGrpSpPr/>
-        <p:nvPr/>
-      </p:nvGrpSpPr>
-      <p:grpSpPr/>
-      <p:sp>
-        <p:nvSpPr>
-          <p:cNvPr id="2" name="标题 1"/>
-          <p:cNvSpPr>
-            <a:spLocks noGrp="1"/>
-          </p:cNvSpPr>
-          <p:nvPr>
-            <p:ph type="title"/>
-          </p:nvPr>
-        </p:nvSpPr>
-        <p:spPr/>
-        <p:txBody>
-          <a:bodyPr/>
-          <a:p>
-            <a:r>
-              <a:rPr lang="zh-CN" altLang="en-US"/>
-              <a:t>数据分析应用的</a:t>
-            </a:r>
-            <a:r>
-              <a:rPr lang="zh-CN" altLang="en-US"/>
-              <a:t>数据特征</a:t>
-            </a:r>
-            <a:endParaRPr lang="zh-CN" altLang="en-US"/>
-          </a:p>
-        </p:txBody>
-      </p:sp>
-      <p:sp>
-        <p:nvSpPr>
-          <p:cNvPr id="3" name="内容占位符 2"/>
-          <p:cNvSpPr>
-            <a:spLocks noGrp="1"/>
-          </p:cNvSpPr>
-          <p:nvPr>
-            <p:ph idx="1"/>
-          </p:nvPr>
-        </p:nvSpPr>
-        <p:spPr>
-          <a:xfrm>
-            <a:off x="838200" y="1383030"/>
-            <a:ext cx="10824845" cy="5300345"/>
-          </a:xfrm>
-        </p:spPr>
-        <p:txBody>
-          <a:bodyPr>
-            <a:normAutofit/>
-          </a:bodyPr>
-          <a:p>
-            <a:pPr lvl="0"/>
-            <a:r>
-              <a:rPr lang="en-US" altLang="zh-CN">
-                <a:solidFill>
-                  <a:schemeClr val="tx1"/>
-                </a:solidFill>
-                <a:uFillTx/>
-                <a:latin typeface="等线" panose="02010600030101010101" charset="-122"/>
-              </a:rPr>
-              <a:t> </a:t>
-            </a:r>
-            <a:r>
-              <a:rPr lang="en-US" altLang="zh-CN" b="1">
-                <a:solidFill>
-                  <a:schemeClr val="tx1"/>
-                </a:solidFill>
-                <a:uFillTx/>
-                <a:latin typeface="微软雅黑" panose="020B0503020204020204" charset="-122"/>
-                <a:ea typeface="微软雅黑" panose="020B0503020204020204" charset="-122"/>
-              </a:rPr>
-              <a:t>Data access frequency</a:t>
-            </a:r>
-            <a:endParaRPr lang="en-US" altLang="zh-CN">
-              <a:solidFill>
-                <a:schemeClr val="tx1"/>
-              </a:solidFill>
-              <a:uFillTx/>
-              <a:latin typeface="等线" panose="02010600030101010101" charset="-122"/>
-            </a:endParaRPr>
-          </a:p>
-          <a:p>
-            <a:pPr lvl="1"/>
-            <a:r>
-              <a:rPr lang="en-US" altLang="zh-CN">
-                <a:solidFill>
-                  <a:schemeClr val="tx1"/>
-                </a:solidFill>
-                <a:uFillTx/>
-                <a:latin typeface="等线" panose="02010600030101010101" charset="-122"/>
-              </a:rPr>
-              <a:t> </a:t>
-            </a:r>
-            <a:endParaRPr lang="en-US" altLang="zh-CN">
-              <a:solidFill>
-                <a:schemeClr val="tx1"/>
-              </a:solidFill>
-              <a:uFillTx/>
-              <a:latin typeface="等线" panose="02010600030101010101" charset="-122"/>
-            </a:endParaRPr>
-          </a:p>
-        </p:txBody>
-      </p:sp>
-      <p:pic>
-        <p:nvPicPr>
-          <p:cNvPr id="5" name="图片 4"/>
-          <p:cNvPicPr>
-            <a:picLocks noChangeAspect="1"/>
-          </p:cNvPicPr>
-          <p:nvPr/>
-        </p:nvPicPr>
-        <p:blipFill>
-          <a:blip r:embed="rId1"/>
-          <a:stretch>
-            <a:fillRect/>
-          </a:stretch>
-        </p:blipFill>
-        <p:spPr>
-          <a:xfrm>
-            <a:off x="3710940" y="3162935"/>
-            <a:ext cx="5079365" cy="3266440"/>
-          </a:xfrm>
-          <a:prstGeom prst="rect">
-            <a:avLst/>
-          </a:prstGeom>
-        </p:spPr>
-      </p:pic>
-      <p:sp>
-        <p:nvSpPr>
-          <p:cNvPr id="6" name="文本框 5"/>
-          <p:cNvSpPr txBox="1"/>
-          <p:nvPr/>
-        </p:nvSpPr>
-        <p:spPr>
-          <a:xfrm>
-            <a:off x="838200" y="2564765"/>
-            <a:ext cx="2185670" cy="368300"/>
-          </a:xfrm>
-          <a:prstGeom prst="rect">
-            <a:avLst/>
-          </a:prstGeom>
-          <a:noFill/>
-        </p:spPr>
-        <p:txBody>
-          <a:bodyPr wrap="square" rtlCol="0">
-            <a:spAutoFit/>
-          </a:bodyPr>
-          <a:p>
-            <a:r>
-              <a:rPr lang="zh-CN" altLang="en-US" b="1">
-                <a:latin typeface="微软雅黑" panose="020B0503020204020204" charset="-122"/>
-                <a:ea typeface="微软雅黑" panose="020B0503020204020204" charset="-122"/>
-              </a:rPr>
-              <a:t>Application Type</a:t>
-            </a:r>
-            <a:endParaRPr lang="zh-CN" altLang="en-US" b="1">
-              <a:latin typeface="微软雅黑" panose="020B0503020204020204" charset="-122"/>
-              <a:ea typeface="微软雅黑" panose="020B0503020204020204" charset="-122"/>
-            </a:endParaRPr>
-          </a:p>
-        </p:txBody>
-      </p:sp>
-      <p:sp>
-        <p:nvSpPr>
-          <p:cNvPr id="7" name="文本框 6"/>
-          <p:cNvSpPr txBox="1"/>
-          <p:nvPr/>
-        </p:nvSpPr>
-        <p:spPr>
-          <a:xfrm>
-            <a:off x="1240155" y="3348355"/>
-            <a:ext cx="1381760" cy="645160"/>
-          </a:xfrm>
-          <a:prstGeom prst="rect">
-            <a:avLst/>
-          </a:prstGeom>
-          <a:noFill/>
-        </p:spPr>
-        <p:txBody>
-          <a:bodyPr wrap="square" rtlCol="0">
-            <a:spAutoFit/>
-          </a:bodyPr>
-          <a:p>
-            <a:r>
-              <a:rPr lang="en-US" altLang="zh-CN">
-                <a:ea typeface="+mn-lt"/>
-              </a:rPr>
-              <a:t> </a:t>
-            </a:r>
-            <a:r>
-              <a:rPr lang="zh-CN" altLang="en-US">
-                <a:ea typeface="+mn-lt"/>
-              </a:rPr>
-              <a:t>Distributed</a:t>
-            </a:r>
-            <a:endParaRPr lang="zh-CN" altLang="en-US">
-              <a:ea typeface="+mn-lt"/>
-            </a:endParaRPr>
-          </a:p>
-          <a:p>
-            <a:r>
-              <a:rPr lang="zh-CN" altLang="en-US">
-                <a:ea typeface="+mn-lt"/>
-              </a:rPr>
-              <a:t>Compilation</a:t>
-            </a:r>
-            <a:endParaRPr lang="zh-CN" altLang="en-US">
-              <a:ea typeface="+mn-lt"/>
-            </a:endParaRPr>
-          </a:p>
-        </p:txBody>
-      </p:sp>
-      <p:sp>
-        <p:nvSpPr>
-          <p:cNvPr id="8" name="文本框 7"/>
-          <p:cNvSpPr txBox="1"/>
-          <p:nvPr/>
-        </p:nvSpPr>
-        <p:spPr>
-          <a:xfrm>
-            <a:off x="1250315" y="4408805"/>
-            <a:ext cx="1371600" cy="368300"/>
-          </a:xfrm>
-          <a:prstGeom prst="rect">
-            <a:avLst/>
-          </a:prstGeom>
-          <a:noFill/>
-        </p:spPr>
-        <p:txBody>
-          <a:bodyPr wrap="square" rtlCol="0">
-            <a:spAutoFit/>
-          </a:bodyPr>
-          <a:p>
-            <a:r>
-              <a:rPr lang="zh-CN" altLang="en-US">
-                <a:ea typeface="+mn-lt"/>
-              </a:rPr>
-              <a:t>MapReduce</a:t>
-            </a:r>
-            <a:endParaRPr lang="zh-CN" altLang="en-US">
-              <a:ea typeface="+mn-lt"/>
-            </a:endParaRPr>
-          </a:p>
-        </p:txBody>
-      </p:sp>
-      <p:sp>
-        <p:nvSpPr>
-          <p:cNvPr id="9" name="文本框 8"/>
-          <p:cNvSpPr txBox="1"/>
-          <p:nvPr/>
-        </p:nvSpPr>
-        <p:spPr>
-          <a:xfrm>
-            <a:off x="1088390" y="5405755"/>
-            <a:ext cx="1695450" cy="368300"/>
-          </a:xfrm>
-          <a:prstGeom prst="rect">
-            <a:avLst/>
-          </a:prstGeom>
-          <a:noFill/>
-        </p:spPr>
-        <p:txBody>
-          <a:bodyPr wrap="square" rtlCol="0">
-            <a:spAutoFit/>
-          </a:bodyPr>
-          <a:p>
-            <a:r>
-              <a:rPr lang="zh-CN" altLang="en-US">
-                <a:ea typeface="+mn-lt"/>
-              </a:rPr>
-              <a:t>Video Analytics</a:t>
-            </a:r>
-            <a:endParaRPr lang="zh-CN" altLang="en-US">
-              <a:ea typeface="+mn-lt"/>
-            </a:endParaRPr>
-          </a:p>
-        </p:txBody>
-      </p:sp>
-      <p:sp>
-        <p:nvSpPr>
-          <p:cNvPr id="10" name="文本框 9"/>
-          <p:cNvSpPr txBox="1"/>
-          <p:nvPr/>
-        </p:nvSpPr>
-        <p:spPr>
-          <a:xfrm>
-            <a:off x="4702175" y="2426335"/>
-            <a:ext cx="3509645" cy="645160"/>
-          </a:xfrm>
-          <a:prstGeom prst="rect">
-            <a:avLst/>
-          </a:prstGeom>
-          <a:noFill/>
-        </p:spPr>
-        <p:txBody>
-          <a:bodyPr wrap="square" rtlCol="0">
-            <a:spAutoFit/>
-          </a:bodyPr>
-          <a:p>
-            <a:r>
-              <a:rPr lang="zh-CN" altLang="en-US" b="1">
-                <a:latin typeface="微软雅黑" panose="020B0503020204020204" charset="-122"/>
-                <a:ea typeface="微软雅黑" panose="020B0503020204020204" charset="-122"/>
-              </a:rPr>
-              <a:t>Ephemeral I/O Throughput:</a:t>
-            </a:r>
-            <a:endParaRPr lang="zh-CN" altLang="en-US" b="1">
-              <a:latin typeface="微软雅黑" panose="020B0503020204020204" charset="-122"/>
-              <a:ea typeface="微软雅黑" panose="020B0503020204020204" charset="-122"/>
-            </a:endParaRPr>
-          </a:p>
-          <a:p>
-            <a:r>
-              <a:rPr lang="zh-CN" altLang="en-US" b="1">
-                <a:latin typeface="微软雅黑" panose="020B0503020204020204" charset="-122"/>
-                <a:ea typeface="微软雅黑" panose="020B0503020204020204" charset="-122"/>
-              </a:rPr>
-              <a:t>Write (dotted), Read (solid)</a:t>
-            </a:r>
-            <a:r>
-              <a:rPr lang="en-US" altLang="zh-CN" b="1" baseline="30000">
-                <a:latin typeface="微软雅黑" panose="020B0503020204020204" charset="-122"/>
-                <a:ea typeface="微软雅黑" panose="020B0503020204020204" charset="-122"/>
-              </a:rPr>
-              <a:t>[1]</a:t>
-            </a:r>
-            <a:endParaRPr lang="en-US" altLang="zh-CN" b="1" baseline="30000">
-              <a:latin typeface="微软雅黑" panose="020B0503020204020204" charset="-122"/>
-              <a:ea typeface="微软雅黑" panose="020B0503020204020204" charset="-122"/>
-            </a:endParaRPr>
-          </a:p>
-        </p:txBody>
-      </p:sp>
-      <p:sp>
-        <p:nvSpPr>
-          <p:cNvPr id="11" name="文本框 10"/>
-          <p:cNvSpPr txBox="1"/>
-          <p:nvPr/>
-        </p:nvSpPr>
-        <p:spPr>
-          <a:xfrm>
-            <a:off x="9646285" y="2564765"/>
-            <a:ext cx="2185670" cy="368300"/>
-          </a:xfrm>
-          <a:prstGeom prst="rect">
-            <a:avLst/>
-          </a:prstGeom>
-          <a:noFill/>
-        </p:spPr>
-        <p:txBody>
-          <a:bodyPr wrap="square" rtlCol="0">
-            <a:spAutoFit/>
-          </a:bodyPr>
-          <a:p>
-            <a:r>
-              <a:rPr lang="zh-CN" altLang="en-US" b="1">
-                <a:latin typeface="微软雅黑" panose="020B0503020204020204" charset="-122"/>
-                <a:ea typeface="微软雅黑" panose="020B0503020204020204" charset="-122"/>
-              </a:rPr>
-              <a:t>Application Type</a:t>
-            </a:r>
-            <a:endParaRPr lang="zh-CN" altLang="en-US" b="1">
-              <a:latin typeface="微软雅黑" panose="020B0503020204020204" charset="-122"/>
-              <a:ea typeface="微软雅黑" panose="020B0503020204020204" charset="-122"/>
-            </a:endParaRPr>
-          </a:p>
-        </p:txBody>
-      </p:sp>
-      <p:sp>
-        <p:nvSpPr>
-          <p:cNvPr id="14" name="文本框 13"/>
-          <p:cNvSpPr txBox="1"/>
-          <p:nvPr/>
-        </p:nvSpPr>
-        <p:spPr>
-          <a:xfrm>
-            <a:off x="10293350" y="3348355"/>
-            <a:ext cx="901700" cy="368300"/>
-          </a:xfrm>
-          <a:prstGeom prst="rect">
-            <a:avLst/>
-          </a:prstGeom>
-          <a:noFill/>
-        </p:spPr>
-        <p:txBody>
-          <a:bodyPr wrap="square" rtlCol="0">
-            <a:spAutoFit/>
-          </a:bodyPr>
-          <a:p>
-            <a:r>
-              <a:rPr lang="en-US" altLang="zh-CN">
-                <a:ea typeface="+mn-lt"/>
-              </a:rPr>
-              <a:t>0.95GB</a:t>
-            </a:r>
-            <a:endParaRPr lang="en-US" altLang="zh-CN">
-              <a:ea typeface="+mn-lt"/>
-            </a:endParaRPr>
-          </a:p>
-        </p:txBody>
-      </p:sp>
-      <p:sp>
-        <p:nvSpPr>
-          <p:cNvPr id="15" name="文本框 14"/>
-          <p:cNvSpPr txBox="1"/>
-          <p:nvPr/>
-        </p:nvSpPr>
-        <p:spPr>
-          <a:xfrm>
-            <a:off x="10323195" y="4408805"/>
-            <a:ext cx="831850" cy="368300"/>
-          </a:xfrm>
-          <a:prstGeom prst="rect">
-            <a:avLst/>
-          </a:prstGeom>
-          <a:noFill/>
-        </p:spPr>
-        <p:txBody>
-          <a:bodyPr wrap="square" rtlCol="0">
-            <a:spAutoFit/>
-          </a:bodyPr>
-          <a:p>
-            <a:r>
-              <a:rPr lang="en-US" altLang="zh-CN">
-                <a:ea typeface="+mn-lt"/>
-              </a:rPr>
-              <a:t>100GB</a:t>
-            </a:r>
-            <a:endParaRPr lang="zh-CN" altLang="en-US">
-              <a:ea typeface="+mn-lt"/>
-            </a:endParaRPr>
-          </a:p>
-        </p:txBody>
-      </p:sp>
-      <p:sp>
-        <p:nvSpPr>
-          <p:cNvPr id="16" name="文本框 15"/>
-          <p:cNvSpPr txBox="1"/>
-          <p:nvPr/>
-        </p:nvSpPr>
-        <p:spPr>
-          <a:xfrm>
-            <a:off x="10438765" y="5405755"/>
-            <a:ext cx="600075" cy="368300"/>
-          </a:xfrm>
-          <a:prstGeom prst="rect">
-            <a:avLst/>
-          </a:prstGeom>
-          <a:noFill/>
-        </p:spPr>
-        <p:txBody>
-          <a:bodyPr wrap="square" rtlCol="0">
-            <a:spAutoFit/>
-          </a:bodyPr>
-          <a:p>
-            <a:r>
-              <a:rPr lang="en-US" altLang="zh-CN">
-                <a:ea typeface="+mn-lt"/>
-              </a:rPr>
-              <a:t>6GB</a:t>
-            </a:r>
-            <a:endParaRPr lang="en-US" altLang="zh-CN">
-              <a:ea typeface="+mn-lt"/>
-            </a:endParaRPr>
-          </a:p>
-        </p:txBody>
-      </p:sp>
-      <p:sp>
-        <p:nvSpPr>
-          <p:cNvPr id="19" name="文本框 18"/>
-          <p:cNvSpPr txBox="1"/>
-          <p:nvPr/>
-        </p:nvSpPr>
-        <p:spPr>
-          <a:xfrm>
-            <a:off x="0" y="6520815"/>
-            <a:ext cx="11722735" cy="337185"/>
-          </a:xfrm>
-          <a:prstGeom prst="rect">
-            <a:avLst/>
-          </a:prstGeom>
-          <a:noFill/>
-        </p:spPr>
-        <p:txBody>
-          <a:bodyPr wrap="square" rtlCol="0">
-            <a:spAutoFit/>
-          </a:bodyPr>
-          <a:p>
-            <a:r>
-              <a:rPr lang="en-US" altLang="zh-CN" sz="1600">
-                <a:solidFill>
-                  <a:schemeClr val="bg2">
-                    <a:lumMod val="50000"/>
-                  </a:schemeClr>
-                </a:solidFill>
-                <a:sym typeface="+mn-ea"/>
-              </a:rPr>
-              <a:t>[1] Understanding Ephemeral Storage for Serverless Analytics  ATC’18</a:t>
-            </a:r>
-            <a:endParaRPr lang="en-US" altLang="zh-CN" sz="1600">
-              <a:solidFill>
-                <a:schemeClr val="bg2">
-                  <a:lumMod val="50000"/>
-                </a:schemeClr>
-              </a:solidFill>
-              <a:sym typeface="+mn-ea"/>
-            </a:endParaRPr>
-          </a:p>
-        </p:txBody>
-      </p:sp>
-    </p:spTree>
-  </p:cSld>
-  <p:clrMapOvr>
-    <a:masterClrMapping/>
-  </p:clrMapOvr>
-</p:sld>
-</file>
-
 <file path=ppt/slides/slide8.xml><?xml version="1.0" encoding="utf-8"?>
 <p:sld xmlns:a="http://schemas.openxmlformats.org/drawingml/2006/main" xmlns:r="http://schemas.openxmlformats.org/officeDocument/2006/relationships" xmlns:p="http://schemas.openxmlformats.org/presentationml/2006/main">
   <p:cSld>
@@ -19552,7 +19783,7 @@
             </a:r>
             <a:r>
               <a:rPr lang="zh-CN" altLang="en-US"/>
-              <a:t>数据特征</a:t>
+              <a:t>访问特征</a:t>
             </a:r>
             <a:endParaRPr lang="zh-CN" altLang="en-US"/>
           </a:p>
@@ -19599,15 +19830,14 @@
                 <a:latin typeface="微软雅黑" panose="020B0503020204020204" charset="-122"/>
                 <a:ea typeface="微软雅黑" panose="020B0503020204020204" charset="-122"/>
               </a:rPr>
-              <a:t>S3/Redis throughput</a:t>
-            </a:r>
-            <a:endParaRPr lang="en-US" altLang="zh-CN" b="1">
+              <a:t>Data access frequency</a:t>
+            </a:r>
+            <a:endParaRPr lang="en-US" altLang="zh-CN">
               <a:solidFill>
                 <a:schemeClr val="tx1"/>
               </a:solidFill>
               <a:uFillTx/>
-              <a:latin typeface="微软雅黑" panose="020B0503020204020204" charset="-122"/>
-              <a:ea typeface="微软雅黑" panose="020B0503020204020204" charset="-122"/>
+              <a:latin typeface="等线" panose="02010600030101010101" charset="-122"/>
             </a:endParaRPr>
           </a:p>
           <a:p>
@@ -19620,7 +19850,7 @@
                 <a:uFillTx/>
                 <a:latin typeface="等线" panose="02010600030101010101" charset="-122"/>
               </a:rPr>
-              <a:t> S3 is not designed to sustain high request rate for small objects</a:t>
+              <a:t> </a:t>
             </a:r>
             <a:endParaRPr lang="en-US" altLang="zh-CN">
               <a:solidFill>
@@ -19630,43 +19860,11 @@
               <a:latin typeface="等线" panose="02010600030101010101" charset="-122"/>
             </a:endParaRPr>
           </a:p>
-          <a:p>
-            <a:pPr lvl="1"/>
-            <a:r>
-              <a:rPr lang="en-US" altLang="zh-CN">
-                <a:solidFill>
-                  <a:schemeClr val="tx1"/>
-                </a:solidFill>
-                <a:uFillTx/>
-                <a:latin typeface="等线" panose="02010600030101010101" charset="-122"/>
-              </a:rPr>
-              <a:t> S3 is a multi-tenant service, there is an imposed limit on request throughput per S3 bucket for the benefit of overall availability</a:t>
-            </a:r>
-            <a:endParaRPr lang="en-US" altLang="zh-CN">
-              <a:solidFill>
-                <a:schemeClr val="tx1"/>
-              </a:solidFill>
-              <a:uFillTx/>
-              <a:latin typeface="等线" panose="02010600030101010101" charset="-122"/>
-            </a:endParaRPr>
-          </a:p>
-          <a:p>
-            <a:pPr marL="914400" lvl="2" indent="0">
-              <a:buNone/>
-            </a:pPr>
-            <a:endParaRPr lang="en-US" altLang="zh-CN">
-              <a:solidFill>
-                <a:schemeClr val="tx1"/>
-              </a:solidFill>
-              <a:uFillTx/>
-              <a:latin typeface="等线" panose="02010600030101010101" charset="-122"/>
-            </a:endParaRPr>
-          </a:p>
         </p:txBody>
       </p:sp>
       <p:pic>
         <p:nvPicPr>
-          <p:cNvPr id="7" name="图片 6"/>
+          <p:cNvPr id="5" name="图片 4"/>
           <p:cNvPicPr>
             <a:picLocks noChangeAspect="1"/>
           </p:cNvPicPr>
@@ -19680,8 +19878,8 @@
         </p:blipFill>
         <p:spPr>
           <a:xfrm>
-            <a:off x="3296285" y="3125470"/>
-            <a:ext cx="5908040" cy="3027045"/>
+            <a:off x="3710940" y="3162935"/>
+            <a:ext cx="5079365" cy="3266440"/>
           </a:xfrm>
           <a:prstGeom prst="rect">
             <a:avLst/>
@@ -19690,14 +19888,14 @@
       </p:pic>
       <p:sp>
         <p:nvSpPr>
-          <p:cNvPr id="8" name="文本框 7"/>
+          <p:cNvPr id="6" name="文本框 5"/>
           <p:cNvSpPr txBox="1"/>
           <p:nvPr/>
         </p:nvSpPr>
         <p:spPr>
           <a:xfrm>
-            <a:off x="4302125" y="6152515"/>
-            <a:ext cx="4688840" cy="368300"/>
+            <a:off x="838200" y="2564765"/>
+            <a:ext cx="2185670" cy="368300"/>
           </a:xfrm>
           <a:prstGeom prst="rect">
             <a:avLst/>
@@ -19714,7 +19912,171 @@
                 <a:latin typeface="微软雅黑" panose="020B0503020204020204" charset="-122"/>
                 <a:ea typeface="微软雅黑" panose="020B0503020204020204" charset="-122"/>
               </a:rPr>
-              <a:t>Peak storage throughput per lambda</a:t>
+              <a:t>Application Type</a:t>
+            </a:r>
+            <a:endParaRPr lang="zh-CN" altLang="en-US" b="1">
+              <a:latin typeface="微软雅黑" panose="020B0503020204020204" charset="-122"/>
+              <a:ea typeface="微软雅黑" panose="020B0503020204020204" charset="-122"/>
+            </a:endParaRPr>
+          </a:p>
+        </p:txBody>
+      </p:sp>
+      <p:sp>
+        <p:nvSpPr>
+          <p:cNvPr id="7" name="文本框 6"/>
+          <p:cNvSpPr txBox="1"/>
+          <p:nvPr/>
+        </p:nvSpPr>
+        <p:spPr>
+          <a:xfrm>
+            <a:off x="1240155" y="3348355"/>
+            <a:ext cx="1381760" cy="645160"/>
+          </a:xfrm>
+          <a:prstGeom prst="rect">
+            <a:avLst/>
+          </a:prstGeom>
+          <a:noFill/>
+        </p:spPr>
+        <p:txBody>
+          <a:bodyPr wrap="square" rtlCol="0">
+            <a:spAutoFit/>
+          </a:bodyPr>
+          <a:p>
+            <a:r>
+              <a:rPr lang="en-US" altLang="zh-CN">
+                <a:ea typeface="+mn-lt"/>
+              </a:rPr>
+              <a:t> </a:t>
+            </a:r>
+            <a:r>
+              <a:rPr lang="zh-CN" altLang="en-US">
+                <a:ea typeface="+mn-lt"/>
+              </a:rPr>
+              <a:t>Distributed</a:t>
+            </a:r>
+            <a:endParaRPr lang="zh-CN" altLang="en-US">
+              <a:ea typeface="+mn-lt"/>
+            </a:endParaRPr>
+          </a:p>
+          <a:p>
+            <a:r>
+              <a:rPr lang="zh-CN" altLang="en-US">
+                <a:ea typeface="+mn-lt"/>
+              </a:rPr>
+              <a:t>Compilation</a:t>
+            </a:r>
+            <a:endParaRPr lang="zh-CN" altLang="en-US">
+              <a:ea typeface="+mn-lt"/>
+            </a:endParaRPr>
+          </a:p>
+        </p:txBody>
+      </p:sp>
+      <p:sp>
+        <p:nvSpPr>
+          <p:cNvPr id="8" name="文本框 7"/>
+          <p:cNvSpPr txBox="1"/>
+          <p:nvPr/>
+        </p:nvSpPr>
+        <p:spPr>
+          <a:xfrm>
+            <a:off x="1250315" y="4408805"/>
+            <a:ext cx="1371600" cy="368300"/>
+          </a:xfrm>
+          <a:prstGeom prst="rect">
+            <a:avLst/>
+          </a:prstGeom>
+          <a:noFill/>
+        </p:spPr>
+        <p:txBody>
+          <a:bodyPr wrap="square" rtlCol="0">
+            <a:spAutoFit/>
+          </a:bodyPr>
+          <a:p>
+            <a:r>
+              <a:rPr lang="zh-CN" altLang="en-US">
+                <a:ea typeface="+mn-lt"/>
+              </a:rPr>
+              <a:t>MapReduce</a:t>
+            </a:r>
+            <a:endParaRPr lang="zh-CN" altLang="en-US">
+              <a:ea typeface="+mn-lt"/>
+            </a:endParaRPr>
+          </a:p>
+        </p:txBody>
+      </p:sp>
+      <p:sp>
+        <p:nvSpPr>
+          <p:cNvPr id="9" name="文本框 8"/>
+          <p:cNvSpPr txBox="1"/>
+          <p:nvPr/>
+        </p:nvSpPr>
+        <p:spPr>
+          <a:xfrm>
+            <a:off x="1088390" y="5405755"/>
+            <a:ext cx="1695450" cy="368300"/>
+          </a:xfrm>
+          <a:prstGeom prst="rect">
+            <a:avLst/>
+          </a:prstGeom>
+          <a:noFill/>
+        </p:spPr>
+        <p:txBody>
+          <a:bodyPr wrap="square" rtlCol="0">
+            <a:spAutoFit/>
+          </a:bodyPr>
+          <a:p>
+            <a:r>
+              <a:rPr lang="zh-CN" altLang="en-US">
+                <a:ea typeface="+mn-lt"/>
+              </a:rPr>
+              <a:t>Video Analytics</a:t>
+            </a:r>
+            <a:endParaRPr lang="zh-CN" altLang="en-US">
+              <a:ea typeface="+mn-lt"/>
+            </a:endParaRPr>
+          </a:p>
+        </p:txBody>
+      </p:sp>
+      <p:sp>
+        <p:nvSpPr>
+          <p:cNvPr id="10" name="文本框 9"/>
+          <p:cNvSpPr txBox="1"/>
+          <p:nvPr/>
+        </p:nvSpPr>
+        <p:spPr>
+          <a:xfrm>
+            <a:off x="4702175" y="2426335"/>
+            <a:ext cx="3509645" cy="645160"/>
+          </a:xfrm>
+          <a:prstGeom prst="rect">
+            <a:avLst/>
+          </a:prstGeom>
+          <a:noFill/>
+        </p:spPr>
+        <p:txBody>
+          <a:bodyPr wrap="square" rtlCol="0">
+            <a:spAutoFit/>
+          </a:bodyPr>
+          <a:p>
+            <a:r>
+              <a:rPr lang="zh-CN" altLang="en-US" b="1">
+                <a:latin typeface="微软雅黑" panose="020B0503020204020204" charset="-122"/>
+                <a:ea typeface="微软雅黑" panose="020B0503020204020204" charset="-122"/>
+              </a:rPr>
+              <a:t>Ephemeral I/O Throughput:</a:t>
+            </a:r>
+            <a:endParaRPr lang="zh-CN" altLang="en-US" b="1">
+              <a:latin typeface="微软雅黑" panose="020B0503020204020204" charset="-122"/>
+              <a:ea typeface="微软雅黑" panose="020B0503020204020204" charset="-122"/>
+            </a:endParaRPr>
+          </a:p>
+          <a:p>
+            <a:r>
+              <a:rPr lang="zh-CN" altLang="en-US" b="1">
+                <a:latin typeface="微软雅黑" panose="020B0503020204020204" charset="-122"/>
+                <a:ea typeface="微软雅黑" panose="020B0503020204020204" charset="-122"/>
+              </a:rPr>
+              <a:t>Write (dotted), Read (solid)</a:t>
             </a:r>
             <a:r>
               <a:rPr lang="en-US" altLang="zh-CN" b="1" baseline="30000">
@@ -19730,44 +20092,140 @@
           </a:p>
         </p:txBody>
       </p:sp>
-      <p:cxnSp>
-        <p:nvCxnSpPr>
-          <p:cNvPr id="5" name="直接连接符 4"/>
-          <p:cNvCxnSpPr/>
-          <p:nvPr/>
-        </p:nvCxnSpPr>
-        <p:spPr>
-          <a:xfrm flipV="1">
-            <a:off x="6965315" y="3164840"/>
-            <a:ext cx="2540" cy="2609850"/>
-          </a:xfrm>
-          <a:prstGeom prst="line">
-            <a:avLst/>
-          </a:prstGeom>
-          <a:ln w="38100" cmpd="sng">
-            <a:solidFill>
-              <a:srgbClr val="00B050"/>
-            </a:solidFill>
-            <a:prstDash val="sysDash"/>
-            <a:headEnd type="none" w="med" len="med"/>
-            <a:tailEnd type="none" w="med" len="med"/>
-          </a:ln>
-        </p:spPr>
-        <p:style>
-          <a:lnRef idx="1">
-            <a:schemeClr val="accent1"/>
-          </a:lnRef>
-          <a:fillRef idx="0">
-            <a:schemeClr val="accent1"/>
-          </a:fillRef>
-          <a:effectRef idx="0">
-            <a:schemeClr val="accent1"/>
-          </a:effectRef>
-          <a:fontRef idx="minor">
-            <a:schemeClr val="tx1"/>
-          </a:fontRef>
-        </p:style>
-      </p:cxnSp>
+      <p:sp>
+        <p:nvSpPr>
+          <p:cNvPr id="11" name="文本框 10"/>
+          <p:cNvSpPr txBox="1"/>
+          <p:nvPr/>
+        </p:nvSpPr>
+        <p:spPr>
+          <a:xfrm>
+            <a:off x="9646285" y="2564765"/>
+            <a:ext cx="2185670" cy="368300"/>
+          </a:xfrm>
+          <a:prstGeom prst="rect">
+            <a:avLst/>
+          </a:prstGeom>
+          <a:noFill/>
+        </p:spPr>
+        <p:txBody>
+          <a:bodyPr wrap="square" rtlCol="0">
+            <a:spAutoFit/>
+          </a:bodyPr>
+          <a:p>
+            <a:r>
+              <a:rPr lang="zh-CN" altLang="en-US" b="1">
+                <a:latin typeface="微软雅黑" panose="020B0503020204020204" charset="-122"/>
+                <a:ea typeface="微软雅黑" panose="020B0503020204020204" charset="-122"/>
+              </a:rPr>
+              <a:t>Application Type</a:t>
+            </a:r>
+            <a:endParaRPr lang="zh-CN" altLang="en-US" b="1">
+              <a:latin typeface="微软雅黑" panose="020B0503020204020204" charset="-122"/>
+              <a:ea typeface="微软雅黑" panose="020B0503020204020204" charset="-122"/>
+            </a:endParaRPr>
+          </a:p>
+        </p:txBody>
+      </p:sp>
+      <p:sp>
+        <p:nvSpPr>
+          <p:cNvPr id="14" name="文本框 13"/>
+          <p:cNvSpPr txBox="1"/>
+          <p:nvPr/>
+        </p:nvSpPr>
+        <p:spPr>
+          <a:xfrm>
+            <a:off x="10293350" y="3348355"/>
+            <a:ext cx="901700" cy="368300"/>
+          </a:xfrm>
+          <a:prstGeom prst="rect">
+            <a:avLst/>
+          </a:prstGeom>
+          <a:noFill/>
+        </p:spPr>
+        <p:txBody>
+          <a:bodyPr wrap="square" rtlCol="0">
+            <a:spAutoFit/>
+          </a:bodyPr>
+          <a:p>
+            <a:r>
+              <a:rPr lang="en-US" altLang="zh-CN">
+                <a:ea typeface="+mn-lt"/>
+              </a:rPr>
+              <a:t>0.95GB</a:t>
+            </a:r>
+            <a:endParaRPr lang="en-US" altLang="zh-CN">
+              <a:ea typeface="+mn-lt"/>
+            </a:endParaRPr>
+          </a:p>
+        </p:txBody>
+      </p:sp>
+      <p:sp>
+        <p:nvSpPr>
+          <p:cNvPr id="15" name="文本框 14"/>
+          <p:cNvSpPr txBox="1"/>
+          <p:nvPr/>
+        </p:nvSpPr>
+        <p:spPr>
+          <a:xfrm>
+            <a:off x="10323195" y="4408805"/>
+            <a:ext cx="831850" cy="368300"/>
+          </a:xfrm>
+          <a:prstGeom prst="rect">
+            <a:avLst/>
+          </a:prstGeom>
+          <a:noFill/>
+        </p:spPr>
+        <p:txBody>
+          <a:bodyPr wrap="square" rtlCol="0">
+            <a:spAutoFit/>
+          </a:bodyPr>
+          <a:p>
+            <a:r>
+              <a:rPr lang="en-US" altLang="zh-CN">
+                <a:ea typeface="+mn-lt"/>
+              </a:rPr>
+              <a:t>100GB</a:t>
+            </a:r>
+            <a:endParaRPr lang="zh-CN" altLang="en-US">
+              <a:ea typeface="+mn-lt"/>
+            </a:endParaRPr>
+          </a:p>
+        </p:txBody>
+      </p:sp>
+      <p:sp>
+        <p:nvSpPr>
+          <p:cNvPr id="16" name="文本框 15"/>
+          <p:cNvSpPr txBox="1"/>
+          <p:nvPr/>
+        </p:nvSpPr>
+        <p:spPr>
+          <a:xfrm>
+            <a:off x="10438765" y="5405755"/>
+            <a:ext cx="600075" cy="368300"/>
+          </a:xfrm>
+          <a:prstGeom prst="rect">
+            <a:avLst/>
+          </a:prstGeom>
+          <a:noFill/>
+        </p:spPr>
+        <p:txBody>
+          <a:bodyPr wrap="square" rtlCol="0">
+            <a:spAutoFit/>
+          </a:bodyPr>
+          <a:p>
+            <a:r>
+              <a:rPr lang="en-US" altLang="zh-CN">
+                <a:ea typeface="+mn-lt"/>
+              </a:rPr>
+              <a:t>6GB</a:t>
+            </a:r>
+            <a:endParaRPr lang="en-US" altLang="zh-CN">
+              <a:ea typeface="+mn-lt"/>
+            </a:endParaRPr>
+          </a:p>
+        </p:txBody>
+      </p:sp>
       <p:sp>
         <p:nvSpPr>
           <p:cNvPr id="19" name="文本框 18"/>
@@ -19896,7 +20354,7 @@
                 <a:latin typeface="微软雅黑" panose="020B0503020204020204" charset="-122"/>
                 <a:ea typeface="微软雅黑" panose="020B0503020204020204" charset="-122"/>
               </a:rPr>
-              <a:t>S3/Redis latency</a:t>
+              <a:t>S3/Redis throughput</a:t>
             </a:r>
             <a:endParaRPr lang="en-US" altLang="zh-CN" b="1">
               <a:solidFill>
@@ -19917,7 +20375,27 @@
                 <a:uFillTx/>
                 <a:latin typeface="等线" panose="02010600030101010101" charset="-122"/>
               </a:rPr>
-              <a:t> </a:t>
+              <a:t> S3 is not designed to sustain high request rate for small objects</a:t>
+            </a:r>
+            <a:endParaRPr lang="en-US" altLang="zh-CN">
+              <a:solidFill>
+                <a:schemeClr val="tx1"/>
+              </a:solidFill>
+              <a:uFillTx/>
+              <a:latin typeface="等线" panose="02010600030101010101" charset="-122"/>
+            </a:endParaRPr>
+          </a:p>
+          <a:p>
+            <a:pPr lvl="1"/>
+            <a:r>
+              <a:rPr lang="en-US" altLang="zh-CN">
+                <a:solidFill>
+                  <a:schemeClr val="tx1"/>
+                </a:solidFill>
+                <a:uFillTx/>
+                <a:latin typeface="等线" panose="02010600030101010101" charset="-122"/>
+              </a:rPr>
+              <a:t> S3 is a multi-tenant service, there is an imposed limit on request throughput per S3 bucket for the benefit of overall availability</a:t>
             </a:r>
             <a:endParaRPr lang="en-US" altLang="zh-CN">
               <a:solidFill>
@@ -19957,14 +20435,56 @@
         </p:blipFill>
         <p:spPr>
           <a:xfrm>
-            <a:off x="1511300" y="2559050"/>
-            <a:ext cx="9169400" cy="3227070"/>
+            <a:off x="3296285" y="3125470"/>
+            <a:ext cx="5908040" cy="3027045"/>
           </a:xfrm>
           <a:prstGeom prst="rect">
             <a:avLst/>
           </a:prstGeom>
         </p:spPr>
       </p:pic>
+      <p:sp>
+        <p:nvSpPr>
+          <p:cNvPr id="8" name="文本框 7"/>
+          <p:cNvSpPr txBox="1"/>
+          <p:nvPr/>
+        </p:nvSpPr>
+        <p:spPr>
+          <a:xfrm>
+            <a:off x="4302125" y="6152515"/>
+            <a:ext cx="4688840" cy="368300"/>
+          </a:xfrm>
+          <a:prstGeom prst="rect">
+            <a:avLst/>
+          </a:prstGeom>
+          <a:noFill/>
+        </p:spPr>
+        <p:txBody>
+          <a:bodyPr wrap="square" rtlCol="0">
+            <a:spAutoFit/>
+          </a:bodyPr>
+          <a:p>
+            <a:r>
+              <a:rPr lang="zh-CN" altLang="en-US" b="1">
+                <a:latin typeface="微软雅黑" panose="020B0503020204020204" charset="-122"/>
+                <a:ea typeface="微软雅黑" panose="020B0503020204020204" charset="-122"/>
+              </a:rPr>
+              <a:t>Peak storage throughput per lambda</a:t>
+            </a:r>
+            <a:r>
+              <a:rPr lang="en-US" altLang="zh-CN" b="1" baseline="30000">
+                <a:latin typeface="微软雅黑" panose="020B0503020204020204" charset="-122"/>
+                <a:ea typeface="微软雅黑" panose="020B0503020204020204" charset="-122"/>
+              </a:rPr>
+              <a:t>[1]</a:t>
+            </a:r>
+            <a:endParaRPr lang="en-US" altLang="zh-CN" b="1" baseline="30000">
+              <a:latin typeface="微软雅黑" panose="020B0503020204020204" charset="-122"/>
+              <a:ea typeface="微软雅黑" panose="020B0503020204020204" charset="-122"/>
+            </a:endParaRPr>
+          </a:p>
+        </p:txBody>
+      </p:sp>
       <p:cxnSp>
         <p:nvCxnSpPr>
           <p:cNvPr id="5" name="直接连接符 4"/>
@@ -19973,8 +20493,8 @@
         </p:nvCxnSpPr>
         <p:spPr>
           <a:xfrm flipV="1">
-            <a:off x="5069205" y="2676525"/>
-            <a:ext cx="0" cy="2712720"/>
+            <a:off x="6965315" y="3164840"/>
+            <a:ext cx="2540" cy="2609850"/>
           </a:xfrm>
           <a:prstGeom prst="line">
             <a:avLst/>
@@ -20003,106 +20523,6 @@
           </a:fontRef>
         </p:style>
       </p:cxnSp>
-      <p:cxnSp>
-        <p:nvCxnSpPr>
-          <p:cNvPr id="6" name="直接连接符 5"/>
-          <p:cNvCxnSpPr/>
-          <p:nvPr/>
-        </p:nvCxnSpPr>
-        <p:spPr>
-          <a:xfrm flipV="1">
-            <a:off x="9743440" y="2677160"/>
-            <a:ext cx="0" cy="2712720"/>
-          </a:xfrm>
-          <a:prstGeom prst="line">
-            <a:avLst/>
-          </a:prstGeom>
-          <a:ln w="38100" cmpd="sng">
-            <a:solidFill>
-              <a:srgbClr val="00B050"/>
-            </a:solidFill>
-            <a:prstDash val="sysDash"/>
-            <a:headEnd type="none" w="med" len="med"/>
-            <a:tailEnd type="none" w="med" len="med"/>
-          </a:ln>
-        </p:spPr>
-        <p:style>
-          <a:lnRef idx="1">
-            <a:schemeClr val="accent1"/>
-          </a:lnRef>
-          <a:fillRef idx="0">
-            <a:schemeClr val="accent1"/>
-          </a:fillRef>
-          <a:effectRef idx="0">
-            <a:schemeClr val="accent1"/>
-          </a:effectRef>
-          <a:fontRef idx="minor">
-            <a:schemeClr val="tx1"/>
-          </a:fontRef>
-        </p:style>
-      </p:cxnSp>
-      <p:sp>
-        <p:nvSpPr>
-          <p:cNvPr id="8" name="文本框 7"/>
-          <p:cNvSpPr txBox="1"/>
-          <p:nvPr/>
-        </p:nvSpPr>
-        <p:spPr>
-          <a:xfrm>
-            <a:off x="3230245" y="5786120"/>
-            <a:ext cx="5971540" cy="645160"/>
-          </a:xfrm>
-          <a:prstGeom prst="rect">
-            <a:avLst/>
-          </a:prstGeom>
-          <a:noFill/>
-        </p:spPr>
-        <p:txBody>
-          <a:bodyPr wrap="square" rtlCol="0">
-            <a:spAutoFit/>
-          </a:bodyPr>
-          <a:p>
-            <a:r>
-              <a:rPr lang="zh-CN" altLang="en-US" b="1">
-                <a:latin typeface="微软雅黑" panose="020B0503020204020204" charset="-122"/>
-                <a:ea typeface="微软雅黑" panose="020B0503020204020204" charset="-122"/>
-              </a:rPr>
-              <a:t> Latency of write (left) and read (right) operations </a:t>
-            </a:r>
-            <a:endParaRPr lang="zh-CN" altLang="en-US" b="1">
-              <a:latin typeface="微软雅黑" panose="020B0503020204020204" charset="-122"/>
-              <a:ea typeface="微软雅黑" panose="020B0503020204020204" charset="-122"/>
-            </a:endParaRPr>
-          </a:p>
-          <a:p>
-            <a:r>
-              <a:rPr lang="en-US" altLang="zh-CN" b="1">
-                <a:latin typeface="微软雅黑" panose="020B0503020204020204" charset="-122"/>
-                <a:ea typeface="微软雅黑" panose="020B0503020204020204" charset="-122"/>
-              </a:rPr>
-              <a:t>     </a:t>
-            </a:r>
-            <a:r>
-              <a:rPr lang="zh-CN" altLang="en-US" b="1">
-                <a:latin typeface="微软雅黑" panose="020B0503020204020204" charset="-122"/>
-                <a:ea typeface="微软雅黑" panose="020B0503020204020204" charset="-122"/>
-              </a:rPr>
-              <a:t>using different AWS data storage services</a:t>
-            </a:r>
-            <a:r>
-              <a:rPr lang="en-US" altLang="zh-CN" b="1" baseline="30000">
-                <a:latin typeface="微软雅黑" panose="020B0503020204020204" charset="-122"/>
-                <a:ea typeface="微软雅黑" panose="020B0503020204020204" charset="-122"/>
-              </a:rPr>
-              <a:t>[1]</a:t>
-            </a:r>
-            <a:endParaRPr lang="en-US" altLang="zh-CN" b="1" baseline="30000">
-              <a:latin typeface="微软雅黑" panose="020B0503020204020204" charset="-122"/>
-              <a:ea typeface="微软雅黑" panose="020B0503020204020204" charset="-122"/>
-            </a:endParaRPr>
-          </a:p>
-        </p:txBody>
-      </p:sp>
       <p:sp>
         <p:nvSpPr>
           <p:cNvPr id="19" name="文本框 18"/>
@@ -20133,7 +20553,7 @@
                 </a:solidFill>
                 <a:sym typeface="+mn-ea"/>
               </a:rPr>
-              <a:t>[1] Towards Latency Sensitive Cloud Native Applications: A Performance Study on AWS  CLOUD’19</a:t>
+              <a:t>[1] Understanding Ephemeral Storage for Serverless Analytics  ATC’18</a:t>
             </a:r>
             <a:endParaRPr lang="en-US" altLang="zh-CN" sz="1600">
               <a:solidFill>

--- a/meeting/数据分析应用的数据特征.pptx
+++ b/meeting/数据分析应用的数据特征.pptx
@@ -599,6 +599,18 @@
               </a:rPr>
               <a:t>S3 is not designed to sustain high request rate for small objects</a:t>
             </a:r>
+            <a:r>
+              <a:rPr lang="en-US">
+                <a:sym typeface="+mn-ea"/>
+              </a:rPr>
+              <a:t>,Our testing confirms that S3 delivers dramatically faster throughput on large objects than small ones </a:t>
+            </a:r>
+            <a:r>
+              <a:rPr>
+                <a:sym typeface="+mn-ea"/>
+              </a:rPr>
+              <a:t>due to a high per-transaction overhead</a:t>
+            </a:r>
             <a:endParaRPr>
               <a:sym typeface="+mn-ea"/>
             </a:endParaRPr>
@@ -620,32 +632,28 @@
               <a:rPr>
                 <a:sym typeface="+mn-ea"/>
               </a:rPr>
-              <a:t>S3 is a multi-tenant service, there is an imposed limit on request throughput per S3 bucket for the benefit of overall availabilityB大小的文件S3的吞吐量比</a:t>
-            </a:r>
+              <a:t>S3 is a multi-tenant service, there is an imposed limit on request throughput per S3 bucket for the benefit of overall availability</a:t>
+            </a:r>
+            <a:endParaRPr>
+              <a:sym typeface="+mn-ea"/>
+            </a:endParaRPr>
+          </a:p>
+          <a:p>
             <a:r>
               <a:rPr lang="en-US">
                 <a:sym typeface="+mn-ea"/>
               </a:rPr>
-              <a:t>        </a:t>
+              <a:t>* </a:t>
+            </a:r>
+            <a:r>
+              <a:rPr lang="en-US" altLang="zh-CN">
+                <a:uFillTx/>
+                <a:latin typeface="等线" panose="02010600030101010101" charset="-122"/>
+                <a:sym typeface="+mn-ea"/>
+              </a:rPr>
+              <a:t>The  bandwidth for samll files transactions is dominated by S3's transaction processing overhead, while the 100MByte transactions is presumably dominated by bulk data transfer</a:t>
             </a:r>
             <a:endParaRPr lang="en-US">
-              <a:sym typeface="+mn-ea"/>
-            </a:endParaRPr>
-          </a:p>
-          <a:p>
-            <a:r>
-              <a:rPr lang="en-US">
-                <a:sym typeface="+mn-ea"/>
-              </a:rPr>
-              <a:t>   </a:t>
-            </a:r>
-            <a:r>
-              <a:rPr>
-                <a:sym typeface="+mn-ea"/>
-              </a:rPr>
-              <a:t>Redis低了两个数量级</a:t>
-            </a:r>
-            <a:endParaRPr>
               <a:sym typeface="+mn-ea"/>
             </a:endParaRPr>
           </a:p>
@@ -5473,7 +5481,17 @@
                 <a:uFillTx/>
                 <a:latin typeface="等线" panose="02010600030101010101" charset="-122"/>
               </a:rPr>
-              <a:t> S3 is not designed to sustain high request rate for small objects</a:t>
+              <a:t> S3 delivers faster throughput on large objects than small ones due to a high per-transaction overhead</a:t>
+            </a:r>
+            <a:r>
+              <a:rPr lang="en-US" altLang="zh-CN" baseline="30000">
+                <a:solidFill>
+                  <a:schemeClr val="tx1"/>
+                </a:solidFill>
+                <a:uFillTx/>
+                <a:latin typeface="等线" panose="02010600030101010101" charset="-122"/>
+              </a:rPr>
+              <a:t>[1]</a:t>
             </a:r>
             <a:endParaRPr lang="en-US" altLang="zh-CN">
               <a:solidFill>
@@ -5494,6 +5512,16 @@
                 <a:latin typeface="等线" panose="02010600030101010101" charset="-122"/>
               </a:rPr>
               <a:t> S3 is a multi-tenant service, there is an imposed limit on request throughput per S3 bucket for the benefit of overall availability</a:t>
+            </a:r>
+            <a:r>
+              <a:rPr lang="en-US" altLang="zh-CN" baseline="30000">
+                <a:solidFill>
+                  <a:schemeClr val="tx1"/>
+                </a:solidFill>
+                <a:uFillTx/>
+                <a:latin typeface="等线" panose="02010600030101010101" charset="-122"/>
+              </a:rPr>
+              <a:t>[2]</a:t>
             </a:r>
             <a:endParaRPr lang="en-US" altLang="zh-CN">
               <a:solidFill>
@@ -5533,8 +5561,8 @@
         </p:blipFill>
         <p:spPr>
           <a:xfrm>
-            <a:off x="3296285" y="3125470"/>
-            <a:ext cx="5908040" cy="3027045"/>
+            <a:off x="3109595" y="3439160"/>
+            <a:ext cx="5908040" cy="2967355"/>
           </a:xfrm>
           <a:prstGeom prst="rect">
             <a:avLst/>
@@ -5549,7 +5577,7 @@
         </p:nvSpPr>
         <p:spPr>
           <a:xfrm>
-            <a:off x="4302125" y="6152515"/>
+            <a:off x="3906520" y="6489700"/>
             <a:ext cx="4688840" cy="368300"/>
           </a:xfrm>
           <a:prstGeom prst="rect">
@@ -5574,7 +5602,7 @@
                 <a:latin typeface="微软雅黑" panose="020B0503020204020204" charset="-122"/>
                 <a:ea typeface="微软雅黑" panose="020B0503020204020204" charset="-122"/>
               </a:rPr>
-              <a:t>[1]</a:t>
+              <a:t>[3]</a:t>
             </a:r>
             <a:endParaRPr lang="en-US" altLang="zh-CN" b="1" baseline="30000">
               <a:latin typeface="微软雅黑" panose="020B0503020204020204" charset="-122"/>
@@ -5590,9 +5618,9 @@
           <p:nvPr/>
         </p:nvCxnSpPr>
         <p:spPr>
-          <a:xfrm flipV="1">
-            <a:off x="6965315" y="3164840"/>
-            <a:ext cx="2540" cy="2609850"/>
+          <a:xfrm flipH="1" flipV="1">
+            <a:off x="7292340" y="3439160"/>
+            <a:ext cx="17780" cy="2583815"/>
           </a:xfrm>
           <a:prstGeom prst="line">
             <a:avLst/>
@@ -5629,8 +5657,8 @@
         </p:nvSpPr>
         <p:spPr>
           <a:xfrm>
-            <a:off x="0" y="6520815"/>
-            <a:ext cx="11722735" cy="337185"/>
+            <a:off x="9017635" y="5452745"/>
+            <a:ext cx="3081020" cy="1322070"/>
           </a:xfrm>
           <a:prstGeom prst="rect">
             <a:avLst/>
@@ -5651,7 +5679,92 @@
                 </a:solidFill>
                 <a:sym typeface="+mn-ea"/>
               </a:rPr>
-              <a:t>[1] Understanding Ephemeral Storage for Serverless Analytics  ATC’18</a:t>
+              <a:t>[1] </a:t>
+            </a:r>
+            <a:r>
+              <a:rPr lang="en-US" altLang="zh-CN" sz="1600">
+                <a:solidFill>
+                  <a:schemeClr val="bg2">
+                    <a:lumMod val="50000"/>
+                  </a:schemeClr>
+                </a:solidFill>
+                <a:sym typeface="+mn-ea"/>
+              </a:rPr>
+              <a:t>An Evaluation of Amazon's     </a:t>
+            </a:r>
+            <a:endParaRPr lang="en-US" altLang="zh-CN" sz="1600">
+              <a:solidFill>
+                <a:schemeClr val="bg2">
+                  <a:lumMod val="50000"/>
+                </a:schemeClr>
+              </a:solidFill>
+              <a:sym typeface="+mn-ea"/>
+            </a:endParaRPr>
+          </a:p>
+          <a:p>
+            <a:r>
+              <a:rPr lang="en-US" altLang="zh-CN" sz="1600">
+                <a:solidFill>
+                  <a:schemeClr val="bg2">
+                    <a:lumMod val="50000"/>
+                  </a:schemeClr>
+                </a:solidFill>
+                <a:sym typeface="+mn-ea"/>
+              </a:rPr>
+              <a:t>Grid Computing Services: EC2, S3, and SQS HARVARD’07</a:t>
+            </a:r>
+            <a:endParaRPr lang="en-US" altLang="zh-CN" sz="1600">
+              <a:solidFill>
+                <a:schemeClr val="bg2">
+                  <a:lumMod val="50000"/>
+                </a:schemeClr>
+              </a:solidFill>
+              <a:sym typeface="+mn-ea"/>
+            </a:endParaRPr>
+          </a:p>
+          <a:p>
+            <a:r>
+              <a:rPr lang="en-US" altLang="zh-CN" sz="1600">
+                <a:solidFill>
+                  <a:schemeClr val="bg2">
+                    <a:lumMod val="50000"/>
+                  </a:schemeClr>
+                </a:solidFill>
+                <a:sym typeface="+mn-ea"/>
+              </a:rPr>
+              <a:t>[2] Pywren SoCC’17</a:t>
+            </a:r>
+            <a:endParaRPr lang="en-US" altLang="zh-CN" sz="1600">
+              <a:solidFill>
+                <a:schemeClr val="bg2">
+                  <a:lumMod val="50000"/>
+                </a:schemeClr>
+              </a:solidFill>
+              <a:sym typeface="+mn-ea"/>
+            </a:endParaRPr>
+          </a:p>
+          <a:p>
+            <a:r>
+              <a:rPr lang="en-US" altLang="zh-CN" sz="1600">
+                <a:solidFill>
+                  <a:schemeClr val="bg2">
+                    <a:lumMod val="50000"/>
+                  </a:schemeClr>
+                </a:solidFill>
+                <a:sym typeface="+mn-ea"/>
+              </a:rPr>
+              <a:t>[3] </a:t>
+            </a:r>
+            <a:r>
+              <a:rPr lang="en-US" altLang="zh-CN" sz="1600">
+                <a:solidFill>
+                  <a:schemeClr val="bg2">
+                    <a:lumMod val="50000"/>
+                  </a:schemeClr>
+                </a:solidFill>
+                <a:sym typeface="+mn-ea"/>
+              </a:rPr>
+              <a:t>Ephemeral Storage ATC’18</a:t>
             </a:r>
             <a:endParaRPr lang="en-US" altLang="zh-CN" sz="1600">
               <a:solidFill>
@@ -5768,7 +5881,7 @@
                 <a:uFillTx/>
                 <a:latin typeface="等线" panose="02010600030101010101" charset="-122"/>
               </a:rPr>
-              <a:t> </a:t>
+              <a:t> Network latency &amp; Storage I/O latency</a:t>
             </a:r>
             <a:endParaRPr lang="en-US" altLang="zh-CN">
               <a:solidFill>

--- a/meeting/数据分析应用的数据特征.pptx
+++ b/meeting/数据分析应用的数据特征.pptx
@@ -20,13 +20,14 @@
     <p:sldId id="521" r:id="rId13"/>
     <p:sldId id="522" r:id="rId14"/>
     <p:sldId id="568" r:id="rId15"/>
-    <p:sldId id="569" r:id="rId16"/>
-    <p:sldId id="546" r:id="rId17"/>
-    <p:sldId id="549" r:id="rId18"/>
-    <p:sldId id="547" r:id="rId19"/>
-    <p:sldId id="548" r:id="rId20"/>
-    <p:sldId id="530" r:id="rId21"/>
-    <p:sldId id="464" r:id="rId22"/>
+    <p:sldId id="582" r:id="rId16"/>
+    <p:sldId id="569" r:id="rId17"/>
+    <p:sldId id="546" r:id="rId18"/>
+    <p:sldId id="549" r:id="rId19"/>
+    <p:sldId id="547" r:id="rId20"/>
+    <p:sldId id="548" r:id="rId21"/>
+    <p:sldId id="530" r:id="rId22"/>
+    <p:sldId id="464" r:id="rId23"/>
   </p:sldIdLst>
   <p:sldSz cx="12192000" cy="6858000"/>
   <p:notesSz cx="6858000" cy="9144000"/>
@@ -837,34 +838,6 @@
         <p:txBody>
           <a:bodyPr/>
           <a:p>
-            <a:r>
-              <a:rPr>
-                <a:sym typeface="+mn-ea"/>
-              </a:rPr>
-              <a:t>* 接下来是请求吞吐率</a:t>
-            </a:r>
-            <a:endParaRPr>
-              <a:sym typeface="+mn-ea"/>
-            </a:endParaRPr>
-          </a:p>
-          <a:p>
-            <a:r>
-              <a:rPr>
-                <a:sym typeface="+mn-ea"/>
-              </a:rPr>
-              <a:t>  * 下面这张表格展示了随数据对象大小变化时，S3和redis的请求吞吐量限制</a:t>
-            </a:r>
-            <a:endParaRPr>
-              <a:sym typeface="+mn-ea"/>
-            </a:endParaRPr>
-          </a:p>
-          <a:p>
-            <a:r>
-              <a:rPr>
-                <a:sym typeface="+mn-ea"/>
-              </a:rPr>
-              <a:t>  * 可以看出S3的请求速率是受限的，尤其是对于小文件的读写无法提供较高的吞吐率，可以看到对于10KB大小的文件S3的吞吐量比Redis低了两个数量级</a:t>
-            </a:r>
             <a:endParaRPr>
               <a:sym typeface="+mn-ea"/>
             </a:endParaRPr>
@@ -1207,7 +1180,37 @@
         <p:txBody>
           <a:bodyPr/>
           <a:p>
-            <a:endParaRPr lang="zh-CN" altLang="en-US"/>
+            <a:r>
+              <a:rPr>
+                <a:sym typeface="+mn-ea"/>
+              </a:rPr>
+              <a:t>* 接下来是请求吞吐率</a:t>
+            </a:r>
+            <a:endParaRPr>
+              <a:sym typeface="+mn-ea"/>
+            </a:endParaRPr>
+          </a:p>
+          <a:p>
+            <a:r>
+              <a:rPr>
+                <a:sym typeface="+mn-ea"/>
+              </a:rPr>
+              <a:t>  * 下面这张表格展示了随数据对象大小变化时，S3和redis的请求吞吐量限制</a:t>
+            </a:r>
+            <a:endParaRPr>
+              <a:sym typeface="+mn-ea"/>
+            </a:endParaRPr>
+          </a:p>
+          <a:p>
+            <a:r>
+              <a:rPr>
+                <a:sym typeface="+mn-ea"/>
+              </a:rPr>
+              <a:t>  * 可以看出S3的请求速率是受限的，尤其是对于小文件的读写无法提供较高的吞吐率，可以看到对于10KB大小的文件S3的吞吐量比Redis低了两个数量级</a:t>
+            </a:r>
+            <a:endParaRPr>
+              <a:sym typeface="+mn-ea"/>
+            </a:endParaRPr>
           </a:p>
         </p:txBody>
       </p:sp>
@@ -1301,6 +1304,50 @@
             <a:r>
               <a:t>  * 这里的共享存储可以是跨数据中心的对象存储S3、kv数据库DynamoDB，也可以是内存kv存储系统ElastiCache，可以在上面部署redis或者memcached。考虑成本问题，S3使用最为广泛。</a:t>
             </a:r>
+          </a:p>
+        </p:txBody>
+      </p:sp>
+    </p:spTree>
+  </p:cSld>
+  <p:clrMapOvr>
+    <a:masterClrMapping/>
+  </p:clrMapOvr>
+</p:notes>
+</file>
+
+<file path=ppt/notesSlides/notesSlide20.xml><?xml version="1.0" encoding="utf-8"?>
+<p:notes xmlns:a="http://schemas.openxmlformats.org/drawingml/2006/main" xmlns:r="http://schemas.openxmlformats.org/officeDocument/2006/relationships" xmlns:p="http://schemas.openxmlformats.org/presentationml/2006/main">
+  <p:cSld>
+    <p:spTree>
+      <p:nvGrpSpPr>
+        <p:cNvPr id="1" name=""/>
+        <p:cNvGrpSpPr/>
+        <p:nvPr/>
+      </p:nvGrpSpPr>
+      <p:grpSpPr/>
+      <p:sp>
+        <p:nvSpPr>
+          <p:cNvPr id="2" name="幻灯片图像占位符 1"/>
+          <p:cNvSpPr/>
+          <p:nvPr>
+            <p:ph type="sldImg" idx="2"/>
+          </p:nvPr>
+        </p:nvSpPr>
+        <p:spPr/>
+      </p:sp>
+      <p:sp>
+        <p:nvSpPr>
+          <p:cNvPr id="3" name="文本占位符 2"/>
+          <p:cNvSpPr/>
+          <p:nvPr>
+            <p:ph type="body" idx="3"/>
+          </p:nvPr>
+        </p:nvSpPr>
+        <p:spPr/>
+        <p:txBody>
+          <a:bodyPr/>
+          <a:p>
+            <a:endParaRPr lang="zh-CN" altLang="en-US"/>
           </a:p>
         </p:txBody>
       </p:sp>
@@ -5315,11 +5362,11 @@
               <a:rPr lang="en-US" dirty="0">
                 <a:sym typeface="+mn-ea"/>
               </a:rPr>
-              <a:t> Serverless </a:t>
+              <a:t> </a:t>
             </a:r>
             <a:r>
               <a:rPr lang="en-US" dirty="0"/>
-              <a:t>Data Analytics</a:t>
+              <a:t>Serverless数据分析应用特征的定性分析</a:t>
             </a:r>
             <a:endParaRPr lang="en-US" dirty="0"/>
           </a:p>
@@ -6625,15 +6672,15 @@
                 <a:latin typeface="等线" panose="02010600030101010101" charset="-122"/>
                 <a:sym typeface="+mn-ea"/>
               </a:rPr>
-              <a:t> Sonic: application-aware</a:t>
-            </a:r>
-            <a:r>
-              <a:rPr lang="zh-CN" altLang="en-US">
+              <a:t> Sonic</a:t>
+            </a:r>
+            <a:r>
+              <a:rPr lang="en-US" altLang="zh-CN" baseline="30000">
                 <a:uFillTx/>
                 <a:latin typeface="等线" panose="02010600030101010101" charset="-122"/>
                 <a:sym typeface="+mn-ea"/>
               </a:rPr>
-              <a:t>就是</a:t>
+              <a:t>[1]</a:t>
             </a:r>
             <a:r>
               <a:rPr lang="en-US" altLang="zh-CN">
@@ -6641,15 +6688,52 @@
                 <a:latin typeface="等线" panose="02010600030101010101" charset="-122"/>
                 <a:sym typeface="+mn-ea"/>
               </a:rPr>
-              <a:t>stage-aware</a:t>
-            </a:r>
-            <a:r>
-              <a:rPr lang="zh-CN" altLang="en-US">
+              <a:t>: application-aware </a:t>
+            </a:r>
+            <a:r>
+              <a:rPr lang="en-US" altLang="zh-CN">
+                <a:uFillTx/>
+                <a:latin typeface="微软雅黑" panose="020B0503020204020204" charset="-122"/>
+                <a:ea typeface="微软雅黑" panose="020B0503020204020204" charset="-122"/>
+                <a:sym typeface="+mn-ea"/>
+              </a:rPr>
+              <a:t>≈</a:t>
+            </a:r>
+            <a:r>
+              <a:rPr lang="en-US" altLang="zh-CN">
                 <a:uFillTx/>
                 <a:latin typeface="等线" panose="02010600030101010101" charset="-122"/>
                 <a:sym typeface="+mn-ea"/>
               </a:rPr>
-              <a:t>的</a:t>
+              <a:t> stage-aware</a:t>
+            </a:r>
+            <a:endParaRPr lang="en-US" altLang="zh-CN">
+              <a:uFillTx/>
+              <a:latin typeface="等线" panose="02010600030101010101" charset="-122"/>
+              <a:sym typeface="+mn-ea"/>
+            </a:endParaRPr>
+          </a:p>
+          <a:p>
+            <a:pPr lvl="2"/>
+            <a:r>
+              <a:rPr lang="en-US" altLang="zh-CN">
+                <a:solidFill>
+                  <a:schemeClr val="tx1"/>
+                </a:solidFill>
+                <a:uFillTx/>
+                <a:latin typeface="等线" panose="02010600030101010101" charset="-122"/>
+              </a:rPr>
+              <a:t> </a:t>
+            </a:r>
+            <a:r>
+              <a:rPr lang="zh-CN" altLang="en-US">
+                <a:solidFill>
+                  <a:schemeClr val="tx1"/>
+                </a:solidFill>
+                <a:uFillTx/>
+                <a:latin typeface="等线" panose="02010600030101010101" charset="-122"/>
+              </a:rPr>
+              <a:t>相邻阶段的所有函数对都采用相同的数据传输方式</a:t>
             </a:r>
             <a:endParaRPr lang="en-US" altLang="zh-CN">
               <a:solidFill>
@@ -6660,148 +6744,10 @@
             </a:endParaRPr>
           </a:p>
           <a:p>
-            <a:pPr marL="914400" lvl="2" indent="0">
+            <a:pPr marL="0" lvl="0" indent="0">
+              <a:buFont typeface="Wingdings" panose="05000000000000000000" charset="0"/>
               <a:buNone/>
             </a:pPr>
-            <a:endParaRPr lang="en-US" altLang="zh-CN">
-              <a:solidFill>
-                <a:schemeClr val="tx1"/>
-              </a:solidFill>
-              <a:uFillTx/>
-              <a:latin typeface="等线" panose="02010600030101010101" charset="-122"/>
-            </a:endParaRPr>
-          </a:p>
-          <a:p>
-            <a:pPr marL="228600" lvl="0" indent="-228600">
-              <a:buFont typeface="Wingdings" panose="05000000000000000000" charset="0"/>
-              <a:buChar char="Ø"/>
-            </a:pPr>
-            <a:r>
-              <a:rPr lang="en-US" altLang="zh-CN">
-                <a:solidFill>
-                  <a:schemeClr val="tx1"/>
-                </a:solidFill>
-                <a:uFillTx/>
-                <a:latin typeface="等线" panose="02010600030101010101" charset="-122"/>
-              </a:rPr>
-              <a:t> </a:t>
-            </a:r>
-            <a:r>
-              <a:rPr lang="zh-CN" altLang="en-US" b="1">
-                <a:solidFill>
-                  <a:schemeClr val="tx1"/>
-                </a:solidFill>
-                <a:uFillTx/>
-                <a:latin typeface="微软雅黑" panose="020B0503020204020204" charset="-122"/>
-                <a:ea typeface="微软雅黑" panose="020B0503020204020204" charset="-122"/>
-              </a:rPr>
-              <a:t>猜想</a:t>
-            </a:r>
-            <a:endParaRPr lang="zh-CN" altLang="en-US" b="1">
-              <a:solidFill>
-                <a:schemeClr val="tx1"/>
-              </a:solidFill>
-              <a:uFillTx/>
-              <a:latin typeface="微软雅黑" panose="020B0503020204020204" charset="-122"/>
-              <a:ea typeface="微软雅黑" panose="020B0503020204020204" charset="-122"/>
-            </a:endParaRPr>
-          </a:p>
-          <a:p>
-            <a:pPr marL="685800" lvl="1" indent="-228600">
-              <a:buFont typeface="Wingdings" panose="05000000000000000000" charset="0"/>
-              <a:buChar char="n"/>
-            </a:pPr>
-            <a:r>
-              <a:rPr lang="en-US" altLang="zh-CN" b="1">
-                <a:solidFill>
-                  <a:schemeClr val="tx1"/>
-                </a:solidFill>
-                <a:uFillTx/>
-                <a:latin typeface="微软雅黑" panose="020B0503020204020204" charset="-122"/>
-                <a:ea typeface="微软雅黑" panose="020B0503020204020204" charset="-122"/>
-              </a:rPr>
-              <a:t> </a:t>
-            </a:r>
-            <a:r>
-              <a:rPr lang="zh-CN" altLang="en-US">
-                <a:solidFill>
-                  <a:schemeClr val="tx1"/>
-                </a:solidFill>
-                <a:uFillTx/>
-                <a:latin typeface="+mn-lt"/>
-                <a:ea typeface="+mn-lt"/>
-              </a:rPr>
-              <a:t>任务太简单？</a:t>
-            </a:r>
-            <a:endParaRPr lang="zh-CN" altLang="en-US">
-              <a:solidFill>
-                <a:schemeClr val="tx1"/>
-              </a:solidFill>
-              <a:uFillTx/>
-              <a:latin typeface="+mn-lt"/>
-              <a:ea typeface="+mn-lt"/>
-            </a:endParaRPr>
-          </a:p>
-          <a:p>
-            <a:pPr marL="685800" lvl="1" indent="-228600">
-              <a:buFont typeface="Wingdings" panose="05000000000000000000" charset="0"/>
-              <a:buChar char="n"/>
-            </a:pPr>
-            <a:r>
-              <a:rPr lang="en-US" altLang="zh-CN">
-                <a:solidFill>
-                  <a:schemeClr val="tx1"/>
-                </a:solidFill>
-                <a:uFillTx/>
-                <a:latin typeface="+mn-lt"/>
-                <a:ea typeface="+mn-lt"/>
-              </a:rPr>
-              <a:t> </a:t>
-            </a:r>
-            <a:r>
-              <a:rPr lang="zh-CN" altLang="en-US">
-                <a:solidFill>
-                  <a:schemeClr val="tx1"/>
-                </a:solidFill>
-                <a:uFillTx/>
-                <a:latin typeface="+mn-lt"/>
-                <a:ea typeface="+mn-lt"/>
-              </a:rPr>
-              <a:t>一个任务设计成一个函数</a:t>
-            </a:r>
-            <a:r>
-              <a:rPr lang="en-US" altLang="zh-CN">
-                <a:solidFill>
-                  <a:schemeClr val="tx1"/>
-                </a:solidFill>
-                <a:uFillTx/>
-                <a:latin typeface="+mn-lt"/>
-                <a:ea typeface="+mn-lt"/>
-              </a:rPr>
-              <a:t> -&gt; </a:t>
-            </a:r>
-            <a:r>
-              <a:rPr lang="zh-CN" altLang="en-US">
-                <a:solidFill>
-                  <a:schemeClr val="tx1"/>
-                </a:solidFill>
-                <a:uFillTx/>
-                <a:latin typeface="+mn-lt"/>
-                <a:ea typeface="+mn-lt"/>
-              </a:rPr>
-              <a:t>过于笨重，削弱了弹性，不便于调度</a:t>
-            </a:r>
-            <a:r>
-              <a:rPr lang="en-US" altLang="zh-CN">
-                <a:solidFill>
-                  <a:schemeClr val="tx1"/>
-                </a:solidFill>
-                <a:uFillTx/>
-                <a:latin typeface="+mn-lt"/>
-                <a:ea typeface="+mn-lt"/>
-              </a:rPr>
-              <a:t> -&gt;</a:t>
-            </a:r>
             <a:endParaRPr lang="en-US" altLang="zh-CN">
               <a:solidFill>
                 <a:schemeClr val="tx1"/>
@@ -6811,80 +6757,11 @@
               <a:ea typeface="+mn-lt"/>
             </a:endParaRPr>
           </a:p>
-          <a:p>
-            <a:pPr marL="457200" lvl="1" indent="0">
-              <a:buFont typeface="Wingdings" panose="05000000000000000000" charset="0"/>
-              <a:buNone/>
-            </a:pPr>
-            <a:r>
-              <a:rPr lang="zh-CN" altLang="en-US">
-                <a:solidFill>
-                  <a:schemeClr val="tx1"/>
-                </a:solidFill>
-                <a:uFillTx/>
-                <a:latin typeface="+mn-lt"/>
-                <a:ea typeface="+mn-lt"/>
-              </a:rPr>
-              <a:t>解耦成函数链</a:t>
-            </a:r>
-            <a:r>
-              <a:rPr lang="en-US" altLang="zh-CN">
-                <a:solidFill>
-                  <a:schemeClr val="tx1"/>
-                </a:solidFill>
-                <a:uFillTx/>
-                <a:latin typeface="+mn-lt"/>
-                <a:ea typeface="+mn-lt"/>
-              </a:rPr>
-              <a:t>(</a:t>
-            </a:r>
-            <a:r>
-              <a:rPr lang="zh-CN" altLang="en-US">
-                <a:solidFill>
-                  <a:schemeClr val="tx1"/>
-                </a:solidFill>
-                <a:uFillTx/>
-                <a:latin typeface="+mn-lt"/>
-                <a:ea typeface="+mn-lt"/>
-              </a:rPr>
-              <a:t>通信开销和扩展性的</a:t>
-            </a:r>
-            <a:r>
-              <a:rPr lang="en-US" altLang="zh-CN">
-                <a:solidFill>
-                  <a:schemeClr val="tx1"/>
-                </a:solidFill>
-                <a:uFillTx/>
-                <a:latin typeface="+mn-lt"/>
-                <a:ea typeface="+mn-lt"/>
-              </a:rPr>
-              <a:t>trade-</a:t>
-            </a:r>
-            <a:r>
-              <a:rPr lang="en-US" altLang="zh-CN">
-                <a:solidFill>
-                  <a:schemeClr val="tx1"/>
-                </a:solidFill>
-                <a:uFillTx/>
-                <a:latin typeface="+mn-lt"/>
-                <a:ea typeface="+mn-lt"/>
-              </a:rPr>
-              <a:t>off) -&gt; stage-aware ?</a:t>
-            </a:r>
-            <a:endParaRPr lang="en-US" altLang="zh-CN">
-              <a:solidFill>
-                <a:schemeClr val="tx1"/>
-              </a:solidFill>
-              <a:uFillTx/>
-              <a:latin typeface="+mn-lt"/>
-              <a:ea typeface="+mn-lt"/>
-            </a:endParaRPr>
-          </a:p>
-        </p:txBody>
-      </p:sp>
-      <p:sp>
-        <p:nvSpPr>
-          <p:cNvPr id="19" name="文本框 18"/>
+        </p:txBody>
+      </p:sp>
+      <p:sp>
+        <p:nvSpPr>
+          <p:cNvPr id="4" name="文本框 3"/>
           <p:cNvSpPr txBox="1"/>
           <p:nvPr/>
         </p:nvSpPr>
@@ -6912,7 +6789,7 @@
                 </a:solidFill>
                 <a:sym typeface="+mn-ea"/>
               </a:rPr>
-              <a:t>[1] Towards Latency Sensitive Cloud Native Applications: A Performance Study on AWS  CLOUD’19</a:t>
+              <a:t>[1] Sonic: Application-aware Data Passing for Chained Serverless Applications  ATC’21</a:t>
             </a:r>
             <a:endParaRPr lang="en-US" altLang="zh-CN" sz="1600">
               <a:solidFill>
@@ -6925,6 +6802,2958 @@
           </a:p>
         </p:txBody>
       </p:sp>
+      <p:sp>
+        <p:nvSpPr>
+          <p:cNvPr id="13" name="圆角矩形 12"/>
+          <p:cNvSpPr/>
+          <p:nvPr/>
+        </p:nvSpPr>
+        <p:spPr>
+          <a:xfrm>
+            <a:off x="4453255" y="4111625"/>
+            <a:ext cx="2048510" cy="1427480"/>
+          </a:xfrm>
+          <a:prstGeom prst="roundRect">
+            <a:avLst/>
+          </a:prstGeom>
+          <a:solidFill>
+            <a:schemeClr val="bg1"/>
+          </a:solidFill>
+          <a:ln w="28575" cmpd="sng">
+            <a:solidFill>
+              <a:schemeClr val="bg2">
+                <a:lumMod val="65000"/>
+              </a:schemeClr>
+            </a:solidFill>
+            <a:prstDash val="sysDash"/>
+          </a:ln>
+        </p:spPr>
+        <p:style>
+          <a:lnRef idx="2">
+            <a:schemeClr val="accent1">
+              <a:shade val="50000"/>
+            </a:schemeClr>
+          </a:lnRef>
+          <a:fillRef idx="1">
+            <a:schemeClr val="accent1"/>
+          </a:fillRef>
+          <a:effectRef idx="0">
+            <a:schemeClr val="accent1"/>
+          </a:effectRef>
+          <a:fontRef idx="minor">
+            <a:schemeClr val="lt1"/>
+          </a:fontRef>
+        </p:style>
+        <p:txBody>
+          <a:bodyPr rtlCol="0" anchor="ctr"/>
+          <a:p>
+            <a:pPr algn="ctr"/>
+            <a:endParaRPr lang="zh-CN" altLang="en-US"/>
+          </a:p>
+        </p:txBody>
+      </p:sp>
+      <p:sp>
+        <p:nvSpPr>
+          <p:cNvPr id="15" name="文本框 14"/>
+          <p:cNvSpPr txBox="1"/>
+          <p:nvPr/>
+        </p:nvSpPr>
+        <p:spPr>
+          <a:xfrm>
+            <a:off x="5002530" y="5140325"/>
+            <a:ext cx="1120775" cy="398780"/>
+          </a:xfrm>
+          <a:prstGeom prst="rect">
+            <a:avLst/>
+          </a:prstGeom>
+          <a:noFill/>
+        </p:spPr>
+        <p:txBody>
+          <a:bodyPr wrap="square" rtlCol="0">
+            <a:spAutoFit/>
+          </a:bodyPr>
+          <a:p>
+            <a:r>
+              <a:rPr lang="en-US" altLang="zh-CN" sz="2000">
+                <a:solidFill>
+                  <a:schemeClr val="bg2">
+                    <a:lumMod val="65000"/>
+                  </a:schemeClr>
+                </a:solidFill>
+                <a:latin typeface="微软雅黑" panose="020B0503020204020204" charset="-122"/>
+                <a:ea typeface="微软雅黑" panose="020B0503020204020204" charset="-122"/>
+              </a:rPr>
+              <a:t>Stage 2</a:t>
+            </a:r>
+            <a:endParaRPr lang="en-US" altLang="zh-CN" sz="2000">
+              <a:solidFill>
+                <a:schemeClr val="bg2">
+                  <a:lumMod val="65000"/>
+                </a:schemeClr>
+              </a:solidFill>
+              <a:latin typeface="微软雅黑" panose="020B0503020204020204" charset="-122"/>
+              <a:ea typeface="微软雅黑" panose="020B0503020204020204" charset="-122"/>
+            </a:endParaRPr>
+          </a:p>
+        </p:txBody>
+      </p:sp>
+      <p:sp>
+        <p:nvSpPr>
+          <p:cNvPr id="16" name="圆角矩形 15"/>
+          <p:cNvSpPr/>
+          <p:nvPr/>
+        </p:nvSpPr>
+        <p:spPr>
+          <a:xfrm>
+            <a:off x="1575435" y="4111625"/>
+            <a:ext cx="2574925" cy="1327785"/>
+          </a:xfrm>
+          <a:prstGeom prst="roundRect">
+            <a:avLst/>
+          </a:prstGeom>
+          <a:solidFill>
+            <a:schemeClr val="bg1"/>
+          </a:solidFill>
+          <a:ln w="28575" cmpd="sng">
+            <a:solidFill>
+              <a:schemeClr val="bg2">
+                <a:lumMod val="65000"/>
+              </a:schemeClr>
+            </a:solidFill>
+            <a:prstDash val="sysDash"/>
+          </a:ln>
+        </p:spPr>
+        <p:style>
+          <a:lnRef idx="2">
+            <a:schemeClr val="accent1">
+              <a:shade val="50000"/>
+            </a:schemeClr>
+          </a:lnRef>
+          <a:fillRef idx="1">
+            <a:schemeClr val="accent1"/>
+          </a:fillRef>
+          <a:effectRef idx="0">
+            <a:schemeClr val="accent1"/>
+          </a:effectRef>
+          <a:fontRef idx="minor">
+            <a:schemeClr val="lt1"/>
+          </a:fontRef>
+        </p:style>
+        <p:txBody>
+          <a:bodyPr rtlCol="0" anchor="ctr"/>
+          <a:p>
+            <a:pPr algn="ctr"/>
+            <a:endParaRPr lang="zh-CN" altLang="en-US"/>
+          </a:p>
+        </p:txBody>
+      </p:sp>
+      <p:sp>
+        <p:nvSpPr>
+          <p:cNvPr id="19" name="文本框 18"/>
+          <p:cNvSpPr txBox="1"/>
+          <p:nvPr/>
+        </p:nvSpPr>
+        <p:spPr>
+          <a:xfrm>
+            <a:off x="1576070" y="4929505"/>
+            <a:ext cx="1108710" cy="398780"/>
+          </a:xfrm>
+          <a:prstGeom prst="rect">
+            <a:avLst/>
+          </a:prstGeom>
+          <a:noFill/>
+        </p:spPr>
+        <p:txBody>
+          <a:bodyPr wrap="square" rtlCol="0">
+            <a:spAutoFit/>
+          </a:bodyPr>
+          <a:p>
+            <a:r>
+              <a:rPr lang="en-US" altLang="zh-CN" sz="2000">
+                <a:solidFill>
+                  <a:schemeClr val="bg2">
+                    <a:lumMod val="65000"/>
+                  </a:schemeClr>
+                </a:solidFill>
+                <a:latin typeface="微软雅黑" panose="020B0503020204020204" charset="-122"/>
+                <a:ea typeface="微软雅黑" panose="020B0503020204020204" charset="-122"/>
+              </a:rPr>
+              <a:t>Stage 1</a:t>
+            </a:r>
+            <a:endParaRPr lang="en-US" altLang="zh-CN" sz="2000">
+              <a:solidFill>
+                <a:schemeClr val="bg2">
+                  <a:lumMod val="65000"/>
+                </a:schemeClr>
+              </a:solidFill>
+              <a:latin typeface="微软雅黑" panose="020B0503020204020204" charset="-122"/>
+              <a:ea typeface="微软雅黑" panose="020B0503020204020204" charset="-122"/>
+            </a:endParaRPr>
+          </a:p>
+        </p:txBody>
+      </p:sp>
+      <p:sp>
+        <p:nvSpPr>
+          <p:cNvPr id="20" name="圆角矩形 19"/>
+          <p:cNvSpPr/>
+          <p:nvPr/>
+        </p:nvSpPr>
+        <p:spPr>
+          <a:xfrm>
+            <a:off x="5649595" y="4327525"/>
+            <a:ext cx="589280" cy="784225"/>
+          </a:xfrm>
+          <a:prstGeom prst="roundRect">
+            <a:avLst/>
+          </a:prstGeom>
+          <a:solidFill>
+            <a:schemeClr val="bg1"/>
+          </a:solidFill>
+          <a:ln w="28575" cmpd="sng">
+            <a:solidFill>
+              <a:schemeClr val="accent1">
+                <a:shade val="50000"/>
+              </a:schemeClr>
+            </a:solidFill>
+            <a:prstDash val="solid"/>
+          </a:ln>
+        </p:spPr>
+        <p:style>
+          <a:lnRef idx="2">
+            <a:schemeClr val="accent1">
+              <a:shade val="50000"/>
+            </a:schemeClr>
+          </a:lnRef>
+          <a:fillRef idx="1">
+            <a:schemeClr val="accent1"/>
+          </a:fillRef>
+          <a:effectRef idx="0">
+            <a:schemeClr val="accent1"/>
+          </a:effectRef>
+          <a:fontRef idx="minor">
+            <a:schemeClr val="lt1"/>
+          </a:fontRef>
+        </p:style>
+        <p:txBody>
+          <a:bodyPr rtlCol="0" anchor="ctr"/>
+          <a:p>
+            <a:pPr algn="ctr"/>
+            <a:endParaRPr lang="zh-CN" altLang="en-US"/>
+          </a:p>
+        </p:txBody>
+      </p:sp>
+      <p:sp>
+        <p:nvSpPr>
+          <p:cNvPr id="21" name="圆角矩形 20"/>
+          <p:cNvSpPr/>
+          <p:nvPr/>
+        </p:nvSpPr>
+        <p:spPr>
+          <a:xfrm>
+            <a:off x="5765165" y="4633595"/>
+            <a:ext cx="358140" cy="149860"/>
+          </a:xfrm>
+          <a:prstGeom prst="roundRect">
+            <a:avLst/>
+          </a:prstGeom>
+        </p:spPr>
+        <p:style>
+          <a:lnRef idx="2">
+            <a:schemeClr val="accent1">
+              <a:shade val="50000"/>
+            </a:schemeClr>
+          </a:lnRef>
+          <a:fillRef idx="1">
+            <a:schemeClr val="accent1"/>
+          </a:fillRef>
+          <a:effectRef idx="0">
+            <a:schemeClr val="accent1"/>
+          </a:effectRef>
+          <a:fontRef idx="minor">
+            <a:schemeClr val="lt1"/>
+          </a:fontRef>
+        </p:style>
+        <p:txBody>
+          <a:bodyPr rtlCol="0" anchor="ctr"/>
+          <a:p>
+            <a:pPr algn="ctr"/>
+            <a:endParaRPr lang="zh-CN" altLang="en-US"/>
+          </a:p>
+        </p:txBody>
+      </p:sp>
+      <p:sp>
+        <p:nvSpPr>
+          <p:cNvPr id="22" name="圆角矩形 21"/>
+          <p:cNvSpPr/>
+          <p:nvPr/>
+        </p:nvSpPr>
+        <p:spPr>
+          <a:xfrm>
+            <a:off x="5765165" y="4854575"/>
+            <a:ext cx="358140" cy="149860"/>
+          </a:xfrm>
+          <a:prstGeom prst="roundRect">
+            <a:avLst/>
+          </a:prstGeom>
+        </p:spPr>
+        <p:style>
+          <a:lnRef idx="2">
+            <a:schemeClr val="accent1">
+              <a:shade val="50000"/>
+            </a:schemeClr>
+          </a:lnRef>
+          <a:fillRef idx="1">
+            <a:schemeClr val="accent1"/>
+          </a:fillRef>
+          <a:effectRef idx="0">
+            <a:schemeClr val="accent1"/>
+          </a:effectRef>
+          <a:fontRef idx="minor">
+            <a:schemeClr val="lt1"/>
+          </a:fontRef>
+        </p:style>
+        <p:txBody>
+          <a:bodyPr rtlCol="0" anchor="ctr"/>
+          <a:p>
+            <a:pPr algn="ctr"/>
+            <a:endParaRPr lang="zh-CN" altLang="en-US"/>
+          </a:p>
+        </p:txBody>
+      </p:sp>
+      <p:sp>
+        <p:nvSpPr>
+          <p:cNvPr id="23" name="圆角矩形 22"/>
+          <p:cNvSpPr/>
+          <p:nvPr/>
+        </p:nvSpPr>
+        <p:spPr>
+          <a:xfrm>
+            <a:off x="5765165" y="4412615"/>
+            <a:ext cx="358140" cy="149860"/>
+          </a:xfrm>
+          <a:prstGeom prst="roundRect">
+            <a:avLst/>
+          </a:prstGeom>
+        </p:spPr>
+        <p:style>
+          <a:lnRef idx="2">
+            <a:schemeClr val="accent1">
+              <a:shade val="50000"/>
+            </a:schemeClr>
+          </a:lnRef>
+          <a:fillRef idx="1">
+            <a:schemeClr val="accent1"/>
+          </a:fillRef>
+          <a:effectRef idx="0">
+            <a:schemeClr val="accent1"/>
+          </a:effectRef>
+          <a:fontRef idx="minor">
+            <a:schemeClr val="lt1"/>
+          </a:fontRef>
+        </p:style>
+        <p:txBody>
+          <a:bodyPr rtlCol="0" anchor="ctr"/>
+          <a:p>
+            <a:pPr algn="ctr"/>
+            <a:endParaRPr lang="zh-CN" altLang="en-US"/>
+          </a:p>
+        </p:txBody>
+      </p:sp>
+      <p:sp>
+        <p:nvSpPr>
+          <p:cNvPr id="24" name="圆角矩形 23"/>
+          <p:cNvSpPr/>
+          <p:nvPr/>
+        </p:nvSpPr>
+        <p:spPr>
+          <a:xfrm>
+            <a:off x="1720215" y="4171315"/>
+            <a:ext cx="589280" cy="540385"/>
+          </a:xfrm>
+          <a:prstGeom prst="roundRect">
+            <a:avLst/>
+          </a:prstGeom>
+          <a:solidFill>
+            <a:schemeClr val="bg1"/>
+          </a:solidFill>
+          <a:ln w="28575" cmpd="sng">
+            <a:solidFill>
+              <a:schemeClr val="accent1">
+                <a:shade val="50000"/>
+              </a:schemeClr>
+            </a:solidFill>
+            <a:prstDash val="solid"/>
+          </a:ln>
+        </p:spPr>
+        <p:style>
+          <a:lnRef idx="2">
+            <a:schemeClr val="accent1">
+              <a:shade val="50000"/>
+            </a:schemeClr>
+          </a:lnRef>
+          <a:fillRef idx="1">
+            <a:schemeClr val="accent1"/>
+          </a:fillRef>
+          <a:effectRef idx="0">
+            <a:schemeClr val="accent1"/>
+          </a:effectRef>
+          <a:fontRef idx="minor">
+            <a:schemeClr val="lt1"/>
+          </a:fontRef>
+        </p:style>
+        <p:txBody>
+          <a:bodyPr rtlCol="0" anchor="ctr"/>
+          <a:p>
+            <a:pPr algn="ctr"/>
+            <a:endParaRPr lang="zh-CN" altLang="en-US"/>
+          </a:p>
+        </p:txBody>
+      </p:sp>
+      <p:sp>
+        <p:nvSpPr>
+          <p:cNvPr id="25" name="圆角矩形 24"/>
+          <p:cNvSpPr/>
+          <p:nvPr/>
+        </p:nvSpPr>
+        <p:spPr>
+          <a:xfrm>
+            <a:off x="1835785" y="4246245"/>
+            <a:ext cx="358140" cy="149860"/>
+          </a:xfrm>
+          <a:prstGeom prst="roundRect">
+            <a:avLst/>
+          </a:prstGeom>
+          <a:solidFill>
+            <a:schemeClr val="accent4"/>
+          </a:solidFill>
+        </p:spPr>
+        <p:style>
+          <a:lnRef idx="2">
+            <a:schemeClr val="accent1">
+              <a:shade val="50000"/>
+            </a:schemeClr>
+          </a:lnRef>
+          <a:fillRef idx="1">
+            <a:schemeClr val="accent1"/>
+          </a:fillRef>
+          <a:effectRef idx="0">
+            <a:schemeClr val="accent1"/>
+          </a:effectRef>
+          <a:fontRef idx="minor">
+            <a:schemeClr val="lt1"/>
+          </a:fontRef>
+        </p:style>
+        <p:txBody>
+          <a:bodyPr rtlCol="0" anchor="ctr"/>
+          <a:p>
+            <a:pPr algn="ctr"/>
+            <a:endParaRPr lang="zh-CN" altLang="en-US"/>
+          </a:p>
+        </p:txBody>
+      </p:sp>
+      <p:sp>
+        <p:nvSpPr>
+          <p:cNvPr id="30" name="圆角矩形 29"/>
+          <p:cNvSpPr/>
+          <p:nvPr/>
+        </p:nvSpPr>
+        <p:spPr>
+          <a:xfrm>
+            <a:off x="1835785" y="4474845"/>
+            <a:ext cx="358140" cy="149860"/>
+          </a:xfrm>
+          <a:prstGeom prst="roundRect">
+            <a:avLst/>
+          </a:prstGeom>
+          <a:solidFill>
+            <a:schemeClr val="accent4"/>
+          </a:solidFill>
+        </p:spPr>
+        <p:style>
+          <a:lnRef idx="2">
+            <a:schemeClr val="accent1">
+              <a:shade val="50000"/>
+            </a:schemeClr>
+          </a:lnRef>
+          <a:fillRef idx="1">
+            <a:schemeClr val="accent1"/>
+          </a:fillRef>
+          <a:effectRef idx="0">
+            <a:schemeClr val="accent1"/>
+          </a:effectRef>
+          <a:fontRef idx="minor">
+            <a:schemeClr val="lt1"/>
+          </a:fontRef>
+        </p:style>
+        <p:txBody>
+          <a:bodyPr rtlCol="0" anchor="ctr"/>
+          <a:p>
+            <a:pPr algn="ctr"/>
+            <a:endParaRPr lang="zh-CN" altLang="en-US"/>
+          </a:p>
+        </p:txBody>
+      </p:sp>
+      <p:sp>
+        <p:nvSpPr>
+          <p:cNvPr id="31" name="圆角矩形 30"/>
+          <p:cNvSpPr/>
+          <p:nvPr/>
+        </p:nvSpPr>
+        <p:spPr>
+          <a:xfrm>
+            <a:off x="2569210" y="4177665"/>
+            <a:ext cx="589280" cy="540385"/>
+          </a:xfrm>
+          <a:prstGeom prst="roundRect">
+            <a:avLst/>
+          </a:prstGeom>
+          <a:solidFill>
+            <a:schemeClr val="bg1"/>
+          </a:solidFill>
+          <a:ln w="28575" cmpd="sng">
+            <a:solidFill>
+              <a:schemeClr val="accent1">
+                <a:shade val="50000"/>
+              </a:schemeClr>
+            </a:solidFill>
+            <a:prstDash val="solid"/>
+          </a:ln>
+        </p:spPr>
+        <p:style>
+          <a:lnRef idx="2">
+            <a:schemeClr val="accent1">
+              <a:shade val="50000"/>
+            </a:schemeClr>
+          </a:lnRef>
+          <a:fillRef idx="1">
+            <a:schemeClr val="accent1"/>
+          </a:fillRef>
+          <a:effectRef idx="0">
+            <a:schemeClr val="accent1"/>
+          </a:effectRef>
+          <a:fontRef idx="minor">
+            <a:schemeClr val="lt1"/>
+          </a:fontRef>
+        </p:style>
+        <p:txBody>
+          <a:bodyPr rtlCol="0" anchor="ctr"/>
+          <a:p>
+            <a:pPr algn="ctr"/>
+            <a:endParaRPr lang="zh-CN" altLang="en-US"/>
+          </a:p>
+        </p:txBody>
+      </p:sp>
+      <p:sp>
+        <p:nvSpPr>
+          <p:cNvPr id="32" name="圆角矩形 31"/>
+          <p:cNvSpPr/>
+          <p:nvPr/>
+        </p:nvSpPr>
+        <p:spPr>
+          <a:xfrm>
+            <a:off x="2684780" y="4252595"/>
+            <a:ext cx="358140" cy="149860"/>
+          </a:xfrm>
+          <a:prstGeom prst="roundRect">
+            <a:avLst/>
+          </a:prstGeom>
+          <a:solidFill>
+            <a:schemeClr val="accent4"/>
+          </a:solidFill>
+        </p:spPr>
+        <p:style>
+          <a:lnRef idx="2">
+            <a:schemeClr val="accent1">
+              <a:shade val="50000"/>
+            </a:schemeClr>
+          </a:lnRef>
+          <a:fillRef idx="1">
+            <a:schemeClr val="accent1"/>
+          </a:fillRef>
+          <a:effectRef idx="0">
+            <a:schemeClr val="accent1"/>
+          </a:effectRef>
+          <a:fontRef idx="minor">
+            <a:schemeClr val="lt1"/>
+          </a:fontRef>
+        </p:style>
+        <p:txBody>
+          <a:bodyPr rtlCol="0" anchor="ctr"/>
+          <a:p>
+            <a:pPr algn="ctr"/>
+            <a:endParaRPr lang="zh-CN" altLang="en-US"/>
+          </a:p>
+        </p:txBody>
+      </p:sp>
+      <p:sp>
+        <p:nvSpPr>
+          <p:cNvPr id="33" name="圆角矩形 32"/>
+          <p:cNvSpPr/>
+          <p:nvPr/>
+        </p:nvSpPr>
+        <p:spPr>
+          <a:xfrm>
+            <a:off x="2684780" y="4481195"/>
+            <a:ext cx="358140" cy="149860"/>
+          </a:xfrm>
+          <a:prstGeom prst="roundRect">
+            <a:avLst/>
+          </a:prstGeom>
+          <a:solidFill>
+            <a:schemeClr val="accent4"/>
+          </a:solidFill>
+        </p:spPr>
+        <p:style>
+          <a:lnRef idx="2">
+            <a:schemeClr val="accent1">
+              <a:shade val="50000"/>
+            </a:schemeClr>
+          </a:lnRef>
+          <a:fillRef idx="1">
+            <a:schemeClr val="accent1"/>
+          </a:fillRef>
+          <a:effectRef idx="0">
+            <a:schemeClr val="accent1"/>
+          </a:effectRef>
+          <a:fontRef idx="minor">
+            <a:schemeClr val="lt1"/>
+          </a:fontRef>
+        </p:style>
+        <p:txBody>
+          <a:bodyPr rtlCol="0" anchor="ctr"/>
+          <a:p>
+            <a:pPr algn="ctr"/>
+            <a:endParaRPr lang="zh-CN" altLang="en-US"/>
+          </a:p>
+        </p:txBody>
+      </p:sp>
+      <p:cxnSp>
+        <p:nvCxnSpPr>
+          <p:cNvPr id="34" name="直接箭头连接符 33"/>
+          <p:cNvCxnSpPr>
+            <a:stCxn id="25" idx="3"/>
+            <a:endCxn id="32" idx="1"/>
+          </p:cNvCxnSpPr>
+          <p:nvPr/>
+        </p:nvCxnSpPr>
+        <p:spPr>
+          <a:xfrm>
+            <a:off x="2193925" y="4321175"/>
+            <a:ext cx="490855" cy="6350"/>
+          </a:xfrm>
+          <a:prstGeom prst="straightConnector1">
+            <a:avLst/>
+          </a:prstGeom>
+          <a:ln>
+            <a:tailEnd type="arrow" w="med" len="med"/>
+          </a:ln>
+        </p:spPr>
+        <p:style>
+          <a:lnRef idx="1">
+            <a:schemeClr val="dk1"/>
+          </a:lnRef>
+          <a:fillRef idx="0">
+            <a:schemeClr val="dk1"/>
+          </a:fillRef>
+          <a:effectRef idx="0">
+            <a:schemeClr val="dk1"/>
+          </a:effectRef>
+          <a:fontRef idx="minor">
+            <a:schemeClr val="tx1"/>
+          </a:fontRef>
+        </p:style>
+      </p:cxnSp>
+      <p:cxnSp>
+        <p:nvCxnSpPr>
+          <p:cNvPr id="35" name="直接箭头连接符 34"/>
+          <p:cNvCxnSpPr>
+            <a:stCxn id="30" idx="3"/>
+            <a:endCxn id="33" idx="1"/>
+          </p:cNvCxnSpPr>
+          <p:nvPr/>
+        </p:nvCxnSpPr>
+        <p:spPr>
+          <a:xfrm>
+            <a:off x="2193925" y="4549775"/>
+            <a:ext cx="490855" cy="6350"/>
+          </a:xfrm>
+          <a:prstGeom prst="straightConnector1">
+            <a:avLst/>
+          </a:prstGeom>
+          <a:ln>
+            <a:tailEnd type="arrow" w="med" len="med"/>
+          </a:ln>
+        </p:spPr>
+        <p:style>
+          <a:lnRef idx="1">
+            <a:schemeClr val="dk1"/>
+          </a:lnRef>
+          <a:fillRef idx="0">
+            <a:schemeClr val="dk1"/>
+          </a:fillRef>
+          <a:effectRef idx="0">
+            <a:schemeClr val="dk1"/>
+          </a:effectRef>
+          <a:fontRef idx="minor">
+            <a:schemeClr val="tx1"/>
+          </a:fontRef>
+        </p:style>
+      </p:cxnSp>
+      <p:sp>
+        <p:nvSpPr>
+          <p:cNvPr id="36" name="圆角矩形 35"/>
+          <p:cNvSpPr/>
+          <p:nvPr/>
+        </p:nvSpPr>
+        <p:spPr>
+          <a:xfrm>
+            <a:off x="2569210" y="4802505"/>
+            <a:ext cx="589280" cy="540385"/>
+          </a:xfrm>
+          <a:prstGeom prst="roundRect">
+            <a:avLst/>
+          </a:prstGeom>
+          <a:solidFill>
+            <a:schemeClr val="bg1"/>
+          </a:solidFill>
+          <a:ln w="28575" cmpd="sng">
+            <a:solidFill>
+              <a:schemeClr val="accent1">
+                <a:shade val="50000"/>
+              </a:schemeClr>
+            </a:solidFill>
+            <a:prstDash val="solid"/>
+          </a:ln>
+        </p:spPr>
+        <p:style>
+          <a:lnRef idx="2">
+            <a:schemeClr val="accent1">
+              <a:shade val="50000"/>
+            </a:schemeClr>
+          </a:lnRef>
+          <a:fillRef idx="1">
+            <a:schemeClr val="accent1"/>
+          </a:fillRef>
+          <a:effectRef idx="0">
+            <a:schemeClr val="accent1"/>
+          </a:effectRef>
+          <a:fontRef idx="minor">
+            <a:schemeClr val="lt1"/>
+          </a:fontRef>
+        </p:style>
+        <p:txBody>
+          <a:bodyPr rtlCol="0" anchor="ctr"/>
+          <a:p>
+            <a:pPr algn="ctr"/>
+            <a:endParaRPr lang="zh-CN" altLang="en-US"/>
+          </a:p>
+        </p:txBody>
+      </p:sp>
+      <p:sp>
+        <p:nvSpPr>
+          <p:cNvPr id="37" name="圆角矩形 36"/>
+          <p:cNvSpPr/>
+          <p:nvPr/>
+        </p:nvSpPr>
+        <p:spPr>
+          <a:xfrm>
+            <a:off x="2684780" y="4877435"/>
+            <a:ext cx="358140" cy="149860"/>
+          </a:xfrm>
+          <a:prstGeom prst="roundRect">
+            <a:avLst/>
+          </a:prstGeom>
+        </p:spPr>
+        <p:style>
+          <a:lnRef idx="2">
+            <a:schemeClr val="accent1">
+              <a:shade val="50000"/>
+            </a:schemeClr>
+          </a:lnRef>
+          <a:fillRef idx="1">
+            <a:schemeClr val="accent1"/>
+          </a:fillRef>
+          <a:effectRef idx="0">
+            <a:schemeClr val="accent1"/>
+          </a:effectRef>
+          <a:fontRef idx="minor">
+            <a:schemeClr val="lt1"/>
+          </a:fontRef>
+        </p:style>
+        <p:txBody>
+          <a:bodyPr rtlCol="0" anchor="ctr"/>
+          <a:p>
+            <a:pPr algn="ctr"/>
+            <a:endParaRPr lang="zh-CN" altLang="en-US"/>
+          </a:p>
+        </p:txBody>
+      </p:sp>
+      <p:sp>
+        <p:nvSpPr>
+          <p:cNvPr id="38" name="圆角矩形 37"/>
+          <p:cNvSpPr/>
+          <p:nvPr/>
+        </p:nvSpPr>
+        <p:spPr>
+          <a:xfrm>
+            <a:off x="2684780" y="5106035"/>
+            <a:ext cx="358140" cy="149860"/>
+          </a:xfrm>
+          <a:prstGeom prst="roundRect">
+            <a:avLst/>
+          </a:prstGeom>
+        </p:spPr>
+        <p:style>
+          <a:lnRef idx="2">
+            <a:schemeClr val="accent1">
+              <a:shade val="50000"/>
+            </a:schemeClr>
+          </a:lnRef>
+          <a:fillRef idx="1">
+            <a:schemeClr val="accent1"/>
+          </a:fillRef>
+          <a:effectRef idx="0">
+            <a:schemeClr val="accent1"/>
+          </a:effectRef>
+          <a:fontRef idx="minor">
+            <a:schemeClr val="lt1"/>
+          </a:fontRef>
+        </p:style>
+        <p:txBody>
+          <a:bodyPr rtlCol="0" anchor="ctr"/>
+          <a:p>
+            <a:pPr algn="ctr"/>
+            <a:endParaRPr lang="zh-CN" altLang="en-US"/>
+          </a:p>
+        </p:txBody>
+      </p:sp>
+      <p:sp>
+        <p:nvSpPr>
+          <p:cNvPr id="39" name="圆角矩形 38"/>
+          <p:cNvSpPr/>
+          <p:nvPr/>
+        </p:nvSpPr>
+        <p:spPr>
+          <a:xfrm>
+            <a:off x="3414395" y="4172585"/>
+            <a:ext cx="589280" cy="1179830"/>
+          </a:xfrm>
+          <a:prstGeom prst="roundRect">
+            <a:avLst/>
+          </a:prstGeom>
+          <a:solidFill>
+            <a:schemeClr val="bg1"/>
+          </a:solidFill>
+          <a:ln w="28575" cmpd="sng">
+            <a:solidFill>
+              <a:schemeClr val="accent1">
+                <a:shade val="50000"/>
+              </a:schemeClr>
+            </a:solidFill>
+            <a:prstDash val="solid"/>
+          </a:ln>
+        </p:spPr>
+        <p:style>
+          <a:lnRef idx="2">
+            <a:schemeClr val="accent1">
+              <a:shade val="50000"/>
+            </a:schemeClr>
+          </a:lnRef>
+          <a:fillRef idx="1">
+            <a:schemeClr val="accent1"/>
+          </a:fillRef>
+          <a:effectRef idx="0">
+            <a:schemeClr val="accent1"/>
+          </a:effectRef>
+          <a:fontRef idx="minor">
+            <a:schemeClr val="lt1"/>
+          </a:fontRef>
+        </p:style>
+        <p:txBody>
+          <a:bodyPr rtlCol="0" anchor="ctr"/>
+          <a:p>
+            <a:pPr algn="ctr"/>
+            <a:endParaRPr lang="zh-CN" altLang="en-US"/>
+          </a:p>
+        </p:txBody>
+      </p:sp>
+      <p:sp>
+        <p:nvSpPr>
+          <p:cNvPr id="40" name="圆角矩形 39"/>
+          <p:cNvSpPr/>
+          <p:nvPr/>
+        </p:nvSpPr>
+        <p:spPr>
+          <a:xfrm>
+            <a:off x="3529330" y="4252595"/>
+            <a:ext cx="358140" cy="149860"/>
+          </a:xfrm>
+          <a:prstGeom prst="roundRect">
+            <a:avLst/>
+          </a:prstGeom>
+          <a:solidFill>
+            <a:schemeClr val="accent4"/>
+          </a:solidFill>
+        </p:spPr>
+        <p:style>
+          <a:lnRef idx="2">
+            <a:schemeClr val="accent1">
+              <a:shade val="50000"/>
+            </a:schemeClr>
+          </a:lnRef>
+          <a:fillRef idx="1">
+            <a:schemeClr val="accent1"/>
+          </a:fillRef>
+          <a:effectRef idx="0">
+            <a:schemeClr val="accent1"/>
+          </a:effectRef>
+          <a:fontRef idx="minor">
+            <a:schemeClr val="lt1"/>
+          </a:fontRef>
+        </p:style>
+        <p:txBody>
+          <a:bodyPr rtlCol="0" anchor="ctr"/>
+          <a:p>
+            <a:pPr algn="ctr"/>
+            <a:endParaRPr lang="zh-CN" altLang="en-US"/>
+          </a:p>
+        </p:txBody>
+      </p:sp>
+      <p:sp>
+        <p:nvSpPr>
+          <p:cNvPr id="41" name="圆角矩形 40"/>
+          <p:cNvSpPr/>
+          <p:nvPr/>
+        </p:nvSpPr>
+        <p:spPr>
+          <a:xfrm>
+            <a:off x="3529965" y="4486275"/>
+            <a:ext cx="358140" cy="149860"/>
+          </a:xfrm>
+          <a:prstGeom prst="roundRect">
+            <a:avLst/>
+          </a:prstGeom>
+          <a:solidFill>
+            <a:schemeClr val="accent4"/>
+          </a:solidFill>
+        </p:spPr>
+        <p:style>
+          <a:lnRef idx="2">
+            <a:schemeClr val="accent1">
+              <a:shade val="50000"/>
+            </a:schemeClr>
+          </a:lnRef>
+          <a:fillRef idx="1">
+            <a:schemeClr val="accent1"/>
+          </a:fillRef>
+          <a:effectRef idx="0">
+            <a:schemeClr val="accent1"/>
+          </a:effectRef>
+          <a:fontRef idx="minor">
+            <a:schemeClr val="lt1"/>
+          </a:fontRef>
+        </p:style>
+        <p:txBody>
+          <a:bodyPr rtlCol="0" anchor="ctr"/>
+          <a:p>
+            <a:pPr algn="ctr"/>
+            <a:endParaRPr lang="zh-CN" altLang="en-US"/>
+          </a:p>
+        </p:txBody>
+      </p:sp>
+      <p:sp>
+        <p:nvSpPr>
+          <p:cNvPr id="50" name="圆角矩形 49"/>
+          <p:cNvSpPr/>
+          <p:nvPr/>
+        </p:nvSpPr>
+        <p:spPr>
+          <a:xfrm>
+            <a:off x="3529965" y="4877435"/>
+            <a:ext cx="358140" cy="149860"/>
+          </a:xfrm>
+          <a:prstGeom prst="roundRect">
+            <a:avLst/>
+          </a:prstGeom>
+        </p:spPr>
+        <p:style>
+          <a:lnRef idx="2">
+            <a:schemeClr val="accent1">
+              <a:shade val="50000"/>
+            </a:schemeClr>
+          </a:lnRef>
+          <a:fillRef idx="1">
+            <a:schemeClr val="accent1"/>
+          </a:fillRef>
+          <a:effectRef idx="0">
+            <a:schemeClr val="accent1"/>
+          </a:effectRef>
+          <a:fontRef idx="minor">
+            <a:schemeClr val="lt1"/>
+          </a:fontRef>
+        </p:style>
+        <p:txBody>
+          <a:bodyPr rtlCol="0" anchor="ctr"/>
+          <a:p>
+            <a:pPr algn="ctr"/>
+            <a:endParaRPr lang="zh-CN" altLang="en-US"/>
+          </a:p>
+        </p:txBody>
+      </p:sp>
+      <p:sp>
+        <p:nvSpPr>
+          <p:cNvPr id="51" name="圆角矩形 50"/>
+          <p:cNvSpPr/>
+          <p:nvPr/>
+        </p:nvSpPr>
+        <p:spPr>
+          <a:xfrm>
+            <a:off x="3529965" y="5106035"/>
+            <a:ext cx="358140" cy="149860"/>
+          </a:xfrm>
+          <a:prstGeom prst="roundRect">
+            <a:avLst/>
+          </a:prstGeom>
+        </p:spPr>
+        <p:style>
+          <a:lnRef idx="2">
+            <a:schemeClr val="accent1">
+              <a:shade val="50000"/>
+            </a:schemeClr>
+          </a:lnRef>
+          <a:fillRef idx="1">
+            <a:schemeClr val="accent1"/>
+          </a:fillRef>
+          <a:effectRef idx="0">
+            <a:schemeClr val="accent1"/>
+          </a:effectRef>
+          <a:fontRef idx="minor">
+            <a:schemeClr val="lt1"/>
+          </a:fontRef>
+        </p:style>
+        <p:txBody>
+          <a:bodyPr rtlCol="0" anchor="ctr"/>
+          <a:p>
+            <a:pPr algn="ctr"/>
+            <a:endParaRPr lang="zh-CN" altLang="en-US"/>
+          </a:p>
+        </p:txBody>
+      </p:sp>
+      <p:cxnSp>
+        <p:nvCxnSpPr>
+          <p:cNvPr id="52" name="直接箭头连接符 51"/>
+          <p:cNvCxnSpPr>
+            <a:stCxn id="37" idx="3"/>
+            <a:endCxn id="50" idx="1"/>
+          </p:cNvCxnSpPr>
+          <p:nvPr/>
+        </p:nvCxnSpPr>
+        <p:spPr>
+          <a:xfrm>
+            <a:off x="3042920" y="4952365"/>
+            <a:ext cx="487045" cy="0"/>
+          </a:xfrm>
+          <a:prstGeom prst="straightConnector1">
+            <a:avLst/>
+          </a:prstGeom>
+          <a:ln>
+            <a:tailEnd type="arrow" w="med" len="med"/>
+          </a:ln>
+        </p:spPr>
+        <p:style>
+          <a:lnRef idx="1">
+            <a:schemeClr val="dk1"/>
+          </a:lnRef>
+          <a:fillRef idx="0">
+            <a:schemeClr val="dk1"/>
+          </a:fillRef>
+          <a:effectRef idx="0">
+            <a:schemeClr val="dk1"/>
+          </a:effectRef>
+          <a:fontRef idx="minor">
+            <a:schemeClr val="tx1"/>
+          </a:fontRef>
+        </p:style>
+      </p:cxnSp>
+      <p:cxnSp>
+        <p:nvCxnSpPr>
+          <p:cNvPr id="53" name="直接箭头连接符 52"/>
+          <p:cNvCxnSpPr>
+            <a:stCxn id="38" idx="3"/>
+            <a:endCxn id="51" idx="1"/>
+          </p:cNvCxnSpPr>
+          <p:nvPr/>
+        </p:nvCxnSpPr>
+        <p:spPr>
+          <a:xfrm>
+            <a:off x="3042920" y="5180965"/>
+            <a:ext cx="487045" cy="0"/>
+          </a:xfrm>
+          <a:prstGeom prst="straightConnector1">
+            <a:avLst/>
+          </a:prstGeom>
+          <a:ln>
+            <a:tailEnd type="arrow" w="med" len="med"/>
+          </a:ln>
+        </p:spPr>
+        <p:style>
+          <a:lnRef idx="1">
+            <a:schemeClr val="dk1"/>
+          </a:lnRef>
+          <a:fillRef idx="0">
+            <a:schemeClr val="dk1"/>
+          </a:fillRef>
+          <a:effectRef idx="0">
+            <a:schemeClr val="dk1"/>
+          </a:effectRef>
+          <a:fontRef idx="minor">
+            <a:schemeClr val="tx1"/>
+          </a:fontRef>
+        </p:style>
+      </p:cxnSp>
+      <p:cxnSp>
+        <p:nvCxnSpPr>
+          <p:cNvPr id="70" name="直接箭头连接符 69"/>
+          <p:cNvCxnSpPr>
+            <a:stCxn id="32" idx="3"/>
+            <a:endCxn id="40" idx="1"/>
+          </p:cNvCxnSpPr>
+          <p:nvPr/>
+        </p:nvCxnSpPr>
+        <p:spPr>
+          <a:xfrm>
+            <a:off x="3042920" y="4327525"/>
+            <a:ext cx="486410" cy="0"/>
+          </a:xfrm>
+          <a:prstGeom prst="straightConnector1">
+            <a:avLst/>
+          </a:prstGeom>
+          <a:ln>
+            <a:tailEnd type="arrow" w="med" len="med"/>
+          </a:ln>
+        </p:spPr>
+        <p:style>
+          <a:lnRef idx="1">
+            <a:schemeClr val="dk1"/>
+          </a:lnRef>
+          <a:fillRef idx="0">
+            <a:schemeClr val="dk1"/>
+          </a:fillRef>
+          <a:effectRef idx="0">
+            <a:schemeClr val="dk1"/>
+          </a:effectRef>
+          <a:fontRef idx="minor">
+            <a:schemeClr val="tx1"/>
+          </a:fontRef>
+        </p:style>
+      </p:cxnSp>
+      <p:cxnSp>
+        <p:nvCxnSpPr>
+          <p:cNvPr id="71" name="直接箭头连接符 70"/>
+          <p:cNvCxnSpPr>
+            <a:stCxn id="33" idx="3"/>
+            <a:endCxn id="41" idx="1"/>
+          </p:cNvCxnSpPr>
+          <p:nvPr/>
+        </p:nvCxnSpPr>
+        <p:spPr>
+          <a:xfrm>
+            <a:off x="3042920" y="4556125"/>
+            <a:ext cx="487045" cy="5080"/>
+          </a:xfrm>
+          <a:prstGeom prst="straightConnector1">
+            <a:avLst/>
+          </a:prstGeom>
+          <a:ln>
+            <a:tailEnd type="arrow" w="med" len="med"/>
+          </a:ln>
+        </p:spPr>
+        <p:style>
+          <a:lnRef idx="1">
+            <a:schemeClr val="dk1"/>
+          </a:lnRef>
+          <a:fillRef idx="0">
+            <a:schemeClr val="dk1"/>
+          </a:fillRef>
+          <a:effectRef idx="0">
+            <a:schemeClr val="dk1"/>
+          </a:effectRef>
+          <a:fontRef idx="minor">
+            <a:schemeClr val="tx1"/>
+          </a:fontRef>
+        </p:style>
+      </p:cxnSp>
+      <p:sp>
+        <p:nvSpPr>
+          <p:cNvPr id="72" name="圆角矩形 71"/>
+          <p:cNvSpPr/>
+          <p:nvPr/>
+        </p:nvSpPr>
+        <p:spPr>
+          <a:xfrm>
+            <a:off x="4627880" y="4327525"/>
+            <a:ext cx="589280" cy="784225"/>
+          </a:xfrm>
+          <a:prstGeom prst="roundRect">
+            <a:avLst/>
+          </a:prstGeom>
+          <a:solidFill>
+            <a:schemeClr val="bg1"/>
+          </a:solidFill>
+          <a:ln w="28575" cmpd="sng">
+            <a:solidFill>
+              <a:schemeClr val="accent1">
+                <a:shade val="50000"/>
+              </a:schemeClr>
+            </a:solidFill>
+            <a:prstDash val="solid"/>
+          </a:ln>
+        </p:spPr>
+        <p:style>
+          <a:lnRef idx="2">
+            <a:schemeClr val="accent1">
+              <a:shade val="50000"/>
+            </a:schemeClr>
+          </a:lnRef>
+          <a:fillRef idx="1">
+            <a:schemeClr val="accent1"/>
+          </a:fillRef>
+          <a:effectRef idx="0">
+            <a:schemeClr val="accent1"/>
+          </a:effectRef>
+          <a:fontRef idx="minor">
+            <a:schemeClr val="lt1"/>
+          </a:fontRef>
+        </p:style>
+        <p:txBody>
+          <a:bodyPr rtlCol="0" anchor="ctr"/>
+          <a:p>
+            <a:pPr algn="ctr"/>
+            <a:endParaRPr lang="zh-CN" altLang="en-US"/>
+          </a:p>
+        </p:txBody>
+      </p:sp>
+      <p:sp>
+        <p:nvSpPr>
+          <p:cNvPr id="85" name="圆角矩形 84"/>
+          <p:cNvSpPr/>
+          <p:nvPr/>
+        </p:nvSpPr>
+        <p:spPr>
+          <a:xfrm>
+            <a:off x="4743450" y="4633595"/>
+            <a:ext cx="358140" cy="149860"/>
+          </a:xfrm>
+          <a:prstGeom prst="roundRect">
+            <a:avLst/>
+          </a:prstGeom>
+        </p:spPr>
+        <p:style>
+          <a:lnRef idx="2">
+            <a:schemeClr val="accent1">
+              <a:shade val="50000"/>
+            </a:schemeClr>
+          </a:lnRef>
+          <a:fillRef idx="1">
+            <a:schemeClr val="accent1"/>
+          </a:fillRef>
+          <a:effectRef idx="0">
+            <a:schemeClr val="accent1"/>
+          </a:effectRef>
+          <a:fontRef idx="minor">
+            <a:schemeClr val="lt1"/>
+          </a:fontRef>
+        </p:style>
+        <p:txBody>
+          <a:bodyPr rtlCol="0" anchor="ctr"/>
+          <a:p>
+            <a:pPr algn="ctr"/>
+            <a:endParaRPr lang="zh-CN" altLang="en-US"/>
+          </a:p>
+        </p:txBody>
+      </p:sp>
+      <p:sp>
+        <p:nvSpPr>
+          <p:cNvPr id="86" name="圆角矩形 85"/>
+          <p:cNvSpPr/>
+          <p:nvPr/>
+        </p:nvSpPr>
+        <p:spPr>
+          <a:xfrm>
+            <a:off x="4743450" y="4854575"/>
+            <a:ext cx="358140" cy="149860"/>
+          </a:xfrm>
+          <a:prstGeom prst="roundRect">
+            <a:avLst/>
+          </a:prstGeom>
+        </p:spPr>
+        <p:style>
+          <a:lnRef idx="2">
+            <a:schemeClr val="accent1">
+              <a:shade val="50000"/>
+            </a:schemeClr>
+          </a:lnRef>
+          <a:fillRef idx="1">
+            <a:schemeClr val="accent1"/>
+          </a:fillRef>
+          <a:effectRef idx="0">
+            <a:schemeClr val="accent1"/>
+          </a:effectRef>
+          <a:fontRef idx="minor">
+            <a:schemeClr val="lt1"/>
+          </a:fontRef>
+        </p:style>
+        <p:txBody>
+          <a:bodyPr rtlCol="0" anchor="ctr"/>
+          <a:p>
+            <a:pPr algn="ctr"/>
+            <a:endParaRPr lang="zh-CN" altLang="en-US"/>
+          </a:p>
+        </p:txBody>
+      </p:sp>
+      <p:sp>
+        <p:nvSpPr>
+          <p:cNvPr id="87" name="圆角矩形 86"/>
+          <p:cNvSpPr/>
+          <p:nvPr/>
+        </p:nvSpPr>
+        <p:spPr>
+          <a:xfrm>
+            <a:off x="4743450" y="4412615"/>
+            <a:ext cx="358140" cy="149860"/>
+          </a:xfrm>
+          <a:prstGeom prst="roundRect">
+            <a:avLst/>
+          </a:prstGeom>
+        </p:spPr>
+        <p:style>
+          <a:lnRef idx="2">
+            <a:schemeClr val="accent1">
+              <a:shade val="50000"/>
+            </a:schemeClr>
+          </a:lnRef>
+          <a:fillRef idx="1">
+            <a:schemeClr val="accent1"/>
+          </a:fillRef>
+          <a:effectRef idx="0">
+            <a:schemeClr val="accent1"/>
+          </a:effectRef>
+          <a:fontRef idx="minor">
+            <a:schemeClr val="lt1"/>
+          </a:fontRef>
+        </p:style>
+        <p:txBody>
+          <a:bodyPr rtlCol="0" anchor="ctr"/>
+          <a:p>
+            <a:pPr algn="ctr"/>
+            <a:endParaRPr lang="zh-CN" altLang="en-US"/>
+          </a:p>
+        </p:txBody>
+      </p:sp>
+      <p:cxnSp>
+        <p:nvCxnSpPr>
+          <p:cNvPr id="89" name="直接箭头连接符 88"/>
+          <p:cNvCxnSpPr>
+            <a:stCxn id="40" idx="3"/>
+            <a:endCxn id="87" idx="1"/>
+          </p:cNvCxnSpPr>
+          <p:nvPr/>
+        </p:nvCxnSpPr>
+        <p:spPr>
+          <a:xfrm>
+            <a:off x="3887470" y="4327525"/>
+            <a:ext cx="855980" cy="160020"/>
+          </a:xfrm>
+          <a:prstGeom prst="straightConnector1">
+            <a:avLst/>
+          </a:prstGeom>
+          <a:ln>
+            <a:tailEnd type="arrow" w="med" len="med"/>
+          </a:ln>
+        </p:spPr>
+        <p:style>
+          <a:lnRef idx="1">
+            <a:schemeClr val="dk1"/>
+          </a:lnRef>
+          <a:fillRef idx="0">
+            <a:schemeClr val="dk1"/>
+          </a:fillRef>
+          <a:effectRef idx="0">
+            <a:schemeClr val="dk1"/>
+          </a:effectRef>
+          <a:fontRef idx="minor">
+            <a:schemeClr val="tx1"/>
+          </a:fontRef>
+        </p:style>
+      </p:cxnSp>
+      <p:cxnSp>
+        <p:nvCxnSpPr>
+          <p:cNvPr id="90" name="直接箭头连接符 89"/>
+          <p:cNvCxnSpPr>
+            <a:stCxn id="41" idx="3"/>
+            <a:endCxn id="85" idx="1"/>
+          </p:cNvCxnSpPr>
+          <p:nvPr/>
+        </p:nvCxnSpPr>
+        <p:spPr>
+          <a:xfrm>
+            <a:off x="3888105" y="4561205"/>
+            <a:ext cx="855345" cy="147320"/>
+          </a:xfrm>
+          <a:prstGeom prst="straightConnector1">
+            <a:avLst/>
+          </a:prstGeom>
+          <a:ln>
+            <a:tailEnd type="arrow" w="med" len="med"/>
+          </a:ln>
+        </p:spPr>
+        <p:style>
+          <a:lnRef idx="1">
+            <a:schemeClr val="dk1"/>
+          </a:lnRef>
+          <a:fillRef idx="0">
+            <a:schemeClr val="dk1"/>
+          </a:fillRef>
+          <a:effectRef idx="0">
+            <a:schemeClr val="dk1"/>
+          </a:effectRef>
+          <a:fontRef idx="minor">
+            <a:schemeClr val="tx1"/>
+          </a:fontRef>
+        </p:style>
+      </p:cxnSp>
+      <p:cxnSp>
+        <p:nvCxnSpPr>
+          <p:cNvPr id="91" name="直接箭头连接符 90"/>
+          <p:cNvCxnSpPr>
+            <a:stCxn id="50" idx="3"/>
+            <a:endCxn id="86" idx="1"/>
+          </p:cNvCxnSpPr>
+          <p:nvPr/>
+        </p:nvCxnSpPr>
+        <p:spPr>
+          <a:xfrm flipV="1">
+            <a:off x="3888105" y="4929505"/>
+            <a:ext cx="855345" cy="22860"/>
+          </a:xfrm>
+          <a:prstGeom prst="straightConnector1">
+            <a:avLst/>
+          </a:prstGeom>
+          <a:ln>
+            <a:tailEnd type="arrow" w="med" len="med"/>
+          </a:ln>
+        </p:spPr>
+        <p:style>
+          <a:lnRef idx="1">
+            <a:schemeClr val="dk1"/>
+          </a:lnRef>
+          <a:fillRef idx="0">
+            <a:schemeClr val="dk1"/>
+          </a:fillRef>
+          <a:effectRef idx="0">
+            <a:schemeClr val="dk1"/>
+          </a:effectRef>
+          <a:fontRef idx="minor">
+            <a:schemeClr val="tx1"/>
+          </a:fontRef>
+        </p:style>
+      </p:cxnSp>
+      <p:cxnSp>
+        <p:nvCxnSpPr>
+          <p:cNvPr id="92" name="直接箭头连接符 91"/>
+          <p:cNvCxnSpPr>
+            <a:stCxn id="40" idx="3"/>
+            <a:endCxn id="85" idx="1"/>
+          </p:cNvCxnSpPr>
+          <p:nvPr/>
+        </p:nvCxnSpPr>
+        <p:spPr>
+          <a:xfrm>
+            <a:off x="3887470" y="4327525"/>
+            <a:ext cx="855980" cy="381000"/>
+          </a:xfrm>
+          <a:prstGeom prst="straightConnector1">
+            <a:avLst/>
+          </a:prstGeom>
+          <a:ln>
+            <a:tailEnd type="arrow" w="med" len="med"/>
+          </a:ln>
+        </p:spPr>
+        <p:style>
+          <a:lnRef idx="1">
+            <a:schemeClr val="dk1"/>
+          </a:lnRef>
+          <a:fillRef idx="0">
+            <a:schemeClr val="dk1"/>
+          </a:fillRef>
+          <a:effectRef idx="0">
+            <a:schemeClr val="dk1"/>
+          </a:effectRef>
+          <a:fontRef idx="minor">
+            <a:schemeClr val="tx1"/>
+          </a:fontRef>
+        </p:style>
+      </p:cxnSp>
+      <p:cxnSp>
+        <p:nvCxnSpPr>
+          <p:cNvPr id="93" name="直接箭头连接符 92"/>
+          <p:cNvCxnSpPr>
+            <a:stCxn id="40" idx="3"/>
+            <a:endCxn id="86" idx="1"/>
+          </p:cNvCxnSpPr>
+          <p:nvPr/>
+        </p:nvCxnSpPr>
+        <p:spPr>
+          <a:xfrm>
+            <a:off x="3887470" y="4327525"/>
+            <a:ext cx="855980" cy="601980"/>
+          </a:xfrm>
+          <a:prstGeom prst="straightConnector1">
+            <a:avLst/>
+          </a:prstGeom>
+          <a:ln>
+            <a:tailEnd type="arrow" w="med" len="med"/>
+          </a:ln>
+        </p:spPr>
+        <p:style>
+          <a:lnRef idx="1">
+            <a:schemeClr val="dk1"/>
+          </a:lnRef>
+          <a:fillRef idx="0">
+            <a:schemeClr val="dk1"/>
+          </a:fillRef>
+          <a:effectRef idx="0">
+            <a:schemeClr val="dk1"/>
+          </a:effectRef>
+          <a:fontRef idx="minor">
+            <a:schemeClr val="tx1"/>
+          </a:fontRef>
+        </p:style>
+      </p:cxnSp>
+      <p:cxnSp>
+        <p:nvCxnSpPr>
+          <p:cNvPr id="94" name="直接箭头连接符 93"/>
+          <p:cNvCxnSpPr>
+            <a:stCxn id="41" idx="3"/>
+            <a:endCxn id="87" idx="1"/>
+          </p:cNvCxnSpPr>
+          <p:nvPr/>
+        </p:nvCxnSpPr>
+        <p:spPr>
+          <a:xfrm flipV="1">
+            <a:off x="3888105" y="4487545"/>
+            <a:ext cx="855345" cy="73660"/>
+          </a:xfrm>
+          <a:prstGeom prst="straightConnector1">
+            <a:avLst/>
+          </a:prstGeom>
+          <a:ln>
+            <a:tailEnd type="arrow" w="med" len="med"/>
+          </a:ln>
+        </p:spPr>
+        <p:style>
+          <a:lnRef idx="1">
+            <a:schemeClr val="dk1"/>
+          </a:lnRef>
+          <a:fillRef idx="0">
+            <a:schemeClr val="dk1"/>
+          </a:fillRef>
+          <a:effectRef idx="0">
+            <a:schemeClr val="dk1"/>
+          </a:effectRef>
+          <a:fontRef idx="minor">
+            <a:schemeClr val="tx1"/>
+          </a:fontRef>
+        </p:style>
+      </p:cxnSp>
+      <p:cxnSp>
+        <p:nvCxnSpPr>
+          <p:cNvPr id="95" name="直接箭头连接符 94"/>
+          <p:cNvCxnSpPr>
+            <a:stCxn id="41" idx="3"/>
+            <a:endCxn id="86" idx="1"/>
+          </p:cNvCxnSpPr>
+          <p:nvPr/>
+        </p:nvCxnSpPr>
+        <p:spPr>
+          <a:xfrm>
+            <a:off x="3888105" y="4561205"/>
+            <a:ext cx="855345" cy="368300"/>
+          </a:xfrm>
+          <a:prstGeom prst="straightConnector1">
+            <a:avLst/>
+          </a:prstGeom>
+          <a:ln>
+            <a:tailEnd type="arrow" w="med" len="med"/>
+          </a:ln>
+        </p:spPr>
+        <p:style>
+          <a:lnRef idx="1">
+            <a:schemeClr val="dk1"/>
+          </a:lnRef>
+          <a:fillRef idx="0">
+            <a:schemeClr val="dk1"/>
+          </a:fillRef>
+          <a:effectRef idx="0">
+            <a:schemeClr val="dk1"/>
+          </a:effectRef>
+          <a:fontRef idx="minor">
+            <a:schemeClr val="tx1"/>
+          </a:fontRef>
+        </p:style>
+      </p:cxnSp>
+      <p:cxnSp>
+        <p:nvCxnSpPr>
+          <p:cNvPr id="96" name="直接箭头连接符 95"/>
+          <p:cNvCxnSpPr>
+            <a:stCxn id="50" idx="3"/>
+            <a:endCxn id="87" idx="1"/>
+          </p:cNvCxnSpPr>
+          <p:nvPr/>
+        </p:nvCxnSpPr>
+        <p:spPr>
+          <a:xfrm flipV="1">
+            <a:off x="3888105" y="4487545"/>
+            <a:ext cx="855345" cy="464820"/>
+          </a:xfrm>
+          <a:prstGeom prst="straightConnector1">
+            <a:avLst/>
+          </a:prstGeom>
+          <a:ln>
+            <a:tailEnd type="arrow" w="med" len="med"/>
+          </a:ln>
+        </p:spPr>
+        <p:style>
+          <a:lnRef idx="1">
+            <a:schemeClr val="dk1"/>
+          </a:lnRef>
+          <a:fillRef idx="0">
+            <a:schemeClr val="dk1"/>
+          </a:fillRef>
+          <a:effectRef idx="0">
+            <a:schemeClr val="dk1"/>
+          </a:effectRef>
+          <a:fontRef idx="minor">
+            <a:schemeClr val="tx1"/>
+          </a:fontRef>
+        </p:style>
+      </p:cxnSp>
+      <p:cxnSp>
+        <p:nvCxnSpPr>
+          <p:cNvPr id="97" name="直接箭头连接符 96"/>
+          <p:cNvCxnSpPr>
+            <a:stCxn id="50" idx="3"/>
+            <a:endCxn id="85" idx="1"/>
+          </p:cNvCxnSpPr>
+          <p:nvPr/>
+        </p:nvCxnSpPr>
+        <p:spPr>
+          <a:xfrm flipV="1">
+            <a:off x="3888105" y="4708525"/>
+            <a:ext cx="855345" cy="243840"/>
+          </a:xfrm>
+          <a:prstGeom prst="straightConnector1">
+            <a:avLst/>
+          </a:prstGeom>
+          <a:ln>
+            <a:tailEnd type="arrow" w="med" len="med"/>
+          </a:ln>
+        </p:spPr>
+        <p:style>
+          <a:lnRef idx="1">
+            <a:schemeClr val="dk1"/>
+          </a:lnRef>
+          <a:fillRef idx="0">
+            <a:schemeClr val="dk1"/>
+          </a:fillRef>
+          <a:effectRef idx="0">
+            <a:schemeClr val="dk1"/>
+          </a:effectRef>
+          <a:fontRef idx="minor">
+            <a:schemeClr val="tx1"/>
+          </a:fontRef>
+        </p:style>
+      </p:cxnSp>
+      <p:cxnSp>
+        <p:nvCxnSpPr>
+          <p:cNvPr id="98" name="直接箭头连接符 97"/>
+          <p:cNvCxnSpPr>
+            <a:stCxn id="51" idx="3"/>
+            <a:endCxn id="87" idx="1"/>
+          </p:cNvCxnSpPr>
+          <p:nvPr/>
+        </p:nvCxnSpPr>
+        <p:spPr>
+          <a:xfrm flipV="1">
+            <a:off x="3888105" y="4487545"/>
+            <a:ext cx="855345" cy="693420"/>
+          </a:xfrm>
+          <a:prstGeom prst="straightConnector1">
+            <a:avLst/>
+          </a:prstGeom>
+          <a:ln>
+            <a:tailEnd type="arrow" w="med" len="med"/>
+          </a:ln>
+        </p:spPr>
+        <p:style>
+          <a:lnRef idx="1">
+            <a:schemeClr val="dk1"/>
+          </a:lnRef>
+          <a:fillRef idx="0">
+            <a:schemeClr val="dk1"/>
+          </a:fillRef>
+          <a:effectRef idx="0">
+            <a:schemeClr val="dk1"/>
+          </a:effectRef>
+          <a:fontRef idx="minor">
+            <a:schemeClr val="tx1"/>
+          </a:fontRef>
+        </p:style>
+      </p:cxnSp>
+      <p:cxnSp>
+        <p:nvCxnSpPr>
+          <p:cNvPr id="99" name="直接箭头连接符 98"/>
+          <p:cNvCxnSpPr>
+            <a:stCxn id="51" idx="3"/>
+            <a:endCxn id="85" idx="1"/>
+          </p:cNvCxnSpPr>
+          <p:nvPr/>
+        </p:nvCxnSpPr>
+        <p:spPr>
+          <a:xfrm flipV="1">
+            <a:off x="3888105" y="4708525"/>
+            <a:ext cx="855345" cy="472440"/>
+          </a:xfrm>
+          <a:prstGeom prst="straightConnector1">
+            <a:avLst/>
+          </a:prstGeom>
+          <a:ln>
+            <a:tailEnd type="arrow" w="med" len="med"/>
+          </a:ln>
+        </p:spPr>
+        <p:style>
+          <a:lnRef idx="1">
+            <a:schemeClr val="dk1"/>
+          </a:lnRef>
+          <a:fillRef idx="0">
+            <a:schemeClr val="dk1"/>
+          </a:fillRef>
+          <a:effectRef idx="0">
+            <a:schemeClr val="dk1"/>
+          </a:effectRef>
+          <a:fontRef idx="minor">
+            <a:schemeClr val="tx1"/>
+          </a:fontRef>
+        </p:style>
+      </p:cxnSp>
+      <p:cxnSp>
+        <p:nvCxnSpPr>
+          <p:cNvPr id="100" name="直接箭头连接符 99"/>
+          <p:cNvCxnSpPr>
+            <a:stCxn id="51" idx="3"/>
+            <a:endCxn id="86" idx="1"/>
+          </p:cNvCxnSpPr>
+          <p:nvPr/>
+        </p:nvCxnSpPr>
+        <p:spPr>
+          <a:xfrm flipV="1">
+            <a:off x="3888105" y="4929505"/>
+            <a:ext cx="855345" cy="251460"/>
+          </a:xfrm>
+          <a:prstGeom prst="straightConnector1">
+            <a:avLst/>
+          </a:prstGeom>
+          <a:ln>
+            <a:tailEnd type="arrow" w="med" len="med"/>
+          </a:ln>
+        </p:spPr>
+        <p:style>
+          <a:lnRef idx="1">
+            <a:schemeClr val="dk1"/>
+          </a:lnRef>
+          <a:fillRef idx="0">
+            <a:schemeClr val="dk1"/>
+          </a:fillRef>
+          <a:effectRef idx="0">
+            <a:schemeClr val="dk1"/>
+          </a:effectRef>
+          <a:fontRef idx="minor">
+            <a:schemeClr val="tx1"/>
+          </a:fontRef>
+        </p:style>
+      </p:cxnSp>
+      <p:cxnSp>
+        <p:nvCxnSpPr>
+          <p:cNvPr id="113" name="直接箭头连接符 112"/>
+          <p:cNvCxnSpPr>
+            <a:stCxn id="87" idx="3"/>
+            <a:endCxn id="23" idx="1"/>
+          </p:cNvCxnSpPr>
+          <p:nvPr/>
+        </p:nvCxnSpPr>
+        <p:spPr>
+          <a:xfrm>
+            <a:off x="5101590" y="4487545"/>
+            <a:ext cx="663575" cy="0"/>
+          </a:xfrm>
+          <a:prstGeom prst="straightConnector1">
+            <a:avLst/>
+          </a:prstGeom>
+          <a:ln>
+            <a:tailEnd type="arrow" w="med" len="med"/>
+          </a:ln>
+        </p:spPr>
+        <p:style>
+          <a:lnRef idx="1">
+            <a:schemeClr val="dk1"/>
+          </a:lnRef>
+          <a:fillRef idx="0">
+            <a:schemeClr val="dk1"/>
+          </a:fillRef>
+          <a:effectRef idx="0">
+            <a:schemeClr val="dk1"/>
+          </a:effectRef>
+          <a:fontRef idx="minor">
+            <a:schemeClr val="tx1"/>
+          </a:fontRef>
+        </p:style>
+      </p:cxnSp>
+      <p:cxnSp>
+        <p:nvCxnSpPr>
+          <p:cNvPr id="114" name="直接箭头连接符 113"/>
+          <p:cNvCxnSpPr>
+            <a:stCxn id="85" idx="3"/>
+            <a:endCxn id="21" idx="1"/>
+          </p:cNvCxnSpPr>
+          <p:nvPr/>
+        </p:nvCxnSpPr>
+        <p:spPr>
+          <a:xfrm>
+            <a:off x="5101590" y="4708525"/>
+            <a:ext cx="663575" cy="0"/>
+          </a:xfrm>
+          <a:prstGeom prst="straightConnector1">
+            <a:avLst/>
+          </a:prstGeom>
+          <a:ln>
+            <a:tailEnd type="arrow" w="med" len="med"/>
+          </a:ln>
+        </p:spPr>
+        <p:style>
+          <a:lnRef idx="1">
+            <a:schemeClr val="dk1"/>
+          </a:lnRef>
+          <a:fillRef idx="0">
+            <a:schemeClr val="dk1"/>
+          </a:fillRef>
+          <a:effectRef idx="0">
+            <a:schemeClr val="dk1"/>
+          </a:effectRef>
+          <a:fontRef idx="minor">
+            <a:schemeClr val="tx1"/>
+          </a:fontRef>
+        </p:style>
+      </p:cxnSp>
+      <p:cxnSp>
+        <p:nvCxnSpPr>
+          <p:cNvPr id="115" name="直接箭头连接符 114"/>
+          <p:cNvCxnSpPr>
+            <a:stCxn id="86" idx="3"/>
+            <a:endCxn id="22" idx="1"/>
+          </p:cNvCxnSpPr>
+          <p:nvPr/>
+        </p:nvCxnSpPr>
+        <p:spPr>
+          <a:xfrm>
+            <a:off x="5101590" y="4929505"/>
+            <a:ext cx="663575" cy="0"/>
+          </a:xfrm>
+          <a:prstGeom prst="straightConnector1">
+            <a:avLst/>
+          </a:prstGeom>
+          <a:ln>
+            <a:tailEnd type="arrow" w="med" len="med"/>
+          </a:ln>
+        </p:spPr>
+        <p:style>
+          <a:lnRef idx="1">
+            <a:schemeClr val="dk1"/>
+          </a:lnRef>
+          <a:fillRef idx="0">
+            <a:schemeClr val="dk1"/>
+          </a:fillRef>
+          <a:effectRef idx="0">
+            <a:schemeClr val="dk1"/>
+          </a:effectRef>
+          <a:fontRef idx="minor">
+            <a:schemeClr val="tx1"/>
+          </a:fontRef>
+        </p:style>
+      </p:cxnSp>
+      <p:sp>
+        <p:nvSpPr>
+          <p:cNvPr id="124" name="圆角矩形 123"/>
+          <p:cNvSpPr/>
+          <p:nvPr/>
+        </p:nvSpPr>
+        <p:spPr>
+          <a:xfrm>
+            <a:off x="9317990" y="4005580"/>
+            <a:ext cx="1097915" cy="1638935"/>
+          </a:xfrm>
+          <a:prstGeom prst="roundRect">
+            <a:avLst/>
+          </a:prstGeom>
+          <a:solidFill>
+            <a:schemeClr val="bg1"/>
+          </a:solidFill>
+          <a:ln w="28575" cmpd="sng">
+            <a:solidFill>
+              <a:schemeClr val="bg2">
+                <a:lumMod val="65000"/>
+              </a:schemeClr>
+            </a:solidFill>
+            <a:prstDash val="sysDash"/>
+          </a:ln>
+        </p:spPr>
+        <p:style>
+          <a:lnRef idx="2">
+            <a:schemeClr val="accent1">
+              <a:shade val="50000"/>
+            </a:schemeClr>
+          </a:lnRef>
+          <a:fillRef idx="1">
+            <a:schemeClr val="accent1"/>
+          </a:fillRef>
+          <a:effectRef idx="0">
+            <a:schemeClr val="accent1"/>
+          </a:effectRef>
+          <a:fontRef idx="minor">
+            <a:schemeClr val="lt1"/>
+          </a:fontRef>
+        </p:style>
+        <p:txBody>
+          <a:bodyPr rtlCol="0" anchor="ctr"/>
+          <a:p>
+            <a:pPr algn="ctr"/>
+            <a:endParaRPr lang="zh-CN" altLang="en-US"/>
+          </a:p>
+        </p:txBody>
+      </p:sp>
+      <p:sp>
+        <p:nvSpPr>
+          <p:cNvPr id="125" name="圆角矩形 124"/>
+          <p:cNvSpPr/>
+          <p:nvPr/>
+        </p:nvSpPr>
+        <p:spPr>
+          <a:xfrm>
+            <a:off x="9404350" y="4057015"/>
+            <a:ext cx="912495" cy="1179830"/>
+          </a:xfrm>
+          <a:prstGeom prst="roundRect">
+            <a:avLst/>
+          </a:prstGeom>
+          <a:solidFill>
+            <a:schemeClr val="bg1"/>
+          </a:solidFill>
+          <a:ln w="28575" cmpd="sng">
+            <a:solidFill>
+              <a:schemeClr val="accent1">
+                <a:shade val="50000"/>
+              </a:schemeClr>
+            </a:solidFill>
+            <a:prstDash val="solid"/>
+          </a:ln>
+        </p:spPr>
+        <p:style>
+          <a:lnRef idx="2">
+            <a:schemeClr val="accent1">
+              <a:shade val="50000"/>
+            </a:schemeClr>
+          </a:lnRef>
+          <a:fillRef idx="1">
+            <a:schemeClr val="accent1"/>
+          </a:fillRef>
+          <a:effectRef idx="0">
+            <a:schemeClr val="accent1"/>
+          </a:effectRef>
+          <a:fontRef idx="minor">
+            <a:schemeClr val="lt1"/>
+          </a:fontRef>
+        </p:style>
+        <p:txBody>
+          <a:bodyPr rtlCol="0" anchor="ctr"/>
+          <a:p>
+            <a:pPr algn="ctr"/>
+            <a:endParaRPr lang="zh-CN" altLang="en-US"/>
+          </a:p>
+        </p:txBody>
+      </p:sp>
+      <p:sp>
+        <p:nvSpPr>
+          <p:cNvPr id="126" name="文本框 125"/>
+          <p:cNvSpPr txBox="1"/>
+          <p:nvPr/>
+        </p:nvSpPr>
+        <p:spPr>
+          <a:xfrm>
+            <a:off x="9317990" y="5246370"/>
+            <a:ext cx="1120775" cy="398780"/>
+          </a:xfrm>
+          <a:prstGeom prst="rect">
+            <a:avLst/>
+          </a:prstGeom>
+          <a:noFill/>
+        </p:spPr>
+        <p:txBody>
+          <a:bodyPr wrap="square" rtlCol="0">
+            <a:spAutoFit/>
+          </a:bodyPr>
+          <a:p>
+            <a:r>
+              <a:rPr lang="en-US" altLang="zh-CN" sz="2000">
+                <a:solidFill>
+                  <a:schemeClr val="bg2">
+                    <a:lumMod val="65000"/>
+                  </a:schemeClr>
+                </a:solidFill>
+                <a:latin typeface="微软雅黑" panose="020B0503020204020204" charset="-122"/>
+                <a:ea typeface="微软雅黑" panose="020B0503020204020204" charset="-122"/>
+              </a:rPr>
+              <a:t>Stage 2</a:t>
+            </a:r>
+            <a:endParaRPr lang="en-US" altLang="zh-CN" sz="2000">
+              <a:solidFill>
+                <a:schemeClr val="bg2">
+                  <a:lumMod val="65000"/>
+                </a:schemeClr>
+              </a:solidFill>
+              <a:latin typeface="微软雅黑" panose="020B0503020204020204" charset="-122"/>
+              <a:ea typeface="微软雅黑" panose="020B0503020204020204" charset="-122"/>
+            </a:endParaRPr>
+          </a:p>
+        </p:txBody>
+      </p:sp>
+      <p:sp>
+        <p:nvSpPr>
+          <p:cNvPr id="127" name="圆角矩形 126"/>
+          <p:cNvSpPr/>
+          <p:nvPr/>
+        </p:nvSpPr>
+        <p:spPr>
+          <a:xfrm>
+            <a:off x="7950835" y="4005580"/>
+            <a:ext cx="1064260" cy="1639570"/>
+          </a:xfrm>
+          <a:prstGeom prst="roundRect">
+            <a:avLst/>
+          </a:prstGeom>
+          <a:solidFill>
+            <a:schemeClr val="bg1"/>
+          </a:solidFill>
+          <a:ln w="28575" cmpd="sng">
+            <a:solidFill>
+              <a:schemeClr val="bg2">
+                <a:lumMod val="65000"/>
+              </a:schemeClr>
+            </a:solidFill>
+            <a:prstDash val="sysDash"/>
+          </a:ln>
+        </p:spPr>
+        <p:style>
+          <a:lnRef idx="2">
+            <a:schemeClr val="accent1">
+              <a:shade val="50000"/>
+            </a:schemeClr>
+          </a:lnRef>
+          <a:fillRef idx="1">
+            <a:schemeClr val="accent1"/>
+          </a:fillRef>
+          <a:effectRef idx="0">
+            <a:schemeClr val="accent1"/>
+          </a:effectRef>
+          <a:fontRef idx="minor">
+            <a:schemeClr val="lt1"/>
+          </a:fontRef>
+        </p:style>
+        <p:txBody>
+          <a:bodyPr rtlCol="0" anchor="ctr"/>
+          <a:p>
+            <a:pPr algn="ctr"/>
+            <a:endParaRPr lang="zh-CN" altLang="en-US"/>
+          </a:p>
+        </p:txBody>
+      </p:sp>
+      <p:sp>
+        <p:nvSpPr>
+          <p:cNvPr id="128" name="文本框 127"/>
+          <p:cNvSpPr txBox="1"/>
+          <p:nvPr/>
+        </p:nvSpPr>
+        <p:spPr>
+          <a:xfrm>
+            <a:off x="7950835" y="5246370"/>
+            <a:ext cx="1116330" cy="398780"/>
+          </a:xfrm>
+          <a:prstGeom prst="rect">
+            <a:avLst/>
+          </a:prstGeom>
+          <a:noFill/>
+        </p:spPr>
+        <p:txBody>
+          <a:bodyPr wrap="square" rtlCol="0">
+            <a:spAutoFit/>
+          </a:bodyPr>
+          <a:p>
+            <a:r>
+              <a:rPr lang="en-US" altLang="zh-CN" sz="2000">
+                <a:solidFill>
+                  <a:schemeClr val="bg2">
+                    <a:lumMod val="65000"/>
+                  </a:schemeClr>
+                </a:solidFill>
+                <a:latin typeface="微软雅黑" panose="020B0503020204020204" charset="-122"/>
+                <a:ea typeface="微软雅黑" panose="020B0503020204020204" charset="-122"/>
+              </a:rPr>
+              <a:t>Stage 1</a:t>
+            </a:r>
+            <a:endParaRPr lang="en-US" altLang="zh-CN" sz="2000">
+              <a:solidFill>
+                <a:schemeClr val="bg2">
+                  <a:lumMod val="65000"/>
+                </a:schemeClr>
+              </a:solidFill>
+              <a:latin typeface="微软雅黑" panose="020B0503020204020204" charset="-122"/>
+              <a:ea typeface="微软雅黑" panose="020B0503020204020204" charset="-122"/>
+            </a:endParaRPr>
+          </a:p>
+        </p:txBody>
+      </p:sp>
+      <p:sp>
+        <p:nvSpPr>
+          <p:cNvPr id="129" name="圆角矩形 128"/>
+          <p:cNvSpPr/>
+          <p:nvPr/>
+        </p:nvSpPr>
+        <p:spPr>
+          <a:xfrm>
+            <a:off x="8102600" y="4066540"/>
+            <a:ext cx="765810" cy="1179830"/>
+          </a:xfrm>
+          <a:prstGeom prst="roundRect">
+            <a:avLst/>
+          </a:prstGeom>
+          <a:solidFill>
+            <a:schemeClr val="bg1"/>
+          </a:solidFill>
+          <a:ln w="28575" cmpd="sng">
+            <a:solidFill>
+              <a:schemeClr val="accent1">
+                <a:shade val="50000"/>
+              </a:schemeClr>
+            </a:solidFill>
+            <a:prstDash val="solid"/>
+          </a:ln>
+        </p:spPr>
+        <p:style>
+          <a:lnRef idx="2">
+            <a:schemeClr val="accent1">
+              <a:shade val="50000"/>
+            </a:schemeClr>
+          </a:lnRef>
+          <a:fillRef idx="1">
+            <a:schemeClr val="accent1"/>
+          </a:fillRef>
+          <a:effectRef idx="0">
+            <a:schemeClr val="accent1"/>
+          </a:effectRef>
+          <a:fontRef idx="minor">
+            <a:schemeClr val="lt1"/>
+          </a:fontRef>
+        </p:style>
+        <p:txBody>
+          <a:bodyPr rtlCol="0" anchor="ctr"/>
+          <a:p>
+            <a:pPr algn="ctr"/>
+            <a:endParaRPr lang="zh-CN" altLang="en-US"/>
+          </a:p>
+        </p:txBody>
+      </p:sp>
+      <p:cxnSp>
+        <p:nvCxnSpPr>
+          <p:cNvPr id="130" name="直接箭头连接符 129"/>
+          <p:cNvCxnSpPr>
+            <a:stCxn id="142" idx="3"/>
+            <a:endCxn id="146" idx="1"/>
+          </p:cNvCxnSpPr>
+          <p:nvPr/>
+        </p:nvCxnSpPr>
+        <p:spPr>
+          <a:xfrm>
+            <a:off x="8768080" y="4243705"/>
+            <a:ext cx="815975" cy="57785"/>
+          </a:xfrm>
+          <a:prstGeom prst="straightConnector1">
+            <a:avLst/>
+          </a:prstGeom>
+          <a:ln>
+            <a:tailEnd type="arrow" w="med" len="med"/>
+          </a:ln>
+        </p:spPr>
+        <p:style>
+          <a:lnRef idx="1">
+            <a:schemeClr val="dk1"/>
+          </a:lnRef>
+          <a:fillRef idx="0">
+            <a:schemeClr val="dk1"/>
+          </a:fillRef>
+          <a:effectRef idx="0">
+            <a:schemeClr val="dk1"/>
+          </a:effectRef>
+          <a:fontRef idx="minor">
+            <a:schemeClr val="tx1"/>
+          </a:fontRef>
+        </p:style>
+      </p:cxnSp>
+      <p:cxnSp>
+        <p:nvCxnSpPr>
+          <p:cNvPr id="131" name="直接箭头连接符 130"/>
+          <p:cNvCxnSpPr>
+            <a:stCxn id="143" idx="3"/>
+            <a:endCxn id="147" idx="1"/>
+          </p:cNvCxnSpPr>
+          <p:nvPr/>
+        </p:nvCxnSpPr>
+        <p:spPr>
+          <a:xfrm>
+            <a:off x="8768715" y="4533900"/>
+            <a:ext cx="808990" cy="103505"/>
+          </a:xfrm>
+          <a:prstGeom prst="straightConnector1">
+            <a:avLst/>
+          </a:prstGeom>
+          <a:ln>
+            <a:tailEnd type="arrow" w="med" len="med"/>
+          </a:ln>
+        </p:spPr>
+        <p:style>
+          <a:lnRef idx="1">
+            <a:schemeClr val="dk1"/>
+          </a:lnRef>
+          <a:fillRef idx="0">
+            <a:schemeClr val="dk1"/>
+          </a:fillRef>
+          <a:effectRef idx="0">
+            <a:schemeClr val="dk1"/>
+          </a:effectRef>
+          <a:fontRef idx="minor">
+            <a:schemeClr val="tx1"/>
+          </a:fontRef>
+        </p:style>
+      </p:cxnSp>
+      <p:cxnSp>
+        <p:nvCxnSpPr>
+          <p:cNvPr id="132" name="直接箭头连接符 131"/>
+          <p:cNvCxnSpPr>
+            <a:stCxn id="144" idx="3"/>
+            <a:endCxn id="148" idx="1"/>
+          </p:cNvCxnSpPr>
+          <p:nvPr/>
+        </p:nvCxnSpPr>
+        <p:spPr>
+          <a:xfrm>
+            <a:off x="8768715" y="4799965"/>
+            <a:ext cx="815340" cy="174625"/>
+          </a:xfrm>
+          <a:prstGeom prst="straightConnector1">
+            <a:avLst/>
+          </a:prstGeom>
+          <a:ln>
+            <a:tailEnd type="arrow" w="med" len="med"/>
+          </a:ln>
+        </p:spPr>
+        <p:style>
+          <a:lnRef idx="1">
+            <a:schemeClr val="dk1"/>
+          </a:lnRef>
+          <a:fillRef idx="0">
+            <a:schemeClr val="dk1"/>
+          </a:fillRef>
+          <a:effectRef idx="0">
+            <a:schemeClr val="dk1"/>
+          </a:effectRef>
+          <a:fontRef idx="minor">
+            <a:schemeClr val="tx1"/>
+          </a:fontRef>
+        </p:style>
+      </p:cxnSp>
+      <p:cxnSp>
+        <p:nvCxnSpPr>
+          <p:cNvPr id="133" name="直接箭头连接符 132"/>
+          <p:cNvCxnSpPr>
+            <a:stCxn id="142" idx="3"/>
+            <a:endCxn id="147" idx="1"/>
+          </p:cNvCxnSpPr>
+          <p:nvPr/>
+        </p:nvCxnSpPr>
+        <p:spPr>
+          <a:xfrm>
+            <a:off x="8768080" y="4243705"/>
+            <a:ext cx="809625" cy="393700"/>
+          </a:xfrm>
+          <a:prstGeom prst="straightConnector1">
+            <a:avLst/>
+          </a:prstGeom>
+          <a:ln>
+            <a:tailEnd type="arrow" w="med" len="med"/>
+          </a:ln>
+        </p:spPr>
+        <p:style>
+          <a:lnRef idx="1">
+            <a:schemeClr val="dk1"/>
+          </a:lnRef>
+          <a:fillRef idx="0">
+            <a:schemeClr val="dk1"/>
+          </a:fillRef>
+          <a:effectRef idx="0">
+            <a:schemeClr val="dk1"/>
+          </a:effectRef>
+          <a:fontRef idx="minor">
+            <a:schemeClr val="tx1"/>
+          </a:fontRef>
+        </p:style>
+      </p:cxnSp>
+      <p:cxnSp>
+        <p:nvCxnSpPr>
+          <p:cNvPr id="134" name="直接箭头连接符 133"/>
+          <p:cNvCxnSpPr>
+            <a:stCxn id="142" idx="3"/>
+            <a:endCxn id="148" idx="1"/>
+          </p:cNvCxnSpPr>
+          <p:nvPr/>
+        </p:nvCxnSpPr>
+        <p:spPr>
+          <a:xfrm>
+            <a:off x="8768080" y="4243705"/>
+            <a:ext cx="815975" cy="730885"/>
+          </a:xfrm>
+          <a:prstGeom prst="straightConnector1">
+            <a:avLst/>
+          </a:prstGeom>
+          <a:ln>
+            <a:tailEnd type="arrow" w="med" len="med"/>
+          </a:ln>
+        </p:spPr>
+        <p:style>
+          <a:lnRef idx="1">
+            <a:schemeClr val="dk1"/>
+          </a:lnRef>
+          <a:fillRef idx="0">
+            <a:schemeClr val="dk1"/>
+          </a:fillRef>
+          <a:effectRef idx="0">
+            <a:schemeClr val="dk1"/>
+          </a:effectRef>
+          <a:fontRef idx="minor">
+            <a:schemeClr val="tx1"/>
+          </a:fontRef>
+        </p:style>
+      </p:cxnSp>
+      <p:cxnSp>
+        <p:nvCxnSpPr>
+          <p:cNvPr id="135" name="直接箭头连接符 134"/>
+          <p:cNvCxnSpPr>
+            <a:stCxn id="143" idx="3"/>
+            <a:endCxn id="146" idx="1"/>
+          </p:cNvCxnSpPr>
+          <p:nvPr/>
+        </p:nvCxnSpPr>
+        <p:spPr>
+          <a:xfrm flipV="1">
+            <a:off x="8768715" y="4301490"/>
+            <a:ext cx="815340" cy="232410"/>
+          </a:xfrm>
+          <a:prstGeom prst="straightConnector1">
+            <a:avLst/>
+          </a:prstGeom>
+          <a:ln>
+            <a:tailEnd type="arrow" w="med" len="med"/>
+          </a:ln>
+        </p:spPr>
+        <p:style>
+          <a:lnRef idx="1">
+            <a:schemeClr val="dk1"/>
+          </a:lnRef>
+          <a:fillRef idx="0">
+            <a:schemeClr val="dk1"/>
+          </a:fillRef>
+          <a:effectRef idx="0">
+            <a:schemeClr val="dk1"/>
+          </a:effectRef>
+          <a:fontRef idx="minor">
+            <a:schemeClr val="tx1"/>
+          </a:fontRef>
+        </p:style>
+      </p:cxnSp>
+      <p:cxnSp>
+        <p:nvCxnSpPr>
+          <p:cNvPr id="136" name="直接箭头连接符 135"/>
+          <p:cNvCxnSpPr>
+            <a:stCxn id="143" idx="3"/>
+            <a:endCxn id="148" idx="1"/>
+          </p:cNvCxnSpPr>
+          <p:nvPr/>
+        </p:nvCxnSpPr>
+        <p:spPr>
+          <a:xfrm>
+            <a:off x="8768715" y="4533900"/>
+            <a:ext cx="815340" cy="440690"/>
+          </a:xfrm>
+          <a:prstGeom prst="straightConnector1">
+            <a:avLst/>
+          </a:prstGeom>
+          <a:ln>
+            <a:tailEnd type="arrow" w="med" len="med"/>
+          </a:ln>
+        </p:spPr>
+        <p:style>
+          <a:lnRef idx="1">
+            <a:schemeClr val="dk1"/>
+          </a:lnRef>
+          <a:fillRef idx="0">
+            <a:schemeClr val="dk1"/>
+          </a:fillRef>
+          <a:effectRef idx="0">
+            <a:schemeClr val="dk1"/>
+          </a:effectRef>
+          <a:fontRef idx="minor">
+            <a:schemeClr val="tx1"/>
+          </a:fontRef>
+        </p:style>
+      </p:cxnSp>
+      <p:cxnSp>
+        <p:nvCxnSpPr>
+          <p:cNvPr id="137" name="直接箭头连接符 136"/>
+          <p:cNvCxnSpPr>
+            <a:stCxn id="144" idx="3"/>
+            <a:endCxn id="146" idx="1"/>
+          </p:cNvCxnSpPr>
+          <p:nvPr/>
+        </p:nvCxnSpPr>
+        <p:spPr>
+          <a:xfrm flipV="1">
+            <a:off x="8768715" y="4301490"/>
+            <a:ext cx="815340" cy="498475"/>
+          </a:xfrm>
+          <a:prstGeom prst="straightConnector1">
+            <a:avLst/>
+          </a:prstGeom>
+          <a:ln>
+            <a:tailEnd type="arrow" w="med" len="med"/>
+          </a:ln>
+        </p:spPr>
+        <p:style>
+          <a:lnRef idx="1">
+            <a:schemeClr val="dk1"/>
+          </a:lnRef>
+          <a:fillRef idx="0">
+            <a:schemeClr val="dk1"/>
+          </a:fillRef>
+          <a:effectRef idx="0">
+            <a:schemeClr val="dk1"/>
+          </a:effectRef>
+          <a:fontRef idx="minor">
+            <a:schemeClr val="tx1"/>
+          </a:fontRef>
+        </p:style>
+      </p:cxnSp>
+      <p:cxnSp>
+        <p:nvCxnSpPr>
+          <p:cNvPr id="138" name="直接箭头连接符 137"/>
+          <p:cNvCxnSpPr>
+            <a:stCxn id="144" idx="3"/>
+            <a:endCxn id="147" idx="1"/>
+          </p:cNvCxnSpPr>
+          <p:nvPr/>
+        </p:nvCxnSpPr>
+        <p:spPr>
+          <a:xfrm flipV="1">
+            <a:off x="8768715" y="4637405"/>
+            <a:ext cx="808990" cy="162560"/>
+          </a:xfrm>
+          <a:prstGeom prst="straightConnector1">
+            <a:avLst/>
+          </a:prstGeom>
+          <a:ln>
+            <a:tailEnd type="arrow" w="med" len="med"/>
+          </a:ln>
+        </p:spPr>
+        <p:style>
+          <a:lnRef idx="1">
+            <a:schemeClr val="dk1"/>
+          </a:lnRef>
+          <a:fillRef idx="0">
+            <a:schemeClr val="dk1"/>
+          </a:fillRef>
+          <a:effectRef idx="0">
+            <a:schemeClr val="dk1"/>
+          </a:effectRef>
+          <a:fontRef idx="minor">
+            <a:schemeClr val="tx1"/>
+          </a:fontRef>
+        </p:style>
+      </p:cxnSp>
+      <p:cxnSp>
+        <p:nvCxnSpPr>
+          <p:cNvPr id="139" name="直接箭头连接符 138"/>
+          <p:cNvCxnSpPr>
+            <a:stCxn id="145" idx="3"/>
+            <a:endCxn id="146" idx="1"/>
+          </p:cNvCxnSpPr>
+          <p:nvPr/>
+        </p:nvCxnSpPr>
+        <p:spPr>
+          <a:xfrm flipV="1">
+            <a:off x="8768715" y="4301490"/>
+            <a:ext cx="815340" cy="775970"/>
+          </a:xfrm>
+          <a:prstGeom prst="straightConnector1">
+            <a:avLst/>
+          </a:prstGeom>
+          <a:ln>
+            <a:tailEnd type="arrow" w="med" len="med"/>
+          </a:ln>
+        </p:spPr>
+        <p:style>
+          <a:lnRef idx="1">
+            <a:schemeClr val="dk1"/>
+          </a:lnRef>
+          <a:fillRef idx="0">
+            <a:schemeClr val="dk1"/>
+          </a:fillRef>
+          <a:effectRef idx="0">
+            <a:schemeClr val="dk1"/>
+          </a:effectRef>
+          <a:fontRef idx="minor">
+            <a:schemeClr val="tx1"/>
+          </a:fontRef>
+        </p:style>
+      </p:cxnSp>
+      <p:cxnSp>
+        <p:nvCxnSpPr>
+          <p:cNvPr id="140" name="直接箭头连接符 139"/>
+          <p:cNvCxnSpPr>
+            <a:stCxn id="145" idx="3"/>
+            <a:endCxn id="147" idx="1"/>
+          </p:cNvCxnSpPr>
+          <p:nvPr/>
+        </p:nvCxnSpPr>
+        <p:spPr>
+          <a:xfrm flipV="1">
+            <a:off x="8768715" y="4637405"/>
+            <a:ext cx="808990" cy="440055"/>
+          </a:xfrm>
+          <a:prstGeom prst="straightConnector1">
+            <a:avLst/>
+          </a:prstGeom>
+          <a:ln>
+            <a:tailEnd type="arrow" w="med" len="med"/>
+          </a:ln>
+        </p:spPr>
+        <p:style>
+          <a:lnRef idx="1">
+            <a:schemeClr val="dk1"/>
+          </a:lnRef>
+          <a:fillRef idx="0">
+            <a:schemeClr val="dk1"/>
+          </a:fillRef>
+          <a:effectRef idx="0">
+            <a:schemeClr val="dk1"/>
+          </a:effectRef>
+          <a:fontRef idx="minor">
+            <a:schemeClr val="tx1"/>
+          </a:fontRef>
+        </p:style>
+      </p:cxnSp>
+      <p:cxnSp>
+        <p:nvCxnSpPr>
+          <p:cNvPr id="141" name="直接箭头连接符 140"/>
+          <p:cNvCxnSpPr>
+            <a:stCxn id="145" idx="3"/>
+            <a:endCxn id="148" idx="1"/>
+          </p:cNvCxnSpPr>
+          <p:nvPr/>
+        </p:nvCxnSpPr>
+        <p:spPr>
+          <a:xfrm flipV="1">
+            <a:off x="8768715" y="4974590"/>
+            <a:ext cx="815340" cy="102870"/>
+          </a:xfrm>
+          <a:prstGeom prst="straightConnector1">
+            <a:avLst/>
+          </a:prstGeom>
+          <a:ln>
+            <a:tailEnd type="arrow" w="med" len="med"/>
+          </a:ln>
+        </p:spPr>
+        <p:style>
+          <a:lnRef idx="1">
+            <a:schemeClr val="dk1"/>
+          </a:lnRef>
+          <a:fillRef idx="0">
+            <a:schemeClr val="dk1"/>
+          </a:fillRef>
+          <a:effectRef idx="0">
+            <a:schemeClr val="dk1"/>
+          </a:effectRef>
+          <a:fontRef idx="minor">
+            <a:schemeClr val="tx1"/>
+          </a:fontRef>
+        </p:style>
+      </p:cxnSp>
+      <p:sp>
+        <p:nvSpPr>
+          <p:cNvPr id="142" name="圆角矩形 141"/>
+          <p:cNvSpPr/>
+          <p:nvPr/>
+        </p:nvSpPr>
+        <p:spPr>
+          <a:xfrm>
+            <a:off x="8202295" y="4140200"/>
+            <a:ext cx="565785" cy="206375"/>
+          </a:xfrm>
+          <a:prstGeom prst="roundRect">
+            <a:avLst/>
+          </a:prstGeom>
+          <a:solidFill>
+            <a:schemeClr val="accent4"/>
+          </a:solidFill>
+        </p:spPr>
+        <p:style>
+          <a:lnRef idx="2">
+            <a:schemeClr val="accent1">
+              <a:shade val="50000"/>
+            </a:schemeClr>
+          </a:lnRef>
+          <a:fillRef idx="1">
+            <a:schemeClr val="accent1"/>
+          </a:fillRef>
+          <a:effectRef idx="0">
+            <a:schemeClr val="accent1"/>
+          </a:effectRef>
+          <a:fontRef idx="minor">
+            <a:schemeClr val="lt1"/>
+          </a:fontRef>
+        </p:style>
+        <p:txBody>
+          <a:bodyPr rtlCol="0" anchor="ctr"/>
+          <a:p>
+            <a:pPr algn="ctr"/>
+            <a:endParaRPr lang="zh-CN" altLang="en-US"/>
+          </a:p>
+        </p:txBody>
+      </p:sp>
+      <p:sp>
+        <p:nvSpPr>
+          <p:cNvPr id="143" name="圆角矩形 142"/>
+          <p:cNvSpPr/>
+          <p:nvPr/>
+        </p:nvSpPr>
+        <p:spPr>
+          <a:xfrm>
+            <a:off x="8202930" y="4430395"/>
+            <a:ext cx="565785" cy="206375"/>
+          </a:xfrm>
+          <a:prstGeom prst="roundRect">
+            <a:avLst/>
+          </a:prstGeom>
+          <a:solidFill>
+            <a:schemeClr val="accent4"/>
+          </a:solidFill>
+        </p:spPr>
+        <p:style>
+          <a:lnRef idx="2">
+            <a:schemeClr val="accent1">
+              <a:shade val="50000"/>
+            </a:schemeClr>
+          </a:lnRef>
+          <a:fillRef idx="1">
+            <a:schemeClr val="accent1"/>
+          </a:fillRef>
+          <a:effectRef idx="0">
+            <a:schemeClr val="accent1"/>
+          </a:effectRef>
+          <a:fontRef idx="minor">
+            <a:schemeClr val="lt1"/>
+          </a:fontRef>
+        </p:style>
+        <p:txBody>
+          <a:bodyPr rtlCol="0" anchor="ctr"/>
+          <a:p>
+            <a:pPr algn="ctr"/>
+            <a:endParaRPr lang="zh-CN" altLang="en-US"/>
+          </a:p>
+        </p:txBody>
+      </p:sp>
+      <p:sp>
+        <p:nvSpPr>
+          <p:cNvPr id="144" name="圆角矩形 143"/>
+          <p:cNvSpPr/>
+          <p:nvPr/>
+        </p:nvSpPr>
+        <p:spPr>
+          <a:xfrm>
+            <a:off x="8202930" y="4696460"/>
+            <a:ext cx="565785" cy="206375"/>
+          </a:xfrm>
+          <a:prstGeom prst="roundRect">
+            <a:avLst/>
+          </a:prstGeom>
+          <a:solidFill>
+            <a:schemeClr val="accent1"/>
+          </a:solidFill>
+        </p:spPr>
+        <p:style>
+          <a:lnRef idx="2">
+            <a:schemeClr val="accent1">
+              <a:shade val="50000"/>
+            </a:schemeClr>
+          </a:lnRef>
+          <a:fillRef idx="1">
+            <a:schemeClr val="accent1"/>
+          </a:fillRef>
+          <a:effectRef idx="0">
+            <a:schemeClr val="accent1"/>
+          </a:effectRef>
+          <a:fontRef idx="minor">
+            <a:schemeClr val="lt1"/>
+          </a:fontRef>
+        </p:style>
+        <p:txBody>
+          <a:bodyPr rtlCol="0" anchor="ctr"/>
+          <a:p>
+            <a:pPr algn="ctr"/>
+            <a:endParaRPr lang="zh-CN" altLang="en-US"/>
+          </a:p>
+        </p:txBody>
+      </p:sp>
+      <p:sp>
+        <p:nvSpPr>
+          <p:cNvPr id="145" name="圆角矩形 144"/>
+          <p:cNvSpPr/>
+          <p:nvPr/>
+        </p:nvSpPr>
+        <p:spPr>
+          <a:xfrm>
+            <a:off x="8202930" y="4973955"/>
+            <a:ext cx="565785" cy="206375"/>
+          </a:xfrm>
+          <a:prstGeom prst="roundRect">
+            <a:avLst/>
+          </a:prstGeom>
+          <a:solidFill>
+            <a:schemeClr val="accent1"/>
+          </a:solidFill>
+        </p:spPr>
+        <p:style>
+          <a:lnRef idx="2">
+            <a:schemeClr val="accent1">
+              <a:shade val="50000"/>
+            </a:schemeClr>
+          </a:lnRef>
+          <a:fillRef idx="1">
+            <a:schemeClr val="accent1"/>
+          </a:fillRef>
+          <a:effectRef idx="0">
+            <a:schemeClr val="accent1"/>
+          </a:effectRef>
+          <a:fontRef idx="minor">
+            <a:schemeClr val="lt1"/>
+          </a:fontRef>
+        </p:style>
+        <p:txBody>
+          <a:bodyPr rtlCol="0" anchor="ctr"/>
+          <a:p>
+            <a:pPr algn="ctr"/>
+            <a:endParaRPr lang="zh-CN" altLang="en-US"/>
+          </a:p>
+        </p:txBody>
+      </p:sp>
+      <p:sp>
+        <p:nvSpPr>
+          <p:cNvPr id="146" name="圆角矩形 145"/>
+          <p:cNvSpPr/>
+          <p:nvPr/>
+        </p:nvSpPr>
+        <p:spPr>
+          <a:xfrm>
+            <a:off x="9584055" y="4197985"/>
+            <a:ext cx="565785" cy="206375"/>
+          </a:xfrm>
+          <a:prstGeom prst="roundRect">
+            <a:avLst/>
+          </a:prstGeom>
+          <a:solidFill>
+            <a:schemeClr val="accent1"/>
+          </a:solidFill>
+        </p:spPr>
+        <p:style>
+          <a:lnRef idx="2">
+            <a:schemeClr val="accent1">
+              <a:shade val="50000"/>
+            </a:schemeClr>
+          </a:lnRef>
+          <a:fillRef idx="1">
+            <a:schemeClr val="accent1"/>
+          </a:fillRef>
+          <a:effectRef idx="0">
+            <a:schemeClr val="accent1"/>
+          </a:effectRef>
+          <a:fontRef idx="minor">
+            <a:schemeClr val="lt1"/>
+          </a:fontRef>
+        </p:style>
+        <p:txBody>
+          <a:bodyPr rtlCol="0" anchor="ctr"/>
+          <a:p>
+            <a:pPr algn="ctr"/>
+            <a:endParaRPr lang="zh-CN" altLang="en-US"/>
+          </a:p>
+        </p:txBody>
+      </p:sp>
+      <p:sp>
+        <p:nvSpPr>
+          <p:cNvPr id="147" name="圆角矩形 146"/>
+          <p:cNvSpPr/>
+          <p:nvPr/>
+        </p:nvSpPr>
+        <p:spPr>
+          <a:xfrm>
+            <a:off x="9577705" y="4533900"/>
+            <a:ext cx="565785" cy="206375"/>
+          </a:xfrm>
+          <a:prstGeom prst="roundRect">
+            <a:avLst/>
+          </a:prstGeom>
+          <a:solidFill>
+            <a:schemeClr val="accent1"/>
+          </a:solidFill>
+        </p:spPr>
+        <p:style>
+          <a:lnRef idx="2">
+            <a:schemeClr val="accent1">
+              <a:shade val="50000"/>
+            </a:schemeClr>
+          </a:lnRef>
+          <a:fillRef idx="1">
+            <a:schemeClr val="accent1"/>
+          </a:fillRef>
+          <a:effectRef idx="0">
+            <a:schemeClr val="accent1"/>
+          </a:effectRef>
+          <a:fontRef idx="minor">
+            <a:schemeClr val="lt1"/>
+          </a:fontRef>
+        </p:style>
+        <p:txBody>
+          <a:bodyPr rtlCol="0" anchor="ctr"/>
+          <a:p>
+            <a:pPr algn="ctr"/>
+            <a:endParaRPr lang="zh-CN" altLang="en-US"/>
+          </a:p>
+        </p:txBody>
+      </p:sp>
+      <p:sp>
+        <p:nvSpPr>
+          <p:cNvPr id="148" name="圆角矩形 147"/>
+          <p:cNvSpPr/>
+          <p:nvPr/>
+        </p:nvSpPr>
+        <p:spPr>
+          <a:xfrm>
+            <a:off x="9584055" y="4871085"/>
+            <a:ext cx="565785" cy="206375"/>
+          </a:xfrm>
+          <a:prstGeom prst="roundRect">
+            <a:avLst/>
+          </a:prstGeom>
+          <a:solidFill>
+            <a:schemeClr val="accent1"/>
+          </a:solidFill>
+        </p:spPr>
+        <p:style>
+          <a:lnRef idx="2">
+            <a:schemeClr val="accent1">
+              <a:shade val="50000"/>
+            </a:schemeClr>
+          </a:lnRef>
+          <a:fillRef idx="1">
+            <a:schemeClr val="accent1"/>
+          </a:fillRef>
+          <a:effectRef idx="0">
+            <a:schemeClr val="accent1"/>
+          </a:effectRef>
+          <a:fontRef idx="minor">
+            <a:schemeClr val="lt1"/>
+          </a:fontRef>
+        </p:style>
+        <p:txBody>
+          <a:bodyPr rtlCol="0" anchor="ctr"/>
+          <a:p>
+            <a:pPr algn="ctr"/>
+            <a:endParaRPr lang="zh-CN" altLang="en-US"/>
+          </a:p>
+        </p:txBody>
+      </p:sp>
+      <p:pic>
+        <p:nvPicPr>
+          <p:cNvPr id="151" name="图片 150" descr="错误"/>
+          <p:cNvPicPr>
+            <a:picLocks noChangeAspect="1"/>
+          </p:cNvPicPr>
+          <p:nvPr/>
+        </p:nvPicPr>
+        <p:blipFill>
+          <a:blip r:embed="rId1"/>
+          <a:stretch>
+            <a:fillRect/>
+          </a:stretch>
+        </p:blipFill>
+        <p:spPr>
+          <a:xfrm>
+            <a:off x="4003675" y="5644515"/>
+            <a:ext cx="448945" cy="448945"/>
+          </a:xfrm>
+          <a:prstGeom prst="rect">
+            <a:avLst/>
+          </a:prstGeom>
+        </p:spPr>
+      </p:pic>
+      <p:pic>
+        <p:nvPicPr>
+          <p:cNvPr id="152" name="图片 151" descr="正确"/>
+          <p:cNvPicPr>
+            <a:picLocks noChangeAspect="1"/>
+          </p:cNvPicPr>
+          <p:nvPr/>
+        </p:nvPicPr>
+        <p:blipFill>
+          <a:blip r:embed="rId2"/>
+          <a:stretch>
+            <a:fillRect/>
+          </a:stretch>
+        </p:blipFill>
+        <p:spPr>
+          <a:xfrm>
+            <a:off x="8947785" y="5645150"/>
+            <a:ext cx="450000" cy="450000"/>
+          </a:xfrm>
+          <a:prstGeom prst="rect">
+            <a:avLst/>
+          </a:prstGeom>
+        </p:spPr>
+      </p:pic>
     </p:spTree>
   </p:cSld>
   <p:clrMapOvr>
@@ -6934,6 +9763,3316 @@
 </file>
 
 <file path=ppt/slides/slide14.xml><?xml version="1.0" encoding="utf-8"?>
+<p:sld xmlns:a="http://schemas.openxmlformats.org/drawingml/2006/main" xmlns:r="http://schemas.openxmlformats.org/officeDocument/2006/relationships" xmlns:p="http://schemas.openxmlformats.org/presentationml/2006/main">
+  <p:cSld>
+    <p:spTree>
+      <p:nvGrpSpPr>
+        <p:cNvPr id="1" name=""/>
+        <p:cNvGrpSpPr/>
+        <p:nvPr/>
+      </p:nvGrpSpPr>
+      <p:grpSpPr/>
+      <p:sp>
+        <p:nvSpPr>
+          <p:cNvPr id="2" name="标题 1"/>
+          <p:cNvSpPr>
+            <a:spLocks noGrp="1"/>
+          </p:cNvSpPr>
+          <p:nvPr>
+            <p:ph type="title"/>
+          </p:nvPr>
+        </p:nvSpPr>
+        <p:spPr/>
+        <p:txBody>
+          <a:bodyPr/>
+          <a:p>
+            <a:r>
+              <a:rPr lang="zh-CN" altLang="en-US">
+                <a:sym typeface="+mn-ea"/>
+              </a:rPr>
+              <a:t>问题三：</a:t>
+            </a:r>
+            <a:r>
+              <a:rPr lang="en-US" altLang="zh-CN">
+                <a:sym typeface="+mn-ea"/>
+              </a:rPr>
+              <a:t>Stage-aware</a:t>
+            </a:r>
+            <a:r>
+              <a:rPr lang="zh-CN" altLang="en-US">
+                <a:sym typeface="+mn-ea"/>
+              </a:rPr>
+              <a:t>的</a:t>
+            </a:r>
+            <a:r>
+              <a:rPr lang="zh-CN" altLang="en-US">
+                <a:sym typeface="+mn-ea"/>
+              </a:rPr>
+              <a:t>问题</a:t>
+            </a:r>
+            <a:endParaRPr lang="zh-CN" altLang="en-US">
+              <a:sym typeface="+mn-ea"/>
+            </a:endParaRPr>
+          </a:p>
+        </p:txBody>
+      </p:sp>
+      <p:sp>
+        <p:nvSpPr>
+          <p:cNvPr id="3" name="内容占位符 2"/>
+          <p:cNvSpPr>
+            <a:spLocks noGrp="1"/>
+          </p:cNvSpPr>
+          <p:nvPr>
+            <p:ph idx="1"/>
+          </p:nvPr>
+        </p:nvSpPr>
+        <p:spPr>
+          <a:xfrm>
+            <a:off x="838200" y="1383030"/>
+            <a:ext cx="10824845" cy="5300345"/>
+          </a:xfrm>
+        </p:spPr>
+        <p:txBody>
+          <a:bodyPr>
+            <a:normAutofit/>
+          </a:bodyPr>
+          <a:p>
+            <a:pPr lvl="0"/>
+            <a:r>
+              <a:rPr lang="en-US" altLang="zh-CN">
+                <a:solidFill>
+                  <a:schemeClr val="tx1"/>
+                </a:solidFill>
+                <a:uFillTx/>
+                <a:latin typeface="等线" panose="02010600030101010101" charset="-122"/>
+              </a:rPr>
+              <a:t>  </a:t>
+            </a:r>
+            <a:r>
+              <a:rPr lang="zh-CN" altLang="en-US" b="1">
+                <a:solidFill>
+                  <a:schemeClr val="tx1"/>
+                </a:solidFill>
+                <a:uFillTx/>
+                <a:latin typeface="微软雅黑" panose="020B0503020204020204" charset="-122"/>
+                <a:ea typeface="微软雅黑" panose="020B0503020204020204" charset="-122"/>
+              </a:rPr>
+              <a:t>猜想</a:t>
+            </a:r>
+            <a:endParaRPr lang="zh-CN" altLang="en-US" b="1">
+              <a:solidFill>
+                <a:schemeClr val="tx1"/>
+              </a:solidFill>
+              <a:uFillTx/>
+              <a:latin typeface="微软雅黑" panose="020B0503020204020204" charset="-122"/>
+              <a:ea typeface="微软雅黑" panose="020B0503020204020204" charset="-122"/>
+            </a:endParaRPr>
+          </a:p>
+          <a:p>
+            <a:pPr marL="685800" lvl="1" indent="-228600">
+              <a:buFont typeface="Wingdings" panose="05000000000000000000" charset="0"/>
+              <a:buChar char="n"/>
+            </a:pPr>
+            <a:r>
+              <a:rPr lang="en-US" altLang="zh-CN" b="1">
+                <a:solidFill>
+                  <a:schemeClr val="tx1"/>
+                </a:solidFill>
+                <a:uFillTx/>
+                <a:latin typeface="微软雅黑" panose="020B0503020204020204" charset="-122"/>
+                <a:ea typeface="微软雅黑" panose="020B0503020204020204" charset="-122"/>
+              </a:rPr>
+              <a:t> </a:t>
+            </a:r>
+            <a:r>
+              <a:rPr lang="zh-CN" altLang="en-US">
+                <a:solidFill>
+                  <a:schemeClr val="tx1"/>
+                </a:solidFill>
+                <a:uFillTx/>
+                <a:latin typeface="+mn-lt"/>
+                <a:ea typeface="+mn-lt"/>
+              </a:rPr>
+              <a:t>任务太简单？</a:t>
+            </a:r>
+            <a:endParaRPr lang="zh-CN" altLang="en-US">
+              <a:solidFill>
+                <a:schemeClr val="tx1"/>
+              </a:solidFill>
+              <a:uFillTx/>
+              <a:latin typeface="+mn-lt"/>
+              <a:ea typeface="+mn-lt"/>
+            </a:endParaRPr>
+          </a:p>
+          <a:p>
+            <a:pPr lvl="2">
+              <a:buFont typeface="Wingdings" panose="05000000000000000000" charset="0"/>
+              <a:buChar char="l"/>
+            </a:pPr>
+            <a:r>
+              <a:rPr lang="en-US" altLang="zh-CN">
+                <a:solidFill>
+                  <a:schemeClr val="tx1"/>
+                </a:solidFill>
+                <a:uFillTx/>
+                <a:latin typeface="+mn-lt"/>
+                <a:ea typeface="+mn-lt"/>
+              </a:rPr>
+              <a:t> </a:t>
+            </a:r>
+            <a:r>
+              <a:rPr lang="zh-CN" altLang="en-US">
+                <a:solidFill>
+                  <a:schemeClr val="tx1"/>
+                </a:solidFill>
+                <a:uFillTx/>
+                <a:latin typeface="+mn-lt"/>
+                <a:ea typeface="+mn-lt"/>
+              </a:rPr>
+              <a:t>复杂的应用会不会将一个</a:t>
+            </a:r>
+            <a:r>
+              <a:rPr lang="en-US" altLang="zh-CN">
+                <a:solidFill>
+                  <a:schemeClr val="tx1"/>
+                </a:solidFill>
+                <a:uFillTx/>
+                <a:latin typeface="+mn-lt"/>
+                <a:ea typeface="+mn-lt"/>
+              </a:rPr>
+              <a:t>Task</a:t>
+            </a:r>
+            <a:r>
+              <a:rPr lang="zh-CN" altLang="en-US">
+                <a:solidFill>
+                  <a:schemeClr val="tx1"/>
+                </a:solidFill>
+                <a:uFillTx/>
+                <a:latin typeface="+mn-lt"/>
+                <a:ea typeface="+mn-lt"/>
+              </a:rPr>
+              <a:t>解耦成多个</a:t>
+            </a:r>
+            <a:r>
+              <a:rPr lang="en-US" altLang="zh-CN">
+                <a:solidFill>
+                  <a:schemeClr val="tx1"/>
+                </a:solidFill>
+                <a:uFillTx/>
+                <a:latin typeface="+mn-lt"/>
+                <a:ea typeface="+mn-lt"/>
+              </a:rPr>
+              <a:t>Function</a:t>
+            </a:r>
+            <a:r>
+              <a:rPr lang="zh-CN" altLang="en-US">
+                <a:solidFill>
+                  <a:schemeClr val="tx1"/>
+                </a:solidFill>
+                <a:uFillTx/>
+                <a:latin typeface="+mn-lt"/>
+                <a:ea typeface="+mn-lt"/>
+              </a:rPr>
+              <a:t>？</a:t>
+            </a:r>
+            <a:endParaRPr lang="zh-CN" altLang="en-US">
+              <a:solidFill>
+                <a:schemeClr val="tx1"/>
+              </a:solidFill>
+              <a:uFillTx/>
+              <a:latin typeface="+mn-lt"/>
+              <a:ea typeface="+mn-lt"/>
+            </a:endParaRPr>
+          </a:p>
+          <a:p>
+            <a:pPr lvl="1">
+              <a:buFont typeface="Wingdings" panose="05000000000000000000" charset="0"/>
+              <a:buChar char="n"/>
+            </a:pPr>
+            <a:r>
+              <a:rPr lang="en-US" altLang="zh-CN">
+                <a:solidFill>
+                  <a:schemeClr val="tx1"/>
+                </a:solidFill>
+                <a:uFillTx/>
+                <a:latin typeface="+mn-lt"/>
+                <a:ea typeface="+mn-lt"/>
+              </a:rPr>
+              <a:t> One function per task</a:t>
+            </a:r>
+            <a:r>
+              <a:rPr lang="zh-CN" altLang="en-US">
+                <a:solidFill>
+                  <a:schemeClr val="tx1"/>
+                </a:solidFill>
+                <a:uFillTx/>
+                <a:latin typeface="+mn-lt"/>
+                <a:ea typeface="+mn-lt"/>
+              </a:rPr>
+              <a:t>是通用的设计</a:t>
+            </a:r>
+            <a:r>
+              <a:rPr lang="zh-CN" altLang="en-US">
+                <a:solidFill>
+                  <a:schemeClr val="tx1"/>
+                </a:solidFill>
+                <a:uFillTx/>
+                <a:latin typeface="+mn-lt"/>
+                <a:ea typeface="+mn-lt"/>
+              </a:rPr>
+              <a:t>范式？</a:t>
+            </a:r>
+            <a:endParaRPr lang="zh-CN" altLang="en-US">
+              <a:solidFill>
+                <a:schemeClr val="tx1"/>
+              </a:solidFill>
+              <a:uFillTx/>
+              <a:latin typeface="+mn-lt"/>
+              <a:ea typeface="+mn-lt"/>
+            </a:endParaRPr>
+          </a:p>
+          <a:p>
+            <a:pPr lvl="2">
+              <a:buFont typeface="Wingdings" panose="05000000000000000000" charset="0"/>
+              <a:buChar char="l"/>
+            </a:pPr>
+            <a:r>
+              <a:rPr lang="en-US" altLang="zh-CN">
+                <a:solidFill>
+                  <a:schemeClr val="tx1"/>
+                </a:solidFill>
+                <a:uFillTx/>
+                <a:latin typeface="+mn-lt"/>
+                <a:ea typeface="+mn-lt"/>
+              </a:rPr>
+              <a:t> One function per </a:t>
+            </a:r>
+            <a:r>
+              <a:rPr lang="en-US" altLang="zh-CN">
+                <a:solidFill>
+                  <a:schemeClr val="tx1"/>
+                </a:solidFill>
+                <a:uFillTx/>
+                <a:latin typeface="+mn-lt"/>
+                <a:ea typeface="+mn-lt"/>
+              </a:rPr>
+              <a:t>task -&gt; 过于笨重，削弱了弹性，不便于调度 -&gt; 解耦成函数链(通信开销和扩展性的trade-off) -&gt; stage-aware ?</a:t>
+            </a:r>
+            <a:endParaRPr lang="en-US" altLang="zh-CN">
+              <a:solidFill>
+                <a:schemeClr val="tx1"/>
+              </a:solidFill>
+              <a:uFillTx/>
+              <a:latin typeface="+mn-lt"/>
+              <a:ea typeface="+mn-lt"/>
+            </a:endParaRPr>
+          </a:p>
+        </p:txBody>
+      </p:sp>
+      <p:sp>
+        <p:nvSpPr>
+          <p:cNvPr id="4" name="文本框 3"/>
+          <p:cNvSpPr txBox="1"/>
+          <p:nvPr/>
+        </p:nvSpPr>
+        <p:spPr>
+          <a:xfrm>
+            <a:off x="0" y="6520815"/>
+            <a:ext cx="11722735" cy="337185"/>
+          </a:xfrm>
+          <a:prstGeom prst="rect">
+            <a:avLst/>
+          </a:prstGeom>
+          <a:noFill/>
+        </p:spPr>
+        <p:txBody>
+          <a:bodyPr wrap="square" rtlCol="0">
+            <a:spAutoFit/>
+          </a:bodyPr>
+          <a:p>
+            <a:r>
+              <a:rPr lang="en-US" altLang="zh-CN" sz="1600">
+                <a:solidFill>
+                  <a:schemeClr val="bg2">
+                    <a:lumMod val="50000"/>
+                  </a:schemeClr>
+                </a:solidFill>
+                <a:sym typeface="+mn-ea"/>
+              </a:rPr>
+              <a:t>[1] Sonic: Application-aware Data Passing for Chained Serverless Applications  ATC’21</a:t>
+            </a:r>
+            <a:endParaRPr lang="en-US" altLang="zh-CN" sz="1600">
+              <a:solidFill>
+                <a:schemeClr val="bg2">
+                  <a:lumMod val="50000"/>
+                </a:schemeClr>
+              </a:solidFill>
+              <a:sym typeface="+mn-ea"/>
+            </a:endParaRPr>
+          </a:p>
+        </p:txBody>
+      </p:sp>
+      <p:sp>
+        <p:nvSpPr>
+          <p:cNvPr id="14" name="圆角矩形 13"/>
+          <p:cNvSpPr/>
+          <p:nvPr/>
+        </p:nvSpPr>
+        <p:spPr>
+          <a:xfrm>
+            <a:off x="4453255" y="4366260"/>
+            <a:ext cx="2048510" cy="1427480"/>
+          </a:xfrm>
+          <a:prstGeom prst="roundRect">
+            <a:avLst/>
+          </a:prstGeom>
+          <a:solidFill>
+            <a:schemeClr val="bg1"/>
+          </a:solidFill>
+          <a:ln w="28575" cmpd="sng">
+            <a:solidFill>
+              <a:schemeClr val="bg2">
+                <a:lumMod val="65000"/>
+              </a:schemeClr>
+            </a:solidFill>
+            <a:prstDash val="sysDash"/>
+          </a:ln>
+        </p:spPr>
+        <p:style>
+          <a:lnRef idx="2">
+            <a:schemeClr val="accent1">
+              <a:shade val="50000"/>
+            </a:schemeClr>
+          </a:lnRef>
+          <a:fillRef idx="1">
+            <a:schemeClr val="accent1"/>
+          </a:fillRef>
+          <a:effectRef idx="0">
+            <a:schemeClr val="accent1"/>
+          </a:effectRef>
+          <a:fontRef idx="minor">
+            <a:schemeClr val="lt1"/>
+          </a:fontRef>
+        </p:style>
+        <p:txBody>
+          <a:bodyPr rtlCol="0" anchor="ctr"/>
+          <a:p>
+            <a:pPr algn="ctr"/>
+            <a:endParaRPr lang="zh-CN" altLang="en-US"/>
+          </a:p>
+        </p:txBody>
+      </p:sp>
+      <p:sp>
+        <p:nvSpPr>
+          <p:cNvPr id="17" name="文本框 16"/>
+          <p:cNvSpPr txBox="1"/>
+          <p:nvPr/>
+        </p:nvSpPr>
+        <p:spPr>
+          <a:xfrm>
+            <a:off x="5002530" y="5394960"/>
+            <a:ext cx="1120775" cy="398780"/>
+          </a:xfrm>
+          <a:prstGeom prst="rect">
+            <a:avLst/>
+          </a:prstGeom>
+          <a:noFill/>
+        </p:spPr>
+        <p:txBody>
+          <a:bodyPr wrap="square" rtlCol="0">
+            <a:spAutoFit/>
+          </a:bodyPr>
+          <a:p>
+            <a:r>
+              <a:rPr lang="en-US" altLang="zh-CN" sz="2000">
+                <a:solidFill>
+                  <a:schemeClr val="bg2">
+                    <a:lumMod val="65000"/>
+                  </a:schemeClr>
+                </a:solidFill>
+                <a:latin typeface="微软雅黑" panose="020B0503020204020204" charset="-122"/>
+                <a:ea typeface="微软雅黑" panose="020B0503020204020204" charset="-122"/>
+              </a:rPr>
+              <a:t>Stage 2</a:t>
+            </a:r>
+            <a:endParaRPr lang="en-US" altLang="zh-CN" sz="2000">
+              <a:solidFill>
+                <a:schemeClr val="bg2">
+                  <a:lumMod val="65000"/>
+                </a:schemeClr>
+              </a:solidFill>
+              <a:latin typeface="微软雅黑" panose="020B0503020204020204" charset="-122"/>
+              <a:ea typeface="微软雅黑" panose="020B0503020204020204" charset="-122"/>
+            </a:endParaRPr>
+          </a:p>
+        </p:txBody>
+      </p:sp>
+      <p:sp>
+        <p:nvSpPr>
+          <p:cNvPr id="18" name="圆角矩形 17"/>
+          <p:cNvSpPr/>
+          <p:nvPr/>
+        </p:nvSpPr>
+        <p:spPr>
+          <a:xfrm>
+            <a:off x="1575435" y="4366260"/>
+            <a:ext cx="2574925" cy="1327785"/>
+          </a:xfrm>
+          <a:prstGeom prst="roundRect">
+            <a:avLst/>
+          </a:prstGeom>
+          <a:solidFill>
+            <a:schemeClr val="bg1"/>
+          </a:solidFill>
+          <a:ln w="28575" cmpd="sng">
+            <a:solidFill>
+              <a:schemeClr val="bg2">
+                <a:lumMod val="65000"/>
+              </a:schemeClr>
+            </a:solidFill>
+            <a:prstDash val="sysDash"/>
+          </a:ln>
+        </p:spPr>
+        <p:style>
+          <a:lnRef idx="2">
+            <a:schemeClr val="accent1">
+              <a:shade val="50000"/>
+            </a:schemeClr>
+          </a:lnRef>
+          <a:fillRef idx="1">
+            <a:schemeClr val="accent1"/>
+          </a:fillRef>
+          <a:effectRef idx="0">
+            <a:schemeClr val="accent1"/>
+          </a:effectRef>
+          <a:fontRef idx="minor">
+            <a:schemeClr val="lt1"/>
+          </a:fontRef>
+        </p:style>
+        <p:txBody>
+          <a:bodyPr rtlCol="0" anchor="ctr"/>
+          <a:p>
+            <a:pPr algn="ctr"/>
+            <a:endParaRPr lang="zh-CN" altLang="en-US"/>
+          </a:p>
+        </p:txBody>
+      </p:sp>
+      <p:sp>
+        <p:nvSpPr>
+          <p:cNvPr id="5" name="文本框 4"/>
+          <p:cNvSpPr txBox="1"/>
+          <p:nvPr/>
+        </p:nvSpPr>
+        <p:spPr>
+          <a:xfrm>
+            <a:off x="1576070" y="5184140"/>
+            <a:ext cx="1108710" cy="398780"/>
+          </a:xfrm>
+          <a:prstGeom prst="rect">
+            <a:avLst/>
+          </a:prstGeom>
+          <a:noFill/>
+        </p:spPr>
+        <p:txBody>
+          <a:bodyPr wrap="square" rtlCol="0">
+            <a:spAutoFit/>
+          </a:bodyPr>
+          <a:p>
+            <a:r>
+              <a:rPr lang="en-US" altLang="zh-CN" sz="2000">
+                <a:solidFill>
+                  <a:schemeClr val="bg2">
+                    <a:lumMod val="65000"/>
+                  </a:schemeClr>
+                </a:solidFill>
+                <a:latin typeface="微软雅黑" panose="020B0503020204020204" charset="-122"/>
+                <a:ea typeface="微软雅黑" panose="020B0503020204020204" charset="-122"/>
+              </a:rPr>
+              <a:t>Stage 1</a:t>
+            </a:r>
+            <a:endParaRPr lang="en-US" altLang="zh-CN" sz="2000">
+              <a:solidFill>
+                <a:schemeClr val="bg2">
+                  <a:lumMod val="65000"/>
+                </a:schemeClr>
+              </a:solidFill>
+              <a:latin typeface="微软雅黑" panose="020B0503020204020204" charset="-122"/>
+              <a:ea typeface="微软雅黑" panose="020B0503020204020204" charset="-122"/>
+            </a:endParaRPr>
+          </a:p>
+        </p:txBody>
+      </p:sp>
+      <p:sp>
+        <p:nvSpPr>
+          <p:cNvPr id="26" name="圆角矩形 25"/>
+          <p:cNvSpPr/>
+          <p:nvPr/>
+        </p:nvSpPr>
+        <p:spPr>
+          <a:xfrm>
+            <a:off x="5649595" y="4582160"/>
+            <a:ext cx="589280" cy="784225"/>
+          </a:xfrm>
+          <a:prstGeom prst="roundRect">
+            <a:avLst/>
+          </a:prstGeom>
+          <a:solidFill>
+            <a:schemeClr val="bg1"/>
+          </a:solidFill>
+          <a:ln w="28575" cmpd="sng">
+            <a:solidFill>
+              <a:schemeClr val="accent1">
+                <a:shade val="50000"/>
+              </a:schemeClr>
+            </a:solidFill>
+            <a:prstDash val="solid"/>
+          </a:ln>
+        </p:spPr>
+        <p:style>
+          <a:lnRef idx="2">
+            <a:schemeClr val="accent1">
+              <a:shade val="50000"/>
+            </a:schemeClr>
+          </a:lnRef>
+          <a:fillRef idx="1">
+            <a:schemeClr val="accent1"/>
+          </a:fillRef>
+          <a:effectRef idx="0">
+            <a:schemeClr val="accent1"/>
+          </a:effectRef>
+          <a:fontRef idx="minor">
+            <a:schemeClr val="lt1"/>
+          </a:fontRef>
+        </p:style>
+        <p:txBody>
+          <a:bodyPr rtlCol="0" anchor="ctr"/>
+          <a:p>
+            <a:pPr algn="ctr"/>
+            <a:endParaRPr lang="zh-CN" altLang="en-US"/>
+          </a:p>
+        </p:txBody>
+      </p:sp>
+      <p:sp>
+        <p:nvSpPr>
+          <p:cNvPr id="27" name="圆角矩形 26"/>
+          <p:cNvSpPr/>
+          <p:nvPr/>
+        </p:nvSpPr>
+        <p:spPr>
+          <a:xfrm>
+            <a:off x="5765165" y="4888230"/>
+            <a:ext cx="358140" cy="149860"/>
+          </a:xfrm>
+          <a:prstGeom prst="roundRect">
+            <a:avLst/>
+          </a:prstGeom>
+        </p:spPr>
+        <p:style>
+          <a:lnRef idx="2">
+            <a:schemeClr val="accent1">
+              <a:shade val="50000"/>
+            </a:schemeClr>
+          </a:lnRef>
+          <a:fillRef idx="1">
+            <a:schemeClr val="accent1"/>
+          </a:fillRef>
+          <a:effectRef idx="0">
+            <a:schemeClr val="accent1"/>
+          </a:effectRef>
+          <a:fontRef idx="minor">
+            <a:schemeClr val="lt1"/>
+          </a:fontRef>
+        </p:style>
+        <p:txBody>
+          <a:bodyPr rtlCol="0" anchor="ctr"/>
+          <a:p>
+            <a:pPr algn="ctr"/>
+            <a:endParaRPr lang="zh-CN" altLang="en-US"/>
+          </a:p>
+        </p:txBody>
+      </p:sp>
+      <p:sp>
+        <p:nvSpPr>
+          <p:cNvPr id="28" name="圆角矩形 27"/>
+          <p:cNvSpPr/>
+          <p:nvPr/>
+        </p:nvSpPr>
+        <p:spPr>
+          <a:xfrm>
+            <a:off x="5765165" y="5109210"/>
+            <a:ext cx="358140" cy="149860"/>
+          </a:xfrm>
+          <a:prstGeom prst="roundRect">
+            <a:avLst/>
+          </a:prstGeom>
+        </p:spPr>
+        <p:style>
+          <a:lnRef idx="2">
+            <a:schemeClr val="accent1">
+              <a:shade val="50000"/>
+            </a:schemeClr>
+          </a:lnRef>
+          <a:fillRef idx="1">
+            <a:schemeClr val="accent1"/>
+          </a:fillRef>
+          <a:effectRef idx="0">
+            <a:schemeClr val="accent1"/>
+          </a:effectRef>
+          <a:fontRef idx="minor">
+            <a:schemeClr val="lt1"/>
+          </a:fontRef>
+        </p:style>
+        <p:txBody>
+          <a:bodyPr rtlCol="0" anchor="ctr"/>
+          <a:p>
+            <a:pPr algn="ctr"/>
+            <a:endParaRPr lang="zh-CN" altLang="en-US"/>
+          </a:p>
+        </p:txBody>
+      </p:sp>
+      <p:sp>
+        <p:nvSpPr>
+          <p:cNvPr id="29" name="圆角矩形 28"/>
+          <p:cNvSpPr/>
+          <p:nvPr/>
+        </p:nvSpPr>
+        <p:spPr>
+          <a:xfrm>
+            <a:off x="5765165" y="4667250"/>
+            <a:ext cx="358140" cy="149860"/>
+          </a:xfrm>
+          <a:prstGeom prst="roundRect">
+            <a:avLst/>
+          </a:prstGeom>
+        </p:spPr>
+        <p:style>
+          <a:lnRef idx="2">
+            <a:schemeClr val="accent1">
+              <a:shade val="50000"/>
+            </a:schemeClr>
+          </a:lnRef>
+          <a:fillRef idx="1">
+            <a:schemeClr val="accent1"/>
+          </a:fillRef>
+          <a:effectRef idx="0">
+            <a:schemeClr val="accent1"/>
+          </a:effectRef>
+          <a:fontRef idx="minor">
+            <a:schemeClr val="lt1"/>
+          </a:fontRef>
+        </p:style>
+        <p:txBody>
+          <a:bodyPr rtlCol="0" anchor="ctr"/>
+          <a:p>
+            <a:pPr algn="ctr"/>
+            <a:endParaRPr lang="zh-CN" altLang="en-US"/>
+          </a:p>
+        </p:txBody>
+      </p:sp>
+      <p:sp>
+        <p:nvSpPr>
+          <p:cNvPr id="42" name="圆角矩形 41"/>
+          <p:cNvSpPr/>
+          <p:nvPr/>
+        </p:nvSpPr>
+        <p:spPr>
+          <a:xfrm>
+            <a:off x="1720215" y="4425950"/>
+            <a:ext cx="589280" cy="540385"/>
+          </a:xfrm>
+          <a:prstGeom prst="roundRect">
+            <a:avLst/>
+          </a:prstGeom>
+          <a:solidFill>
+            <a:schemeClr val="bg1"/>
+          </a:solidFill>
+          <a:ln w="28575" cmpd="sng">
+            <a:solidFill>
+              <a:schemeClr val="accent1">
+                <a:shade val="50000"/>
+              </a:schemeClr>
+            </a:solidFill>
+            <a:prstDash val="solid"/>
+          </a:ln>
+        </p:spPr>
+        <p:style>
+          <a:lnRef idx="2">
+            <a:schemeClr val="accent1">
+              <a:shade val="50000"/>
+            </a:schemeClr>
+          </a:lnRef>
+          <a:fillRef idx="1">
+            <a:schemeClr val="accent1"/>
+          </a:fillRef>
+          <a:effectRef idx="0">
+            <a:schemeClr val="accent1"/>
+          </a:effectRef>
+          <a:fontRef idx="minor">
+            <a:schemeClr val="lt1"/>
+          </a:fontRef>
+        </p:style>
+        <p:txBody>
+          <a:bodyPr rtlCol="0" anchor="ctr"/>
+          <a:p>
+            <a:pPr algn="ctr"/>
+            <a:endParaRPr lang="zh-CN" altLang="en-US"/>
+          </a:p>
+        </p:txBody>
+      </p:sp>
+      <p:sp>
+        <p:nvSpPr>
+          <p:cNvPr id="43" name="圆角矩形 42"/>
+          <p:cNvSpPr/>
+          <p:nvPr/>
+        </p:nvSpPr>
+        <p:spPr>
+          <a:xfrm>
+            <a:off x="1835785" y="4500880"/>
+            <a:ext cx="358140" cy="149860"/>
+          </a:xfrm>
+          <a:prstGeom prst="roundRect">
+            <a:avLst/>
+          </a:prstGeom>
+          <a:solidFill>
+            <a:schemeClr val="accent4"/>
+          </a:solidFill>
+        </p:spPr>
+        <p:style>
+          <a:lnRef idx="2">
+            <a:schemeClr val="accent1">
+              <a:shade val="50000"/>
+            </a:schemeClr>
+          </a:lnRef>
+          <a:fillRef idx="1">
+            <a:schemeClr val="accent1"/>
+          </a:fillRef>
+          <a:effectRef idx="0">
+            <a:schemeClr val="accent1"/>
+          </a:effectRef>
+          <a:fontRef idx="minor">
+            <a:schemeClr val="lt1"/>
+          </a:fontRef>
+        </p:style>
+        <p:txBody>
+          <a:bodyPr rtlCol="0" anchor="ctr"/>
+          <a:p>
+            <a:pPr algn="ctr"/>
+            <a:endParaRPr lang="zh-CN" altLang="en-US"/>
+          </a:p>
+        </p:txBody>
+      </p:sp>
+      <p:sp>
+        <p:nvSpPr>
+          <p:cNvPr id="44" name="圆角矩形 43"/>
+          <p:cNvSpPr/>
+          <p:nvPr/>
+        </p:nvSpPr>
+        <p:spPr>
+          <a:xfrm>
+            <a:off x="1835785" y="4729480"/>
+            <a:ext cx="358140" cy="149860"/>
+          </a:xfrm>
+          <a:prstGeom prst="roundRect">
+            <a:avLst/>
+          </a:prstGeom>
+          <a:solidFill>
+            <a:schemeClr val="accent4"/>
+          </a:solidFill>
+        </p:spPr>
+        <p:style>
+          <a:lnRef idx="2">
+            <a:schemeClr val="accent1">
+              <a:shade val="50000"/>
+            </a:schemeClr>
+          </a:lnRef>
+          <a:fillRef idx="1">
+            <a:schemeClr val="accent1"/>
+          </a:fillRef>
+          <a:effectRef idx="0">
+            <a:schemeClr val="accent1"/>
+          </a:effectRef>
+          <a:fontRef idx="minor">
+            <a:schemeClr val="lt1"/>
+          </a:fontRef>
+        </p:style>
+        <p:txBody>
+          <a:bodyPr rtlCol="0" anchor="ctr"/>
+          <a:p>
+            <a:pPr algn="ctr"/>
+            <a:endParaRPr lang="zh-CN" altLang="en-US"/>
+          </a:p>
+        </p:txBody>
+      </p:sp>
+      <p:sp>
+        <p:nvSpPr>
+          <p:cNvPr id="45" name="圆角矩形 44"/>
+          <p:cNvSpPr/>
+          <p:nvPr/>
+        </p:nvSpPr>
+        <p:spPr>
+          <a:xfrm>
+            <a:off x="2569210" y="4432300"/>
+            <a:ext cx="589280" cy="540385"/>
+          </a:xfrm>
+          <a:prstGeom prst="roundRect">
+            <a:avLst/>
+          </a:prstGeom>
+          <a:solidFill>
+            <a:schemeClr val="bg1"/>
+          </a:solidFill>
+          <a:ln w="28575" cmpd="sng">
+            <a:solidFill>
+              <a:schemeClr val="accent1">
+                <a:shade val="50000"/>
+              </a:schemeClr>
+            </a:solidFill>
+            <a:prstDash val="solid"/>
+          </a:ln>
+        </p:spPr>
+        <p:style>
+          <a:lnRef idx="2">
+            <a:schemeClr val="accent1">
+              <a:shade val="50000"/>
+            </a:schemeClr>
+          </a:lnRef>
+          <a:fillRef idx="1">
+            <a:schemeClr val="accent1"/>
+          </a:fillRef>
+          <a:effectRef idx="0">
+            <a:schemeClr val="accent1"/>
+          </a:effectRef>
+          <a:fontRef idx="minor">
+            <a:schemeClr val="lt1"/>
+          </a:fontRef>
+        </p:style>
+        <p:txBody>
+          <a:bodyPr rtlCol="0" anchor="ctr"/>
+          <a:p>
+            <a:pPr algn="ctr"/>
+            <a:endParaRPr lang="zh-CN" altLang="en-US"/>
+          </a:p>
+        </p:txBody>
+      </p:sp>
+      <p:sp>
+        <p:nvSpPr>
+          <p:cNvPr id="46" name="圆角矩形 45"/>
+          <p:cNvSpPr/>
+          <p:nvPr/>
+        </p:nvSpPr>
+        <p:spPr>
+          <a:xfrm>
+            <a:off x="2684780" y="4507230"/>
+            <a:ext cx="358140" cy="149860"/>
+          </a:xfrm>
+          <a:prstGeom prst="roundRect">
+            <a:avLst/>
+          </a:prstGeom>
+          <a:solidFill>
+            <a:schemeClr val="accent4"/>
+          </a:solidFill>
+        </p:spPr>
+        <p:style>
+          <a:lnRef idx="2">
+            <a:schemeClr val="accent1">
+              <a:shade val="50000"/>
+            </a:schemeClr>
+          </a:lnRef>
+          <a:fillRef idx="1">
+            <a:schemeClr val="accent1"/>
+          </a:fillRef>
+          <a:effectRef idx="0">
+            <a:schemeClr val="accent1"/>
+          </a:effectRef>
+          <a:fontRef idx="minor">
+            <a:schemeClr val="lt1"/>
+          </a:fontRef>
+        </p:style>
+        <p:txBody>
+          <a:bodyPr rtlCol="0" anchor="ctr"/>
+          <a:p>
+            <a:pPr algn="ctr"/>
+            <a:endParaRPr lang="zh-CN" altLang="en-US"/>
+          </a:p>
+        </p:txBody>
+      </p:sp>
+      <p:sp>
+        <p:nvSpPr>
+          <p:cNvPr id="47" name="圆角矩形 46"/>
+          <p:cNvSpPr/>
+          <p:nvPr/>
+        </p:nvSpPr>
+        <p:spPr>
+          <a:xfrm>
+            <a:off x="2684780" y="4735830"/>
+            <a:ext cx="358140" cy="149860"/>
+          </a:xfrm>
+          <a:prstGeom prst="roundRect">
+            <a:avLst/>
+          </a:prstGeom>
+          <a:solidFill>
+            <a:schemeClr val="accent4"/>
+          </a:solidFill>
+        </p:spPr>
+        <p:style>
+          <a:lnRef idx="2">
+            <a:schemeClr val="accent1">
+              <a:shade val="50000"/>
+            </a:schemeClr>
+          </a:lnRef>
+          <a:fillRef idx="1">
+            <a:schemeClr val="accent1"/>
+          </a:fillRef>
+          <a:effectRef idx="0">
+            <a:schemeClr val="accent1"/>
+          </a:effectRef>
+          <a:fontRef idx="minor">
+            <a:schemeClr val="lt1"/>
+          </a:fontRef>
+        </p:style>
+        <p:txBody>
+          <a:bodyPr rtlCol="0" anchor="ctr"/>
+          <a:p>
+            <a:pPr algn="ctr"/>
+            <a:endParaRPr lang="zh-CN" altLang="en-US"/>
+          </a:p>
+        </p:txBody>
+      </p:sp>
+      <p:cxnSp>
+        <p:nvCxnSpPr>
+          <p:cNvPr id="48" name="直接箭头连接符 47"/>
+          <p:cNvCxnSpPr>
+            <a:stCxn id="43" idx="3"/>
+            <a:endCxn id="46" idx="1"/>
+          </p:cNvCxnSpPr>
+          <p:nvPr/>
+        </p:nvCxnSpPr>
+        <p:spPr>
+          <a:xfrm>
+            <a:off x="2193925" y="4575810"/>
+            <a:ext cx="490855" cy="6350"/>
+          </a:xfrm>
+          <a:prstGeom prst="straightConnector1">
+            <a:avLst/>
+          </a:prstGeom>
+          <a:ln>
+            <a:tailEnd type="arrow" w="med" len="med"/>
+          </a:ln>
+        </p:spPr>
+        <p:style>
+          <a:lnRef idx="1">
+            <a:schemeClr val="dk1"/>
+          </a:lnRef>
+          <a:fillRef idx="0">
+            <a:schemeClr val="dk1"/>
+          </a:fillRef>
+          <a:effectRef idx="0">
+            <a:schemeClr val="dk1"/>
+          </a:effectRef>
+          <a:fontRef idx="minor">
+            <a:schemeClr val="tx1"/>
+          </a:fontRef>
+        </p:style>
+      </p:cxnSp>
+      <p:cxnSp>
+        <p:nvCxnSpPr>
+          <p:cNvPr id="49" name="直接箭头连接符 48"/>
+          <p:cNvCxnSpPr>
+            <a:stCxn id="44" idx="3"/>
+            <a:endCxn id="47" idx="1"/>
+          </p:cNvCxnSpPr>
+          <p:nvPr/>
+        </p:nvCxnSpPr>
+        <p:spPr>
+          <a:xfrm>
+            <a:off x="2193925" y="4804410"/>
+            <a:ext cx="490855" cy="6350"/>
+          </a:xfrm>
+          <a:prstGeom prst="straightConnector1">
+            <a:avLst/>
+          </a:prstGeom>
+          <a:ln>
+            <a:tailEnd type="arrow" w="med" len="med"/>
+          </a:ln>
+        </p:spPr>
+        <p:style>
+          <a:lnRef idx="1">
+            <a:schemeClr val="dk1"/>
+          </a:lnRef>
+          <a:fillRef idx="0">
+            <a:schemeClr val="dk1"/>
+          </a:fillRef>
+          <a:effectRef idx="0">
+            <a:schemeClr val="dk1"/>
+          </a:effectRef>
+          <a:fontRef idx="minor">
+            <a:schemeClr val="tx1"/>
+          </a:fontRef>
+        </p:style>
+      </p:cxnSp>
+      <p:sp>
+        <p:nvSpPr>
+          <p:cNvPr id="54" name="圆角矩形 53"/>
+          <p:cNvSpPr/>
+          <p:nvPr/>
+        </p:nvSpPr>
+        <p:spPr>
+          <a:xfrm>
+            <a:off x="2569210" y="5057140"/>
+            <a:ext cx="589280" cy="540385"/>
+          </a:xfrm>
+          <a:prstGeom prst="roundRect">
+            <a:avLst/>
+          </a:prstGeom>
+          <a:solidFill>
+            <a:schemeClr val="bg1"/>
+          </a:solidFill>
+          <a:ln w="28575" cmpd="sng">
+            <a:solidFill>
+              <a:schemeClr val="accent1">
+                <a:shade val="50000"/>
+              </a:schemeClr>
+            </a:solidFill>
+            <a:prstDash val="solid"/>
+          </a:ln>
+        </p:spPr>
+        <p:style>
+          <a:lnRef idx="2">
+            <a:schemeClr val="accent1">
+              <a:shade val="50000"/>
+            </a:schemeClr>
+          </a:lnRef>
+          <a:fillRef idx="1">
+            <a:schemeClr val="accent1"/>
+          </a:fillRef>
+          <a:effectRef idx="0">
+            <a:schemeClr val="accent1"/>
+          </a:effectRef>
+          <a:fontRef idx="minor">
+            <a:schemeClr val="lt1"/>
+          </a:fontRef>
+        </p:style>
+        <p:txBody>
+          <a:bodyPr rtlCol="0" anchor="ctr"/>
+          <a:p>
+            <a:pPr algn="ctr"/>
+            <a:endParaRPr lang="zh-CN" altLang="en-US"/>
+          </a:p>
+        </p:txBody>
+      </p:sp>
+      <p:sp>
+        <p:nvSpPr>
+          <p:cNvPr id="55" name="圆角矩形 54"/>
+          <p:cNvSpPr/>
+          <p:nvPr/>
+        </p:nvSpPr>
+        <p:spPr>
+          <a:xfrm>
+            <a:off x="2684780" y="5132070"/>
+            <a:ext cx="358140" cy="149860"/>
+          </a:xfrm>
+          <a:prstGeom prst="roundRect">
+            <a:avLst/>
+          </a:prstGeom>
+        </p:spPr>
+        <p:style>
+          <a:lnRef idx="2">
+            <a:schemeClr val="accent1">
+              <a:shade val="50000"/>
+            </a:schemeClr>
+          </a:lnRef>
+          <a:fillRef idx="1">
+            <a:schemeClr val="accent1"/>
+          </a:fillRef>
+          <a:effectRef idx="0">
+            <a:schemeClr val="accent1"/>
+          </a:effectRef>
+          <a:fontRef idx="minor">
+            <a:schemeClr val="lt1"/>
+          </a:fontRef>
+        </p:style>
+        <p:txBody>
+          <a:bodyPr rtlCol="0" anchor="ctr"/>
+          <a:p>
+            <a:pPr algn="ctr"/>
+            <a:endParaRPr lang="zh-CN" altLang="en-US"/>
+          </a:p>
+        </p:txBody>
+      </p:sp>
+      <p:sp>
+        <p:nvSpPr>
+          <p:cNvPr id="56" name="圆角矩形 55"/>
+          <p:cNvSpPr/>
+          <p:nvPr/>
+        </p:nvSpPr>
+        <p:spPr>
+          <a:xfrm>
+            <a:off x="2684780" y="5360670"/>
+            <a:ext cx="358140" cy="149860"/>
+          </a:xfrm>
+          <a:prstGeom prst="roundRect">
+            <a:avLst/>
+          </a:prstGeom>
+        </p:spPr>
+        <p:style>
+          <a:lnRef idx="2">
+            <a:schemeClr val="accent1">
+              <a:shade val="50000"/>
+            </a:schemeClr>
+          </a:lnRef>
+          <a:fillRef idx="1">
+            <a:schemeClr val="accent1"/>
+          </a:fillRef>
+          <a:effectRef idx="0">
+            <a:schemeClr val="accent1"/>
+          </a:effectRef>
+          <a:fontRef idx="minor">
+            <a:schemeClr val="lt1"/>
+          </a:fontRef>
+        </p:style>
+        <p:txBody>
+          <a:bodyPr rtlCol="0" anchor="ctr"/>
+          <a:p>
+            <a:pPr algn="ctr"/>
+            <a:endParaRPr lang="zh-CN" altLang="en-US"/>
+          </a:p>
+        </p:txBody>
+      </p:sp>
+      <p:sp>
+        <p:nvSpPr>
+          <p:cNvPr id="57" name="圆角矩形 56"/>
+          <p:cNvSpPr/>
+          <p:nvPr/>
+        </p:nvSpPr>
+        <p:spPr>
+          <a:xfrm>
+            <a:off x="3414395" y="4427220"/>
+            <a:ext cx="589280" cy="1179830"/>
+          </a:xfrm>
+          <a:prstGeom prst="roundRect">
+            <a:avLst/>
+          </a:prstGeom>
+          <a:solidFill>
+            <a:schemeClr val="bg1"/>
+          </a:solidFill>
+          <a:ln w="28575" cmpd="sng">
+            <a:solidFill>
+              <a:schemeClr val="accent1">
+                <a:shade val="50000"/>
+              </a:schemeClr>
+            </a:solidFill>
+            <a:prstDash val="solid"/>
+          </a:ln>
+        </p:spPr>
+        <p:style>
+          <a:lnRef idx="2">
+            <a:schemeClr val="accent1">
+              <a:shade val="50000"/>
+            </a:schemeClr>
+          </a:lnRef>
+          <a:fillRef idx="1">
+            <a:schemeClr val="accent1"/>
+          </a:fillRef>
+          <a:effectRef idx="0">
+            <a:schemeClr val="accent1"/>
+          </a:effectRef>
+          <a:fontRef idx="minor">
+            <a:schemeClr val="lt1"/>
+          </a:fontRef>
+        </p:style>
+        <p:txBody>
+          <a:bodyPr rtlCol="0" anchor="ctr"/>
+          <a:p>
+            <a:pPr algn="ctr"/>
+            <a:endParaRPr lang="zh-CN" altLang="en-US"/>
+          </a:p>
+        </p:txBody>
+      </p:sp>
+      <p:sp>
+        <p:nvSpPr>
+          <p:cNvPr id="58" name="圆角矩形 57"/>
+          <p:cNvSpPr/>
+          <p:nvPr/>
+        </p:nvSpPr>
+        <p:spPr>
+          <a:xfrm>
+            <a:off x="3529330" y="4507230"/>
+            <a:ext cx="358140" cy="149860"/>
+          </a:xfrm>
+          <a:prstGeom prst="roundRect">
+            <a:avLst/>
+          </a:prstGeom>
+          <a:solidFill>
+            <a:schemeClr val="accent4"/>
+          </a:solidFill>
+        </p:spPr>
+        <p:style>
+          <a:lnRef idx="2">
+            <a:schemeClr val="accent1">
+              <a:shade val="50000"/>
+            </a:schemeClr>
+          </a:lnRef>
+          <a:fillRef idx="1">
+            <a:schemeClr val="accent1"/>
+          </a:fillRef>
+          <a:effectRef idx="0">
+            <a:schemeClr val="accent1"/>
+          </a:effectRef>
+          <a:fontRef idx="minor">
+            <a:schemeClr val="lt1"/>
+          </a:fontRef>
+        </p:style>
+        <p:txBody>
+          <a:bodyPr rtlCol="0" anchor="ctr"/>
+          <a:p>
+            <a:pPr algn="ctr"/>
+            <a:endParaRPr lang="zh-CN" altLang="en-US"/>
+          </a:p>
+        </p:txBody>
+      </p:sp>
+      <p:sp>
+        <p:nvSpPr>
+          <p:cNvPr id="59" name="圆角矩形 58"/>
+          <p:cNvSpPr/>
+          <p:nvPr/>
+        </p:nvSpPr>
+        <p:spPr>
+          <a:xfrm>
+            <a:off x="3529965" y="4740910"/>
+            <a:ext cx="358140" cy="149860"/>
+          </a:xfrm>
+          <a:prstGeom prst="roundRect">
+            <a:avLst/>
+          </a:prstGeom>
+          <a:solidFill>
+            <a:schemeClr val="accent4"/>
+          </a:solidFill>
+        </p:spPr>
+        <p:style>
+          <a:lnRef idx="2">
+            <a:schemeClr val="accent1">
+              <a:shade val="50000"/>
+            </a:schemeClr>
+          </a:lnRef>
+          <a:fillRef idx="1">
+            <a:schemeClr val="accent1"/>
+          </a:fillRef>
+          <a:effectRef idx="0">
+            <a:schemeClr val="accent1"/>
+          </a:effectRef>
+          <a:fontRef idx="minor">
+            <a:schemeClr val="lt1"/>
+          </a:fontRef>
+        </p:style>
+        <p:txBody>
+          <a:bodyPr rtlCol="0" anchor="ctr"/>
+          <a:p>
+            <a:pPr algn="ctr"/>
+            <a:endParaRPr lang="zh-CN" altLang="en-US"/>
+          </a:p>
+        </p:txBody>
+      </p:sp>
+      <p:sp>
+        <p:nvSpPr>
+          <p:cNvPr id="60" name="圆角矩形 59"/>
+          <p:cNvSpPr/>
+          <p:nvPr/>
+        </p:nvSpPr>
+        <p:spPr>
+          <a:xfrm>
+            <a:off x="3529965" y="5132070"/>
+            <a:ext cx="358140" cy="149860"/>
+          </a:xfrm>
+          <a:prstGeom prst="roundRect">
+            <a:avLst/>
+          </a:prstGeom>
+        </p:spPr>
+        <p:style>
+          <a:lnRef idx="2">
+            <a:schemeClr val="accent1">
+              <a:shade val="50000"/>
+            </a:schemeClr>
+          </a:lnRef>
+          <a:fillRef idx="1">
+            <a:schemeClr val="accent1"/>
+          </a:fillRef>
+          <a:effectRef idx="0">
+            <a:schemeClr val="accent1"/>
+          </a:effectRef>
+          <a:fontRef idx="minor">
+            <a:schemeClr val="lt1"/>
+          </a:fontRef>
+        </p:style>
+        <p:txBody>
+          <a:bodyPr rtlCol="0" anchor="ctr"/>
+          <a:p>
+            <a:pPr algn="ctr"/>
+            <a:endParaRPr lang="zh-CN" altLang="en-US"/>
+          </a:p>
+        </p:txBody>
+      </p:sp>
+      <p:sp>
+        <p:nvSpPr>
+          <p:cNvPr id="61" name="圆角矩形 60"/>
+          <p:cNvSpPr/>
+          <p:nvPr/>
+        </p:nvSpPr>
+        <p:spPr>
+          <a:xfrm>
+            <a:off x="3529965" y="5360670"/>
+            <a:ext cx="358140" cy="149860"/>
+          </a:xfrm>
+          <a:prstGeom prst="roundRect">
+            <a:avLst/>
+          </a:prstGeom>
+        </p:spPr>
+        <p:style>
+          <a:lnRef idx="2">
+            <a:schemeClr val="accent1">
+              <a:shade val="50000"/>
+            </a:schemeClr>
+          </a:lnRef>
+          <a:fillRef idx="1">
+            <a:schemeClr val="accent1"/>
+          </a:fillRef>
+          <a:effectRef idx="0">
+            <a:schemeClr val="accent1"/>
+          </a:effectRef>
+          <a:fontRef idx="minor">
+            <a:schemeClr val="lt1"/>
+          </a:fontRef>
+        </p:style>
+        <p:txBody>
+          <a:bodyPr rtlCol="0" anchor="ctr"/>
+          <a:p>
+            <a:pPr algn="ctr"/>
+            <a:endParaRPr lang="zh-CN" altLang="en-US"/>
+          </a:p>
+        </p:txBody>
+      </p:sp>
+      <p:cxnSp>
+        <p:nvCxnSpPr>
+          <p:cNvPr id="62" name="直接箭头连接符 61"/>
+          <p:cNvCxnSpPr>
+            <a:stCxn id="55" idx="3"/>
+            <a:endCxn id="60" idx="1"/>
+          </p:cNvCxnSpPr>
+          <p:nvPr/>
+        </p:nvCxnSpPr>
+        <p:spPr>
+          <a:xfrm>
+            <a:off x="3042920" y="5207000"/>
+            <a:ext cx="487045" cy="0"/>
+          </a:xfrm>
+          <a:prstGeom prst="straightConnector1">
+            <a:avLst/>
+          </a:prstGeom>
+          <a:ln>
+            <a:tailEnd type="arrow" w="med" len="med"/>
+          </a:ln>
+        </p:spPr>
+        <p:style>
+          <a:lnRef idx="1">
+            <a:schemeClr val="dk1"/>
+          </a:lnRef>
+          <a:fillRef idx="0">
+            <a:schemeClr val="dk1"/>
+          </a:fillRef>
+          <a:effectRef idx="0">
+            <a:schemeClr val="dk1"/>
+          </a:effectRef>
+          <a:fontRef idx="minor">
+            <a:schemeClr val="tx1"/>
+          </a:fontRef>
+        </p:style>
+      </p:cxnSp>
+      <p:cxnSp>
+        <p:nvCxnSpPr>
+          <p:cNvPr id="63" name="直接箭头连接符 62"/>
+          <p:cNvCxnSpPr>
+            <a:stCxn id="56" idx="3"/>
+            <a:endCxn id="61" idx="1"/>
+          </p:cNvCxnSpPr>
+          <p:nvPr/>
+        </p:nvCxnSpPr>
+        <p:spPr>
+          <a:xfrm>
+            <a:off x="3042920" y="5435600"/>
+            <a:ext cx="487045" cy="0"/>
+          </a:xfrm>
+          <a:prstGeom prst="straightConnector1">
+            <a:avLst/>
+          </a:prstGeom>
+          <a:ln>
+            <a:tailEnd type="arrow" w="med" len="med"/>
+          </a:ln>
+        </p:spPr>
+        <p:style>
+          <a:lnRef idx="1">
+            <a:schemeClr val="dk1"/>
+          </a:lnRef>
+          <a:fillRef idx="0">
+            <a:schemeClr val="dk1"/>
+          </a:fillRef>
+          <a:effectRef idx="0">
+            <a:schemeClr val="dk1"/>
+          </a:effectRef>
+          <a:fontRef idx="minor">
+            <a:schemeClr val="tx1"/>
+          </a:fontRef>
+        </p:style>
+      </p:cxnSp>
+      <p:cxnSp>
+        <p:nvCxnSpPr>
+          <p:cNvPr id="64" name="直接箭头连接符 63"/>
+          <p:cNvCxnSpPr>
+            <a:stCxn id="46" idx="3"/>
+            <a:endCxn id="58" idx="1"/>
+          </p:cNvCxnSpPr>
+          <p:nvPr/>
+        </p:nvCxnSpPr>
+        <p:spPr>
+          <a:xfrm>
+            <a:off x="3042920" y="4582160"/>
+            <a:ext cx="486410" cy="0"/>
+          </a:xfrm>
+          <a:prstGeom prst="straightConnector1">
+            <a:avLst/>
+          </a:prstGeom>
+          <a:ln>
+            <a:tailEnd type="arrow" w="med" len="med"/>
+          </a:ln>
+        </p:spPr>
+        <p:style>
+          <a:lnRef idx="1">
+            <a:schemeClr val="dk1"/>
+          </a:lnRef>
+          <a:fillRef idx="0">
+            <a:schemeClr val="dk1"/>
+          </a:fillRef>
+          <a:effectRef idx="0">
+            <a:schemeClr val="dk1"/>
+          </a:effectRef>
+          <a:fontRef idx="minor">
+            <a:schemeClr val="tx1"/>
+          </a:fontRef>
+        </p:style>
+      </p:cxnSp>
+      <p:cxnSp>
+        <p:nvCxnSpPr>
+          <p:cNvPr id="65" name="直接箭头连接符 64"/>
+          <p:cNvCxnSpPr>
+            <a:stCxn id="47" idx="3"/>
+            <a:endCxn id="59" idx="1"/>
+          </p:cNvCxnSpPr>
+          <p:nvPr/>
+        </p:nvCxnSpPr>
+        <p:spPr>
+          <a:xfrm>
+            <a:off x="3042920" y="4810760"/>
+            <a:ext cx="487045" cy="5080"/>
+          </a:xfrm>
+          <a:prstGeom prst="straightConnector1">
+            <a:avLst/>
+          </a:prstGeom>
+          <a:ln>
+            <a:tailEnd type="arrow" w="med" len="med"/>
+          </a:ln>
+        </p:spPr>
+        <p:style>
+          <a:lnRef idx="1">
+            <a:schemeClr val="dk1"/>
+          </a:lnRef>
+          <a:fillRef idx="0">
+            <a:schemeClr val="dk1"/>
+          </a:fillRef>
+          <a:effectRef idx="0">
+            <a:schemeClr val="dk1"/>
+          </a:effectRef>
+          <a:fontRef idx="minor">
+            <a:schemeClr val="tx1"/>
+          </a:fontRef>
+        </p:style>
+      </p:cxnSp>
+      <p:sp>
+        <p:nvSpPr>
+          <p:cNvPr id="66" name="圆角矩形 65"/>
+          <p:cNvSpPr/>
+          <p:nvPr/>
+        </p:nvSpPr>
+        <p:spPr>
+          <a:xfrm>
+            <a:off x="4627880" y="4582160"/>
+            <a:ext cx="589280" cy="784225"/>
+          </a:xfrm>
+          <a:prstGeom prst="roundRect">
+            <a:avLst/>
+          </a:prstGeom>
+          <a:solidFill>
+            <a:schemeClr val="bg1"/>
+          </a:solidFill>
+          <a:ln w="28575" cmpd="sng">
+            <a:solidFill>
+              <a:schemeClr val="accent1">
+                <a:shade val="50000"/>
+              </a:schemeClr>
+            </a:solidFill>
+            <a:prstDash val="solid"/>
+          </a:ln>
+        </p:spPr>
+        <p:style>
+          <a:lnRef idx="2">
+            <a:schemeClr val="accent1">
+              <a:shade val="50000"/>
+            </a:schemeClr>
+          </a:lnRef>
+          <a:fillRef idx="1">
+            <a:schemeClr val="accent1"/>
+          </a:fillRef>
+          <a:effectRef idx="0">
+            <a:schemeClr val="accent1"/>
+          </a:effectRef>
+          <a:fontRef idx="minor">
+            <a:schemeClr val="lt1"/>
+          </a:fontRef>
+        </p:style>
+        <p:txBody>
+          <a:bodyPr rtlCol="0" anchor="ctr"/>
+          <a:p>
+            <a:pPr algn="ctr"/>
+            <a:endParaRPr lang="zh-CN" altLang="en-US"/>
+          </a:p>
+        </p:txBody>
+      </p:sp>
+      <p:sp>
+        <p:nvSpPr>
+          <p:cNvPr id="67" name="圆角矩形 66"/>
+          <p:cNvSpPr/>
+          <p:nvPr/>
+        </p:nvSpPr>
+        <p:spPr>
+          <a:xfrm>
+            <a:off x="4743450" y="4888230"/>
+            <a:ext cx="358140" cy="149860"/>
+          </a:xfrm>
+          <a:prstGeom prst="roundRect">
+            <a:avLst/>
+          </a:prstGeom>
+        </p:spPr>
+        <p:style>
+          <a:lnRef idx="2">
+            <a:schemeClr val="accent1">
+              <a:shade val="50000"/>
+            </a:schemeClr>
+          </a:lnRef>
+          <a:fillRef idx="1">
+            <a:schemeClr val="accent1"/>
+          </a:fillRef>
+          <a:effectRef idx="0">
+            <a:schemeClr val="accent1"/>
+          </a:effectRef>
+          <a:fontRef idx="minor">
+            <a:schemeClr val="lt1"/>
+          </a:fontRef>
+        </p:style>
+        <p:txBody>
+          <a:bodyPr rtlCol="0" anchor="ctr"/>
+          <a:p>
+            <a:pPr algn="ctr"/>
+            <a:endParaRPr lang="zh-CN" altLang="en-US"/>
+          </a:p>
+        </p:txBody>
+      </p:sp>
+      <p:sp>
+        <p:nvSpPr>
+          <p:cNvPr id="68" name="圆角矩形 67"/>
+          <p:cNvSpPr/>
+          <p:nvPr/>
+        </p:nvSpPr>
+        <p:spPr>
+          <a:xfrm>
+            <a:off x="4743450" y="5109210"/>
+            <a:ext cx="358140" cy="149860"/>
+          </a:xfrm>
+          <a:prstGeom prst="roundRect">
+            <a:avLst/>
+          </a:prstGeom>
+        </p:spPr>
+        <p:style>
+          <a:lnRef idx="2">
+            <a:schemeClr val="accent1">
+              <a:shade val="50000"/>
+            </a:schemeClr>
+          </a:lnRef>
+          <a:fillRef idx="1">
+            <a:schemeClr val="accent1"/>
+          </a:fillRef>
+          <a:effectRef idx="0">
+            <a:schemeClr val="accent1"/>
+          </a:effectRef>
+          <a:fontRef idx="minor">
+            <a:schemeClr val="lt1"/>
+          </a:fontRef>
+        </p:style>
+        <p:txBody>
+          <a:bodyPr rtlCol="0" anchor="ctr"/>
+          <a:p>
+            <a:pPr algn="ctr"/>
+            <a:endParaRPr lang="zh-CN" altLang="en-US"/>
+          </a:p>
+        </p:txBody>
+      </p:sp>
+      <p:sp>
+        <p:nvSpPr>
+          <p:cNvPr id="69" name="圆角矩形 68"/>
+          <p:cNvSpPr/>
+          <p:nvPr/>
+        </p:nvSpPr>
+        <p:spPr>
+          <a:xfrm>
+            <a:off x="4743450" y="4667250"/>
+            <a:ext cx="358140" cy="149860"/>
+          </a:xfrm>
+          <a:prstGeom prst="roundRect">
+            <a:avLst/>
+          </a:prstGeom>
+        </p:spPr>
+        <p:style>
+          <a:lnRef idx="2">
+            <a:schemeClr val="accent1">
+              <a:shade val="50000"/>
+            </a:schemeClr>
+          </a:lnRef>
+          <a:fillRef idx="1">
+            <a:schemeClr val="accent1"/>
+          </a:fillRef>
+          <a:effectRef idx="0">
+            <a:schemeClr val="accent1"/>
+          </a:effectRef>
+          <a:fontRef idx="minor">
+            <a:schemeClr val="lt1"/>
+          </a:fontRef>
+        </p:style>
+        <p:txBody>
+          <a:bodyPr rtlCol="0" anchor="ctr"/>
+          <a:p>
+            <a:pPr algn="ctr"/>
+            <a:endParaRPr lang="zh-CN" altLang="en-US"/>
+          </a:p>
+        </p:txBody>
+      </p:sp>
+      <p:cxnSp>
+        <p:nvCxnSpPr>
+          <p:cNvPr id="73" name="直接箭头连接符 72"/>
+          <p:cNvCxnSpPr>
+            <a:stCxn id="58" idx="3"/>
+            <a:endCxn id="69" idx="1"/>
+          </p:cNvCxnSpPr>
+          <p:nvPr/>
+        </p:nvCxnSpPr>
+        <p:spPr>
+          <a:xfrm>
+            <a:off x="3887470" y="4582160"/>
+            <a:ext cx="855980" cy="160020"/>
+          </a:xfrm>
+          <a:prstGeom prst="straightConnector1">
+            <a:avLst/>
+          </a:prstGeom>
+          <a:ln>
+            <a:tailEnd type="arrow" w="med" len="med"/>
+          </a:ln>
+        </p:spPr>
+        <p:style>
+          <a:lnRef idx="1">
+            <a:schemeClr val="dk1"/>
+          </a:lnRef>
+          <a:fillRef idx="0">
+            <a:schemeClr val="dk1"/>
+          </a:fillRef>
+          <a:effectRef idx="0">
+            <a:schemeClr val="dk1"/>
+          </a:effectRef>
+          <a:fontRef idx="minor">
+            <a:schemeClr val="tx1"/>
+          </a:fontRef>
+        </p:style>
+      </p:cxnSp>
+      <p:cxnSp>
+        <p:nvCxnSpPr>
+          <p:cNvPr id="74" name="直接箭头连接符 73"/>
+          <p:cNvCxnSpPr>
+            <a:stCxn id="59" idx="3"/>
+            <a:endCxn id="67" idx="1"/>
+          </p:cNvCxnSpPr>
+          <p:nvPr/>
+        </p:nvCxnSpPr>
+        <p:spPr>
+          <a:xfrm>
+            <a:off x="3888105" y="4815840"/>
+            <a:ext cx="855345" cy="147320"/>
+          </a:xfrm>
+          <a:prstGeom prst="straightConnector1">
+            <a:avLst/>
+          </a:prstGeom>
+          <a:ln>
+            <a:tailEnd type="arrow" w="med" len="med"/>
+          </a:ln>
+        </p:spPr>
+        <p:style>
+          <a:lnRef idx="1">
+            <a:schemeClr val="dk1"/>
+          </a:lnRef>
+          <a:fillRef idx="0">
+            <a:schemeClr val="dk1"/>
+          </a:fillRef>
+          <a:effectRef idx="0">
+            <a:schemeClr val="dk1"/>
+          </a:effectRef>
+          <a:fontRef idx="minor">
+            <a:schemeClr val="tx1"/>
+          </a:fontRef>
+        </p:style>
+      </p:cxnSp>
+      <p:cxnSp>
+        <p:nvCxnSpPr>
+          <p:cNvPr id="75" name="直接箭头连接符 74"/>
+          <p:cNvCxnSpPr>
+            <a:stCxn id="60" idx="3"/>
+            <a:endCxn id="68" idx="1"/>
+          </p:cNvCxnSpPr>
+          <p:nvPr/>
+        </p:nvCxnSpPr>
+        <p:spPr>
+          <a:xfrm flipV="1">
+            <a:off x="3888105" y="5184140"/>
+            <a:ext cx="855345" cy="22860"/>
+          </a:xfrm>
+          <a:prstGeom prst="straightConnector1">
+            <a:avLst/>
+          </a:prstGeom>
+          <a:ln>
+            <a:tailEnd type="arrow" w="med" len="med"/>
+          </a:ln>
+        </p:spPr>
+        <p:style>
+          <a:lnRef idx="1">
+            <a:schemeClr val="dk1"/>
+          </a:lnRef>
+          <a:fillRef idx="0">
+            <a:schemeClr val="dk1"/>
+          </a:fillRef>
+          <a:effectRef idx="0">
+            <a:schemeClr val="dk1"/>
+          </a:effectRef>
+          <a:fontRef idx="minor">
+            <a:schemeClr val="tx1"/>
+          </a:fontRef>
+        </p:style>
+      </p:cxnSp>
+      <p:cxnSp>
+        <p:nvCxnSpPr>
+          <p:cNvPr id="76" name="直接箭头连接符 75"/>
+          <p:cNvCxnSpPr>
+            <a:stCxn id="58" idx="3"/>
+            <a:endCxn id="67" idx="1"/>
+          </p:cNvCxnSpPr>
+          <p:nvPr/>
+        </p:nvCxnSpPr>
+        <p:spPr>
+          <a:xfrm>
+            <a:off x="3887470" y="4582160"/>
+            <a:ext cx="855980" cy="381000"/>
+          </a:xfrm>
+          <a:prstGeom prst="straightConnector1">
+            <a:avLst/>
+          </a:prstGeom>
+          <a:ln>
+            <a:tailEnd type="arrow" w="med" len="med"/>
+          </a:ln>
+        </p:spPr>
+        <p:style>
+          <a:lnRef idx="1">
+            <a:schemeClr val="dk1"/>
+          </a:lnRef>
+          <a:fillRef idx="0">
+            <a:schemeClr val="dk1"/>
+          </a:fillRef>
+          <a:effectRef idx="0">
+            <a:schemeClr val="dk1"/>
+          </a:effectRef>
+          <a:fontRef idx="minor">
+            <a:schemeClr val="tx1"/>
+          </a:fontRef>
+        </p:style>
+      </p:cxnSp>
+      <p:cxnSp>
+        <p:nvCxnSpPr>
+          <p:cNvPr id="77" name="直接箭头连接符 76"/>
+          <p:cNvCxnSpPr>
+            <a:stCxn id="58" idx="3"/>
+            <a:endCxn id="68" idx="1"/>
+          </p:cNvCxnSpPr>
+          <p:nvPr/>
+        </p:nvCxnSpPr>
+        <p:spPr>
+          <a:xfrm>
+            <a:off x="3887470" y="4582160"/>
+            <a:ext cx="855980" cy="601980"/>
+          </a:xfrm>
+          <a:prstGeom prst="straightConnector1">
+            <a:avLst/>
+          </a:prstGeom>
+          <a:ln>
+            <a:tailEnd type="arrow" w="med" len="med"/>
+          </a:ln>
+        </p:spPr>
+        <p:style>
+          <a:lnRef idx="1">
+            <a:schemeClr val="dk1"/>
+          </a:lnRef>
+          <a:fillRef idx="0">
+            <a:schemeClr val="dk1"/>
+          </a:fillRef>
+          <a:effectRef idx="0">
+            <a:schemeClr val="dk1"/>
+          </a:effectRef>
+          <a:fontRef idx="minor">
+            <a:schemeClr val="tx1"/>
+          </a:fontRef>
+        </p:style>
+      </p:cxnSp>
+      <p:cxnSp>
+        <p:nvCxnSpPr>
+          <p:cNvPr id="78" name="直接箭头连接符 77"/>
+          <p:cNvCxnSpPr>
+            <a:stCxn id="59" idx="3"/>
+            <a:endCxn id="69" idx="1"/>
+          </p:cNvCxnSpPr>
+          <p:nvPr/>
+        </p:nvCxnSpPr>
+        <p:spPr>
+          <a:xfrm flipV="1">
+            <a:off x="3888105" y="4742180"/>
+            <a:ext cx="855345" cy="73660"/>
+          </a:xfrm>
+          <a:prstGeom prst="straightConnector1">
+            <a:avLst/>
+          </a:prstGeom>
+          <a:ln>
+            <a:tailEnd type="arrow" w="med" len="med"/>
+          </a:ln>
+        </p:spPr>
+        <p:style>
+          <a:lnRef idx="1">
+            <a:schemeClr val="dk1"/>
+          </a:lnRef>
+          <a:fillRef idx="0">
+            <a:schemeClr val="dk1"/>
+          </a:fillRef>
+          <a:effectRef idx="0">
+            <a:schemeClr val="dk1"/>
+          </a:effectRef>
+          <a:fontRef idx="minor">
+            <a:schemeClr val="tx1"/>
+          </a:fontRef>
+        </p:style>
+      </p:cxnSp>
+      <p:cxnSp>
+        <p:nvCxnSpPr>
+          <p:cNvPr id="79" name="直接箭头连接符 78"/>
+          <p:cNvCxnSpPr>
+            <a:stCxn id="59" idx="3"/>
+            <a:endCxn id="68" idx="1"/>
+          </p:cNvCxnSpPr>
+          <p:nvPr/>
+        </p:nvCxnSpPr>
+        <p:spPr>
+          <a:xfrm>
+            <a:off x="3888105" y="4815840"/>
+            <a:ext cx="855345" cy="368300"/>
+          </a:xfrm>
+          <a:prstGeom prst="straightConnector1">
+            <a:avLst/>
+          </a:prstGeom>
+          <a:ln>
+            <a:tailEnd type="arrow" w="med" len="med"/>
+          </a:ln>
+        </p:spPr>
+        <p:style>
+          <a:lnRef idx="1">
+            <a:schemeClr val="dk1"/>
+          </a:lnRef>
+          <a:fillRef idx="0">
+            <a:schemeClr val="dk1"/>
+          </a:fillRef>
+          <a:effectRef idx="0">
+            <a:schemeClr val="dk1"/>
+          </a:effectRef>
+          <a:fontRef idx="minor">
+            <a:schemeClr val="tx1"/>
+          </a:fontRef>
+        </p:style>
+      </p:cxnSp>
+      <p:cxnSp>
+        <p:nvCxnSpPr>
+          <p:cNvPr id="80" name="直接箭头连接符 79"/>
+          <p:cNvCxnSpPr>
+            <a:stCxn id="60" idx="3"/>
+            <a:endCxn id="69" idx="1"/>
+          </p:cNvCxnSpPr>
+          <p:nvPr/>
+        </p:nvCxnSpPr>
+        <p:spPr>
+          <a:xfrm flipV="1">
+            <a:off x="3888105" y="4742180"/>
+            <a:ext cx="855345" cy="464820"/>
+          </a:xfrm>
+          <a:prstGeom prst="straightConnector1">
+            <a:avLst/>
+          </a:prstGeom>
+          <a:ln>
+            <a:tailEnd type="arrow" w="med" len="med"/>
+          </a:ln>
+        </p:spPr>
+        <p:style>
+          <a:lnRef idx="1">
+            <a:schemeClr val="dk1"/>
+          </a:lnRef>
+          <a:fillRef idx="0">
+            <a:schemeClr val="dk1"/>
+          </a:fillRef>
+          <a:effectRef idx="0">
+            <a:schemeClr val="dk1"/>
+          </a:effectRef>
+          <a:fontRef idx="minor">
+            <a:schemeClr val="tx1"/>
+          </a:fontRef>
+        </p:style>
+      </p:cxnSp>
+      <p:cxnSp>
+        <p:nvCxnSpPr>
+          <p:cNvPr id="81" name="直接箭头连接符 80"/>
+          <p:cNvCxnSpPr>
+            <a:stCxn id="60" idx="3"/>
+            <a:endCxn id="67" idx="1"/>
+          </p:cNvCxnSpPr>
+          <p:nvPr/>
+        </p:nvCxnSpPr>
+        <p:spPr>
+          <a:xfrm flipV="1">
+            <a:off x="3888105" y="4963160"/>
+            <a:ext cx="855345" cy="243840"/>
+          </a:xfrm>
+          <a:prstGeom prst="straightConnector1">
+            <a:avLst/>
+          </a:prstGeom>
+          <a:ln>
+            <a:tailEnd type="arrow" w="med" len="med"/>
+          </a:ln>
+        </p:spPr>
+        <p:style>
+          <a:lnRef idx="1">
+            <a:schemeClr val="dk1"/>
+          </a:lnRef>
+          <a:fillRef idx="0">
+            <a:schemeClr val="dk1"/>
+          </a:fillRef>
+          <a:effectRef idx="0">
+            <a:schemeClr val="dk1"/>
+          </a:effectRef>
+          <a:fontRef idx="minor">
+            <a:schemeClr val="tx1"/>
+          </a:fontRef>
+        </p:style>
+      </p:cxnSp>
+      <p:cxnSp>
+        <p:nvCxnSpPr>
+          <p:cNvPr id="82" name="直接箭头连接符 81"/>
+          <p:cNvCxnSpPr>
+            <a:stCxn id="61" idx="3"/>
+            <a:endCxn id="69" idx="1"/>
+          </p:cNvCxnSpPr>
+          <p:nvPr/>
+        </p:nvCxnSpPr>
+        <p:spPr>
+          <a:xfrm flipV="1">
+            <a:off x="3888105" y="4742180"/>
+            <a:ext cx="855345" cy="693420"/>
+          </a:xfrm>
+          <a:prstGeom prst="straightConnector1">
+            <a:avLst/>
+          </a:prstGeom>
+          <a:ln>
+            <a:tailEnd type="arrow" w="med" len="med"/>
+          </a:ln>
+        </p:spPr>
+        <p:style>
+          <a:lnRef idx="1">
+            <a:schemeClr val="dk1"/>
+          </a:lnRef>
+          <a:fillRef idx="0">
+            <a:schemeClr val="dk1"/>
+          </a:fillRef>
+          <a:effectRef idx="0">
+            <a:schemeClr val="dk1"/>
+          </a:effectRef>
+          <a:fontRef idx="minor">
+            <a:schemeClr val="tx1"/>
+          </a:fontRef>
+        </p:style>
+      </p:cxnSp>
+      <p:cxnSp>
+        <p:nvCxnSpPr>
+          <p:cNvPr id="83" name="直接箭头连接符 82"/>
+          <p:cNvCxnSpPr>
+            <a:stCxn id="61" idx="3"/>
+            <a:endCxn id="67" idx="1"/>
+          </p:cNvCxnSpPr>
+          <p:nvPr/>
+        </p:nvCxnSpPr>
+        <p:spPr>
+          <a:xfrm flipV="1">
+            <a:off x="3888105" y="4963160"/>
+            <a:ext cx="855345" cy="472440"/>
+          </a:xfrm>
+          <a:prstGeom prst="straightConnector1">
+            <a:avLst/>
+          </a:prstGeom>
+          <a:ln>
+            <a:tailEnd type="arrow" w="med" len="med"/>
+          </a:ln>
+        </p:spPr>
+        <p:style>
+          <a:lnRef idx="1">
+            <a:schemeClr val="dk1"/>
+          </a:lnRef>
+          <a:fillRef idx="0">
+            <a:schemeClr val="dk1"/>
+          </a:fillRef>
+          <a:effectRef idx="0">
+            <a:schemeClr val="dk1"/>
+          </a:effectRef>
+          <a:fontRef idx="minor">
+            <a:schemeClr val="tx1"/>
+          </a:fontRef>
+        </p:style>
+      </p:cxnSp>
+      <p:cxnSp>
+        <p:nvCxnSpPr>
+          <p:cNvPr id="84" name="直接箭头连接符 83"/>
+          <p:cNvCxnSpPr>
+            <a:stCxn id="61" idx="3"/>
+            <a:endCxn id="68" idx="1"/>
+          </p:cNvCxnSpPr>
+          <p:nvPr/>
+        </p:nvCxnSpPr>
+        <p:spPr>
+          <a:xfrm flipV="1">
+            <a:off x="3888105" y="5184140"/>
+            <a:ext cx="855345" cy="251460"/>
+          </a:xfrm>
+          <a:prstGeom prst="straightConnector1">
+            <a:avLst/>
+          </a:prstGeom>
+          <a:ln>
+            <a:tailEnd type="arrow" w="med" len="med"/>
+          </a:ln>
+        </p:spPr>
+        <p:style>
+          <a:lnRef idx="1">
+            <a:schemeClr val="dk1"/>
+          </a:lnRef>
+          <a:fillRef idx="0">
+            <a:schemeClr val="dk1"/>
+          </a:fillRef>
+          <a:effectRef idx="0">
+            <a:schemeClr val="dk1"/>
+          </a:effectRef>
+          <a:fontRef idx="minor">
+            <a:schemeClr val="tx1"/>
+          </a:fontRef>
+        </p:style>
+      </p:cxnSp>
+      <p:cxnSp>
+        <p:nvCxnSpPr>
+          <p:cNvPr id="6" name="直接箭头连接符 5"/>
+          <p:cNvCxnSpPr>
+            <a:stCxn id="69" idx="3"/>
+            <a:endCxn id="29" idx="1"/>
+          </p:cNvCxnSpPr>
+          <p:nvPr/>
+        </p:nvCxnSpPr>
+        <p:spPr>
+          <a:xfrm>
+            <a:off x="5101590" y="4742180"/>
+            <a:ext cx="663575" cy="0"/>
+          </a:xfrm>
+          <a:prstGeom prst="straightConnector1">
+            <a:avLst/>
+          </a:prstGeom>
+          <a:ln>
+            <a:tailEnd type="arrow" w="med" len="med"/>
+          </a:ln>
+        </p:spPr>
+        <p:style>
+          <a:lnRef idx="1">
+            <a:schemeClr val="dk1"/>
+          </a:lnRef>
+          <a:fillRef idx="0">
+            <a:schemeClr val="dk1"/>
+          </a:fillRef>
+          <a:effectRef idx="0">
+            <a:schemeClr val="dk1"/>
+          </a:effectRef>
+          <a:fontRef idx="minor">
+            <a:schemeClr val="tx1"/>
+          </a:fontRef>
+        </p:style>
+      </p:cxnSp>
+      <p:cxnSp>
+        <p:nvCxnSpPr>
+          <p:cNvPr id="7" name="直接箭头连接符 6"/>
+          <p:cNvCxnSpPr>
+            <a:stCxn id="67" idx="3"/>
+            <a:endCxn id="27" idx="1"/>
+          </p:cNvCxnSpPr>
+          <p:nvPr/>
+        </p:nvCxnSpPr>
+        <p:spPr>
+          <a:xfrm>
+            <a:off x="5101590" y="4963160"/>
+            <a:ext cx="663575" cy="0"/>
+          </a:xfrm>
+          <a:prstGeom prst="straightConnector1">
+            <a:avLst/>
+          </a:prstGeom>
+          <a:ln>
+            <a:tailEnd type="arrow" w="med" len="med"/>
+          </a:ln>
+        </p:spPr>
+        <p:style>
+          <a:lnRef idx="1">
+            <a:schemeClr val="dk1"/>
+          </a:lnRef>
+          <a:fillRef idx="0">
+            <a:schemeClr val="dk1"/>
+          </a:fillRef>
+          <a:effectRef idx="0">
+            <a:schemeClr val="dk1"/>
+          </a:effectRef>
+          <a:fontRef idx="minor">
+            <a:schemeClr val="tx1"/>
+          </a:fontRef>
+        </p:style>
+      </p:cxnSp>
+      <p:cxnSp>
+        <p:nvCxnSpPr>
+          <p:cNvPr id="8" name="直接箭头连接符 7"/>
+          <p:cNvCxnSpPr>
+            <a:stCxn id="68" idx="3"/>
+            <a:endCxn id="28" idx="1"/>
+          </p:cNvCxnSpPr>
+          <p:nvPr/>
+        </p:nvCxnSpPr>
+        <p:spPr>
+          <a:xfrm>
+            <a:off x="5101590" y="5184140"/>
+            <a:ext cx="663575" cy="0"/>
+          </a:xfrm>
+          <a:prstGeom prst="straightConnector1">
+            <a:avLst/>
+          </a:prstGeom>
+          <a:ln>
+            <a:tailEnd type="arrow" w="med" len="med"/>
+          </a:ln>
+        </p:spPr>
+        <p:style>
+          <a:lnRef idx="1">
+            <a:schemeClr val="dk1"/>
+          </a:lnRef>
+          <a:fillRef idx="0">
+            <a:schemeClr val="dk1"/>
+          </a:fillRef>
+          <a:effectRef idx="0">
+            <a:schemeClr val="dk1"/>
+          </a:effectRef>
+          <a:fontRef idx="minor">
+            <a:schemeClr val="tx1"/>
+          </a:fontRef>
+        </p:style>
+      </p:cxnSp>
+      <p:sp>
+        <p:nvSpPr>
+          <p:cNvPr id="9" name="圆角矩形 8"/>
+          <p:cNvSpPr/>
+          <p:nvPr/>
+        </p:nvSpPr>
+        <p:spPr>
+          <a:xfrm>
+            <a:off x="9317990" y="4260215"/>
+            <a:ext cx="1097915" cy="1638935"/>
+          </a:xfrm>
+          <a:prstGeom prst="roundRect">
+            <a:avLst/>
+          </a:prstGeom>
+          <a:solidFill>
+            <a:schemeClr val="bg1"/>
+          </a:solidFill>
+          <a:ln w="28575" cmpd="sng">
+            <a:solidFill>
+              <a:schemeClr val="bg2">
+                <a:lumMod val="65000"/>
+              </a:schemeClr>
+            </a:solidFill>
+            <a:prstDash val="sysDash"/>
+          </a:ln>
+        </p:spPr>
+        <p:style>
+          <a:lnRef idx="2">
+            <a:schemeClr val="accent1">
+              <a:shade val="50000"/>
+            </a:schemeClr>
+          </a:lnRef>
+          <a:fillRef idx="1">
+            <a:schemeClr val="accent1"/>
+          </a:fillRef>
+          <a:effectRef idx="0">
+            <a:schemeClr val="accent1"/>
+          </a:effectRef>
+          <a:fontRef idx="minor">
+            <a:schemeClr val="lt1"/>
+          </a:fontRef>
+        </p:style>
+        <p:txBody>
+          <a:bodyPr rtlCol="0" anchor="ctr"/>
+          <a:p>
+            <a:pPr algn="ctr"/>
+            <a:endParaRPr lang="zh-CN" altLang="en-US"/>
+          </a:p>
+        </p:txBody>
+      </p:sp>
+      <p:sp>
+        <p:nvSpPr>
+          <p:cNvPr id="120" name="圆角矩形 119"/>
+          <p:cNvSpPr/>
+          <p:nvPr/>
+        </p:nvSpPr>
+        <p:spPr>
+          <a:xfrm>
+            <a:off x="9404350" y="4311650"/>
+            <a:ext cx="912495" cy="1179830"/>
+          </a:xfrm>
+          <a:prstGeom prst="roundRect">
+            <a:avLst/>
+          </a:prstGeom>
+          <a:solidFill>
+            <a:schemeClr val="bg1"/>
+          </a:solidFill>
+          <a:ln w="28575" cmpd="sng">
+            <a:solidFill>
+              <a:schemeClr val="accent1">
+                <a:shade val="50000"/>
+              </a:schemeClr>
+            </a:solidFill>
+            <a:prstDash val="solid"/>
+          </a:ln>
+        </p:spPr>
+        <p:style>
+          <a:lnRef idx="2">
+            <a:schemeClr val="accent1">
+              <a:shade val="50000"/>
+            </a:schemeClr>
+          </a:lnRef>
+          <a:fillRef idx="1">
+            <a:schemeClr val="accent1"/>
+          </a:fillRef>
+          <a:effectRef idx="0">
+            <a:schemeClr val="accent1"/>
+          </a:effectRef>
+          <a:fontRef idx="minor">
+            <a:schemeClr val="lt1"/>
+          </a:fontRef>
+        </p:style>
+        <p:txBody>
+          <a:bodyPr rtlCol="0" anchor="ctr"/>
+          <a:p>
+            <a:pPr algn="ctr"/>
+            <a:endParaRPr lang="zh-CN" altLang="en-US"/>
+          </a:p>
+        </p:txBody>
+      </p:sp>
+      <p:sp>
+        <p:nvSpPr>
+          <p:cNvPr id="10" name="文本框 9"/>
+          <p:cNvSpPr txBox="1"/>
+          <p:nvPr/>
+        </p:nvSpPr>
+        <p:spPr>
+          <a:xfrm>
+            <a:off x="9317990" y="5501005"/>
+            <a:ext cx="1120775" cy="398780"/>
+          </a:xfrm>
+          <a:prstGeom prst="rect">
+            <a:avLst/>
+          </a:prstGeom>
+          <a:noFill/>
+        </p:spPr>
+        <p:txBody>
+          <a:bodyPr wrap="square" rtlCol="0">
+            <a:spAutoFit/>
+          </a:bodyPr>
+          <a:p>
+            <a:r>
+              <a:rPr lang="en-US" altLang="zh-CN" sz="2000">
+                <a:solidFill>
+                  <a:schemeClr val="bg2">
+                    <a:lumMod val="65000"/>
+                  </a:schemeClr>
+                </a:solidFill>
+                <a:latin typeface="微软雅黑" panose="020B0503020204020204" charset="-122"/>
+                <a:ea typeface="微软雅黑" panose="020B0503020204020204" charset="-122"/>
+              </a:rPr>
+              <a:t>Stage 2</a:t>
+            </a:r>
+            <a:endParaRPr lang="en-US" altLang="zh-CN" sz="2000">
+              <a:solidFill>
+                <a:schemeClr val="bg2">
+                  <a:lumMod val="65000"/>
+                </a:schemeClr>
+              </a:solidFill>
+              <a:latin typeface="微软雅黑" panose="020B0503020204020204" charset="-122"/>
+              <a:ea typeface="微软雅黑" panose="020B0503020204020204" charset="-122"/>
+            </a:endParaRPr>
+          </a:p>
+        </p:txBody>
+      </p:sp>
+      <p:sp>
+        <p:nvSpPr>
+          <p:cNvPr id="11" name="圆角矩形 10"/>
+          <p:cNvSpPr/>
+          <p:nvPr/>
+        </p:nvSpPr>
+        <p:spPr>
+          <a:xfrm>
+            <a:off x="7950835" y="4260215"/>
+            <a:ext cx="1064260" cy="1639570"/>
+          </a:xfrm>
+          <a:prstGeom prst="roundRect">
+            <a:avLst/>
+          </a:prstGeom>
+          <a:solidFill>
+            <a:schemeClr val="bg1"/>
+          </a:solidFill>
+          <a:ln w="28575" cmpd="sng">
+            <a:solidFill>
+              <a:schemeClr val="bg2">
+                <a:lumMod val="65000"/>
+              </a:schemeClr>
+            </a:solidFill>
+            <a:prstDash val="sysDash"/>
+          </a:ln>
+        </p:spPr>
+        <p:style>
+          <a:lnRef idx="2">
+            <a:schemeClr val="accent1">
+              <a:shade val="50000"/>
+            </a:schemeClr>
+          </a:lnRef>
+          <a:fillRef idx="1">
+            <a:schemeClr val="accent1"/>
+          </a:fillRef>
+          <a:effectRef idx="0">
+            <a:schemeClr val="accent1"/>
+          </a:effectRef>
+          <a:fontRef idx="minor">
+            <a:schemeClr val="lt1"/>
+          </a:fontRef>
+        </p:style>
+        <p:txBody>
+          <a:bodyPr rtlCol="0" anchor="ctr"/>
+          <a:p>
+            <a:pPr algn="ctr"/>
+            <a:endParaRPr lang="zh-CN" altLang="en-US"/>
+          </a:p>
+        </p:txBody>
+      </p:sp>
+      <p:sp>
+        <p:nvSpPr>
+          <p:cNvPr id="12" name="文本框 11"/>
+          <p:cNvSpPr txBox="1"/>
+          <p:nvPr/>
+        </p:nvSpPr>
+        <p:spPr>
+          <a:xfrm>
+            <a:off x="7950835" y="5501005"/>
+            <a:ext cx="1116330" cy="398780"/>
+          </a:xfrm>
+          <a:prstGeom prst="rect">
+            <a:avLst/>
+          </a:prstGeom>
+          <a:noFill/>
+        </p:spPr>
+        <p:txBody>
+          <a:bodyPr wrap="square" rtlCol="0">
+            <a:spAutoFit/>
+          </a:bodyPr>
+          <a:p>
+            <a:r>
+              <a:rPr lang="en-US" altLang="zh-CN" sz="2000">
+                <a:solidFill>
+                  <a:schemeClr val="bg2">
+                    <a:lumMod val="65000"/>
+                  </a:schemeClr>
+                </a:solidFill>
+                <a:latin typeface="微软雅黑" panose="020B0503020204020204" charset="-122"/>
+                <a:ea typeface="微软雅黑" panose="020B0503020204020204" charset="-122"/>
+              </a:rPr>
+              <a:t>Stage 1</a:t>
+            </a:r>
+            <a:endParaRPr lang="en-US" altLang="zh-CN" sz="2000">
+              <a:solidFill>
+                <a:schemeClr val="bg2">
+                  <a:lumMod val="65000"/>
+                </a:schemeClr>
+              </a:solidFill>
+              <a:latin typeface="微软雅黑" panose="020B0503020204020204" charset="-122"/>
+              <a:ea typeface="微软雅黑" panose="020B0503020204020204" charset="-122"/>
+            </a:endParaRPr>
+          </a:p>
+        </p:txBody>
+      </p:sp>
+      <p:sp>
+        <p:nvSpPr>
+          <p:cNvPr id="88" name="圆角矩形 87"/>
+          <p:cNvSpPr/>
+          <p:nvPr/>
+        </p:nvSpPr>
+        <p:spPr>
+          <a:xfrm>
+            <a:off x="8102600" y="4321175"/>
+            <a:ext cx="765810" cy="1179830"/>
+          </a:xfrm>
+          <a:prstGeom prst="roundRect">
+            <a:avLst/>
+          </a:prstGeom>
+          <a:solidFill>
+            <a:schemeClr val="bg1"/>
+          </a:solidFill>
+          <a:ln w="28575" cmpd="sng">
+            <a:solidFill>
+              <a:schemeClr val="accent1">
+                <a:shade val="50000"/>
+              </a:schemeClr>
+            </a:solidFill>
+            <a:prstDash val="solid"/>
+          </a:ln>
+        </p:spPr>
+        <p:style>
+          <a:lnRef idx="2">
+            <a:schemeClr val="accent1">
+              <a:shade val="50000"/>
+            </a:schemeClr>
+          </a:lnRef>
+          <a:fillRef idx="1">
+            <a:schemeClr val="accent1"/>
+          </a:fillRef>
+          <a:effectRef idx="0">
+            <a:schemeClr val="accent1"/>
+          </a:effectRef>
+          <a:fontRef idx="minor">
+            <a:schemeClr val="lt1"/>
+          </a:fontRef>
+        </p:style>
+        <p:txBody>
+          <a:bodyPr rtlCol="0" anchor="ctr"/>
+          <a:p>
+            <a:pPr algn="ctr"/>
+            <a:endParaRPr lang="zh-CN" altLang="en-US"/>
+          </a:p>
+        </p:txBody>
+      </p:sp>
+      <p:cxnSp>
+        <p:nvCxnSpPr>
+          <p:cNvPr id="101" name="直接箭头连接符 100"/>
+          <p:cNvCxnSpPr>
+            <a:stCxn id="116" idx="3"/>
+            <a:endCxn id="121" idx="1"/>
+          </p:cNvCxnSpPr>
+          <p:nvPr/>
+        </p:nvCxnSpPr>
+        <p:spPr>
+          <a:xfrm>
+            <a:off x="8768080" y="4498340"/>
+            <a:ext cx="815975" cy="57785"/>
+          </a:xfrm>
+          <a:prstGeom prst="straightConnector1">
+            <a:avLst/>
+          </a:prstGeom>
+          <a:ln>
+            <a:tailEnd type="arrow" w="med" len="med"/>
+          </a:ln>
+        </p:spPr>
+        <p:style>
+          <a:lnRef idx="1">
+            <a:schemeClr val="dk1"/>
+          </a:lnRef>
+          <a:fillRef idx="0">
+            <a:schemeClr val="dk1"/>
+          </a:fillRef>
+          <a:effectRef idx="0">
+            <a:schemeClr val="dk1"/>
+          </a:effectRef>
+          <a:fontRef idx="minor">
+            <a:schemeClr val="tx1"/>
+          </a:fontRef>
+        </p:style>
+      </p:cxnSp>
+      <p:cxnSp>
+        <p:nvCxnSpPr>
+          <p:cNvPr id="102" name="直接箭头连接符 101"/>
+          <p:cNvCxnSpPr>
+            <a:stCxn id="117" idx="3"/>
+            <a:endCxn id="122" idx="1"/>
+          </p:cNvCxnSpPr>
+          <p:nvPr/>
+        </p:nvCxnSpPr>
+        <p:spPr>
+          <a:xfrm>
+            <a:off x="8768715" y="4788535"/>
+            <a:ext cx="808990" cy="103505"/>
+          </a:xfrm>
+          <a:prstGeom prst="straightConnector1">
+            <a:avLst/>
+          </a:prstGeom>
+          <a:ln>
+            <a:tailEnd type="arrow" w="med" len="med"/>
+          </a:ln>
+        </p:spPr>
+        <p:style>
+          <a:lnRef idx="1">
+            <a:schemeClr val="dk1"/>
+          </a:lnRef>
+          <a:fillRef idx="0">
+            <a:schemeClr val="dk1"/>
+          </a:fillRef>
+          <a:effectRef idx="0">
+            <a:schemeClr val="dk1"/>
+          </a:effectRef>
+          <a:fontRef idx="minor">
+            <a:schemeClr val="tx1"/>
+          </a:fontRef>
+        </p:style>
+      </p:cxnSp>
+      <p:cxnSp>
+        <p:nvCxnSpPr>
+          <p:cNvPr id="103" name="直接箭头连接符 102"/>
+          <p:cNvCxnSpPr>
+            <a:stCxn id="118" idx="3"/>
+            <a:endCxn id="123" idx="1"/>
+          </p:cNvCxnSpPr>
+          <p:nvPr/>
+        </p:nvCxnSpPr>
+        <p:spPr>
+          <a:xfrm>
+            <a:off x="8768715" y="5054600"/>
+            <a:ext cx="815340" cy="174625"/>
+          </a:xfrm>
+          <a:prstGeom prst="straightConnector1">
+            <a:avLst/>
+          </a:prstGeom>
+          <a:ln>
+            <a:tailEnd type="arrow" w="med" len="med"/>
+          </a:ln>
+        </p:spPr>
+        <p:style>
+          <a:lnRef idx="1">
+            <a:schemeClr val="dk1"/>
+          </a:lnRef>
+          <a:fillRef idx="0">
+            <a:schemeClr val="dk1"/>
+          </a:fillRef>
+          <a:effectRef idx="0">
+            <a:schemeClr val="dk1"/>
+          </a:effectRef>
+          <a:fontRef idx="minor">
+            <a:schemeClr val="tx1"/>
+          </a:fontRef>
+        </p:style>
+      </p:cxnSp>
+      <p:cxnSp>
+        <p:nvCxnSpPr>
+          <p:cNvPr id="104" name="直接箭头连接符 103"/>
+          <p:cNvCxnSpPr>
+            <a:stCxn id="116" idx="3"/>
+            <a:endCxn id="122" idx="1"/>
+          </p:cNvCxnSpPr>
+          <p:nvPr/>
+        </p:nvCxnSpPr>
+        <p:spPr>
+          <a:xfrm>
+            <a:off x="8768080" y="4498340"/>
+            <a:ext cx="809625" cy="393700"/>
+          </a:xfrm>
+          <a:prstGeom prst="straightConnector1">
+            <a:avLst/>
+          </a:prstGeom>
+          <a:ln>
+            <a:tailEnd type="arrow" w="med" len="med"/>
+          </a:ln>
+        </p:spPr>
+        <p:style>
+          <a:lnRef idx="1">
+            <a:schemeClr val="dk1"/>
+          </a:lnRef>
+          <a:fillRef idx="0">
+            <a:schemeClr val="dk1"/>
+          </a:fillRef>
+          <a:effectRef idx="0">
+            <a:schemeClr val="dk1"/>
+          </a:effectRef>
+          <a:fontRef idx="minor">
+            <a:schemeClr val="tx1"/>
+          </a:fontRef>
+        </p:style>
+      </p:cxnSp>
+      <p:cxnSp>
+        <p:nvCxnSpPr>
+          <p:cNvPr id="105" name="直接箭头连接符 104"/>
+          <p:cNvCxnSpPr>
+            <a:stCxn id="116" idx="3"/>
+            <a:endCxn id="123" idx="1"/>
+          </p:cNvCxnSpPr>
+          <p:nvPr/>
+        </p:nvCxnSpPr>
+        <p:spPr>
+          <a:xfrm>
+            <a:off x="8768080" y="4498340"/>
+            <a:ext cx="815975" cy="730885"/>
+          </a:xfrm>
+          <a:prstGeom prst="straightConnector1">
+            <a:avLst/>
+          </a:prstGeom>
+          <a:ln>
+            <a:tailEnd type="arrow" w="med" len="med"/>
+          </a:ln>
+        </p:spPr>
+        <p:style>
+          <a:lnRef idx="1">
+            <a:schemeClr val="dk1"/>
+          </a:lnRef>
+          <a:fillRef idx="0">
+            <a:schemeClr val="dk1"/>
+          </a:fillRef>
+          <a:effectRef idx="0">
+            <a:schemeClr val="dk1"/>
+          </a:effectRef>
+          <a:fontRef idx="minor">
+            <a:schemeClr val="tx1"/>
+          </a:fontRef>
+        </p:style>
+      </p:cxnSp>
+      <p:cxnSp>
+        <p:nvCxnSpPr>
+          <p:cNvPr id="106" name="直接箭头连接符 105"/>
+          <p:cNvCxnSpPr>
+            <a:stCxn id="117" idx="3"/>
+            <a:endCxn id="121" idx="1"/>
+          </p:cNvCxnSpPr>
+          <p:nvPr/>
+        </p:nvCxnSpPr>
+        <p:spPr>
+          <a:xfrm flipV="1">
+            <a:off x="8768715" y="4556125"/>
+            <a:ext cx="815340" cy="232410"/>
+          </a:xfrm>
+          <a:prstGeom prst="straightConnector1">
+            <a:avLst/>
+          </a:prstGeom>
+          <a:ln>
+            <a:tailEnd type="arrow" w="med" len="med"/>
+          </a:ln>
+        </p:spPr>
+        <p:style>
+          <a:lnRef idx="1">
+            <a:schemeClr val="dk1"/>
+          </a:lnRef>
+          <a:fillRef idx="0">
+            <a:schemeClr val="dk1"/>
+          </a:fillRef>
+          <a:effectRef idx="0">
+            <a:schemeClr val="dk1"/>
+          </a:effectRef>
+          <a:fontRef idx="minor">
+            <a:schemeClr val="tx1"/>
+          </a:fontRef>
+        </p:style>
+      </p:cxnSp>
+      <p:cxnSp>
+        <p:nvCxnSpPr>
+          <p:cNvPr id="107" name="直接箭头连接符 106"/>
+          <p:cNvCxnSpPr>
+            <a:stCxn id="117" idx="3"/>
+            <a:endCxn id="123" idx="1"/>
+          </p:cNvCxnSpPr>
+          <p:nvPr/>
+        </p:nvCxnSpPr>
+        <p:spPr>
+          <a:xfrm>
+            <a:off x="8768715" y="4788535"/>
+            <a:ext cx="815340" cy="440690"/>
+          </a:xfrm>
+          <a:prstGeom prst="straightConnector1">
+            <a:avLst/>
+          </a:prstGeom>
+          <a:ln>
+            <a:tailEnd type="arrow" w="med" len="med"/>
+          </a:ln>
+        </p:spPr>
+        <p:style>
+          <a:lnRef idx="1">
+            <a:schemeClr val="dk1"/>
+          </a:lnRef>
+          <a:fillRef idx="0">
+            <a:schemeClr val="dk1"/>
+          </a:fillRef>
+          <a:effectRef idx="0">
+            <a:schemeClr val="dk1"/>
+          </a:effectRef>
+          <a:fontRef idx="minor">
+            <a:schemeClr val="tx1"/>
+          </a:fontRef>
+        </p:style>
+      </p:cxnSp>
+      <p:cxnSp>
+        <p:nvCxnSpPr>
+          <p:cNvPr id="108" name="直接箭头连接符 107"/>
+          <p:cNvCxnSpPr>
+            <a:stCxn id="118" idx="3"/>
+            <a:endCxn id="121" idx="1"/>
+          </p:cNvCxnSpPr>
+          <p:nvPr/>
+        </p:nvCxnSpPr>
+        <p:spPr>
+          <a:xfrm flipV="1">
+            <a:off x="8768715" y="4556125"/>
+            <a:ext cx="815340" cy="498475"/>
+          </a:xfrm>
+          <a:prstGeom prst="straightConnector1">
+            <a:avLst/>
+          </a:prstGeom>
+          <a:ln>
+            <a:tailEnd type="arrow" w="med" len="med"/>
+          </a:ln>
+        </p:spPr>
+        <p:style>
+          <a:lnRef idx="1">
+            <a:schemeClr val="dk1"/>
+          </a:lnRef>
+          <a:fillRef idx="0">
+            <a:schemeClr val="dk1"/>
+          </a:fillRef>
+          <a:effectRef idx="0">
+            <a:schemeClr val="dk1"/>
+          </a:effectRef>
+          <a:fontRef idx="minor">
+            <a:schemeClr val="tx1"/>
+          </a:fontRef>
+        </p:style>
+      </p:cxnSp>
+      <p:cxnSp>
+        <p:nvCxnSpPr>
+          <p:cNvPr id="109" name="直接箭头连接符 108"/>
+          <p:cNvCxnSpPr>
+            <a:stCxn id="118" idx="3"/>
+            <a:endCxn id="122" idx="1"/>
+          </p:cNvCxnSpPr>
+          <p:nvPr/>
+        </p:nvCxnSpPr>
+        <p:spPr>
+          <a:xfrm flipV="1">
+            <a:off x="8768715" y="4892040"/>
+            <a:ext cx="808990" cy="162560"/>
+          </a:xfrm>
+          <a:prstGeom prst="straightConnector1">
+            <a:avLst/>
+          </a:prstGeom>
+          <a:ln>
+            <a:tailEnd type="arrow" w="med" len="med"/>
+          </a:ln>
+        </p:spPr>
+        <p:style>
+          <a:lnRef idx="1">
+            <a:schemeClr val="dk1"/>
+          </a:lnRef>
+          <a:fillRef idx="0">
+            <a:schemeClr val="dk1"/>
+          </a:fillRef>
+          <a:effectRef idx="0">
+            <a:schemeClr val="dk1"/>
+          </a:effectRef>
+          <a:fontRef idx="minor">
+            <a:schemeClr val="tx1"/>
+          </a:fontRef>
+        </p:style>
+      </p:cxnSp>
+      <p:cxnSp>
+        <p:nvCxnSpPr>
+          <p:cNvPr id="110" name="直接箭头连接符 109"/>
+          <p:cNvCxnSpPr>
+            <a:stCxn id="119" idx="3"/>
+            <a:endCxn id="121" idx="1"/>
+          </p:cNvCxnSpPr>
+          <p:nvPr/>
+        </p:nvCxnSpPr>
+        <p:spPr>
+          <a:xfrm flipV="1">
+            <a:off x="8768715" y="4556125"/>
+            <a:ext cx="815340" cy="775970"/>
+          </a:xfrm>
+          <a:prstGeom prst="straightConnector1">
+            <a:avLst/>
+          </a:prstGeom>
+          <a:ln>
+            <a:tailEnd type="arrow" w="med" len="med"/>
+          </a:ln>
+        </p:spPr>
+        <p:style>
+          <a:lnRef idx="1">
+            <a:schemeClr val="dk1"/>
+          </a:lnRef>
+          <a:fillRef idx="0">
+            <a:schemeClr val="dk1"/>
+          </a:fillRef>
+          <a:effectRef idx="0">
+            <a:schemeClr val="dk1"/>
+          </a:effectRef>
+          <a:fontRef idx="minor">
+            <a:schemeClr val="tx1"/>
+          </a:fontRef>
+        </p:style>
+      </p:cxnSp>
+      <p:cxnSp>
+        <p:nvCxnSpPr>
+          <p:cNvPr id="111" name="直接箭头连接符 110"/>
+          <p:cNvCxnSpPr>
+            <a:stCxn id="119" idx="3"/>
+            <a:endCxn id="122" idx="1"/>
+          </p:cNvCxnSpPr>
+          <p:nvPr/>
+        </p:nvCxnSpPr>
+        <p:spPr>
+          <a:xfrm flipV="1">
+            <a:off x="8768715" y="4892040"/>
+            <a:ext cx="808990" cy="440055"/>
+          </a:xfrm>
+          <a:prstGeom prst="straightConnector1">
+            <a:avLst/>
+          </a:prstGeom>
+          <a:ln>
+            <a:tailEnd type="arrow" w="med" len="med"/>
+          </a:ln>
+        </p:spPr>
+        <p:style>
+          <a:lnRef idx="1">
+            <a:schemeClr val="dk1"/>
+          </a:lnRef>
+          <a:fillRef idx="0">
+            <a:schemeClr val="dk1"/>
+          </a:fillRef>
+          <a:effectRef idx="0">
+            <a:schemeClr val="dk1"/>
+          </a:effectRef>
+          <a:fontRef idx="minor">
+            <a:schemeClr val="tx1"/>
+          </a:fontRef>
+        </p:style>
+      </p:cxnSp>
+      <p:cxnSp>
+        <p:nvCxnSpPr>
+          <p:cNvPr id="112" name="直接箭头连接符 111"/>
+          <p:cNvCxnSpPr>
+            <a:stCxn id="119" idx="3"/>
+            <a:endCxn id="123" idx="1"/>
+          </p:cNvCxnSpPr>
+          <p:nvPr/>
+        </p:nvCxnSpPr>
+        <p:spPr>
+          <a:xfrm flipV="1">
+            <a:off x="8768715" y="5229225"/>
+            <a:ext cx="815340" cy="102870"/>
+          </a:xfrm>
+          <a:prstGeom prst="straightConnector1">
+            <a:avLst/>
+          </a:prstGeom>
+          <a:ln>
+            <a:tailEnd type="arrow" w="med" len="med"/>
+          </a:ln>
+        </p:spPr>
+        <p:style>
+          <a:lnRef idx="1">
+            <a:schemeClr val="dk1"/>
+          </a:lnRef>
+          <a:fillRef idx="0">
+            <a:schemeClr val="dk1"/>
+          </a:fillRef>
+          <a:effectRef idx="0">
+            <a:schemeClr val="dk1"/>
+          </a:effectRef>
+          <a:fontRef idx="minor">
+            <a:schemeClr val="tx1"/>
+          </a:fontRef>
+        </p:style>
+      </p:cxnSp>
+      <p:sp>
+        <p:nvSpPr>
+          <p:cNvPr id="116" name="圆角矩形 115"/>
+          <p:cNvSpPr/>
+          <p:nvPr/>
+        </p:nvSpPr>
+        <p:spPr>
+          <a:xfrm>
+            <a:off x="8202295" y="4394835"/>
+            <a:ext cx="565785" cy="206375"/>
+          </a:xfrm>
+          <a:prstGeom prst="roundRect">
+            <a:avLst/>
+          </a:prstGeom>
+          <a:solidFill>
+            <a:schemeClr val="accent4"/>
+          </a:solidFill>
+        </p:spPr>
+        <p:style>
+          <a:lnRef idx="2">
+            <a:schemeClr val="accent1">
+              <a:shade val="50000"/>
+            </a:schemeClr>
+          </a:lnRef>
+          <a:fillRef idx="1">
+            <a:schemeClr val="accent1"/>
+          </a:fillRef>
+          <a:effectRef idx="0">
+            <a:schemeClr val="accent1"/>
+          </a:effectRef>
+          <a:fontRef idx="minor">
+            <a:schemeClr val="lt1"/>
+          </a:fontRef>
+        </p:style>
+        <p:txBody>
+          <a:bodyPr rtlCol="0" anchor="ctr"/>
+          <a:p>
+            <a:pPr algn="ctr"/>
+            <a:endParaRPr lang="zh-CN" altLang="en-US"/>
+          </a:p>
+        </p:txBody>
+      </p:sp>
+      <p:sp>
+        <p:nvSpPr>
+          <p:cNvPr id="117" name="圆角矩形 116"/>
+          <p:cNvSpPr/>
+          <p:nvPr/>
+        </p:nvSpPr>
+        <p:spPr>
+          <a:xfrm>
+            <a:off x="8202930" y="4685030"/>
+            <a:ext cx="565785" cy="206375"/>
+          </a:xfrm>
+          <a:prstGeom prst="roundRect">
+            <a:avLst/>
+          </a:prstGeom>
+          <a:solidFill>
+            <a:schemeClr val="accent4"/>
+          </a:solidFill>
+        </p:spPr>
+        <p:style>
+          <a:lnRef idx="2">
+            <a:schemeClr val="accent1">
+              <a:shade val="50000"/>
+            </a:schemeClr>
+          </a:lnRef>
+          <a:fillRef idx="1">
+            <a:schemeClr val="accent1"/>
+          </a:fillRef>
+          <a:effectRef idx="0">
+            <a:schemeClr val="accent1"/>
+          </a:effectRef>
+          <a:fontRef idx="minor">
+            <a:schemeClr val="lt1"/>
+          </a:fontRef>
+        </p:style>
+        <p:txBody>
+          <a:bodyPr rtlCol="0" anchor="ctr"/>
+          <a:p>
+            <a:pPr algn="ctr"/>
+            <a:endParaRPr lang="zh-CN" altLang="en-US"/>
+          </a:p>
+        </p:txBody>
+      </p:sp>
+      <p:sp>
+        <p:nvSpPr>
+          <p:cNvPr id="118" name="圆角矩形 117"/>
+          <p:cNvSpPr/>
+          <p:nvPr/>
+        </p:nvSpPr>
+        <p:spPr>
+          <a:xfrm>
+            <a:off x="8202930" y="4951095"/>
+            <a:ext cx="565785" cy="206375"/>
+          </a:xfrm>
+          <a:prstGeom prst="roundRect">
+            <a:avLst/>
+          </a:prstGeom>
+          <a:solidFill>
+            <a:schemeClr val="accent1"/>
+          </a:solidFill>
+        </p:spPr>
+        <p:style>
+          <a:lnRef idx="2">
+            <a:schemeClr val="accent1">
+              <a:shade val="50000"/>
+            </a:schemeClr>
+          </a:lnRef>
+          <a:fillRef idx="1">
+            <a:schemeClr val="accent1"/>
+          </a:fillRef>
+          <a:effectRef idx="0">
+            <a:schemeClr val="accent1"/>
+          </a:effectRef>
+          <a:fontRef idx="minor">
+            <a:schemeClr val="lt1"/>
+          </a:fontRef>
+        </p:style>
+        <p:txBody>
+          <a:bodyPr rtlCol="0" anchor="ctr"/>
+          <a:p>
+            <a:pPr algn="ctr"/>
+            <a:endParaRPr lang="zh-CN" altLang="en-US"/>
+          </a:p>
+        </p:txBody>
+      </p:sp>
+      <p:sp>
+        <p:nvSpPr>
+          <p:cNvPr id="119" name="圆角矩形 118"/>
+          <p:cNvSpPr/>
+          <p:nvPr/>
+        </p:nvSpPr>
+        <p:spPr>
+          <a:xfrm>
+            <a:off x="8202930" y="5228590"/>
+            <a:ext cx="565785" cy="206375"/>
+          </a:xfrm>
+          <a:prstGeom prst="roundRect">
+            <a:avLst/>
+          </a:prstGeom>
+          <a:solidFill>
+            <a:schemeClr val="accent1"/>
+          </a:solidFill>
+        </p:spPr>
+        <p:style>
+          <a:lnRef idx="2">
+            <a:schemeClr val="accent1">
+              <a:shade val="50000"/>
+            </a:schemeClr>
+          </a:lnRef>
+          <a:fillRef idx="1">
+            <a:schemeClr val="accent1"/>
+          </a:fillRef>
+          <a:effectRef idx="0">
+            <a:schemeClr val="accent1"/>
+          </a:effectRef>
+          <a:fontRef idx="minor">
+            <a:schemeClr val="lt1"/>
+          </a:fontRef>
+        </p:style>
+        <p:txBody>
+          <a:bodyPr rtlCol="0" anchor="ctr"/>
+          <a:p>
+            <a:pPr algn="ctr"/>
+            <a:endParaRPr lang="zh-CN" altLang="en-US"/>
+          </a:p>
+        </p:txBody>
+      </p:sp>
+      <p:sp>
+        <p:nvSpPr>
+          <p:cNvPr id="121" name="圆角矩形 120"/>
+          <p:cNvSpPr/>
+          <p:nvPr/>
+        </p:nvSpPr>
+        <p:spPr>
+          <a:xfrm>
+            <a:off x="9584055" y="4452620"/>
+            <a:ext cx="565785" cy="206375"/>
+          </a:xfrm>
+          <a:prstGeom prst="roundRect">
+            <a:avLst/>
+          </a:prstGeom>
+          <a:solidFill>
+            <a:schemeClr val="accent1"/>
+          </a:solidFill>
+        </p:spPr>
+        <p:style>
+          <a:lnRef idx="2">
+            <a:schemeClr val="accent1">
+              <a:shade val="50000"/>
+            </a:schemeClr>
+          </a:lnRef>
+          <a:fillRef idx="1">
+            <a:schemeClr val="accent1"/>
+          </a:fillRef>
+          <a:effectRef idx="0">
+            <a:schemeClr val="accent1"/>
+          </a:effectRef>
+          <a:fontRef idx="minor">
+            <a:schemeClr val="lt1"/>
+          </a:fontRef>
+        </p:style>
+        <p:txBody>
+          <a:bodyPr rtlCol="0" anchor="ctr"/>
+          <a:p>
+            <a:pPr algn="ctr"/>
+            <a:endParaRPr lang="zh-CN" altLang="en-US"/>
+          </a:p>
+        </p:txBody>
+      </p:sp>
+      <p:sp>
+        <p:nvSpPr>
+          <p:cNvPr id="122" name="圆角矩形 121"/>
+          <p:cNvSpPr/>
+          <p:nvPr/>
+        </p:nvSpPr>
+        <p:spPr>
+          <a:xfrm>
+            <a:off x="9577705" y="4788535"/>
+            <a:ext cx="565785" cy="206375"/>
+          </a:xfrm>
+          <a:prstGeom prst="roundRect">
+            <a:avLst/>
+          </a:prstGeom>
+          <a:solidFill>
+            <a:schemeClr val="accent1"/>
+          </a:solidFill>
+        </p:spPr>
+        <p:style>
+          <a:lnRef idx="2">
+            <a:schemeClr val="accent1">
+              <a:shade val="50000"/>
+            </a:schemeClr>
+          </a:lnRef>
+          <a:fillRef idx="1">
+            <a:schemeClr val="accent1"/>
+          </a:fillRef>
+          <a:effectRef idx="0">
+            <a:schemeClr val="accent1"/>
+          </a:effectRef>
+          <a:fontRef idx="minor">
+            <a:schemeClr val="lt1"/>
+          </a:fontRef>
+        </p:style>
+        <p:txBody>
+          <a:bodyPr rtlCol="0" anchor="ctr"/>
+          <a:p>
+            <a:pPr algn="ctr"/>
+            <a:endParaRPr lang="zh-CN" altLang="en-US"/>
+          </a:p>
+        </p:txBody>
+      </p:sp>
+      <p:sp>
+        <p:nvSpPr>
+          <p:cNvPr id="123" name="圆角矩形 122"/>
+          <p:cNvSpPr/>
+          <p:nvPr/>
+        </p:nvSpPr>
+        <p:spPr>
+          <a:xfrm>
+            <a:off x="9584055" y="5125720"/>
+            <a:ext cx="565785" cy="206375"/>
+          </a:xfrm>
+          <a:prstGeom prst="roundRect">
+            <a:avLst/>
+          </a:prstGeom>
+          <a:solidFill>
+            <a:schemeClr val="accent1"/>
+          </a:solidFill>
+        </p:spPr>
+        <p:style>
+          <a:lnRef idx="2">
+            <a:schemeClr val="accent1">
+              <a:shade val="50000"/>
+            </a:schemeClr>
+          </a:lnRef>
+          <a:fillRef idx="1">
+            <a:schemeClr val="accent1"/>
+          </a:fillRef>
+          <a:effectRef idx="0">
+            <a:schemeClr val="accent1"/>
+          </a:effectRef>
+          <a:fontRef idx="minor">
+            <a:schemeClr val="lt1"/>
+          </a:fontRef>
+        </p:style>
+        <p:txBody>
+          <a:bodyPr rtlCol="0" anchor="ctr"/>
+          <a:p>
+            <a:pPr algn="ctr"/>
+            <a:endParaRPr lang="zh-CN" altLang="en-US"/>
+          </a:p>
+        </p:txBody>
+      </p:sp>
+      <p:pic>
+        <p:nvPicPr>
+          <p:cNvPr id="151" name="图片 150" descr="错误"/>
+          <p:cNvPicPr>
+            <a:picLocks noChangeAspect="1"/>
+          </p:cNvPicPr>
+          <p:nvPr/>
+        </p:nvPicPr>
+        <p:blipFill>
+          <a:blip r:embed="rId1"/>
+          <a:stretch>
+            <a:fillRect/>
+          </a:stretch>
+        </p:blipFill>
+        <p:spPr>
+          <a:xfrm>
+            <a:off x="4003675" y="5978525"/>
+            <a:ext cx="448945" cy="448945"/>
+          </a:xfrm>
+          <a:prstGeom prst="rect">
+            <a:avLst/>
+          </a:prstGeom>
+        </p:spPr>
+      </p:pic>
+      <p:pic>
+        <p:nvPicPr>
+          <p:cNvPr id="152" name="图片 151" descr="正确"/>
+          <p:cNvPicPr>
+            <a:picLocks noChangeAspect="1"/>
+          </p:cNvPicPr>
+          <p:nvPr/>
+        </p:nvPicPr>
+        <p:blipFill>
+          <a:blip r:embed="rId2"/>
+          <a:stretch>
+            <a:fillRect/>
+          </a:stretch>
+        </p:blipFill>
+        <p:spPr>
+          <a:xfrm>
+            <a:off x="8947785" y="5979160"/>
+            <a:ext cx="450000" cy="450000"/>
+          </a:xfrm>
+          <a:prstGeom prst="rect">
+            <a:avLst/>
+          </a:prstGeom>
+        </p:spPr>
+      </p:pic>
+    </p:spTree>
+  </p:cSld>
+  <p:clrMapOvr>
+    <a:masterClrMapping/>
+  </p:clrMapOvr>
+</p:sld>
+</file>
+
+<file path=ppt/slides/slide15.xml><?xml version="1.0" encoding="utf-8"?>
 <p:sld xmlns:a="http://schemas.openxmlformats.org/drawingml/2006/main" xmlns:r="http://schemas.openxmlformats.org/officeDocument/2006/relationships" xmlns:p="http://schemas.openxmlformats.org/presentationml/2006/main">
   <p:cSld>
     <p:spTree>
@@ -7953,15 +14092,145 @@
           </a:graphicData>
         </a:graphic>
       </p:graphicFrame>
+      <p:sp>
+        <p:nvSpPr>
+          <p:cNvPr id="4" name="圆角矩形 3"/>
+          <p:cNvSpPr/>
+          <p:nvPr/>
+        </p:nvSpPr>
+        <p:spPr>
+          <a:xfrm>
+            <a:off x="1513840" y="5685155"/>
+            <a:ext cx="9476105" cy="546735"/>
+          </a:xfrm>
+          <a:prstGeom prst="roundRect">
+            <a:avLst/>
+          </a:prstGeom>
+          <a:noFill/>
+          <a:ln w="28575" cmpd="sng">
+            <a:solidFill>
+              <a:schemeClr val="bg2">
+                <a:lumMod val="75000"/>
+              </a:schemeClr>
+            </a:solidFill>
+            <a:prstDash val="sysDash"/>
+          </a:ln>
+        </p:spPr>
+        <p:style>
+          <a:lnRef idx="2">
+            <a:schemeClr val="accent1">
+              <a:shade val="50000"/>
+            </a:schemeClr>
+          </a:lnRef>
+          <a:fillRef idx="1">
+            <a:schemeClr val="accent1"/>
+          </a:fillRef>
+          <a:effectRef idx="0">
+            <a:schemeClr val="accent1"/>
+          </a:effectRef>
+          <a:fontRef idx="minor">
+            <a:schemeClr val="lt1"/>
+          </a:fontRef>
+        </p:style>
+        <p:txBody>
+          <a:bodyPr rtlCol="0" anchor="ctr"/>
+          <a:p>
+            <a:pPr algn="ctr"/>
+            <a:endParaRPr lang="zh-CN" altLang="en-US" dirty="0">
+              <a:solidFill>
+                <a:schemeClr val="tx1"/>
+              </a:solidFill>
+            </a:endParaRPr>
+          </a:p>
+        </p:txBody>
+      </p:sp>
     </p:spTree>
   </p:cSld>
   <p:clrMapOvr>
     <a:masterClrMapping/>
   </p:clrMapOvr>
+  <p:timing>
+    <p:tnLst>
+      <p:par>
+        <p:cTn id="1" dur="indefinite" restart="never" nodeType="tmRoot">
+          <p:childTnLst>
+            <p:seq concurrent="1" nextAc="seek">
+              <p:cTn id="2" dur="indefinite" nodeType="mainSeq">
+                <p:childTnLst>
+                  <p:par>
+                    <p:cTn id="3" fill="hold">
+                      <p:stCondLst>
+                        <p:cond delay="indefinite"/>
+                      </p:stCondLst>
+                      <p:childTnLst>
+                        <p:par>
+                          <p:cTn id="4" fill="hold">
+                            <p:stCondLst>
+                              <p:cond delay="0"/>
+                            </p:stCondLst>
+                            <p:childTnLst>
+                              <p:par>
+                                <p:cTn id="5" presetID="1" presetClass="entr" presetSubtype="0" fill="hold" grpId="0" nodeType="clickEffect">
+                                  <p:stCondLst>
+                                    <p:cond delay="0"/>
+                                  </p:stCondLst>
+                                  <p:childTnLst>
+                                    <p:set>
+                                      <p:cBhvr>
+                                        <p:cTn id="6" dur="1" fill="hold">
+                                          <p:stCondLst>
+                                            <p:cond delay="0"/>
+                                          </p:stCondLst>
+                                        </p:cTn>
+                                        <p:tgtEl>
+                                          <p:spTgt spid="4"/>
+                                        </p:tgtEl>
+                                        <p:attrNameLst>
+                                          <p:attrName>style.visibility</p:attrName>
+                                        </p:attrNameLst>
+                                      </p:cBhvr>
+                                      <p:to>
+                                        <p:strVal val="visible"/>
+                                      </p:to>
+                                    </p:set>
+                                  </p:childTnLst>
+                                </p:cTn>
+                              </p:par>
+                            </p:childTnLst>
+                          </p:cTn>
+                        </p:par>
+                      </p:childTnLst>
+                    </p:cTn>
+                  </p:par>
+                </p:childTnLst>
+              </p:cTn>
+              <p:prevCondLst>
+                <p:cond evt="onPrev" delay="0">
+                  <p:tgtEl>
+                    <p:sldTgt/>
+                  </p:tgtEl>
+                </p:cond>
+              </p:prevCondLst>
+              <p:nextCondLst>
+                <p:cond evt="onNext" delay="0">
+                  <p:tgtEl>
+                    <p:sldTgt/>
+                  </p:tgtEl>
+                </p:cond>
+              </p:nextCondLst>
+            </p:seq>
+          </p:childTnLst>
+        </p:cTn>
+      </p:par>
+    </p:tnLst>
+    <p:bldLst>
+      <p:bldP spid="4" grpId="0" animBg="1"/>
+    </p:bldLst>
+  </p:timing>
 </p:sld>
 </file>
 
-<file path=ppt/slides/slide15.xml><?xml version="1.0" encoding="utf-8"?>
+<file path=ppt/slides/slide16.xml><?xml version="1.0" encoding="utf-8"?>
 <p:sld xmlns:a="http://schemas.openxmlformats.org/drawingml/2006/main" xmlns:r="http://schemas.openxmlformats.org/officeDocument/2006/relationships" xmlns:p="http://schemas.openxmlformats.org/presentationml/2006/main">
   <p:cSld>
     <p:spTree>
@@ -8262,7 +14531,7 @@
 </p:sld>
 </file>
 
-<file path=ppt/slides/slide16.xml><?xml version="1.0" encoding="utf-8"?>
+<file path=ppt/slides/slide17.xml><?xml version="1.0" encoding="utf-8"?>
 <p:sld xmlns:a="http://schemas.openxmlformats.org/drawingml/2006/main" xmlns:r="http://schemas.openxmlformats.org/officeDocument/2006/relationships" xmlns:p="http://schemas.openxmlformats.org/presentationml/2006/main">
   <p:cSld>
     <p:spTree>
@@ -8885,354 +15154,6 @@
 </p:sld>
 </file>
 
-<file path=ppt/slides/slide17.xml><?xml version="1.0" encoding="utf-8"?>
-<p:sld xmlns:a="http://schemas.openxmlformats.org/drawingml/2006/main" xmlns:r="http://schemas.openxmlformats.org/officeDocument/2006/relationships" xmlns:p="http://schemas.openxmlformats.org/presentationml/2006/main">
-  <p:cSld>
-    <p:spTree>
-      <p:nvGrpSpPr>
-        <p:cNvPr id="1" name=""/>
-        <p:cNvGrpSpPr/>
-        <p:nvPr/>
-      </p:nvGrpSpPr>
-      <p:grpSpPr/>
-      <p:sp>
-        <p:nvSpPr>
-          <p:cNvPr id="2" name="标题 1"/>
-          <p:cNvSpPr>
-            <a:spLocks noGrp="1"/>
-          </p:cNvSpPr>
-          <p:nvPr>
-            <p:ph type="title"/>
-          </p:nvPr>
-        </p:nvSpPr>
-        <p:spPr/>
-        <p:txBody>
-          <a:bodyPr/>
-          <a:p>
-            <a:r>
-              <a:rPr lang="en-US" altLang="zh-CN" dirty="0">
-                <a:sym typeface="+mn-ea"/>
-              </a:rPr>
-              <a:t>Caerus</a:t>
-            </a:r>
-            <a:r>
-              <a:rPr lang="en-US" altLang="zh-CN" baseline="30000" dirty="0">
-                <a:sym typeface="+mn-ea"/>
-              </a:rPr>
-              <a:t>[1]</a:t>
-            </a:r>
-            <a:endParaRPr lang="zh-CN" altLang="en-US"/>
-          </a:p>
-        </p:txBody>
-      </p:sp>
-      <p:sp>
-        <p:nvSpPr>
-          <p:cNvPr id="3" name="内容占位符 2"/>
-          <p:cNvSpPr>
-            <a:spLocks noGrp="1"/>
-          </p:cNvSpPr>
-          <p:nvPr>
-            <p:ph idx="1"/>
-          </p:nvPr>
-        </p:nvSpPr>
-        <p:spPr>
-          <a:xfrm>
-            <a:off x="838200" y="1383030"/>
-            <a:ext cx="10824845" cy="5300345"/>
-          </a:xfrm>
-        </p:spPr>
-        <p:txBody>
-          <a:bodyPr>
-            <a:normAutofit/>
-          </a:bodyPr>
-          <a:p>
-            <a:pPr marL="0" indent="0"/>
-            <a:r>
-              <a:rPr lang="en-US" altLang="zh-CN">
-                <a:solidFill>
-                  <a:schemeClr val="tx1"/>
-                </a:solidFill>
-                <a:uFillTx/>
-                <a:latin typeface="等线" panose="02010600030101010101" charset="-122"/>
-              </a:rPr>
-              <a:t> </a:t>
-            </a:r>
-            <a:r>
-              <a:rPr lang="en-US" altLang="zh-CN" b="1">
-                <a:solidFill>
-                  <a:schemeClr val="tx1"/>
-                </a:solidFill>
-                <a:uFillTx/>
-                <a:latin typeface="微软雅黑" panose="020B0503020204020204" charset="-122"/>
-                <a:ea typeface="微软雅黑" panose="020B0503020204020204" charset="-122"/>
-              </a:rPr>
-              <a:t>Design</a:t>
-            </a:r>
-            <a:endParaRPr lang="en-US" altLang="zh-CN">
-              <a:solidFill>
-                <a:schemeClr val="tx1"/>
-              </a:solidFill>
-              <a:uFillTx/>
-              <a:latin typeface="等线" panose="02010600030101010101" charset="-122"/>
-            </a:endParaRPr>
-          </a:p>
-          <a:p>
-            <a:pPr marL="457200" lvl="1" indent="0"/>
-            <a:r>
-              <a:rPr lang="en-US" altLang="zh-CN" b="1">
-                <a:solidFill>
-                  <a:schemeClr val="tx1"/>
-                </a:solidFill>
-                <a:uFillTx/>
-                <a:latin typeface="微软雅黑" panose="020B0503020204020204" charset="-122"/>
-                <a:ea typeface="微软雅黑" panose="020B0503020204020204" charset="-122"/>
-              </a:rPr>
-              <a:t> </a:t>
-            </a:r>
-            <a:r>
-              <a:rPr lang="en-US" altLang="zh-CN">
-                <a:solidFill>
-                  <a:schemeClr val="tx1"/>
-                </a:solidFill>
-                <a:uFillTx/>
-                <a:latin typeface="等线" panose="02010600030101010101" charset="-122"/>
-                <a:ea typeface="等线" panose="02010600030101010101" charset="-122"/>
-              </a:rPr>
-              <a:t>Sub-task level schedule</a:t>
-            </a:r>
-            <a:endParaRPr lang="en-US" altLang="zh-CN">
-              <a:solidFill>
-                <a:schemeClr val="tx1"/>
-              </a:solidFill>
-              <a:uFillTx/>
-              <a:latin typeface="等线" panose="02010600030101010101" charset="-122"/>
-              <a:ea typeface="等线" panose="02010600030101010101" charset="-122"/>
-            </a:endParaRPr>
-          </a:p>
-          <a:p>
-            <a:pPr marL="914400" lvl="2" indent="0"/>
-            <a:r>
-              <a:rPr lang="en-US" altLang="zh-CN" b="1">
-                <a:solidFill>
-                  <a:schemeClr val="tx1"/>
-                </a:solidFill>
-                <a:uFillTx/>
-                <a:latin typeface="微软雅黑" panose="020B0503020204020204" charset="-122"/>
-                <a:ea typeface="微软雅黑" panose="020B0503020204020204" charset="-122"/>
-              </a:rPr>
-              <a:t> </a:t>
-            </a:r>
-            <a:r>
-              <a:rPr lang="en-US" altLang="zh-CN">
-                <a:solidFill>
-                  <a:schemeClr val="tx1"/>
-                </a:solidFill>
-                <a:uFillTx/>
-                <a:latin typeface="等线" panose="02010600030101010101" charset="-122"/>
-                <a:ea typeface="等线" panose="02010600030101010101" charset="-122"/>
-              </a:rPr>
-              <a:t>stages are separated into one or more steps by pipeline breakers </a:t>
-            </a:r>
-            <a:endParaRPr lang="en-US" altLang="zh-CN">
-              <a:solidFill>
-                <a:schemeClr val="tx1"/>
-              </a:solidFill>
-              <a:uFillTx/>
-              <a:latin typeface="等线" panose="02010600030101010101" charset="-122"/>
-              <a:ea typeface="等线" panose="02010600030101010101" charset="-122"/>
-            </a:endParaRPr>
-          </a:p>
-        </p:txBody>
-      </p:sp>
-      <p:sp>
-        <p:nvSpPr>
-          <p:cNvPr id="19" name="文本框 18"/>
-          <p:cNvSpPr txBox="1"/>
-          <p:nvPr/>
-        </p:nvSpPr>
-        <p:spPr>
-          <a:xfrm>
-            <a:off x="0" y="6520815"/>
-            <a:ext cx="11722735" cy="337185"/>
-          </a:xfrm>
-          <a:prstGeom prst="rect">
-            <a:avLst/>
-          </a:prstGeom>
-          <a:noFill/>
-        </p:spPr>
-        <p:txBody>
-          <a:bodyPr wrap="square" rtlCol="0">
-            <a:spAutoFit/>
-          </a:bodyPr>
-          <a:p>
-            <a:r>
-              <a:rPr lang="en-US" altLang="zh-CN" sz="1600">
-                <a:solidFill>
-                  <a:schemeClr val="bg2">
-                    <a:lumMod val="50000"/>
-                  </a:schemeClr>
-                </a:solidFill>
-                <a:sym typeface="+mn-ea"/>
-              </a:rPr>
-              <a:t>[1] Caerus: NIMBLE Task Scheduling for Serverless Analytics  NSDI’21</a:t>
-            </a:r>
-            <a:endParaRPr lang="en-US" altLang="zh-CN" sz="1600">
-              <a:solidFill>
-                <a:schemeClr val="bg2">
-                  <a:lumMod val="50000"/>
-                </a:schemeClr>
-              </a:solidFill>
-              <a:sym typeface="+mn-ea"/>
-            </a:endParaRPr>
-          </a:p>
-        </p:txBody>
-      </p:sp>
-      <p:pic>
-        <p:nvPicPr>
-          <p:cNvPr id="4" name="图片 3"/>
-          <p:cNvPicPr>
-            <a:picLocks noChangeAspect="1"/>
-          </p:cNvPicPr>
-          <p:nvPr/>
-        </p:nvPicPr>
-        <p:blipFill>
-          <a:blip r:embed="rId1"/>
-          <a:stretch>
-            <a:fillRect/>
-          </a:stretch>
-        </p:blipFill>
-        <p:spPr>
-          <a:xfrm>
-            <a:off x="1477645" y="3350895"/>
-            <a:ext cx="5639435" cy="1758315"/>
-          </a:xfrm>
-          <a:prstGeom prst="rect">
-            <a:avLst/>
-          </a:prstGeom>
-        </p:spPr>
-      </p:pic>
-      <p:sp>
-        <p:nvSpPr>
-          <p:cNvPr id="6" name="文本框 5"/>
-          <p:cNvSpPr txBox="1"/>
-          <p:nvPr/>
-        </p:nvSpPr>
-        <p:spPr>
-          <a:xfrm>
-            <a:off x="3351530" y="5839460"/>
-            <a:ext cx="5488305" cy="368300"/>
-          </a:xfrm>
-          <a:prstGeom prst="rect">
-            <a:avLst/>
-          </a:prstGeom>
-          <a:noFill/>
-        </p:spPr>
-        <p:txBody>
-          <a:bodyPr wrap="square" rtlCol="0">
-            <a:spAutoFit/>
-          </a:bodyPr>
-          <a:p>
-            <a:r>
-              <a:rPr lang="en-US" altLang="zh-CN" b="1">
-                <a:latin typeface="微软雅黑" panose="020B0503020204020204" charset="-122"/>
-                <a:ea typeface="微软雅黑" panose="020B0503020204020204" charset="-122"/>
-              </a:rPr>
-              <a:t>Step dependency model for a map-reduce job</a:t>
-            </a:r>
-            <a:r>
-              <a:rPr lang="en-US" altLang="zh-CN"/>
-              <a:t> </a:t>
-            </a:r>
-            <a:endParaRPr lang="en-US" altLang="zh-CN"/>
-          </a:p>
-        </p:txBody>
-      </p:sp>
-      <p:pic>
-        <p:nvPicPr>
-          <p:cNvPr id="8" name="图片 7"/>
-          <p:cNvPicPr>
-            <a:picLocks noChangeAspect="1"/>
-          </p:cNvPicPr>
-          <p:nvPr/>
-        </p:nvPicPr>
-        <p:blipFill>
-          <a:blip r:embed="rId2"/>
-          <a:stretch>
-            <a:fillRect/>
-          </a:stretch>
-        </p:blipFill>
-        <p:spPr>
-          <a:xfrm>
-            <a:off x="8250555" y="3350895"/>
-            <a:ext cx="2534285" cy="1758315"/>
-          </a:xfrm>
-          <a:prstGeom prst="rect">
-            <a:avLst/>
-          </a:prstGeom>
-        </p:spPr>
-      </p:pic>
-      <p:sp>
-        <p:nvSpPr>
-          <p:cNvPr id="9" name="右箭头 8"/>
-          <p:cNvSpPr/>
-          <p:nvPr/>
-        </p:nvSpPr>
-        <p:spPr>
-          <a:xfrm>
-            <a:off x="7424420" y="4171950"/>
-            <a:ext cx="637540" cy="234950"/>
-          </a:xfrm>
-          <a:prstGeom prst="rightArrow">
-            <a:avLst/>
-          </a:prstGeom>
-          <a:solidFill>
-            <a:schemeClr val="accent1"/>
-          </a:solidFill>
-          <a:ln w="28575" cmpd="sng">
-            <a:solidFill>
-              <a:schemeClr val="accent1">
-                <a:shade val="50000"/>
-              </a:schemeClr>
-            </a:solidFill>
-            <a:prstDash val="solid"/>
-          </a:ln>
-        </p:spPr>
-        <p:style>
-          <a:lnRef idx="2">
-            <a:schemeClr val="accent1">
-              <a:shade val="50000"/>
-            </a:schemeClr>
-          </a:lnRef>
-          <a:fillRef idx="1">
-            <a:schemeClr val="accent1"/>
-          </a:fillRef>
-          <a:effectRef idx="0">
-            <a:schemeClr val="accent1"/>
-          </a:effectRef>
-          <a:fontRef idx="minor">
-            <a:schemeClr val="lt1"/>
-          </a:fontRef>
-        </p:style>
-        <p:txBody>
-          <a:bodyPr rtlCol="0" anchor="ctr"/>
-          <a:p>
-            <a:pPr algn="ctr"/>
-            <a:endParaRPr lang="zh-CN" altLang="en-US" dirty="0">
-              <a:solidFill>
-                <a:schemeClr val="tx1"/>
-              </a:solidFill>
-            </a:endParaRPr>
-          </a:p>
-        </p:txBody>
-      </p:sp>
-    </p:spTree>
-  </p:cSld>
-  <p:clrMapOvr>
-    <a:masterClrMapping/>
-  </p:clrMapOvr>
-</p:sld>
-</file>
-
 <file path=ppt/slides/slide18.xml><?xml version="1.0" encoding="utf-8"?>
 <p:sld xmlns:a="http://schemas.openxmlformats.org/drawingml/2006/main" xmlns:r="http://schemas.openxmlformats.org/officeDocument/2006/relationships" xmlns:p="http://schemas.openxmlformats.org/presentationml/2006/main">
   <p:cSld>
@@ -9258,12 +15179,16 @@
           <a:bodyPr/>
           <a:p>
             <a:r>
-              <a:rPr lang="zh-CN" altLang="en-US"/>
-              <a:t>定量</a:t>
-            </a:r>
-            <a:r>
-              <a:rPr lang="zh-CN" altLang="en-US"/>
-              <a:t>实验</a:t>
+              <a:rPr lang="en-US" altLang="zh-CN" dirty="0">
+                <a:sym typeface="+mn-ea"/>
+              </a:rPr>
+              <a:t>Caerus</a:t>
+            </a:r>
+            <a:r>
+              <a:rPr lang="en-US" altLang="zh-CN" baseline="30000" dirty="0">
+                <a:sym typeface="+mn-ea"/>
+              </a:rPr>
+              <a:t>[1]</a:t>
             </a:r>
             <a:endParaRPr lang="zh-CN" altLang="en-US"/>
           </a:p>
@@ -9290,7 +15215,7 @@
             <a:normAutofit/>
           </a:bodyPr>
           <a:p>
-            <a:pPr lvl="0"/>
+            <a:pPr marL="0" indent="0"/>
             <a:r>
               <a:rPr lang="en-US" altLang="zh-CN">
                 <a:solidFill>
@@ -9299,17 +15224,18 @@
                 <a:uFillTx/>
                 <a:latin typeface="等线" panose="02010600030101010101" charset="-122"/>
               </a:rPr>
-              <a:t> Py</a:t>
-            </a:r>
-            <a:r>
-              <a:rPr lang="en-US" altLang="zh-CN">
+              <a:t> </a:t>
+            </a:r>
+            <a:r>
+              <a:rPr lang="en-US" altLang="zh-CN" b="1">
                 <a:solidFill>
                   <a:schemeClr val="tx1"/>
                 </a:solidFill>
                 <a:uFillTx/>
-                <a:latin typeface="等线" panose="02010600030101010101" charset="-122"/>
-              </a:rPr>
-              <a:t>wren</a:t>
+                <a:latin typeface="微软雅黑" panose="020B0503020204020204" charset="-122"/>
+                <a:ea typeface="微软雅黑" panose="020B0503020204020204" charset="-122"/>
+              </a:rPr>
+              <a:t>Design</a:t>
             </a:r>
             <a:endParaRPr lang="en-US" altLang="zh-CN">
               <a:solidFill>
@@ -9320,7 +15246,18 @@
             </a:endParaRPr>
           </a:p>
           <a:p>
-            <a:pPr lvl="0"/>
+            <a:pPr marL="457200" lvl="1" indent="0"/>
+            <a:r>
+              <a:rPr lang="en-US" altLang="zh-CN" b="1">
+                <a:solidFill>
+                  <a:schemeClr val="tx1"/>
+                </a:solidFill>
+                <a:uFillTx/>
+                <a:latin typeface="微软雅黑" panose="020B0503020204020204" charset="-122"/>
+                <a:ea typeface="微软雅黑" panose="020B0503020204020204" charset="-122"/>
+              </a:rPr>
+              <a:t> </a:t>
+            </a:r>
             <a:r>
               <a:rPr lang="en-US" altLang="zh-CN">
                 <a:solidFill>
@@ -9328,8 +15265,31 @@
                 </a:solidFill>
                 <a:uFillTx/>
                 <a:latin typeface="等线" panose="02010600030101010101" charset="-122"/>
-              </a:rPr>
-              <a:t> Mapreduce </a:t>
+                <a:ea typeface="等线" panose="02010600030101010101" charset="-122"/>
+              </a:rPr>
+              <a:t>Sub-task level schedule</a:t>
+            </a:r>
+            <a:endParaRPr lang="en-US" altLang="zh-CN">
+              <a:solidFill>
+                <a:schemeClr val="tx1"/>
+              </a:solidFill>
+              <a:uFillTx/>
+              <a:latin typeface="等线" panose="02010600030101010101" charset="-122"/>
+              <a:ea typeface="等线" panose="02010600030101010101" charset="-122"/>
+            </a:endParaRPr>
+          </a:p>
+          <a:p>
+            <a:pPr marL="914400" lvl="2" indent="0"/>
+            <a:r>
+              <a:rPr lang="en-US" altLang="zh-CN" b="1">
+                <a:solidFill>
+                  <a:schemeClr val="tx1"/>
+                </a:solidFill>
+                <a:uFillTx/>
+                <a:latin typeface="微软雅黑" panose="020B0503020204020204" charset="-122"/>
+                <a:ea typeface="微软雅黑" panose="020B0503020204020204" charset="-122"/>
+              </a:rPr>
+              <a:t> </a:t>
             </a:r>
             <a:r>
               <a:rPr lang="en-US" altLang="zh-CN">
@@ -9338,8 +15298,9 @@
                 </a:solidFill>
                 <a:uFillTx/>
                 <a:latin typeface="等线" panose="02010600030101010101" charset="-122"/>
-              </a:rPr>
-              <a:t>sort</a:t>
+                <a:ea typeface="等线" panose="02010600030101010101" charset="-122"/>
+              </a:rPr>
+              <a:t>stages are separated into one or more steps by pipeline breakers </a:t>
             </a:r>
             <a:endParaRPr lang="en-US" altLang="zh-CN">
               <a:solidFill>
@@ -9347,18 +15308,188 @@
               </a:solidFill>
               <a:uFillTx/>
               <a:latin typeface="等线" panose="02010600030101010101" charset="-122"/>
+              <a:ea typeface="等线" panose="02010600030101010101" charset="-122"/>
             </a:endParaRPr>
           </a:p>
-          <a:p>
-            <a:pPr marL="914400" lvl="2" indent="0">
-              <a:buNone/>
-            </a:pPr>
-            <a:endParaRPr lang="en-US" altLang="zh-CN">
+        </p:txBody>
+      </p:sp>
+      <p:sp>
+        <p:nvSpPr>
+          <p:cNvPr id="19" name="文本框 18"/>
+          <p:cNvSpPr txBox="1"/>
+          <p:nvPr/>
+        </p:nvSpPr>
+        <p:spPr>
+          <a:xfrm>
+            <a:off x="0" y="6520815"/>
+            <a:ext cx="11722735" cy="337185"/>
+          </a:xfrm>
+          <a:prstGeom prst="rect">
+            <a:avLst/>
+          </a:prstGeom>
+          <a:noFill/>
+        </p:spPr>
+        <p:txBody>
+          <a:bodyPr wrap="square" rtlCol="0">
+            <a:spAutoFit/>
+          </a:bodyPr>
+          <a:p>
+            <a:r>
+              <a:rPr lang="en-US" altLang="zh-CN" sz="1600">
+                <a:solidFill>
+                  <a:schemeClr val="bg2">
+                    <a:lumMod val="50000"/>
+                  </a:schemeClr>
+                </a:solidFill>
+                <a:sym typeface="+mn-ea"/>
+              </a:rPr>
+              <a:t>[1] Caerus: NIMBLE Task Scheduling for Serverless Analytics  NSDI’21</a:t>
+            </a:r>
+            <a:endParaRPr lang="en-US" altLang="zh-CN" sz="1600">
+              <a:solidFill>
+                <a:schemeClr val="bg2">
+                  <a:lumMod val="50000"/>
+                </a:schemeClr>
+              </a:solidFill>
+              <a:sym typeface="+mn-ea"/>
+            </a:endParaRPr>
+          </a:p>
+        </p:txBody>
+      </p:sp>
+      <p:pic>
+        <p:nvPicPr>
+          <p:cNvPr id="4" name="图片 3"/>
+          <p:cNvPicPr>
+            <a:picLocks noChangeAspect="1"/>
+          </p:cNvPicPr>
+          <p:nvPr/>
+        </p:nvPicPr>
+        <p:blipFill>
+          <a:blip r:embed="rId1"/>
+          <a:stretch>
+            <a:fillRect/>
+          </a:stretch>
+        </p:blipFill>
+        <p:spPr>
+          <a:xfrm>
+            <a:off x="1477645" y="3350895"/>
+            <a:ext cx="5639435" cy="1758315"/>
+          </a:xfrm>
+          <a:prstGeom prst="rect">
+            <a:avLst/>
+          </a:prstGeom>
+        </p:spPr>
+      </p:pic>
+      <p:sp>
+        <p:nvSpPr>
+          <p:cNvPr id="6" name="文本框 5"/>
+          <p:cNvSpPr txBox="1"/>
+          <p:nvPr/>
+        </p:nvSpPr>
+        <p:spPr>
+          <a:xfrm>
+            <a:off x="3351530" y="5839460"/>
+            <a:ext cx="5488305" cy="368300"/>
+          </a:xfrm>
+          <a:prstGeom prst="rect">
+            <a:avLst/>
+          </a:prstGeom>
+          <a:noFill/>
+        </p:spPr>
+        <p:txBody>
+          <a:bodyPr wrap="square" rtlCol="0">
+            <a:spAutoFit/>
+          </a:bodyPr>
+          <a:p>
+            <a:r>
+              <a:rPr lang="en-US" altLang="zh-CN" b="1">
+                <a:latin typeface="微软雅黑" panose="020B0503020204020204" charset="-122"/>
+                <a:ea typeface="微软雅黑" panose="020B0503020204020204" charset="-122"/>
+              </a:rPr>
+              <a:t>Step dependency model for a map-reduce job</a:t>
+            </a:r>
+            <a:r>
+              <a:rPr lang="en-US" altLang="zh-CN"/>
+              <a:t> </a:t>
+            </a:r>
+            <a:endParaRPr lang="en-US" altLang="zh-CN"/>
+          </a:p>
+        </p:txBody>
+      </p:sp>
+      <p:pic>
+        <p:nvPicPr>
+          <p:cNvPr id="8" name="图片 7"/>
+          <p:cNvPicPr>
+            <a:picLocks noChangeAspect="1"/>
+          </p:cNvPicPr>
+          <p:nvPr/>
+        </p:nvPicPr>
+        <p:blipFill>
+          <a:blip r:embed="rId2"/>
+          <a:stretch>
+            <a:fillRect/>
+          </a:stretch>
+        </p:blipFill>
+        <p:spPr>
+          <a:xfrm>
+            <a:off x="8250555" y="3350895"/>
+            <a:ext cx="2534285" cy="1758315"/>
+          </a:xfrm>
+          <a:prstGeom prst="rect">
+            <a:avLst/>
+          </a:prstGeom>
+        </p:spPr>
+      </p:pic>
+      <p:sp>
+        <p:nvSpPr>
+          <p:cNvPr id="9" name="右箭头 8"/>
+          <p:cNvSpPr/>
+          <p:nvPr/>
+        </p:nvSpPr>
+        <p:spPr>
+          <a:xfrm>
+            <a:off x="7424420" y="4171950"/>
+            <a:ext cx="637540" cy="234950"/>
+          </a:xfrm>
+          <a:prstGeom prst="rightArrow">
+            <a:avLst/>
+          </a:prstGeom>
+          <a:solidFill>
+            <a:schemeClr val="accent1"/>
+          </a:solidFill>
+          <a:ln w="28575" cmpd="sng">
+            <a:solidFill>
+              <a:schemeClr val="accent1">
+                <a:shade val="50000"/>
+              </a:schemeClr>
+            </a:solidFill>
+            <a:prstDash val="solid"/>
+          </a:ln>
+        </p:spPr>
+        <p:style>
+          <a:lnRef idx="2">
+            <a:schemeClr val="accent1">
+              <a:shade val="50000"/>
+            </a:schemeClr>
+          </a:lnRef>
+          <a:fillRef idx="1">
+            <a:schemeClr val="accent1"/>
+          </a:fillRef>
+          <a:effectRef idx="0">
+            <a:schemeClr val="accent1"/>
+          </a:effectRef>
+          <a:fontRef idx="minor">
+            <a:schemeClr val="lt1"/>
+          </a:fontRef>
+        </p:style>
+        <p:txBody>
+          <a:bodyPr rtlCol="0" anchor="ctr"/>
+          <a:p>
+            <a:pPr algn="ctr"/>
+            <a:endParaRPr lang="zh-CN" altLang="en-US" dirty="0">
               <a:solidFill>
                 <a:schemeClr val="tx1"/>
               </a:solidFill>
-              <a:uFillTx/>
-              <a:latin typeface="等线" panose="02010600030101010101" charset="-122"/>
             </a:endParaRPr>
           </a:p>
         </p:txBody>
@@ -9396,187 +15527,107 @@
           <a:bodyPr/>
           <a:p>
             <a:r>
-              <a:rPr lang="en-US" altLang="zh-CN"/>
-              <a:t>Reference</a:t>
-            </a:r>
-            <a:endParaRPr lang="en-US" altLang="zh-CN"/>
-          </a:p>
-        </p:txBody>
-      </p:sp>
-      <p:sp>
-        <p:nvSpPr>
-          <p:cNvPr id="24" name="文本框 23"/>
-          <p:cNvSpPr txBox="1"/>
-          <p:nvPr/>
-        </p:nvSpPr>
-        <p:spPr>
-          <a:xfrm>
-            <a:off x="838200" y="1380490"/>
-            <a:ext cx="10932795" cy="3784600"/>
-          </a:xfrm>
-          <a:prstGeom prst="rect">
-            <a:avLst/>
-          </a:prstGeom>
-          <a:noFill/>
-        </p:spPr>
-        <p:txBody>
-          <a:bodyPr wrap="square" rtlCol="0">
-            <a:spAutoFit/>
+              <a:rPr lang="zh-CN" altLang="en-US"/>
+              <a:t>定量</a:t>
+            </a:r>
+            <a:r>
+              <a:rPr lang="zh-CN" altLang="en-US"/>
+              <a:t>实验</a:t>
+            </a:r>
+            <a:endParaRPr lang="zh-CN" altLang="en-US"/>
+          </a:p>
+        </p:txBody>
+      </p:sp>
+      <p:sp>
+        <p:nvSpPr>
+          <p:cNvPr id="3" name="内容占位符 2"/>
+          <p:cNvSpPr>
+            <a:spLocks noGrp="1"/>
+          </p:cNvSpPr>
+          <p:nvPr>
+            <p:ph idx="1"/>
+          </p:nvPr>
+        </p:nvSpPr>
+        <p:spPr>
+          <a:xfrm>
+            <a:off x="838200" y="1383030"/>
+            <a:ext cx="10824845" cy="5300345"/>
+          </a:xfrm>
+        </p:spPr>
+        <p:txBody>
+          <a:bodyPr>
+            <a:normAutofit/>
           </a:bodyPr>
           <a:p>
-            <a:pPr>
-              <a:lnSpc>
-                <a:spcPct val="200000"/>
-              </a:lnSpc>
+            <a:pPr lvl="0"/>
+            <a:r>
+              <a:rPr lang="en-US" altLang="zh-CN">
+                <a:solidFill>
+                  <a:schemeClr val="tx1"/>
+                </a:solidFill>
+                <a:uFillTx/>
+                <a:latin typeface="等线" panose="02010600030101010101" charset="-122"/>
+              </a:rPr>
+              <a:t> Py</a:t>
+            </a:r>
+            <a:r>
+              <a:rPr lang="en-US" altLang="zh-CN">
+                <a:solidFill>
+                  <a:schemeClr val="tx1"/>
+                </a:solidFill>
+                <a:uFillTx/>
+                <a:latin typeface="等线" panose="02010600030101010101" charset="-122"/>
+              </a:rPr>
+              <a:t>wren</a:t>
+            </a:r>
+            <a:endParaRPr lang="en-US" altLang="zh-CN">
+              <a:solidFill>
+                <a:schemeClr val="tx1"/>
+              </a:solidFill>
+              <a:uFillTx/>
+              <a:latin typeface="等线" panose="02010600030101010101" charset="-122"/>
+            </a:endParaRPr>
+          </a:p>
+          <a:p>
+            <a:pPr lvl="0"/>
+            <a:r>
+              <a:rPr lang="en-US" altLang="zh-CN">
+                <a:solidFill>
+                  <a:schemeClr val="tx1"/>
+                </a:solidFill>
+                <a:uFillTx/>
+                <a:latin typeface="等线" panose="02010600030101010101" charset="-122"/>
+              </a:rPr>
+              <a:t> Mapreduce </a:t>
+            </a:r>
+            <a:r>
+              <a:rPr lang="en-US" altLang="zh-CN">
+                <a:solidFill>
+                  <a:schemeClr val="tx1"/>
+                </a:solidFill>
+                <a:uFillTx/>
+                <a:latin typeface="等线" panose="02010600030101010101" charset="-122"/>
+              </a:rPr>
+              <a:t>sort</a:t>
+            </a:r>
+            <a:endParaRPr lang="en-US" altLang="zh-CN">
+              <a:solidFill>
+                <a:schemeClr val="tx1"/>
+              </a:solidFill>
+              <a:uFillTx/>
+              <a:latin typeface="等线" panose="02010600030101010101" charset="-122"/>
+            </a:endParaRPr>
+          </a:p>
+          <a:p>
+            <a:pPr marL="914400" lvl="2" indent="0">
+              <a:buNone/>
             </a:pPr>
-            <a:r>
-              <a:rPr lang="en-US" altLang="zh-CN" sz="2000">
-                <a:solidFill>
-                  <a:schemeClr val="bg2">
-                    <a:lumMod val="50000"/>
-                  </a:schemeClr>
-                </a:solidFill>
-                <a:sym typeface="+mn-ea"/>
-              </a:rPr>
-              <a:t>[1] Shuffling, Fast and Slow: Scalable Analytics on Serverless Infrastructure  NSDI’19</a:t>
-            </a:r>
-            <a:endParaRPr lang="en-US" altLang="zh-CN" sz="2000">
+            <a:endParaRPr lang="en-US" altLang="zh-CN">
               <a:solidFill>
-                <a:schemeClr val="bg2">
-                  <a:lumMod val="50000"/>
-                </a:schemeClr>
+                <a:schemeClr val="tx1"/>
               </a:solidFill>
-              <a:sym typeface="+mn-ea"/>
-            </a:endParaRPr>
-          </a:p>
-          <a:p>
-            <a:pPr>
-              <a:lnSpc>
-                <a:spcPct val="200000"/>
-              </a:lnSpc>
-            </a:pPr>
-            <a:r>
-              <a:rPr lang="en-US" altLang="zh-CN" sz="2000">
-                <a:solidFill>
-                  <a:schemeClr val="bg2">
-                    <a:lumMod val="50000"/>
-                  </a:schemeClr>
-                </a:solidFill>
-                <a:sym typeface="+mn-ea"/>
-              </a:rPr>
-              <a:t>[2] Caerus: NIMBLE Task Scheduling for Serverless Analytics  NSDI’21</a:t>
-            </a:r>
-            <a:endParaRPr lang="en-US" altLang="zh-CN" sz="2000">
-              <a:solidFill>
-                <a:schemeClr val="bg2">
-                  <a:lumMod val="50000"/>
-                </a:schemeClr>
-              </a:solidFill>
-              <a:sym typeface="+mn-ea"/>
-            </a:endParaRPr>
-          </a:p>
-          <a:p>
-            <a:pPr>
-              <a:lnSpc>
-                <a:spcPct val="200000"/>
-              </a:lnSpc>
-            </a:pPr>
-            <a:r>
-              <a:rPr lang="en-US" altLang="zh-CN" sz="2000">
-                <a:solidFill>
-                  <a:schemeClr val="bg2">
-                    <a:lumMod val="50000"/>
-                  </a:schemeClr>
-                </a:solidFill>
-                <a:sym typeface="+mn-ea"/>
-              </a:rPr>
-              <a:t>[3] Pocket: Elastic Ephemeral Storage for Serverless Analytics OSDI ’18</a:t>
-            </a:r>
-            <a:endParaRPr lang="en-US" altLang="zh-CN" sz="2000">
-              <a:solidFill>
-                <a:schemeClr val="bg2">
-                  <a:lumMod val="50000"/>
-                </a:schemeClr>
-              </a:solidFill>
-              <a:sym typeface="+mn-ea"/>
-            </a:endParaRPr>
-          </a:p>
-          <a:p>
-            <a:pPr>
-              <a:lnSpc>
-                <a:spcPct val="200000"/>
-              </a:lnSpc>
-            </a:pPr>
-            <a:r>
-              <a:rPr lang="en-US" altLang="zh-CN" sz="2000">
-                <a:solidFill>
-                  <a:schemeClr val="bg2">
-                    <a:lumMod val="50000"/>
-                  </a:schemeClr>
-                </a:solidFill>
-                <a:sym typeface="+mn-ea"/>
-              </a:rPr>
-              <a:t>[4] Understanding Ephemeral Storage for Serverless Analytics  ATC’18</a:t>
-            </a:r>
-            <a:endParaRPr lang="en-US" altLang="zh-CN" sz="2000">
-              <a:solidFill>
-                <a:schemeClr val="bg2">
-                  <a:lumMod val="50000"/>
-                </a:schemeClr>
-              </a:solidFill>
-              <a:sym typeface="+mn-ea"/>
-            </a:endParaRPr>
-          </a:p>
-          <a:p>
-            <a:pPr>
-              <a:lnSpc>
-                <a:spcPct val="200000"/>
-              </a:lnSpc>
-            </a:pPr>
-            <a:r>
-              <a:rPr lang="en-US" altLang="zh-CN" sz="2000">
-                <a:solidFill>
-                  <a:schemeClr val="bg2">
-                    <a:lumMod val="50000"/>
-                  </a:schemeClr>
-                </a:solidFill>
-                <a:sym typeface="+mn-ea"/>
-              </a:rPr>
-              <a:t>[5] Sonic: Application-aware Data Passing for Chained Serverless Applications  ATC’21</a:t>
-            </a:r>
-            <a:endParaRPr lang="en-US" altLang="zh-CN" sz="2000">
-              <a:solidFill>
-                <a:schemeClr val="bg2">
-                  <a:lumMod val="50000"/>
-                </a:schemeClr>
-              </a:solidFill>
-              <a:sym typeface="+mn-ea"/>
-            </a:endParaRPr>
-          </a:p>
-          <a:p>
-            <a:pPr>
-              <a:lnSpc>
-                <a:spcPct val="200000"/>
-              </a:lnSpc>
-            </a:pPr>
-            <a:r>
-              <a:rPr lang="en-US" altLang="zh-CN" sz="2000">
-                <a:solidFill>
-                  <a:schemeClr val="bg2">
-                    <a:lumMod val="50000"/>
-                  </a:schemeClr>
-                </a:solidFill>
-                <a:sym typeface="+mn-ea"/>
-              </a:rPr>
-              <a:t>[6] Towards Latency Sensitive Cloud Native Applications: A Performance Study on AWS  CLOUD’19</a:t>
-            </a:r>
-            <a:endParaRPr lang="en-US" altLang="zh-CN" sz="2000">
-              <a:solidFill>
-                <a:schemeClr val="bg2">
-                  <a:lumMod val="50000"/>
-                </a:schemeClr>
-              </a:solidFill>
-              <a:sym typeface="+mn-ea"/>
+              <a:uFillTx/>
+              <a:latin typeface="等线" panose="02010600030101010101" charset="-122"/>
             </a:endParaRPr>
           </a:p>
         </p:txBody>
@@ -9638,8 +15689,8 @@
           </p:nvPr>
         </p:nvGraphicFramePr>
         <p:xfrm>
-          <a:off x="774065" y="1772285"/>
-          <a:ext cx="10948670" cy="2668905"/>
+          <a:off x="548005" y="1772285"/>
+          <a:ext cx="11095355" cy="2668905"/>
         </p:xfrm>
         <a:graphic>
           <a:graphicData uri="http://schemas.openxmlformats.org/drawingml/2006/table">
@@ -9652,9 +15703,9 @@
                 <a:gridCol w="2105660"/>
                 <a:gridCol w="1235710"/>
                 <a:gridCol w="1464310"/>
-                <a:gridCol w="1162313"/>
-                <a:gridCol w="1016635"/>
-                <a:gridCol w="1363345"/>
+                <a:gridCol w="1289050"/>
+                <a:gridCol w="1026160"/>
+                <a:gridCol w="1373505"/>
               </a:tblGrid>
               <a:tr h="640080">
                 <a:tc>
@@ -10366,7 +16417,7 @@
         </p:nvCxnSpPr>
         <p:spPr>
           <a:xfrm>
-            <a:off x="781050" y="1766570"/>
+            <a:off x="554990" y="1766570"/>
             <a:ext cx="2575560" cy="615950"/>
           </a:xfrm>
           <a:prstGeom prst="line">
@@ -10402,7 +16453,7 @@
         </p:nvSpPr>
         <p:spPr>
           <a:xfrm>
-            <a:off x="2032635" y="1772285"/>
+            <a:off x="1806575" y="1772285"/>
             <a:ext cx="1513205" cy="368300"/>
           </a:xfrm>
           <a:prstGeom prst="rect">
@@ -10439,7 +16490,7 @@
         </p:nvSpPr>
         <p:spPr>
           <a:xfrm>
-            <a:off x="1535430" y="2014220"/>
+            <a:off x="1309370" y="2014220"/>
             <a:ext cx="833755" cy="368300"/>
           </a:xfrm>
           <a:prstGeom prst="rect">
@@ -10603,7 +16654,7 @@
         </p:nvSpPr>
         <p:spPr>
           <a:xfrm>
-            <a:off x="4050665" y="3693160"/>
+            <a:off x="3824605" y="3693160"/>
             <a:ext cx="4992370" cy="686435"/>
           </a:xfrm>
           <a:prstGeom prst="roundRect">
@@ -10727,9 +16778,227 @@
       </p:par>
     </p:tnLst>
     <p:bldLst>
-      <p:bldP spid="10" grpId="0" animBg="1"/>
+      <p:bldP spid="10" grpId="0" bldLvl="0" animBg="1"/>
     </p:bldLst>
   </p:timing>
+</p:sld>
+</file>
+
+<file path=ppt/slides/slide20.xml><?xml version="1.0" encoding="utf-8"?>
+<p:sld xmlns:a="http://schemas.openxmlformats.org/drawingml/2006/main" xmlns:r="http://schemas.openxmlformats.org/officeDocument/2006/relationships" xmlns:p="http://schemas.openxmlformats.org/presentationml/2006/main">
+  <p:cSld>
+    <p:spTree>
+      <p:nvGrpSpPr>
+        <p:cNvPr id="1" name=""/>
+        <p:cNvGrpSpPr/>
+        <p:nvPr/>
+      </p:nvGrpSpPr>
+      <p:grpSpPr/>
+      <p:sp>
+        <p:nvSpPr>
+          <p:cNvPr id="2" name="标题 1"/>
+          <p:cNvSpPr>
+            <a:spLocks noGrp="1"/>
+          </p:cNvSpPr>
+          <p:nvPr>
+            <p:ph type="title"/>
+          </p:nvPr>
+        </p:nvSpPr>
+        <p:spPr/>
+        <p:txBody>
+          <a:bodyPr/>
+          <a:p>
+            <a:r>
+              <a:rPr lang="en-US" altLang="zh-CN"/>
+              <a:t>Reference</a:t>
+            </a:r>
+            <a:endParaRPr lang="en-US" altLang="zh-CN"/>
+          </a:p>
+        </p:txBody>
+      </p:sp>
+      <p:sp>
+        <p:nvSpPr>
+          <p:cNvPr id="24" name="文本框 23"/>
+          <p:cNvSpPr txBox="1"/>
+          <p:nvPr/>
+        </p:nvSpPr>
+        <p:spPr>
+          <a:xfrm>
+            <a:off x="838200" y="1380490"/>
+            <a:ext cx="10932795" cy="3784600"/>
+          </a:xfrm>
+          <a:prstGeom prst="rect">
+            <a:avLst/>
+          </a:prstGeom>
+          <a:noFill/>
+        </p:spPr>
+        <p:txBody>
+          <a:bodyPr wrap="square" rtlCol="0">
+            <a:spAutoFit/>
+          </a:bodyPr>
+          <a:p>
+            <a:pPr>
+              <a:lnSpc>
+                <a:spcPct val="200000"/>
+              </a:lnSpc>
+            </a:pPr>
+            <a:r>
+              <a:rPr lang="en-US" altLang="zh-CN" sz="2000">
+                <a:solidFill>
+                  <a:schemeClr val="bg2">
+                    <a:lumMod val="50000"/>
+                  </a:schemeClr>
+                </a:solidFill>
+                <a:sym typeface="+mn-ea"/>
+              </a:rPr>
+              <a:t>[1] Shuffling, Fast and Slow: Scalable Analytics on Serverless Infrastructure  NSDI’19</a:t>
+            </a:r>
+            <a:endParaRPr lang="en-US" altLang="zh-CN" sz="2000">
+              <a:solidFill>
+                <a:schemeClr val="bg2">
+                  <a:lumMod val="50000"/>
+                </a:schemeClr>
+              </a:solidFill>
+              <a:sym typeface="+mn-ea"/>
+            </a:endParaRPr>
+          </a:p>
+          <a:p>
+            <a:pPr>
+              <a:lnSpc>
+                <a:spcPct val="200000"/>
+              </a:lnSpc>
+            </a:pPr>
+            <a:r>
+              <a:rPr lang="en-US" altLang="zh-CN" sz="2000">
+                <a:solidFill>
+                  <a:schemeClr val="bg2">
+                    <a:lumMod val="50000"/>
+                  </a:schemeClr>
+                </a:solidFill>
+                <a:sym typeface="+mn-ea"/>
+              </a:rPr>
+              <a:t>[2] Caerus: NIMBLE Task Scheduling for Serverless Analytics  NSDI’21</a:t>
+            </a:r>
+            <a:endParaRPr lang="en-US" altLang="zh-CN" sz="2000">
+              <a:solidFill>
+                <a:schemeClr val="bg2">
+                  <a:lumMod val="50000"/>
+                </a:schemeClr>
+              </a:solidFill>
+              <a:sym typeface="+mn-ea"/>
+            </a:endParaRPr>
+          </a:p>
+          <a:p>
+            <a:pPr>
+              <a:lnSpc>
+                <a:spcPct val="200000"/>
+              </a:lnSpc>
+            </a:pPr>
+            <a:r>
+              <a:rPr lang="en-US" altLang="zh-CN" sz="2000">
+                <a:solidFill>
+                  <a:schemeClr val="bg2">
+                    <a:lumMod val="50000"/>
+                  </a:schemeClr>
+                </a:solidFill>
+                <a:sym typeface="+mn-ea"/>
+              </a:rPr>
+              <a:t>[3] Pocket: Elastic Ephemeral Storage for Serverless Analytics OSDI ’18</a:t>
+            </a:r>
+            <a:endParaRPr lang="en-US" altLang="zh-CN" sz="2000">
+              <a:solidFill>
+                <a:schemeClr val="bg2">
+                  <a:lumMod val="50000"/>
+                </a:schemeClr>
+              </a:solidFill>
+              <a:sym typeface="+mn-ea"/>
+            </a:endParaRPr>
+          </a:p>
+          <a:p>
+            <a:pPr>
+              <a:lnSpc>
+                <a:spcPct val="200000"/>
+              </a:lnSpc>
+            </a:pPr>
+            <a:r>
+              <a:rPr lang="en-US" altLang="zh-CN" sz="2000">
+                <a:solidFill>
+                  <a:schemeClr val="bg2">
+                    <a:lumMod val="50000"/>
+                  </a:schemeClr>
+                </a:solidFill>
+                <a:sym typeface="+mn-ea"/>
+              </a:rPr>
+              <a:t>[4] Understanding Ephemeral Storage for Serverless Analytics  ATC’18</a:t>
+            </a:r>
+            <a:endParaRPr lang="en-US" altLang="zh-CN" sz="2000">
+              <a:solidFill>
+                <a:schemeClr val="bg2">
+                  <a:lumMod val="50000"/>
+                </a:schemeClr>
+              </a:solidFill>
+              <a:sym typeface="+mn-ea"/>
+            </a:endParaRPr>
+          </a:p>
+          <a:p>
+            <a:pPr>
+              <a:lnSpc>
+                <a:spcPct val="200000"/>
+              </a:lnSpc>
+            </a:pPr>
+            <a:r>
+              <a:rPr lang="en-US" altLang="zh-CN" sz="2000">
+                <a:solidFill>
+                  <a:schemeClr val="bg2">
+                    <a:lumMod val="50000"/>
+                  </a:schemeClr>
+                </a:solidFill>
+                <a:sym typeface="+mn-ea"/>
+              </a:rPr>
+              <a:t>[5] Sonic: Application-aware Data Passing for Chained Serverless Applications  ATC’21</a:t>
+            </a:r>
+            <a:endParaRPr lang="en-US" altLang="zh-CN" sz="2000">
+              <a:solidFill>
+                <a:schemeClr val="bg2">
+                  <a:lumMod val="50000"/>
+                </a:schemeClr>
+              </a:solidFill>
+              <a:sym typeface="+mn-ea"/>
+            </a:endParaRPr>
+          </a:p>
+          <a:p>
+            <a:pPr>
+              <a:lnSpc>
+                <a:spcPct val="200000"/>
+              </a:lnSpc>
+            </a:pPr>
+            <a:r>
+              <a:rPr lang="en-US" altLang="zh-CN" sz="2000">
+                <a:solidFill>
+                  <a:schemeClr val="bg2">
+                    <a:lumMod val="50000"/>
+                  </a:schemeClr>
+                </a:solidFill>
+                <a:sym typeface="+mn-ea"/>
+              </a:rPr>
+              <a:t>[6] Towards Latency Sensitive Cloud Native Applications: A Performance Study on AWS  CLOUD’19</a:t>
+            </a:r>
+            <a:endParaRPr lang="en-US" altLang="zh-CN" sz="2000">
+              <a:solidFill>
+                <a:schemeClr val="bg2">
+                  <a:lumMod val="50000"/>
+                </a:schemeClr>
+              </a:solidFill>
+              <a:sym typeface="+mn-ea"/>
+            </a:endParaRPr>
+          </a:p>
+        </p:txBody>
+      </p:sp>
+    </p:spTree>
+  </p:cSld>
+  <p:clrMapOvr>
+    <a:masterClrMapping/>
+  </p:clrMapOvr>
 </p:sld>
 </file>
 
@@ -13959,6 +20228,10 @@
             <a:r>
               <a:rPr lang="en-US" altLang="zh-CN" b="1"/>
               <a:t>function</a:t>
+            </a:r>
+            <a:r>
+              <a:rPr lang="en-US" altLang="zh-CN" b="1"/>
+              <a:t>s</a:t>
             </a:r>
             <a:endParaRPr lang="en-US" altLang="zh-CN" b="1"/>
           </a:p>
@@ -15952,6 +22225,10 @@
               <a:rPr lang="en-US" altLang="zh-CN" b="1"/>
               <a:t>function</a:t>
             </a:r>
+            <a:r>
+              <a:rPr lang="en-US" altLang="zh-CN" b="1"/>
+              <a:t>s</a:t>
+            </a:r>
             <a:endParaRPr lang="en-US" altLang="zh-CN" b="1"/>
           </a:p>
         </p:txBody>
@@ -21215,7 +27492,7 @@
                 <a:latin typeface="微软雅黑" panose="020B0503020204020204" charset="-122"/>
                 <a:ea typeface="微软雅黑" panose="020B0503020204020204" charset="-122"/>
               </a:rPr>
-              <a:t>Data access frequency</a:t>
+              <a:t>Data access pattern</a:t>
             </a:r>
             <a:endParaRPr lang="en-US" altLang="zh-CN">
               <a:solidFill>
@@ -21980,7 +28257,8 @@
                   <a:schemeClr val="tx1"/>
                 </a:solidFill>
                 <a:uFillTx/>
-                <a:latin typeface="等线" panose="02010600030101010101" charset="-122"/>
+                <a:latin typeface="微软雅黑" panose="020B0503020204020204" charset="-122"/>
+                <a:ea typeface="微软雅黑" panose="020B0503020204020204" charset="-122"/>
               </a:rPr>
               <a:t>Stages</a:t>
             </a:r>
@@ -22140,7 +28418,8 @@
                   <a:schemeClr val="tx1"/>
                 </a:solidFill>
                 <a:uFillTx/>
-                <a:latin typeface="等线" panose="02010600030101010101" charset="-122"/>
+                <a:latin typeface="微软雅黑" panose="020B0503020204020204" charset="-122"/>
+                <a:ea typeface="微软雅黑" panose="020B0503020204020204" charset="-122"/>
               </a:rPr>
               <a:t>Tasks</a:t>
             </a:r>
@@ -22310,7 +28589,8 @@
                   <a:schemeClr val="tx1"/>
                 </a:solidFill>
                 <a:uFillTx/>
-                <a:latin typeface="等线" panose="02010600030101010101" charset="-122"/>
+                <a:latin typeface="微软雅黑" panose="020B0503020204020204" charset="-122"/>
+                <a:ea typeface="微软雅黑" panose="020B0503020204020204" charset="-122"/>
               </a:rPr>
               <a:t>F</a:t>
             </a:r>
@@ -22320,7 +28600,8 @@
                   <a:schemeClr val="tx1"/>
                 </a:solidFill>
                 <a:uFillTx/>
-                <a:latin typeface="等线" panose="02010600030101010101" charset="-122"/>
+                <a:latin typeface="微软雅黑" panose="020B0503020204020204" charset="-122"/>
+                <a:ea typeface="微软雅黑" panose="020B0503020204020204" charset="-122"/>
               </a:rPr>
               <a:t>unctions</a:t>
             </a:r>
